--- a/ppt/typescript（二）.pptx
+++ b/ppt/typescript（二）.pptx
@@ -2,31 +2,31 @@
 <file path=ppt/presentation.xml><?xml version="1.0" encoding="utf-8"?>
 <p:presentation xmlns:a="http://schemas.openxmlformats.org/drawingml/2006/main" xmlns:r="http://schemas.openxmlformats.org/officeDocument/2006/relationships" xmlns:p="http://schemas.openxmlformats.org/presentationml/2006/main">
   <p:sldMasterIdLst>
-    <p:sldMasterId id="2147483648" r:id="rId5"/>
+    <p:sldMasterId id="2147483648" r:id="rId1"/>
   </p:sldMasterIdLst>
   <p:notesMasterIdLst>
-    <p:notesMasterId r:id="rId7"/>
+    <p:notesMasterId r:id="rId21"/>
   </p:notesMasterIdLst>
   <p:sldIdLst>
-    <p:sldId id="256" r:id="rId8"/>
-    <p:sldId id="257" r:id="rId9"/>
-    <p:sldId id="258" r:id="rId10"/>
-    <p:sldId id="259" r:id="rId11"/>
-    <p:sldId id="260" r:id="rId12"/>
-    <p:sldId id="261" r:id="rId13"/>
-    <p:sldId id="262" r:id="rId14"/>
-    <p:sldId id="263" r:id="rId15"/>
-    <p:sldId id="264" r:id="rId16"/>
-    <p:sldId id="265" r:id="rId17"/>
-    <p:sldId id="266" r:id="rId18"/>
-    <p:sldId id="267" r:id="rId19"/>
-    <p:sldId id="268" r:id="rId20"/>
-    <p:sldId id="269" r:id="rId21"/>
-    <p:sldId id="270" r:id="rId22"/>
-    <p:sldId id="271" r:id="rId23"/>
-    <p:sldId id="272" r:id="rId24"/>
-    <p:sldId id="273" r:id="rId25"/>
-    <p:sldId id="274" r:id="rId26"/>
+    <p:sldId id="256" r:id="rId2"/>
+    <p:sldId id="257" r:id="rId3"/>
+    <p:sldId id="258" r:id="rId4"/>
+    <p:sldId id="259" r:id="rId5"/>
+    <p:sldId id="260" r:id="rId6"/>
+    <p:sldId id="261" r:id="rId7"/>
+    <p:sldId id="262" r:id="rId8"/>
+    <p:sldId id="263" r:id="rId9"/>
+    <p:sldId id="264" r:id="rId10"/>
+    <p:sldId id="265" r:id="rId11"/>
+    <p:sldId id="266" r:id="rId12"/>
+    <p:sldId id="267" r:id="rId13"/>
+    <p:sldId id="268" r:id="rId14"/>
+    <p:sldId id="269" r:id="rId15"/>
+    <p:sldId id="270" r:id="rId16"/>
+    <p:sldId id="271" r:id="rId17"/>
+    <p:sldId id="272" r:id="rId18"/>
+    <p:sldId id="273" r:id="rId19"/>
+    <p:sldId id="274" r:id="rId20"/>
   </p:sldIdLst>
   <p:sldSz cx="14401800" cy="10795000"/>
   <p:notesSz cx="6858000" cy="9144000"/>
@@ -46,7 +46,7 @@
       <a:buFontTx/>
       <a:buNone/>
       <a:tabLst/>
-      <a:defRPr b="0" baseline="0" cap="none" i="0" spc="0" strike="noStrike" sz="1800" u="none" kumimoji="0" normalizeH="0">
+      <a:defRPr kumimoji="0" sz="1800" b="0" i="0" u="none" strike="noStrike" cap="none" spc="0" normalizeH="0" baseline="0">
         <a:ln>
           <a:noFill/>
         </a:ln>
@@ -72,7 +72,7 @@
       <a:buFontTx/>
       <a:buNone/>
       <a:tabLst/>
-      <a:defRPr b="0" baseline="0" cap="none" i="0" spc="0" strike="noStrike" sz="2800" u="none" kumimoji="0" normalizeH="0">
+      <a:defRPr kumimoji="0" sz="2800" b="0" i="0" u="none" strike="noStrike" cap="none" spc="0" normalizeH="0" baseline="0">
         <a:ln>
           <a:noFill/>
         </a:ln>
@@ -102,7 +102,7 @@
       <a:buFontTx/>
       <a:buNone/>
       <a:tabLst/>
-      <a:defRPr b="0" baseline="0" cap="none" i="0" spc="0" strike="noStrike" sz="2800" u="none" kumimoji="0" normalizeH="0">
+      <a:defRPr kumimoji="0" sz="2800" b="0" i="0" u="none" strike="noStrike" cap="none" spc="0" normalizeH="0" baseline="0">
         <a:ln>
           <a:noFill/>
         </a:ln>
@@ -132,7 +132,7 @@
       <a:buFontTx/>
       <a:buNone/>
       <a:tabLst/>
-      <a:defRPr b="0" baseline="0" cap="none" i="0" spc="0" strike="noStrike" sz="2800" u="none" kumimoji="0" normalizeH="0">
+      <a:defRPr kumimoji="0" sz="2800" b="0" i="0" u="none" strike="noStrike" cap="none" spc="0" normalizeH="0" baseline="0">
         <a:ln>
           <a:noFill/>
         </a:ln>
@@ -162,7 +162,7 @@
       <a:buFontTx/>
       <a:buNone/>
       <a:tabLst/>
-      <a:defRPr b="0" baseline="0" cap="none" i="0" spc="0" strike="noStrike" sz="2800" u="none" kumimoji="0" normalizeH="0">
+      <a:defRPr kumimoji="0" sz="2800" b="0" i="0" u="none" strike="noStrike" cap="none" spc="0" normalizeH="0" baseline="0">
         <a:ln>
           <a:noFill/>
         </a:ln>
@@ -192,7 +192,7 @@
       <a:buFontTx/>
       <a:buNone/>
       <a:tabLst/>
-      <a:defRPr b="0" baseline="0" cap="none" i="0" spc="0" strike="noStrike" sz="2800" u="none" kumimoji="0" normalizeH="0">
+      <a:defRPr kumimoji="0" sz="2800" b="0" i="0" u="none" strike="noStrike" cap="none" spc="0" normalizeH="0" baseline="0">
         <a:ln>
           <a:noFill/>
         </a:ln>
@@ -222,7 +222,7 @@
       <a:buFontTx/>
       <a:buNone/>
       <a:tabLst/>
-      <a:defRPr b="0" baseline="0" cap="none" i="0" spc="0" strike="noStrike" sz="2800" u="none" kumimoji="0" normalizeH="0">
+      <a:defRPr kumimoji="0" sz="2800" b="0" i="0" u="none" strike="noStrike" cap="none" spc="0" normalizeH="0" baseline="0">
         <a:ln>
           <a:noFill/>
         </a:ln>
@@ -252,7 +252,7 @@
       <a:buFontTx/>
       <a:buNone/>
       <a:tabLst/>
-      <a:defRPr b="0" baseline="0" cap="none" i="0" spc="0" strike="noStrike" sz="2800" u="none" kumimoji="0" normalizeH="0">
+      <a:defRPr kumimoji="0" sz="2800" b="0" i="0" u="none" strike="noStrike" cap="none" spc="0" normalizeH="0" baseline="0">
         <a:ln>
           <a:noFill/>
         </a:ln>
@@ -282,7 +282,7 @@
       <a:buFontTx/>
       <a:buNone/>
       <a:tabLst/>
-      <a:defRPr b="0" baseline="0" cap="none" i="0" spc="0" strike="noStrike" sz="2800" u="none" kumimoji="0" normalizeH="0">
+      <a:defRPr kumimoji="0" sz="2800" b="0" i="0" u="none" strike="noStrike" cap="none" spc="0" normalizeH="0" baseline="0">
         <a:ln>
           <a:noFill/>
         </a:ln>
@@ -312,7 +312,7 @@
       <a:buFontTx/>
       <a:buNone/>
       <a:tabLst/>
-      <a:defRPr b="0" baseline="0" cap="none" i="0" spc="0" strike="noStrike" sz="2800" u="none" kumimoji="0" normalizeH="0">
+      <a:defRPr kumimoji="0" sz="2800" b="0" i="0" u="none" strike="noStrike" cap="none" spc="0" normalizeH="0" baseline="0">
         <a:ln>
           <a:noFill/>
         </a:ln>
@@ -328,16 +328,22 @@
       </a:defRPr>
     </a:lvl9pPr>
   </p:defaultTextStyle>
+  <p:extLst>
+    <p:ext uri="{EFAFB233-063F-42B5-8137-9DF3F51BA10A}">
+      <p15:sldGuideLst xmlns:p15="http://schemas.microsoft.com/office/powerpoint/2012/main"/>
+    </p:ext>
+  </p:extLst>
 </p:presentation>
-</file>
-
-<file path=ppt/commentAuthors.xml><?xml version="1.0" encoding="utf-8"?>
-<p:cmAuthorLst xmlns:a="http://schemas.openxmlformats.org/drawingml/2006/main" xmlns:r="http://schemas.openxmlformats.org/officeDocument/2006/relationships" xmlns:p="http://schemas.openxmlformats.org/presentationml/2006/main"/>
 </file>
 
 <file path=ppt/notesMasters/notesMaster1.xml><?xml version="1.0" encoding="utf-8"?>
 <p:notesMaster xmlns:a="http://schemas.openxmlformats.org/drawingml/2006/main" xmlns:r="http://schemas.openxmlformats.org/officeDocument/2006/relationships" xmlns:p="http://schemas.openxmlformats.org/presentationml/2006/main">
   <p:cSld>
+    <p:bg>
+      <p:bgRef idx="1001">
+        <a:schemeClr val="bg1"/>
+      </p:bgRef>
+    </p:bg>
     <p:spTree>
       <p:nvGrpSpPr>
         <p:cNvPr id="1" name=""/>
@@ -355,7 +361,9 @@
       <p:sp>
         <p:nvSpPr>
           <p:cNvPr id="120" name="Shape 120"/>
-          <p:cNvSpPr/>
+          <p:cNvSpPr>
+            <a:spLocks noGrp="1" noRot="1" noChangeAspect="1"/>
+          </p:cNvSpPr>
           <p:nvPr>
             <p:ph type="sldImg"/>
           </p:nvPr>
@@ -373,14 +381,16 @@
           <a:bodyPr/>
           <a:lstStyle/>
           <a:p>
-            <a:pPr/>
+            <a:endParaRPr/>
           </a:p>
         </p:txBody>
       </p:sp>
       <p:sp>
         <p:nvSpPr>
           <p:cNvPr id="121" name="Shape 121"/>
-          <p:cNvSpPr/>
+          <p:cNvSpPr>
+            <a:spLocks noGrp="1"/>
+          </p:cNvSpPr>
           <p:nvPr>
             <p:ph type="body" sz="quarter" idx="1"/>
           </p:nvPr>
@@ -398,7 +408,7 @@
           <a:bodyPr/>
           <a:lstStyle/>
           <a:p>
-            <a:pPr/>
+            <a:endParaRPr/>
           </a:p>
         </p:txBody>
       </p:sp>
@@ -483,7 +493,7 @@
 </file>
 
 <file path=ppt/slideLayouts/slideLayout1.xml><?xml version="1.0" encoding="utf-8"?>
-<p:sldLayout xmlns:a="http://schemas.openxmlformats.org/drawingml/2006/main" xmlns:r="http://schemas.openxmlformats.org/officeDocument/2006/relationships" xmlns:p="http://schemas.openxmlformats.org/presentationml/2006/main" type="title" showMasterSp="1" showMasterPhAnim="1">
+<p:sldLayout xmlns:a="http://schemas.openxmlformats.org/drawingml/2006/main" xmlns:r="http://schemas.openxmlformats.org/officeDocument/2006/relationships" xmlns:p="http://schemas.openxmlformats.org/presentationml/2006/main" type="title">
   <p:cSld name="標題投影片">
     <p:spTree>
       <p:nvGrpSpPr>
@@ -531,7 +541,9 @@
       <p:sp>
         <p:nvSpPr>
           <p:cNvPr id="12" name="Title Text"/>
-          <p:cNvSpPr txBox="1"/>
+          <p:cNvSpPr txBox="1">
+            <a:spLocks noGrp="1"/>
+          </p:cNvSpPr>
           <p:nvPr>
             <p:ph type="title"/>
           </p:nvPr>
@@ -549,7 +561,6 @@
           <a:bodyPr/>
           <a:lstStyle/>
           <a:p>
-            <a:pPr/>
             <a:r>
               <a:t>Title Text</a:t>
             </a:r>
@@ -559,7 +570,9 @@
       <p:sp>
         <p:nvSpPr>
           <p:cNvPr id="13" name="Body Level One…"/>
-          <p:cNvSpPr txBox="1"/>
+          <p:cNvSpPr txBox="1">
+            <a:spLocks noGrp="1"/>
+          </p:cNvSpPr>
           <p:nvPr>
             <p:ph type="body" sz="quarter" idx="1"/>
           </p:nvPr>
@@ -628,7 +641,6 @@
             </a:lvl5pPr>
           </a:lstStyle>
           <a:p>
-            <a:pPr/>
             <a:r>
               <a:t>Body Level One</a:t>
             </a:r>
@@ -662,7 +674,9 @@
       <p:sp>
         <p:nvSpPr>
           <p:cNvPr id="14" name="Slide Number"/>
-          <p:cNvSpPr txBox="1"/>
+          <p:cNvSpPr txBox="1">
+            <a:spLocks noGrp="1"/>
+          </p:cNvSpPr>
           <p:nvPr>
             <p:ph type="sldNum" sz="quarter" idx="2"/>
           </p:nvPr>
@@ -676,8 +690,10 @@
           <a:bodyPr/>
           <a:lstStyle/>
           <a:p>
-            <a:pPr/>
-            <a:fld id="{86CB4B4D-7CA3-9044-876B-883B54F8677D}" type="slidenum"/>
+            <a:fld id="{86CB4B4D-7CA3-9044-876B-883B54F8677D}" type="slidenum">
+              <a:t>‹#›</a:t>
+            </a:fld>
+            <a:endParaRPr/>
           </a:p>
         </p:txBody>
       </p:sp>
@@ -686,12 +702,12 @@
   <p:clrMapOvr>
     <a:masterClrMapping/>
   </p:clrMapOvr>
-  <p:transition xmlns:p14="http://schemas.microsoft.com/office/powerpoint/2010/main" spd="med" advClick="1"/>
+  <p:transition spd="med"/>
 </p:sldLayout>
 </file>
 
 <file path=ppt/slideLayouts/slideLayout10.xml><?xml version="1.0" encoding="utf-8"?>
-<p:sldLayout xmlns:a="http://schemas.openxmlformats.org/drawingml/2006/main" xmlns:r="http://schemas.openxmlformats.org/officeDocument/2006/relationships" xmlns:p="http://schemas.openxmlformats.org/presentationml/2006/main" type="tx" showMasterSp="1" showMasterPhAnim="1">
+<p:sldLayout xmlns:a="http://schemas.openxmlformats.org/drawingml/2006/main" xmlns:r="http://schemas.openxmlformats.org/officeDocument/2006/relationships" xmlns:p="http://schemas.openxmlformats.org/presentationml/2006/main" type="tx">
   <p:cSld name="標題及直排文字">
     <p:spTree>
       <p:nvGrpSpPr>
@@ -710,7 +726,9 @@
       <p:sp>
         <p:nvSpPr>
           <p:cNvPr id="93" name="Title Text"/>
-          <p:cNvSpPr txBox="1"/>
+          <p:cNvSpPr txBox="1">
+            <a:spLocks noGrp="1"/>
+          </p:cNvSpPr>
           <p:nvPr>
             <p:ph type="title"/>
           </p:nvPr>
@@ -724,7 +742,6 @@
           <a:bodyPr/>
           <a:lstStyle/>
           <a:p>
-            <a:pPr/>
             <a:r>
               <a:t>Title Text</a:t>
             </a:r>
@@ -734,7 +751,9 @@
       <p:sp>
         <p:nvSpPr>
           <p:cNvPr id="94" name="Body Level One…"/>
-          <p:cNvSpPr txBox="1"/>
+          <p:cNvSpPr txBox="1">
+            <a:spLocks noGrp="1"/>
+          </p:cNvSpPr>
           <p:nvPr>
             <p:ph type="body" idx="1"/>
           </p:nvPr>
@@ -748,7 +767,6 @@
           <a:bodyPr/>
           <a:lstStyle/>
           <a:p>
-            <a:pPr/>
             <a:r>
               <a:t>Body Level One</a:t>
             </a:r>
@@ -782,7 +800,9 @@
       <p:sp>
         <p:nvSpPr>
           <p:cNvPr id="95" name="Slide Number"/>
-          <p:cNvSpPr txBox="1"/>
+          <p:cNvSpPr txBox="1">
+            <a:spLocks noGrp="1"/>
+          </p:cNvSpPr>
           <p:nvPr>
             <p:ph type="sldNum" sz="quarter" idx="2"/>
           </p:nvPr>
@@ -796,8 +816,10 @@
           <a:bodyPr/>
           <a:lstStyle/>
           <a:p>
-            <a:pPr/>
-            <a:fld id="{86CB4B4D-7CA3-9044-876B-883B54F8677D}" type="slidenum"/>
+            <a:fld id="{86CB4B4D-7CA3-9044-876B-883B54F8677D}" type="slidenum">
+              <a:t>‹#›</a:t>
+            </a:fld>
+            <a:endParaRPr/>
           </a:p>
         </p:txBody>
       </p:sp>
@@ -806,12 +828,12 @@
   <p:clrMapOvr>
     <a:masterClrMapping/>
   </p:clrMapOvr>
-  <p:transition xmlns:p14="http://schemas.microsoft.com/office/powerpoint/2010/main" spd="med" advClick="1"/>
+  <p:transition spd="med"/>
 </p:sldLayout>
 </file>
 
 <file path=ppt/slideLayouts/slideLayout11.xml><?xml version="1.0" encoding="utf-8"?>
-<p:sldLayout xmlns:a="http://schemas.openxmlformats.org/drawingml/2006/main" xmlns:r="http://schemas.openxmlformats.org/officeDocument/2006/relationships" xmlns:p="http://schemas.openxmlformats.org/presentationml/2006/main" type="tx" showMasterSp="1" showMasterPhAnim="1">
+<p:sldLayout xmlns:a="http://schemas.openxmlformats.org/drawingml/2006/main" xmlns:r="http://schemas.openxmlformats.org/officeDocument/2006/relationships" xmlns:p="http://schemas.openxmlformats.org/presentationml/2006/main" type="tx">
   <p:cSld name="標題投影片">
     <p:spTree>
       <p:nvGrpSpPr>
@@ -830,7 +852,9 @@
       <p:sp>
         <p:nvSpPr>
           <p:cNvPr id="102" name="Title Text"/>
-          <p:cNvSpPr txBox="1"/>
+          <p:cNvSpPr txBox="1">
+            <a:spLocks noGrp="1"/>
+          </p:cNvSpPr>
           <p:nvPr>
             <p:ph type="title"/>
           </p:nvPr>
@@ -857,7 +881,6 @@
             </a:lvl1pPr>
           </a:lstStyle>
           <a:p>
-            <a:pPr/>
             <a:r>
               <a:t>Title Text</a:t>
             </a:r>
@@ -867,7 +890,9 @@
       <p:sp>
         <p:nvSpPr>
           <p:cNvPr id="103" name="Body Level One…"/>
-          <p:cNvSpPr txBox="1"/>
+          <p:cNvSpPr txBox="1">
+            <a:spLocks noGrp="1"/>
+          </p:cNvSpPr>
           <p:nvPr>
             <p:ph type="body" sz="quarter" idx="1"/>
           </p:nvPr>
@@ -956,7 +981,6 @@
             </a:lvl5pPr>
           </a:lstStyle>
           <a:p>
-            <a:pPr/>
             <a:r>
               <a:t>Body Level One</a:t>
             </a:r>
@@ -1019,7 +1043,9 @@
       <p:sp>
         <p:nvSpPr>
           <p:cNvPr id="105" name="Slide Number"/>
-          <p:cNvSpPr txBox="1"/>
+          <p:cNvSpPr txBox="1">
+            <a:spLocks noGrp="1"/>
+          </p:cNvSpPr>
           <p:nvPr>
             <p:ph type="sldNum" sz="quarter" idx="2"/>
           </p:nvPr>
@@ -1046,8 +1072,10 @@
             </a:lvl1pPr>
           </a:lstStyle>
           <a:p>
-            <a:pPr/>
-            <a:fld id="{86CB4B4D-7CA3-9044-876B-883B54F8677D}" type="slidenum"/>
+            <a:fld id="{86CB4B4D-7CA3-9044-876B-883B54F8677D}" type="slidenum">
+              <a:t>‹#›</a:t>
+            </a:fld>
+            <a:endParaRPr/>
           </a:p>
         </p:txBody>
       </p:sp>
@@ -1056,12 +1084,12 @@
   <p:clrMapOvr>
     <a:masterClrMapping/>
   </p:clrMapOvr>
-  <p:transition xmlns:p14="http://schemas.microsoft.com/office/powerpoint/2010/main" spd="med" advClick="1"/>
+  <p:transition spd="med"/>
 </p:sldLayout>
 </file>
 
 <file path=ppt/slideLayouts/slideLayout12.xml><?xml version="1.0" encoding="utf-8"?>
-<p:sldLayout xmlns:a="http://schemas.openxmlformats.org/drawingml/2006/main" xmlns:r="http://schemas.openxmlformats.org/officeDocument/2006/relationships" xmlns:p="http://schemas.openxmlformats.org/presentationml/2006/main" type="tx" showMasterSp="1" showMasterPhAnim="1">
+<p:sldLayout xmlns:a="http://schemas.openxmlformats.org/drawingml/2006/main" xmlns:r="http://schemas.openxmlformats.org/officeDocument/2006/relationships" xmlns:p="http://schemas.openxmlformats.org/presentationml/2006/main" type="tx">
   <p:cSld name="標題及物件">
     <p:spTree>
       <p:nvGrpSpPr>
@@ -1080,7 +1108,9 @@
       <p:sp>
         <p:nvSpPr>
           <p:cNvPr id="112" name="Title Text"/>
-          <p:cNvSpPr txBox="1"/>
+          <p:cNvSpPr txBox="1">
+            <a:spLocks noGrp="1"/>
+          </p:cNvSpPr>
           <p:nvPr>
             <p:ph type="title"/>
           </p:nvPr>
@@ -1103,7 +1133,6 @@
             </a:lvl1pPr>
           </a:lstStyle>
           <a:p>
-            <a:pPr/>
             <a:r>
               <a:t>Title Text</a:t>
             </a:r>
@@ -1113,7 +1142,9 @@
       <p:sp>
         <p:nvSpPr>
           <p:cNvPr id="113" name="Body Level One…"/>
-          <p:cNvSpPr txBox="1"/>
+          <p:cNvSpPr txBox="1">
+            <a:spLocks noGrp="1"/>
+          </p:cNvSpPr>
           <p:nvPr>
             <p:ph type="body" idx="1"/>
           </p:nvPr>
@@ -1168,7 +1199,6 @@
             </a:lvl5pPr>
           </a:lstStyle>
           <a:p>
-            <a:pPr/>
             <a:r>
               <a:t>Body Level One</a:t>
             </a:r>
@@ -1202,7 +1232,9 @@
       <p:sp>
         <p:nvSpPr>
           <p:cNvPr id="114" name="Slide Number"/>
-          <p:cNvSpPr txBox="1"/>
+          <p:cNvSpPr txBox="1">
+            <a:spLocks noGrp="1"/>
+          </p:cNvSpPr>
           <p:nvPr>
             <p:ph type="sldNum" sz="quarter" idx="2"/>
           </p:nvPr>
@@ -1229,8 +1261,10 @@
             </a:lvl1pPr>
           </a:lstStyle>
           <a:p>
-            <a:pPr/>
-            <a:fld id="{86CB4B4D-7CA3-9044-876B-883B54F8677D}" type="slidenum"/>
+            <a:fld id="{86CB4B4D-7CA3-9044-876B-883B54F8677D}" type="slidenum">
+              <a:t>‹#›</a:t>
+            </a:fld>
+            <a:endParaRPr/>
           </a:p>
         </p:txBody>
       </p:sp>
@@ -1239,12 +1273,12 @@
   <p:clrMapOvr>
     <a:masterClrMapping/>
   </p:clrMapOvr>
-  <p:transition xmlns:p14="http://schemas.microsoft.com/office/powerpoint/2010/main" spd="med" advClick="1"/>
+  <p:transition spd="med"/>
 </p:sldLayout>
 </file>
 
 <file path=ppt/slideLayouts/slideLayout2.xml><?xml version="1.0" encoding="utf-8"?>
-<p:sldLayout xmlns:a="http://schemas.openxmlformats.org/drawingml/2006/main" xmlns:r="http://schemas.openxmlformats.org/officeDocument/2006/relationships" xmlns:p="http://schemas.openxmlformats.org/presentationml/2006/main" type="tx" showMasterSp="1" showMasterPhAnim="1">
+<p:sldLayout xmlns:a="http://schemas.openxmlformats.org/drawingml/2006/main" xmlns:r="http://schemas.openxmlformats.org/officeDocument/2006/relationships" xmlns:p="http://schemas.openxmlformats.org/presentationml/2006/main" type="tx">
   <p:cSld name="標題及物件">
     <p:spTree>
       <p:nvGrpSpPr>
@@ -1263,7 +1297,9 @@
       <p:sp>
         <p:nvSpPr>
           <p:cNvPr id="21" name="Title Text"/>
-          <p:cNvSpPr txBox="1"/>
+          <p:cNvSpPr txBox="1">
+            <a:spLocks noGrp="1"/>
+          </p:cNvSpPr>
           <p:nvPr>
             <p:ph type="title"/>
           </p:nvPr>
@@ -1277,7 +1313,6 @@
           <a:bodyPr/>
           <a:lstStyle/>
           <a:p>
-            <a:pPr/>
             <a:r>
               <a:t>Title Text</a:t>
             </a:r>
@@ -1287,7 +1322,9 @@
       <p:sp>
         <p:nvSpPr>
           <p:cNvPr id="22" name="Body Level One…"/>
-          <p:cNvSpPr txBox="1"/>
+          <p:cNvSpPr txBox="1">
+            <a:spLocks noGrp="1"/>
+          </p:cNvSpPr>
           <p:nvPr>
             <p:ph type="body" idx="1"/>
           </p:nvPr>
@@ -1301,7 +1338,6 @@
           <a:bodyPr/>
           <a:lstStyle/>
           <a:p>
-            <a:pPr/>
             <a:r>
               <a:t>Body Level One</a:t>
             </a:r>
@@ -1335,7 +1371,9 @@
       <p:sp>
         <p:nvSpPr>
           <p:cNvPr id="23" name="Slide Number"/>
-          <p:cNvSpPr txBox="1"/>
+          <p:cNvSpPr txBox="1">
+            <a:spLocks noGrp="1"/>
+          </p:cNvSpPr>
           <p:nvPr>
             <p:ph type="sldNum" sz="quarter" idx="2"/>
           </p:nvPr>
@@ -1349,8 +1387,10 @@
           <a:bodyPr/>
           <a:lstStyle/>
           <a:p>
-            <a:pPr/>
-            <a:fld id="{86CB4B4D-7CA3-9044-876B-883B54F8677D}" type="slidenum"/>
+            <a:fld id="{86CB4B4D-7CA3-9044-876B-883B54F8677D}" type="slidenum">
+              <a:t>‹#›</a:t>
+            </a:fld>
+            <a:endParaRPr/>
           </a:p>
         </p:txBody>
       </p:sp>
@@ -1359,12 +1399,12 @@
   <p:clrMapOvr>
     <a:masterClrMapping/>
   </p:clrMapOvr>
-  <p:transition xmlns:p14="http://schemas.microsoft.com/office/powerpoint/2010/main" spd="med" advClick="1"/>
+  <p:transition spd="med"/>
 </p:sldLayout>
 </file>
 
 <file path=ppt/slideLayouts/slideLayout3.xml><?xml version="1.0" encoding="utf-8"?>
-<p:sldLayout xmlns:a="http://schemas.openxmlformats.org/drawingml/2006/main" xmlns:r="http://schemas.openxmlformats.org/officeDocument/2006/relationships" xmlns:p="http://schemas.openxmlformats.org/presentationml/2006/main" type="tx" showMasterSp="1" showMasterPhAnim="1">
+<p:sldLayout xmlns:a="http://schemas.openxmlformats.org/drawingml/2006/main" xmlns:r="http://schemas.openxmlformats.org/officeDocument/2006/relationships" xmlns:p="http://schemas.openxmlformats.org/presentationml/2006/main" type="tx">
   <p:cSld name="章節標題">
     <p:spTree>
       <p:nvGrpSpPr>
@@ -1383,7 +1423,9 @@
       <p:sp>
         <p:nvSpPr>
           <p:cNvPr id="30" name="Title Text"/>
-          <p:cNvSpPr txBox="1"/>
+          <p:cNvSpPr txBox="1">
+            <a:spLocks noGrp="1"/>
+          </p:cNvSpPr>
           <p:nvPr>
             <p:ph type="title"/>
           </p:nvPr>
@@ -1401,11 +1443,10 @@
           <a:bodyPr anchor="t"/>
           <a:lstStyle>
             <a:lvl1pPr algn="l">
-              <a:defRPr b="1" cap="all" sz="6200"/>
+              <a:defRPr sz="6200" b="1" cap="all"/>
             </a:lvl1pPr>
           </a:lstStyle>
           <a:p>
-            <a:pPr/>
             <a:r>
               <a:t>Title Text</a:t>
             </a:r>
@@ -1415,7 +1456,9 @@
       <p:sp>
         <p:nvSpPr>
           <p:cNvPr id="31" name="Body Level One…"/>
-          <p:cNvSpPr txBox="1"/>
+          <p:cNvSpPr txBox="1">
+            <a:spLocks noGrp="1"/>
+          </p:cNvSpPr>
           <p:nvPr>
             <p:ph type="body" sz="quarter" idx="1"/>
           </p:nvPr>
@@ -1499,7 +1542,6 @@
             </a:lvl5pPr>
           </a:lstStyle>
           <a:p>
-            <a:pPr/>
             <a:r>
               <a:t>Body Level One</a:t>
             </a:r>
@@ -1533,7 +1575,9 @@
       <p:sp>
         <p:nvSpPr>
           <p:cNvPr id="32" name="Slide Number"/>
-          <p:cNvSpPr txBox="1"/>
+          <p:cNvSpPr txBox="1">
+            <a:spLocks noGrp="1"/>
+          </p:cNvSpPr>
           <p:nvPr>
             <p:ph type="sldNum" sz="quarter" idx="2"/>
           </p:nvPr>
@@ -1547,8 +1591,10 @@
           <a:bodyPr/>
           <a:lstStyle/>
           <a:p>
-            <a:pPr/>
-            <a:fld id="{86CB4B4D-7CA3-9044-876B-883B54F8677D}" type="slidenum"/>
+            <a:fld id="{86CB4B4D-7CA3-9044-876B-883B54F8677D}" type="slidenum">
+              <a:t>‹#›</a:t>
+            </a:fld>
+            <a:endParaRPr/>
           </a:p>
         </p:txBody>
       </p:sp>
@@ -1557,12 +1603,12 @@
   <p:clrMapOvr>
     <a:masterClrMapping/>
   </p:clrMapOvr>
-  <p:transition xmlns:p14="http://schemas.microsoft.com/office/powerpoint/2010/main" spd="med" advClick="1"/>
+  <p:transition spd="med"/>
 </p:sldLayout>
 </file>
 
 <file path=ppt/slideLayouts/slideLayout4.xml><?xml version="1.0" encoding="utf-8"?>
-<p:sldLayout xmlns:a="http://schemas.openxmlformats.org/drawingml/2006/main" xmlns:r="http://schemas.openxmlformats.org/officeDocument/2006/relationships" xmlns:p="http://schemas.openxmlformats.org/presentationml/2006/main" type="tx" showMasterSp="1" showMasterPhAnim="1">
+<p:sldLayout xmlns:a="http://schemas.openxmlformats.org/drawingml/2006/main" xmlns:r="http://schemas.openxmlformats.org/officeDocument/2006/relationships" xmlns:p="http://schemas.openxmlformats.org/presentationml/2006/main" type="tx">
   <p:cSld name="兩項物件">
     <p:spTree>
       <p:nvGrpSpPr>
@@ -1581,7 +1627,9 @@
       <p:sp>
         <p:nvSpPr>
           <p:cNvPr id="39" name="Title Text"/>
-          <p:cNvSpPr txBox="1"/>
+          <p:cNvSpPr txBox="1">
+            <a:spLocks noGrp="1"/>
+          </p:cNvSpPr>
           <p:nvPr>
             <p:ph type="title"/>
           </p:nvPr>
@@ -1595,7 +1643,6 @@
           <a:bodyPr/>
           <a:lstStyle/>
           <a:p>
-            <a:pPr/>
             <a:r>
               <a:t>Title Text</a:t>
             </a:r>
@@ -1605,7 +1652,9 @@
       <p:sp>
         <p:nvSpPr>
           <p:cNvPr id="40" name="Body Level One…"/>
-          <p:cNvSpPr txBox="1"/>
+          <p:cNvSpPr txBox="1">
+            <a:spLocks noGrp="1"/>
+          </p:cNvSpPr>
           <p:nvPr>
             <p:ph type="body" sz="half" idx="1"/>
           </p:nvPr>
@@ -1654,7 +1703,6 @@
             </a:lvl5pPr>
           </a:lstStyle>
           <a:p>
-            <a:pPr/>
             <a:r>
               <a:t>Body Level One</a:t>
             </a:r>
@@ -1688,7 +1736,9 @@
       <p:sp>
         <p:nvSpPr>
           <p:cNvPr id="41" name="Slide Number"/>
-          <p:cNvSpPr txBox="1"/>
+          <p:cNvSpPr txBox="1">
+            <a:spLocks noGrp="1"/>
+          </p:cNvSpPr>
           <p:nvPr>
             <p:ph type="sldNum" sz="quarter" idx="2"/>
           </p:nvPr>
@@ -1702,8 +1752,10 @@
           <a:bodyPr/>
           <a:lstStyle/>
           <a:p>
-            <a:pPr/>
-            <a:fld id="{86CB4B4D-7CA3-9044-876B-883B54F8677D}" type="slidenum"/>
+            <a:fld id="{86CB4B4D-7CA3-9044-876B-883B54F8677D}" type="slidenum">
+              <a:t>‹#›</a:t>
+            </a:fld>
+            <a:endParaRPr/>
           </a:p>
         </p:txBody>
       </p:sp>
@@ -1712,12 +1764,12 @@
   <p:clrMapOvr>
     <a:masterClrMapping/>
   </p:clrMapOvr>
-  <p:transition xmlns:p14="http://schemas.microsoft.com/office/powerpoint/2010/main" spd="med" advClick="1"/>
+  <p:transition spd="med"/>
 </p:sldLayout>
 </file>
 
 <file path=ppt/slideLayouts/slideLayout5.xml><?xml version="1.0" encoding="utf-8"?>
-<p:sldLayout xmlns:a="http://schemas.openxmlformats.org/drawingml/2006/main" xmlns:r="http://schemas.openxmlformats.org/officeDocument/2006/relationships" xmlns:p="http://schemas.openxmlformats.org/presentationml/2006/main" type="tx" showMasterSp="1" showMasterPhAnim="1">
+<p:sldLayout xmlns:a="http://schemas.openxmlformats.org/drawingml/2006/main" xmlns:r="http://schemas.openxmlformats.org/officeDocument/2006/relationships" xmlns:p="http://schemas.openxmlformats.org/presentationml/2006/main" type="tx">
   <p:cSld name="比對">
     <p:spTree>
       <p:nvGrpSpPr>
@@ -1736,7 +1788,9 @@
       <p:sp>
         <p:nvSpPr>
           <p:cNvPr id="48" name="Body Level One…"/>
-          <p:cNvSpPr txBox="1"/>
+          <p:cNvSpPr txBox="1">
+            <a:spLocks noGrp="1"/>
+          </p:cNvSpPr>
           <p:nvPr>
             <p:ph type="body" sz="quarter" idx="1"/>
           </p:nvPr>
@@ -1760,39 +1814,38 @@
               <a:buSzTx/>
               <a:buFontTx/>
               <a:buNone/>
-              <a:defRPr b="1" sz="3700"/>
+              <a:defRPr sz="3700" b="1"/>
             </a:lvl1pPr>
             <a:lvl2pPr marL="1098406" indent="-378405">
               <a:spcBef>
                 <a:spcPts val="800"/>
               </a:spcBef>
               <a:buFontTx/>
-              <a:defRPr b="1" sz="3700"/>
+              <a:defRPr sz="3700" b="1"/>
             </a:lvl2pPr>
             <a:lvl3pPr marL="1799994" indent="-359997">
               <a:spcBef>
                 <a:spcPts val="800"/>
               </a:spcBef>
               <a:buFontTx/>
-              <a:defRPr b="1" sz="3700"/>
+              <a:defRPr sz="3700" b="1"/>
             </a:lvl3pPr>
             <a:lvl4pPr marL="2589670" indent="-429672">
               <a:spcBef>
                 <a:spcPts val="800"/>
               </a:spcBef>
               <a:buFontTx/>
-              <a:defRPr b="1" sz="3700"/>
+              <a:defRPr sz="3700" b="1"/>
             </a:lvl4pPr>
             <a:lvl5pPr marL="3309672" indent="-429672">
               <a:spcBef>
                 <a:spcPts val="800"/>
               </a:spcBef>
               <a:buFontTx/>
-              <a:defRPr b="1" sz="3700"/>
+              <a:defRPr sz="3700" b="1"/>
             </a:lvl5pPr>
           </a:lstStyle>
           <a:p>
-            <a:pPr/>
             <a:r>
               <a:t>Body Level One</a:t>
             </a:r>
@@ -1826,7 +1879,9 @@
       <p:sp>
         <p:nvSpPr>
           <p:cNvPr id="49" name="Title Text"/>
-          <p:cNvSpPr txBox="1"/>
+          <p:cNvSpPr txBox="1">
+            <a:spLocks noGrp="1"/>
+          </p:cNvSpPr>
           <p:nvPr>
             <p:ph type="title"/>
           </p:nvPr>
@@ -1840,7 +1895,6 @@
           <a:bodyPr/>
           <a:lstStyle/>
           <a:p>
-            <a:pPr/>
             <a:r>
               <a:t>Title Text</a:t>
             </a:r>
@@ -1850,7 +1904,9 @@
       <p:sp>
         <p:nvSpPr>
           <p:cNvPr id="50" name="正文级别 1…"/>
-          <p:cNvSpPr txBox="1"/>
+          <p:cNvSpPr txBox="1">
+            <a:spLocks noGrp="1"/>
+          </p:cNvSpPr>
           <p:nvPr>
             <p:ph type="body" sz="quarter" idx="13"/>
           </p:nvPr>
@@ -1868,14 +1924,16 @@
           <a:bodyPr anchor="b"/>
           <a:lstStyle/>
           <a:p>
-            <a:pPr/>
+            <a:endParaRPr/>
           </a:p>
         </p:txBody>
       </p:sp>
       <p:sp>
         <p:nvSpPr>
           <p:cNvPr id="51" name="Slide Number"/>
-          <p:cNvSpPr txBox="1"/>
+          <p:cNvSpPr txBox="1">
+            <a:spLocks noGrp="1"/>
+          </p:cNvSpPr>
           <p:nvPr>
             <p:ph type="sldNum" sz="quarter" idx="2"/>
           </p:nvPr>
@@ -1889,8 +1947,10 @@
           <a:bodyPr/>
           <a:lstStyle/>
           <a:p>
-            <a:pPr/>
-            <a:fld id="{86CB4B4D-7CA3-9044-876B-883B54F8677D}" type="slidenum"/>
+            <a:fld id="{86CB4B4D-7CA3-9044-876B-883B54F8677D}" type="slidenum">
+              <a:t>‹#›</a:t>
+            </a:fld>
+            <a:endParaRPr/>
           </a:p>
         </p:txBody>
       </p:sp>
@@ -1899,12 +1959,12 @@
   <p:clrMapOvr>
     <a:masterClrMapping/>
   </p:clrMapOvr>
-  <p:transition xmlns:p14="http://schemas.microsoft.com/office/powerpoint/2010/main" spd="med" advClick="1"/>
+  <p:transition spd="med"/>
 </p:sldLayout>
 </file>
 
 <file path=ppt/slideLayouts/slideLayout6.xml><?xml version="1.0" encoding="utf-8"?>
-<p:sldLayout xmlns:a="http://schemas.openxmlformats.org/drawingml/2006/main" xmlns:r="http://schemas.openxmlformats.org/officeDocument/2006/relationships" xmlns:p="http://schemas.openxmlformats.org/presentationml/2006/main" type="tx" showMasterSp="1" showMasterPhAnim="1">
+<p:sldLayout xmlns:a="http://schemas.openxmlformats.org/drawingml/2006/main" xmlns:r="http://schemas.openxmlformats.org/officeDocument/2006/relationships" xmlns:p="http://schemas.openxmlformats.org/presentationml/2006/main" type="tx">
   <p:cSld name="只有標題">
     <p:spTree>
       <p:nvGrpSpPr>
@@ -1923,7 +1983,9 @@
       <p:sp>
         <p:nvSpPr>
           <p:cNvPr id="58" name="Title Text"/>
-          <p:cNvSpPr txBox="1"/>
+          <p:cNvSpPr txBox="1">
+            <a:spLocks noGrp="1"/>
+          </p:cNvSpPr>
           <p:nvPr>
             <p:ph type="title"/>
           </p:nvPr>
@@ -1937,7 +1999,6 @@
           <a:bodyPr/>
           <a:lstStyle/>
           <a:p>
-            <a:pPr/>
             <a:r>
               <a:t>Title Text</a:t>
             </a:r>
@@ -1947,7 +2008,9 @@
       <p:sp>
         <p:nvSpPr>
           <p:cNvPr id="59" name="Slide Number"/>
-          <p:cNvSpPr txBox="1"/>
+          <p:cNvSpPr txBox="1">
+            <a:spLocks noGrp="1"/>
+          </p:cNvSpPr>
           <p:nvPr>
             <p:ph type="sldNum" sz="quarter" idx="2"/>
           </p:nvPr>
@@ -1961,8 +2024,10 @@
           <a:bodyPr/>
           <a:lstStyle/>
           <a:p>
-            <a:pPr/>
-            <a:fld id="{86CB4B4D-7CA3-9044-876B-883B54F8677D}" type="slidenum"/>
+            <a:fld id="{86CB4B4D-7CA3-9044-876B-883B54F8677D}" type="slidenum">
+              <a:t>‹#›</a:t>
+            </a:fld>
+            <a:endParaRPr/>
           </a:p>
         </p:txBody>
       </p:sp>
@@ -1971,12 +2036,12 @@
   <p:clrMapOvr>
     <a:masterClrMapping/>
   </p:clrMapOvr>
-  <p:transition xmlns:p14="http://schemas.microsoft.com/office/powerpoint/2010/main" spd="med" advClick="1"/>
+  <p:transition spd="med"/>
 </p:sldLayout>
 </file>
 
 <file path=ppt/slideLayouts/slideLayout7.xml><?xml version="1.0" encoding="utf-8"?>
-<p:sldLayout xmlns:a="http://schemas.openxmlformats.org/drawingml/2006/main" xmlns:r="http://schemas.openxmlformats.org/officeDocument/2006/relationships" xmlns:p="http://schemas.openxmlformats.org/presentationml/2006/main" type="tx" showMasterSp="1" showMasterPhAnim="1">
+<p:sldLayout xmlns:a="http://schemas.openxmlformats.org/drawingml/2006/main" xmlns:r="http://schemas.openxmlformats.org/officeDocument/2006/relationships" xmlns:p="http://schemas.openxmlformats.org/presentationml/2006/main" type="tx">
   <p:cSld name="空白">
     <p:spTree>
       <p:nvGrpSpPr>
@@ -1995,7 +2060,9 @@
       <p:sp>
         <p:nvSpPr>
           <p:cNvPr id="66" name="Slide Number"/>
-          <p:cNvSpPr txBox="1"/>
+          <p:cNvSpPr txBox="1">
+            <a:spLocks noGrp="1"/>
+          </p:cNvSpPr>
           <p:nvPr>
             <p:ph type="sldNum" sz="quarter" idx="2"/>
           </p:nvPr>
@@ -2009,8 +2076,10 @@
           <a:bodyPr/>
           <a:lstStyle/>
           <a:p>
-            <a:pPr/>
-            <a:fld id="{86CB4B4D-7CA3-9044-876B-883B54F8677D}" type="slidenum"/>
+            <a:fld id="{86CB4B4D-7CA3-9044-876B-883B54F8677D}" type="slidenum">
+              <a:t>‹#›</a:t>
+            </a:fld>
+            <a:endParaRPr/>
           </a:p>
         </p:txBody>
       </p:sp>
@@ -2019,12 +2088,12 @@
   <p:clrMapOvr>
     <a:masterClrMapping/>
   </p:clrMapOvr>
-  <p:transition xmlns:p14="http://schemas.microsoft.com/office/powerpoint/2010/main" spd="med" advClick="1"/>
+  <p:transition spd="med"/>
 </p:sldLayout>
 </file>
 
 <file path=ppt/slideLayouts/slideLayout8.xml><?xml version="1.0" encoding="utf-8"?>
-<p:sldLayout xmlns:a="http://schemas.openxmlformats.org/drawingml/2006/main" xmlns:r="http://schemas.openxmlformats.org/officeDocument/2006/relationships" xmlns:p="http://schemas.openxmlformats.org/presentationml/2006/main" type="tx" showMasterSp="1" showMasterPhAnim="1">
+<p:sldLayout xmlns:a="http://schemas.openxmlformats.org/drawingml/2006/main" xmlns:r="http://schemas.openxmlformats.org/officeDocument/2006/relationships" xmlns:p="http://schemas.openxmlformats.org/presentationml/2006/main" type="tx">
   <p:cSld name="含標題的內容">
     <p:spTree>
       <p:nvGrpSpPr>
@@ -2043,7 +2112,9 @@
       <p:sp>
         <p:nvSpPr>
           <p:cNvPr id="73" name="Body Level One…"/>
-          <p:cNvSpPr txBox="1"/>
+          <p:cNvSpPr txBox="1">
+            <a:spLocks noGrp="1"/>
+          </p:cNvSpPr>
           <p:nvPr>
             <p:ph type="body" sz="half" idx="1"/>
           </p:nvPr>
@@ -2099,7 +2170,6 @@
             </a:lvl5pPr>
           </a:lstStyle>
           <a:p>
-            <a:pPr/>
             <a:r>
               <a:t>Body Level One</a:t>
             </a:r>
@@ -2133,7 +2203,9 @@
       <p:sp>
         <p:nvSpPr>
           <p:cNvPr id="74" name="Title Text"/>
-          <p:cNvSpPr txBox="1"/>
+          <p:cNvSpPr txBox="1">
+            <a:spLocks noGrp="1"/>
+          </p:cNvSpPr>
           <p:nvPr>
             <p:ph type="title"/>
           </p:nvPr>
@@ -2151,11 +2223,10 @@
           <a:bodyPr anchor="b"/>
           <a:lstStyle>
             <a:lvl1pPr algn="l">
-              <a:defRPr b="1" sz="3100"/>
+              <a:defRPr sz="3100" b="1"/>
             </a:lvl1pPr>
           </a:lstStyle>
           <a:p>
-            <a:pPr/>
             <a:r>
               <a:t>Title Text</a:t>
             </a:r>
@@ -2165,7 +2236,9 @@
       <p:sp>
         <p:nvSpPr>
           <p:cNvPr id="75" name="正文级别 1…"/>
-          <p:cNvSpPr txBox="1"/>
+          <p:cNvSpPr txBox="1">
+            <a:spLocks noGrp="1"/>
+          </p:cNvSpPr>
           <p:nvPr>
             <p:ph type="body" idx="13"/>
           </p:nvPr>
@@ -2183,14 +2256,16 @@
           <a:bodyPr/>
           <a:lstStyle/>
           <a:p>
-            <a:pPr/>
+            <a:endParaRPr/>
           </a:p>
         </p:txBody>
       </p:sp>
       <p:sp>
         <p:nvSpPr>
           <p:cNvPr id="76" name="Slide Number"/>
-          <p:cNvSpPr txBox="1"/>
+          <p:cNvSpPr txBox="1">
+            <a:spLocks noGrp="1"/>
+          </p:cNvSpPr>
           <p:nvPr>
             <p:ph type="sldNum" sz="quarter" idx="2"/>
           </p:nvPr>
@@ -2204,8 +2279,10 @@
           <a:bodyPr/>
           <a:lstStyle/>
           <a:p>
-            <a:pPr/>
-            <a:fld id="{86CB4B4D-7CA3-9044-876B-883B54F8677D}" type="slidenum"/>
+            <a:fld id="{86CB4B4D-7CA3-9044-876B-883B54F8677D}" type="slidenum">
+              <a:t>‹#›</a:t>
+            </a:fld>
+            <a:endParaRPr/>
           </a:p>
         </p:txBody>
       </p:sp>
@@ -2214,12 +2291,12 @@
   <p:clrMapOvr>
     <a:masterClrMapping/>
   </p:clrMapOvr>
-  <p:transition xmlns:p14="http://schemas.microsoft.com/office/powerpoint/2010/main" spd="med" advClick="1"/>
+  <p:transition spd="med"/>
 </p:sldLayout>
 </file>
 
 <file path=ppt/slideLayouts/slideLayout9.xml><?xml version="1.0" encoding="utf-8"?>
-<p:sldLayout xmlns:a="http://schemas.openxmlformats.org/drawingml/2006/main" xmlns:r="http://schemas.openxmlformats.org/officeDocument/2006/relationships" xmlns:p="http://schemas.openxmlformats.org/presentationml/2006/main" type="tx" showMasterSp="1" showMasterPhAnim="1">
+<p:sldLayout xmlns:a="http://schemas.openxmlformats.org/drawingml/2006/main" xmlns:r="http://schemas.openxmlformats.org/officeDocument/2006/relationships" xmlns:p="http://schemas.openxmlformats.org/presentationml/2006/main" type="tx">
   <p:cSld name="含標題的圖片">
     <p:spTree>
       <p:nvGrpSpPr>
@@ -2238,7 +2315,9 @@
       <p:sp>
         <p:nvSpPr>
           <p:cNvPr id="83" name="图像"/>
-          <p:cNvSpPr/>
+          <p:cNvSpPr>
+            <a:spLocks noGrp="1"/>
+          </p:cNvSpPr>
           <p:nvPr>
             <p:ph type="pic" sz="half" idx="13"/>
           </p:nvPr>
@@ -2258,14 +2337,16 @@
           </a:bodyPr>
           <a:lstStyle/>
           <a:p>
-            <a:pPr/>
+            <a:endParaRPr/>
           </a:p>
         </p:txBody>
       </p:sp>
       <p:sp>
         <p:nvSpPr>
           <p:cNvPr id="84" name="Title Text"/>
-          <p:cNvSpPr txBox="1"/>
+          <p:cNvSpPr txBox="1">
+            <a:spLocks noGrp="1"/>
+          </p:cNvSpPr>
           <p:nvPr>
             <p:ph type="title"/>
           </p:nvPr>
@@ -2283,11 +2364,10 @@
           <a:bodyPr anchor="b"/>
           <a:lstStyle>
             <a:lvl1pPr algn="l">
-              <a:defRPr b="1" sz="3100"/>
+              <a:defRPr sz="3100" b="1"/>
             </a:lvl1pPr>
           </a:lstStyle>
           <a:p>
-            <a:pPr/>
             <a:r>
               <a:t>Title Text</a:t>
             </a:r>
@@ -2297,7 +2377,9 @@
       <p:sp>
         <p:nvSpPr>
           <p:cNvPr id="85" name="Body Level One…"/>
-          <p:cNvSpPr txBox="1"/>
+          <p:cNvSpPr txBox="1">
+            <a:spLocks noGrp="1"/>
+          </p:cNvSpPr>
           <p:nvPr>
             <p:ph type="body" sz="quarter" idx="1"/>
           </p:nvPr>
@@ -2361,7 +2443,6 @@
             </a:lvl5pPr>
           </a:lstStyle>
           <a:p>
-            <a:pPr/>
             <a:r>
               <a:t>Body Level One</a:t>
             </a:r>
@@ -2395,7 +2476,9 @@
       <p:sp>
         <p:nvSpPr>
           <p:cNvPr id="86" name="Slide Number"/>
-          <p:cNvSpPr txBox="1"/>
+          <p:cNvSpPr txBox="1">
+            <a:spLocks noGrp="1"/>
+          </p:cNvSpPr>
           <p:nvPr>
             <p:ph type="sldNum" sz="quarter" idx="2"/>
           </p:nvPr>
@@ -2409,8 +2492,10 @@
           <a:bodyPr/>
           <a:lstStyle/>
           <a:p>
-            <a:pPr/>
-            <a:fld id="{86CB4B4D-7CA3-9044-876B-883B54F8677D}" type="slidenum"/>
+            <a:fld id="{86CB4B4D-7CA3-9044-876B-883B54F8677D}" type="slidenum">
+              <a:t>‹#›</a:t>
+            </a:fld>
+            <a:endParaRPr/>
           </a:p>
         </p:txBody>
       </p:sp>
@@ -2419,7 +2504,7 @@
   <p:clrMapOvr>
     <a:masterClrMapping/>
   </p:clrMapOvr>
-  <p:transition xmlns:p14="http://schemas.microsoft.com/office/powerpoint/2010/main" spd="med" advClick="1"/>
+  <p:transition spd="med"/>
 </p:sldLayout>
 </file>
 
@@ -2429,12 +2514,13 @@
     <p:bg>
       <p:bgPr>
         <a:blipFill rotWithShape="1">
-          <a:blip r:embed="rId2"/>
-          <a:srcRect l="0" t="0" r="0" b="0"/>
+          <a:blip r:embed="rId14"/>
+          <a:srcRect/>
           <a:stretch>
             <a:fillRect/>
           </a:stretch>
         </a:blipFill>
+        <a:effectLst/>
       </p:bgPr>
     </p:bg>
     <p:spTree>
@@ -2454,7 +2540,9 @@
       <p:sp>
         <p:nvSpPr>
           <p:cNvPr id="2" name="Title Text"/>
-          <p:cNvSpPr txBox="1"/>
+          <p:cNvSpPr txBox="1">
+            <a:spLocks noGrp="1"/>
+          </p:cNvSpPr>
           <p:nvPr>
             <p:ph type="title"/>
           </p:nvPr>
@@ -2472,17 +2560,16 @@
           </a:ln>
           <a:extLst>
             <a:ext uri="{C572A759-6A51-4108-AA02-DFA0A04FC94B}">
-              <ma14:wrappingTextBoxFlag xmlns:ma14="http://schemas.microsoft.com/office/mac/drawingml/2011/main" val="1"/>
+              <ma14:wrappingTextBoxFlag xmlns="" xmlns:ma14="http://schemas.microsoft.com/office/mac/drawingml/2011/main" val="1"/>
             </a:ext>
           </a:extLst>
         </p:spPr>
         <p:txBody>
           <a:bodyPr lIns="45718" tIns="45718" rIns="45718" bIns="45718" anchor="ctr">
-            <a:normAutofit fontScale="100000" lnSpcReduction="0"/>
+            <a:normAutofit/>
           </a:bodyPr>
           <a:lstStyle/>
           <a:p>
-            <a:pPr/>
             <a:r>
               <a:t>Title Text</a:t>
             </a:r>
@@ -2492,7 +2579,9 @@
       <p:sp>
         <p:nvSpPr>
           <p:cNvPr id="3" name="Body Level One…"/>
-          <p:cNvSpPr txBox="1"/>
+          <p:cNvSpPr txBox="1">
+            <a:spLocks noGrp="1"/>
+          </p:cNvSpPr>
           <p:nvPr>
             <p:ph type="body" idx="1"/>
           </p:nvPr>
@@ -2510,17 +2599,16 @@
           </a:ln>
           <a:extLst>
             <a:ext uri="{C572A759-6A51-4108-AA02-DFA0A04FC94B}">
-              <ma14:wrappingTextBoxFlag xmlns:ma14="http://schemas.microsoft.com/office/mac/drawingml/2011/main" val="1"/>
+              <ma14:wrappingTextBoxFlag xmlns="" xmlns:ma14="http://schemas.microsoft.com/office/mac/drawingml/2011/main" val="1"/>
             </a:ext>
           </a:extLst>
         </p:spPr>
         <p:txBody>
           <a:bodyPr lIns="45718" tIns="45718" rIns="45718" bIns="45718">
-            <a:normAutofit fontScale="100000" lnSpcReduction="0"/>
+            <a:normAutofit/>
           </a:bodyPr>
           <a:lstStyle/>
           <a:p>
-            <a:pPr/>
             <a:r>
               <a:t>Body Level One</a:t>
             </a:r>
@@ -2554,7 +2642,9 @@
       <p:sp>
         <p:nvSpPr>
           <p:cNvPr id="4" name="Slide Number"/>
-          <p:cNvSpPr txBox="1"/>
+          <p:cNvSpPr txBox="1">
+            <a:spLocks noGrp="1"/>
+          </p:cNvSpPr>
           <p:nvPr>
             <p:ph type="sldNum" sz="quarter" idx="2"/>
           </p:nvPr>
@@ -2589,8 +2679,10 @@
             </a:lvl1pPr>
           </a:lstStyle>
           <a:p>
-            <a:pPr/>
-            <a:fld id="{86CB4B4D-7CA3-9044-876B-883B54F8677D}" type="slidenum"/>
+            <a:fld id="{86CB4B4D-7CA3-9044-876B-883B54F8677D}" type="slidenum">
+              <a:t>‹#›</a:t>
+            </a:fld>
+            <a:endParaRPr/>
           </a:p>
         </p:txBody>
       </p:sp>
@@ -2598,20 +2690,20 @@
   </p:cSld>
   <p:clrMap bg1="lt1" tx1="dk1" bg2="lt2" tx2="dk2" accent1="accent1" accent2="accent2" accent3="accent3" accent4="accent4" accent5="accent5" accent6="accent6" hlink="hlink" folHlink="folHlink"/>
   <p:sldLayoutIdLst>
-    <p:sldLayoutId id="2147483649" r:id="rId3"/>
-    <p:sldLayoutId id="2147483650" r:id="rId4"/>
-    <p:sldLayoutId id="2147483651" r:id="rId5"/>
-    <p:sldLayoutId id="2147483652" r:id="rId6"/>
-    <p:sldLayoutId id="2147483653" r:id="rId7"/>
-    <p:sldLayoutId id="2147483654" r:id="rId8"/>
-    <p:sldLayoutId id="2147483655" r:id="rId9"/>
-    <p:sldLayoutId id="2147483656" r:id="rId10"/>
-    <p:sldLayoutId id="2147483657" r:id="rId11"/>
-    <p:sldLayoutId id="2147483658" r:id="rId12"/>
-    <p:sldLayoutId id="2147483659" r:id="rId13"/>
-    <p:sldLayoutId id="2147483660" r:id="rId14"/>
+    <p:sldLayoutId id="2147483649" r:id="rId1"/>
+    <p:sldLayoutId id="2147483650" r:id="rId2"/>
+    <p:sldLayoutId id="2147483651" r:id="rId3"/>
+    <p:sldLayoutId id="2147483652" r:id="rId4"/>
+    <p:sldLayoutId id="2147483653" r:id="rId5"/>
+    <p:sldLayoutId id="2147483654" r:id="rId6"/>
+    <p:sldLayoutId id="2147483655" r:id="rId7"/>
+    <p:sldLayoutId id="2147483656" r:id="rId8"/>
+    <p:sldLayoutId id="2147483657" r:id="rId9"/>
+    <p:sldLayoutId id="2147483658" r:id="rId10"/>
+    <p:sldLayoutId id="2147483659" r:id="rId11"/>
+    <p:sldLayoutId id="2147483660" r:id="rId12"/>
   </p:sldLayoutIdLst>
-  <p:transition xmlns:p14="http://schemas.microsoft.com/office/powerpoint/2010/main" spd="med" advClick="1"/>
+  <p:transition spd="med"/>
   <p:txStyles>
     <p:titleStyle>
       <a:lvl1pPr marL="0" marR="0" indent="0" algn="ctr" defTabSz="1439996" rtl="0" latinLnBrk="0">
@@ -2629,7 +2721,7 @@
         <a:buFontTx/>
         <a:buNone/>
         <a:tabLst/>
-        <a:defRPr b="0" baseline="0" cap="none" i="0" spc="0" strike="noStrike" sz="6900" u="none">
+        <a:defRPr sz="6900" b="0" i="0" u="none" strike="noStrike" cap="none" spc="0" baseline="0">
           <a:ln>
             <a:noFill/>
           </a:ln>
@@ -2658,7 +2750,7 @@
         <a:buFontTx/>
         <a:buNone/>
         <a:tabLst/>
-        <a:defRPr b="0" baseline="0" cap="none" i="0" spc="0" strike="noStrike" sz="6900" u="none">
+        <a:defRPr sz="6900" b="0" i="0" u="none" strike="noStrike" cap="none" spc="0" baseline="0">
           <a:ln>
             <a:noFill/>
           </a:ln>
@@ -2687,7 +2779,7 @@
         <a:buFontTx/>
         <a:buNone/>
         <a:tabLst/>
-        <a:defRPr b="0" baseline="0" cap="none" i="0" spc="0" strike="noStrike" sz="6900" u="none">
+        <a:defRPr sz="6900" b="0" i="0" u="none" strike="noStrike" cap="none" spc="0" baseline="0">
           <a:ln>
             <a:noFill/>
           </a:ln>
@@ -2716,7 +2808,7 @@
         <a:buFontTx/>
         <a:buNone/>
         <a:tabLst/>
-        <a:defRPr b="0" baseline="0" cap="none" i="0" spc="0" strike="noStrike" sz="6900" u="none">
+        <a:defRPr sz="6900" b="0" i="0" u="none" strike="noStrike" cap="none" spc="0" baseline="0">
           <a:ln>
             <a:noFill/>
           </a:ln>
@@ -2745,7 +2837,7 @@
         <a:buFontTx/>
         <a:buNone/>
         <a:tabLst/>
-        <a:defRPr b="0" baseline="0" cap="none" i="0" spc="0" strike="noStrike" sz="6900" u="none">
+        <a:defRPr sz="6900" b="0" i="0" u="none" strike="noStrike" cap="none" spc="0" baseline="0">
           <a:ln>
             <a:noFill/>
           </a:ln>
@@ -2774,7 +2866,7 @@
         <a:buFontTx/>
         <a:buNone/>
         <a:tabLst/>
-        <a:defRPr b="0" baseline="0" cap="none" i="0" spc="0" strike="noStrike" sz="6900" u="none">
+        <a:defRPr sz="6900" b="0" i="0" u="none" strike="noStrike" cap="none" spc="0" baseline="0">
           <a:ln>
             <a:noFill/>
           </a:ln>
@@ -2803,7 +2895,7 @@
         <a:buFontTx/>
         <a:buNone/>
         <a:tabLst/>
-        <a:defRPr b="0" baseline="0" cap="none" i="0" spc="0" strike="noStrike" sz="6900" u="none">
+        <a:defRPr sz="6900" b="0" i="0" u="none" strike="noStrike" cap="none" spc="0" baseline="0">
           <a:ln>
             <a:noFill/>
           </a:ln>
@@ -2832,7 +2924,7 @@
         <a:buFontTx/>
         <a:buNone/>
         <a:tabLst/>
-        <a:defRPr b="0" baseline="0" cap="none" i="0" spc="0" strike="noStrike" sz="6900" u="none">
+        <a:defRPr sz="6900" b="0" i="0" u="none" strike="noStrike" cap="none" spc="0" baseline="0">
           <a:ln>
             <a:noFill/>
           </a:ln>
@@ -2861,7 +2953,7 @@
         <a:buFontTx/>
         <a:buNone/>
         <a:tabLst/>
-        <a:defRPr b="0" baseline="0" cap="none" i="0" spc="0" strike="noStrike" sz="6900" u="none">
+        <a:defRPr sz="6900" b="0" i="0" u="none" strike="noStrike" cap="none" spc="0" baseline="0">
           <a:ln>
             <a:noFill/>
           </a:ln>
@@ -2892,7 +2984,7 @@
         <a:buFont typeface="Arial"/>
         <a:buChar char="•"/>
         <a:tabLst/>
-        <a:defRPr b="0" baseline="0" cap="none" i="0" spc="0" strike="noStrike" sz="5000" u="none">
+        <a:defRPr sz="5000" b="0" i="0" u="none" strike="noStrike" cap="none" spc="0" baseline="0">
           <a:ln>
             <a:noFill/>
           </a:ln>
@@ -2921,7 +3013,7 @@
         <a:buFont typeface="Arial"/>
         <a:buChar char="–"/>
         <a:tabLst/>
-        <a:defRPr b="0" baseline="0" cap="none" i="0" spc="0" strike="noStrike" sz="5000" u="none">
+        <a:defRPr sz="5000" b="0" i="0" u="none" strike="noStrike" cap="none" spc="0" baseline="0">
           <a:ln>
             <a:noFill/>
           </a:ln>
@@ -2950,7 +3042,7 @@
         <a:buFont typeface="Arial"/>
         <a:buChar char="•"/>
         <a:tabLst/>
-        <a:defRPr b="0" baseline="0" cap="none" i="0" spc="0" strike="noStrike" sz="5000" u="none">
+        <a:defRPr sz="5000" b="0" i="0" u="none" strike="noStrike" cap="none" spc="0" baseline="0">
           <a:ln>
             <a:noFill/>
           </a:ln>
@@ -2979,7 +3071,7 @@
         <a:buFont typeface="Arial"/>
         <a:buChar char="–"/>
         <a:tabLst/>
-        <a:defRPr b="0" baseline="0" cap="none" i="0" spc="0" strike="noStrike" sz="5000" u="none">
+        <a:defRPr sz="5000" b="0" i="0" u="none" strike="noStrike" cap="none" spc="0" baseline="0">
           <a:ln>
             <a:noFill/>
           </a:ln>
@@ -3008,7 +3100,7 @@
         <a:buFont typeface="Arial"/>
         <a:buChar char="»"/>
         <a:tabLst/>
-        <a:defRPr b="0" baseline="0" cap="none" i="0" spc="0" strike="noStrike" sz="5000" u="none">
+        <a:defRPr sz="5000" b="0" i="0" u="none" strike="noStrike" cap="none" spc="0" baseline="0">
           <a:ln>
             <a:noFill/>
           </a:ln>
@@ -3037,7 +3129,7 @@
         <a:buFont typeface="Arial"/>
         <a:buChar char="•"/>
         <a:tabLst/>
-        <a:defRPr b="0" baseline="0" cap="none" i="0" spc="0" strike="noStrike" sz="5000" u="none">
+        <a:defRPr sz="5000" b="0" i="0" u="none" strike="noStrike" cap="none" spc="0" baseline="0">
           <a:ln>
             <a:noFill/>
           </a:ln>
@@ -3066,7 +3158,7 @@
         <a:buFont typeface="Arial"/>
         <a:buChar char="•"/>
         <a:tabLst/>
-        <a:defRPr b="0" baseline="0" cap="none" i="0" spc="0" strike="noStrike" sz="5000" u="none">
+        <a:defRPr sz="5000" b="0" i="0" u="none" strike="noStrike" cap="none" spc="0" baseline="0">
           <a:ln>
             <a:noFill/>
           </a:ln>
@@ -3095,7 +3187,7 @@
         <a:buFont typeface="Arial"/>
         <a:buChar char="•"/>
         <a:tabLst/>
-        <a:defRPr b="0" baseline="0" cap="none" i="0" spc="0" strike="noStrike" sz="5000" u="none">
+        <a:defRPr sz="5000" b="0" i="0" u="none" strike="noStrike" cap="none" spc="0" baseline="0">
           <a:ln>
             <a:noFill/>
           </a:ln>
@@ -3124,7 +3216,7 @@
         <a:buFont typeface="Arial"/>
         <a:buChar char="•"/>
         <a:tabLst/>
-        <a:defRPr b="0" baseline="0" cap="none" i="0" spc="0" strike="noStrike" sz="5000" u="none">
+        <a:defRPr sz="5000" b="0" i="0" u="none" strike="noStrike" cap="none" spc="0" baseline="0">
           <a:ln>
             <a:noFill/>
           </a:ln>
@@ -3155,7 +3247,7 @@
         <a:buFontTx/>
         <a:buNone/>
         <a:tabLst/>
-        <a:defRPr b="0" baseline="0" cap="none" i="0" spc="0" strike="noStrike" sz="1800" u="none">
+        <a:defRPr sz="1800" b="0" i="0" u="none" strike="noStrike" cap="none" spc="0" baseline="0">
           <a:ln>
             <a:noFill/>
           </a:ln>
@@ -3184,7 +3276,7 @@
         <a:buFontTx/>
         <a:buNone/>
         <a:tabLst/>
-        <a:defRPr b="0" baseline="0" cap="none" i="0" spc="0" strike="noStrike" sz="1800" u="none">
+        <a:defRPr sz="1800" b="0" i="0" u="none" strike="noStrike" cap="none" spc="0" baseline="0">
           <a:ln>
             <a:noFill/>
           </a:ln>
@@ -3213,7 +3305,7 @@
         <a:buFontTx/>
         <a:buNone/>
         <a:tabLst/>
-        <a:defRPr b="0" baseline="0" cap="none" i="0" spc="0" strike="noStrike" sz="1800" u="none">
+        <a:defRPr sz="1800" b="0" i="0" u="none" strike="noStrike" cap="none" spc="0" baseline="0">
           <a:ln>
             <a:noFill/>
           </a:ln>
@@ -3242,7 +3334,7 @@
         <a:buFontTx/>
         <a:buNone/>
         <a:tabLst/>
-        <a:defRPr b="0" baseline="0" cap="none" i="0" spc="0" strike="noStrike" sz="1800" u="none">
+        <a:defRPr sz="1800" b="0" i="0" u="none" strike="noStrike" cap="none" spc="0" baseline="0">
           <a:ln>
             <a:noFill/>
           </a:ln>
@@ -3271,7 +3363,7 @@
         <a:buFontTx/>
         <a:buNone/>
         <a:tabLst/>
-        <a:defRPr b="0" baseline="0" cap="none" i="0" spc="0" strike="noStrike" sz="1800" u="none">
+        <a:defRPr sz="1800" b="0" i="0" u="none" strike="noStrike" cap="none" spc="0" baseline="0">
           <a:ln>
             <a:noFill/>
           </a:ln>
@@ -3300,7 +3392,7 @@
         <a:buFontTx/>
         <a:buNone/>
         <a:tabLst/>
-        <a:defRPr b="0" baseline="0" cap="none" i="0" spc="0" strike="noStrike" sz="1800" u="none">
+        <a:defRPr sz="1800" b="0" i="0" u="none" strike="noStrike" cap="none" spc="0" baseline="0">
           <a:ln>
             <a:noFill/>
           </a:ln>
@@ -3329,7 +3421,7 @@
         <a:buFontTx/>
         <a:buNone/>
         <a:tabLst/>
-        <a:defRPr b="0" baseline="0" cap="none" i="0" spc="0" strike="noStrike" sz="1800" u="none">
+        <a:defRPr sz="1800" b="0" i="0" u="none" strike="noStrike" cap="none" spc="0" baseline="0">
           <a:ln>
             <a:noFill/>
           </a:ln>
@@ -3358,7 +3450,7 @@
         <a:buFontTx/>
         <a:buNone/>
         <a:tabLst/>
-        <a:defRPr b="0" baseline="0" cap="none" i="0" spc="0" strike="noStrike" sz="1800" u="none">
+        <a:defRPr sz="1800" b="0" i="0" u="none" strike="noStrike" cap="none" spc="0" baseline="0">
           <a:ln>
             <a:noFill/>
           </a:ln>
@@ -3387,7 +3479,7 @@
         <a:buFontTx/>
         <a:buNone/>
         <a:tabLst/>
-        <a:defRPr b="0" baseline="0" cap="none" i="0" spc="0" strike="noStrike" sz="1800" u="none">
+        <a:defRPr sz="1800" b="0" i="0" u="none" strike="noStrike" cap="none" spc="0" baseline="0">
           <a:ln>
             <a:noFill/>
           </a:ln>
@@ -3407,13 +3499,14 @@
 </file>
 
 <file path=ppt/slides/slide1.xml><?xml version="1.0" encoding="utf-8"?>
-<p:sld xmlns:a="http://schemas.openxmlformats.org/drawingml/2006/main" xmlns:r="http://schemas.openxmlformats.org/officeDocument/2006/relationships" xmlns:p="http://schemas.openxmlformats.org/presentationml/2006/main" showMasterSp="1" showMasterPhAnim="1">
+<p:sld xmlns:a="http://schemas.openxmlformats.org/drawingml/2006/main" xmlns:r="http://schemas.openxmlformats.org/officeDocument/2006/relationships" xmlns:p="http://schemas.openxmlformats.org/presentationml/2006/main">
   <p:cSld>
     <p:bg>
       <p:bgPr>
         <a:solidFill>
           <a:srgbClr val="739A98"/>
         </a:solidFill>
+        <a:effectLst/>
       </p:bgPr>
     </p:bg>
     <p:spTree>
@@ -3449,7 +3542,7 @@
           </a:ln>
           <a:extLst>
             <a:ext uri="{C572A759-6A51-4108-AA02-DFA0A04FC94B}">
-              <ma14:wrappingTextBoxFlag xmlns:ma14="http://schemas.microsoft.com/office/mac/drawingml/2011/main" val="1"/>
+              <ma14:wrappingTextBoxFlag xmlns="" xmlns:ma14="http://schemas.microsoft.com/office/mac/drawingml/2011/main" val="1"/>
             </a:ext>
           </a:extLst>
         </p:spPr>
@@ -3471,7 +3564,6 @@
             </a:lvl1pPr>
           </a:lstStyle>
           <a:p>
-            <a:pPr/>
             <a:r>
               <a:t>三毛</a:t>
             </a:r>
@@ -3497,7 +3589,7 @@
           </a:ln>
           <a:extLst>
             <a:ext uri="{C572A759-6A51-4108-AA02-DFA0A04FC94B}">
-              <ma14:wrappingTextBoxFlag xmlns:ma14="http://schemas.microsoft.com/office/mac/drawingml/2011/main" val="1"/>
+              <ma14:wrappingTextBoxFlag xmlns="" xmlns:ma14="http://schemas.microsoft.com/office/mac/drawingml/2011/main" val="1"/>
             </a:ext>
           </a:extLst>
         </p:spPr>
@@ -3519,7 +3611,6 @@
             </a:lvl1pPr>
           </a:lstStyle>
           <a:p>
-            <a:pPr/>
             <a:r>
               <a:t>TypeScript（二）</a:t>
             </a:r>
@@ -3531,18 +3622,19 @@
   <p:clrMapOvr>
     <a:masterClrMapping/>
   </p:clrMapOvr>
-  <p:transition xmlns:p14="http://schemas.microsoft.com/office/powerpoint/2010/main" spd="med" advClick="1"/>
+  <p:transition spd="med"/>
 </p:sld>
 </file>
 
 <file path=ppt/slides/slide10.xml><?xml version="1.0" encoding="utf-8"?>
-<p:sld xmlns:a="http://schemas.openxmlformats.org/drawingml/2006/main" xmlns:r="http://schemas.openxmlformats.org/officeDocument/2006/relationships" xmlns:p="http://schemas.openxmlformats.org/presentationml/2006/main" showMasterSp="1" showMasterPhAnim="1">
+<p:sld xmlns:a="http://schemas.openxmlformats.org/drawingml/2006/main" xmlns:r="http://schemas.openxmlformats.org/officeDocument/2006/relationships" xmlns:p="http://schemas.openxmlformats.org/presentationml/2006/main">
   <p:cSld>
     <p:bg>
       <p:bgPr>
         <a:solidFill>
           <a:srgbClr val="739A98"/>
         </a:solidFill>
+        <a:effectLst/>
       </p:bgPr>
     </p:bg>
     <p:spTree>
@@ -3578,7 +3670,7 @@
           </a:ln>
           <a:extLst>
             <a:ext uri="{C572A759-6A51-4108-AA02-DFA0A04FC94B}">
-              <ma14:wrappingTextBoxFlag xmlns:ma14="http://schemas.microsoft.com/office/mac/drawingml/2011/main" val="1"/>
+              <ma14:wrappingTextBoxFlag xmlns="" xmlns:ma14="http://schemas.microsoft.com/office/mac/drawingml/2011/main" val="1"/>
             </a:ext>
           </a:extLst>
         </p:spPr>
@@ -3596,7 +3688,6 @@
             </a:lvl1pPr>
           </a:lstStyle>
           <a:p>
-            <a:pPr/>
             <a:r>
               <a:t>可选参数与 undefined</a:t>
             </a:r>
@@ -3666,13 +3757,13 @@
   <p:clrMapOvr>
     <a:masterClrMapping/>
   </p:clrMapOvr>
-  <mc:AlternateContent xmlns:mc="http://schemas.openxmlformats.org/markup-compatibility/2006">
-    <mc:Choice xmlns:p14="http://schemas.microsoft.com/office/powerpoint/2010/main" Requires="p14">
-      <p:transition spd="slow" advClick="1" p14:dur="1500">
+  <mc:AlternateContent xmlns:mc="http://schemas.openxmlformats.org/markup-compatibility/2006" xmlns:p14="http://schemas.microsoft.com/office/powerpoint/2010/main">
+    <mc:Choice Requires="p14">
+      <p:transition spd="slow" p14:dur="1500">
         <p:dissolve/>
       </p:transition>
     </mc:Choice>
-    <mc:Fallback>
+    <mc:Fallback xmlns="">
       <p:transition spd="slow">
         <p:fade/>
       </p:transition>
@@ -3682,13 +3773,14 @@
 </file>
 
 <file path=ppt/slides/slide11.xml><?xml version="1.0" encoding="utf-8"?>
-<p:sld xmlns:a="http://schemas.openxmlformats.org/drawingml/2006/main" xmlns:r="http://schemas.openxmlformats.org/officeDocument/2006/relationships" xmlns:p="http://schemas.openxmlformats.org/presentationml/2006/main" showMasterSp="1" showMasterPhAnim="1">
+<p:sld xmlns:a="http://schemas.openxmlformats.org/drawingml/2006/main" xmlns:r="http://schemas.openxmlformats.org/officeDocument/2006/relationships" xmlns:p="http://schemas.openxmlformats.org/presentationml/2006/main">
   <p:cSld>
     <p:bg>
       <p:bgPr>
         <a:solidFill>
           <a:srgbClr val="739A98"/>
         </a:solidFill>
+        <a:effectLst/>
       </p:bgPr>
     </p:bg>
     <p:spTree>
@@ -3724,7 +3816,7 @@
           </a:ln>
           <a:extLst>
             <a:ext uri="{C572A759-6A51-4108-AA02-DFA0A04FC94B}">
-              <ma14:wrappingTextBoxFlag xmlns:ma14="http://schemas.microsoft.com/office/mac/drawingml/2011/main" val="1"/>
+              <ma14:wrappingTextBoxFlag xmlns="" xmlns:ma14="http://schemas.microsoft.com/office/mac/drawingml/2011/main" val="1"/>
             </a:ext>
           </a:extLst>
         </p:spPr>
@@ -3744,7 +3836,6 @@
             </a:lvl1pPr>
           </a:lstStyle>
           <a:p>
-            <a:pPr/>
             <a:r>
               <a:t>接口（定义契约）</a:t>
             </a:r>
@@ -3830,7 +3921,7 @@
             <a:tailEnd type="triangle"/>
           </a:ln>
           <a:effectLst>
-            <a:outerShdw sx="100000" sy="100000" kx="0" ky="0" algn="b" rotWithShape="0" blurRad="38100" dist="23000" dir="5400000">
+            <a:outerShdw blurRad="38100" dist="23000" dir="5400000" rotWithShape="0">
               <a:srgbClr val="000000">
                 <a:alpha val="35000"/>
               </a:srgbClr>
@@ -3841,7 +3932,7 @@
           <a:bodyPr lIns="45718" tIns="45718" rIns="45718" bIns="45718"/>
           <a:lstStyle/>
           <a:p>
-            <a:pPr/>
+            <a:endParaRPr/>
           </a:p>
         </p:txBody>
       </p:sp>
@@ -3866,7 +3957,7 @@
             <a:tailEnd type="triangle"/>
           </a:ln>
           <a:effectLst>
-            <a:outerShdw sx="100000" sy="100000" kx="0" ky="0" algn="b" rotWithShape="0" blurRad="38100" dist="23000" dir="5400000">
+            <a:outerShdw blurRad="38100" dist="23000" dir="5400000" rotWithShape="0">
               <a:srgbClr val="000000">
                 <a:alpha val="35000"/>
               </a:srgbClr>
@@ -3877,7 +3968,7 @@
           <a:bodyPr lIns="45718" tIns="45718" rIns="45718" bIns="45718"/>
           <a:lstStyle/>
           <a:p>
-            <a:pPr/>
+            <a:endParaRPr/>
           </a:p>
         </p:txBody>
       </p:sp>
@@ -3960,7 +4051,7 @@
             <a:tailEnd type="triangle"/>
           </a:ln>
           <a:effectLst>
-            <a:outerShdw sx="100000" sy="100000" kx="0" ky="0" algn="b" rotWithShape="0" blurRad="38100" dist="23000" dir="5400000">
+            <a:outerShdw blurRad="38100" dist="23000" dir="5400000" rotWithShape="0">
               <a:srgbClr val="000000">
                 <a:alpha val="35000"/>
               </a:srgbClr>
@@ -3971,7 +4062,7 @@
           <a:bodyPr lIns="45718" tIns="45718" rIns="45718" bIns="45718"/>
           <a:lstStyle/>
           <a:p>
-            <a:pPr/>
+            <a:endParaRPr/>
           </a:p>
         </p:txBody>
       </p:sp>
@@ -4025,7 +4116,7 @@
             <a:tailEnd type="triangle"/>
           </a:ln>
           <a:effectLst>
-            <a:outerShdw sx="100000" sy="100000" kx="0" ky="0" algn="b" rotWithShape="0" blurRad="38100" dist="23000" dir="5400000">
+            <a:outerShdw blurRad="38100" dist="23000" dir="5400000" rotWithShape="0">
               <a:srgbClr val="000000">
                 <a:alpha val="35000"/>
               </a:srgbClr>
@@ -4036,7 +4127,7 @@
           <a:bodyPr lIns="45718" tIns="45718" rIns="45718" bIns="45718"/>
           <a:lstStyle/>
           <a:p>
-            <a:pPr/>
+            <a:endParaRPr/>
           </a:p>
         </p:txBody>
       </p:sp>
@@ -4045,13 +4136,13 @@
   <p:clrMapOvr>
     <a:masterClrMapping/>
   </p:clrMapOvr>
-  <mc:AlternateContent xmlns:mc="http://schemas.openxmlformats.org/markup-compatibility/2006">
-    <mc:Choice xmlns:p14="http://schemas.microsoft.com/office/powerpoint/2010/main" Requires="p14">
-      <p:transition spd="slow" advClick="1" p14:dur="1500">
+  <mc:AlternateContent xmlns:mc="http://schemas.openxmlformats.org/markup-compatibility/2006" xmlns:p14="http://schemas.microsoft.com/office/powerpoint/2010/main">
+    <mc:Choice Requires="p14">
+      <p:transition spd="slow" p14:dur="1500">
         <p:dissolve/>
       </p:transition>
     </mc:Choice>
-    <mc:Fallback>
+    <mc:Fallback xmlns="">
       <p:transition spd="slow">
         <p:fade/>
       </p:transition>
@@ -4060,10 +4151,10 @@
   <p:timing>
     <p:tnLst>
       <p:par>
-        <p:cTn id="1" nodeType="tmRoot" restart="never" dur="indefinite" fill="hold">
+        <p:cTn id="1" dur="indefinite" restart="never" fill="hold" nodeType="tmRoot">
           <p:childTnLst>
             <p:seq concurrent="1" prevAc="none" nextAc="seek">
-              <p:cTn id="2" nodeType="mainSeq" dur="indefinite" fill="hold">
+              <p:cTn id="2" dur="indefinite" fill="hold" nodeType="mainSeq">
                 <p:childTnLst>
                   <p:par>
                     <p:cTn id="3" fill="hold">
@@ -4078,11 +4169,11 @@
                             </p:stCondLst>
                             <p:childTnLst>
                               <p:par>
-                                <p:cTn id="5" presetClass="entr" nodeType="clickEffect" presetSubtype="0" presetID="1" grpId="1" fill="hold">
+                                <p:cTn id="5" presetID="1" presetClass="entr" presetSubtype="0" fill="hold" grpId="1" nodeType="clickEffect">
                                   <p:stCondLst>
                                     <p:cond delay="0"/>
                                   </p:stCondLst>
-                                  <p:iterate type="el" backwards="0">
+                                  <p:iterate>
                                     <p:tmAbs val="0"/>
                                   </p:iterate>
                                   <p:childTnLst>
@@ -4122,11 +4213,11 @@
                             </p:stCondLst>
                             <p:childTnLst>
                               <p:par>
-                                <p:cTn id="9" presetClass="entr" nodeType="clickEffect" presetSubtype="0" presetID="1" grpId="2" fill="hold">
+                                <p:cTn id="9" presetID="1" presetClass="entr" presetSubtype="0" fill="hold" grpId="2" nodeType="clickEffect">
                                   <p:stCondLst>
                                     <p:cond delay="0"/>
                                   </p:stCondLst>
-                                  <p:iterate type="el" backwards="0">
+                                  <p:iterate>
                                     <p:tmAbs val="0"/>
                                   </p:iterate>
                                   <p:childTnLst>
@@ -4166,11 +4257,11 @@
                             </p:stCondLst>
                             <p:childTnLst>
                               <p:par>
-                                <p:cTn id="13" presetClass="entr" nodeType="clickEffect" presetSubtype="0" presetID="1" grpId="3" fill="hold">
+                                <p:cTn id="13" presetID="1" presetClass="entr" presetSubtype="0" fill="hold" grpId="3" nodeType="clickEffect">
                                   <p:stCondLst>
                                     <p:cond delay="0"/>
                                   </p:stCondLst>
-                                  <p:iterate type="el" backwards="0">
+                                  <p:iterate>
                                     <p:tmAbs val="0"/>
                                   </p:iterate>
                                   <p:childTnLst>
@@ -4210,11 +4301,11 @@
                             </p:stCondLst>
                             <p:childTnLst>
                               <p:par>
-                                <p:cTn id="17" presetClass="entr" nodeType="clickEffect" presetSubtype="0" presetID="1" grpId="4" fill="hold">
+                                <p:cTn id="17" presetID="1" presetClass="entr" presetSubtype="0" fill="hold" grpId="4" nodeType="clickEffect">
                                   <p:stCondLst>
                                     <p:cond delay="0"/>
                                   </p:stCondLst>
-                                  <p:iterate type="el" backwards="0">
+                                  <p:iterate>
                                     <p:tmAbs val="0"/>
                                   </p:iterate>
                                   <p:childTnLst>
@@ -4254,11 +4345,11 @@
                             </p:stCondLst>
                             <p:childTnLst>
                               <p:par>
-                                <p:cTn id="21" presetClass="entr" nodeType="clickEffect" presetSubtype="0" presetID="1" grpId="5" fill="hold">
+                                <p:cTn id="21" presetID="1" presetClass="entr" presetSubtype="0" fill="hold" grpId="5" nodeType="clickEffect">
                                   <p:stCondLst>
                                     <p:cond delay="0"/>
                                   </p:stCondLst>
-                                  <p:iterate type="el" backwards="0">
+                                  <p:iterate>
                                     <p:tmAbs val="0"/>
                                   </p:iterate>
                                   <p:childTnLst>
@@ -4298,11 +4389,11 @@
                             </p:stCondLst>
                             <p:childTnLst>
                               <p:par>
-                                <p:cTn id="25" presetClass="entr" nodeType="clickEffect" presetSubtype="0" presetID="1" grpId="6" fill="hold">
+                                <p:cTn id="25" presetID="1" presetClass="entr" presetSubtype="0" fill="hold" grpId="6" nodeType="clickEffect">
                                   <p:stCondLst>
                                     <p:cond delay="0"/>
                                   </p:stCondLst>
-                                  <p:iterate type="el" backwards="0">
+                                  <p:iterate>
                                     <p:tmAbs val="0"/>
                                   </p:iterate>
                                   <p:childTnLst>
@@ -4342,11 +4433,11 @@
                             </p:stCondLst>
                             <p:childTnLst>
                               <p:par>
-                                <p:cTn id="29" presetClass="entr" nodeType="clickEffect" presetSubtype="0" presetID="1" grpId="7" fill="hold">
+                                <p:cTn id="29" presetID="1" presetClass="entr" presetSubtype="0" fill="hold" grpId="7" nodeType="clickEffect">
                                   <p:stCondLst>
                                     <p:cond delay="0"/>
                                   </p:stCondLst>
-                                  <p:iterate type="el" backwards="0">
+                                  <p:iterate>
                                     <p:tmAbs val="0"/>
                                   </p:iterate>
                                   <p:childTnLst>
@@ -4386,11 +4477,11 @@
                             </p:stCondLst>
                             <p:childTnLst>
                               <p:par>
-                                <p:cTn id="33" presetClass="entr" nodeType="clickEffect" presetSubtype="0" presetID="1" grpId="8" fill="hold">
+                                <p:cTn id="33" presetID="1" presetClass="entr" presetSubtype="0" fill="hold" grpId="8" nodeType="clickEffect">
                                   <p:stCondLst>
                                     <p:cond delay="0"/>
                                   </p:stCondLst>
-                                  <p:iterate type="el" backwards="0">
+                                  <p:iterate>
                                     <p:tmAbs val="0"/>
                                   </p:iterate>
                                   <p:childTnLst>
@@ -4420,14 +4511,14 @@
                 </p:childTnLst>
               </p:cTn>
               <p:prevCondLst>
-                <p:cond evt="onPrev">
+                <p:cond evt="onPrev" delay="0">
                   <p:tgtEl>
                     <p:sldTgt/>
                   </p:tgtEl>
                 </p:cond>
               </p:prevCondLst>
               <p:nextCondLst>
-                <p:cond evt="onNext">
+                <p:cond evt="onNext" delay="0">
                   <p:tgtEl>
                     <p:sldTgt/>
                   </p:tgtEl>
@@ -4439,27 +4530,28 @@
       </p:par>
     </p:tnLst>
     <p:bldLst>
-      <p:bldP build="whole" bldLvl="1" animBg="1" rev="0" advAuto="0" spid="167" grpId="3"/>
-      <p:bldP build="whole" bldLvl="1" animBg="1" rev="0" advAuto="0" spid="170" grpId="2"/>
-      <p:bldP build="whole" bldLvl="1" animBg="1" rev="0" advAuto="0" spid="166" grpId="4"/>
-      <p:bldP build="whole" bldLvl="1" animBg="1" rev="0" advAuto="0" spid="169" grpId="6"/>
-      <p:bldP build="whole" bldLvl="1" animBg="1" rev="0" advAuto="0" spid="173" grpId="7"/>
-      <p:bldP build="whole" bldLvl="1" animBg="1" rev="0" advAuto="0" spid="168" grpId="5"/>
-      <p:bldP build="whole" bldLvl="1" animBg="1" rev="0" advAuto="0" spid="172" grpId="8"/>
-      <p:bldP build="whole" bldLvl="1" animBg="1" rev="0" advAuto="0" spid="171" grpId="1"/>
+      <p:bldP spid="166" grpId="4" animBg="1" advAuto="0"/>
+      <p:bldP spid="167" grpId="3" animBg="1" advAuto="0"/>
+      <p:bldP spid="168" grpId="5" animBg="1" advAuto="0"/>
+      <p:bldP spid="169" grpId="6" animBg="1" advAuto="0"/>
+      <p:bldP spid="170" grpId="2" animBg="1" advAuto="0"/>
+      <p:bldP spid="171" grpId="1" animBg="1" advAuto="0"/>
+      <p:bldP spid="172" grpId="8" animBg="1" advAuto="0"/>
+      <p:bldP spid="173" grpId="7" animBg="1" advAuto="0"/>
     </p:bldLst>
   </p:timing>
 </p:sld>
 </file>
 
 <file path=ppt/slides/slide12.xml><?xml version="1.0" encoding="utf-8"?>
-<p:sld xmlns:a="http://schemas.openxmlformats.org/drawingml/2006/main" xmlns:r="http://schemas.openxmlformats.org/officeDocument/2006/relationships" xmlns:p="http://schemas.openxmlformats.org/presentationml/2006/main" showMasterSp="1" showMasterPhAnim="1">
+<p:sld xmlns:a="http://schemas.openxmlformats.org/drawingml/2006/main" xmlns:r="http://schemas.openxmlformats.org/officeDocument/2006/relationships" xmlns:p="http://schemas.openxmlformats.org/presentationml/2006/main">
   <p:cSld>
     <p:bg>
       <p:bgPr>
         <a:solidFill>
           <a:srgbClr val="739A98"/>
         </a:solidFill>
+        <a:effectLst/>
       </p:bgPr>
     </p:bg>
     <p:spTree>
@@ -4495,7 +4587,7 @@
           </a:ln>
           <a:extLst>
             <a:ext uri="{C572A759-6A51-4108-AA02-DFA0A04FC94B}">
-              <ma14:wrappingTextBoxFlag xmlns:ma14="http://schemas.microsoft.com/office/mac/drawingml/2011/main" val="1"/>
+              <ma14:wrappingTextBoxFlag xmlns="" xmlns:ma14="http://schemas.microsoft.com/office/mac/drawingml/2011/main" val="1"/>
             </a:ext>
           </a:extLst>
         </p:spPr>
@@ -4515,10 +4607,11 @@
             </a:lvl1pPr>
           </a:lstStyle>
           <a:p>
-            <a:pPr/>
             <a:r>
+              <a:rPr dirty="0" err="1"/>
               <a:t>泛型</a:t>
             </a:r>
+            <a:endParaRPr dirty="0"/>
           </a:p>
         </p:txBody>
       </p:sp>
@@ -4556,13 +4649,13 @@
   <p:clrMapOvr>
     <a:masterClrMapping/>
   </p:clrMapOvr>
-  <mc:AlternateContent xmlns:mc="http://schemas.openxmlformats.org/markup-compatibility/2006">
-    <mc:Choice xmlns:p14="http://schemas.microsoft.com/office/powerpoint/2010/main" Requires="p14">
-      <p:transition spd="slow" advClick="1" p14:dur="1500">
+  <mc:AlternateContent xmlns:mc="http://schemas.openxmlformats.org/markup-compatibility/2006" xmlns:p14="http://schemas.microsoft.com/office/powerpoint/2010/main">
+    <mc:Choice Requires="p14">
+      <p:transition spd="slow" p14:dur="1500">
         <p:dissolve/>
       </p:transition>
     </mc:Choice>
-    <mc:Fallback>
+    <mc:Fallback xmlns="">
       <p:transition spd="slow">
         <p:fade/>
       </p:transition>
@@ -4571,10 +4664,10 @@
   <p:timing>
     <p:tnLst>
       <p:par>
-        <p:cTn id="1" nodeType="tmRoot" restart="never" dur="indefinite" fill="hold">
+        <p:cTn id="1" dur="indefinite" restart="never" fill="hold" nodeType="tmRoot">
           <p:childTnLst>
             <p:seq concurrent="1" prevAc="none" nextAc="seek">
-              <p:cTn id="2" nodeType="mainSeq" dur="indefinite" fill="hold">
+              <p:cTn id="2" dur="indefinite" fill="hold" nodeType="mainSeq">
                 <p:childTnLst>
                   <p:par>
                     <p:cTn id="3" fill="hold">
@@ -4589,11 +4682,11 @@
                             </p:stCondLst>
                             <p:childTnLst>
                               <p:par>
-                                <p:cTn id="5" presetClass="entr" nodeType="clickEffect" presetSubtype="0" presetID="1" grpId="1" fill="hold">
+                                <p:cTn id="5" presetID="1" presetClass="entr" presetSubtype="0" fill="hold" grpId="1" nodeType="clickEffect">
                                   <p:stCondLst>
                                     <p:cond delay="0"/>
                                   </p:stCondLst>
-                                  <p:iterate type="el" backwards="0">
+                                  <p:iterate>
                                     <p:tmAbs val="0"/>
                                   </p:iterate>
                                   <p:childTnLst>
@@ -4623,14 +4716,14 @@
                 </p:childTnLst>
               </p:cTn>
               <p:prevCondLst>
-                <p:cond evt="onPrev">
+                <p:cond evt="onPrev" delay="0">
                   <p:tgtEl>
                     <p:sldTgt/>
                   </p:tgtEl>
                 </p:cond>
               </p:prevCondLst>
               <p:nextCondLst>
-                <p:cond evt="onNext">
+                <p:cond evt="onNext" delay="0">
                   <p:tgtEl>
                     <p:sldTgt/>
                   </p:tgtEl>
@@ -4642,20 +4735,21 @@
       </p:par>
     </p:tnLst>
     <p:bldLst>
-      <p:bldP build="whole" bldLvl="1" animBg="1" rev="0" advAuto="0" spid="176" grpId="1"/>
+      <p:bldP spid="176" grpId="1" animBg="1" advAuto="0"/>
     </p:bldLst>
   </p:timing>
 </p:sld>
 </file>
 
 <file path=ppt/slides/slide13.xml><?xml version="1.0" encoding="utf-8"?>
-<p:sld xmlns:a="http://schemas.openxmlformats.org/drawingml/2006/main" xmlns:r="http://schemas.openxmlformats.org/officeDocument/2006/relationships" xmlns:p="http://schemas.openxmlformats.org/presentationml/2006/main" showMasterSp="1" showMasterPhAnim="1">
+<p:sld xmlns:a="http://schemas.openxmlformats.org/drawingml/2006/main" xmlns:r="http://schemas.openxmlformats.org/officeDocument/2006/relationships" xmlns:p="http://schemas.openxmlformats.org/presentationml/2006/main">
   <p:cSld>
     <p:bg>
       <p:bgPr>
         <a:solidFill>
           <a:srgbClr val="739A98"/>
         </a:solidFill>
+        <a:effectLst/>
       </p:bgPr>
     </p:bg>
     <p:spTree>
@@ -4706,13 +4800,13 @@
   <p:clrMapOvr>
     <a:masterClrMapping/>
   </p:clrMapOvr>
-  <mc:AlternateContent xmlns:mc="http://schemas.openxmlformats.org/markup-compatibility/2006">
-    <mc:Choice xmlns:p14="http://schemas.microsoft.com/office/powerpoint/2010/main" Requires="p14">
-      <p:transition spd="slow" advClick="1" p14:dur="1500">
+  <mc:AlternateContent xmlns:mc="http://schemas.openxmlformats.org/markup-compatibility/2006" xmlns:p14="http://schemas.microsoft.com/office/powerpoint/2010/main">
+    <mc:Choice Requires="p14">
+      <p:transition spd="slow" p14:dur="1500">
         <p:dissolve/>
       </p:transition>
     </mc:Choice>
-    <mc:Fallback>
+    <mc:Fallback xmlns="">
       <p:transition spd="slow">
         <p:fade/>
       </p:transition>
@@ -4722,13 +4816,14 @@
 </file>
 
 <file path=ppt/slides/slide14.xml><?xml version="1.0" encoding="utf-8"?>
-<p:sld xmlns:a="http://schemas.openxmlformats.org/drawingml/2006/main" xmlns:r="http://schemas.openxmlformats.org/officeDocument/2006/relationships" xmlns:p="http://schemas.openxmlformats.org/presentationml/2006/main" showMasterSp="1" showMasterPhAnim="1">
+<p:sld xmlns:a="http://schemas.openxmlformats.org/drawingml/2006/main" xmlns:r="http://schemas.openxmlformats.org/officeDocument/2006/relationships" xmlns:p="http://schemas.openxmlformats.org/presentationml/2006/main">
   <p:cSld>
     <p:bg>
       <p:bgPr>
         <a:solidFill>
           <a:srgbClr val="739A98"/>
         </a:solidFill>
+        <a:effectLst/>
       </p:bgPr>
     </p:bg>
     <p:spTree>
@@ -4779,13 +4874,13 @@
   <p:clrMapOvr>
     <a:masterClrMapping/>
   </p:clrMapOvr>
-  <mc:AlternateContent xmlns:mc="http://schemas.openxmlformats.org/markup-compatibility/2006">
-    <mc:Choice xmlns:p14="http://schemas.microsoft.com/office/powerpoint/2010/main" Requires="p14">
-      <p:transition spd="slow" advClick="1" p14:dur="1500">
+  <mc:AlternateContent xmlns:mc="http://schemas.openxmlformats.org/markup-compatibility/2006" xmlns:p14="http://schemas.microsoft.com/office/powerpoint/2010/main">
+    <mc:Choice Requires="p14">
+      <p:transition spd="slow" p14:dur="1500">
         <p:dissolve/>
       </p:transition>
     </mc:Choice>
-    <mc:Fallback>
+    <mc:Fallback xmlns="">
       <p:transition spd="slow">
         <p:fade/>
       </p:transition>
@@ -4795,13 +4890,14 @@
 </file>
 
 <file path=ppt/slides/slide15.xml><?xml version="1.0" encoding="utf-8"?>
-<p:sld xmlns:a="http://schemas.openxmlformats.org/drawingml/2006/main" xmlns:r="http://schemas.openxmlformats.org/officeDocument/2006/relationships" xmlns:p="http://schemas.openxmlformats.org/presentationml/2006/main" showMasterSp="1" showMasterPhAnim="1">
+<p:sld xmlns:a="http://schemas.openxmlformats.org/drawingml/2006/main" xmlns:r="http://schemas.openxmlformats.org/officeDocument/2006/relationships" xmlns:p="http://schemas.openxmlformats.org/presentationml/2006/main">
   <p:cSld>
     <p:bg>
       <p:bgPr>
         <a:solidFill>
           <a:srgbClr val="739A98"/>
         </a:solidFill>
+        <a:effectLst/>
       </p:bgPr>
     </p:bg>
     <p:spTree>
@@ -4852,13 +4948,13 @@
   <p:clrMapOvr>
     <a:masterClrMapping/>
   </p:clrMapOvr>
-  <mc:AlternateContent xmlns:mc="http://schemas.openxmlformats.org/markup-compatibility/2006">
-    <mc:Choice xmlns:p14="http://schemas.microsoft.com/office/powerpoint/2010/main" Requires="p14">
-      <p:transition spd="slow" advClick="1" p14:dur="1500">
+  <mc:AlternateContent xmlns:mc="http://schemas.openxmlformats.org/markup-compatibility/2006" xmlns:p14="http://schemas.microsoft.com/office/powerpoint/2010/main">
+    <mc:Choice Requires="p14">
+      <p:transition spd="slow" p14:dur="1500">
         <p:dissolve/>
       </p:transition>
     </mc:Choice>
-    <mc:Fallback>
+    <mc:Fallback xmlns="">
       <p:transition spd="slow">
         <p:fade/>
       </p:transition>
@@ -4868,13 +4964,14 @@
 </file>
 
 <file path=ppt/slides/slide16.xml><?xml version="1.0" encoding="utf-8"?>
-<p:sld xmlns:a="http://schemas.openxmlformats.org/drawingml/2006/main" xmlns:r="http://schemas.openxmlformats.org/officeDocument/2006/relationships" xmlns:p="http://schemas.openxmlformats.org/presentationml/2006/main" showMasterSp="1" showMasterPhAnim="1">
+<p:sld xmlns:a="http://schemas.openxmlformats.org/drawingml/2006/main" xmlns:r="http://schemas.openxmlformats.org/officeDocument/2006/relationships" xmlns:p="http://schemas.openxmlformats.org/presentationml/2006/main">
   <p:cSld>
     <p:bg>
       <p:bgPr>
         <a:solidFill>
           <a:srgbClr val="739A98"/>
         </a:solidFill>
+        <a:effectLst/>
       </p:bgPr>
     </p:bg>
     <p:spTree>
@@ -4899,8 +4996,8 @@
         </p:nvSpPr>
         <p:spPr>
           <a:xfrm>
-            <a:off x="6466135" y="5029200"/>
-            <a:ext cx="1469530" cy="736601"/>
+            <a:off x="6466134" y="5069205"/>
+            <a:ext cx="1693891" cy="656590"/>
           </a:xfrm>
           <a:prstGeom prst="rect">
             <a:avLst/>
@@ -4910,12 +5007,12 @@
           </a:ln>
           <a:extLst>
             <a:ext uri="{C572A759-6A51-4108-AA02-DFA0A04FC94B}">
-              <ma14:wrappingTextBoxFlag xmlns:ma14="http://schemas.microsoft.com/office/mac/drawingml/2011/main" val="1"/>
+              <ma14:wrappingTextBoxFlag xmlns="" xmlns:ma14="http://schemas.microsoft.com/office/mac/drawingml/2011/main" val="1"/>
             </a:ext>
           </a:extLst>
         </p:spPr>
         <p:txBody>
-          <a:bodyPr lIns="50800" tIns="50800" rIns="50800" bIns="50800" anchor="ctr">
+          <a:bodyPr wrap="square" lIns="50800" tIns="50800" rIns="50800" bIns="50800" anchor="ctr">
             <a:spAutoFit/>
           </a:bodyPr>
           <a:lstStyle>
@@ -4928,9 +5025,13 @@
             </a:lvl1pPr>
           </a:lstStyle>
           <a:p>
-            <a:pPr/>
             <a:r>
-              <a:t>泛型？</a:t>
+              <a:rPr dirty="0" err="1"/>
+              <a:t>泛型</a:t>
+            </a:r>
+            <a:r>
+              <a:rPr dirty="0"/>
+              <a:t>？</a:t>
             </a:r>
           </a:p>
         </p:txBody>
@@ -4956,7 +5057,7 @@
             <a:tailEnd type="triangle"/>
           </a:ln>
           <a:effectLst>
-            <a:outerShdw sx="100000" sy="100000" kx="0" ky="0" algn="b" rotWithShape="0" blurRad="38100" dist="23000" dir="5400000">
+            <a:outerShdw blurRad="38100" dist="23000" dir="5400000" rotWithShape="0">
               <a:srgbClr val="000000">
                 <a:alpha val="35000"/>
               </a:srgbClr>
@@ -4967,7 +5068,7 @@
           <a:bodyPr lIns="45718" tIns="45718" rIns="45718" bIns="45718"/>
           <a:lstStyle/>
           <a:p>
-            <a:pPr/>
+            <a:endParaRPr/>
           </a:p>
         </p:txBody>
       </p:sp>
@@ -4990,7 +5091,7 @@
           </a:ln>
           <a:extLst>
             <a:ext uri="{C572A759-6A51-4108-AA02-DFA0A04FC94B}">
-              <ma14:wrappingTextBoxFlag xmlns:ma14="http://schemas.microsoft.com/office/mac/drawingml/2011/main" val="1"/>
+              <ma14:wrappingTextBoxFlag xmlns="" xmlns:ma14="http://schemas.microsoft.com/office/mac/drawingml/2011/main" val="1"/>
             </a:ext>
           </a:extLst>
         </p:spPr>
@@ -5008,7 +5109,6 @@
             </a:lvl1pPr>
           </a:lstStyle>
           <a:p>
-            <a:pPr/>
             <a:r>
               <a:t>类型</a:t>
             </a:r>
@@ -5036,7 +5136,7 @@
             <a:tailEnd type="triangle"/>
           </a:ln>
           <a:effectLst>
-            <a:outerShdw sx="100000" sy="100000" kx="0" ky="0" algn="b" rotWithShape="0" blurRad="38100" dist="23000" dir="5400000">
+            <a:outerShdw blurRad="38100" dist="23000" dir="5400000" rotWithShape="0">
               <a:srgbClr val="000000">
                 <a:alpha val="35000"/>
               </a:srgbClr>
@@ -5047,7 +5147,7 @@
           <a:bodyPr lIns="45718" tIns="45718" rIns="45718" bIns="45718"/>
           <a:lstStyle/>
           <a:p>
-            <a:pPr/>
+            <a:endParaRPr/>
           </a:p>
         </p:txBody>
       </p:sp>
@@ -5070,7 +5170,7 @@
           </a:ln>
           <a:extLst>
             <a:ext uri="{C572A759-6A51-4108-AA02-DFA0A04FC94B}">
-              <ma14:wrappingTextBoxFlag xmlns:ma14="http://schemas.microsoft.com/office/mac/drawingml/2011/main" val="1"/>
+              <ma14:wrappingTextBoxFlag xmlns="" xmlns:ma14="http://schemas.microsoft.com/office/mac/drawingml/2011/main" val="1"/>
             </a:ext>
           </a:extLst>
         </p:spPr>
@@ -5088,7 +5188,6 @@
             </a:lvl1pPr>
           </a:lstStyle>
           <a:p>
-            <a:pPr/>
             <a:r>
               <a:t>不预先指定类型，使用时再指定</a:t>
             </a:r>
@@ -5116,7 +5215,7 @@
             <a:tailEnd type="triangle"/>
           </a:ln>
           <a:effectLst>
-            <a:outerShdw sx="100000" sy="100000" kx="0" ky="0" algn="b" rotWithShape="0" blurRad="38100" dist="23000" dir="5400000">
+            <a:outerShdw blurRad="38100" dist="23000" dir="5400000" rotWithShape="0">
               <a:srgbClr val="000000">
                 <a:alpha val="35000"/>
               </a:srgbClr>
@@ -5127,7 +5226,7 @@
           <a:bodyPr lIns="45718" tIns="45718" rIns="45718" bIns="45718"/>
           <a:lstStyle/>
           <a:p>
-            <a:pPr/>
+            <a:endParaRPr/>
           </a:p>
         </p:txBody>
       </p:sp>
@@ -5150,7 +5249,7 @@
           </a:ln>
           <a:extLst>
             <a:ext uri="{C572A759-6A51-4108-AA02-DFA0A04FC94B}">
-              <ma14:wrappingTextBoxFlag xmlns:ma14="http://schemas.microsoft.com/office/mac/drawingml/2011/main" val="1"/>
+              <ma14:wrappingTextBoxFlag xmlns="" xmlns:ma14="http://schemas.microsoft.com/office/mac/drawingml/2011/main" val="1"/>
             </a:ext>
           </a:extLst>
         </p:spPr>
@@ -5168,7 +5267,6 @@
             </a:lvl1pPr>
           </a:lstStyle>
           <a:p>
-            <a:pPr/>
             <a:r>
               <a:t>在成员之间提供一定的约束</a:t>
             </a:r>
@@ -5196,7 +5294,7 @@
             <a:tailEnd type="triangle"/>
           </a:ln>
           <a:effectLst>
-            <a:outerShdw sx="100000" sy="100000" kx="0" ky="0" algn="b" rotWithShape="0" blurRad="38100" dist="23000" dir="5400000">
+            <a:outerShdw blurRad="38100" dist="23000" dir="5400000" rotWithShape="0">
               <a:srgbClr val="000000">
                 <a:alpha val="35000"/>
               </a:srgbClr>
@@ -5207,7 +5305,7 @@
           <a:bodyPr lIns="45718" tIns="45718" rIns="45718" bIns="45718"/>
           <a:lstStyle/>
           <a:p>
-            <a:pPr/>
+            <a:endParaRPr/>
           </a:p>
         </p:txBody>
       </p:sp>
@@ -5230,7 +5328,7 @@
           </a:ln>
           <a:extLst>
             <a:ext uri="{C572A759-6A51-4108-AA02-DFA0A04FC94B}">
-              <ma14:wrappingTextBoxFlag xmlns:ma14="http://schemas.microsoft.com/office/mac/drawingml/2011/main" val="1"/>
+              <ma14:wrappingTextBoxFlag xmlns="" xmlns:ma14="http://schemas.microsoft.com/office/mac/drawingml/2011/main" val="1"/>
             </a:ext>
           </a:extLst>
         </p:spPr>
@@ -5248,7 +5346,6 @@
             </a:lvl1pPr>
           </a:lstStyle>
           <a:p>
-            <a:pPr/>
             <a:r>
               <a:t>泛型约束extends</a:t>
             </a:r>
@@ -5260,13 +5357,13 @@
   <p:clrMapOvr>
     <a:masterClrMapping/>
   </p:clrMapOvr>
-  <mc:AlternateContent xmlns:mc="http://schemas.openxmlformats.org/markup-compatibility/2006">
-    <mc:Choice xmlns:p14="http://schemas.microsoft.com/office/powerpoint/2010/main" Requires="p14">
-      <p:transition spd="slow" advClick="1" p14:dur="1500">
+  <mc:AlternateContent xmlns:mc="http://schemas.openxmlformats.org/markup-compatibility/2006" xmlns:p14="http://schemas.microsoft.com/office/powerpoint/2010/main">
+    <mc:Choice Requires="p14">
+      <p:transition spd="slow" p14:dur="1500">
         <p:dissolve/>
       </p:transition>
     </mc:Choice>
-    <mc:Fallback>
+    <mc:Fallback xmlns="">
       <p:transition spd="slow">
         <p:fade/>
       </p:transition>
@@ -5275,10 +5372,10 @@
   <p:timing>
     <p:tnLst>
       <p:par>
-        <p:cTn id="1" nodeType="tmRoot" restart="never" dur="indefinite" fill="hold">
+        <p:cTn id="1" dur="indefinite" restart="never" fill="hold" nodeType="tmRoot">
           <p:childTnLst>
             <p:seq concurrent="1" prevAc="none" nextAc="seek">
-              <p:cTn id="2" nodeType="mainSeq" dur="indefinite" fill="hold">
+              <p:cTn id="2" dur="indefinite" fill="hold" nodeType="mainSeq">
                 <p:childTnLst>
                   <p:par>
                     <p:cTn id="3" fill="hold">
@@ -5293,11 +5390,11 @@
                             </p:stCondLst>
                             <p:childTnLst>
                               <p:par>
-                                <p:cTn id="5" presetClass="entr" nodeType="clickEffect" presetSubtype="0" presetID="1" grpId="1" fill="hold">
+                                <p:cTn id="5" presetID="1" presetClass="entr" presetSubtype="0" fill="hold" grpId="1" nodeType="clickEffect">
                                   <p:stCondLst>
                                     <p:cond delay="0"/>
                                   </p:stCondLst>
-                                  <p:iterate type="el" backwards="0">
+                                  <p:iterate>
                                     <p:tmAbs val="0"/>
                                   </p:iterate>
                                   <p:childTnLst>
@@ -5337,11 +5434,11 @@
                             </p:stCondLst>
                             <p:childTnLst>
                               <p:par>
-                                <p:cTn id="9" presetClass="entr" nodeType="clickEffect" presetSubtype="0" presetID="1" grpId="2" fill="hold">
+                                <p:cTn id="9" presetID="1" presetClass="entr" presetSubtype="0" fill="hold" grpId="2" nodeType="clickEffect">
                                   <p:stCondLst>
                                     <p:cond delay="0"/>
                                   </p:stCondLst>
-                                  <p:iterate type="el" backwards="0">
+                                  <p:iterate>
                                     <p:tmAbs val="0"/>
                                   </p:iterate>
                                   <p:childTnLst>
@@ -5381,11 +5478,11 @@
                             </p:stCondLst>
                             <p:childTnLst>
                               <p:par>
-                                <p:cTn id="13" presetClass="entr" nodeType="clickEffect" presetSubtype="0" presetID="1" grpId="3" fill="hold">
+                                <p:cTn id="13" presetID="1" presetClass="entr" presetSubtype="0" fill="hold" grpId="3" nodeType="clickEffect">
                                   <p:stCondLst>
                                     <p:cond delay="0"/>
                                   </p:stCondLst>
-                                  <p:iterate type="el" backwards="0">
+                                  <p:iterate>
                                     <p:tmAbs val="0"/>
                                   </p:iterate>
                                   <p:childTnLst>
@@ -5425,11 +5522,11 @@
                             </p:stCondLst>
                             <p:childTnLst>
                               <p:par>
-                                <p:cTn id="17" presetClass="entr" nodeType="clickEffect" presetSubtype="0" presetID="1" grpId="4" fill="hold">
+                                <p:cTn id="17" presetID="1" presetClass="entr" presetSubtype="0" fill="hold" grpId="4" nodeType="clickEffect">
                                   <p:stCondLst>
                                     <p:cond delay="0"/>
                                   </p:stCondLst>
-                                  <p:iterate type="el" backwards="0">
+                                  <p:iterate>
                                     <p:tmAbs val="0"/>
                                   </p:iterate>
                                   <p:childTnLst>
@@ -5469,11 +5566,11 @@
                             </p:stCondLst>
                             <p:childTnLst>
                               <p:par>
-                                <p:cTn id="21" presetClass="entr" nodeType="clickEffect" presetSubtype="0" presetID="1" grpId="5" fill="hold">
+                                <p:cTn id="21" presetID="1" presetClass="entr" presetSubtype="0" fill="hold" grpId="5" nodeType="clickEffect">
                                   <p:stCondLst>
                                     <p:cond delay="0"/>
                                   </p:stCondLst>
-                                  <p:iterate type="el" backwards="0">
+                                  <p:iterate>
                                     <p:tmAbs val="0"/>
                                   </p:iterate>
                                   <p:childTnLst>
@@ -5513,11 +5610,11 @@
                             </p:stCondLst>
                             <p:childTnLst>
                               <p:par>
-                                <p:cTn id="25" presetClass="entr" nodeType="clickEffect" presetSubtype="0" presetID="1" grpId="6" fill="hold">
+                                <p:cTn id="25" presetID="1" presetClass="entr" presetSubtype="0" fill="hold" grpId="6" nodeType="clickEffect">
                                   <p:stCondLst>
                                     <p:cond delay="0"/>
                                   </p:stCondLst>
-                                  <p:iterate type="el" backwards="0">
+                                  <p:iterate>
                                     <p:tmAbs val="0"/>
                                   </p:iterate>
                                   <p:childTnLst>
@@ -5557,11 +5654,11 @@
                             </p:stCondLst>
                             <p:childTnLst>
                               <p:par>
-                                <p:cTn id="29" presetClass="entr" nodeType="clickEffect" presetSubtype="0" presetID="1" grpId="7" fill="hold">
+                                <p:cTn id="29" presetID="1" presetClass="entr" presetSubtype="0" fill="hold" grpId="7" nodeType="clickEffect">
                                   <p:stCondLst>
                                     <p:cond delay="0"/>
                                   </p:stCondLst>
-                                  <p:iterate type="el" backwards="0">
+                                  <p:iterate>
                                     <p:tmAbs val="0"/>
                                   </p:iterate>
                                   <p:childTnLst>
@@ -5601,11 +5698,11 @@
                             </p:stCondLst>
                             <p:childTnLst>
                               <p:par>
-                                <p:cTn id="33" presetClass="entr" nodeType="clickEffect" presetSubtype="0" presetID="1" grpId="8" fill="hold">
+                                <p:cTn id="33" presetID="1" presetClass="entr" presetSubtype="0" fill="hold" grpId="8" nodeType="clickEffect">
                                   <p:stCondLst>
                                     <p:cond delay="0"/>
                                   </p:stCondLst>
-                                  <p:iterate type="el" backwards="0">
+                                  <p:iterate>
                                     <p:tmAbs val="0"/>
                                   </p:iterate>
                                   <p:childTnLst>
@@ -5635,14 +5732,14 @@
                 </p:childTnLst>
               </p:cTn>
               <p:prevCondLst>
-                <p:cond evt="onPrev">
+                <p:cond evt="onPrev" delay="0">
                   <p:tgtEl>
                     <p:sldTgt/>
                   </p:tgtEl>
                 </p:cond>
               </p:prevCondLst>
               <p:nextCondLst>
-                <p:cond evt="onNext">
+                <p:cond evt="onNext" delay="0">
                   <p:tgtEl>
                     <p:sldTgt/>
                   </p:tgtEl>
@@ -5654,27 +5751,28 @@
       </p:par>
     </p:tnLst>
     <p:bldLst>
-      <p:bldP build="whole" bldLvl="1" animBg="1" rev="0" advAuto="0" spid="188" grpId="4"/>
-      <p:bldP build="whole" bldLvl="1" animBg="1" rev="0" advAuto="0" spid="190" grpId="6"/>
-      <p:bldP build="whole" bldLvl="1" animBg="1" rev="0" advAuto="0" spid="191" grpId="7"/>
-      <p:bldP build="whole" bldLvl="1" animBg="1" rev="0" advAuto="0" spid="192" grpId="8"/>
-      <p:bldP build="whole" bldLvl="1" animBg="1" rev="0" advAuto="0" spid="185" grpId="1"/>
-      <p:bldP build="whole" bldLvl="1" animBg="1" rev="0" advAuto="0" spid="189" grpId="5"/>
-      <p:bldP build="whole" bldLvl="1" animBg="1" rev="0" advAuto="0" spid="187" grpId="3"/>
-      <p:bldP build="whole" bldLvl="1" animBg="1" rev="0" advAuto="0" spid="186" grpId="2"/>
+      <p:bldP spid="185" grpId="1" animBg="1" advAuto="0"/>
+      <p:bldP spid="186" grpId="2" animBg="1" advAuto="0"/>
+      <p:bldP spid="187" grpId="3" animBg="1" advAuto="0"/>
+      <p:bldP spid="188" grpId="4" animBg="1" advAuto="0"/>
+      <p:bldP spid="189" grpId="5" animBg="1" advAuto="0"/>
+      <p:bldP spid="190" grpId="6" animBg="1" advAuto="0"/>
+      <p:bldP spid="191" grpId="7" animBg="1" advAuto="0"/>
+      <p:bldP spid="192" grpId="8" animBg="1" advAuto="0"/>
     </p:bldLst>
   </p:timing>
 </p:sld>
 </file>
 
 <file path=ppt/slides/slide17.xml><?xml version="1.0" encoding="utf-8"?>
-<p:sld xmlns:a="http://schemas.openxmlformats.org/drawingml/2006/main" xmlns:r="http://schemas.openxmlformats.org/officeDocument/2006/relationships" xmlns:p="http://schemas.openxmlformats.org/presentationml/2006/main" showMasterSp="1" showMasterPhAnim="1">
+<p:sld xmlns:a="http://schemas.openxmlformats.org/drawingml/2006/main" xmlns:r="http://schemas.openxmlformats.org/officeDocument/2006/relationships" xmlns:p="http://schemas.openxmlformats.org/presentationml/2006/main">
   <p:cSld>
     <p:bg>
       <p:bgPr>
         <a:solidFill>
           <a:srgbClr val="739A98"/>
         </a:solidFill>
+        <a:effectLst/>
       </p:bgPr>
     </p:bg>
     <p:spTree>
@@ -5699,8 +5797,8 @@
         </p:nvSpPr>
         <p:spPr>
           <a:xfrm>
-            <a:off x="5791522" y="825500"/>
-            <a:ext cx="1536701" cy="609601"/>
+            <a:off x="5791522" y="802006"/>
+            <a:ext cx="1949252" cy="656590"/>
           </a:xfrm>
           <a:prstGeom prst="rect">
             <a:avLst/>
@@ -5710,7 +5808,7 @@
           </a:ln>
           <a:extLst>
             <a:ext uri="{C572A759-6A51-4108-AA02-DFA0A04FC94B}">
-              <ma14:wrappingTextBoxFlag xmlns:ma14="http://schemas.microsoft.com/office/mac/drawingml/2011/main" val="1"/>
+              <ma14:wrappingTextBoxFlag xmlns="" xmlns:ma14="http://schemas.microsoft.com/office/mac/drawingml/2011/main" val="1"/>
             </a:ext>
           </a:extLst>
         </p:spPr>
@@ -5728,25 +5826,98 @@
             </a:lvl1pPr>
           </a:lstStyle>
           <a:p>
-            <a:pPr/>
             <a:r>
+              <a:rPr sz="3600" dirty="0" err="1"/>
               <a:t>泛型函数</a:t>
             </a:r>
+            <a:endParaRPr sz="3600" dirty="0"/>
           </a:p>
         </p:txBody>
       </p:sp>
+      <p:pic>
+        <p:nvPicPr>
+          <p:cNvPr id="8" name="Picture 7">
+            <a:extLst>
+              <a:ext uri="{FF2B5EF4-FFF2-40B4-BE49-F238E27FC236}">
+                <a16:creationId xmlns:a16="http://schemas.microsoft.com/office/drawing/2014/main" id="{9A3C589B-A086-DD4D-9C4F-40C0839DEE3F}"/>
+              </a:ext>
+            </a:extLst>
+          </p:cNvPr>
+          <p:cNvPicPr>
+            <a:picLocks noChangeAspect="1"/>
+          </p:cNvPicPr>
+          <p:nvPr/>
+        </p:nvPicPr>
+        <p:blipFill>
+          <a:blip r:embed="rId2">
+            <a:extLst>
+              <a:ext uri="{28A0092B-C50C-407E-A947-70E740481C1C}">
+                <a14:useLocalDpi xmlns:a14="http://schemas.microsoft.com/office/drawing/2010/main" val="0"/>
+              </a:ext>
+            </a:extLst>
+          </a:blip>
+          <a:stretch>
+            <a:fillRect/>
+          </a:stretch>
+        </p:blipFill>
+        <p:spPr>
+          <a:xfrm>
+            <a:off x="4867498" y="2301972"/>
+            <a:ext cx="3797300" cy="2514600"/>
+          </a:xfrm>
+          <a:prstGeom prst="rect">
+            <a:avLst/>
+          </a:prstGeom>
+        </p:spPr>
+      </p:pic>
+      <p:pic>
+        <p:nvPicPr>
+          <p:cNvPr id="10" name="Picture 9">
+            <a:extLst>
+              <a:ext uri="{FF2B5EF4-FFF2-40B4-BE49-F238E27FC236}">
+                <a16:creationId xmlns:a16="http://schemas.microsoft.com/office/drawing/2014/main" id="{C5DAE0BB-B734-4D4C-ACCE-9E04F38DB07D}"/>
+              </a:ext>
+            </a:extLst>
+          </p:cNvPr>
+          <p:cNvPicPr>
+            <a:picLocks noChangeAspect="1"/>
+          </p:cNvPicPr>
+          <p:nvPr/>
+        </p:nvPicPr>
+        <p:blipFill>
+          <a:blip r:embed="rId3">
+            <a:extLst>
+              <a:ext uri="{28A0092B-C50C-407E-A947-70E740481C1C}">
+                <a14:useLocalDpi xmlns:a14="http://schemas.microsoft.com/office/drawing/2010/main" val="0"/>
+              </a:ext>
+            </a:extLst>
+          </a:blip>
+          <a:stretch>
+            <a:fillRect/>
+          </a:stretch>
+        </p:blipFill>
+        <p:spPr>
+          <a:xfrm>
+            <a:off x="4429348" y="5752053"/>
+            <a:ext cx="4673600" cy="1930400"/>
+          </a:xfrm>
+          <a:prstGeom prst="rect">
+            <a:avLst/>
+          </a:prstGeom>
+        </p:spPr>
+      </p:pic>
     </p:spTree>
   </p:cSld>
   <p:clrMapOvr>
     <a:masterClrMapping/>
   </p:clrMapOvr>
-  <mc:AlternateContent xmlns:mc="http://schemas.openxmlformats.org/markup-compatibility/2006">
-    <mc:Choice xmlns:p14="http://schemas.microsoft.com/office/powerpoint/2010/main" Requires="p14">
-      <p:transition spd="slow" advClick="1" p14:dur="1500">
+  <mc:AlternateContent xmlns:mc="http://schemas.openxmlformats.org/markup-compatibility/2006" xmlns:p14="http://schemas.microsoft.com/office/powerpoint/2010/main">
+    <mc:Choice Requires="p14">
+      <p:transition spd="slow" p14:dur="1500">
         <p:dissolve/>
       </p:transition>
     </mc:Choice>
-    <mc:Fallback>
+    <mc:Fallback xmlns="">
       <p:transition spd="slow">
         <p:fade/>
       </p:transition>
@@ -5756,13 +5927,14 @@
 </file>
 
 <file path=ppt/slides/slide18.xml><?xml version="1.0" encoding="utf-8"?>
-<p:sld xmlns:a="http://schemas.openxmlformats.org/drawingml/2006/main" xmlns:r="http://schemas.openxmlformats.org/officeDocument/2006/relationships" xmlns:p="http://schemas.openxmlformats.org/presentationml/2006/main" showMasterSp="1" showMasterPhAnim="1">
+<p:sld xmlns:a="http://schemas.openxmlformats.org/drawingml/2006/main" xmlns:r="http://schemas.openxmlformats.org/officeDocument/2006/relationships" xmlns:p="http://schemas.openxmlformats.org/presentationml/2006/main">
   <p:cSld>
     <p:bg>
       <p:bgPr>
         <a:solidFill>
           <a:srgbClr val="739A98"/>
         </a:solidFill>
+        <a:effectLst/>
       </p:bgPr>
     </p:bg>
     <p:spTree>
@@ -5787,8 +5959,8 @@
         </p:nvSpPr>
         <p:spPr>
           <a:xfrm>
-            <a:off x="4630454" y="4719506"/>
-            <a:ext cx="5684429" cy="1031237"/>
+            <a:off x="1048269" y="590566"/>
+            <a:ext cx="1713785" cy="646327"/>
           </a:xfrm>
           <a:prstGeom prst="rect">
             <a:avLst/>
@@ -5798,12 +5970,12 @@
           </a:ln>
           <a:extLst>
             <a:ext uri="{C572A759-6A51-4108-AA02-DFA0A04FC94B}">
-              <ma14:wrappingTextBoxFlag xmlns:ma14="http://schemas.microsoft.com/office/mac/drawingml/2011/main" val="1"/>
+              <ma14:wrappingTextBoxFlag xmlns="" xmlns:ma14="http://schemas.microsoft.com/office/mac/drawingml/2011/main" val="1"/>
             </a:ext>
           </a:extLst>
         </p:spPr>
         <p:txBody>
-          <a:bodyPr lIns="45718" tIns="45718" rIns="45718" bIns="45718">
+          <a:bodyPr wrap="square" lIns="45718" tIns="45718" rIns="45718" bIns="45718">
             <a:spAutoFit/>
           </a:bodyPr>
           <a:lstStyle>
@@ -5820,25 +5992,61 @@
             </a:lvl1pPr>
           </a:lstStyle>
           <a:p>
-            <a:pPr/>
             <a:r>
-              <a:t>Q&amp;A</a:t>
+              <a:rPr lang="zh-Hans" altLang="en-US" sz="3600" dirty="0"/>
+              <a:t>结论</a:t>
             </a:r>
+            <a:endParaRPr lang="ja-JP" altLang="en-US" sz="3600" dirty="0"/>
           </a:p>
         </p:txBody>
       </p:sp>
+      <p:pic>
+        <p:nvPicPr>
+          <p:cNvPr id="3" name="Screen Shot 2018-04-25 at 9.26.05 PM.png" descr="Screen Shot 2018-04-25 at 9.26.05 PM.png">
+            <a:extLst>
+              <a:ext uri="{FF2B5EF4-FFF2-40B4-BE49-F238E27FC236}">
+                <a16:creationId xmlns:a16="http://schemas.microsoft.com/office/drawing/2014/main" id="{C64DC834-E664-C243-990A-17C06E47FBB7}"/>
+              </a:ext>
+            </a:extLst>
+          </p:cNvPr>
+          <p:cNvPicPr>
+            <a:picLocks noChangeAspect="1"/>
+          </p:cNvPicPr>
+          <p:nvPr/>
+        </p:nvPicPr>
+        <p:blipFill>
+          <a:blip r:embed="rId2">
+            <a:extLst/>
+          </a:blip>
+          <a:stretch>
+            <a:fillRect/>
+          </a:stretch>
+        </p:blipFill>
+        <p:spPr>
+          <a:xfrm>
+            <a:off x="1905161" y="2092749"/>
+            <a:ext cx="8931350" cy="7796085"/>
+          </a:xfrm>
+          <a:prstGeom prst="rect">
+            <a:avLst/>
+          </a:prstGeom>
+          <a:ln w="12700">
+            <a:miter lim="400000"/>
+          </a:ln>
+        </p:spPr>
+      </p:pic>
     </p:spTree>
   </p:cSld>
   <p:clrMapOvr>
     <a:masterClrMapping/>
   </p:clrMapOvr>
-  <mc:AlternateContent xmlns:mc="http://schemas.openxmlformats.org/markup-compatibility/2006">
-    <mc:Choice xmlns:p14="http://schemas.microsoft.com/office/powerpoint/2010/main" Requires="p14">
-      <p:transition spd="slow" advClick="1" p14:dur="1500">
+  <mc:AlternateContent xmlns:mc="http://schemas.openxmlformats.org/markup-compatibility/2006" xmlns:p14="http://schemas.microsoft.com/office/powerpoint/2010/main">
+    <mc:Choice Requires="p14">
+      <p:transition spd="slow" p14:dur="1500">
         <p:dissolve/>
       </p:transition>
     </mc:Choice>
-    <mc:Fallback>
+    <mc:Fallback xmlns="">
       <p:transition spd="slow">
         <p:fade/>
       </p:transition>
@@ -5848,13 +6056,14 @@
 </file>
 
 <file path=ppt/slides/slide19.xml><?xml version="1.0" encoding="utf-8"?>
-<p:sld xmlns:a="http://schemas.openxmlformats.org/drawingml/2006/main" xmlns:r="http://schemas.openxmlformats.org/officeDocument/2006/relationships" xmlns:p="http://schemas.openxmlformats.org/presentationml/2006/main" showMasterSp="1" showMasterPhAnim="1">
+<p:sld xmlns:a="http://schemas.openxmlformats.org/drawingml/2006/main" xmlns:r="http://schemas.openxmlformats.org/officeDocument/2006/relationships" xmlns:p="http://schemas.openxmlformats.org/presentationml/2006/main">
   <p:cSld>
     <p:bg>
       <p:bgPr>
         <a:solidFill>
           <a:srgbClr val="739A98"/>
         </a:solidFill>
+        <a:effectLst/>
       </p:bgPr>
     </p:bg>
     <p:spTree>
@@ -5890,7 +6099,7 @@
           </a:ln>
           <a:extLst>
             <a:ext uri="{C572A759-6A51-4108-AA02-DFA0A04FC94B}">
-              <ma14:wrappingTextBoxFlag xmlns:ma14="http://schemas.microsoft.com/office/mac/drawingml/2011/main" val="1"/>
+              <ma14:wrappingTextBoxFlag xmlns="" xmlns:ma14="http://schemas.microsoft.com/office/mac/drawingml/2011/main" val="1"/>
             </a:ext>
           </a:extLst>
         </p:spPr>
@@ -5912,7 +6121,6 @@
             </a:lvl1pPr>
           </a:lstStyle>
           <a:p>
-            <a:pPr/>
             <a:r>
               <a:t>THINKS</a:t>
             </a:r>
@@ -5924,13 +6132,13 @@
   <p:clrMapOvr>
     <a:masterClrMapping/>
   </p:clrMapOvr>
-  <mc:AlternateContent xmlns:mc="http://schemas.openxmlformats.org/markup-compatibility/2006">
-    <mc:Choice xmlns:p14="http://schemas.microsoft.com/office/powerpoint/2010/main" Requires="p14">
-      <p:transition spd="slow" advClick="1" p14:dur="1500">
+  <mc:AlternateContent xmlns:mc="http://schemas.openxmlformats.org/markup-compatibility/2006" xmlns:p14="http://schemas.microsoft.com/office/powerpoint/2010/main">
+    <mc:Choice Requires="p14">
+      <p:transition spd="slow" p14:dur="1500">
         <p:dissolve/>
       </p:transition>
     </mc:Choice>
-    <mc:Fallback>
+    <mc:Fallback xmlns="">
       <p:transition spd="slow">
         <p:fade/>
       </p:transition>
@@ -5940,13 +6148,14 @@
 </file>
 
 <file path=ppt/slides/slide2.xml><?xml version="1.0" encoding="utf-8"?>
-<p:sld xmlns:a="http://schemas.openxmlformats.org/drawingml/2006/main" xmlns:r="http://schemas.openxmlformats.org/officeDocument/2006/relationships" xmlns:p="http://schemas.openxmlformats.org/presentationml/2006/main" showMasterSp="1" showMasterPhAnim="1">
+<p:sld xmlns:a="http://schemas.openxmlformats.org/drawingml/2006/main" xmlns:r="http://schemas.openxmlformats.org/officeDocument/2006/relationships" xmlns:p="http://schemas.openxmlformats.org/presentationml/2006/main">
   <p:cSld>
     <p:bg>
       <p:bgPr>
         <a:solidFill>
           <a:srgbClr val="739A98"/>
         </a:solidFill>
+        <a:effectLst/>
       </p:bgPr>
     </p:bg>
     <p:spTree>
@@ -5982,7 +6191,7 @@
           </a:ln>
           <a:extLst>
             <a:ext uri="{C572A759-6A51-4108-AA02-DFA0A04FC94B}">
-              <ma14:wrappingTextBoxFlag xmlns:ma14="http://schemas.microsoft.com/office/mac/drawingml/2011/main" val="1"/>
+              <ma14:wrappingTextBoxFlag xmlns="" xmlns:ma14="http://schemas.microsoft.com/office/mac/drawingml/2011/main" val="1"/>
             </a:ext>
           </a:extLst>
         </p:spPr>
@@ -6004,7 +6213,6 @@
             </a:lvl1pPr>
           </a:lstStyle>
           <a:p>
-            <a:pPr/>
             <a:r>
               <a:t>01</a:t>
             </a:r>
@@ -6030,7 +6238,7 @@
           </a:ln>
           <a:extLst>
             <a:ext uri="{C572A759-6A51-4108-AA02-DFA0A04FC94B}">
-              <ma14:wrappingTextBoxFlag xmlns:ma14="http://schemas.microsoft.com/office/mac/drawingml/2011/main" val="1"/>
+              <ma14:wrappingTextBoxFlag xmlns="" xmlns:ma14="http://schemas.microsoft.com/office/mac/drawingml/2011/main" val="1"/>
             </a:ext>
           </a:extLst>
         </p:spPr>
@@ -6052,7 +6260,6 @@
             </a:lvl1pPr>
           </a:lstStyle>
           <a:p>
-            <a:pPr/>
             <a:r>
               <a:t>02</a:t>
             </a:r>
@@ -6078,7 +6285,7 @@
           </a:ln>
           <a:extLst>
             <a:ext uri="{C572A759-6A51-4108-AA02-DFA0A04FC94B}">
-              <ma14:wrappingTextBoxFlag xmlns:ma14="http://schemas.microsoft.com/office/mac/drawingml/2011/main" val="1"/>
+              <ma14:wrappingTextBoxFlag xmlns="" xmlns:ma14="http://schemas.microsoft.com/office/mac/drawingml/2011/main" val="1"/>
             </a:ext>
           </a:extLst>
         </p:spPr>
@@ -6091,7 +6298,7 @@
               <a:lnSpc>
                 <a:spcPct val="130000"/>
               </a:lnSpc>
-              <a:defRPr b="1" sz="3600">
+              <a:defRPr sz="3600" b="1">
                 <a:solidFill>
                   <a:srgbClr val="FFFFFF"/>
                 </a:solidFill>
@@ -6103,7 +6310,6 @@
             </a:lvl1pPr>
           </a:lstStyle>
           <a:p>
-            <a:pPr/>
             <a:r>
               <a:t>TypeScript 类型简单介绍</a:t>
             </a:r>
@@ -6129,7 +6335,7 @@
           </a:ln>
           <a:extLst>
             <a:ext uri="{C572A759-6A51-4108-AA02-DFA0A04FC94B}">
-              <ma14:wrappingTextBoxFlag xmlns:ma14="http://schemas.microsoft.com/office/mac/drawingml/2011/main" val="1"/>
+              <ma14:wrappingTextBoxFlag xmlns="" xmlns:ma14="http://schemas.microsoft.com/office/mac/drawingml/2011/main" val="1"/>
             </a:ext>
           </a:extLst>
         </p:spPr>
@@ -6142,7 +6348,7 @@
               <a:lnSpc>
                 <a:spcPct val="130000"/>
               </a:lnSpc>
-              <a:defRPr b="1" sz="3600">
+              <a:defRPr sz="3600" b="1">
                 <a:solidFill>
                   <a:srgbClr val="FFFFFF"/>
                 </a:solidFill>
@@ -6154,7 +6360,6 @@
             </a:lvl1pPr>
           </a:lstStyle>
           <a:p>
-            <a:pPr/>
             <a:r>
               <a:t>TypeScript 2.+</a:t>
             </a:r>
@@ -6166,13 +6371,13 @@
   <p:clrMapOvr>
     <a:masterClrMapping/>
   </p:clrMapOvr>
-  <mc:AlternateContent xmlns:mc="http://schemas.openxmlformats.org/markup-compatibility/2006">
-    <mc:Choice xmlns:p14="http://schemas.microsoft.com/office/powerpoint/2010/main" Requires="p14">
-      <p:transition spd="slow" advClick="1" p14:dur="1200">
+  <mc:AlternateContent xmlns:mc="http://schemas.openxmlformats.org/markup-compatibility/2006" xmlns:p14="http://schemas.microsoft.com/office/powerpoint/2010/main">
+    <mc:Choice Requires="p14">
+      <p:transition spd="slow" p14:dur="1200">
         <p:dissolve/>
       </p:transition>
     </mc:Choice>
-    <mc:Fallback>
+    <mc:Fallback xmlns="">
       <p:transition spd="slow">
         <p:fade/>
       </p:transition>
@@ -6182,13 +6387,14 @@
 </file>
 
 <file path=ppt/slides/slide3.xml><?xml version="1.0" encoding="utf-8"?>
-<p:sld xmlns:a="http://schemas.openxmlformats.org/drawingml/2006/main" xmlns:r="http://schemas.openxmlformats.org/officeDocument/2006/relationships" xmlns:p="http://schemas.openxmlformats.org/presentationml/2006/main" showMasterSp="1" showMasterPhAnim="1">
+<p:sld xmlns:a="http://schemas.openxmlformats.org/drawingml/2006/main" xmlns:r="http://schemas.openxmlformats.org/officeDocument/2006/relationships" xmlns:p="http://schemas.openxmlformats.org/presentationml/2006/main">
   <p:cSld>
     <p:bg>
       <p:bgPr>
         <a:solidFill>
           <a:srgbClr val="739A98"/>
         </a:solidFill>
+        <a:effectLst/>
       </p:bgPr>
     </p:bg>
     <p:spTree>
@@ -6224,7 +6430,7 @@
           </a:ln>
           <a:extLst>
             <a:ext uri="{C572A759-6A51-4108-AA02-DFA0A04FC94B}">
-              <ma14:wrappingTextBoxFlag xmlns:ma14="http://schemas.microsoft.com/office/mac/drawingml/2011/main" val="1"/>
+              <ma14:wrappingTextBoxFlag xmlns="" xmlns:ma14="http://schemas.microsoft.com/office/mac/drawingml/2011/main" val="1"/>
             </a:ext>
           </a:extLst>
         </p:spPr>
@@ -6246,7 +6452,6 @@
             </a:lvl1pPr>
           </a:lstStyle>
           <a:p>
-            <a:pPr/>
             <a:r>
               <a:t>01</a:t>
             </a:r>
@@ -6272,7 +6477,7 @@
           </a:ln>
           <a:extLst>
             <a:ext uri="{C572A759-6A51-4108-AA02-DFA0A04FC94B}">
-              <ma14:wrappingTextBoxFlag xmlns:ma14="http://schemas.microsoft.com/office/mac/drawingml/2011/main" val="1"/>
+              <ma14:wrappingTextBoxFlag xmlns="" xmlns:ma14="http://schemas.microsoft.com/office/mac/drawingml/2011/main" val="1"/>
             </a:ext>
           </a:extLst>
         </p:spPr>
@@ -6294,7 +6499,6 @@
             </a:lvl1pPr>
           </a:lstStyle>
           <a:p>
-            <a:pPr/>
             <a:r>
               <a:t>TypeScript 类型</a:t>
             </a:r>
@@ -6306,13 +6510,13 @@
   <p:clrMapOvr>
     <a:masterClrMapping/>
   </p:clrMapOvr>
-  <mc:AlternateContent xmlns:mc="http://schemas.openxmlformats.org/markup-compatibility/2006">
-    <mc:Choice xmlns:p14="http://schemas.microsoft.com/office/powerpoint/2010/main" Requires="p14">
-      <p:transition spd="slow" advClick="1" p14:dur="1200">
+  <mc:AlternateContent xmlns:mc="http://schemas.openxmlformats.org/markup-compatibility/2006" xmlns:p14="http://schemas.microsoft.com/office/powerpoint/2010/main">
+    <mc:Choice Requires="p14">
+      <p:transition spd="slow" p14:dur="1200">
         <p:dissolve/>
       </p:transition>
     </mc:Choice>
-    <mc:Fallback>
+    <mc:Fallback xmlns="">
       <p:transition spd="slow">
         <p:fade/>
       </p:transition>
@@ -6322,13 +6526,14 @@
 </file>
 
 <file path=ppt/slides/slide4.xml><?xml version="1.0" encoding="utf-8"?>
-<p:sld xmlns:a="http://schemas.openxmlformats.org/drawingml/2006/main" xmlns:r="http://schemas.openxmlformats.org/officeDocument/2006/relationships" xmlns:p="http://schemas.openxmlformats.org/presentationml/2006/main" showMasterSp="1" showMasterPhAnim="1">
+<p:sld xmlns:a="http://schemas.openxmlformats.org/drawingml/2006/main" xmlns:r="http://schemas.openxmlformats.org/officeDocument/2006/relationships" xmlns:p="http://schemas.openxmlformats.org/presentationml/2006/main">
   <p:cSld>
     <p:bg>
       <p:bgPr>
         <a:solidFill>
           <a:srgbClr val="739A98"/>
         </a:solidFill>
+        <a:effectLst/>
       </p:bgPr>
     </p:bg>
     <p:spTree>
@@ -6379,13 +6584,13 @@
   <p:clrMapOvr>
     <a:masterClrMapping/>
   </p:clrMapOvr>
-  <mc:AlternateContent xmlns:mc="http://schemas.openxmlformats.org/markup-compatibility/2006">
-    <mc:Choice xmlns:p14="http://schemas.microsoft.com/office/powerpoint/2010/main" Requires="p14">
-      <p:transition spd="slow" advClick="1" p14:dur="1200">
+  <mc:AlternateContent xmlns:mc="http://schemas.openxmlformats.org/markup-compatibility/2006" xmlns:p14="http://schemas.microsoft.com/office/powerpoint/2010/main">
+    <mc:Choice Requires="p14">
+      <p:transition spd="slow" p14:dur="1200">
         <p:dissolve/>
       </p:transition>
     </mc:Choice>
-    <mc:Fallback>
+    <mc:Fallback xmlns="">
       <p:transition spd="slow">
         <p:fade/>
       </p:transition>
@@ -6395,13 +6600,14 @@
 </file>
 
 <file path=ppt/slides/slide5.xml><?xml version="1.0" encoding="utf-8"?>
-<p:sld xmlns:a="http://schemas.openxmlformats.org/drawingml/2006/main" xmlns:r="http://schemas.openxmlformats.org/officeDocument/2006/relationships" xmlns:p="http://schemas.openxmlformats.org/presentationml/2006/main" showMasterSp="1" showMasterPhAnim="1">
+<p:sld xmlns:a="http://schemas.openxmlformats.org/drawingml/2006/main" xmlns:r="http://schemas.openxmlformats.org/officeDocument/2006/relationships" xmlns:p="http://schemas.openxmlformats.org/presentationml/2006/main">
   <p:cSld>
     <p:bg>
       <p:bgPr>
         <a:solidFill>
           <a:srgbClr val="739A98"/>
         </a:solidFill>
+        <a:effectLst/>
       </p:bgPr>
     </p:bg>
     <p:spTree>
@@ -6437,7 +6643,7 @@
           </a:ln>
           <a:extLst>
             <a:ext uri="{C572A759-6A51-4108-AA02-DFA0A04FC94B}">
-              <ma14:wrappingTextBoxFlag xmlns:ma14="http://schemas.microsoft.com/office/mac/drawingml/2011/main" val="1"/>
+              <ma14:wrappingTextBoxFlag xmlns="" xmlns:ma14="http://schemas.microsoft.com/office/mac/drawingml/2011/main" val="1"/>
             </a:ext>
           </a:extLst>
         </p:spPr>
@@ -6448,7 +6654,7 @@
           <a:lstStyle>
             <a:lvl1pPr marL="481263" indent="-481263">
               <a:buSzPct val="100000"/>
-              <a:buAutoNum type="arabicPeriod" startAt="1"/>
+              <a:buAutoNum type="arabicPeriod"/>
               <a:defRPr sz="3600">
                 <a:solidFill>
                   <a:srgbClr val="FFFFFF"/>
@@ -6457,7 +6663,6 @@
             </a:lvl1pPr>
           </a:lstStyle>
           <a:p>
-            <a:pPr/>
             <a:r>
               <a:t>基础数据类型</a:t>
             </a:r>
@@ -6498,13 +6703,13 @@
   <p:clrMapOvr>
     <a:masterClrMapping/>
   </p:clrMapOvr>
-  <mc:AlternateContent xmlns:mc="http://schemas.openxmlformats.org/markup-compatibility/2006">
-    <mc:Choice xmlns:p14="http://schemas.microsoft.com/office/powerpoint/2010/main" Requires="p14">
-      <p:transition spd="slow" advClick="1" p14:dur="1200">
+  <mc:AlternateContent xmlns:mc="http://schemas.openxmlformats.org/markup-compatibility/2006" xmlns:p14="http://schemas.microsoft.com/office/powerpoint/2010/main">
+    <mc:Choice Requires="p14">
+      <p:transition spd="slow" p14:dur="1200">
         <p:dissolve/>
       </p:transition>
     </mc:Choice>
-    <mc:Fallback>
+    <mc:Fallback xmlns="">
       <p:transition spd="slow">
         <p:fade/>
       </p:transition>
@@ -6514,13 +6719,14 @@
 </file>
 
 <file path=ppt/slides/slide6.xml><?xml version="1.0" encoding="utf-8"?>
-<p:sld xmlns:a="http://schemas.openxmlformats.org/drawingml/2006/main" xmlns:r="http://schemas.openxmlformats.org/officeDocument/2006/relationships" xmlns:p="http://schemas.openxmlformats.org/presentationml/2006/main" showMasterSp="1" showMasterPhAnim="1">
+<p:sld xmlns:a="http://schemas.openxmlformats.org/drawingml/2006/main" xmlns:r="http://schemas.openxmlformats.org/officeDocument/2006/relationships" xmlns:p="http://schemas.openxmlformats.org/presentationml/2006/main">
   <p:cSld>
     <p:bg>
       <p:bgPr>
         <a:solidFill>
           <a:srgbClr val="739A98"/>
         </a:solidFill>
+        <a:effectLst/>
       </p:bgPr>
     </p:bg>
     <p:spTree>
@@ -6556,7 +6762,7 @@
           </a:ln>
           <a:extLst>
             <a:ext uri="{C572A759-6A51-4108-AA02-DFA0A04FC94B}">
-              <ma14:wrappingTextBoxFlag xmlns:ma14="http://schemas.microsoft.com/office/mac/drawingml/2011/main" val="1"/>
+              <ma14:wrappingTextBoxFlag xmlns="" xmlns:ma14="http://schemas.microsoft.com/office/mac/drawingml/2011/main" val="1"/>
             </a:ext>
           </a:extLst>
         </p:spPr>
@@ -6576,7 +6782,6 @@
             </a:lvl1pPr>
           </a:lstStyle>
           <a:p>
-            <a:pPr/>
             <a:r>
               <a:t>函数类型</a:t>
             </a:r>
@@ -6662,7 +6867,7 @@
             <a:tailEnd type="triangle"/>
           </a:ln>
           <a:effectLst>
-            <a:outerShdw sx="100000" sy="100000" kx="0" ky="0" algn="b" rotWithShape="0" blurRad="38100" dist="23000" dir="5400000">
+            <a:outerShdw blurRad="38100" dist="23000" dir="5400000" rotWithShape="0">
               <a:srgbClr val="000000">
                 <a:alpha val="35000"/>
               </a:srgbClr>
@@ -6673,7 +6878,7 @@
           <a:bodyPr lIns="45718" tIns="45718" rIns="45718" bIns="45718"/>
           <a:lstStyle/>
           <a:p>
-            <a:pPr/>
+            <a:endParaRPr/>
           </a:p>
         </p:txBody>
       </p:sp>
@@ -6727,7 +6932,7 @@
             <a:tailEnd type="triangle"/>
           </a:ln>
           <a:effectLst>
-            <a:outerShdw sx="100000" sy="100000" kx="0" ky="0" algn="b" rotWithShape="0" blurRad="38100" dist="23000" dir="5400000">
+            <a:outerShdw blurRad="38100" dist="23000" dir="5400000" rotWithShape="0">
               <a:srgbClr val="000000">
                 <a:alpha val="35000"/>
               </a:srgbClr>
@@ -6738,7 +6943,7 @@
           <a:bodyPr lIns="45718" tIns="45718" rIns="45718" bIns="45718"/>
           <a:lstStyle/>
           <a:p>
-            <a:pPr/>
+            <a:endParaRPr/>
           </a:p>
         </p:txBody>
       </p:sp>
@@ -6747,13 +6952,13 @@
   <p:clrMapOvr>
     <a:masterClrMapping/>
   </p:clrMapOvr>
-  <mc:AlternateContent xmlns:mc="http://schemas.openxmlformats.org/markup-compatibility/2006">
-    <mc:Choice xmlns:p14="http://schemas.microsoft.com/office/powerpoint/2010/main" Requires="p14">
-      <p:transition spd="slow" advClick="1" p14:dur="1500">
+  <mc:AlternateContent xmlns:mc="http://schemas.openxmlformats.org/markup-compatibility/2006" xmlns:p14="http://schemas.microsoft.com/office/powerpoint/2010/main">
+    <mc:Choice Requires="p14">
+      <p:transition spd="slow" p14:dur="1500">
         <p:dissolve/>
       </p:transition>
     </mc:Choice>
-    <mc:Fallback>
+    <mc:Fallback xmlns="">
       <p:transition spd="slow">
         <p:fade/>
       </p:transition>
@@ -6762,10 +6967,10 @@
   <p:timing>
     <p:tnLst>
       <p:par>
-        <p:cTn id="1" nodeType="tmRoot" restart="never" dur="indefinite" fill="hold">
+        <p:cTn id="1" dur="indefinite" restart="never" fill="hold" nodeType="tmRoot">
           <p:childTnLst>
             <p:seq concurrent="1" prevAc="none" nextAc="seek">
-              <p:cTn id="2" nodeType="mainSeq" dur="indefinite" fill="hold">
+              <p:cTn id="2" dur="indefinite" fill="hold" nodeType="mainSeq">
                 <p:childTnLst>
                   <p:par>
                     <p:cTn id="3" fill="hold">
@@ -6780,11 +6985,11 @@
                             </p:stCondLst>
                             <p:childTnLst>
                               <p:par>
-                                <p:cTn id="5" presetClass="entr" nodeType="clickEffect" presetSubtype="0" presetID="1" grpId="1" fill="hold">
+                                <p:cTn id="5" presetID="1" presetClass="entr" presetSubtype="0" fill="hold" grpId="1" nodeType="clickEffect">
                                   <p:stCondLst>
                                     <p:cond delay="0"/>
                                   </p:stCondLst>
-                                  <p:iterate type="el" backwards="0">
+                                  <p:iterate>
                                     <p:tmAbs val="0"/>
                                   </p:iterate>
                                   <p:childTnLst>
@@ -6824,11 +7029,11 @@
                             </p:stCondLst>
                             <p:childTnLst>
                               <p:par>
-                                <p:cTn id="9" presetClass="entr" nodeType="clickEffect" presetSubtype="0" presetID="1" grpId="2" fill="hold">
+                                <p:cTn id="9" presetID="1" presetClass="entr" presetSubtype="0" fill="hold" grpId="2" nodeType="clickEffect">
                                   <p:stCondLst>
                                     <p:cond delay="0"/>
                                   </p:stCondLst>
-                                  <p:iterate type="el" backwards="0">
+                                  <p:iterate>
                                     <p:tmAbs val="0"/>
                                   </p:iterate>
                                   <p:childTnLst>
@@ -6868,11 +7073,11 @@
                             </p:stCondLst>
                             <p:childTnLst>
                               <p:par>
-                                <p:cTn id="13" presetClass="entr" nodeType="clickEffect" presetSubtype="0" presetID="1" grpId="3" fill="hold">
+                                <p:cTn id="13" presetID="1" presetClass="entr" presetSubtype="0" fill="hold" grpId="3" nodeType="clickEffect">
                                   <p:stCondLst>
                                     <p:cond delay="0"/>
                                   </p:stCondLst>
-                                  <p:iterate type="el" backwards="0">
+                                  <p:iterate>
                                     <p:tmAbs val="0"/>
                                   </p:iterate>
                                   <p:childTnLst>
@@ -6912,11 +7117,11 @@
                             </p:stCondLst>
                             <p:childTnLst>
                               <p:par>
-                                <p:cTn id="17" presetClass="entr" nodeType="clickEffect" presetSubtype="0" presetID="1" grpId="4" fill="hold">
+                                <p:cTn id="17" presetID="1" presetClass="entr" presetSubtype="0" fill="hold" grpId="4" nodeType="clickEffect">
                                   <p:stCondLst>
                                     <p:cond delay="0"/>
                                   </p:stCondLst>
-                                  <p:iterate type="el" backwards="0">
+                                  <p:iterate>
                                     <p:tmAbs val="0"/>
                                   </p:iterate>
                                   <p:childTnLst>
@@ -6956,11 +7161,11 @@
                             </p:stCondLst>
                             <p:childTnLst>
                               <p:par>
-                                <p:cTn id="21" presetClass="entr" nodeType="clickEffect" presetSubtype="0" presetID="1" grpId="5" fill="hold">
+                                <p:cTn id="21" presetID="1" presetClass="entr" presetSubtype="0" fill="hold" grpId="5" nodeType="clickEffect">
                                   <p:stCondLst>
                                     <p:cond delay="0"/>
                                   </p:stCondLst>
-                                  <p:iterate type="el" backwards="0">
+                                  <p:iterate>
                                     <p:tmAbs val="0"/>
                                   </p:iterate>
                                   <p:childTnLst>
@@ -6990,14 +7195,14 @@
                 </p:childTnLst>
               </p:cTn>
               <p:prevCondLst>
-                <p:cond evt="onPrev">
+                <p:cond evt="onPrev" delay="0">
                   <p:tgtEl>
                     <p:sldTgt/>
                   </p:tgtEl>
                 </p:cond>
               </p:prevCondLst>
               <p:nextCondLst>
-                <p:cond evt="onNext">
+                <p:cond evt="onNext" delay="0">
                   <p:tgtEl>
                     <p:sldTgt/>
                   </p:tgtEl>
@@ -7009,24 +7214,25 @@
       </p:par>
     </p:tnLst>
     <p:bldLst>
-      <p:bldP build="whole" bldLvl="1" animBg="1" rev="0" advAuto="0" spid="140" grpId="1"/>
-      <p:bldP build="whole" bldLvl="1" animBg="1" rev="0" advAuto="0" spid="144" grpId="4"/>
-      <p:bldP build="whole" bldLvl="1" animBg="1" rev="0" advAuto="0" spid="143" grpId="5"/>
-      <p:bldP build="whole" bldLvl="1" animBg="1" rev="0" advAuto="0" spid="142" grpId="2"/>
-      <p:bldP build="whole" bldLvl="1" animBg="1" rev="0" advAuto="0" spid="141" grpId="3"/>
+      <p:bldP spid="140" grpId="1" animBg="1" advAuto="0"/>
+      <p:bldP spid="141" grpId="3" animBg="1" advAuto="0"/>
+      <p:bldP spid="142" grpId="2" animBg="1" advAuto="0"/>
+      <p:bldP spid="143" grpId="5" animBg="1" advAuto="0"/>
+      <p:bldP spid="144" grpId="4" animBg="1" advAuto="0"/>
     </p:bldLst>
   </p:timing>
 </p:sld>
 </file>
 
 <file path=ppt/slides/slide7.xml><?xml version="1.0" encoding="utf-8"?>
-<p:sld xmlns:a="http://schemas.openxmlformats.org/drawingml/2006/main" xmlns:r="http://schemas.openxmlformats.org/officeDocument/2006/relationships" xmlns:p="http://schemas.openxmlformats.org/presentationml/2006/main" showMasterSp="1" showMasterPhAnim="1">
+<p:sld xmlns:a="http://schemas.openxmlformats.org/drawingml/2006/main" xmlns:r="http://schemas.openxmlformats.org/officeDocument/2006/relationships" xmlns:p="http://schemas.openxmlformats.org/presentationml/2006/main">
   <p:cSld>
     <p:bg>
       <p:bgPr>
         <a:solidFill>
           <a:srgbClr val="739A98"/>
         </a:solidFill>
+        <a:effectLst/>
       </p:bgPr>
     </p:bg>
     <p:spTree>
@@ -7062,7 +7268,7 @@
           </a:ln>
           <a:extLst>
             <a:ext uri="{C572A759-6A51-4108-AA02-DFA0A04FC94B}">
-              <ma14:wrappingTextBoxFlag xmlns:ma14="http://schemas.microsoft.com/office/mac/drawingml/2011/main" val="1"/>
+              <ma14:wrappingTextBoxFlag xmlns="" xmlns:ma14="http://schemas.microsoft.com/office/mac/drawingml/2011/main" val="1"/>
             </a:ext>
           </a:extLst>
         </p:spPr>
@@ -7080,7 +7286,6 @@
             </a:lvl1pPr>
           </a:lstStyle>
           <a:p>
-            <a:pPr/>
             <a:r>
               <a:t>函数返回值</a:t>
             </a:r>
@@ -7150,13 +7355,13 @@
   <p:clrMapOvr>
     <a:masterClrMapping/>
   </p:clrMapOvr>
-  <mc:AlternateContent xmlns:mc="http://schemas.openxmlformats.org/markup-compatibility/2006">
-    <mc:Choice xmlns:p14="http://schemas.microsoft.com/office/powerpoint/2010/main" Requires="p14">
-      <p:transition spd="slow" advClick="1" p14:dur="1500">
+  <mc:AlternateContent xmlns:mc="http://schemas.openxmlformats.org/markup-compatibility/2006" xmlns:p14="http://schemas.microsoft.com/office/powerpoint/2010/main">
+    <mc:Choice Requires="p14">
+      <p:transition spd="slow" p14:dur="1500">
         <p:dissolve/>
       </p:transition>
     </mc:Choice>
-    <mc:Fallback>
+    <mc:Fallback xmlns="">
       <p:transition spd="slow">
         <p:fade/>
       </p:transition>
@@ -7165,10 +7370,10 @@
   <p:timing>
     <p:tnLst>
       <p:par>
-        <p:cTn id="1" nodeType="tmRoot" restart="never" dur="indefinite" fill="hold">
+        <p:cTn id="1" dur="indefinite" restart="never" fill="hold" nodeType="tmRoot">
           <p:childTnLst>
             <p:seq concurrent="1" prevAc="none" nextAc="seek">
-              <p:cTn id="2" nodeType="mainSeq" dur="indefinite" fill="hold">
+              <p:cTn id="2" dur="indefinite" fill="hold" nodeType="mainSeq">
                 <p:childTnLst>
                   <p:par>
                     <p:cTn id="3" fill="hold">
@@ -7183,11 +7388,11 @@
                             </p:stCondLst>
                             <p:childTnLst>
                               <p:par>
-                                <p:cTn id="5" presetClass="entr" nodeType="clickEffect" presetSubtype="0" presetID="1" grpId="1" fill="hold">
+                                <p:cTn id="5" presetID="1" presetClass="entr" presetSubtype="0" fill="hold" grpId="1" nodeType="clickEffect">
                                   <p:stCondLst>
                                     <p:cond delay="0"/>
                                   </p:stCondLst>
-                                  <p:iterate type="el" backwards="0">
+                                  <p:iterate>
                                     <p:tmAbs val="0"/>
                                   </p:iterate>
                                   <p:childTnLst>
@@ -7227,11 +7432,11 @@
                             </p:stCondLst>
                             <p:childTnLst>
                               <p:par>
-                                <p:cTn id="9" presetClass="entr" nodeType="clickEffect" presetSubtype="0" presetID="1" grpId="2" fill="hold">
+                                <p:cTn id="9" presetID="1" presetClass="entr" presetSubtype="0" fill="hold" grpId="2" nodeType="clickEffect">
                                   <p:stCondLst>
                                     <p:cond delay="0"/>
                                   </p:stCondLst>
-                                  <p:iterate type="el" backwards="0">
+                                  <p:iterate>
                                     <p:tmAbs val="0"/>
                                   </p:iterate>
                                   <p:childTnLst>
@@ -7261,14 +7466,14 @@
                 </p:childTnLst>
               </p:cTn>
               <p:prevCondLst>
-                <p:cond evt="onPrev">
+                <p:cond evt="onPrev" delay="0">
                   <p:tgtEl>
                     <p:sldTgt/>
                   </p:tgtEl>
                 </p:cond>
               </p:prevCondLst>
               <p:nextCondLst>
-                <p:cond evt="onNext">
+                <p:cond evt="onNext" delay="0">
                   <p:tgtEl>
                     <p:sldTgt/>
                   </p:tgtEl>
@@ -7280,21 +7485,22 @@
       </p:par>
     </p:tnLst>
     <p:bldLst>
-      <p:bldP build="whole" bldLvl="1" animBg="1" rev="0" advAuto="0" spid="148" grpId="2"/>
-      <p:bldP build="whole" bldLvl="1" animBg="1" rev="0" advAuto="0" spid="147" grpId="1"/>
+      <p:bldP spid="147" grpId="1" animBg="1" advAuto="0"/>
+      <p:bldP spid="148" grpId="2" animBg="1" advAuto="0"/>
     </p:bldLst>
   </p:timing>
 </p:sld>
 </file>
 
 <file path=ppt/slides/slide8.xml><?xml version="1.0" encoding="utf-8"?>
-<p:sld xmlns:a="http://schemas.openxmlformats.org/drawingml/2006/main" xmlns:r="http://schemas.openxmlformats.org/officeDocument/2006/relationships" xmlns:p="http://schemas.openxmlformats.org/presentationml/2006/main" showMasterSp="1" showMasterPhAnim="1">
+<p:sld xmlns:a="http://schemas.openxmlformats.org/drawingml/2006/main" xmlns:r="http://schemas.openxmlformats.org/officeDocument/2006/relationships" xmlns:p="http://schemas.openxmlformats.org/presentationml/2006/main">
   <p:cSld>
     <p:bg>
       <p:bgPr>
         <a:solidFill>
           <a:srgbClr val="739A98"/>
         </a:solidFill>
+        <a:effectLst/>
       </p:bgPr>
     </p:bg>
     <p:spTree>
@@ -7330,7 +7536,7 @@
           </a:ln>
           <a:extLst>
             <a:ext uri="{C572A759-6A51-4108-AA02-DFA0A04FC94B}">
-              <ma14:wrappingTextBoxFlag xmlns:ma14="http://schemas.microsoft.com/office/mac/drawingml/2011/main" val="1"/>
+              <ma14:wrappingTextBoxFlag xmlns="" xmlns:ma14="http://schemas.microsoft.com/office/mac/drawingml/2011/main" val="1"/>
             </a:ext>
           </a:extLst>
         </p:spPr>
@@ -7348,7 +7554,6 @@
             </a:lvl1pPr>
           </a:lstStyle>
           <a:p>
-            <a:pPr/>
             <a:r>
               <a:t>函数参数</a:t>
             </a:r>
@@ -7476,13 +7681,13 @@
   <p:clrMapOvr>
     <a:masterClrMapping/>
   </p:clrMapOvr>
-  <mc:AlternateContent xmlns:mc="http://schemas.openxmlformats.org/markup-compatibility/2006">
-    <mc:Choice xmlns:p14="http://schemas.microsoft.com/office/powerpoint/2010/main" Requires="p14">
-      <p:transition spd="slow" advClick="1" p14:dur="1500">
+  <mc:AlternateContent xmlns:mc="http://schemas.openxmlformats.org/markup-compatibility/2006" xmlns:p14="http://schemas.microsoft.com/office/powerpoint/2010/main">
+    <mc:Choice Requires="p14">
+      <p:transition spd="slow" p14:dur="1500">
         <p:dissolve/>
       </p:transition>
     </mc:Choice>
-    <mc:Fallback>
+    <mc:Fallback xmlns="">
       <p:transition spd="slow">
         <p:fade/>
       </p:transition>
@@ -7492,13 +7697,14 @@
 </file>
 
 <file path=ppt/slides/slide9.xml><?xml version="1.0" encoding="utf-8"?>
-<p:sld xmlns:a="http://schemas.openxmlformats.org/drawingml/2006/main" xmlns:r="http://schemas.openxmlformats.org/officeDocument/2006/relationships" xmlns:p="http://schemas.openxmlformats.org/presentationml/2006/main" showMasterSp="1" showMasterPhAnim="1">
+<p:sld xmlns:a="http://schemas.openxmlformats.org/drawingml/2006/main" xmlns:r="http://schemas.openxmlformats.org/officeDocument/2006/relationships" xmlns:p="http://schemas.openxmlformats.org/presentationml/2006/main">
   <p:cSld>
     <p:bg>
       <p:bgPr>
         <a:solidFill>
           <a:srgbClr val="739A98"/>
         </a:solidFill>
+        <a:effectLst/>
       </p:bgPr>
     </p:bg>
     <p:spTree>
@@ -7534,7 +7740,7 @@
           </a:ln>
           <a:extLst>
             <a:ext uri="{C572A759-6A51-4108-AA02-DFA0A04FC94B}">
-              <ma14:wrappingTextBoxFlag xmlns:ma14="http://schemas.microsoft.com/office/mac/drawingml/2011/main" val="1"/>
+              <ma14:wrappingTextBoxFlag xmlns="" xmlns:ma14="http://schemas.microsoft.com/office/mac/drawingml/2011/main" val="1"/>
             </a:ext>
           </a:extLst>
         </p:spPr>
@@ -7554,7 +7760,6 @@
             </a:lvl1pPr>
           </a:lstStyle>
           <a:p>
-            <a:pPr/>
             <a:r>
               <a:t>联合类型</a:t>
             </a:r>
@@ -7624,13 +7829,13 @@
   <p:clrMapOvr>
     <a:masterClrMapping/>
   </p:clrMapOvr>
-  <mc:AlternateContent xmlns:mc="http://schemas.openxmlformats.org/markup-compatibility/2006">
-    <mc:Choice xmlns:p14="http://schemas.microsoft.com/office/powerpoint/2010/main" Requires="p14">
-      <p:transition spd="slow" advClick="1" p14:dur="1500">
+  <mc:AlternateContent xmlns:mc="http://schemas.openxmlformats.org/markup-compatibility/2006" xmlns:p14="http://schemas.microsoft.com/office/powerpoint/2010/main">
+    <mc:Choice Requires="p14">
+      <p:transition spd="slow" p14:dur="1500">
         <p:dissolve/>
       </p:transition>
     </mc:Choice>
-    <mc:Fallback>
+    <mc:Fallback xmlns="">
       <p:transition spd="slow">
         <p:fade/>
       </p:transition>
@@ -7639,10 +7844,10 @@
   <p:timing>
     <p:tnLst>
       <p:par>
-        <p:cTn id="1" nodeType="tmRoot" restart="never" dur="indefinite" fill="hold">
+        <p:cTn id="1" dur="indefinite" restart="never" fill="hold" nodeType="tmRoot">
           <p:childTnLst>
             <p:seq concurrent="1" prevAc="none" nextAc="seek">
-              <p:cTn id="2" nodeType="mainSeq" dur="indefinite" fill="hold">
+              <p:cTn id="2" dur="indefinite" fill="hold" nodeType="mainSeq">
                 <p:childTnLst>
                   <p:par>
                     <p:cTn id="3" fill="hold">
@@ -7657,11 +7862,11 @@
                             </p:stCondLst>
                             <p:childTnLst>
                               <p:par>
-                                <p:cTn id="5" presetClass="entr" nodeType="clickEffect" presetSubtype="0" presetID="1" grpId="1" fill="hold">
+                                <p:cTn id="5" presetID="1" presetClass="entr" presetSubtype="0" fill="hold" grpId="1" nodeType="clickEffect">
                                   <p:stCondLst>
                                     <p:cond delay="0"/>
                                   </p:stCondLst>
-                                  <p:iterate type="el" backwards="0">
+                                  <p:iterate>
                                     <p:tmAbs val="0"/>
                                   </p:iterate>
                                   <p:childTnLst>
@@ -7691,14 +7896,14 @@
                 </p:childTnLst>
               </p:cTn>
               <p:prevCondLst>
-                <p:cond evt="onPrev">
+                <p:cond evt="onPrev" delay="0">
                   <p:tgtEl>
                     <p:sldTgt/>
                   </p:tgtEl>
                 </p:cond>
               </p:prevCondLst>
               <p:nextCondLst>
-                <p:cond evt="onNext">
+                <p:cond evt="onNext" delay="0">
                   <p:tgtEl>
                     <p:sldTgt/>
                   </p:tgtEl>
@@ -7710,14 +7915,14 @@
       </p:par>
     </p:tnLst>
     <p:bldLst>
-      <p:bldP build="whole" bldLvl="1" animBg="1" rev="0" advAuto="0" spid="158" grpId="1"/>
+      <p:bldP spid="158" grpId="1" animBg="1" advAuto="0"/>
     </p:bldLst>
   </p:timing>
 </p:sld>
 </file>
 
 <file path=ppt/theme/theme1.xml><?xml version="1.0" encoding="utf-8"?>
-<a:theme xmlns:a="http://schemas.openxmlformats.org/drawingml/2006/main" xmlns:r="http://schemas.openxmlformats.org/officeDocument/2006/relationships" name="White">
+<a:theme xmlns:a="http://schemas.openxmlformats.org/drawingml/2006/main" name="White">
   <a:themeElements>
     <a:clrScheme name="White">
       <a:dk1>
@@ -7843,7 +8048,7 @@
       <a:effectStyleLst>
         <a:effectStyle>
           <a:effectLst>
-            <a:outerShdw sx="100000" sy="100000" kx="0" ky="0" algn="b" rotWithShape="0" blurRad="38100" dist="23000" dir="5400000">
+            <a:outerShdw blurRad="38100" dist="23000" dir="5400000" rotWithShape="0">
               <a:srgbClr val="000000">
                 <a:alpha val="35000"/>
               </a:srgbClr>
@@ -7852,7 +8057,7 @@
         </a:effectStyle>
         <a:effectStyle>
           <a:effectLst>
-            <a:outerShdw sx="100000" sy="100000" kx="0" ky="0" algn="b" rotWithShape="0" blurRad="38100" dist="23000" dir="5400000">
+            <a:outerShdw blurRad="38100" dist="23000" dir="5400000" rotWithShape="0">
               <a:srgbClr val="000000">
                 <a:alpha val="35000"/>
               </a:srgbClr>
@@ -7861,7 +8066,7 @@
         </a:effectStyle>
         <a:effectStyle>
           <a:effectLst>
-            <a:outerShdw sx="100000" sy="100000" kx="0" ky="0" algn="b" rotWithShape="0" blurRad="38100" dist="23000" dir="5400000">
+            <a:outerShdw blurRad="38100" dist="23000" dir="5400000" rotWithShape="0">
               <a:srgbClr val="000000">
                 <a:alpha val="35000"/>
               </a:srgbClr>
@@ -7935,7 +8140,7 @@
           <a:round/>
         </a:ln>
         <a:effectLst>
-          <a:outerShdw sx="100000" sy="100000" kx="0" ky="0" algn="b" rotWithShape="0" blurRad="38100" dist="23000" dir="5400000">
+          <a:outerShdw blurRad="38100" dist="23000" dir="5400000" rotWithShape="0">
             <a:srgbClr val="000000">
               <a:alpha val="35000"/>
             </a:srgbClr>
@@ -7943,7 +8148,7 @@
         </a:effectLst>
         <a:sp3d/>
       </a:spPr>
-      <a:bodyPr rot="0" spcFirstLastPara="1" vertOverflow="overflow" horzOverflow="overflow" vert="horz" wrap="square" lIns="45718" tIns="45718" rIns="45718" bIns="45718" numCol="1" spcCol="38100" rtlCol="0" anchor="ctr" upright="0">
+      <a:bodyPr rot="0" spcFirstLastPara="1" vertOverflow="overflow" horzOverflow="overflow" vert="horz" wrap="square" lIns="45718" tIns="45718" rIns="45718" bIns="45718" numCol="1" spcCol="38100" rtlCol="0" anchor="ctr">
         <a:spAutoFit/>
       </a:bodyPr>
       <a:lstStyle>
@@ -7962,7 +8167,7 @@
           <a:buFontTx/>
           <a:buNone/>
           <a:tabLst/>
-          <a:defRPr b="0" baseline="0" cap="none" i="0" spc="0" strike="noStrike" sz="2800" u="none" kumimoji="0" normalizeH="0">
+          <a:defRPr kumimoji="0" sz="2800" b="0" i="0" u="none" strike="noStrike" cap="none" spc="0" normalizeH="0" baseline="0">
             <a:ln>
               <a:noFill/>
             </a:ln>
@@ -7992,7 +8197,7 @@
           <a:buFontTx/>
           <a:buNone/>
           <a:tabLst/>
-          <a:defRPr b="0" baseline="0" cap="none" i="0" spc="0" strike="noStrike" sz="1800" u="none" kumimoji="0" normalizeH="0">
+          <a:defRPr kumimoji="0" sz="1800" b="0" i="0" u="none" strike="noStrike" cap="none" spc="0" normalizeH="0" baseline="0">
             <a:ln>
               <a:noFill/>
             </a:ln>
@@ -8018,7 +8223,7 @@
           <a:buFontTx/>
           <a:buNone/>
           <a:tabLst/>
-          <a:defRPr b="0" baseline="0" cap="none" i="0" spc="0" strike="noStrike" sz="1800" u="none" kumimoji="0" normalizeH="0">
+          <a:defRPr kumimoji="0" sz="1800" b="0" i="0" u="none" strike="noStrike" cap="none" spc="0" normalizeH="0" baseline="0">
             <a:ln>
               <a:noFill/>
             </a:ln>
@@ -8044,7 +8249,7 @@
           <a:buFontTx/>
           <a:buNone/>
           <a:tabLst/>
-          <a:defRPr b="0" baseline="0" cap="none" i="0" spc="0" strike="noStrike" sz="1800" u="none" kumimoji="0" normalizeH="0">
+          <a:defRPr kumimoji="0" sz="1800" b="0" i="0" u="none" strike="noStrike" cap="none" spc="0" normalizeH="0" baseline="0">
             <a:ln>
               <a:noFill/>
             </a:ln>
@@ -8070,7 +8275,7 @@
           <a:buFontTx/>
           <a:buNone/>
           <a:tabLst/>
-          <a:defRPr b="0" baseline="0" cap="none" i="0" spc="0" strike="noStrike" sz="1800" u="none" kumimoji="0" normalizeH="0">
+          <a:defRPr kumimoji="0" sz="1800" b="0" i="0" u="none" strike="noStrike" cap="none" spc="0" normalizeH="0" baseline="0">
             <a:ln>
               <a:noFill/>
             </a:ln>
@@ -8096,7 +8301,7 @@
           <a:buFontTx/>
           <a:buNone/>
           <a:tabLst/>
-          <a:defRPr b="0" baseline="0" cap="none" i="0" spc="0" strike="noStrike" sz="1800" u="none" kumimoji="0" normalizeH="0">
+          <a:defRPr kumimoji="0" sz="1800" b="0" i="0" u="none" strike="noStrike" cap="none" spc="0" normalizeH="0" baseline="0">
             <a:ln>
               <a:noFill/>
             </a:ln>
@@ -8122,7 +8327,7 @@
           <a:buFontTx/>
           <a:buNone/>
           <a:tabLst/>
-          <a:defRPr b="0" baseline="0" cap="none" i="0" spc="0" strike="noStrike" sz="1800" u="none" kumimoji="0" normalizeH="0">
+          <a:defRPr kumimoji="0" sz="1800" b="0" i="0" u="none" strike="noStrike" cap="none" spc="0" normalizeH="0" baseline="0">
             <a:ln>
               <a:noFill/>
             </a:ln>
@@ -8148,7 +8353,7 @@
           <a:buFontTx/>
           <a:buNone/>
           <a:tabLst/>
-          <a:defRPr b="0" baseline="0" cap="none" i="0" spc="0" strike="noStrike" sz="1800" u="none" kumimoji="0" normalizeH="0">
+          <a:defRPr kumimoji="0" sz="1800" b="0" i="0" u="none" strike="noStrike" cap="none" spc="0" normalizeH="0" baseline="0">
             <a:ln>
               <a:noFill/>
             </a:ln>
@@ -8174,7 +8379,7 @@
           <a:buFontTx/>
           <a:buNone/>
           <a:tabLst/>
-          <a:defRPr b="0" baseline="0" cap="none" i="0" spc="0" strike="noStrike" sz="1800" u="none" kumimoji="0" normalizeH="0">
+          <a:defRPr kumimoji="0" sz="1800" b="0" i="0" u="none" strike="noStrike" cap="none" spc="0" normalizeH="0" baseline="0">
             <a:ln>
               <a:noFill/>
             </a:ln>
@@ -8200,7 +8405,7 @@
           <a:buFontTx/>
           <a:buNone/>
           <a:tabLst/>
-          <a:defRPr b="0" baseline="0" cap="none" i="0" spc="0" strike="noStrike" sz="1800" u="none" kumimoji="0" normalizeH="0">
+          <a:defRPr kumimoji="0" sz="1800" b="0" i="0" u="none" strike="noStrike" cap="none" spc="0" normalizeH="0" baseline="0">
             <a:ln>
               <a:noFill/>
             </a:ln>
@@ -8213,9 +8418,15 @@
         </a:lvl9pPr>
       </a:lstStyle>
       <a:style>
-        <a:lnRef idx="0"/>
-        <a:fillRef idx="0"/>
-        <a:effectRef idx="0"/>
+        <a:lnRef idx="0">
+          <a:scrgbClr r="0" g="0" b="0"/>
+        </a:lnRef>
+        <a:fillRef idx="0">
+          <a:scrgbClr r="0" g="0" b="0"/>
+        </a:fillRef>
+        <a:effectRef idx="0">
+          <a:scrgbClr r="0" g="0" b="0"/>
+        </a:effectRef>
         <a:fontRef idx="none"/>
       </a:style>
     </a:spDef>
@@ -8230,7 +8441,7 @@
           <a:round/>
         </a:ln>
         <a:effectLst>
-          <a:outerShdw sx="100000" sy="100000" kx="0" ky="0" algn="b" rotWithShape="0" blurRad="38100" dist="23000" dir="5400000">
+          <a:outerShdw blurRad="38100" dist="23000" dir="5400000" rotWithShape="0">
             <a:srgbClr val="000000">
               <a:alpha val="35000"/>
             </a:srgbClr>
@@ -8238,7 +8449,7 @@
         </a:effectLst>
         <a:sp3d/>
       </a:spPr>
-      <a:bodyPr rot="0" spcFirstLastPara="1" vertOverflow="overflow" horzOverflow="overflow" vert="horz" wrap="square" lIns="91439" tIns="45719" rIns="91439" bIns="45719" numCol="1" spcCol="38100" rtlCol="0" anchor="t" upright="0">
+      <a:bodyPr rot="0" spcFirstLastPara="1" vertOverflow="overflow" horzOverflow="overflow" vert="horz" wrap="square" lIns="91439" tIns="45719" rIns="91439" bIns="45719" numCol="1" spcCol="38100" rtlCol="0" anchor="t">
         <a:noAutofit/>
       </a:bodyPr>
       <a:lstStyle>
@@ -8257,7 +8468,7 @@
           <a:buFontTx/>
           <a:buNone/>
           <a:tabLst/>
-          <a:defRPr b="0" baseline="0" cap="none" i="0" spc="0" strike="noStrike" sz="1800" u="none" kumimoji="0" normalizeH="0">
+          <a:defRPr kumimoji="0" sz="1800" b="0" i="0" u="none" strike="noStrike" cap="none" spc="0" normalizeH="0" baseline="0">
             <a:ln>
               <a:noFill/>
             </a:ln>
@@ -8283,7 +8494,7 @@
           <a:buFontTx/>
           <a:buNone/>
           <a:tabLst/>
-          <a:defRPr b="0" baseline="0" cap="none" i="0" spc="0" strike="noStrike" sz="1800" u="none" kumimoji="0" normalizeH="0">
+          <a:defRPr kumimoji="0" sz="1800" b="0" i="0" u="none" strike="noStrike" cap="none" spc="0" normalizeH="0" baseline="0">
             <a:ln>
               <a:noFill/>
             </a:ln>
@@ -8309,7 +8520,7 @@
           <a:buFontTx/>
           <a:buNone/>
           <a:tabLst/>
-          <a:defRPr b="0" baseline="0" cap="none" i="0" spc="0" strike="noStrike" sz="1800" u="none" kumimoji="0" normalizeH="0">
+          <a:defRPr kumimoji="0" sz="1800" b="0" i="0" u="none" strike="noStrike" cap="none" spc="0" normalizeH="0" baseline="0">
             <a:ln>
               <a:noFill/>
             </a:ln>
@@ -8335,7 +8546,7 @@
           <a:buFontTx/>
           <a:buNone/>
           <a:tabLst/>
-          <a:defRPr b="0" baseline="0" cap="none" i="0" spc="0" strike="noStrike" sz="1800" u="none" kumimoji="0" normalizeH="0">
+          <a:defRPr kumimoji="0" sz="1800" b="0" i="0" u="none" strike="noStrike" cap="none" spc="0" normalizeH="0" baseline="0">
             <a:ln>
               <a:noFill/>
             </a:ln>
@@ -8361,7 +8572,7 @@
           <a:buFontTx/>
           <a:buNone/>
           <a:tabLst/>
-          <a:defRPr b="0" baseline="0" cap="none" i="0" spc="0" strike="noStrike" sz="1800" u="none" kumimoji="0" normalizeH="0">
+          <a:defRPr kumimoji="0" sz="1800" b="0" i="0" u="none" strike="noStrike" cap="none" spc="0" normalizeH="0" baseline="0">
             <a:ln>
               <a:noFill/>
             </a:ln>
@@ -8387,7 +8598,7 @@
           <a:buFontTx/>
           <a:buNone/>
           <a:tabLst/>
-          <a:defRPr b="0" baseline="0" cap="none" i="0" spc="0" strike="noStrike" sz="1800" u="none" kumimoji="0" normalizeH="0">
+          <a:defRPr kumimoji="0" sz="1800" b="0" i="0" u="none" strike="noStrike" cap="none" spc="0" normalizeH="0" baseline="0">
             <a:ln>
               <a:noFill/>
             </a:ln>
@@ -8413,7 +8624,7 @@
           <a:buFontTx/>
           <a:buNone/>
           <a:tabLst/>
-          <a:defRPr b="0" baseline="0" cap="none" i="0" spc="0" strike="noStrike" sz="1800" u="none" kumimoji="0" normalizeH="0">
+          <a:defRPr kumimoji="0" sz="1800" b="0" i="0" u="none" strike="noStrike" cap="none" spc="0" normalizeH="0" baseline="0">
             <a:ln>
               <a:noFill/>
             </a:ln>
@@ -8439,7 +8650,7 @@
           <a:buFontTx/>
           <a:buNone/>
           <a:tabLst/>
-          <a:defRPr b="0" baseline="0" cap="none" i="0" spc="0" strike="noStrike" sz="1800" u="none" kumimoji="0" normalizeH="0">
+          <a:defRPr kumimoji="0" sz="1800" b="0" i="0" u="none" strike="noStrike" cap="none" spc="0" normalizeH="0" baseline="0">
             <a:ln>
               <a:noFill/>
             </a:ln>
@@ -8465,7 +8676,7 @@
           <a:buFontTx/>
           <a:buNone/>
           <a:tabLst/>
-          <a:defRPr b="0" baseline="0" cap="none" i="0" spc="0" strike="noStrike" sz="1800" u="none" kumimoji="0" normalizeH="0">
+          <a:defRPr kumimoji="0" sz="1800" b="0" i="0" u="none" strike="noStrike" cap="none" spc="0" normalizeH="0" baseline="0">
             <a:ln>
               <a:noFill/>
             </a:ln>
@@ -8491,7 +8702,7 @@
           <a:buFontTx/>
           <a:buNone/>
           <a:tabLst/>
-          <a:defRPr b="0" baseline="0" cap="none" i="0" spc="0" strike="noStrike" sz="1800" u="none" kumimoji="0" normalizeH="0">
+          <a:defRPr kumimoji="0" sz="1800" b="0" i="0" u="none" strike="noStrike" cap="none" spc="0" normalizeH="0" baseline="0">
             <a:ln>
               <a:noFill/>
             </a:ln>
@@ -8504,9 +8715,15 @@
         </a:lvl9pPr>
       </a:lstStyle>
       <a:style>
-        <a:lnRef idx="0"/>
-        <a:fillRef idx="0"/>
-        <a:effectRef idx="0"/>
+        <a:lnRef idx="0">
+          <a:scrgbClr r="0" g="0" b="0"/>
+        </a:lnRef>
+        <a:fillRef idx="0">
+          <a:scrgbClr r="0" g="0" b="0"/>
+        </a:fillRef>
+        <a:effectRef idx="0">
+          <a:scrgbClr r="0" g="0" b="0"/>
+        </a:effectRef>
         <a:fontRef idx="none"/>
       </a:style>
     </a:lnDef>
@@ -8520,7 +8737,7 @@
         <a:effectLst/>
         <a:sp3d/>
       </a:spPr>
-      <a:bodyPr rot="0" spcFirstLastPara="1" vertOverflow="overflow" horzOverflow="overflow" vert="horz" wrap="square" lIns="50800" tIns="50800" rIns="50800" bIns="50800" numCol="1" spcCol="38100" rtlCol="0" anchor="ctr" upright="0">
+      <a:bodyPr rot="0" spcFirstLastPara="1" vertOverflow="overflow" horzOverflow="overflow" vert="horz" wrap="square" lIns="50800" tIns="50800" rIns="50800" bIns="50800" numCol="1" spcCol="38100" rtlCol="0" anchor="ctr">
         <a:spAutoFit/>
       </a:bodyPr>
       <a:lstStyle>
@@ -8539,7 +8756,7 @@
           <a:buFontTx/>
           <a:buNone/>
           <a:tabLst/>
-          <a:defRPr b="0" baseline="0" cap="none" i="0" spc="0" strike="noStrike" sz="2800" u="none" kumimoji="0" normalizeH="0">
+          <a:defRPr kumimoji="0" sz="2800" b="0" i="0" u="none" strike="noStrike" cap="none" spc="0" normalizeH="0" baseline="0">
             <a:ln>
               <a:noFill/>
             </a:ln>
@@ -8569,7 +8786,7 @@
           <a:buFontTx/>
           <a:buNone/>
           <a:tabLst/>
-          <a:defRPr b="0" baseline="0" cap="none" i="0" spc="0" strike="noStrike" sz="1800" u="none" kumimoji="0" normalizeH="0">
+          <a:defRPr kumimoji="0" sz="1800" b="0" i="0" u="none" strike="noStrike" cap="none" spc="0" normalizeH="0" baseline="0">
             <a:ln>
               <a:noFill/>
             </a:ln>
@@ -8595,7 +8812,7 @@
           <a:buFontTx/>
           <a:buNone/>
           <a:tabLst/>
-          <a:defRPr b="0" baseline="0" cap="none" i="0" spc="0" strike="noStrike" sz="1800" u="none" kumimoji="0" normalizeH="0">
+          <a:defRPr kumimoji="0" sz="1800" b="0" i="0" u="none" strike="noStrike" cap="none" spc="0" normalizeH="0" baseline="0">
             <a:ln>
               <a:noFill/>
             </a:ln>
@@ -8621,7 +8838,7 @@
           <a:buFontTx/>
           <a:buNone/>
           <a:tabLst/>
-          <a:defRPr b="0" baseline="0" cap="none" i="0" spc="0" strike="noStrike" sz="1800" u="none" kumimoji="0" normalizeH="0">
+          <a:defRPr kumimoji="0" sz="1800" b="0" i="0" u="none" strike="noStrike" cap="none" spc="0" normalizeH="0" baseline="0">
             <a:ln>
               <a:noFill/>
             </a:ln>
@@ -8647,7 +8864,7 @@
           <a:buFontTx/>
           <a:buNone/>
           <a:tabLst/>
-          <a:defRPr b="0" baseline="0" cap="none" i="0" spc="0" strike="noStrike" sz="1800" u="none" kumimoji="0" normalizeH="0">
+          <a:defRPr kumimoji="0" sz="1800" b="0" i="0" u="none" strike="noStrike" cap="none" spc="0" normalizeH="0" baseline="0">
             <a:ln>
               <a:noFill/>
             </a:ln>
@@ -8673,7 +8890,7 @@
           <a:buFontTx/>
           <a:buNone/>
           <a:tabLst/>
-          <a:defRPr b="0" baseline="0" cap="none" i="0" spc="0" strike="noStrike" sz="1800" u="none" kumimoji="0" normalizeH="0">
+          <a:defRPr kumimoji="0" sz="1800" b="0" i="0" u="none" strike="noStrike" cap="none" spc="0" normalizeH="0" baseline="0">
             <a:ln>
               <a:noFill/>
             </a:ln>
@@ -8699,7 +8916,7 @@
           <a:buFontTx/>
           <a:buNone/>
           <a:tabLst/>
-          <a:defRPr b="0" baseline="0" cap="none" i="0" spc="0" strike="noStrike" sz="1800" u="none" kumimoji="0" normalizeH="0">
+          <a:defRPr kumimoji="0" sz="1800" b="0" i="0" u="none" strike="noStrike" cap="none" spc="0" normalizeH="0" baseline="0">
             <a:ln>
               <a:noFill/>
             </a:ln>
@@ -8725,7 +8942,7 @@
           <a:buFontTx/>
           <a:buNone/>
           <a:tabLst/>
-          <a:defRPr b="0" baseline="0" cap="none" i="0" spc="0" strike="noStrike" sz="1800" u="none" kumimoji="0" normalizeH="0">
+          <a:defRPr kumimoji="0" sz="1800" b="0" i="0" u="none" strike="noStrike" cap="none" spc="0" normalizeH="0" baseline="0">
             <a:ln>
               <a:noFill/>
             </a:ln>
@@ -8751,7 +8968,7 @@
           <a:buFontTx/>
           <a:buNone/>
           <a:tabLst/>
-          <a:defRPr b="0" baseline="0" cap="none" i="0" spc="0" strike="noStrike" sz="1800" u="none" kumimoji="0" normalizeH="0">
+          <a:defRPr kumimoji="0" sz="1800" b="0" i="0" u="none" strike="noStrike" cap="none" spc="0" normalizeH="0" baseline="0">
             <a:ln>
               <a:noFill/>
             </a:ln>
@@ -8777,7 +8994,7 @@
           <a:buFontTx/>
           <a:buNone/>
           <a:tabLst/>
-          <a:defRPr b="0" baseline="0" cap="none" i="0" spc="0" strike="noStrike" sz="1800" u="none" kumimoji="0" normalizeH="0">
+          <a:defRPr kumimoji="0" sz="1800" b="0" i="0" u="none" strike="noStrike" cap="none" spc="0" normalizeH="0" baseline="0">
             <a:ln>
               <a:noFill/>
             </a:ln>
@@ -8790,18 +9007,25 @@
         </a:lvl9pPr>
       </a:lstStyle>
       <a:style>
-        <a:lnRef idx="0"/>
-        <a:fillRef idx="0"/>
-        <a:effectRef idx="0"/>
+        <a:lnRef idx="0">
+          <a:scrgbClr r="0" g="0" b="0"/>
+        </a:lnRef>
+        <a:fillRef idx="0">
+          <a:scrgbClr r="0" g="0" b="0"/>
+        </a:fillRef>
+        <a:effectRef idx="0">
+          <a:scrgbClr r="0" g="0" b="0"/>
+        </a:effectRef>
         <a:fontRef idx="none"/>
       </a:style>
     </a:txDef>
   </a:objectDefaults>
+  <a:extraClrSchemeLst/>
 </a:theme>
 </file>
 
 <file path=ppt/theme/theme2.xml><?xml version="1.0" encoding="utf-8"?>
-<a:theme xmlns:a="http://schemas.openxmlformats.org/drawingml/2006/main" xmlns:r="http://schemas.openxmlformats.org/officeDocument/2006/relationships" name="White">
+<a:theme xmlns:a="http://schemas.openxmlformats.org/drawingml/2006/main" name="White">
   <a:themeElements>
     <a:clrScheme name="White">
       <a:dk1>
@@ -8927,7 +9151,7 @@
       <a:effectStyleLst>
         <a:effectStyle>
           <a:effectLst>
-            <a:outerShdw sx="100000" sy="100000" kx="0" ky="0" algn="b" rotWithShape="0" blurRad="38100" dist="23000" dir="5400000">
+            <a:outerShdw blurRad="38100" dist="23000" dir="5400000" rotWithShape="0">
               <a:srgbClr val="000000">
                 <a:alpha val="35000"/>
               </a:srgbClr>
@@ -8936,7 +9160,7 @@
         </a:effectStyle>
         <a:effectStyle>
           <a:effectLst>
-            <a:outerShdw sx="100000" sy="100000" kx="0" ky="0" algn="b" rotWithShape="0" blurRad="38100" dist="23000" dir="5400000">
+            <a:outerShdw blurRad="38100" dist="23000" dir="5400000" rotWithShape="0">
               <a:srgbClr val="000000">
                 <a:alpha val="35000"/>
               </a:srgbClr>
@@ -8945,7 +9169,7 @@
         </a:effectStyle>
         <a:effectStyle>
           <a:effectLst>
-            <a:outerShdw sx="100000" sy="100000" kx="0" ky="0" algn="b" rotWithShape="0" blurRad="38100" dist="23000" dir="5400000">
+            <a:outerShdw blurRad="38100" dist="23000" dir="5400000" rotWithShape="0">
               <a:srgbClr val="000000">
                 <a:alpha val="35000"/>
               </a:srgbClr>
@@ -9019,7 +9243,7 @@
           <a:round/>
         </a:ln>
         <a:effectLst>
-          <a:outerShdw sx="100000" sy="100000" kx="0" ky="0" algn="b" rotWithShape="0" blurRad="38100" dist="23000" dir="5400000">
+          <a:outerShdw blurRad="38100" dist="23000" dir="5400000" rotWithShape="0">
             <a:srgbClr val="000000">
               <a:alpha val="35000"/>
             </a:srgbClr>
@@ -9027,7 +9251,7 @@
         </a:effectLst>
         <a:sp3d/>
       </a:spPr>
-      <a:bodyPr rot="0" spcFirstLastPara="1" vertOverflow="overflow" horzOverflow="overflow" vert="horz" wrap="square" lIns="45718" tIns="45718" rIns="45718" bIns="45718" numCol="1" spcCol="38100" rtlCol="0" anchor="ctr" upright="0">
+      <a:bodyPr rot="0" spcFirstLastPara="1" vertOverflow="overflow" horzOverflow="overflow" vert="horz" wrap="square" lIns="45718" tIns="45718" rIns="45718" bIns="45718" numCol="1" spcCol="38100" rtlCol="0" anchor="ctr">
         <a:spAutoFit/>
       </a:bodyPr>
       <a:lstStyle>
@@ -9046,7 +9270,7 @@
           <a:buFontTx/>
           <a:buNone/>
           <a:tabLst/>
-          <a:defRPr b="0" baseline="0" cap="none" i="0" spc="0" strike="noStrike" sz="2800" u="none" kumimoji="0" normalizeH="0">
+          <a:defRPr kumimoji="0" sz="2800" b="0" i="0" u="none" strike="noStrike" cap="none" spc="0" normalizeH="0" baseline="0">
             <a:ln>
               <a:noFill/>
             </a:ln>
@@ -9076,7 +9300,7 @@
           <a:buFontTx/>
           <a:buNone/>
           <a:tabLst/>
-          <a:defRPr b="0" baseline="0" cap="none" i="0" spc="0" strike="noStrike" sz="1800" u="none" kumimoji="0" normalizeH="0">
+          <a:defRPr kumimoji="0" sz="1800" b="0" i="0" u="none" strike="noStrike" cap="none" spc="0" normalizeH="0" baseline="0">
             <a:ln>
               <a:noFill/>
             </a:ln>
@@ -9102,7 +9326,7 @@
           <a:buFontTx/>
           <a:buNone/>
           <a:tabLst/>
-          <a:defRPr b="0" baseline="0" cap="none" i="0" spc="0" strike="noStrike" sz="1800" u="none" kumimoji="0" normalizeH="0">
+          <a:defRPr kumimoji="0" sz="1800" b="0" i="0" u="none" strike="noStrike" cap="none" spc="0" normalizeH="0" baseline="0">
             <a:ln>
               <a:noFill/>
             </a:ln>
@@ -9128,7 +9352,7 @@
           <a:buFontTx/>
           <a:buNone/>
           <a:tabLst/>
-          <a:defRPr b="0" baseline="0" cap="none" i="0" spc="0" strike="noStrike" sz="1800" u="none" kumimoji="0" normalizeH="0">
+          <a:defRPr kumimoji="0" sz="1800" b="0" i="0" u="none" strike="noStrike" cap="none" spc="0" normalizeH="0" baseline="0">
             <a:ln>
               <a:noFill/>
             </a:ln>
@@ -9154,7 +9378,7 @@
           <a:buFontTx/>
           <a:buNone/>
           <a:tabLst/>
-          <a:defRPr b="0" baseline="0" cap="none" i="0" spc="0" strike="noStrike" sz="1800" u="none" kumimoji="0" normalizeH="0">
+          <a:defRPr kumimoji="0" sz="1800" b="0" i="0" u="none" strike="noStrike" cap="none" spc="0" normalizeH="0" baseline="0">
             <a:ln>
               <a:noFill/>
             </a:ln>
@@ -9180,7 +9404,7 @@
           <a:buFontTx/>
           <a:buNone/>
           <a:tabLst/>
-          <a:defRPr b="0" baseline="0" cap="none" i="0" spc="0" strike="noStrike" sz="1800" u="none" kumimoji="0" normalizeH="0">
+          <a:defRPr kumimoji="0" sz="1800" b="0" i="0" u="none" strike="noStrike" cap="none" spc="0" normalizeH="0" baseline="0">
             <a:ln>
               <a:noFill/>
             </a:ln>
@@ -9206,7 +9430,7 @@
           <a:buFontTx/>
           <a:buNone/>
           <a:tabLst/>
-          <a:defRPr b="0" baseline="0" cap="none" i="0" spc="0" strike="noStrike" sz="1800" u="none" kumimoji="0" normalizeH="0">
+          <a:defRPr kumimoji="0" sz="1800" b="0" i="0" u="none" strike="noStrike" cap="none" spc="0" normalizeH="0" baseline="0">
             <a:ln>
               <a:noFill/>
             </a:ln>
@@ -9232,7 +9456,7 @@
           <a:buFontTx/>
           <a:buNone/>
           <a:tabLst/>
-          <a:defRPr b="0" baseline="0" cap="none" i="0" spc="0" strike="noStrike" sz="1800" u="none" kumimoji="0" normalizeH="0">
+          <a:defRPr kumimoji="0" sz="1800" b="0" i="0" u="none" strike="noStrike" cap="none" spc="0" normalizeH="0" baseline="0">
             <a:ln>
               <a:noFill/>
             </a:ln>
@@ -9258,7 +9482,7 @@
           <a:buFontTx/>
           <a:buNone/>
           <a:tabLst/>
-          <a:defRPr b="0" baseline="0" cap="none" i="0" spc="0" strike="noStrike" sz="1800" u="none" kumimoji="0" normalizeH="0">
+          <a:defRPr kumimoji="0" sz="1800" b="0" i="0" u="none" strike="noStrike" cap="none" spc="0" normalizeH="0" baseline="0">
             <a:ln>
               <a:noFill/>
             </a:ln>
@@ -9284,7 +9508,7 @@
           <a:buFontTx/>
           <a:buNone/>
           <a:tabLst/>
-          <a:defRPr b="0" baseline="0" cap="none" i="0" spc="0" strike="noStrike" sz="1800" u="none" kumimoji="0" normalizeH="0">
+          <a:defRPr kumimoji="0" sz="1800" b="0" i="0" u="none" strike="noStrike" cap="none" spc="0" normalizeH="0" baseline="0">
             <a:ln>
               <a:noFill/>
             </a:ln>
@@ -9297,9 +9521,15 @@
         </a:lvl9pPr>
       </a:lstStyle>
       <a:style>
-        <a:lnRef idx="0"/>
-        <a:fillRef idx="0"/>
-        <a:effectRef idx="0"/>
+        <a:lnRef idx="0">
+          <a:scrgbClr r="0" g="0" b="0"/>
+        </a:lnRef>
+        <a:fillRef idx="0">
+          <a:scrgbClr r="0" g="0" b="0"/>
+        </a:fillRef>
+        <a:effectRef idx="0">
+          <a:scrgbClr r="0" g="0" b="0"/>
+        </a:effectRef>
         <a:fontRef idx="none"/>
       </a:style>
     </a:spDef>
@@ -9314,7 +9544,7 @@
           <a:round/>
         </a:ln>
         <a:effectLst>
-          <a:outerShdw sx="100000" sy="100000" kx="0" ky="0" algn="b" rotWithShape="0" blurRad="38100" dist="23000" dir="5400000">
+          <a:outerShdw blurRad="38100" dist="23000" dir="5400000" rotWithShape="0">
             <a:srgbClr val="000000">
               <a:alpha val="35000"/>
             </a:srgbClr>
@@ -9322,7 +9552,7 @@
         </a:effectLst>
         <a:sp3d/>
       </a:spPr>
-      <a:bodyPr rot="0" spcFirstLastPara="1" vertOverflow="overflow" horzOverflow="overflow" vert="horz" wrap="square" lIns="91439" tIns="45719" rIns="91439" bIns="45719" numCol="1" spcCol="38100" rtlCol="0" anchor="t" upright="0">
+      <a:bodyPr rot="0" spcFirstLastPara="1" vertOverflow="overflow" horzOverflow="overflow" vert="horz" wrap="square" lIns="91439" tIns="45719" rIns="91439" bIns="45719" numCol="1" spcCol="38100" rtlCol="0" anchor="t">
         <a:noAutofit/>
       </a:bodyPr>
       <a:lstStyle>
@@ -9341,7 +9571,7 @@
           <a:buFontTx/>
           <a:buNone/>
           <a:tabLst/>
-          <a:defRPr b="0" baseline="0" cap="none" i="0" spc="0" strike="noStrike" sz="1800" u="none" kumimoji="0" normalizeH="0">
+          <a:defRPr kumimoji="0" sz="1800" b="0" i="0" u="none" strike="noStrike" cap="none" spc="0" normalizeH="0" baseline="0">
             <a:ln>
               <a:noFill/>
             </a:ln>
@@ -9367,7 +9597,7 @@
           <a:buFontTx/>
           <a:buNone/>
           <a:tabLst/>
-          <a:defRPr b="0" baseline="0" cap="none" i="0" spc="0" strike="noStrike" sz="1800" u="none" kumimoji="0" normalizeH="0">
+          <a:defRPr kumimoji="0" sz="1800" b="0" i="0" u="none" strike="noStrike" cap="none" spc="0" normalizeH="0" baseline="0">
             <a:ln>
               <a:noFill/>
             </a:ln>
@@ -9393,7 +9623,7 @@
           <a:buFontTx/>
           <a:buNone/>
           <a:tabLst/>
-          <a:defRPr b="0" baseline="0" cap="none" i="0" spc="0" strike="noStrike" sz="1800" u="none" kumimoji="0" normalizeH="0">
+          <a:defRPr kumimoji="0" sz="1800" b="0" i="0" u="none" strike="noStrike" cap="none" spc="0" normalizeH="0" baseline="0">
             <a:ln>
               <a:noFill/>
             </a:ln>
@@ -9419,7 +9649,7 @@
           <a:buFontTx/>
           <a:buNone/>
           <a:tabLst/>
-          <a:defRPr b="0" baseline="0" cap="none" i="0" spc="0" strike="noStrike" sz="1800" u="none" kumimoji="0" normalizeH="0">
+          <a:defRPr kumimoji="0" sz="1800" b="0" i="0" u="none" strike="noStrike" cap="none" spc="0" normalizeH="0" baseline="0">
             <a:ln>
               <a:noFill/>
             </a:ln>
@@ -9445,7 +9675,7 @@
           <a:buFontTx/>
           <a:buNone/>
           <a:tabLst/>
-          <a:defRPr b="0" baseline="0" cap="none" i="0" spc="0" strike="noStrike" sz="1800" u="none" kumimoji="0" normalizeH="0">
+          <a:defRPr kumimoji="0" sz="1800" b="0" i="0" u="none" strike="noStrike" cap="none" spc="0" normalizeH="0" baseline="0">
             <a:ln>
               <a:noFill/>
             </a:ln>
@@ -9471,7 +9701,7 @@
           <a:buFontTx/>
           <a:buNone/>
           <a:tabLst/>
-          <a:defRPr b="0" baseline="0" cap="none" i="0" spc="0" strike="noStrike" sz="1800" u="none" kumimoji="0" normalizeH="0">
+          <a:defRPr kumimoji="0" sz="1800" b="0" i="0" u="none" strike="noStrike" cap="none" spc="0" normalizeH="0" baseline="0">
             <a:ln>
               <a:noFill/>
             </a:ln>
@@ -9497,7 +9727,7 @@
           <a:buFontTx/>
           <a:buNone/>
           <a:tabLst/>
-          <a:defRPr b="0" baseline="0" cap="none" i="0" spc="0" strike="noStrike" sz="1800" u="none" kumimoji="0" normalizeH="0">
+          <a:defRPr kumimoji="0" sz="1800" b="0" i="0" u="none" strike="noStrike" cap="none" spc="0" normalizeH="0" baseline="0">
             <a:ln>
               <a:noFill/>
             </a:ln>
@@ -9523,7 +9753,7 @@
           <a:buFontTx/>
           <a:buNone/>
           <a:tabLst/>
-          <a:defRPr b="0" baseline="0" cap="none" i="0" spc="0" strike="noStrike" sz="1800" u="none" kumimoji="0" normalizeH="0">
+          <a:defRPr kumimoji="0" sz="1800" b="0" i="0" u="none" strike="noStrike" cap="none" spc="0" normalizeH="0" baseline="0">
             <a:ln>
               <a:noFill/>
             </a:ln>
@@ -9549,7 +9779,7 @@
           <a:buFontTx/>
           <a:buNone/>
           <a:tabLst/>
-          <a:defRPr b="0" baseline="0" cap="none" i="0" spc="0" strike="noStrike" sz="1800" u="none" kumimoji="0" normalizeH="0">
+          <a:defRPr kumimoji="0" sz="1800" b="0" i="0" u="none" strike="noStrike" cap="none" spc="0" normalizeH="0" baseline="0">
             <a:ln>
               <a:noFill/>
             </a:ln>
@@ -9575,7 +9805,7 @@
           <a:buFontTx/>
           <a:buNone/>
           <a:tabLst/>
-          <a:defRPr b="0" baseline="0" cap="none" i="0" spc="0" strike="noStrike" sz="1800" u="none" kumimoji="0" normalizeH="0">
+          <a:defRPr kumimoji="0" sz="1800" b="0" i="0" u="none" strike="noStrike" cap="none" spc="0" normalizeH="0" baseline="0">
             <a:ln>
               <a:noFill/>
             </a:ln>
@@ -9588,9 +9818,15 @@
         </a:lvl9pPr>
       </a:lstStyle>
       <a:style>
-        <a:lnRef idx="0"/>
-        <a:fillRef idx="0"/>
-        <a:effectRef idx="0"/>
+        <a:lnRef idx="0">
+          <a:scrgbClr r="0" g="0" b="0"/>
+        </a:lnRef>
+        <a:fillRef idx="0">
+          <a:scrgbClr r="0" g="0" b="0"/>
+        </a:fillRef>
+        <a:effectRef idx="0">
+          <a:scrgbClr r="0" g="0" b="0"/>
+        </a:effectRef>
         <a:fontRef idx="none"/>
       </a:style>
     </a:lnDef>
@@ -9604,7 +9840,7 @@
         <a:effectLst/>
         <a:sp3d/>
       </a:spPr>
-      <a:bodyPr rot="0" spcFirstLastPara="1" vertOverflow="overflow" horzOverflow="overflow" vert="horz" wrap="square" lIns="50800" tIns="50800" rIns="50800" bIns="50800" numCol="1" spcCol="38100" rtlCol="0" anchor="ctr" upright="0">
+      <a:bodyPr rot="0" spcFirstLastPara="1" vertOverflow="overflow" horzOverflow="overflow" vert="horz" wrap="square" lIns="50800" tIns="50800" rIns="50800" bIns="50800" numCol="1" spcCol="38100" rtlCol="0" anchor="ctr">
         <a:spAutoFit/>
       </a:bodyPr>
       <a:lstStyle>
@@ -9623,7 +9859,7 @@
           <a:buFontTx/>
           <a:buNone/>
           <a:tabLst/>
-          <a:defRPr b="0" baseline="0" cap="none" i="0" spc="0" strike="noStrike" sz="2800" u="none" kumimoji="0" normalizeH="0">
+          <a:defRPr kumimoji="0" sz="2800" b="0" i="0" u="none" strike="noStrike" cap="none" spc="0" normalizeH="0" baseline="0">
             <a:ln>
               <a:noFill/>
             </a:ln>
@@ -9653,7 +9889,7 @@
           <a:buFontTx/>
           <a:buNone/>
           <a:tabLst/>
-          <a:defRPr b="0" baseline="0" cap="none" i="0" spc="0" strike="noStrike" sz="1800" u="none" kumimoji="0" normalizeH="0">
+          <a:defRPr kumimoji="0" sz="1800" b="0" i="0" u="none" strike="noStrike" cap="none" spc="0" normalizeH="0" baseline="0">
             <a:ln>
               <a:noFill/>
             </a:ln>
@@ -9679,7 +9915,7 @@
           <a:buFontTx/>
           <a:buNone/>
           <a:tabLst/>
-          <a:defRPr b="0" baseline="0" cap="none" i="0" spc="0" strike="noStrike" sz="1800" u="none" kumimoji="0" normalizeH="0">
+          <a:defRPr kumimoji="0" sz="1800" b="0" i="0" u="none" strike="noStrike" cap="none" spc="0" normalizeH="0" baseline="0">
             <a:ln>
               <a:noFill/>
             </a:ln>
@@ -9705,7 +9941,7 @@
           <a:buFontTx/>
           <a:buNone/>
           <a:tabLst/>
-          <a:defRPr b="0" baseline="0" cap="none" i="0" spc="0" strike="noStrike" sz="1800" u="none" kumimoji="0" normalizeH="0">
+          <a:defRPr kumimoji="0" sz="1800" b="0" i="0" u="none" strike="noStrike" cap="none" spc="0" normalizeH="0" baseline="0">
             <a:ln>
               <a:noFill/>
             </a:ln>
@@ -9731,7 +9967,7 @@
           <a:buFontTx/>
           <a:buNone/>
           <a:tabLst/>
-          <a:defRPr b="0" baseline="0" cap="none" i="0" spc="0" strike="noStrike" sz="1800" u="none" kumimoji="0" normalizeH="0">
+          <a:defRPr kumimoji="0" sz="1800" b="0" i="0" u="none" strike="noStrike" cap="none" spc="0" normalizeH="0" baseline="0">
             <a:ln>
               <a:noFill/>
             </a:ln>
@@ -9757,7 +9993,7 @@
           <a:buFontTx/>
           <a:buNone/>
           <a:tabLst/>
-          <a:defRPr b="0" baseline="0" cap="none" i="0" spc="0" strike="noStrike" sz="1800" u="none" kumimoji="0" normalizeH="0">
+          <a:defRPr kumimoji="0" sz="1800" b="0" i="0" u="none" strike="noStrike" cap="none" spc="0" normalizeH="0" baseline="0">
             <a:ln>
               <a:noFill/>
             </a:ln>
@@ -9783,7 +10019,7 @@
           <a:buFontTx/>
           <a:buNone/>
           <a:tabLst/>
-          <a:defRPr b="0" baseline="0" cap="none" i="0" spc="0" strike="noStrike" sz="1800" u="none" kumimoji="0" normalizeH="0">
+          <a:defRPr kumimoji="0" sz="1800" b="0" i="0" u="none" strike="noStrike" cap="none" spc="0" normalizeH="0" baseline="0">
             <a:ln>
               <a:noFill/>
             </a:ln>
@@ -9809,7 +10045,7 @@
           <a:buFontTx/>
           <a:buNone/>
           <a:tabLst/>
-          <a:defRPr b="0" baseline="0" cap="none" i="0" spc="0" strike="noStrike" sz="1800" u="none" kumimoji="0" normalizeH="0">
+          <a:defRPr kumimoji="0" sz="1800" b="0" i="0" u="none" strike="noStrike" cap="none" spc="0" normalizeH="0" baseline="0">
             <a:ln>
               <a:noFill/>
             </a:ln>
@@ -9835,7 +10071,7 @@
           <a:buFontTx/>
           <a:buNone/>
           <a:tabLst/>
-          <a:defRPr b="0" baseline="0" cap="none" i="0" spc="0" strike="noStrike" sz="1800" u="none" kumimoji="0" normalizeH="0">
+          <a:defRPr kumimoji="0" sz="1800" b="0" i="0" u="none" strike="noStrike" cap="none" spc="0" normalizeH="0" baseline="0">
             <a:ln>
               <a:noFill/>
             </a:ln>
@@ -9861,7 +10097,7 @@
           <a:buFontTx/>
           <a:buNone/>
           <a:tabLst/>
-          <a:defRPr b="0" baseline="0" cap="none" i="0" spc="0" strike="noStrike" sz="1800" u="none" kumimoji="0" normalizeH="0">
+          <a:defRPr kumimoji="0" sz="1800" b="0" i="0" u="none" strike="noStrike" cap="none" spc="0" normalizeH="0" baseline="0">
             <a:ln>
               <a:noFill/>
             </a:ln>
@@ -9874,12 +10110,19 @@
         </a:lvl9pPr>
       </a:lstStyle>
       <a:style>
-        <a:lnRef idx="0"/>
-        <a:fillRef idx="0"/>
-        <a:effectRef idx="0"/>
+        <a:lnRef idx="0">
+          <a:scrgbClr r="0" g="0" b="0"/>
+        </a:lnRef>
+        <a:fillRef idx="0">
+          <a:scrgbClr r="0" g="0" b="0"/>
+        </a:fillRef>
+        <a:effectRef idx="0">
+          <a:scrgbClr r="0" g="0" b="0"/>
+        </a:effectRef>
         <a:fontRef idx="none"/>
       </a:style>
     </a:txDef>
   </a:objectDefaults>
+  <a:extraClrSchemeLst/>
 </a:theme>
 </file>
--- a/ppt/typescript（二）.pptx
+++ b/ppt/typescript（二）.pptx
@@ -2,31 +2,36 @@
 <file path=ppt/presentation.xml><?xml version="1.0" encoding="utf-8"?>
 <p:presentation xmlns:a="http://schemas.openxmlformats.org/drawingml/2006/main" xmlns:r="http://schemas.openxmlformats.org/officeDocument/2006/relationships" xmlns:p="http://schemas.openxmlformats.org/presentationml/2006/main">
   <p:sldMasterIdLst>
-    <p:sldMasterId id="2147483648" r:id="rId1"/>
+    <p:sldMasterId id="2147483648" r:id="rId5"/>
   </p:sldMasterIdLst>
   <p:notesMasterIdLst>
-    <p:notesMasterId r:id="rId21"/>
+    <p:notesMasterId r:id="rId7"/>
   </p:notesMasterIdLst>
   <p:sldIdLst>
-    <p:sldId id="256" r:id="rId2"/>
-    <p:sldId id="257" r:id="rId3"/>
-    <p:sldId id="258" r:id="rId4"/>
-    <p:sldId id="259" r:id="rId5"/>
-    <p:sldId id="260" r:id="rId6"/>
-    <p:sldId id="261" r:id="rId7"/>
-    <p:sldId id="262" r:id="rId8"/>
-    <p:sldId id="263" r:id="rId9"/>
-    <p:sldId id="264" r:id="rId10"/>
-    <p:sldId id="265" r:id="rId11"/>
-    <p:sldId id="266" r:id="rId12"/>
-    <p:sldId id="267" r:id="rId13"/>
-    <p:sldId id="268" r:id="rId14"/>
-    <p:sldId id="269" r:id="rId15"/>
-    <p:sldId id="270" r:id="rId16"/>
-    <p:sldId id="271" r:id="rId17"/>
-    <p:sldId id="272" r:id="rId18"/>
-    <p:sldId id="273" r:id="rId19"/>
-    <p:sldId id="274" r:id="rId20"/>
+    <p:sldId id="256" r:id="rId8"/>
+    <p:sldId id="257" r:id="rId9"/>
+    <p:sldId id="258" r:id="rId10"/>
+    <p:sldId id="259" r:id="rId11"/>
+    <p:sldId id="260" r:id="rId12"/>
+    <p:sldId id="261" r:id="rId13"/>
+    <p:sldId id="262" r:id="rId14"/>
+    <p:sldId id="263" r:id="rId15"/>
+    <p:sldId id="264" r:id="rId16"/>
+    <p:sldId id="265" r:id="rId17"/>
+    <p:sldId id="266" r:id="rId18"/>
+    <p:sldId id="267" r:id="rId19"/>
+    <p:sldId id="268" r:id="rId20"/>
+    <p:sldId id="269" r:id="rId21"/>
+    <p:sldId id="270" r:id="rId22"/>
+    <p:sldId id="271" r:id="rId23"/>
+    <p:sldId id="272" r:id="rId24"/>
+    <p:sldId id="273" r:id="rId25"/>
+    <p:sldId id="274" r:id="rId26"/>
+    <p:sldId id="275" r:id="rId27"/>
+    <p:sldId id="276" r:id="rId28"/>
+    <p:sldId id="277" r:id="rId29"/>
+    <p:sldId id="278" r:id="rId30"/>
+    <p:sldId id="279" r:id="rId31"/>
   </p:sldIdLst>
   <p:sldSz cx="14401800" cy="10795000"/>
   <p:notesSz cx="6858000" cy="9144000"/>
@@ -46,7 +51,7 @@
       <a:buFontTx/>
       <a:buNone/>
       <a:tabLst/>
-      <a:defRPr kumimoji="0" sz="1800" b="0" i="0" u="none" strike="noStrike" cap="none" spc="0" normalizeH="0" baseline="0">
+      <a:defRPr b="0" baseline="0" cap="none" i="0" spc="0" strike="noStrike" sz="1800" u="none" kumimoji="0" normalizeH="0">
         <a:ln>
           <a:noFill/>
         </a:ln>
@@ -72,7 +77,7 @@
       <a:buFontTx/>
       <a:buNone/>
       <a:tabLst/>
-      <a:defRPr kumimoji="0" sz="2800" b="0" i="0" u="none" strike="noStrike" cap="none" spc="0" normalizeH="0" baseline="0">
+      <a:defRPr b="0" baseline="0" cap="none" i="0" spc="0" strike="noStrike" sz="2800" u="none" kumimoji="0" normalizeH="0">
         <a:ln>
           <a:noFill/>
         </a:ln>
@@ -81,10 +86,10 @@
         </a:solidFill>
         <a:effectLst/>
         <a:uFillTx/>
-        <a:latin typeface="+mj-lt"/>
-        <a:ea typeface="+mj-ea"/>
-        <a:cs typeface="+mj-cs"/>
-        <a:sym typeface="Lucida Grande"/>
+        <a:latin typeface="+mn-lt"/>
+        <a:ea typeface="+mn-ea"/>
+        <a:cs typeface="+mn-cs"/>
+        <a:sym typeface="Helvetica"/>
       </a:defRPr>
     </a:lvl1pPr>
     <a:lvl2pPr marL="0" marR="0" indent="0" algn="l" defTabSz="1440089" rtl="0" fontAlgn="auto" latinLnBrk="0" hangingPunct="0">
@@ -102,7 +107,7 @@
       <a:buFontTx/>
       <a:buNone/>
       <a:tabLst/>
-      <a:defRPr kumimoji="0" sz="2800" b="0" i="0" u="none" strike="noStrike" cap="none" spc="0" normalizeH="0" baseline="0">
+      <a:defRPr b="0" baseline="0" cap="none" i="0" spc="0" strike="noStrike" sz="2800" u="none" kumimoji="0" normalizeH="0">
         <a:ln>
           <a:noFill/>
         </a:ln>
@@ -111,10 +116,10 @@
         </a:solidFill>
         <a:effectLst/>
         <a:uFillTx/>
-        <a:latin typeface="+mj-lt"/>
-        <a:ea typeface="+mj-ea"/>
-        <a:cs typeface="+mj-cs"/>
-        <a:sym typeface="Lucida Grande"/>
+        <a:latin typeface="+mn-lt"/>
+        <a:ea typeface="+mn-ea"/>
+        <a:cs typeface="+mn-cs"/>
+        <a:sym typeface="Helvetica"/>
       </a:defRPr>
     </a:lvl2pPr>
     <a:lvl3pPr marL="0" marR="0" indent="0" algn="l" defTabSz="1440089" rtl="0" fontAlgn="auto" latinLnBrk="0" hangingPunct="0">
@@ -132,7 +137,7 @@
       <a:buFontTx/>
       <a:buNone/>
       <a:tabLst/>
-      <a:defRPr kumimoji="0" sz="2800" b="0" i="0" u="none" strike="noStrike" cap="none" spc="0" normalizeH="0" baseline="0">
+      <a:defRPr b="0" baseline="0" cap="none" i="0" spc="0" strike="noStrike" sz="2800" u="none" kumimoji="0" normalizeH="0">
         <a:ln>
           <a:noFill/>
         </a:ln>
@@ -141,10 +146,10 @@
         </a:solidFill>
         <a:effectLst/>
         <a:uFillTx/>
-        <a:latin typeface="+mj-lt"/>
-        <a:ea typeface="+mj-ea"/>
-        <a:cs typeface="+mj-cs"/>
-        <a:sym typeface="Lucida Grande"/>
+        <a:latin typeface="+mn-lt"/>
+        <a:ea typeface="+mn-ea"/>
+        <a:cs typeface="+mn-cs"/>
+        <a:sym typeface="Helvetica"/>
       </a:defRPr>
     </a:lvl3pPr>
     <a:lvl4pPr marL="0" marR="0" indent="0" algn="l" defTabSz="1440089" rtl="0" fontAlgn="auto" latinLnBrk="0" hangingPunct="0">
@@ -162,7 +167,7 @@
       <a:buFontTx/>
       <a:buNone/>
       <a:tabLst/>
-      <a:defRPr kumimoji="0" sz="2800" b="0" i="0" u="none" strike="noStrike" cap="none" spc="0" normalizeH="0" baseline="0">
+      <a:defRPr b="0" baseline="0" cap="none" i="0" spc="0" strike="noStrike" sz="2800" u="none" kumimoji="0" normalizeH="0">
         <a:ln>
           <a:noFill/>
         </a:ln>
@@ -171,10 +176,10 @@
         </a:solidFill>
         <a:effectLst/>
         <a:uFillTx/>
-        <a:latin typeface="+mj-lt"/>
-        <a:ea typeface="+mj-ea"/>
-        <a:cs typeface="+mj-cs"/>
-        <a:sym typeface="Lucida Grande"/>
+        <a:latin typeface="+mn-lt"/>
+        <a:ea typeface="+mn-ea"/>
+        <a:cs typeface="+mn-cs"/>
+        <a:sym typeface="Helvetica"/>
       </a:defRPr>
     </a:lvl4pPr>
     <a:lvl5pPr marL="0" marR="0" indent="0" algn="l" defTabSz="1440089" rtl="0" fontAlgn="auto" latinLnBrk="0" hangingPunct="0">
@@ -192,7 +197,7 @@
       <a:buFontTx/>
       <a:buNone/>
       <a:tabLst/>
-      <a:defRPr kumimoji="0" sz="2800" b="0" i="0" u="none" strike="noStrike" cap="none" spc="0" normalizeH="0" baseline="0">
+      <a:defRPr b="0" baseline="0" cap="none" i="0" spc="0" strike="noStrike" sz="2800" u="none" kumimoji="0" normalizeH="0">
         <a:ln>
           <a:noFill/>
         </a:ln>
@@ -201,10 +206,10 @@
         </a:solidFill>
         <a:effectLst/>
         <a:uFillTx/>
-        <a:latin typeface="+mj-lt"/>
-        <a:ea typeface="+mj-ea"/>
-        <a:cs typeface="+mj-cs"/>
-        <a:sym typeface="Lucida Grande"/>
+        <a:latin typeface="+mn-lt"/>
+        <a:ea typeface="+mn-ea"/>
+        <a:cs typeface="+mn-cs"/>
+        <a:sym typeface="Helvetica"/>
       </a:defRPr>
     </a:lvl5pPr>
     <a:lvl6pPr marL="0" marR="0" indent="0" algn="l" defTabSz="1440089" rtl="0" fontAlgn="auto" latinLnBrk="0" hangingPunct="0">
@@ -222,7 +227,7 @@
       <a:buFontTx/>
       <a:buNone/>
       <a:tabLst/>
-      <a:defRPr kumimoji="0" sz="2800" b="0" i="0" u="none" strike="noStrike" cap="none" spc="0" normalizeH="0" baseline="0">
+      <a:defRPr b="0" baseline="0" cap="none" i="0" spc="0" strike="noStrike" sz="2800" u="none" kumimoji="0" normalizeH="0">
         <a:ln>
           <a:noFill/>
         </a:ln>
@@ -231,10 +236,10 @@
         </a:solidFill>
         <a:effectLst/>
         <a:uFillTx/>
-        <a:latin typeface="+mj-lt"/>
-        <a:ea typeface="+mj-ea"/>
-        <a:cs typeface="+mj-cs"/>
-        <a:sym typeface="Lucida Grande"/>
+        <a:latin typeface="+mn-lt"/>
+        <a:ea typeface="+mn-ea"/>
+        <a:cs typeface="+mn-cs"/>
+        <a:sym typeface="Helvetica"/>
       </a:defRPr>
     </a:lvl6pPr>
     <a:lvl7pPr marL="0" marR="0" indent="0" algn="l" defTabSz="1440089" rtl="0" fontAlgn="auto" latinLnBrk="0" hangingPunct="0">
@@ -252,7 +257,7 @@
       <a:buFontTx/>
       <a:buNone/>
       <a:tabLst/>
-      <a:defRPr kumimoji="0" sz="2800" b="0" i="0" u="none" strike="noStrike" cap="none" spc="0" normalizeH="0" baseline="0">
+      <a:defRPr b="0" baseline="0" cap="none" i="0" spc="0" strike="noStrike" sz="2800" u="none" kumimoji="0" normalizeH="0">
         <a:ln>
           <a:noFill/>
         </a:ln>
@@ -261,10 +266,10 @@
         </a:solidFill>
         <a:effectLst/>
         <a:uFillTx/>
-        <a:latin typeface="+mj-lt"/>
-        <a:ea typeface="+mj-ea"/>
-        <a:cs typeface="+mj-cs"/>
-        <a:sym typeface="Lucida Grande"/>
+        <a:latin typeface="+mn-lt"/>
+        <a:ea typeface="+mn-ea"/>
+        <a:cs typeface="+mn-cs"/>
+        <a:sym typeface="Helvetica"/>
       </a:defRPr>
     </a:lvl7pPr>
     <a:lvl8pPr marL="0" marR="0" indent="0" algn="l" defTabSz="1440089" rtl="0" fontAlgn="auto" latinLnBrk="0" hangingPunct="0">
@@ -282,7 +287,7 @@
       <a:buFontTx/>
       <a:buNone/>
       <a:tabLst/>
-      <a:defRPr kumimoji="0" sz="2800" b="0" i="0" u="none" strike="noStrike" cap="none" spc="0" normalizeH="0" baseline="0">
+      <a:defRPr b="0" baseline="0" cap="none" i="0" spc="0" strike="noStrike" sz="2800" u="none" kumimoji="0" normalizeH="0">
         <a:ln>
           <a:noFill/>
         </a:ln>
@@ -291,10 +296,10 @@
         </a:solidFill>
         <a:effectLst/>
         <a:uFillTx/>
-        <a:latin typeface="+mj-lt"/>
-        <a:ea typeface="+mj-ea"/>
-        <a:cs typeface="+mj-cs"/>
-        <a:sym typeface="Lucida Grande"/>
+        <a:latin typeface="+mn-lt"/>
+        <a:ea typeface="+mn-ea"/>
+        <a:cs typeface="+mn-cs"/>
+        <a:sym typeface="Helvetica"/>
       </a:defRPr>
     </a:lvl8pPr>
     <a:lvl9pPr marL="0" marR="0" indent="0" algn="l" defTabSz="1440089" rtl="0" fontAlgn="auto" latinLnBrk="0" hangingPunct="0">
@@ -312,7 +317,7 @@
       <a:buFontTx/>
       <a:buNone/>
       <a:tabLst/>
-      <a:defRPr kumimoji="0" sz="2800" b="0" i="0" u="none" strike="noStrike" cap="none" spc="0" normalizeH="0" baseline="0">
+      <a:defRPr b="0" baseline="0" cap="none" i="0" spc="0" strike="noStrike" sz="2800" u="none" kumimoji="0" normalizeH="0">
         <a:ln>
           <a:noFill/>
         </a:ln>
@@ -321,29 +326,23 @@
         </a:solidFill>
         <a:effectLst/>
         <a:uFillTx/>
-        <a:latin typeface="+mj-lt"/>
-        <a:ea typeface="+mj-ea"/>
-        <a:cs typeface="+mj-cs"/>
-        <a:sym typeface="Lucida Grande"/>
+        <a:latin typeface="+mn-lt"/>
+        <a:ea typeface="+mn-ea"/>
+        <a:cs typeface="+mn-cs"/>
+        <a:sym typeface="Helvetica"/>
       </a:defRPr>
     </a:lvl9pPr>
   </p:defaultTextStyle>
-  <p:extLst>
-    <p:ext uri="{EFAFB233-063F-42B5-8137-9DF3F51BA10A}">
-      <p15:sldGuideLst xmlns:p15="http://schemas.microsoft.com/office/powerpoint/2012/main"/>
-    </p:ext>
-  </p:extLst>
 </p:presentation>
+</file>
+
+<file path=ppt/commentAuthors.xml><?xml version="1.0" encoding="utf-8"?>
+<p:cmAuthorLst xmlns:a="http://schemas.openxmlformats.org/drawingml/2006/main" xmlns:r="http://schemas.openxmlformats.org/officeDocument/2006/relationships" xmlns:p="http://schemas.openxmlformats.org/presentationml/2006/main"/>
 </file>
 
 <file path=ppt/notesMasters/notesMaster1.xml><?xml version="1.0" encoding="utf-8"?>
 <p:notesMaster xmlns:a="http://schemas.openxmlformats.org/drawingml/2006/main" xmlns:r="http://schemas.openxmlformats.org/officeDocument/2006/relationships" xmlns:p="http://schemas.openxmlformats.org/presentationml/2006/main">
   <p:cSld>
-    <p:bg>
-      <p:bgRef idx="1001">
-        <a:schemeClr val="bg1"/>
-      </p:bgRef>
-    </p:bg>
     <p:spTree>
       <p:nvGrpSpPr>
         <p:cNvPr id="1" name=""/>
@@ -361,9 +360,7 @@
       <p:sp>
         <p:nvSpPr>
           <p:cNvPr id="120" name="Shape 120"/>
-          <p:cNvSpPr>
-            <a:spLocks noGrp="1" noRot="1" noChangeAspect="1"/>
-          </p:cNvSpPr>
+          <p:cNvSpPr/>
           <p:nvPr>
             <p:ph type="sldImg"/>
           </p:nvPr>
@@ -381,16 +378,14 @@
           <a:bodyPr/>
           <a:lstStyle/>
           <a:p>
-            <a:endParaRPr/>
+            <a:pPr/>
           </a:p>
         </p:txBody>
       </p:sp>
       <p:sp>
         <p:nvSpPr>
           <p:cNvPr id="121" name="Shape 121"/>
-          <p:cNvSpPr>
-            <a:spLocks noGrp="1"/>
-          </p:cNvSpPr>
+          <p:cNvSpPr/>
           <p:nvPr>
             <p:ph type="body" sz="quarter" idx="1"/>
           </p:nvPr>
@@ -408,7 +403,7 @@
           <a:bodyPr/>
           <a:lstStyle/>
           <a:p>
-            <a:endParaRPr/>
+            <a:pPr/>
           </a:p>
         </p:txBody>
       </p:sp>
@@ -493,7 +488,7 @@
 </file>
 
 <file path=ppt/slideLayouts/slideLayout1.xml><?xml version="1.0" encoding="utf-8"?>
-<p:sldLayout xmlns:a="http://schemas.openxmlformats.org/drawingml/2006/main" xmlns:r="http://schemas.openxmlformats.org/officeDocument/2006/relationships" xmlns:p="http://schemas.openxmlformats.org/presentationml/2006/main" type="title">
+<p:sldLayout xmlns:a="http://schemas.openxmlformats.org/drawingml/2006/main" xmlns:r="http://schemas.openxmlformats.org/officeDocument/2006/relationships" xmlns:p="http://schemas.openxmlformats.org/presentationml/2006/main" type="title" showMasterSp="1" showMasterPhAnim="1">
   <p:cSld name="標題投影片">
     <p:spTree>
       <p:nvGrpSpPr>
@@ -541,9 +536,7 @@
       <p:sp>
         <p:nvSpPr>
           <p:cNvPr id="12" name="Title Text"/>
-          <p:cNvSpPr txBox="1">
-            <a:spLocks noGrp="1"/>
-          </p:cNvSpPr>
+          <p:cNvSpPr txBox="1"/>
           <p:nvPr>
             <p:ph type="title"/>
           </p:nvPr>
@@ -561,6 +554,7 @@
           <a:bodyPr/>
           <a:lstStyle/>
           <a:p>
+            <a:pPr/>
             <a:r>
               <a:t>Title Text</a:t>
             </a:r>
@@ -570,9 +564,7 @@
       <p:sp>
         <p:nvSpPr>
           <p:cNvPr id="13" name="Body Level One…"/>
-          <p:cNvSpPr txBox="1">
-            <a:spLocks noGrp="1"/>
-          </p:cNvSpPr>
+          <p:cNvSpPr txBox="1"/>
           <p:nvPr>
             <p:ph type="body" sz="quarter" idx="1"/>
           </p:nvPr>
@@ -641,6 +633,7 @@
             </a:lvl5pPr>
           </a:lstStyle>
           <a:p>
+            <a:pPr/>
             <a:r>
               <a:t>Body Level One</a:t>
             </a:r>
@@ -674,9 +667,7 @@
       <p:sp>
         <p:nvSpPr>
           <p:cNvPr id="14" name="Slide Number"/>
-          <p:cNvSpPr txBox="1">
-            <a:spLocks noGrp="1"/>
-          </p:cNvSpPr>
+          <p:cNvSpPr txBox="1"/>
           <p:nvPr>
             <p:ph type="sldNum" sz="quarter" idx="2"/>
           </p:nvPr>
@@ -690,10 +681,8 @@
           <a:bodyPr/>
           <a:lstStyle/>
           <a:p>
-            <a:fld id="{86CB4B4D-7CA3-9044-876B-883B54F8677D}" type="slidenum">
-              <a:t>‹#›</a:t>
-            </a:fld>
-            <a:endParaRPr/>
+            <a:pPr/>
+            <a:fld id="{86CB4B4D-7CA3-9044-876B-883B54F8677D}" type="slidenum"/>
           </a:p>
         </p:txBody>
       </p:sp>
@@ -702,12 +691,12 @@
   <p:clrMapOvr>
     <a:masterClrMapping/>
   </p:clrMapOvr>
-  <p:transition spd="med"/>
+  <p:transition xmlns:p14="http://schemas.microsoft.com/office/powerpoint/2010/main" spd="med" advClick="1"/>
 </p:sldLayout>
 </file>
 
 <file path=ppt/slideLayouts/slideLayout10.xml><?xml version="1.0" encoding="utf-8"?>
-<p:sldLayout xmlns:a="http://schemas.openxmlformats.org/drawingml/2006/main" xmlns:r="http://schemas.openxmlformats.org/officeDocument/2006/relationships" xmlns:p="http://schemas.openxmlformats.org/presentationml/2006/main" type="tx">
+<p:sldLayout xmlns:a="http://schemas.openxmlformats.org/drawingml/2006/main" xmlns:r="http://schemas.openxmlformats.org/officeDocument/2006/relationships" xmlns:p="http://schemas.openxmlformats.org/presentationml/2006/main" type="tx" showMasterSp="1" showMasterPhAnim="1">
   <p:cSld name="標題及直排文字">
     <p:spTree>
       <p:nvGrpSpPr>
@@ -726,9 +715,7 @@
       <p:sp>
         <p:nvSpPr>
           <p:cNvPr id="93" name="Title Text"/>
-          <p:cNvSpPr txBox="1">
-            <a:spLocks noGrp="1"/>
-          </p:cNvSpPr>
+          <p:cNvSpPr txBox="1"/>
           <p:nvPr>
             <p:ph type="title"/>
           </p:nvPr>
@@ -742,6 +729,7 @@
           <a:bodyPr/>
           <a:lstStyle/>
           <a:p>
+            <a:pPr/>
             <a:r>
               <a:t>Title Text</a:t>
             </a:r>
@@ -751,9 +739,7 @@
       <p:sp>
         <p:nvSpPr>
           <p:cNvPr id="94" name="Body Level One…"/>
-          <p:cNvSpPr txBox="1">
-            <a:spLocks noGrp="1"/>
-          </p:cNvSpPr>
+          <p:cNvSpPr txBox="1"/>
           <p:nvPr>
             <p:ph type="body" idx="1"/>
           </p:nvPr>
@@ -767,6 +753,7 @@
           <a:bodyPr/>
           <a:lstStyle/>
           <a:p>
+            <a:pPr/>
             <a:r>
               <a:t>Body Level One</a:t>
             </a:r>
@@ -800,9 +787,7 @@
       <p:sp>
         <p:nvSpPr>
           <p:cNvPr id="95" name="Slide Number"/>
-          <p:cNvSpPr txBox="1">
-            <a:spLocks noGrp="1"/>
-          </p:cNvSpPr>
+          <p:cNvSpPr txBox="1"/>
           <p:nvPr>
             <p:ph type="sldNum" sz="quarter" idx="2"/>
           </p:nvPr>
@@ -816,10 +801,8 @@
           <a:bodyPr/>
           <a:lstStyle/>
           <a:p>
-            <a:fld id="{86CB4B4D-7CA3-9044-876B-883B54F8677D}" type="slidenum">
-              <a:t>‹#›</a:t>
-            </a:fld>
-            <a:endParaRPr/>
+            <a:pPr/>
+            <a:fld id="{86CB4B4D-7CA3-9044-876B-883B54F8677D}" type="slidenum"/>
           </a:p>
         </p:txBody>
       </p:sp>
@@ -828,12 +811,12 @@
   <p:clrMapOvr>
     <a:masterClrMapping/>
   </p:clrMapOvr>
-  <p:transition spd="med"/>
+  <p:transition xmlns:p14="http://schemas.microsoft.com/office/powerpoint/2010/main" spd="med" advClick="1"/>
 </p:sldLayout>
 </file>
 
 <file path=ppt/slideLayouts/slideLayout11.xml><?xml version="1.0" encoding="utf-8"?>
-<p:sldLayout xmlns:a="http://schemas.openxmlformats.org/drawingml/2006/main" xmlns:r="http://schemas.openxmlformats.org/officeDocument/2006/relationships" xmlns:p="http://schemas.openxmlformats.org/presentationml/2006/main" type="tx">
+<p:sldLayout xmlns:a="http://schemas.openxmlformats.org/drawingml/2006/main" xmlns:r="http://schemas.openxmlformats.org/officeDocument/2006/relationships" xmlns:p="http://schemas.openxmlformats.org/presentationml/2006/main" type="tx" showMasterSp="1" showMasterPhAnim="1">
   <p:cSld name="標題投影片">
     <p:spTree>
       <p:nvGrpSpPr>
@@ -852,9 +835,7 @@
       <p:sp>
         <p:nvSpPr>
           <p:cNvPr id="102" name="Title Text"/>
-          <p:cNvSpPr txBox="1">
-            <a:spLocks noGrp="1"/>
-          </p:cNvSpPr>
+          <p:cNvSpPr txBox="1"/>
           <p:nvPr>
             <p:ph type="title"/>
           </p:nvPr>
@@ -881,6 +862,7 @@
             </a:lvl1pPr>
           </a:lstStyle>
           <a:p>
+            <a:pPr/>
             <a:r>
               <a:t>Title Text</a:t>
             </a:r>
@@ -890,9 +872,7 @@
       <p:sp>
         <p:nvSpPr>
           <p:cNvPr id="103" name="Body Level One…"/>
-          <p:cNvSpPr txBox="1">
-            <a:spLocks noGrp="1"/>
-          </p:cNvSpPr>
+          <p:cNvSpPr txBox="1"/>
           <p:nvPr>
             <p:ph type="body" sz="quarter" idx="1"/>
           </p:nvPr>
@@ -981,6 +961,7 @@
             </a:lvl5pPr>
           </a:lstStyle>
           <a:p>
+            <a:pPr/>
             <a:r>
               <a:t>Body Level One</a:t>
             </a:r>
@@ -1043,9 +1024,7 @@
       <p:sp>
         <p:nvSpPr>
           <p:cNvPr id="105" name="Slide Number"/>
-          <p:cNvSpPr txBox="1">
-            <a:spLocks noGrp="1"/>
-          </p:cNvSpPr>
+          <p:cNvSpPr txBox="1"/>
           <p:nvPr>
             <p:ph type="sldNum" sz="quarter" idx="2"/>
           </p:nvPr>
@@ -1072,10 +1051,8 @@
             </a:lvl1pPr>
           </a:lstStyle>
           <a:p>
-            <a:fld id="{86CB4B4D-7CA3-9044-876B-883B54F8677D}" type="slidenum">
-              <a:t>‹#›</a:t>
-            </a:fld>
-            <a:endParaRPr/>
+            <a:pPr/>
+            <a:fld id="{86CB4B4D-7CA3-9044-876B-883B54F8677D}" type="slidenum"/>
           </a:p>
         </p:txBody>
       </p:sp>
@@ -1084,12 +1061,12 @@
   <p:clrMapOvr>
     <a:masterClrMapping/>
   </p:clrMapOvr>
-  <p:transition spd="med"/>
+  <p:transition xmlns:p14="http://schemas.microsoft.com/office/powerpoint/2010/main" spd="med" advClick="1"/>
 </p:sldLayout>
 </file>
 
 <file path=ppt/slideLayouts/slideLayout12.xml><?xml version="1.0" encoding="utf-8"?>
-<p:sldLayout xmlns:a="http://schemas.openxmlformats.org/drawingml/2006/main" xmlns:r="http://schemas.openxmlformats.org/officeDocument/2006/relationships" xmlns:p="http://schemas.openxmlformats.org/presentationml/2006/main" type="tx">
+<p:sldLayout xmlns:a="http://schemas.openxmlformats.org/drawingml/2006/main" xmlns:r="http://schemas.openxmlformats.org/officeDocument/2006/relationships" xmlns:p="http://schemas.openxmlformats.org/presentationml/2006/main" type="tx" showMasterSp="1" showMasterPhAnim="1">
   <p:cSld name="標題及物件">
     <p:spTree>
       <p:nvGrpSpPr>
@@ -1108,9 +1085,7 @@
       <p:sp>
         <p:nvSpPr>
           <p:cNvPr id="112" name="Title Text"/>
-          <p:cNvSpPr txBox="1">
-            <a:spLocks noGrp="1"/>
-          </p:cNvSpPr>
+          <p:cNvSpPr txBox="1"/>
           <p:nvPr>
             <p:ph type="title"/>
           </p:nvPr>
@@ -1133,6 +1108,7 @@
             </a:lvl1pPr>
           </a:lstStyle>
           <a:p>
+            <a:pPr/>
             <a:r>
               <a:t>Title Text</a:t>
             </a:r>
@@ -1142,9 +1118,7 @@
       <p:sp>
         <p:nvSpPr>
           <p:cNvPr id="113" name="Body Level One…"/>
-          <p:cNvSpPr txBox="1">
-            <a:spLocks noGrp="1"/>
-          </p:cNvSpPr>
+          <p:cNvSpPr txBox="1"/>
           <p:nvPr>
             <p:ph type="body" idx="1"/>
           </p:nvPr>
@@ -1199,6 +1173,7 @@
             </a:lvl5pPr>
           </a:lstStyle>
           <a:p>
+            <a:pPr/>
             <a:r>
               <a:t>Body Level One</a:t>
             </a:r>
@@ -1232,9 +1207,7 @@
       <p:sp>
         <p:nvSpPr>
           <p:cNvPr id="114" name="Slide Number"/>
-          <p:cNvSpPr txBox="1">
-            <a:spLocks noGrp="1"/>
-          </p:cNvSpPr>
+          <p:cNvSpPr txBox="1"/>
           <p:nvPr>
             <p:ph type="sldNum" sz="quarter" idx="2"/>
           </p:nvPr>
@@ -1261,10 +1234,8 @@
             </a:lvl1pPr>
           </a:lstStyle>
           <a:p>
-            <a:fld id="{86CB4B4D-7CA3-9044-876B-883B54F8677D}" type="slidenum">
-              <a:t>‹#›</a:t>
-            </a:fld>
-            <a:endParaRPr/>
+            <a:pPr/>
+            <a:fld id="{86CB4B4D-7CA3-9044-876B-883B54F8677D}" type="slidenum"/>
           </a:p>
         </p:txBody>
       </p:sp>
@@ -1273,12 +1244,12 @@
   <p:clrMapOvr>
     <a:masterClrMapping/>
   </p:clrMapOvr>
-  <p:transition spd="med"/>
+  <p:transition xmlns:p14="http://schemas.microsoft.com/office/powerpoint/2010/main" spd="med" advClick="1"/>
 </p:sldLayout>
 </file>
 
 <file path=ppt/slideLayouts/slideLayout2.xml><?xml version="1.0" encoding="utf-8"?>
-<p:sldLayout xmlns:a="http://schemas.openxmlformats.org/drawingml/2006/main" xmlns:r="http://schemas.openxmlformats.org/officeDocument/2006/relationships" xmlns:p="http://schemas.openxmlformats.org/presentationml/2006/main" type="tx">
+<p:sldLayout xmlns:a="http://schemas.openxmlformats.org/drawingml/2006/main" xmlns:r="http://schemas.openxmlformats.org/officeDocument/2006/relationships" xmlns:p="http://schemas.openxmlformats.org/presentationml/2006/main" type="tx" showMasterSp="1" showMasterPhAnim="1">
   <p:cSld name="標題及物件">
     <p:spTree>
       <p:nvGrpSpPr>
@@ -1297,9 +1268,7 @@
       <p:sp>
         <p:nvSpPr>
           <p:cNvPr id="21" name="Title Text"/>
-          <p:cNvSpPr txBox="1">
-            <a:spLocks noGrp="1"/>
-          </p:cNvSpPr>
+          <p:cNvSpPr txBox="1"/>
           <p:nvPr>
             <p:ph type="title"/>
           </p:nvPr>
@@ -1313,6 +1282,7 @@
           <a:bodyPr/>
           <a:lstStyle/>
           <a:p>
+            <a:pPr/>
             <a:r>
               <a:t>Title Text</a:t>
             </a:r>
@@ -1322,9 +1292,7 @@
       <p:sp>
         <p:nvSpPr>
           <p:cNvPr id="22" name="Body Level One…"/>
-          <p:cNvSpPr txBox="1">
-            <a:spLocks noGrp="1"/>
-          </p:cNvSpPr>
+          <p:cNvSpPr txBox="1"/>
           <p:nvPr>
             <p:ph type="body" idx="1"/>
           </p:nvPr>
@@ -1338,6 +1306,7 @@
           <a:bodyPr/>
           <a:lstStyle/>
           <a:p>
+            <a:pPr/>
             <a:r>
               <a:t>Body Level One</a:t>
             </a:r>
@@ -1371,9 +1340,7 @@
       <p:sp>
         <p:nvSpPr>
           <p:cNvPr id="23" name="Slide Number"/>
-          <p:cNvSpPr txBox="1">
-            <a:spLocks noGrp="1"/>
-          </p:cNvSpPr>
+          <p:cNvSpPr txBox="1"/>
           <p:nvPr>
             <p:ph type="sldNum" sz="quarter" idx="2"/>
           </p:nvPr>
@@ -1387,10 +1354,8 @@
           <a:bodyPr/>
           <a:lstStyle/>
           <a:p>
-            <a:fld id="{86CB4B4D-7CA3-9044-876B-883B54F8677D}" type="slidenum">
-              <a:t>‹#›</a:t>
-            </a:fld>
-            <a:endParaRPr/>
+            <a:pPr/>
+            <a:fld id="{86CB4B4D-7CA3-9044-876B-883B54F8677D}" type="slidenum"/>
           </a:p>
         </p:txBody>
       </p:sp>
@@ -1399,12 +1364,12 @@
   <p:clrMapOvr>
     <a:masterClrMapping/>
   </p:clrMapOvr>
-  <p:transition spd="med"/>
+  <p:transition xmlns:p14="http://schemas.microsoft.com/office/powerpoint/2010/main" spd="med" advClick="1"/>
 </p:sldLayout>
 </file>
 
 <file path=ppt/slideLayouts/slideLayout3.xml><?xml version="1.0" encoding="utf-8"?>
-<p:sldLayout xmlns:a="http://schemas.openxmlformats.org/drawingml/2006/main" xmlns:r="http://schemas.openxmlformats.org/officeDocument/2006/relationships" xmlns:p="http://schemas.openxmlformats.org/presentationml/2006/main" type="tx">
+<p:sldLayout xmlns:a="http://schemas.openxmlformats.org/drawingml/2006/main" xmlns:r="http://schemas.openxmlformats.org/officeDocument/2006/relationships" xmlns:p="http://schemas.openxmlformats.org/presentationml/2006/main" type="tx" showMasterSp="1" showMasterPhAnim="1">
   <p:cSld name="章節標題">
     <p:spTree>
       <p:nvGrpSpPr>
@@ -1423,9 +1388,7 @@
       <p:sp>
         <p:nvSpPr>
           <p:cNvPr id="30" name="Title Text"/>
-          <p:cNvSpPr txBox="1">
-            <a:spLocks noGrp="1"/>
-          </p:cNvSpPr>
+          <p:cNvSpPr txBox="1"/>
           <p:nvPr>
             <p:ph type="title"/>
           </p:nvPr>
@@ -1433,7 +1396,7 @@
         <p:spPr>
           <a:xfrm>
             <a:off x="1137641" y="6939846"/>
-            <a:ext cx="12241533" cy="2144960"/>
+            <a:ext cx="12241533" cy="2144961"/>
           </a:xfrm>
           <a:prstGeom prst="rect">
             <a:avLst/>
@@ -1443,10 +1406,11 @@
           <a:bodyPr anchor="t"/>
           <a:lstStyle>
             <a:lvl1pPr algn="l">
-              <a:defRPr sz="6200" b="1" cap="all"/>
+              <a:defRPr b="1" cap="all" sz="6200"/>
             </a:lvl1pPr>
           </a:lstStyle>
           <a:p>
+            <a:pPr/>
             <a:r>
               <a:t>Title Text</a:t>
             </a:r>
@@ -1456,9 +1420,7 @@
       <p:sp>
         <p:nvSpPr>
           <p:cNvPr id="31" name="Body Level One…"/>
-          <p:cNvSpPr txBox="1">
-            <a:spLocks noGrp="1"/>
-          </p:cNvSpPr>
+          <p:cNvSpPr txBox="1"/>
           <p:nvPr>
             <p:ph type="body" sz="quarter" idx="1"/>
           </p:nvPr>
@@ -1542,6 +1504,7 @@
             </a:lvl5pPr>
           </a:lstStyle>
           <a:p>
+            <a:pPr/>
             <a:r>
               <a:t>Body Level One</a:t>
             </a:r>
@@ -1575,9 +1538,7 @@
       <p:sp>
         <p:nvSpPr>
           <p:cNvPr id="32" name="Slide Number"/>
-          <p:cNvSpPr txBox="1">
-            <a:spLocks noGrp="1"/>
-          </p:cNvSpPr>
+          <p:cNvSpPr txBox="1"/>
           <p:nvPr>
             <p:ph type="sldNum" sz="quarter" idx="2"/>
           </p:nvPr>
@@ -1591,10 +1552,8 @@
           <a:bodyPr/>
           <a:lstStyle/>
           <a:p>
-            <a:fld id="{86CB4B4D-7CA3-9044-876B-883B54F8677D}" type="slidenum">
-              <a:t>‹#›</a:t>
-            </a:fld>
-            <a:endParaRPr/>
+            <a:pPr/>
+            <a:fld id="{86CB4B4D-7CA3-9044-876B-883B54F8677D}" type="slidenum"/>
           </a:p>
         </p:txBody>
       </p:sp>
@@ -1603,12 +1562,12 @@
   <p:clrMapOvr>
     <a:masterClrMapping/>
   </p:clrMapOvr>
-  <p:transition spd="med"/>
+  <p:transition xmlns:p14="http://schemas.microsoft.com/office/powerpoint/2010/main" spd="med" advClick="1"/>
 </p:sldLayout>
 </file>
 
 <file path=ppt/slideLayouts/slideLayout4.xml><?xml version="1.0" encoding="utf-8"?>
-<p:sldLayout xmlns:a="http://schemas.openxmlformats.org/drawingml/2006/main" xmlns:r="http://schemas.openxmlformats.org/officeDocument/2006/relationships" xmlns:p="http://schemas.openxmlformats.org/presentationml/2006/main" type="tx">
+<p:sldLayout xmlns:a="http://schemas.openxmlformats.org/drawingml/2006/main" xmlns:r="http://schemas.openxmlformats.org/officeDocument/2006/relationships" xmlns:p="http://schemas.openxmlformats.org/presentationml/2006/main" type="tx" showMasterSp="1" showMasterPhAnim="1">
   <p:cSld name="兩項物件">
     <p:spTree>
       <p:nvGrpSpPr>
@@ -1627,9 +1586,7 @@
       <p:sp>
         <p:nvSpPr>
           <p:cNvPr id="39" name="Title Text"/>
-          <p:cNvSpPr txBox="1">
-            <a:spLocks noGrp="1"/>
-          </p:cNvSpPr>
+          <p:cNvSpPr txBox="1"/>
           <p:nvPr>
             <p:ph type="title"/>
           </p:nvPr>
@@ -1643,6 +1600,7 @@
           <a:bodyPr/>
           <a:lstStyle/>
           <a:p>
+            <a:pPr/>
             <a:r>
               <a:t>Title Text</a:t>
             </a:r>
@@ -1652,9 +1610,7 @@
       <p:sp>
         <p:nvSpPr>
           <p:cNvPr id="40" name="Body Level One…"/>
-          <p:cNvSpPr txBox="1">
-            <a:spLocks noGrp="1"/>
-          </p:cNvSpPr>
+          <p:cNvSpPr txBox="1"/>
           <p:nvPr>
             <p:ph type="body" sz="half" idx="1"/>
           </p:nvPr>
@@ -1703,6 +1659,7 @@
             </a:lvl5pPr>
           </a:lstStyle>
           <a:p>
+            <a:pPr/>
             <a:r>
               <a:t>Body Level One</a:t>
             </a:r>
@@ -1736,9 +1693,7 @@
       <p:sp>
         <p:nvSpPr>
           <p:cNvPr id="41" name="Slide Number"/>
-          <p:cNvSpPr txBox="1">
-            <a:spLocks noGrp="1"/>
-          </p:cNvSpPr>
+          <p:cNvSpPr txBox="1"/>
           <p:nvPr>
             <p:ph type="sldNum" sz="quarter" idx="2"/>
           </p:nvPr>
@@ -1752,10 +1707,8 @@
           <a:bodyPr/>
           <a:lstStyle/>
           <a:p>
-            <a:fld id="{86CB4B4D-7CA3-9044-876B-883B54F8677D}" type="slidenum">
-              <a:t>‹#›</a:t>
-            </a:fld>
-            <a:endParaRPr/>
+            <a:pPr/>
+            <a:fld id="{86CB4B4D-7CA3-9044-876B-883B54F8677D}" type="slidenum"/>
           </a:p>
         </p:txBody>
       </p:sp>
@@ -1764,12 +1717,12 @@
   <p:clrMapOvr>
     <a:masterClrMapping/>
   </p:clrMapOvr>
-  <p:transition spd="med"/>
+  <p:transition xmlns:p14="http://schemas.microsoft.com/office/powerpoint/2010/main" spd="med" advClick="1"/>
 </p:sldLayout>
 </file>
 
 <file path=ppt/slideLayouts/slideLayout5.xml><?xml version="1.0" encoding="utf-8"?>
-<p:sldLayout xmlns:a="http://schemas.openxmlformats.org/drawingml/2006/main" xmlns:r="http://schemas.openxmlformats.org/officeDocument/2006/relationships" xmlns:p="http://schemas.openxmlformats.org/presentationml/2006/main" type="tx">
+<p:sldLayout xmlns:a="http://schemas.openxmlformats.org/drawingml/2006/main" xmlns:r="http://schemas.openxmlformats.org/officeDocument/2006/relationships" xmlns:p="http://schemas.openxmlformats.org/presentationml/2006/main" type="tx" showMasterSp="1" showMasterPhAnim="1">
   <p:cSld name="比對">
     <p:spTree>
       <p:nvGrpSpPr>
@@ -1788,9 +1741,7 @@
       <p:sp>
         <p:nvSpPr>
           <p:cNvPr id="48" name="Body Level One…"/>
-          <p:cNvSpPr txBox="1">
-            <a:spLocks noGrp="1"/>
-          </p:cNvSpPr>
+          <p:cNvSpPr txBox="1"/>
           <p:nvPr>
             <p:ph type="body" sz="quarter" idx="1"/>
           </p:nvPr>
@@ -1814,38 +1765,39 @@
               <a:buSzTx/>
               <a:buFontTx/>
               <a:buNone/>
-              <a:defRPr sz="3700" b="1"/>
+              <a:defRPr b="1" sz="3700"/>
             </a:lvl1pPr>
             <a:lvl2pPr marL="1098406" indent="-378405">
               <a:spcBef>
                 <a:spcPts val="800"/>
               </a:spcBef>
               <a:buFontTx/>
-              <a:defRPr sz="3700" b="1"/>
+              <a:defRPr b="1" sz="3700"/>
             </a:lvl2pPr>
             <a:lvl3pPr marL="1799994" indent="-359997">
               <a:spcBef>
                 <a:spcPts val="800"/>
               </a:spcBef>
               <a:buFontTx/>
-              <a:defRPr sz="3700" b="1"/>
+              <a:defRPr b="1" sz="3700"/>
             </a:lvl3pPr>
             <a:lvl4pPr marL="2589670" indent="-429672">
               <a:spcBef>
                 <a:spcPts val="800"/>
               </a:spcBef>
               <a:buFontTx/>
-              <a:defRPr sz="3700" b="1"/>
+              <a:defRPr b="1" sz="3700"/>
             </a:lvl4pPr>
             <a:lvl5pPr marL="3309672" indent="-429672">
               <a:spcBef>
                 <a:spcPts val="800"/>
               </a:spcBef>
               <a:buFontTx/>
-              <a:defRPr sz="3700" b="1"/>
+              <a:defRPr b="1" sz="3700"/>
             </a:lvl5pPr>
           </a:lstStyle>
           <a:p>
+            <a:pPr/>
             <a:r>
               <a:t>Body Level One</a:t>
             </a:r>
@@ -1879,9 +1831,7 @@
       <p:sp>
         <p:nvSpPr>
           <p:cNvPr id="49" name="Title Text"/>
-          <p:cNvSpPr txBox="1">
-            <a:spLocks noGrp="1"/>
-          </p:cNvSpPr>
+          <p:cNvSpPr txBox="1"/>
           <p:nvPr>
             <p:ph type="title"/>
           </p:nvPr>
@@ -1895,6 +1845,7 @@
           <a:bodyPr/>
           <a:lstStyle/>
           <a:p>
+            <a:pPr/>
             <a:r>
               <a:t>Title Text</a:t>
             </a:r>
@@ -1904,17 +1855,15 @@
       <p:sp>
         <p:nvSpPr>
           <p:cNvPr id="50" name="正文级别 1…"/>
-          <p:cNvSpPr txBox="1">
-            <a:spLocks noGrp="1"/>
-          </p:cNvSpPr>
+          <p:cNvSpPr txBox="1"/>
           <p:nvPr>
             <p:ph type="body" sz="quarter" idx="13"/>
           </p:nvPr>
         </p:nvSpPr>
         <p:spPr>
           <a:xfrm>
-            <a:off x="720084" y="2417446"/>
-            <a:ext cx="6363308" cy="1007484"/>
+            <a:off x="720083" y="2417446"/>
+            <a:ext cx="6363310" cy="1007485"/>
           </a:xfrm>
           <a:prstGeom prst="rect">
             <a:avLst/>
@@ -1924,16 +1873,14 @@
           <a:bodyPr anchor="b"/>
           <a:lstStyle/>
           <a:p>
-            <a:endParaRPr/>
+            <a:pPr/>
           </a:p>
         </p:txBody>
       </p:sp>
       <p:sp>
         <p:nvSpPr>
           <p:cNvPr id="51" name="Slide Number"/>
-          <p:cNvSpPr txBox="1">
-            <a:spLocks noGrp="1"/>
-          </p:cNvSpPr>
+          <p:cNvSpPr txBox="1"/>
           <p:nvPr>
             <p:ph type="sldNum" sz="quarter" idx="2"/>
           </p:nvPr>
@@ -1947,10 +1894,8 @@
           <a:bodyPr/>
           <a:lstStyle/>
           <a:p>
-            <a:fld id="{86CB4B4D-7CA3-9044-876B-883B54F8677D}" type="slidenum">
-              <a:t>‹#›</a:t>
-            </a:fld>
-            <a:endParaRPr/>
+            <a:pPr/>
+            <a:fld id="{86CB4B4D-7CA3-9044-876B-883B54F8677D}" type="slidenum"/>
           </a:p>
         </p:txBody>
       </p:sp>
@@ -1959,12 +1904,12 @@
   <p:clrMapOvr>
     <a:masterClrMapping/>
   </p:clrMapOvr>
-  <p:transition spd="med"/>
+  <p:transition xmlns:p14="http://schemas.microsoft.com/office/powerpoint/2010/main" spd="med" advClick="1"/>
 </p:sldLayout>
 </file>
 
 <file path=ppt/slideLayouts/slideLayout6.xml><?xml version="1.0" encoding="utf-8"?>
-<p:sldLayout xmlns:a="http://schemas.openxmlformats.org/drawingml/2006/main" xmlns:r="http://schemas.openxmlformats.org/officeDocument/2006/relationships" xmlns:p="http://schemas.openxmlformats.org/presentationml/2006/main" type="tx">
+<p:sldLayout xmlns:a="http://schemas.openxmlformats.org/drawingml/2006/main" xmlns:r="http://schemas.openxmlformats.org/officeDocument/2006/relationships" xmlns:p="http://schemas.openxmlformats.org/presentationml/2006/main" type="tx" showMasterSp="1" showMasterPhAnim="1">
   <p:cSld name="只有標題">
     <p:spTree>
       <p:nvGrpSpPr>
@@ -1983,9 +1928,7 @@
       <p:sp>
         <p:nvSpPr>
           <p:cNvPr id="58" name="Title Text"/>
-          <p:cNvSpPr txBox="1">
-            <a:spLocks noGrp="1"/>
-          </p:cNvSpPr>
+          <p:cNvSpPr txBox="1"/>
           <p:nvPr>
             <p:ph type="title"/>
           </p:nvPr>
@@ -1999,6 +1942,7 @@
           <a:bodyPr/>
           <a:lstStyle/>
           <a:p>
+            <a:pPr/>
             <a:r>
               <a:t>Title Text</a:t>
             </a:r>
@@ -2008,9 +1952,7 @@
       <p:sp>
         <p:nvSpPr>
           <p:cNvPr id="59" name="Slide Number"/>
-          <p:cNvSpPr txBox="1">
-            <a:spLocks noGrp="1"/>
-          </p:cNvSpPr>
+          <p:cNvSpPr txBox="1"/>
           <p:nvPr>
             <p:ph type="sldNum" sz="quarter" idx="2"/>
           </p:nvPr>
@@ -2024,10 +1966,8 @@
           <a:bodyPr/>
           <a:lstStyle/>
           <a:p>
-            <a:fld id="{86CB4B4D-7CA3-9044-876B-883B54F8677D}" type="slidenum">
-              <a:t>‹#›</a:t>
-            </a:fld>
-            <a:endParaRPr/>
+            <a:pPr/>
+            <a:fld id="{86CB4B4D-7CA3-9044-876B-883B54F8677D}" type="slidenum"/>
           </a:p>
         </p:txBody>
       </p:sp>
@@ -2036,12 +1976,12 @@
   <p:clrMapOvr>
     <a:masterClrMapping/>
   </p:clrMapOvr>
-  <p:transition spd="med"/>
+  <p:transition xmlns:p14="http://schemas.microsoft.com/office/powerpoint/2010/main" spd="med" advClick="1"/>
 </p:sldLayout>
 </file>
 
 <file path=ppt/slideLayouts/slideLayout7.xml><?xml version="1.0" encoding="utf-8"?>
-<p:sldLayout xmlns:a="http://schemas.openxmlformats.org/drawingml/2006/main" xmlns:r="http://schemas.openxmlformats.org/officeDocument/2006/relationships" xmlns:p="http://schemas.openxmlformats.org/presentationml/2006/main" type="tx">
+<p:sldLayout xmlns:a="http://schemas.openxmlformats.org/drawingml/2006/main" xmlns:r="http://schemas.openxmlformats.org/officeDocument/2006/relationships" xmlns:p="http://schemas.openxmlformats.org/presentationml/2006/main" type="tx" showMasterSp="1" showMasterPhAnim="1">
   <p:cSld name="空白">
     <p:spTree>
       <p:nvGrpSpPr>
@@ -2060,9 +2000,7 @@
       <p:sp>
         <p:nvSpPr>
           <p:cNvPr id="66" name="Slide Number"/>
-          <p:cNvSpPr txBox="1">
-            <a:spLocks noGrp="1"/>
-          </p:cNvSpPr>
+          <p:cNvSpPr txBox="1"/>
           <p:nvPr>
             <p:ph type="sldNum" sz="quarter" idx="2"/>
           </p:nvPr>
@@ -2076,10 +2014,8 @@
           <a:bodyPr/>
           <a:lstStyle/>
           <a:p>
-            <a:fld id="{86CB4B4D-7CA3-9044-876B-883B54F8677D}" type="slidenum">
-              <a:t>‹#›</a:t>
-            </a:fld>
-            <a:endParaRPr/>
+            <a:pPr/>
+            <a:fld id="{86CB4B4D-7CA3-9044-876B-883B54F8677D}" type="slidenum"/>
           </a:p>
         </p:txBody>
       </p:sp>
@@ -2088,12 +2024,12 @@
   <p:clrMapOvr>
     <a:masterClrMapping/>
   </p:clrMapOvr>
-  <p:transition spd="med"/>
+  <p:transition xmlns:p14="http://schemas.microsoft.com/office/powerpoint/2010/main" spd="med" advClick="1"/>
 </p:sldLayout>
 </file>
 
 <file path=ppt/slideLayouts/slideLayout8.xml><?xml version="1.0" encoding="utf-8"?>
-<p:sldLayout xmlns:a="http://schemas.openxmlformats.org/drawingml/2006/main" xmlns:r="http://schemas.openxmlformats.org/officeDocument/2006/relationships" xmlns:p="http://schemas.openxmlformats.org/presentationml/2006/main" type="tx">
+<p:sldLayout xmlns:a="http://schemas.openxmlformats.org/drawingml/2006/main" xmlns:r="http://schemas.openxmlformats.org/officeDocument/2006/relationships" xmlns:p="http://schemas.openxmlformats.org/presentationml/2006/main" type="tx" showMasterSp="1" showMasterPhAnim="1">
   <p:cSld name="含標題的內容">
     <p:spTree>
       <p:nvGrpSpPr>
@@ -2112,9 +2048,7 @@
       <p:sp>
         <p:nvSpPr>
           <p:cNvPr id="73" name="Body Level One…"/>
-          <p:cNvSpPr txBox="1">
-            <a:spLocks noGrp="1"/>
-          </p:cNvSpPr>
+          <p:cNvSpPr txBox="1"/>
           <p:nvPr>
             <p:ph type="body" sz="half" idx="1"/>
           </p:nvPr>
@@ -2170,6 +2104,7 @@
             </a:lvl5pPr>
           </a:lstStyle>
           <a:p>
+            <a:pPr/>
             <a:r>
               <a:t>Body Level One</a:t>
             </a:r>
@@ -2203,9 +2138,7 @@
       <p:sp>
         <p:nvSpPr>
           <p:cNvPr id="74" name="Title Text"/>
-          <p:cNvSpPr txBox="1">
-            <a:spLocks noGrp="1"/>
-          </p:cNvSpPr>
+          <p:cNvSpPr txBox="1"/>
           <p:nvPr>
             <p:ph type="title"/>
           </p:nvPr>
@@ -2223,10 +2156,11 @@
           <a:bodyPr anchor="b"/>
           <a:lstStyle>
             <a:lvl1pPr algn="l">
-              <a:defRPr sz="3100" b="1"/>
+              <a:defRPr b="1" sz="3100"/>
             </a:lvl1pPr>
           </a:lstStyle>
           <a:p>
+            <a:pPr/>
             <a:r>
               <a:t>Title Text</a:t>
             </a:r>
@@ -2236,9 +2170,7 @@
       <p:sp>
         <p:nvSpPr>
           <p:cNvPr id="75" name="正文级别 1…"/>
-          <p:cNvSpPr txBox="1">
-            <a:spLocks noGrp="1"/>
-          </p:cNvSpPr>
+          <p:cNvSpPr txBox="1"/>
           <p:nvPr>
             <p:ph type="body" idx="13"/>
           </p:nvPr>
@@ -2256,16 +2188,14 @@
           <a:bodyPr/>
           <a:lstStyle/>
           <a:p>
-            <a:endParaRPr/>
+            <a:pPr/>
           </a:p>
         </p:txBody>
       </p:sp>
       <p:sp>
         <p:nvSpPr>
           <p:cNvPr id="76" name="Slide Number"/>
-          <p:cNvSpPr txBox="1">
-            <a:spLocks noGrp="1"/>
-          </p:cNvSpPr>
+          <p:cNvSpPr txBox="1"/>
           <p:nvPr>
             <p:ph type="sldNum" sz="quarter" idx="2"/>
           </p:nvPr>
@@ -2279,10 +2209,8 @@
           <a:bodyPr/>
           <a:lstStyle/>
           <a:p>
-            <a:fld id="{86CB4B4D-7CA3-9044-876B-883B54F8677D}" type="slidenum">
-              <a:t>‹#›</a:t>
-            </a:fld>
-            <a:endParaRPr/>
+            <a:pPr/>
+            <a:fld id="{86CB4B4D-7CA3-9044-876B-883B54F8677D}" type="slidenum"/>
           </a:p>
         </p:txBody>
       </p:sp>
@@ -2291,12 +2219,12 @@
   <p:clrMapOvr>
     <a:masterClrMapping/>
   </p:clrMapOvr>
-  <p:transition spd="med"/>
+  <p:transition xmlns:p14="http://schemas.microsoft.com/office/powerpoint/2010/main" spd="med" advClick="1"/>
 </p:sldLayout>
 </file>
 
 <file path=ppt/slideLayouts/slideLayout9.xml><?xml version="1.0" encoding="utf-8"?>
-<p:sldLayout xmlns:a="http://schemas.openxmlformats.org/drawingml/2006/main" xmlns:r="http://schemas.openxmlformats.org/officeDocument/2006/relationships" xmlns:p="http://schemas.openxmlformats.org/presentationml/2006/main" type="tx">
+<p:sldLayout xmlns:a="http://schemas.openxmlformats.org/drawingml/2006/main" xmlns:r="http://schemas.openxmlformats.org/officeDocument/2006/relationships" xmlns:p="http://schemas.openxmlformats.org/presentationml/2006/main" type="tx" showMasterSp="1" showMasterPhAnim="1">
   <p:cSld name="含標題的圖片">
     <p:spTree>
       <p:nvGrpSpPr>
@@ -2315,9 +2243,7 @@
       <p:sp>
         <p:nvSpPr>
           <p:cNvPr id="83" name="图像"/>
-          <p:cNvSpPr>
-            <a:spLocks noGrp="1"/>
-          </p:cNvSpPr>
+          <p:cNvSpPr/>
           <p:nvPr>
             <p:ph type="pic" sz="half" idx="13"/>
           </p:nvPr>
@@ -2337,16 +2263,14 @@
           </a:bodyPr>
           <a:lstStyle/>
           <a:p>
-            <a:endParaRPr/>
+            <a:pPr/>
           </a:p>
         </p:txBody>
       </p:sp>
       <p:sp>
         <p:nvSpPr>
           <p:cNvPr id="84" name="Title Text"/>
-          <p:cNvSpPr txBox="1">
-            <a:spLocks noGrp="1"/>
-          </p:cNvSpPr>
+          <p:cNvSpPr txBox="1"/>
           <p:nvPr>
             <p:ph type="title"/>
           </p:nvPr>
@@ -2354,7 +2278,7 @@
         <p:spPr>
           <a:xfrm>
             <a:off x="2822854" y="7559833"/>
-            <a:ext cx="8641082" cy="892488"/>
+            <a:ext cx="8641082" cy="892489"/>
           </a:xfrm>
           <a:prstGeom prst="rect">
             <a:avLst/>
@@ -2364,10 +2288,11 @@
           <a:bodyPr anchor="b"/>
           <a:lstStyle>
             <a:lvl1pPr algn="l">
-              <a:defRPr sz="3100" b="1"/>
+              <a:defRPr b="1" sz="3100"/>
             </a:lvl1pPr>
           </a:lstStyle>
           <a:p>
+            <a:pPr/>
             <a:r>
               <a:t>Title Text</a:t>
             </a:r>
@@ -2377,9 +2302,7 @@
       <p:sp>
         <p:nvSpPr>
           <p:cNvPr id="85" name="Body Level One…"/>
-          <p:cNvSpPr txBox="1">
-            <a:spLocks noGrp="1"/>
-          </p:cNvSpPr>
+          <p:cNvSpPr txBox="1"/>
           <p:nvPr>
             <p:ph type="body" sz="quarter" idx="1"/>
           </p:nvPr>
@@ -2387,7 +2310,7 @@
         <p:spPr>
           <a:xfrm>
             <a:off x="2822854" y="8452315"/>
-            <a:ext cx="8641082" cy="1267478"/>
+            <a:ext cx="8641082" cy="1267479"/>
           </a:xfrm>
           <a:prstGeom prst="rect">
             <a:avLst/>
@@ -2443,6 +2366,7 @@
             </a:lvl5pPr>
           </a:lstStyle>
           <a:p>
+            <a:pPr/>
             <a:r>
               <a:t>Body Level One</a:t>
             </a:r>
@@ -2476,9 +2400,7 @@
       <p:sp>
         <p:nvSpPr>
           <p:cNvPr id="86" name="Slide Number"/>
-          <p:cNvSpPr txBox="1">
-            <a:spLocks noGrp="1"/>
-          </p:cNvSpPr>
+          <p:cNvSpPr txBox="1"/>
           <p:nvPr>
             <p:ph type="sldNum" sz="quarter" idx="2"/>
           </p:nvPr>
@@ -2492,10 +2414,8 @@
           <a:bodyPr/>
           <a:lstStyle/>
           <a:p>
-            <a:fld id="{86CB4B4D-7CA3-9044-876B-883B54F8677D}" type="slidenum">
-              <a:t>‹#›</a:t>
-            </a:fld>
-            <a:endParaRPr/>
+            <a:pPr/>
+            <a:fld id="{86CB4B4D-7CA3-9044-876B-883B54F8677D}" type="slidenum"/>
           </a:p>
         </p:txBody>
       </p:sp>
@@ -2504,7 +2424,7 @@
   <p:clrMapOvr>
     <a:masterClrMapping/>
   </p:clrMapOvr>
-  <p:transition spd="med"/>
+  <p:transition xmlns:p14="http://schemas.microsoft.com/office/powerpoint/2010/main" spd="med" advClick="1"/>
 </p:sldLayout>
 </file>
 
@@ -2514,13 +2434,12 @@
     <p:bg>
       <p:bgPr>
         <a:blipFill rotWithShape="1">
-          <a:blip r:embed="rId14"/>
-          <a:srcRect/>
+          <a:blip r:embed="rId2"/>
+          <a:srcRect l="0" t="0" r="0" b="0"/>
           <a:stretch>
             <a:fillRect/>
           </a:stretch>
         </a:blipFill>
-        <a:effectLst/>
       </p:bgPr>
     </p:bg>
     <p:spTree>
@@ -2540,9 +2459,7 @@
       <p:sp>
         <p:nvSpPr>
           <p:cNvPr id="2" name="Title Text"/>
-          <p:cNvSpPr txBox="1">
-            <a:spLocks noGrp="1"/>
-          </p:cNvSpPr>
+          <p:cNvSpPr txBox="1"/>
           <p:nvPr>
             <p:ph type="title"/>
           </p:nvPr>
@@ -2560,16 +2477,17 @@
           </a:ln>
           <a:extLst>
             <a:ext uri="{C572A759-6A51-4108-AA02-DFA0A04FC94B}">
-              <ma14:wrappingTextBoxFlag xmlns="" xmlns:ma14="http://schemas.microsoft.com/office/mac/drawingml/2011/main" val="1"/>
+              <ma14:wrappingTextBoxFlag xmlns:ma14="http://schemas.microsoft.com/office/mac/drawingml/2011/main" val="1"/>
             </a:ext>
           </a:extLst>
         </p:spPr>
         <p:txBody>
           <a:bodyPr lIns="45718" tIns="45718" rIns="45718" bIns="45718" anchor="ctr">
-            <a:normAutofit/>
+            <a:normAutofit fontScale="100000" lnSpcReduction="0"/>
           </a:bodyPr>
           <a:lstStyle/>
           <a:p>
+            <a:pPr/>
             <a:r>
               <a:t>Title Text</a:t>
             </a:r>
@@ -2579,9 +2497,7 @@
       <p:sp>
         <p:nvSpPr>
           <p:cNvPr id="3" name="Body Level One…"/>
-          <p:cNvSpPr txBox="1">
-            <a:spLocks noGrp="1"/>
-          </p:cNvSpPr>
+          <p:cNvSpPr txBox="1"/>
           <p:nvPr>
             <p:ph type="body" idx="1"/>
           </p:nvPr>
@@ -2599,16 +2515,17 @@
           </a:ln>
           <a:extLst>
             <a:ext uri="{C572A759-6A51-4108-AA02-DFA0A04FC94B}">
-              <ma14:wrappingTextBoxFlag xmlns="" xmlns:ma14="http://schemas.microsoft.com/office/mac/drawingml/2011/main" val="1"/>
+              <ma14:wrappingTextBoxFlag xmlns:ma14="http://schemas.microsoft.com/office/mac/drawingml/2011/main" val="1"/>
             </a:ext>
           </a:extLst>
         </p:spPr>
         <p:txBody>
           <a:bodyPr lIns="45718" tIns="45718" rIns="45718" bIns="45718">
-            <a:normAutofit/>
+            <a:normAutofit fontScale="100000" lnSpcReduction="0"/>
           </a:bodyPr>
           <a:lstStyle/>
           <a:p>
+            <a:pPr/>
             <a:r>
               <a:t>Body Level One</a:t>
             </a:r>
@@ -2642,16 +2559,14 @@
       <p:sp>
         <p:nvSpPr>
           <p:cNvPr id="4" name="Slide Number"/>
-          <p:cNvSpPr txBox="1">
-            <a:spLocks noGrp="1"/>
-          </p:cNvSpPr>
+          <p:cNvSpPr txBox="1"/>
           <p:nvPr>
             <p:ph type="sldNum" sz="quarter" idx="2"/>
           </p:nvPr>
         </p:nvSpPr>
         <p:spPr>
           <a:xfrm>
-            <a:off x="13337812" y="10118205"/>
+            <a:off x="13337813" y="10118205"/>
             <a:ext cx="343899" cy="358137"/>
           </a:xfrm>
           <a:prstGeom prst="rect">
@@ -2679,10 +2594,8 @@
             </a:lvl1pPr>
           </a:lstStyle>
           <a:p>
-            <a:fld id="{86CB4B4D-7CA3-9044-876B-883B54F8677D}" type="slidenum">
-              <a:t>‹#›</a:t>
-            </a:fld>
-            <a:endParaRPr/>
+            <a:pPr/>
+            <a:fld id="{86CB4B4D-7CA3-9044-876B-883B54F8677D}" type="slidenum"/>
           </a:p>
         </p:txBody>
       </p:sp>
@@ -2690,20 +2603,20 @@
   </p:cSld>
   <p:clrMap bg1="lt1" tx1="dk1" bg2="lt2" tx2="dk2" accent1="accent1" accent2="accent2" accent3="accent3" accent4="accent4" accent5="accent5" accent6="accent6" hlink="hlink" folHlink="folHlink"/>
   <p:sldLayoutIdLst>
-    <p:sldLayoutId id="2147483649" r:id="rId1"/>
-    <p:sldLayoutId id="2147483650" r:id="rId2"/>
-    <p:sldLayoutId id="2147483651" r:id="rId3"/>
-    <p:sldLayoutId id="2147483652" r:id="rId4"/>
-    <p:sldLayoutId id="2147483653" r:id="rId5"/>
-    <p:sldLayoutId id="2147483654" r:id="rId6"/>
-    <p:sldLayoutId id="2147483655" r:id="rId7"/>
-    <p:sldLayoutId id="2147483656" r:id="rId8"/>
-    <p:sldLayoutId id="2147483657" r:id="rId9"/>
-    <p:sldLayoutId id="2147483658" r:id="rId10"/>
-    <p:sldLayoutId id="2147483659" r:id="rId11"/>
-    <p:sldLayoutId id="2147483660" r:id="rId12"/>
+    <p:sldLayoutId id="2147483649" r:id="rId3"/>
+    <p:sldLayoutId id="2147483650" r:id="rId4"/>
+    <p:sldLayoutId id="2147483651" r:id="rId5"/>
+    <p:sldLayoutId id="2147483652" r:id="rId6"/>
+    <p:sldLayoutId id="2147483653" r:id="rId7"/>
+    <p:sldLayoutId id="2147483654" r:id="rId8"/>
+    <p:sldLayoutId id="2147483655" r:id="rId9"/>
+    <p:sldLayoutId id="2147483656" r:id="rId10"/>
+    <p:sldLayoutId id="2147483657" r:id="rId11"/>
+    <p:sldLayoutId id="2147483658" r:id="rId12"/>
+    <p:sldLayoutId id="2147483659" r:id="rId13"/>
+    <p:sldLayoutId id="2147483660" r:id="rId14"/>
   </p:sldLayoutIdLst>
-  <p:transition spd="med"/>
+  <p:transition xmlns:p14="http://schemas.microsoft.com/office/powerpoint/2010/main" spd="med" advClick="1"/>
   <p:txStyles>
     <p:titleStyle>
       <a:lvl1pPr marL="0" marR="0" indent="0" algn="ctr" defTabSz="1439996" rtl="0" latinLnBrk="0">
@@ -2721,7 +2634,7 @@
         <a:buFontTx/>
         <a:buNone/>
         <a:tabLst/>
-        <a:defRPr sz="6900" b="0" i="0" u="none" strike="noStrike" cap="none" spc="0" baseline="0">
+        <a:defRPr b="0" baseline="0" cap="none" i="0" spc="0" strike="noStrike" sz="6900" u="none">
           <a:ln>
             <a:noFill/>
           </a:ln>
@@ -2750,7 +2663,7 @@
         <a:buFontTx/>
         <a:buNone/>
         <a:tabLst/>
-        <a:defRPr sz="6900" b="0" i="0" u="none" strike="noStrike" cap="none" spc="0" baseline="0">
+        <a:defRPr b="0" baseline="0" cap="none" i="0" spc="0" strike="noStrike" sz="6900" u="none">
           <a:ln>
             <a:noFill/>
           </a:ln>
@@ -2779,7 +2692,7 @@
         <a:buFontTx/>
         <a:buNone/>
         <a:tabLst/>
-        <a:defRPr sz="6900" b="0" i="0" u="none" strike="noStrike" cap="none" spc="0" baseline="0">
+        <a:defRPr b="0" baseline="0" cap="none" i="0" spc="0" strike="noStrike" sz="6900" u="none">
           <a:ln>
             <a:noFill/>
           </a:ln>
@@ -2808,7 +2721,7 @@
         <a:buFontTx/>
         <a:buNone/>
         <a:tabLst/>
-        <a:defRPr sz="6900" b="0" i="0" u="none" strike="noStrike" cap="none" spc="0" baseline="0">
+        <a:defRPr b="0" baseline="0" cap="none" i="0" spc="0" strike="noStrike" sz="6900" u="none">
           <a:ln>
             <a:noFill/>
           </a:ln>
@@ -2837,7 +2750,7 @@
         <a:buFontTx/>
         <a:buNone/>
         <a:tabLst/>
-        <a:defRPr sz="6900" b="0" i="0" u="none" strike="noStrike" cap="none" spc="0" baseline="0">
+        <a:defRPr b="0" baseline="0" cap="none" i="0" spc="0" strike="noStrike" sz="6900" u="none">
           <a:ln>
             <a:noFill/>
           </a:ln>
@@ -2866,7 +2779,7 @@
         <a:buFontTx/>
         <a:buNone/>
         <a:tabLst/>
-        <a:defRPr sz="6900" b="0" i="0" u="none" strike="noStrike" cap="none" spc="0" baseline="0">
+        <a:defRPr b="0" baseline="0" cap="none" i="0" spc="0" strike="noStrike" sz="6900" u="none">
           <a:ln>
             <a:noFill/>
           </a:ln>
@@ -2895,7 +2808,7 @@
         <a:buFontTx/>
         <a:buNone/>
         <a:tabLst/>
-        <a:defRPr sz="6900" b="0" i="0" u="none" strike="noStrike" cap="none" spc="0" baseline="0">
+        <a:defRPr b="0" baseline="0" cap="none" i="0" spc="0" strike="noStrike" sz="6900" u="none">
           <a:ln>
             <a:noFill/>
           </a:ln>
@@ -2924,7 +2837,7 @@
         <a:buFontTx/>
         <a:buNone/>
         <a:tabLst/>
-        <a:defRPr sz="6900" b="0" i="0" u="none" strike="noStrike" cap="none" spc="0" baseline="0">
+        <a:defRPr b="0" baseline="0" cap="none" i="0" spc="0" strike="noStrike" sz="6900" u="none">
           <a:ln>
             <a:noFill/>
           </a:ln>
@@ -2953,7 +2866,7 @@
         <a:buFontTx/>
         <a:buNone/>
         <a:tabLst/>
-        <a:defRPr sz="6900" b="0" i="0" u="none" strike="noStrike" cap="none" spc="0" baseline="0">
+        <a:defRPr b="0" baseline="0" cap="none" i="0" spc="0" strike="noStrike" sz="6900" u="none">
           <a:ln>
             <a:noFill/>
           </a:ln>
@@ -2984,7 +2897,7 @@
         <a:buFont typeface="Arial"/>
         <a:buChar char="•"/>
         <a:tabLst/>
-        <a:defRPr sz="5000" b="0" i="0" u="none" strike="noStrike" cap="none" spc="0" baseline="0">
+        <a:defRPr b="0" baseline="0" cap="none" i="0" spc="0" strike="noStrike" sz="5000" u="none">
           <a:ln>
             <a:noFill/>
           </a:ln>
@@ -3013,7 +2926,7 @@
         <a:buFont typeface="Arial"/>
         <a:buChar char="–"/>
         <a:tabLst/>
-        <a:defRPr sz="5000" b="0" i="0" u="none" strike="noStrike" cap="none" spc="0" baseline="0">
+        <a:defRPr b="0" baseline="0" cap="none" i="0" spc="0" strike="noStrike" sz="5000" u="none">
           <a:ln>
             <a:noFill/>
           </a:ln>
@@ -3042,7 +2955,7 @@
         <a:buFont typeface="Arial"/>
         <a:buChar char="•"/>
         <a:tabLst/>
-        <a:defRPr sz="5000" b="0" i="0" u="none" strike="noStrike" cap="none" spc="0" baseline="0">
+        <a:defRPr b="0" baseline="0" cap="none" i="0" spc="0" strike="noStrike" sz="5000" u="none">
           <a:ln>
             <a:noFill/>
           </a:ln>
@@ -3071,7 +2984,7 @@
         <a:buFont typeface="Arial"/>
         <a:buChar char="–"/>
         <a:tabLst/>
-        <a:defRPr sz="5000" b="0" i="0" u="none" strike="noStrike" cap="none" spc="0" baseline="0">
+        <a:defRPr b="0" baseline="0" cap="none" i="0" spc="0" strike="noStrike" sz="5000" u="none">
           <a:ln>
             <a:noFill/>
           </a:ln>
@@ -3100,7 +3013,7 @@
         <a:buFont typeface="Arial"/>
         <a:buChar char="»"/>
         <a:tabLst/>
-        <a:defRPr sz="5000" b="0" i="0" u="none" strike="noStrike" cap="none" spc="0" baseline="0">
+        <a:defRPr b="0" baseline="0" cap="none" i="0" spc="0" strike="noStrike" sz="5000" u="none">
           <a:ln>
             <a:noFill/>
           </a:ln>
@@ -3129,7 +3042,7 @@
         <a:buFont typeface="Arial"/>
         <a:buChar char="•"/>
         <a:tabLst/>
-        <a:defRPr sz="5000" b="0" i="0" u="none" strike="noStrike" cap="none" spc="0" baseline="0">
+        <a:defRPr b="0" baseline="0" cap="none" i="0" spc="0" strike="noStrike" sz="5000" u="none">
           <a:ln>
             <a:noFill/>
           </a:ln>
@@ -3158,7 +3071,7 @@
         <a:buFont typeface="Arial"/>
         <a:buChar char="•"/>
         <a:tabLst/>
-        <a:defRPr sz="5000" b="0" i="0" u="none" strike="noStrike" cap="none" spc="0" baseline="0">
+        <a:defRPr b="0" baseline="0" cap="none" i="0" spc="0" strike="noStrike" sz="5000" u="none">
           <a:ln>
             <a:noFill/>
           </a:ln>
@@ -3187,7 +3100,7 @@
         <a:buFont typeface="Arial"/>
         <a:buChar char="•"/>
         <a:tabLst/>
-        <a:defRPr sz="5000" b="0" i="0" u="none" strike="noStrike" cap="none" spc="0" baseline="0">
+        <a:defRPr b="0" baseline="0" cap="none" i="0" spc="0" strike="noStrike" sz="5000" u="none">
           <a:ln>
             <a:noFill/>
           </a:ln>
@@ -3216,7 +3129,7 @@
         <a:buFont typeface="Arial"/>
         <a:buChar char="•"/>
         <a:tabLst/>
-        <a:defRPr sz="5000" b="0" i="0" u="none" strike="noStrike" cap="none" spc="0" baseline="0">
+        <a:defRPr b="0" baseline="0" cap="none" i="0" spc="0" strike="noStrike" sz="5000" u="none">
           <a:ln>
             <a:noFill/>
           </a:ln>
@@ -3247,7 +3160,7 @@
         <a:buFontTx/>
         <a:buNone/>
         <a:tabLst/>
-        <a:defRPr sz="1800" b="0" i="0" u="none" strike="noStrike" cap="none" spc="0" baseline="0">
+        <a:defRPr b="0" baseline="0" cap="none" i="0" spc="0" strike="noStrike" sz="1800" u="none">
           <a:ln>
             <a:noFill/>
           </a:ln>
@@ -3276,7 +3189,7 @@
         <a:buFontTx/>
         <a:buNone/>
         <a:tabLst/>
-        <a:defRPr sz="1800" b="0" i="0" u="none" strike="noStrike" cap="none" spc="0" baseline="0">
+        <a:defRPr b="0" baseline="0" cap="none" i="0" spc="0" strike="noStrike" sz="1800" u="none">
           <a:ln>
             <a:noFill/>
           </a:ln>
@@ -3305,7 +3218,7 @@
         <a:buFontTx/>
         <a:buNone/>
         <a:tabLst/>
-        <a:defRPr sz="1800" b="0" i="0" u="none" strike="noStrike" cap="none" spc="0" baseline="0">
+        <a:defRPr b="0" baseline="0" cap="none" i="0" spc="0" strike="noStrike" sz="1800" u="none">
           <a:ln>
             <a:noFill/>
           </a:ln>
@@ -3334,7 +3247,7 @@
         <a:buFontTx/>
         <a:buNone/>
         <a:tabLst/>
-        <a:defRPr sz="1800" b="0" i="0" u="none" strike="noStrike" cap="none" spc="0" baseline="0">
+        <a:defRPr b="0" baseline="0" cap="none" i="0" spc="0" strike="noStrike" sz="1800" u="none">
           <a:ln>
             <a:noFill/>
           </a:ln>
@@ -3363,7 +3276,7 @@
         <a:buFontTx/>
         <a:buNone/>
         <a:tabLst/>
-        <a:defRPr sz="1800" b="0" i="0" u="none" strike="noStrike" cap="none" spc="0" baseline="0">
+        <a:defRPr b="0" baseline="0" cap="none" i="0" spc="0" strike="noStrike" sz="1800" u="none">
           <a:ln>
             <a:noFill/>
           </a:ln>
@@ -3392,7 +3305,7 @@
         <a:buFontTx/>
         <a:buNone/>
         <a:tabLst/>
-        <a:defRPr sz="1800" b="0" i="0" u="none" strike="noStrike" cap="none" spc="0" baseline="0">
+        <a:defRPr b="0" baseline="0" cap="none" i="0" spc="0" strike="noStrike" sz="1800" u="none">
           <a:ln>
             <a:noFill/>
           </a:ln>
@@ -3421,7 +3334,7 @@
         <a:buFontTx/>
         <a:buNone/>
         <a:tabLst/>
-        <a:defRPr sz="1800" b="0" i="0" u="none" strike="noStrike" cap="none" spc="0" baseline="0">
+        <a:defRPr b="0" baseline="0" cap="none" i="0" spc="0" strike="noStrike" sz="1800" u="none">
           <a:ln>
             <a:noFill/>
           </a:ln>
@@ -3450,7 +3363,7 @@
         <a:buFontTx/>
         <a:buNone/>
         <a:tabLst/>
-        <a:defRPr sz="1800" b="0" i="0" u="none" strike="noStrike" cap="none" spc="0" baseline="0">
+        <a:defRPr b="0" baseline="0" cap="none" i="0" spc="0" strike="noStrike" sz="1800" u="none">
           <a:ln>
             <a:noFill/>
           </a:ln>
@@ -3479,7 +3392,7 @@
         <a:buFontTx/>
         <a:buNone/>
         <a:tabLst/>
-        <a:defRPr sz="1800" b="0" i="0" u="none" strike="noStrike" cap="none" spc="0" baseline="0">
+        <a:defRPr b="0" baseline="0" cap="none" i="0" spc="0" strike="noStrike" sz="1800" u="none">
           <a:ln>
             <a:noFill/>
           </a:ln>
@@ -3499,14 +3412,13 @@
 </file>
 
 <file path=ppt/slides/slide1.xml><?xml version="1.0" encoding="utf-8"?>
-<p:sld xmlns:a="http://schemas.openxmlformats.org/drawingml/2006/main" xmlns:r="http://schemas.openxmlformats.org/officeDocument/2006/relationships" xmlns:p="http://schemas.openxmlformats.org/presentationml/2006/main">
+<p:sld xmlns:a="http://schemas.openxmlformats.org/drawingml/2006/main" xmlns:r="http://schemas.openxmlformats.org/officeDocument/2006/relationships" xmlns:p="http://schemas.openxmlformats.org/presentationml/2006/main" showMasterSp="1" showMasterPhAnim="1">
   <p:cSld>
     <p:bg>
       <p:bgPr>
         <a:solidFill>
           <a:srgbClr val="739A98"/>
         </a:solidFill>
-        <a:effectLst/>
       </p:bgPr>
     </p:bg>
     <p:spTree>
@@ -3531,7 +3443,7 @@
         </p:nvSpPr>
         <p:spPr>
           <a:xfrm>
-            <a:off x="6590031" y="5853508"/>
+            <a:off x="6590031" y="5853507"/>
             <a:ext cx="1221737" cy="878837"/>
           </a:xfrm>
           <a:prstGeom prst="rect">
@@ -3542,7 +3454,7 @@
           </a:ln>
           <a:extLst>
             <a:ext uri="{C572A759-6A51-4108-AA02-DFA0A04FC94B}">
-              <ma14:wrappingTextBoxFlag xmlns="" xmlns:ma14="http://schemas.microsoft.com/office/mac/drawingml/2011/main" val="1"/>
+              <ma14:wrappingTextBoxFlag xmlns:ma14="http://schemas.microsoft.com/office/mac/drawingml/2011/main" val="1"/>
             </a:ext>
           </a:extLst>
         </p:spPr>
@@ -3564,6 +3476,7 @@
             </a:lvl1pPr>
           </a:lstStyle>
           <a:p>
+            <a:pPr/>
             <a:r>
               <a:t>三毛</a:t>
             </a:r>
@@ -3589,7 +3502,7 @@
           </a:ln>
           <a:extLst>
             <a:ext uri="{C572A759-6A51-4108-AA02-DFA0A04FC94B}">
-              <ma14:wrappingTextBoxFlag xmlns="" xmlns:ma14="http://schemas.microsoft.com/office/mac/drawingml/2011/main" val="1"/>
+              <ma14:wrappingTextBoxFlag xmlns:ma14="http://schemas.microsoft.com/office/mac/drawingml/2011/main" val="1"/>
             </a:ext>
           </a:extLst>
         </p:spPr>
@@ -3611,6 +3524,7 @@
             </a:lvl1pPr>
           </a:lstStyle>
           <a:p>
+            <a:pPr/>
             <a:r>
               <a:t>TypeScript（二）</a:t>
             </a:r>
@@ -3622,19 +3536,18 @@
   <p:clrMapOvr>
     <a:masterClrMapping/>
   </p:clrMapOvr>
-  <p:transition spd="med"/>
+  <p:transition xmlns:p14="http://schemas.microsoft.com/office/powerpoint/2010/main" spd="med" advClick="1"/>
 </p:sld>
 </file>
 
 <file path=ppt/slides/slide10.xml><?xml version="1.0" encoding="utf-8"?>
-<p:sld xmlns:a="http://schemas.openxmlformats.org/drawingml/2006/main" xmlns:r="http://schemas.openxmlformats.org/officeDocument/2006/relationships" xmlns:p="http://schemas.openxmlformats.org/presentationml/2006/main">
+<p:sld xmlns:a="http://schemas.openxmlformats.org/drawingml/2006/main" xmlns:r="http://schemas.openxmlformats.org/officeDocument/2006/relationships" xmlns:p="http://schemas.openxmlformats.org/presentationml/2006/main" showMasterSp="1" showMasterPhAnim="1">
   <p:cSld>
     <p:bg>
       <p:bgPr>
         <a:solidFill>
           <a:srgbClr val="739A98"/>
         </a:solidFill>
-        <a:effectLst/>
       </p:bgPr>
     </p:bg>
     <p:spTree>
@@ -3653,14 +3566,14 @@
       </p:grpSpPr>
       <p:sp>
         <p:nvSpPr>
-          <p:cNvPr id="160" name="可选参数与 undefined"/>
+          <p:cNvPr id="159" name="可选参数与 undefined"/>
           <p:cNvSpPr txBox="1"/>
           <p:nvPr/>
         </p:nvSpPr>
         <p:spPr>
           <a:xfrm>
-            <a:off x="4762177" y="1117600"/>
-            <a:ext cx="4877446" cy="736601"/>
+            <a:off x="4762177" y="1117599"/>
+            <a:ext cx="4877447" cy="736601"/>
           </a:xfrm>
           <a:prstGeom prst="rect">
             <a:avLst/>
@@ -3670,7 +3583,7 @@
           </a:ln>
           <a:extLst>
             <a:ext uri="{C572A759-6A51-4108-AA02-DFA0A04FC94B}">
-              <ma14:wrappingTextBoxFlag xmlns="" xmlns:ma14="http://schemas.microsoft.com/office/mac/drawingml/2011/main" val="1"/>
+              <ma14:wrappingTextBoxFlag xmlns:ma14="http://schemas.microsoft.com/office/mac/drawingml/2011/main" val="1"/>
             </a:ext>
           </a:extLst>
         </p:spPr>
@@ -3684,10 +3597,15 @@
                 <a:solidFill>
                   <a:srgbClr val="FFFFFF"/>
                 </a:solidFill>
+                <a:latin typeface="+mj-lt"/>
+                <a:ea typeface="+mj-ea"/>
+                <a:cs typeface="+mj-cs"/>
+                <a:sym typeface="Lucida Grande"/>
               </a:defRPr>
             </a:lvl1pPr>
           </a:lstStyle>
           <a:p>
+            <a:pPr/>
             <a:r>
               <a:t>可选参数与 undefined</a:t>
             </a:r>
@@ -3696,7 +3614,7 @@
       </p:sp>
       <p:pic>
         <p:nvPicPr>
-          <p:cNvPr id="161" name="Screen Shot 2018-05-06 at 11.20.45 AM.png" descr="Screen Shot 2018-05-06 at 11.20.45 AM.png"/>
+          <p:cNvPr id="160" name="Screen Shot 2018-05-06 at 11.20.45 AM.png" descr="Screen Shot 2018-05-06 at 11.20.45 AM.png"/>
           <p:cNvPicPr>
             <a:picLocks noChangeAspect="1"/>
           </p:cNvPicPr>
@@ -3712,8 +3630,8 @@
         </p:blipFill>
         <p:spPr>
           <a:xfrm>
-            <a:off x="1900336" y="3795762"/>
-            <a:ext cx="3873501" cy="1955801"/>
+            <a:off x="1900335" y="3795762"/>
+            <a:ext cx="3873503" cy="1955802"/>
           </a:xfrm>
           <a:prstGeom prst="rect">
             <a:avLst/>
@@ -3725,7 +3643,7 @@
       </p:pic>
       <p:pic>
         <p:nvPicPr>
-          <p:cNvPr id="162" name="Screen Shot 2018-05-06 at 11.20.59 AM.png" descr="Screen Shot 2018-05-06 at 11.20.59 AM.png"/>
+          <p:cNvPr id="161" name="Screen Shot 2018-05-06 at 11.20.59 AM.png" descr="Screen Shot 2018-05-06 at 11.20.59 AM.png"/>
           <p:cNvPicPr>
             <a:picLocks noChangeAspect="1"/>
           </p:cNvPicPr>
@@ -3742,7 +3660,7 @@
         <p:spPr>
           <a:xfrm>
             <a:off x="8154243" y="3694162"/>
-            <a:ext cx="4025901" cy="2159001"/>
+            <a:ext cx="4025902" cy="2159002"/>
           </a:xfrm>
           <a:prstGeom prst="rect">
             <a:avLst/>
@@ -3757,13 +3675,13 @@
   <p:clrMapOvr>
     <a:masterClrMapping/>
   </p:clrMapOvr>
-  <mc:AlternateContent xmlns:mc="http://schemas.openxmlformats.org/markup-compatibility/2006" xmlns:p14="http://schemas.microsoft.com/office/powerpoint/2010/main">
-    <mc:Choice Requires="p14">
-      <p:transition spd="slow" p14:dur="1500">
+  <mc:AlternateContent xmlns:mc="http://schemas.openxmlformats.org/markup-compatibility/2006">
+    <mc:Choice xmlns:p14="http://schemas.microsoft.com/office/powerpoint/2010/main" Requires="p14">
+      <p:transition spd="slow" advClick="1" p14:dur="1200">
         <p:dissolve/>
       </p:transition>
     </mc:Choice>
-    <mc:Fallback xmlns="">
+    <mc:Fallback>
       <p:transition spd="slow">
         <p:fade/>
       </p:transition>
@@ -3773,14 +3691,13 @@
 </file>
 
 <file path=ppt/slides/slide11.xml><?xml version="1.0" encoding="utf-8"?>
-<p:sld xmlns:a="http://schemas.openxmlformats.org/drawingml/2006/main" xmlns:r="http://schemas.openxmlformats.org/officeDocument/2006/relationships" xmlns:p="http://schemas.openxmlformats.org/presentationml/2006/main">
+<p:sld xmlns:a="http://schemas.openxmlformats.org/drawingml/2006/main" xmlns:r="http://schemas.openxmlformats.org/officeDocument/2006/relationships" xmlns:p="http://schemas.openxmlformats.org/presentationml/2006/main" showMasterSp="1" showMasterPhAnim="1">
   <p:cSld>
     <p:bg>
       <p:bgPr>
         <a:solidFill>
           <a:srgbClr val="739A98"/>
         </a:solidFill>
-        <a:effectLst/>
       </p:bgPr>
     </p:bg>
     <p:spTree>
@@ -3799,14 +3716,14 @@
       </p:grpSpPr>
       <p:sp>
         <p:nvSpPr>
-          <p:cNvPr id="164" name="接口（定义契约）"/>
+          <p:cNvPr id="163" name="接口（定义契约）"/>
           <p:cNvSpPr txBox="1"/>
           <p:nvPr/>
         </p:nvSpPr>
         <p:spPr>
           <a:xfrm>
-            <a:off x="1190748" y="330200"/>
-            <a:ext cx="4877446" cy="736601"/>
+            <a:off x="1190747" y="330199"/>
+            <a:ext cx="4877447" cy="736601"/>
           </a:xfrm>
           <a:prstGeom prst="rect">
             <a:avLst/>
@@ -3816,7 +3733,7 @@
           </a:ln>
           <a:extLst>
             <a:ext uri="{C572A759-6A51-4108-AA02-DFA0A04FC94B}">
-              <ma14:wrappingTextBoxFlag xmlns="" xmlns:ma14="http://schemas.microsoft.com/office/mac/drawingml/2011/main" val="1"/>
+              <ma14:wrappingTextBoxFlag xmlns:ma14="http://schemas.microsoft.com/office/mac/drawingml/2011/main" val="1"/>
             </a:ext>
           </a:extLst>
         </p:spPr>
@@ -3832,10 +3749,15 @@
                 <a:solidFill>
                   <a:srgbClr val="FFFFFF"/>
                 </a:solidFill>
+                <a:latin typeface="+mj-lt"/>
+                <a:ea typeface="+mj-ea"/>
+                <a:cs typeface="+mj-cs"/>
+                <a:sym typeface="Lucida Grande"/>
               </a:defRPr>
             </a:lvl1pPr>
           </a:lstStyle>
           <a:p>
+            <a:pPr/>
             <a:r>
               <a:t>接口（定义契约）</a:t>
             </a:r>
@@ -3844,7 +3766,7 @@
       </p:sp>
       <p:pic>
         <p:nvPicPr>
-          <p:cNvPr id="165" name="Screen Shot 2018-05-06 at 9.21.56 AM.png" descr="Screen Shot 2018-05-06 at 9.21.56 AM.png"/>
+          <p:cNvPr id="164" name="Screen Shot 2018-05-06 at 9.21.56 AM.png" descr="Screen Shot 2018-05-06 at 9.21.56 AM.png"/>
           <p:cNvPicPr>
             <a:picLocks noChangeAspect="1"/>
           </p:cNvPicPr>
@@ -3860,8 +3782,8 @@
         </p:blipFill>
         <p:spPr>
           <a:xfrm>
-            <a:off x="3083227" y="2860310"/>
-            <a:ext cx="2773908" cy="1859268"/>
+            <a:off x="3083226" y="2860309"/>
+            <a:ext cx="2773909" cy="1859269"/>
           </a:xfrm>
           <a:prstGeom prst="rect">
             <a:avLst/>
@@ -3873,7 +3795,7 @@
       </p:pic>
       <p:pic>
         <p:nvPicPr>
-          <p:cNvPr id="166" name="Screen Shot 2018-05-06 at 9.31.24 AM.png" descr="Screen Shot 2018-05-06 at 9.31.24 AM.png"/>
+          <p:cNvPr id="165" name="Screen Shot 2018-05-06 at 9.31.24 AM.png" descr="Screen Shot 2018-05-06 at 9.31.24 AM.png"/>
           <p:cNvPicPr>
             <a:picLocks noChangeAspect="1"/>
           </p:cNvPicPr>
@@ -3889,8 +3811,8 @@
         </p:blipFill>
         <p:spPr>
           <a:xfrm>
-            <a:off x="365132" y="6474189"/>
-            <a:ext cx="2413001" cy="1663701"/>
+            <a:off x="365132" y="6474188"/>
+            <a:ext cx="2413001" cy="1663702"/>
           </a:xfrm>
           <a:prstGeom prst="rect">
             <a:avLst/>
@@ -3902,14 +3824,14 @@
       </p:pic>
       <p:sp>
         <p:nvSpPr>
-          <p:cNvPr id="167" name="Line"/>
+          <p:cNvPr id="166" name="Line"/>
           <p:cNvSpPr/>
           <p:nvPr/>
         </p:nvSpPr>
         <p:spPr>
           <a:xfrm flipH="1">
             <a:off x="2747870" y="5256695"/>
-            <a:ext cx="715749" cy="1000906"/>
+            <a:ext cx="715750" cy="1000906"/>
           </a:xfrm>
           <a:prstGeom prst="line">
             <a:avLst/>
@@ -3921,7 +3843,7 @@
             <a:tailEnd type="triangle"/>
           </a:ln>
           <a:effectLst>
-            <a:outerShdw blurRad="38100" dist="23000" dir="5400000" rotWithShape="0">
+            <a:outerShdw sx="100000" sy="100000" kx="0" ky="0" algn="b" rotWithShape="0" blurRad="38100" dist="23000" dir="5400000">
               <a:srgbClr val="000000">
                 <a:alpha val="35000"/>
               </a:srgbClr>
@@ -3932,20 +3854,20 @@
           <a:bodyPr lIns="45718" tIns="45718" rIns="45718" bIns="45718"/>
           <a:lstStyle/>
           <a:p>
-            <a:endParaRPr/>
+            <a:pPr/>
           </a:p>
         </p:txBody>
       </p:sp>
       <p:sp>
         <p:nvSpPr>
-          <p:cNvPr id="168" name="Line"/>
+          <p:cNvPr id="167" name="Line"/>
           <p:cNvSpPr/>
           <p:nvPr/>
         </p:nvSpPr>
         <p:spPr>
           <a:xfrm>
-            <a:off x="4470180" y="5257403"/>
-            <a:ext cx="1" cy="992102"/>
+            <a:off x="4470179" y="5257403"/>
+            <a:ext cx="2" cy="992103"/>
           </a:xfrm>
           <a:prstGeom prst="line">
             <a:avLst/>
@@ -3957,7 +3879,7 @@
             <a:tailEnd type="triangle"/>
           </a:ln>
           <a:effectLst>
-            <a:outerShdw blurRad="38100" dist="23000" dir="5400000" rotWithShape="0">
+            <a:outerShdw sx="100000" sy="100000" kx="0" ky="0" algn="b" rotWithShape="0" blurRad="38100" dist="23000" dir="5400000">
               <a:srgbClr val="000000">
                 <a:alpha val="35000"/>
               </a:srgbClr>
@@ -3968,13 +3890,13 @@
           <a:bodyPr lIns="45718" tIns="45718" rIns="45718" bIns="45718"/>
           <a:lstStyle/>
           <a:p>
-            <a:endParaRPr/>
+            <a:pPr/>
           </a:p>
         </p:txBody>
       </p:sp>
       <p:pic>
         <p:nvPicPr>
-          <p:cNvPr id="169" name="Screen Shot 2018-05-06 at 9.39.08 AM.png" descr="Screen Shot 2018-05-06 at 9.39.08 AM.png"/>
+          <p:cNvPr id="168" name="Screen Shot 2018-05-06 at 9.39.08 AM.png" descr="Screen Shot 2018-05-06 at 9.39.08 AM.png"/>
           <p:cNvPicPr>
             <a:picLocks noChangeAspect="1"/>
           </p:cNvPicPr>
@@ -3990,8 +3912,8 @@
         </p:blipFill>
         <p:spPr>
           <a:xfrm>
-            <a:off x="3485095" y="6513087"/>
-            <a:ext cx="1970172" cy="1663701"/>
+            <a:off x="3485095" y="6513086"/>
+            <a:ext cx="1970173" cy="1663702"/>
           </a:xfrm>
           <a:prstGeom prst="rect">
             <a:avLst/>
@@ -4003,7 +3925,7 @@
       </p:pic>
       <p:pic>
         <p:nvPicPr>
-          <p:cNvPr id="170" name="Screen Shot 2018-05-06 at 10.21.53 AM.png" descr="Screen Shot 2018-05-06 at 10.21.53 AM.png"/>
+          <p:cNvPr id="169" name="Screen Shot 2018-05-06 at 10.21.53 AM.png" descr="Screen Shot 2018-05-06 at 10.21.53 AM.png"/>
           <p:cNvPicPr>
             <a:picLocks noChangeAspect="1"/>
           </p:cNvPicPr>
@@ -4020,7 +3942,7 @@
         <p:spPr>
           <a:xfrm>
             <a:off x="8549977" y="3085094"/>
-            <a:ext cx="4572001" cy="1409701"/>
+            <a:ext cx="4572002" cy="1409702"/>
           </a:xfrm>
           <a:prstGeom prst="rect">
             <a:avLst/>
@@ -4032,14 +3954,14 @@
       </p:pic>
       <p:sp>
         <p:nvSpPr>
-          <p:cNvPr id="171" name="Line"/>
+          <p:cNvPr id="170" name="Line"/>
           <p:cNvSpPr/>
           <p:nvPr/>
         </p:nvSpPr>
         <p:spPr>
           <a:xfrm>
-            <a:off x="6312119" y="3789943"/>
-            <a:ext cx="1777562" cy="1"/>
+            <a:off x="6312118" y="3789943"/>
+            <a:ext cx="1777563" cy="2"/>
           </a:xfrm>
           <a:prstGeom prst="line">
             <a:avLst/>
@@ -4051,7 +3973,7 @@
             <a:tailEnd type="triangle"/>
           </a:ln>
           <a:effectLst>
-            <a:outerShdw blurRad="38100" dist="23000" dir="5400000" rotWithShape="0">
+            <a:outerShdw sx="100000" sy="100000" kx="0" ky="0" algn="b" rotWithShape="0" blurRad="38100" dist="23000" dir="5400000">
               <a:srgbClr val="000000">
                 <a:alpha val="35000"/>
               </a:srgbClr>
@@ -4062,13 +3984,13 @@
           <a:bodyPr lIns="45718" tIns="45718" rIns="45718" bIns="45718"/>
           <a:lstStyle/>
           <a:p>
-            <a:endParaRPr/>
+            <a:pPr/>
           </a:p>
         </p:txBody>
       </p:sp>
       <p:pic>
         <p:nvPicPr>
-          <p:cNvPr id="172" name="Screen Shot 2018-05-06 at 10.35.26 AM.png" descr="Screen Shot 2018-05-06 at 10.35.26 AM.png"/>
+          <p:cNvPr id="171" name="Screen Shot 2018-05-06 at 10.35.26 AM.png" descr="Screen Shot 2018-05-06 at 10.35.26 AM.png"/>
           <p:cNvPicPr>
             <a:picLocks noChangeAspect="1"/>
           </p:cNvPicPr>
@@ -4085,7 +4007,7 @@
         <p:spPr>
           <a:xfrm>
             <a:off x="6408737" y="6563090"/>
-            <a:ext cx="3822701" cy="1485901"/>
+            <a:ext cx="3822702" cy="1485902"/>
           </a:xfrm>
           <a:prstGeom prst="rect">
             <a:avLst/>
@@ -4097,14 +4019,14 @@
       </p:pic>
       <p:sp>
         <p:nvSpPr>
-          <p:cNvPr id="173" name="Line"/>
+          <p:cNvPr id="172" name="Line"/>
           <p:cNvSpPr/>
           <p:nvPr/>
         </p:nvSpPr>
         <p:spPr>
           <a:xfrm>
             <a:off x="5604073" y="5267645"/>
-            <a:ext cx="791242" cy="984140"/>
+            <a:ext cx="791243" cy="984141"/>
           </a:xfrm>
           <a:prstGeom prst="line">
             <a:avLst/>
@@ -4116,7 +4038,7 @@
             <a:tailEnd type="triangle"/>
           </a:ln>
           <a:effectLst>
-            <a:outerShdw blurRad="38100" dist="23000" dir="5400000" rotWithShape="0">
+            <a:outerShdw sx="100000" sy="100000" kx="0" ky="0" algn="b" rotWithShape="0" blurRad="38100" dist="23000" dir="5400000">
               <a:srgbClr val="000000">
                 <a:alpha val="35000"/>
               </a:srgbClr>
@@ -4127,7 +4049,7 @@
           <a:bodyPr lIns="45718" tIns="45718" rIns="45718" bIns="45718"/>
           <a:lstStyle/>
           <a:p>
-            <a:endParaRPr/>
+            <a:pPr/>
           </a:p>
         </p:txBody>
       </p:sp>
@@ -4136,13 +4058,13 @@
   <p:clrMapOvr>
     <a:masterClrMapping/>
   </p:clrMapOvr>
-  <mc:AlternateContent xmlns:mc="http://schemas.openxmlformats.org/markup-compatibility/2006" xmlns:p14="http://schemas.microsoft.com/office/powerpoint/2010/main">
-    <mc:Choice Requires="p14">
-      <p:transition spd="slow" p14:dur="1500">
+  <mc:AlternateContent xmlns:mc="http://schemas.openxmlformats.org/markup-compatibility/2006">
+    <mc:Choice xmlns:p14="http://schemas.microsoft.com/office/powerpoint/2010/main" Requires="p14">
+      <p:transition spd="slow" advClick="1" p14:dur="1200">
         <p:dissolve/>
       </p:transition>
     </mc:Choice>
-    <mc:Fallback xmlns="">
+    <mc:Fallback>
       <p:transition spd="slow">
         <p:fade/>
       </p:transition>
@@ -4151,10 +4073,10 @@
   <p:timing>
     <p:tnLst>
       <p:par>
-        <p:cTn id="1" dur="indefinite" restart="never" fill="hold" nodeType="tmRoot">
+        <p:cTn id="1" nodeType="tmRoot" restart="never" dur="indefinite" fill="hold">
           <p:childTnLst>
             <p:seq concurrent="1" prevAc="none" nextAc="seek">
-              <p:cTn id="2" dur="indefinite" fill="hold" nodeType="mainSeq">
+              <p:cTn id="2" nodeType="mainSeq" dur="indefinite" fill="hold">
                 <p:childTnLst>
                   <p:par>
                     <p:cTn id="3" fill="hold">
@@ -4169,11 +4091,11 @@
                             </p:stCondLst>
                             <p:childTnLst>
                               <p:par>
-                                <p:cTn id="5" presetID="1" presetClass="entr" presetSubtype="0" fill="hold" grpId="1" nodeType="clickEffect">
+                                <p:cTn id="5" presetClass="entr" nodeType="clickEffect" presetSubtype="0" presetID="1" grpId="1" fill="hold">
                                   <p:stCondLst>
                                     <p:cond delay="0"/>
                                   </p:stCondLst>
-                                  <p:iterate>
+                                  <p:iterate type="el" backwards="0">
                                     <p:tmAbs val="0"/>
                                   </p:iterate>
                                   <p:childTnLst>
@@ -4181,7 +4103,7 @@
                                       <p:cBhvr>
                                         <p:cTn id="6" fill="hold"/>
                                         <p:tgtEl>
-                                          <p:spTgt spid="171"/>
+                                          <p:spTgt spid="170"/>
                                         </p:tgtEl>
                                         <p:attrNameLst>
                                           <p:attrName>style.visibility</p:attrName>
@@ -4213,11 +4135,11 @@
                             </p:stCondLst>
                             <p:childTnLst>
                               <p:par>
-                                <p:cTn id="9" presetID="1" presetClass="entr" presetSubtype="0" fill="hold" grpId="2" nodeType="clickEffect">
+                                <p:cTn id="9" presetClass="entr" nodeType="clickEffect" presetSubtype="0" presetID="1" grpId="2" fill="hold">
                                   <p:stCondLst>
                                     <p:cond delay="0"/>
                                   </p:stCondLst>
-                                  <p:iterate>
+                                  <p:iterate type="el" backwards="0">
                                     <p:tmAbs val="0"/>
                                   </p:iterate>
                                   <p:childTnLst>
@@ -4225,7 +4147,7 @@
                                       <p:cBhvr>
                                         <p:cTn id="10" fill="hold"/>
                                         <p:tgtEl>
-                                          <p:spTgt spid="170"/>
+                                          <p:spTgt spid="169"/>
                                         </p:tgtEl>
                                         <p:attrNameLst>
                                           <p:attrName>style.visibility</p:attrName>
@@ -4257,11 +4179,11 @@
                             </p:stCondLst>
                             <p:childTnLst>
                               <p:par>
-                                <p:cTn id="13" presetID="1" presetClass="entr" presetSubtype="0" fill="hold" grpId="3" nodeType="clickEffect">
+                                <p:cTn id="13" presetClass="entr" nodeType="clickEffect" presetSubtype="0" presetID="1" grpId="3" fill="hold">
                                   <p:stCondLst>
                                     <p:cond delay="0"/>
                                   </p:stCondLst>
-                                  <p:iterate>
+                                  <p:iterate type="el" backwards="0">
                                     <p:tmAbs val="0"/>
                                   </p:iterate>
                                   <p:childTnLst>
@@ -4269,7 +4191,7 @@
                                       <p:cBhvr>
                                         <p:cTn id="14" fill="hold"/>
                                         <p:tgtEl>
-                                          <p:spTgt spid="167"/>
+                                          <p:spTgt spid="166"/>
                                         </p:tgtEl>
                                         <p:attrNameLst>
                                           <p:attrName>style.visibility</p:attrName>
@@ -4301,11 +4223,11 @@
                             </p:stCondLst>
                             <p:childTnLst>
                               <p:par>
-                                <p:cTn id="17" presetID="1" presetClass="entr" presetSubtype="0" fill="hold" grpId="4" nodeType="clickEffect">
+                                <p:cTn id="17" presetClass="entr" nodeType="clickEffect" presetSubtype="0" presetID="1" grpId="4" fill="hold">
                                   <p:stCondLst>
                                     <p:cond delay="0"/>
                                   </p:stCondLst>
-                                  <p:iterate>
+                                  <p:iterate type="el" backwards="0">
                                     <p:tmAbs val="0"/>
                                   </p:iterate>
                                   <p:childTnLst>
@@ -4313,7 +4235,7 @@
                                       <p:cBhvr>
                                         <p:cTn id="18" fill="hold"/>
                                         <p:tgtEl>
-                                          <p:spTgt spid="166"/>
+                                          <p:spTgt spid="165"/>
                                         </p:tgtEl>
                                         <p:attrNameLst>
                                           <p:attrName>style.visibility</p:attrName>
@@ -4345,11 +4267,11 @@
                             </p:stCondLst>
                             <p:childTnLst>
                               <p:par>
-                                <p:cTn id="21" presetID="1" presetClass="entr" presetSubtype="0" fill="hold" grpId="5" nodeType="clickEffect">
+                                <p:cTn id="21" presetClass="entr" nodeType="clickEffect" presetSubtype="0" presetID="1" grpId="5" fill="hold">
                                   <p:stCondLst>
                                     <p:cond delay="0"/>
                                   </p:stCondLst>
-                                  <p:iterate>
+                                  <p:iterate type="el" backwards="0">
                                     <p:tmAbs val="0"/>
                                   </p:iterate>
                                   <p:childTnLst>
@@ -4357,7 +4279,7 @@
                                       <p:cBhvr>
                                         <p:cTn id="22" fill="hold"/>
                                         <p:tgtEl>
-                                          <p:spTgt spid="168"/>
+                                          <p:spTgt spid="167"/>
                                         </p:tgtEl>
                                         <p:attrNameLst>
                                           <p:attrName>style.visibility</p:attrName>
@@ -4389,11 +4311,11 @@
                             </p:stCondLst>
                             <p:childTnLst>
                               <p:par>
-                                <p:cTn id="25" presetID="1" presetClass="entr" presetSubtype="0" fill="hold" grpId="6" nodeType="clickEffect">
+                                <p:cTn id="25" presetClass="entr" nodeType="clickEffect" presetSubtype="0" presetID="1" grpId="6" fill="hold">
                                   <p:stCondLst>
                                     <p:cond delay="0"/>
                                   </p:stCondLst>
-                                  <p:iterate>
+                                  <p:iterate type="el" backwards="0">
                                     <p:tmAbs val="0"/>
                                   </p:iterate>
                                   <p:childTnLst>
@@ -4401,7 +4323,7 @@
                                       <p:cBhvr>
                                         <p:cTn id="26" fill="hold"/>
                                         <p:tgtEl>
-                                          <p:spTgt spid="169"/>
+                                          <p:spTgt spid="168"/>
                                         </p:tgtEl>
                                         <p:attrNameLst>
                                           <p:attrName>style.visibility</p:attrName>
@@ -4433,11 +4355,11 @@
                             </p:stCondLst>
                             <p:childTnLst>
                               <p:par>
-                                <p:cTn id="29" presetID="1" presetClass="entr" presetSubtype="0" fill="hold" grpId="7" nodeType="clickEffect">
+                                <p:cTn id="29" presetClass="entr" nodeType="clickEffect" presetSubtype="0" presetID="1" grpId="7" fill="hold">
                                   <p:stCondLst>
                                     <p:cond delay="0"/>
                                   </p:stCondLst>
-                                  <p:iterate>
+                                  <p:iterate type="el" backwards="0">
                                     <p:tmAbs val="0"/>
                                   </p:iterate>
                                   <p:childTnLst>
@@ -4445,7 +4367,7 @@
                                       <p:cBhvr>
                                         <p:cTn id="30" fill="hold"/>
                                         <p:tgtEl>
-                                          <p:spTgt spid="173"/>
+                                          <p:spTgt spid="172"/>
                                         </p:tgtEl>
                                         <p:attrNameLst>
                                           <p:attrName>style.visibility</p:attrName>
@@ -4477,11 +4399,11 @@
                             </p:stCondLst>
                             <p:childTnLst>
                               <p:par>
-                                <p:cTn id="33" presetID="1" presetClass="entr" presetSubtype="0" fill="hold" grpId="8" nodeType="clickEffect">
+                                <p:cTn id="33" presetClass="entr" nodeType="clickEffect" presetSubtype="0" presetID="1" grpId="8" fill="hold">
                                   <p:stCondLst>
                                     <p:cond delay="0"/>
                                   </p:stCondLst>
-                                  <p:iterate>
+                                  <p:iterate type="el" backwards="0">
                                     <p:tmAbs val="0"/>
                                   </p:iterate>
                                   <p:childTnLst>
@@ -4489,7 +4411,7 @@
                                       <p:cBhvr>
                                         <p:cTn id="34" fill="hold"/>
                                         <p:tgtEl>
-                                          <p:spTgt spid="172"/>
+                                          <p:spTgt spid="171"/>
                                         </p:tgtEl>
                                         <p:attrNameLst>
                                           <p:attrName>style.visibility</p:attrName>
@@ -4511,14 +4433,14 @@
                 </p:childTnLst>
               </p:cTn>
               <p:prevCondLst>
-                <p:cond evt="onPrev" delay="0">
+                <p:cond evt="onPrev">
                   <p:tgtEl>
                     <p:sldTgt/>
                   </p:tgtEl>
                 </p:cond>
               </p:prevCondLst>
               <p:nextCondLst>
-                <p:cond evt="onNext" delay="0">
+                <p:cond evt="onNext">
                   <p:tgtEl>
                     <p:sldTgt/>
                   </p:tgtEl>
@@ -4530,28 +4452,27 @@
       </p:par>
     </p:tnLst>
     <p:bldLst>
-      <p:bldP spid="166" grpId="4" animBg="1" advAuto="0"/>
-      <p:bldP spid="167" grpId="3" animBg="1" advAuto="0"/>
-      <p:bldP spid="168" grpId="5" animBg="1" advAuto="0"/>
-      <p:bldP spid="169" grpId="6" animBg="1" advAuto="0"/>
-      <p:bldP spid="170" grpId="2" animBg="1" advAuto="0"/>
-      <p:bldP spid="171" grpId="1" animBg="1" advAuto="0"/>
-      <p:bldP spid="172" grpId="8" animBg="1" advAuto="0"/>
-      <p:bldP spid="173" grpId="7" animBg="1" advAuto="0"/>
+      <p:bldP build="whole" bldLvl="1" animBg="1" rev="0" advAuto="0" spid="168" grpId="6"/>
+      <p:bldP build="whole" bldLvl="1" animBg="1" rev="0" advAuto="0" spid="171" grpId="8"/>
+      <p:bldP build="whole" bldLvl="1" animBg="1" rev="0" advAuto="0" spid="172" grpId="7"/>
+      <p:bldP build="whole" bldLvl="1" animBg="1" rev="0" advAuto="0" spid="169" grpId="2"/>
+      <p:bldP build="whole" bldLvl="1" animBg="1" rev="0" advAuto="0" spid="165" grpId="4"/>
+      <p:bldP build="whole" bldLvl="1" animBg="1" rev="0" advAuto="0" spid="167" grpId="5"/>
+      <p:bldP build="whole" bldLvl="1" animBg="1" rev="0" advAuto="0" spid="166" grpId="3"/>
+      <p:bldP build="whole" bldLvl="1" animBg="1" rev="0" advAuto="0" spid="170" grpId="1"/>
     </p:bldLst>
   </p:timing>
 </p:sld>
 </file>
 
 <file path=ppt/slides/slide12.xml><?xml version="1.0" encoding="utf-8"?>
-<p:sld xmlns:a="http://schemas.openxmlformats.org/drawingml/2006/main" xmlns:r="http://schemas.openxmlformats.org/officeDocument/2006/relationships" xmlns:p="http://schemas.openxmlformats.org/presentationml/2006/main">
+<p:sld xmlns:a="http://schemas.openxmlformats.org/drawingml/2006/main" xmlns:r="http://schemas.openxmlformats.org/officeDocument/2006/relationships" xmlns:p="http://schemas.openxmlformats.org/presentationml/2006/main" showMasterSp="1" showMasterPhAnim="1">
   <p:cSld>
     <p:bg>
       <p:bgPr>
         <a:solidFill>
           <a:srgbClr val="739A98"/>
         </a:solidFill>
-        <a:effectLst/>
       </p:bgPr>
     </p:bg>
     <p:spTree>
@@ -4570,14 +4491,14 @@
       </p:grpSpPr>
       <p:sp>
         <p:nvSpPr>
-          <p:cNvPr id="175" name="泛型"/>
+          <p:cNvPr id="174" name="泛型"/>
           <p:cNvSpPr txBox="1"/>
           <p:nvPr/>
         </p:nvSpPr>
         <p:spPr>
           <a:xfrm>
-            <a:off x="1190748" y="330200"/>
-            <a:ext cx="4877446" cy="736601"/>
+            <a:off x="1190747" y="330199"/>
+            <a:ext cx="4877447" cy="736601"/>
           </a:xfrm>
           <a:prstGeom prst="rect">
             <a:avLst/>
@@ -4587,7 +4508,7 @@
           </a:ln>
           <a:extLst>
             <a:ext uri="{C572A759-6A51-4108-AA02-DFA0A04FC94B}">
-              <ma14:wrappingTextBoxFlag xmlns="" xmlns:ma14="http://schemas.microsoft.com/office/mac/drawingml/2011/main" val="1"/>
+              <ma14:wrappingTextBoxFlag xmlns:ma14="http://schemas.microsoft.com/office/mac/drawingml/2011/main" val="1"/>
             </a:ext>
           </a:extLst>
         </p:spPr>
@@ -4603,21 +4524,24 @@
                 <a:solidFill>
                   <a:srgbClr val="FFFFFF"/>
                 </a:solidFill>
+                <a:latin typeface="+mj-lt"/>
+                <a:ea typeface="+mj-ea"/>
+                <a:cs typeface="+mj-cs"/>
+                <a:sym typeface="Lucida Grande"/>
               </a:defRPr>
             </a:lvl1pPr>
           </a:lstStyle>
           <a:p>
+            <a:pPr/>
             <a:r>
-              <a:rPr dirty="0" err="1"/>
               <a:t>泛型</a:t>
             </a:r>
-            <a:endParaRPr dirty="0"/>
           </a:p>
         </p:txBody>
       </p:sp>
       <p:pic>
         <p:nvPicPr>
-          <p:cNvPr id="176" name="Screen Shot 2018-05-06 at 1.17.16 PM.png" descr="Screen Shot 2018-05-06 at 1.17.16 PM.png"/>
+          <p:cNvPr id="175" name="Screen Shot 2018-05-06 at 1.17.16 PM.png" descr="Screen Shot 2018-05-06 at 1.17.16 PM.png"/>
           <p:cNvPicPr>
             <a:picLocks noChangeAspect="1"/>
           </p:cNvPicPr>
@@ -4633,8 +4557,8 @@
         </p:blipFill>
         <p:spPr>
           <a:xfrm>
-            <a:off x="1348771" y="2371566"/>
-            <a:ext cx="11374058" cy="6556534"/>
+            <a:off x="1348770" y="2371566"/>
+            <a:ext cx="11374059" cy="6556534"/>
           </a:xfrm>
           <a:prstGeom prst="rect">
             <a:avLst/>
@@ -4649,13 +4573,13 @@
   <p:clrMapOvr>
     <a:masterClrMapping/>
   </p:clrMapOvr>
-  <mc:AlternateContent xmlns:mc="http://schemas.openxmlformats.org/markup-compatibility/2006" xmlns:p14="http://schemas.microsoft.com/office/powerpoint/2010/main">
-    <mc:Choice Requires="p14">
-      <p:transition spd="slow" p14:dur="1500">
+  <mc:AlternateContent xmlns:mc="http://schemas.openxmlformats.org/markup-compatibility/2006">
+    <mc:Choice xmlns:p14="http://schemas.microsoft.com/office/powerpoint/2010/main" Requires="p14">
+      <p:transition spd="slow" advClick="1" p14:dur="1200">
         <p:dissolve/>
       </p:transition>
     </mc:Choice>
-    <mc:Fallback xmlns="">
+    <mc:Fallback>
       <p:transition spd="slow">
         <p:fade/>
       </p:transition>
@@ -4664,10 +4588,10 @@
   <p:timing>
     <p:tnLst>
       <p:par>
-        <p:cTn id="1" dur="indefinite" restart="never" fill="hold" nodeType="tmRoot">
+        <p:cTn id="1" nodeType="tmRoot" restart="never" dur="indefinite" fill="hold">
           <p:childTnLst>
             <p:seq concurrent="1" prevAc="none" nextAc="seek">
-              <p:cTn id="2" dur="indefinite" fill="hold" nodeType="mainSeq">
+              <p:cTn id="2" nodeType="mainSeq" dur="indefinite" fill="hold">
                 <p:childTnLst>
                   <p:par>
                     <p:cTn id="3" fill="hold">
@@ -4682,11 +4606,11 @@
                             </p:stCondLst>
                             <p:childTnLst>
                               <p:par>
-                                <p:cTn id="5" presetID="1" presetClass="entr" presetSubtype="0" fill="hold" grpId="1" nodeType="clickEffect">
+                                <p:cTn id="5" presetClass="entr" nodeType="clickEffect" presetSubtype="0" presetID="1" grpId="1" fill="hold">
                                   <p:stCondLst>
                                     <p:cond delay="0"/>
                                   </p:stCondLst>
-                                  <p:iterate>
+                                  <p:iterate type="el" backwards="0">
                                     <p:tmAbs val="0"/>
                                   </p:iterate>
                                   <p:childTnLst>
@@ -4694,7 +4618,7 @@
                                       <p:cBhvr>
                                         <p:cTn id="6" fill="hold"/>
                                         <p:tgtEl>
-                                          <p:spTgt spid="176"/>
+                                          <p:spTgt spid="175"/>
                                         </p:tgtEl>
                                         <p:attrNameLst>
                                           <p:attrName>style.visibility</p:attrName>
@@ -4716,14 +4640,14 @@
                 </p:childTnLst>
               </p:cTn>
               <p:prevCondLst>
-                <p:cond evt="onPrev" delay="0">
+                <p:cond evt="onPrev">
                   <p:tgtEl>
                     <p:sldTgt/>
                   </p:tgtEl>
                 </p:cond>
               </p:prevCondLst>
               <p:nextCondLst>
-                <p:cond evt="onNext" delay="0">
+                <p:cond evt="onNext">
                   <p:tgtEl>
                     <p:sldTgt/>
                   </p:tgtEl>
@@ -4735,21 +4659,20 @@
       </p:par>
     </p:tnLst>
     <p:bldLst>
-      <p:bldP spid="176" grpId="1" animBg="1" advAuto="0"/>
+      <p:bldP build="whole" bldLvl="1" animBg="1" rev="0" advAuto="0" spid="175" grpId="1"/>
     </p:bldLst>
   </p:timing>
 </p:sld>
 </file>
 
 <file path=ppt/slides/slide13.xml><?xml version="1.0" encoding="utf-8"?>
-<p:sld xmlns:a="http://schemas.openxmlformats.org/drawingml/2006/main" xmlns:r="http://schemas.openxmlformats.org/officeDocument/2006/relationships" xmlns:p="http://schemas.openxmlformats.org/presentationml/2006/main">
+<p:sld xmlns:a="http://schemas.openxmlformats.org/drawingml/2006/main" xmlns:r="http://schemas.openxmlformats.org/officeDocument/2006/relationships" xmlns:p="http://schemas.openxmlformats.org/presentationml/2006/main" showMasterSp="1" showMasterPhAnim="1">
   <p:cSld>
     <p:bg>
       <p:bgPr>
         <a:solidFill>
           <a:srgbClr val="739A98"/>
         </a:solidFill>
-        <a:effectLst/>
       </p:bgPr>
     </p:bg>
     <p:spTree>
@@ -4768,7 +4691,7 @@
       </p:grpSpPr>
       <p:pic>
         <p:nvPicPr>
-          <p:cNvPr id="178" name="Screen Shot 2018-05-06 at 1.37.45 PM.png" descr="Screen Shot 2018-05-06 at 1.37.45 PM.png"/>
+          <p:cNvPr id="177" name="Screen Shot 2018-05-06 at 1.37.45 PM.png" descr="Screen Shot 2018-05-06 at 1.37.45 PM.png"/>
           <p:cNvPicPr>
             <a:picLocks noChangeAspect="1"/>
           </p:cNvPicPr>
@@ -4784,8 +4707,8 @@
         </p:blipFill>
         <p:spPr>
           <a:xfrm>
-            <a:off x="1548753" y="1251837"/>
-            <a:ext cx="11304294" cy="8291326"/>
+            <a:off x="1548753" y="1251836"/>
+            <a:ext cx="11304294" cy="8291327"/>
           </a:xfrm>
           <a:prstGeom prst="rect">
             <a:avLst/>
@@ -4800,13 +4723,13 @@
   <p:clrMapOvr>
     <a:masterClrMapping/>
   </p:clrMapOvr>
-  <mc:AlternateContent xmlns:mc="http://schemas.openxmlformats.org/markup-compatibility/2006" xmlns:p14="http://schemas.microsoft.com/office/powerpoint/2010/main">
-    <mc:Choice Requires="p14">
-      <p:transition spd="slow" p14:dur="1500">
+  <mc:AlternateContent xmlns:mc="http://schemas.openxmlformats.org/markup-compatibility/2006">
+    <mc:Choice xmlns:p14="http://schemas.microsoft.com/office/powerpoint/2010/main" Requires="p14">
+      <p:transition spd="slow" advClick="1" p14:dur="1200">
         <p:dissolve/>
       </p:transition>
     </mc:Choice>
-    <mc:Fallback xmlns="">
+    <mc:Fallback>
       <p:transition spd="slow">
         <p:fade/>
       </p:transition>
@@ -4816,14 +4739,13 @@
 </file>
 
 <file path=ppt/slides/slide14.xml><?xml version="1.0" encoding="utf-8"?>
-<p:sld xmlns:a="http://schemas.openxmlformats.org/drawingml/2006/main" xmlns:r="http://schemas.openxmlformats.org/officeDocument/2006/relationships" xmlns:p="http://schemas.openxmlformats.org/presentationml/2006/main">
+<p:sld xmlns:a="http://schemas.openxmlformats.org/drawingml/2006/main" xmlns:r="http://schemas.openxmlformats.org/officeDocument/2006/relationships" xmlns:p="http://schemas.openxmlformats.org/presentationml/2006/main" showMasterSp="1" showMasterPhAnim="1">
   <p:cSld>
     <p:bg>
       <p:bgPr>
         <a:solidFill>
           <a:srgbClr val="739A98"/>
         </a:solidFill>
-        <a:effectLst/>
       </p:bgPr>
     </p:bg>
     <p:spTree>
@@ -4842,7 +4764,7 @@
       </p:grpSpPr>
       <p:pic>
         <p:nvPicPr>
-          <p:cNvPr id="180" name="Screen Shot 2018-05-06 at 1.38.50 PM.png" descr="Screen Shot 2018-05-06 at 1.38.50 PM.png"/>
+          <p:cNvPr id="179" name="Screen Shot 2018-05-06 at 1.38.50 PM.png" descr="Screen Shot 2018-05-06 at 1.38.50 PM.png"/>
           <p:cNvPicPr>
             <a:picLocks noChangeAspect="1"/>
           </p:cNvPicPr>
@@ -4858,8 +4780,8 @@
         </p:blipFill>
         <p:spPr>
           <a:xfrm>
-            <a:off x="1916610" y="1521648"/>
-            <a:ext cx="10568580" cy="7751704"/>
+            <a:off x="1916609" y="1521648"/>
+            <a:ext cx="10568581" cy="7751705"/>
           </a:xfrm>
           <a:prstGeom prst="rect">
             <a:avLst/>
@@ -4874,13 +4796,13 @@
   <p:clrMapOvr>
     <a:masterClrMapping/>
   </p:clrMapOvr>
-  <mc:AlternateContent xmlns:mc="http://schemas.openxmlformats.org/markup-compatibility/2006" xmlns:p14="http://schemas.microsoft.com/office/powerpoint/2010/main">
-    <mc:Choice Requires="p14">
-      <p:transition spd="slow" p14:dur="1500">
+  <mc:AlternateContent xmlns:mc="http://schemas.openxmlformats.org/markup-compatibility/2006">
+    <mc:Choice xmlns:p14="http://schemas.microsoft.com/office/powerpoint/2010/main" Requires="p14">
+      <p:transition spd="slow" advClick="1" p14:dur="1200">
         <p:dissolve/>
       </p:transition>
     </mc:Choice>
-    <mc:Fallback xmlns="">
+    <mc:Fallback>
       <p:transition spd="slow">
         <p:fade/>
       </p:transition>
@@ -4890,14 +4812,13 @@
 </file>
 
 <file path=ppt/slides/slide15.xml><?xml version="1.0" encoding="utf-8"?>
-<p:sld xmlns:a="http://schemas.openxmlformats.org/drawingml/2006/main" xmlns:r="http://schemas.openxmlformats.org/officeDocument/2006/relationships" xmlns:p="http://schemas.openxmlformats.org/presentationml/2006/main">
+<p:sld xmlns:a="http://schemas.openxmlformats.org/drawingml/2006/main" xmlns:r="http://schemas.openxmlformats.org/officeDocument/2006/relationships" xmlns:p="http://schemas.openxmlformats.org/presentationml/2006/main" showMasterSp="1" showMasterPhAnim="1">
   <p:cSld>
     <p:bg>
       <p:bgPr>
         <a:solidFill>
           <a:srgbClr val="739A98"/>
         </a:solidFill>
-        <a:effectLst/>
       </p:bgPr>
     </p:bg>
     <p:spTree>
@@ -4916,7 +4837,7 @@
       </p:grpSpPr>
       <p:pic>
         <p:nvPicPr>
-          <p:cNvPr id="182" name="Screen Shot 2018-05-06 at 1.42.25 PM.png" descr="Screen Shot 2018-05-06 at 1.42.25 PM.png"/>
+          <p:cNvPr id="181" name="Screen Shot 2018-05-06 at 1.42.25 PM.png" descr="Screen Shot 2018-05-06 at 1.42.25 PM.png"/>
           <p:cNvPicPr>
             <a:picLocks noChangeAspect="1"/>
           </p:cNvPicPr>
@@ -4932,8 +4853,8 @@
         </p:blipFill>
         <p:spPr>
           <a:xfrm>
-            <a:off x="1891514" y="1428760"/>
-            <a:ext cx="10618772" cy="7937480"/>
+            <a:off x="1891514" y="1428759"/>
+            <a:ext cx="10618772" cy="7937481"/>
           </a:xfrm>
           <a:prstGeom prst="rect">
             <a:avLst/>
@@ -4948,13 +4869,13 @@
   <p:clrMapOvr>
     <a:masterClrMapping/>
   </p:clrMapOvr>
-  <mc:AlternateContent xmlns:mc="http://schemas.openxmlformats.org/markup-compatibility/2006" xmlns:p14="http://schemas.microsoft.com/office/powerpoint/2010/main">
-    <mc:Choice Requires="p14">
-      <p:transition spd="slow" p14:dur="1500">
+  <mc:AlternateContent xmlns:mc="http://schemas.openxmlformats.org/markup-compatibility/2006">
+    <mc:Choice xmlns:p14="http://schemas.microsoft.com/office/powerpoint/2010/main" Requires="p14">
+      <p:transition spd="slow" advClick="1" p14:dur="1200">
         <p:dissolve/>
       </p:transition>
     </mc:Choice>
-    <mc:Fallback xmlns="">
+    <mc:Fallback>
       <p:transition spd="slow">
         <p:fade/>
       </p:transition>
@@ -4964,14 +4885,13 @@
 </file>
 
 <file path=ppt/slides/slide16.xml><?xml version="1.0" encoding="utf-8"?>
-<p:sld xmlns:a="http://schemas.openxmlformats.org/drawingml/2006/main" xmlns:r="http://schemas.openxmlformats.org/officeDocument/2006/relationships" xmlns:p="http://schemas.openxmlformats.org/presentationml/2006/main">
+<p:sld xmlns:a="http://schemas.openxmlformats.org/drawingml/2006/main" xmlns:r="http://schemas.openxmlformats.org/officeDocument/2006/relationships" xmlns:p="http://schemas.openxmlformats.org/presentationml/2006/main" showMasterSp="1" showMasterPhAnim="1">
   <p:cSld>
     <p:bg>
       <p:bgPr>
         <a:solidFill>
           <a:srgbClr val="739A98"/>
         </a:solidFill>
-        <a:effectLst/>
       </p:bgPr>
     </p:bg>
     <p:spTree>
@@ -4990,14 +4910,14 @@
       </p:grpSpPr>
       <p:sp>
         <p:nvSpPr>
-          <p:cNvPr id="184" name="泛型？"/>
+          <p:cNvPr id="183" name="泛型？"/>
           <p:cNvSpPr txBox="1"/>
           <p:nvPr/>
         </p:nvSpPr>
         <p:spPr>
           <a:xfrm>
-            <a:off x="6466134" y="5069205"/>
-            <a:ext cx="1693891" cy="656590"/>
+            <a:off x="6466134" y="5029199"/>
+            <a:ext cx="1693891" cy="736601"/>
           </a:xfrm>
           <a:prstGeom prst="rect">
             <a:avLst/>
@@ -5007,12 +4927,12 @@
           </a:ln>
           <a:extLst>
             <a:ext uri="{C572A759-6A51-4108-AA02-DFA0A04FC94B}">
-              <ma14:wrappingTextBoxFlag xmlns="" xmlns:ma14="http://schemas.microsoft.com/office/mac/drawingml/2011/main" val="1"/>
+              <ma14:wrappingTextBoxFlag xmlns:ma14="http://schemas.microsoft.com/office/mac/drawingml/2011/main" val="1"/>
             </a:ext>
           </a:extLst>
         </p:spPr>
         <p:txBody>
-          <a:bodyPr wrap="square" lIns="50800" tIns="50800" rIns="50800" bIns="50800" anchor="ctr">
+          <a:bodyPr lIns="50800" tIns="50800" rIns="50800" bIns="50800" anchor="ctr">
             <a:spAutoFit/>
           </a:bodyPr>
           <a:lstStyle>
@@ -5021,31 +4941,31 @@
                 <a:solidFill>
                   <a:srgbClr val="FFFFFF"/>
                 </a:solidFill>
+                <a:latin typeface="+mj-lt"/>
+                <a:ea typeface="+mj-ea"/>
+                <a:cs typeface="+mj-cs"/>
+                <a:sym typeface="Lucida Grande"/>
               </a:defRPr>
             </a:lvl1pPr>
           </a:lstStyle>
           <a:p>
+            <a:pPr/>
             <a:r>
-              <a:rPr dirty="0" err="1"/>
-              <a:t>泛型</a:t>
-            </a:r>
-            <a:r>
-              <a:rPr dirty="0"/>
-              <a:t>？</a:t>
+              <a:t>泛型？</a:t>
             </a:r>
           </a:p>
         </p:txBody>
       </p:sp>
       <p:sp>
         <p:nvSpPr>
-          <p:cNvPr id="185" name="Line"/>
+          <p:cNvPr id="184" name="Line"/>
           <p:cNvSpPr/>
           <p:nvPr/>
         </p:nvSpPr>
         <p:spPr>
           <a:xfrm flipH="1" flipV="1">
-            <a:off x="3316584" y="3394174"/>
-            <a:ext cx="2432994" cy="1573164"/>
+            <a:off x="3316583" y="3394173"/>
+            <a:ext cx="2432995" cy="1573165"/>
           </a:xfrm>
           <a:prstGeom prst="line">
             <a:avLst/>
@@ -5057,7 +4977,7 @@
             <a:tailEnd type="triangle"/>
           </a:ln>
           <a:effectLst>
-            <a:outerShdw blurRad="38100" dist="23000" dir="5400000" rotWithShape="0">
+            <a:outerShdw sx="100000" sy="100000" kx="0" ky="0" algn="b" rotWithShape="0" blurRad="38100" dist="23000" dir="5400000">
               <a:srgbClr val="000000">
                 <a:alpha val="35000"/>
               </a:srgbClr>
@@ -5068,19 +4988,19 @@
           <a:bodyPr lIns="45718" tIns="45718" rIns="45718" bIns="45718"/>
           <a:lstStyle/>
           <a:p>
-            <a:endParaRPr/>
+            <a:pPr/>
           </a:p>
         </p:txBody>
       </p:sp>
       <p:sp>
         <p:nvSpPr>
-          <p:cNvPr id="186" name="类型"/>
+          <p:cNvPr id="185" name="类型"/>
           <p:cNvSpPr txBox="1"/>
           <p:nvPr/>
         </p:nvSpPr>
         <p:spPr>
           <a:xfrm>
-            <a:off x="1905322" y="2298700"/>
+            <a:off x="1905322" y="2298699"/>
             <a:ext cx="1028701" cy="736601"/>
           </a:xfrm>
           <a:prstGeom prst="rect">
@@ -5091,7 +5011,7 @@
           </a:ln>
           <a:extLst>
             <a:ext uri="{C572A759-6A51-4108-AA02-DFA0A04FC94B}">
-              <ma14:wrappingTextBoxFlag xmlns="" xmlns:ma14="http://schemas.microsoft.com/office/mac/drawingml/2011/main" val="1"/>
+              <ma14:wrappingTextBoxFlag xmlns:ma14="http://schemas.microsoft.com/office/mac/drawingml/2011/main" val="1"/>
             </a:ext>
           </a:extLst>
         </p:spPr>
@@ -5105,10 +5025,15 @@
                 <a:solidFill>
                   <a:srgbClr val="FFFFFF"/>
                 </a:solidFill>
+                <a:latin typeface="+mj-lt"/>
+                <a:ea typeface="+mj-ea"/>
+                <a:cs typeface="+mj-cs"/>
+                <a:sym typeface="Lucida Grande"/>
               </a:defRPr>
             </a:lvl1pPr>
           </a:lstStyle>
           <a:p>
+            <a:pPr/>
             <a:r>
               <a:t>类型</a:t>
             </a:r>
@@ -5117,7 +5042,7 @@
       </p:sp>
       <p:sp>
         <p:nvSpPr>
-          <p:cNvPr id="187" name="Line"/>
+          <p:cNvPr id="186" name="Line"/>
           <p:cNvSpPr/>
           <p:nvPr/>
         </p:nvSpPr>
@@ -5136,7 +5061,7 @@
             <a:tailEnd type="triangle"/>
           </a:ln>
           <a:effectLst>
-            <a:outerShdw blurRad="38100" dist="23000" dir="5400000" rotWithShape="0">
+            <a:outerShdw sx="100000" sy="100000" kx="0" ky="0" algn="b" rotWithShape="0" blurRad="38100" dist="23000" dir="5400000">
               <a:srgbClr val="000000">
                 <a:alpha val="35000"/>
               </a:srgbClr>
@@ -5147,19 +5072,19 @@
           <a:bodyPr lIns="45718" tIns="45718" rIns="45718" bIns="45718"/>
           <a:lstStyle/>
           <a:p>
-            <a:endParaRPr/>
+            <a:pPr/>
           </a:p>
         </p:txBody>
       </p:sp>
       <p:sp>
         <p:nvSpPr>
-          <p:cNvPr id="188" name="不预先指定类型，使用时再指定"/>
+          <p:cNvPr id="187" name="不预先指定类型，使用时再指定"/>
           <p:cNvSpPr txBox="1"/>
           <p:nvPr/>
         </p:nvSpPr>
         <p:spPr>
           <a:xfrm>
-            <a:off x="6312222" y="2298700"/>
+            <a:off x="6312222" y="2298699"/>
             <a:ext cx="6515101" cy="736601"/>
           </a:xfrm>
           <a:prstGeom prst="rect">
@@ -5170,7 +5095,7 @@
           </a:ln>
           <a:extLst>
             <a:ext uri="{C572A759-6A51-4108-AA02-DFA0A04FC94B}">
-              <ma14:wrappingTextBoxFlag xmlns="" xmlns:ma14="http://schemas.microsoft.com/office/mac/drawingml/2011/main" val="1"/>
+              <ma14:wrappingTextBoxFlag xmlns:ma14="http://schemas.microsoft.com/office/mac/drawingml/2011/main" val="1"/>
             </a:ext>
           </a:extLst>
         </p:spPr>
@@ -5184,10 +5109,15 @@
                 <a:solidFill>
                   <a:srgbClr val="FFFFFF"/>
                 </a:solidFill>
+                <a:latin typeface="+mj-lt"/>
+                <a:ea typeface="+mj-ea"/>
+                <a:cs typeface="+mj-cs"/>
+                <a:sym typeface="Lucida Grande"/>
               </a:defRPr>
             </a:lvl1pPr>
           </a:lstStyle>
           <a:p>
+            <a:pPr/>
             <a:r>
               <a:t>不预先指定类型，使用时再指定</a:t>
             </a:r>
@@ -5196,14 +5126,14 @@
       </p:sp>
       <p:sp>
         <p:nvSpPr>
-          <p:cNvPr id="189" name="Line"/>
+          <p:cNvPr id="188" name="Line"/>
           <p:cNvSpPr/>
           <p:nvPr/>
         </p:nvSpPr>
         <p:spPr>
           <a:xfrm>
             <a:off x="10483850" y="3892550"/>
-            <a:ext cx="0" cy="3009901"/>
+            <a:ext cx="0" cy="3009902"/>
           </a:xfrm>
           <a:prstGeom prst="line">
             <a:avLst/>
@@ -5215,7 +5145,7 @@
             <a:tailEnd type="triangle"/>
           </a:ln>
           <a:effectLst>
-            <a:outerShdw blurRad="38100" dist="23000" dir="5400000" rotWithShape="0">
+            <a:outerShdw sx="100000" sy="100000" kx="0" ky="0" algn="b" rotWithShape="0" blurRad="38100" dist="23000" dir="5400000">
               <a:srgbClr val="000000">
                 <a:alpha val="35000"/>
               </a:srgbClr>
@@ -5226,19 +5156,19 @@
           <a:bodyPr lIns="45718" tIns="45718" rIns="45718" bIns="45718"/>
           <a:lstStyle/>
           <a:p>
-            <a:endParaRPr/>
+            <a:pPr/>
           </a:p>
         </p:txBody>
       </p:sp>
       <p:sp>
         <p:nvSpPr>
-          <p:cNvPr id="190" name="在成员之间提供一定的约束"/>
+          <p:cNvPr id="189" name="在成员之间提供一定的约束"/>
           <p:cNvSpPr txBox="1"/>
           <p:nvPr/>
         </p:nvSpPr>
         <p:spPr>
           <a:xfrm>
-            <a:off x="7683500" y="7759700"/>
+            <a:off x="7683500" y="7759699"/>
             <a:ext cx="5600700" cy="736601"/>
           </a:xfrm>
           <a:prstGeom prst="rect">
@@ -5249,7 +5179,7 @@
           </a:ln>
           <a:extLst>
             <a:ext uri="{C572A759-6A51-4108-AA02-DFA0A04FC94B}">
-              <ma14:wrappingTextBoxFlag xmlns="" xmlns:ma14="http://schemas.microsoft.com/office/mac/drawingml/2011/main" val="1"/>
+              <ma14:wrappingTextBoxFlag xmlns:ma14="http://schemas.microsoft.com/office/mac/drawingml/2011/main" val="1"/>
             </a:ext>
           </a:extLst>
         </p:spPr>
@@ -5263,10 +5193,15 @@
                 <a:solidFill>
                   <a:srgbClr val="FFFFFF"/>
                 </a:solidFill>
+                <a:latin typeface="+mj-lt"/>
+                <a:ea typeface="+mj-ea"/>
+                <a:cs typeface="+mj-cs"/>
+                <a:sym typeface="Lucida Grande"/>
               </a:defRPr>
             </a:lvl1pPr>
           </a:lstStyle>
           <a:p>
+            <a:pPr/>
             <a:r>
               <a:t>在成员之间提供一定的约束</a:t>
             </a:r>
@@ -5275,14 +5210,14 @@
       </p:sp>
       <p:sp>
         <p:nvSpPr>
-          <p:cNvPr id="191" name="Line"/>
+          <p:cNvPr id="190" name="Line"/>
           <p:cNvSpPr/>
           <p:nvPr/>
         </p:nvSpPr>
         <p:spPr>
           <a:xfrm flipH="1">
-            <a:off x="4021093" y="6243315"/>
-            <a:ext cx="1891109" cy="1272158"/>
+            <a:off x="4021092" y="6243315"/>
+            <a:ext cx="1891110" cy="1272159"/>
           </a:xfrm>
           <a:prstGeom prst="line">
             <a:avLst/>
@@ -5294,7 +5229,7 @@
             <a:tailEnd type="triangle"/>
           </a:ln>
           <a:effectLst>
-            <a:outerShdw blurRad="38100" dist="23000" dir="5400000" rotWithShape="0">
+            <a:outerShdw sx="100000" sy="100000" kx="0" ky="0" algn="b" rotWithShape="0" blurRad="38100" dist="23000" dir="5400000">
               <a:srgbClr val="000000">
                 <a:alpha val="35000"/>
               </a:srgbClr>
@@ -5305,20 +5240,20 @@
           <a:bodyPr lIns="45718" tIns="45718" rIns="45718" bIns="45718"/>
           <a:lstStyle/>
           <a:p>
-            <a:endParaRPr/>
+            <a:pPr/>
           </a:p>
         </p:txBody>
       </p:sp>
       <p:sp>
         <p:nvSpPr>
-          <p:cNvPr id="192" name="泛型约束extends"/>
+          <p:cNvPr id="191" name="泛型约束extends"/>
           <p:cNvSpPr txBox="1"/>
           <p:nvPr/>
         </p:nvSpPr>
         <p:spPr>
           <a:xfrm>
-            <a:off x="1918022" y="7804150"/>
-            <a:ext cx="2804518" cy="1282701"/>
+            <a:off x="1918022" y="7804149"/>
+            <a:ext cx="2804519" cy="1282701"/>
           </a:xfrm>
           <a:prstGeom prst="rect">
             <a:avLst/>
@@ -5328,7 +5263,7 @@
           </a:ln>
           <a:extLst>
             <a:ext uri="{C572A759-6A51-4108-AA02-DFA0A04FC94B}">
-              <ma14:wrappingTextBoxFlag xmlns="" xmlns:ma14="http://schemas.microsoft.com/office/mac/drawingml/2011/main" val="1"/>
+              <ma14:wrappingTextBoxFlag xmlns:ma14="http://schemas.microsoft.com/office/mac/drawingml/2011/main" val="1"/>
             </a:ext>
           </a:extLst>
         </p:spPr>
@@ -5342,10 +5277,15 @@
                 <a:solidFill>
                   <a:srgbClr val="FFFFFF"/>
                 </a:solidFill>
+                <a:latin typeface="+mj-lt"/>
+                <a:ea typeface="+mj-ea"/>
+                <a:cs typeface="+mj-cs"/>
+                <a:sym typeface="Lucida Grande"/>
               </a:defRPr>
             </a:lvl1pPr>
           </a:lstStyle>
           <a:p>
+            <a:pPr/>
             <a:r>
               <a:t>泛型约束extends</a:t>
             </a:r>
@@ -5357,13 +5297,13 @@
   <p:clrMapOvr>
     <a:masterClrMapping/>
   </p:clrMapOvr>
-  <mc:AlternateContent xmlns:mc="http://schemas.openxmlformats.org/markup-compatibility/2006" xmlns:p14="http://schemas.microsoft.com/office/powerpoint/2010/main">
-    <mc:Choice Requires="p14">
-      <p:transition spd="slow" p14:dur="1500">
+  <mc:AlternateContent xmlns:mc="http://schemas.openxmlformats.org/markup-compatibility/2006">
+    <mc:Choice xmlns:p14="http://schemas.microsoft.com/office/powerpoint/2010/main" Requires="p14">
+      <p:transition spd="slow" advClick="1" p14:dur="1200">
         <p:dissolve/>
       </p:transition>
     </mc:Choice>
-    <mc:Fallback xmlns="">
+    <mc:Fallback>
       <p:transition spd="slow">
         <p:fade/>
       </p:transition>
@@ -5372,10 +5312,10 @@
   <p:timing>
     <p:tnLst>
       <p:par>
-        <p:cTn id="1" dur="indefinite" restart="never" fill="hold" nodeType="tmRoot">
+        <p:cTn id="1" nodeType="tmRoot" restart="never" dur="indefinite" fill="hold">
           <p:childTnLst>
             <p:seq concurrent="1" prevAc="none" nextAc="seek">
-              <p:cTn id="2" dur="indefinite" fill="hold" nodeType="mainSeq">
+              <p:cTn id="2" nodeType="mainSeq" dur="indefinite" fill="hold">
                 <p:childTnLst>
                   <p:par>
                     <p:cTn id="3" fill="hold">
@@ -5390,11 +5330,11 @@
                             </p:stCondLst>
                             <p:childTnLst>
                               <p:par>
-                                <p:cTn id="5" presetID="1" presetClass="entr" presetSubtype="0" fill="hold" grpId="1" nodeType="clickEffect">
+                                <p:cTn id="5" presetClass="entr" nodeType="clickEffect" presetSubtype="0" presetID="1" grpId="1" fill="hold">
                                   <p:stCondLst>
                                     <p:cond delay="0"/>
                                   </p:stCondLst>
-                                  <p:iterate>
+                                  <p:iterate type="el" backwards="0">
                                     <p:tmAbs val="0"/>
                                   </p:iterate>
                                   <p:childTnLst>
@@ -5402,7 +5342,7 @@
                                       <p:cBhvr>
                                         <p:cTn id="6" fill="hold"/>
                                         <p:tgtEl>
-                                          <p:spTgt spid="185"/>
+                                          <p:spTgt spid="184"/>
                                         </p:tgtEl>
                                         <p:attrNameLst>
                                           <p:attrName>style.visibility</p:attrName>
@@ -5434,11 +5374,11 @@
                             </p:stCondLst>
                             <p:childTnLst>
                               <p:par>
-                                <p:cTn id="9" presetID="1" presetClass="entr" presetSubtype="0" fill="hold" grpId="2" nodeType="clickEffect">
+                                <p:cTn id="9" presetClass="entr" nodeType="clickEffect" presetSubtype="0" presetID="1" grpId="2" fill="hold">
                                   <p:stCondLst>
                                     <p:cond delay="0"/>
                                   </p:stCondLst>
-                                  <p:iterate>
+                                  <p:iterate type="el" backwards="0">
                                     <p:tmAbs val="0"/>
                                   </p:iterate>
                                   <p:childTnLst>
@@ -5446,7 +5386,7 @@
                                       <p:cBhvr>
                                         <p:cTn id="10" fill="hold"/>
                                         <p:tgtEl>
-                                          <p:spTgt spid="186"/>
+                                          <p:spTgt spid="185"/>
                                         </p:tgtEl>
                                         <p:attrNameLst>
                                           <p:attrName>style.visibility</p:attrName>
@@ -5478,11 +5418,11 @@
                             </p:stCondLst>
                             <p:childTnLst>
                               <p:par>
-                                <p:cTn id="13" presetID="1" presetClass="entr" presetSubtype="0" fill="hold" grpId="3" nodeType="clickEffect">
+                                <p:cTn id="13" presetClass="entr" nodeType="clickEffect" presetSubtype="0" presetID="1" grpId="3" fill="hold">
                                   <p:stCondLst>
                                     <p:cond delay="0"/>
                                   </p:stCondLst>
-                                  <p:iterate>
+                                  <p:iterate type="el" backwards="0">
                                     <p:tmAbs val="0"/>
                                   </p:iterate>
                                   <p:childTnLst>
@@ -5490,7 +5430,7 @@
                                       <p:cBhvr>
                                         <p:cTn id="14" fill="hold"/>
                                         <p:tgtEl>
-                                          <p:spTgt spid="187"/>
+                                          <p:spTgt spid="186"/>
                                         </p:tgtEl>
                                         <p:attrNameLst>
                                           <p:attrName>style.visibility</p:attrName>
@@ -5522,11 +5462,11 @@
                             </p:stCondLst>
                             <p:childTnLst>
                               <p:par>
-                                <p:cTn id="17" presetID="1" presetClass="entr" presetSubtype="0" fill="hold" grpId="4" nodeType="clickEffect">
+                                <p:cTn id="17" presetClass="entr" nodeType="clickEffect" presetSubtype="0" presetID="1" grpId="4" fill="hold">
                                   <p:stCondLst>
                                     <p:cond delay="0"/>
                                   </p:stCondLst>
-                                  <p:iterate>
+                                  <p:iterate type="el" backwards="0">
                                     <p:tmAbs val="0"/>
                                   </p:iterate>
                                   <p:childTnLst>
@@ -5534,7 +5474,7 @@
                                       <p:cBhvr>
                                         <p:cTn id="18" fill="hold"/>
                                         <p:tgtEl>
-                                          <p:spTgt spid="188"/>
+                                          <p:spTgt spid="187"/>
                                         </p:tgtEl>
                                         <p:attrNameLst>
                                           <p:attrName>style.visibility</p:attrName>
@@ -5566,11 +5506,11 @@
                             </p:stCondLst>
                             <p:childTnLst>
                               <p:par>
-                                <p:cTn id="21" presetID="1" presetClass="entr" presetSubtype="0" fill="hold" grpId="5" nodeType="clickEffect">
+                                <p:cTn id="21" presetClass="entr" nodeType="clickEffect" presetSubtype="0" presetID="1" grpId="5" fill="hold">
                                   <p:stCondLst>
                                     <p:cond delay="0"/>
                                   </p:stCondLst>
-                                  <p:iterate>
+                                  <p:iterate type="el" backwards="0">
                                     <p:tmAbs val="0"/>
                                   </p:iterate>
                                   <p:childTnLst>
@@ -5578,7 +5518,7 @@
                                       <p:cBhvr>
                                         <p:cTn id="22" fill="hold"/>
                                         <p:tgtEl>
-                                          <p:spTgt spid="189"/>
+                                          <p:spTgt spid="188"/>
                                         </p:tgtEl>
                                         <p:attrNameLst>
                                           <p:attrName>style.visibility</p:attrName>
@@ -5610,11 +5550,11 @@
                             </p:stCondLst>
                             <p:childTnLst>
                               <p:par>
-                                <p:cTn id="25" presetID="1" presetClass="entr" presetSubtype="0" fill="hold" grpId="6" nodeType="clickEffect">
+                                <p:cTn id="25" presetClass="entr" nodeType="clickEffect" presetSubtype="0" presetID="1" grpId="6" fill="hold">
                                   <p:stCondLst>
                                     <p:cond delay="0"/>
                                   </p:stCondLst>
-                                  <p:iterate>
+                                  <p:iterate type="el" backwards="0">
                                     <p:tmAbs val="0"/>
                                   </p:iterate>
                                   <p:childTnLst>
@@ -5622,7 +5562,7 @@
                                       <p:cBhvr>
                                         <p:cTn id="26" fill="hold"/>
                                         <p:tgtEl>
-                                          <p:spTgt spid="190"/>
+                                          <p:spTgt spid="189"/>
                                         </p:tgtEl>
                                         <p:attrNameLst>
                                           <p:attrName>style.visibility</p:attrName>
@@ -5654,11 +5594,11 @@
                             </p:stCondLst>
                             <p:childTnLst>
                               <p:par>
-                                <p:cTn id="29" presetID="1" presetClass="entr" presetSubtype="0" fill="hold" grpId="7" nodeType="clickEffect">
+                                <p:cTn id="29" presetClass="entr" nodeType="clickEffect" presetSubtype="0" presetID="1" grpId="7" fill="hold">
                                   <p:stCondLst>
                                     <p:cond delay="0"/>
                                   </p:stCondLst>
-                                  <p:iterate>
+                                  <p:iterate type="el" backwards="0">
                                     <p:tmAbs val="0"/>
                                   </p:iterate>
                                   <p:childTnLst>
@@ -5666,7 +5606,7 @@
                                       <p:cBhvr>
                                         <p:cTn id="30" fill="hold"/>
                                         <p:tgtEl>
-                                          <p:spTgt spid="191"/>
+                                          <p:spTgt spid="190"/>
                                         </p:tgtEl>
                                         <p:attrNameLst>
                                           <p:attrName>style.visibility</p:attrName>
@@ -5698,11 +5638,11 @@
                             </p:stCondLst>
                             <p:childTnLst>
                               <p:par>
-                                <p:cTn id="33" presetID="1" presetClass="entr" presetSubtype="0" fill="hold" grpId="8" nodeType="clickEffect">
+                                <p:cTn id="33" presetClass="entr" nodeType="clickEffect" presetSubtype="0" presetID="1" grpId="8" fill="hold">
                                   <p:stCondLst>
                                     <p:cond delay="0"/>
                                   </p:stCondLst>
-                                  <p:iterate>
+                                  <p:iterate type="el" backwards="0">
                                     <p:tmAbs val="0"/>
                                   </p:iterate>
                                   <p:childTnLst>
@@ -5710,7 +5650,7 @@
                                       <p:cBhvr>
                                         <p:cTn id="34" fill="hold"/>
                                         <p:tgtEl>
-                                          <p:spTgt spid="192"/>
+                                          <p:spTgt spid="191"/>
                                         </p:tgtEl>
                                         <p:attrNameLst>
                                           <p:attrName>style.visibility</p:attrName>
@@ -5732,14 +5672,14 @@
                 </p:childTnLst>
               </p:cTn>
               <p:prevCondLst>
-                <p:cond evt="onPrev" delay="0">
+                <p:cond evt="onPrev">
                   <p:tgtEl>
                     <p:sldTgt/>
                   </p:tgtEl>
                 </p:cond>
               </p:prevCondLst>
               <p:nextCondLst>
-                <p:cond evt="onNext" delay="0">
+                <p:cond evt="onNext">
                   <p:tgtEl>
                     <p:sldTgt/>
                   </p:tgtEl>
@@ -5751,28 +5691,27 @@
       </p:par>
     </p:tnLst>
     <p:bldLst>
-      <p:bldP spid="185" grpId="1" animBg="1" advAuto="0"/>
-      <p:bldP spid="186" grpId="2" animBg="1" advAuto="0"/>
-      <p:bldP spid="187" grpId="3" animBg="1" advAuto="0"/>
-      <p:bldP spid="188" grpId="4" animBg="1" advAuto="0"/>
-      <p:bldP spid="189" grpId="5" animBg="1" advAuto="0"/>
-      <p:bldP spid="190" grpId="6" animBg="1" advAuto="0"/>
-      <p:bldP spid="191" grpId="7" animBg="1" advAuto="0"/>
-      <p:bldP spid="192" grpId="8" animBg="1" advAuto="0"/>
+      <p:bldP build="whole" bldLvl="1" animBg="1" rev="0" advAuto="0" spid="184" grpId="1"/>
+      <p:bldP build="whole" bldLvl="1" animBg="1" rev="0" advAuto="0" spid="186" grpId="3"/>
+      <p:bldP build="whole" bldLvl="1" animBg="1" rev="0" advAuto="0" spid="187" grpId="4"/>
+      <p:bldP build="whole" bldLvl="1" animBg="1" rev="0" advAuto="0" spid="189" grpId="6"/>
+      <p:bldP build="whole" bldLvl="1" animBg="1" rev="0" advAuto="0" spid="185" grpId="2"/>
+      <p:bldP build="whole" bldLvl="1" animBg="1" rev="0" advAuto="0" spid="190" grpId="7"/>
+      <p:bldP build="whole" bldLvl="1" animBg="1" rev="0" advAuto="0" spid="188" grpId="5"/>
+      <p:bldP build="whole" bldLvl="1" animBg="1" rev="0" advAuto="0" spid="191" grpId="8"/>
     </p:bldLst>
   </p:timing>
 </p:sld>
 </file>
 
 <file path=ppt/slides/slide17.xml><?xml version="1.0" encoding="utf-8"?>
-<p:sld xmlns:a="http://schemas.openxmlformats.org/drawingml/2006/main" xmlns:r="http://schemas.openxmlformats.org/officeDocument/2006/relationships" xmlns:p="http://schemas.openxmlformats.org/presentationml/2006/main">
+<p:sld xmlns:a="http://schemas.openxmlformats.org/drawingml/2006/main" xmlns:r="http://schemas.openxmlformats.org/officeDocument/2006/relationships" xmlns:p="http://schemas.openxmlformats.org/presentationml/2006/main" showMasterSp="1" showMasterPhAnim="1">
   <p:cSld>
     <p:bg>
       <p:bgPr>
         <a:solidFill>
           <a:srgbClr val="739A98"/>
         </a:solidFill>
-        <a:effectLst/>
       </p:bgPr>
     </p:bg>
     <p:spTree>
@@ -5791,14 +5730,14 @@
       </p:grpSpPr>
       <p:sp>
         <p:nvSpPr>
-          <p:cNvPr id="194" name="泛型函数"/>
+          <p:cNvPr id="193" name="泛型函数"/>
           <p:cNvSpPr txBox="1"/>
           <p:nvPr/>
         </p:nvSpPr>
         <p:spPr>
           <a:xfrm>
-            <a:off x="5791522" y="802006"/>
-            <a:ext cx="1949252" cy="656590"/>
+            <a:off x="6229350" y="871191"/>
+            <a:ext cx="1943101" cy="736601"/>
           </a:xfrm>
           <a:prstGeom prst="rect">
             <a:avLst/>
@@ -5808,7 +5747,7 @@
           </a:ln>
           <a:extLst>
             <a:ext uri="{C572A759-6A51-4108-AA02-DFA0A04FC94B}">
-              <ma14:wrappingTextBoxFlag xmlns="" xmlns:ma14="http://schemas.microsoft.com/office/mac/drawingml/2011/main" val="1"/>
+              <ma14:wrappingTextBoxFlag xmlns:ma14="http://schemas.microsoft.com/office/mac/drawingml/2011/main" val="1"/>
             </a:ext>
           </a:extLst>
         </p:spPr>
@@ -5818,31 +5757,28 @@
           </a:bodyPr>
           <a:lstStyle>
             <a:lvl1pPr>
-              <a:defRPr>
+              <a:defRPr sz="3600">
                 <a:solidFill>
                   <a:srgbClr val="FFFFFF"/>
                 </a:solidFill>
+                <a:latin typeface="+mj-lt"/>
+                <a:ea typeface="+mj-ea"/>
+                <a:cs typeface="+mj-cs"/>
+                <a:sym typeface="Lucida Grande"/>
               </a:defRPr>
             </a:lvl1pPr>
           </a:lstStyle>
           <a:p>
+            <a:pPr/>
             <a:r>
-              <a:rPr sz="3600" dirty="0" err="1"/>
               <a:t>泛型函数</a:t>
             </a:r>
-            <a:endParaRPr sz="3600" dirty="0"/>
           </a:p>
         </p:txBody>
       </p:sp>
       <p:pic>
         <p:nvPicPr>
-          <p:cNvPr id="8" name="Picture 7">
-            <a:extLst>
-              <a:ext uri="{FF2B5EF4-FFF2-40B4-BE49-F238E27FC236}">
-                <a16:creationId xmlns:a16="http://schemas.microsoft.com/office/drawing/2014/main" id="{9A3C589B-A086-DD4D-9C4F-40C0839DEE3F}"/>
-              </a:ext>
-            </a:extLst>
-          </p:cNvPr>
+          <p:cNvPr id="194" name="Picture 7" descr="Picture 7"/>
           <p:cNvPicPr>
             <a:picLocks noChangeAspect="1"/>
           </p:cNvPicPr>
@@ -5850,11 +5786,7 @@
         </p:nvPicPr>
         <p:blipFill>
           <a:blip r:embed="rId2">
-            <a:extLst>
-              <a:ext uri="{28A0092B-C50C-407E-A947-70E740481C1C}">
-                <a14:useLocalDpi xmlns:a14="http://schemas.microsoft.com/office/drawing/2010/main" val="0"/>
-              </a:ext>
-            </a:extLst>
+            <a:extLst/>
           </a:blip>
           <a:stretch>
             <a:fillRect/>
@@ -5862,23 +5794,20 @@
         </p:blipFill>
         <p:spPr>
           <a:xfrm>
-            <a:off x="4867498" y="2301972"/>
-            <a:ext cx="3797300" cy="2514600"/>
+            <a:off x="5302250" y="2543272"/>
+            <a:ext cx="3797300" cy="2514601"/>
           </a:xfrm>
           <a:prstGeom prst="rect">
             <a:avLst/>
           </a:prstGeom>
+          <a:ln w="12700">
+            <a:miter lim="400000"/>
+          </a:ln>
         </p:spPr>
       </p:pic>
       <p:pic>
         <p:nvPicPr>
-          <p:cNvPr id="10" name="Picture 9">
-            <a:extLst>
-              <a:ext uri="{FF2B5EF4-FFF2-40B4-BE49-F238E27FC236}">
-                <a16:creationId xmlns:a16="http://schemas.microsoft.com/office/drawing/2014/main" id="{C5DAE0BB-B734-4D4C-ACCE-9E04F38DB07D}"/>
-              </a:ext>
-            </a:extLst>
-          </p:cNvPr>
+          <p:cNvPr id="195" name="Picture 9" descr="Picture 9"/>
           <p:cNvPicPr>
             <a:picLocks noChangeAspect="1"/>
           </p:cNvPicPr>
@@ -5886,11 +5815,7 @@
         </p:nvPicPr>
         <p:blipFill>
           <a:blip r:embed="rId3">
-            <a:extLst>
-              <a:ext uri="{28A0092B-C50C-407E-A947-70E740481C1C}">
-                <a14:useLocalDpi xmlns:a14="http://schemas.microsoft.com/office/drawing/2010/main" val="0"/>
-              </a:ext>
-            </a:extLst>
+            <a:extLst/>
           </a:blip>
           <a:stretch>
             <a:fillRect/>
@@ -5898,12 +5823,15 @@
         </p:blipFill>
         <p:spPr>
           <a:xfrm>
-            <a:off x="4429348" y="5752053"/>
-            <a:ext cx="4673600" cy="1930400"/>
+            <a:off x="4864100" y="5993353"/>
+            <a:ext cx="4673600" cy="1930401"/>
           </a:xfrm>
           <a:prstGeom prst="rect">
             <a:avLst/>
           </a:prstGeom>
+          <a:ln w="12700">
+            <a:miter lim="400000"/>
+          </a:ln>
         </p:spPr>
       </p:pic>
     </p:spTree>
@@ -5911,13 +5839,13 @@
   <p:clrMapOvr>
     <a:masterClrMapping/>
   </p:clrMapOvr>
-  <mc:AlternateContent xmlns:mc="http://schemas.openxmlformats.org/markup-compatibility/2006" xmlns:p14="http://schemas.microsoft.com/office/powerpoint/2010/main">
-    <mc:Choice Requires="p14">
-      <p:transition spd="slow" p14:dur="1500">
+  <mc:AlternateContent xmlns:mc="http://schemas.openxmlformats.org/markup-compatibility/2006">
+    <mc:Choice xmlns:p14="http://schemas.microsoft.com/office/powerpoint/2010/main" Requires="p14">
+      <p:transition spd="slow" advClick="1" p14:dur="1200">
         <p:dissolve/>
       </p:transition>
     </mc:Choice>
-    <mc:Fallback xmlns="">
+    <mc:Fallback>
       <p:transition spd="slow">
         <p:fade/>
       </p:transition>
@@ -5927,14 +5855,13 @@
 </file>
 
 <file path=ppt/slides/slide18.xml><?xml version="1.0" encoding="utf-8"?>
-<p:sld xmlns:a="http://schemas.openxmlformats.org/drawingml/2006/main" xmlns:r="http://schemas.openxmlformats.org/officeDocument/2006/relationships" xmlns:p="http://schemas.openxmlformats.org/presentationml/2006/main">
+<p:sld xmlns:a="http://schemas.openxmlformats.org/drawingml/2006/main" xmlns:r="http://schemas.openxmlformats.org/officeDocument/2006/relationships" xmlns:p="http://schemas.openxmlformats.org/presentationml/2006/main" showMasterSp="1" showMasterPhAnim="1">
   <p:cSld>
     <p:bg>
       <p:bgPr>
         <a:solidFill>
           <a:srgbClr val="739A98"/>
         </a:solidFill>
-        <a:effectLst/>
       </p:bgPr>
     </p:bg>
     <p:spTree>
@@ -5953,14 +5880,14 @@
       </p:grpSpPr>
       <p:sp>
         <p:nvSpPr>
-          <p:cNvPr id="196" name="TextBox 5"/>
+          <p:cNvPr id="197" name="联合类型"/>
           <p:cNvSpPr txBox="1"/>
           <p:nvPr/>
         </p:nvSpPr>
         <p:spPr>
           <a:xfrm>
-            <a:off x="1048269" y="590566"/>
-            <a:ext cx="1713785" cy="646327"/>
+            <a:off x="1190748" y="330199"/>
+            <a:ext cx="3749329" cy="736601"/>
           </a:xfrm>
           <a:prstGeom prst="rect">
             <a:avLst/>
@@ -5970,45 +5897,40 @@
           </a:ln>
           <a:extLst>
             <a:ext uri="{C572A759-6A51-4108-AA02-DFA0A04FC94B}">
-              <ma14:wrappingTextBoxFlag xmlns="" xmlns:ma14="http://schemas.microsoft.com/office/mac/drawingml/2011/main" val="1"/>
+              <ma14:wrappingTextBoxFlag xmlns:ma14="http://schemas.microsoft.com/office/mac/drawingml/2011/main" val="1"/>
             </a:ext>
           </a:extLst>
         </p:spPr>
         <p:txBody>
-          <a:bodyPr wrap="square" lIns="45718" tIns="45718" rIns="45718" bIns="45718">
+          <a:bodyPr lIns="50800" tIns="50800" rIns="50800" bIns="50800" anchor="ctr">
             <a:spAutoFit/>
           </a:bodyPr>
           <a:lstStyle>
-            <a:lvl1pPr algn="ctr">
-              <a:defRPr sz="6200">
+            <a:lvl1pPr marL="481263" indent="-481263">
+              <a:buSzPct val="100000"/>
+              <a:buAutoNum type="arabicPeriod" startAt="6"/>
+              <a:defRPr sz="3600">
                 <a:solidFill>
                   <a:srgbClr val="FFFFFF"/>
                 </a:solidFill>
-                <a:latin typeface="Microsoft YaHei"/>
-                <a:ea typeface="Microsoft YaHei"/>
-                <a:cs typeface="Microsoft YaHei"/>
-                <a:sym typeface="Microsoft YaHei"/>
+                <a:latin typeface="+mj-lt"/>
+                <a:ea typeface="+mj-ea"/>
+                <a:cs typeface="+mj-cs"/>
+                <a:sym typeface="Lucida Grande"/>
               </a:defRPr>
             </a:lvl1pPr>
           </a:lstStyle>
           <a:p>
+            <a:pPr/>
             <a:r>
-              <a:rPr lang="zh-Hans" altLang="en-US" sz="3600" dirty="0"/>
               <a:t>结论</a:t>
             </a:r>
-            <a:endParaRPr lang="ja-JP" altLang="en-US" sz="3600" dirty="0"/>
           </a:p>
         </p:txBody>
       </p:sp>
       <p:pic>
         <p:nvPicPr>
-          <p:cNvPr id="3" name="Screen Shot 2018-04-25 at 9.26.05 PM.png" descr="Screen Shot 2018-04-25 at 9.26.05 PM.png">
-            <a:extLst>
-              <a:ext uri="{FF2B5EF4-FFF2-40B4-BE49-F238E27FC236}">
-                <a16:creationId xmlns:a16="http://schemas.microsoft.com/office/drawing/2014/main" id="{C64DC834-E664-C243-990A-17C06E47FBB7}"/>
-              </a:ext>
-            </a:extLst>
-          </p:cNvPr>
+          <p:cNvPr id="198" name="Screen Shot 2018-04-25 at 9.26.05 PM.png" descr="Screen Shot 2018-04-25 at 9.26.05 PM.png"/>
           <p:cNvPicPr>
             <a:picLocks noChangeAspect="1"/>
           </p:cNvPicPr>
@@ -6024,8 +5946,8 @@
         </p:blipFill>
         <p:spPr>
           <a:xfrm>
-            <a:off x="1905161" y="2092749"/>
-            <a:ext cx="8931350" cy="7796085"/>
+            <a:off x="2449029" y="1249640"/>
+            <a:ext cx="9503742" cy="8295720"/>
           </a:xfrm>
           <a:prstGeom prst="rect">
             <a:avLst/>
@@ -6040,13 +5962,13 @@
   <p:clrMapOvr>
     <a:masterClrMapping/>
   </p:clrMapOvr>
-  <mc:AlternateContent xmlns:mc="http://schemas.openxmlformats.org/markup-compatibility/2006" xmlns:p14="http://schemas.microsoft.com/office/powerpoint/2010/main">
-    <mc:Choice Requires="p14">
-      <p:transition spd="slow" p14:dur="1500">
+  <mc:AlternateContent xmlns:mc="http://schemas.openxmlformats.org/markup-compatibility/2006">
+    <mc:Choice xmlns:p14="http://schemas.microsoft.com/office/powerpoint/2010/main" Requires="p14">
+      <p:transition spd="slow" advClick="1" p14:dur="1200">
         <p:dissolve/>
       </p:transition>
     </mc:Choice>
-    <mc:Fallback xmlns="">
+    <mc:Fallback>
       <p:transition spd="slow">
         <p:fade/>
       </p:transition>
@@ -6056,14 +5978,13 @@
 </file>
 
 <file path=ppt/slides/slide19.xml><?xml version="1.0" encoding="utf-8"?>
-<p:sld xmlns:a="http://schemas.openxmlformats.org/drawingml/2006/main" xmlns:r="http://schemas.openxmlformats.org/officeDocument/2006/relationships" xmlns:p="http://schemas.openxmlformats.org/presentationml/2006/main">
+<p:sld xmlns:a="http://schemas.openxmlformats.org/drawingml/2006/main" xmlns:r="http://schemas.openxmlformats.org/officeDocument/2006/relationships" xmlns:p="http://schemas.openxmlformats.org/presentationml/2006/main" showMasterSp="1" showMasterPhAnim="1">
   <p:cSld>
     <p:bg>
       <p:bgPr>
         <a:solidFill>
           <a:srgbClr val="739A98"/>
         </a:solidFill>
-        <a:effectLst/>
       </p:bgPr>
     </p:bg>
     <p:spTree>
@@ -6082,14 +6003,14 @@
       </p:grpSpPr>
       <p:sp>
         <p:nvSpPr>
-          <p:cNvPr id="198" name="TextBox 5"/>
+          <p:cNvPr id="200" name="TextBox 5"/>
           <p:cNvSpPr txBox="1"/>
           <p:nvPr/>
         </p:nvSpPr>
         <p:spPr>
           <a:xfrm>
-            <a:off x="4630454" y="4719506"/>
-            <a:ext cx="5684429" cy="1031237"/>
+            <a:off x="1883921" y="4799331"/>
+            <a:ext cx="11123701" cy="1196337"/>
           </a:xfrm>
           <a:prstGeom prst="rect">
             <a:avLst/>
@@ -6099,7 +6020,7 @@
           </a:ln>
           <a:extLst>
             <a:ext uri="{C572A759-6A51-4108-AA02-DFA0A04FC94B}">
-              <ma14:wrappingTextBoxFlag xmlns="" xmlns:ma14="http://schemas.microsoft.com/office/mac/drawingml/2011/main" val="1"/>
+              <ma14:wrappingTextBoxFlag xmlns:ma14="http://schemas.microsoft.com/office/mac/drawingml/2011/main" val="1"/>
             </a:ext>
           </a:extLst>
         </p:spPr>
@@ -6121,8 +6042,9 @@
             </a:lvl1pPr>
           </a:lstStyle>
           <a:p>
+            <a:pPr/>
             <a:r>
-              <a:t>THINKS</a:t>
+              <a:t>TypeScript 一些语法糖</a:t>
             </a:r>
           </a:p>
         </p:txBody>
@@ -6132,13 +6054,13 @@
   <p:clrMapOvr>
     <a:masterClrMapping/>
   </p:clrMapOvr>
-  <mc:AlternateContent xmlns:mc="http://schemas.openxmlformats.org/markup-compatibility/2006" xmlns:p14="http://schemas.microsoft.com/office/powerpoint/2010/main">
-    <mc:Choice Requires="p14">
-      <p:transition spd="slow" p14:dur="1500">
+  <mc:AlternateContent xmlns:mc="http://schemas.openxmlformats.org/markup-compatibility/2006">
+    <mc:Choice xmlns:p14="http://schemas.microsoft.com/office/powerpoint/2010/main" Requires="p14">
+      <p:transition spd="slow" advClick="1" p14:dur="1200">
         <p:dissolve/>
       </p:transition>
     </mc:Choice>
-    <mc:Fallback xmlns="">
+    <mc:Fallback>
       <p:transition spd="slow">
         <p:fade/>
       </p:transition>
@@ -6148,14 +6070,13 @@
 </file>
 
 <file path=ppt/slides/slide2.xml><?xml version="1.0" encoding="utf-8"?>
-<p:sld xmlns:a="http://schemas.openxmlformats.org/drawingml/2006/main" xmlns:r="http://schemas.openxmlformats.org/officeDocument/2006/relationships" xmlns:p="http://schemas.openxmlformats.org/presentationml/2006/main">
+<p:sld xmlns:a="http://schemas.openxmlformats.org/drawingml/2006/main" xmlns:r="http://schemas.openxmlformats.org/officeDocument/2006/relationships" xmlns:p="http://schemas.openxmlformats.org/presentationml/2006/main" showMasterSp="1" showMasterPhAnim="1">
   <p:cSld>
     <p:bg>
       <p:bgPr>
         <a:solidFill>
           <a:srgbClr val="739A98"/>
         </a:solidFill>
-        <a:effectLst/>
       </p:bgPr>
     </p:bg>
     <p:spTree>
@@ -6191,7 +6112,7 @@
           </a:ln>
           <a:extLst>
             <a:ext uri="{C572A759-6A51-4108-AA02-DFA0A04FC94B}">
-              <ma14:wrappingTextBoxFlag xmlns="" xmlns:ma14="http://schemas.microsoft.com/office/mac/drawingml/2011/main" val="1"/>
+              <ma14:wrappingTextBoxFlag xmlns:ma14="http://schemas.microsoft.com/office/mac/drawingml/2011/main" val="1"/>
             </a:ext>
           </a:extLst>
         </p:spPr>
@@ -6213,6 +6134,7 @@
             </a:lvl1pPr>
           </a:lstStyle>
           <a:p>
+            <a:pPr/>
             <a:r>
               <a:t>01</a:t>
             </a:r>
@@ -6238,7 +6160,7 @@
           </a:ln>
           <a:extLst>
             <a:ext uri="{C572A759-6A51-4108-AA02-DFA0A04FC94B}">
-              <ma14:wrappingTextBoxFlag xmlns="" xmlns:ma14="http://schemas.microsoft.com/office/mac/drawingml/2011/main" val="1"/>
+              <ma14:wrappingTextBoxFlag xmlns:ma14="http://schemas.microsoft.com/office/mac/drawingml/2011/main" val="1"/>
             </a:ext>
           </a:extLst>
         </p:spPr>
@@ -6260,6 +6182,7 @@
             </a:lvl1pPr>
           </a:lstStyle>
           <a:p>
+            <a:pPr/>
             <a:r>
               <a:t>02</a:t>
             </a:r>
@@ -6274,8 +6197,8 @@
         </p:nvSpPr>
         <p:spPr>
           <a:xfrm>
-            <a:off x="5395274" y="3357312"/>
-            <a:ext cx="6244738" cy="726437"/>
+            <a:off x="5153974" y="3357314"/>
+            <a:ext cx="6244739" cy="726437"/>
           </a:xfrm>
           <a:prstGeom prst="rect">
             <a:avLst/>
@@ -6285,7 +6208,7 @@
           </a:ln>
           <a:extLst>
             <a:ext uri="{C572A759-6A51-4108-AA02-DFA0A04FC94B}">
-              <ma14:wrappingTextBoxFlag xmlns="" xmlns:ma14="http://schemas.microsoft.com/office/mac/drawingml/2011/main" val="1"/>
+              <ma14:wrappingTextBoxFlag xmlns:ma14="http://schemas.microsoft.com/office/mac/drawingml/2011/main" val="1"/>
             </a:ext>
           </a:extLst>
         </p:spPr>
@@ -6298,7 +6221,7 @@
               <a:lnSpc>
                 <a:spcPct val="130000"/>
               </a:lnSpc>
-              <a:defRPr sz="3600" b="1">
+              <a:defRPr b="1" sz="3600">
                 <a:solidFill>
                   <a:srgbClr val="FFFFFF"/>
                 </a:solidFill>
@@ -6310,6 +6233,7 @@
             </a:lvl1pPr>
           </a:lstStyle>
           <a:p>
+            <a:pPr/>
             <a:r>
               <a:t>TypeScript 类型简单介绍</a:t>
             </a:r>
@@ -6324,8 +6248,8 @@
         </p:nvSpPr>
         <p:spPr>
           <a:xfrm>
-            <a:off x="5389336" y="4670799"/>
-            <a:ext cx="5015686" cy="637537"/>
+            <a:off x="5224236" y="4715252"/>
+            <a:ext cx="6677452" cy="726437"/>
           </a:xfrm>
           <a:prstGeom prst="rect">
             <a:avLst/>
@@ -6335,7 +6259,7 @@
           </a:ln>
           <a:extLst>
             <a:ext uri="{C572A759-6A51-4108-AA02-DFA0A04FC94B}">
-              <ma14:wrappingTextBoxFlag xmlns="" xmlns:ma14="http://schemas.microsoft.com/office/mac/drawingml/2011/main" val="1"/>
+              <ma14:wrappingTextBoxFlag xmlns:ma14="http://schemas.microsoft.com/office/mac/drawingml/2011/main" val="1"/>
             </a:ext>
           </a:extLst>
         </p:spPr>
@@ -6348,7 +6272,7 @@
               <a:lnSpc>
                 <a:spcPct val="130000"/>
               </a:lnSpc>
-              <a:defRPr sz="3600" b="1">
+              <a:defRPr b="1" sz="3600">
                 <a:solidFill>
                   <a:srgbClr val="FFFFFF"/>
                 </a:solidFill>
@@ -6360,8 +6284,9 @@
             </a:lvl1pPr>
           </a:lstStyle>
           <a:p>
+            <a:pPr/>
             <a:r>
-              <a:t>TypeScript 2.+</a:t>
+              <a:t>TypeScript 一些语法糖</a:t>
             </a:r>
           </a:p>
         </p:txBody>
@@ -6371,13 +6296,13 @@
   <p:clrMapOvr>
     <a:masterClrMapping/>
   </p:clrMapOvr>
-  <mc:AlternateContent xmlns:mc="http://schemas.openxmlformats.org/markup-compatibility/2006" xmlns:p14="http://schemas.microsoft.com/office/powerpoint/2010/main">
-    <mc:Choice Requires="p14">
-      <p:transition spd="slow" p14:dur="1200">
+  <mc:AlternateContent xmlns:mc="http://schemas.openxmlformats.org/markup-compatibility/2006">
+    <mc:Choice xmlns:p14="http://schemas.microsoft.com/office/powerpoint/2010/main" Requires="p14">
+      <p:transition spd="slow" advClick="1" p14:dur="1200">
         <p:dissolve/>
       </p:transition>
     </mc:Choice>
-    <mc:Fallback xmlns="">
+    <mc:Fallback>
       <p:transition spd="slow">
         <p:fade/>
       </p:transition>
@@ -6386,15 +6311,14 @@
 </p:sld>
 </file>
 
-<file path=ppt/slides/slide3.xml><?xml version="1.0" encoding="utf-8"?>
-<p:sld xmlns:a="http://schemas.openxmlformats.org/drawingml/2006/main" xmlns:r="http://schemas.openxmlformats.org/officeDocument/2006/relationships" xmlns:p="http://schemas.openxmlformats.org/presentationml/2006/main">
+<file path=ppt/slides/slide20.xml><?xml version="1.0" encoding="utf-8"?>
+<p:sld xmlns:a="http://schemas.openxmlformats.org/drawingml/2006/main" xmlns:r="http://schemas.openxmlformats.org/officeDocument/2006/relationships" xmlns:p="http://schemas.openxmlformats.org/presentationml/2006/main" showMasterSp="1" showMasterPhAnim="1">
   <p:cSld>
     <p:bg>
       <p:bgPr>
         <a:solidFill>
           <a:srgbClr val="739A98"/>
         </a:solidFill>
-        <a:effectLst/>
       </p:bgPr>
     </p:bg>
     <p:spTree>
@@ -6413,14 +6337,14 @@
       </p:grpSpPr>
       <p:sp>
         <p:nvSpPr>
-          <p:cNvPr id="131" name="文本框 81"/>
+          <p:cNvPr id="202" name="TextBox 5"/>
           <p:cNvSpPr txBox="1"/>
           <p:nvPr/>
         </p:nvSpPr>
         <p:spPr>
           <a:xfrm>
-            <a:off x="4978379" y="2988689"/>
-            <a:ext cx="4445042" cy="4817619"/>
+            <a:off x="927850" y="824231"/>
+            <a:ext cx="6016961" cy="726437"/>
           </a:xfrm>
           <a:prstGeom prst="rect">
             <a:avLst/>
@@ -6430,44 +6354,47 @@
           </a:ln>
           <a:extLst>
             <a:ext uri="{C572A759-6A51-4108-AA02-DFA0A04FC94B}">
-              <ma14:wrappingTextBoxFlag xmlns="" xmlns:ma14="http://schemas.microsoft.com/office/mac/drawingml/2011/main" val="1"/>
+              <ma14:wrappingTextBoxFlag xmlns:ma14="http://schemas.microsoft.com/office/mac/drawingml/2011/main" val="1"/>
             </a:ext>
           </a:extLst>
         </p:spPr>
         <p:txBody>
-          <a:bodyPr lIns="72009" tIns="72009" rIns="72009" bIns="72009">
+          <a:bodyPr lIns="45718" tIns="45718" rIns="45718" bIns="45718">
             <a:spAutoFit/>
           </a:bodyPr>
           <a:lstStyle>
-            <a:lvl1pPr>
-              <a:defRPr sz="30000">
+            <a:lvl1pPr marL="360947" indent="-360947">
+              <a:buSzPct val="100000"/>
+              <a:buChar char="•"/>
+              <a:defRPr sz="3600">
                 <a:solidFill>
-                  <a:srgbClr val="DBEEF4"/>
+                  <a:srgbClr val="FFFFFF"/>
                 </a:solidFill>
-                <a:latin typeface="Century Gothic"/>
-                <a:ea typeface="Century Gothic"/>
-                <a:cs typeface="Century Gothic"/>
-                <a:sym typeface="Century Gothic"/>
+                <a:latin typeface="Microsoft YaHei"/>
+                <a:ea typeface="Microsoft YaHei"/>
+                <a:cs typeface="Microsoft YaHei"/>
+                <a:sym typeface="Microsoft YaHei"/>
               </a:defRPr>
             </a:lvl1pPr>
           </a:lstStyle>
           <a:p>
+            <a:pPr/>
             <a:r>
-              <a:t>01</a:t>
+              <a:t>import require 与 export = </a:t>
             </a:r>
           </a:p>
         </p:txBody>
       </p:sp>
       <p:sp>
         <p:nvSpPr>
-          <p:cNvPr id="132" name="Rectangle 18"/>
+          <p:cNvPr id="203" name="import koa = require(‘Koa’)"/>
           <p:cNvSpPr txBox="1"/>
           <p:nvPr/>
         </p:nvSpPr>
         <p:spPr>
           <a:xfrm>
-            <a:off x="4214108" y="4767581"/>
-            <a:ext cx="5973584" cy="1259837"/>
+            <a:off x="3833167" y="2489200"/>
+            <a:ext cx="4618634" cy="533401"/>
           </a:xfrm>
           <a:prstGeom prst="rect">
             <a:avLst/>
@@ -6477,7 +6404,467 @@
           </a:ln>
           <a:extLst>
             <a:ext uri="{C572A759-6A51-4108-AA02-DFA0A04FC94B}">
-              <ma14:wrappingTextBoxFlag xmlns="" xmlns:ma14="http://schemas.microsoft.com/office/mac/drawingml/2011/main" val="1"/>
+              <ma14:wrappingTextBoxFlag xmlns:ma14="http://schemas.microsoft.com/office/mac/drawingml/2011/main" val="1"/>
+            </a:ext>
+          </a:extLst>
+        </p:spPr>
+        <p:txBody>
+          <a:bodyPr lIns="50800" tIns="50800" rIns="50800" bIns="50800" anchor="ctr">
+            <a:spAutoFit/>
+          </a:bodyPr>
+          <a:lstStyle>
+            <a:lvl1pPr>
+              <a:defRPr>
+                <a:solidFill>
+                  <a:srgbClr val="FFFFFF"/>
+                </a:solidFill>
+              </a:defRPr>
+            </a:lvl1pPr>
+          </a:lstStyle>
+          <a:p>
+            <a:pPr/>
+            <a:r>
+              <a:t>import koa = require(‘Koa’)</a:t>
+            </a:r>
+          </a:p>
+        </p:txBody>
+      </p:sp>
+    </p:spTree>
+  </p:cSld>
+  <p:clrMapOvr>
+    <a:masterClrMapping/>
+  </p:clrMapOvr>
+  <mc:AlternateContent xmlns:mc="http://schemas.openxmlformats.org/markup-compatibility/2006">
+    <mc:Choice xmlns:p14="http://schemas.microsoft.com/office/powerpoint/2010/main" Requires="p14">
+      <p:transition spd="slow" advClick="1" p14:dur="1500">
+        <p:dissolve/>
+      </p:transition>
+    </mc:Choice>
+    <mc:Fallback>
+      <p:transition spd="slow">
+        <p:fade/>
+      </p:transition>
+    </mc:Fallback>
+  </mc:AlternateContent>
+</p:sld>
+</file>
+
+<file path=ppt/slides/slide21.xml><?xml version="1.0" encoding="utf-8"?>
+<p:sld xmlns:a="http://schemas.openxmlformats.org/drawingml/2006/main" xmlns:r="http://schemas.openxmlformats.org/officeDocument/2006/relationships" xmlns:p="http://schemas.openxmlformats.org/presentationml/2006/main" showMasterSp="1" showMasterPhAnim="1">
+  <p:cSld>
+    <p:bg>
+      <p:bgPr>
+        <a:solidFill>
+          <a:srgbClr val="739A98"/>
+        </a:solidFill>
+      </p:bgPr>
+    </p:bg>
+    <p:spTree>
+      <p:nvGrpSpPr>
+        <p:cNvPr id="1" name=""/>
+        <p:cNvGrpSpPr/>
+        <p:nvPr/>
+      </p:nvGrpSpPr>
+      <p:grpSpPr>
+        <a:xfrm>
+          <a:off x="0" y="0"/>
+          <a:ext cx="0" cy="0"/>
+          <a:chOff x="0" y="0"/>
+          <a:chExt cx="0" cy="0"/>
+        </a:xfrm>
+      </p:grpSpPr>
+      <p:sp>
+        <p:nvSpPr>
+          <p:cNvPr id="205" name="TextBox 5"/>
+          <p:cNvSpPr txBox="1"/>
+          <p:nvPr/>
+        </p:nvSpPr>
+        <p:spPr>
+          <a:xfrm>
+            <a:off x="927850" y="824231"/>
+            <a:ext cx="6016961" cy="637537"/>
+          </a:xfrm>
+          <a:prstGeom prst="rect">
+            <a:avLst/>
+          </a:prstGeom>
+          <a:ln w="12700">
+            <a:miter lim="400000"/>
+          </a:ln>
+          <a:extLst>
+            <a:ext uri="{C572A759-6A51-4108-AA02-DFA0A04FC94B}">
+              <ma14:wrappingTextBoxFlag xmlns:ma14="http://schemas.microsoft.com/office/mac/drawingml/2011/main" val="1"/>
+            </a:ext>
+          </a:extLst>
+        </p:spPr>
+        <p:txBody>
+          <a:bodyPr lIns="45718" tIns="45718" rIns="45718" bIns="45718">
+            <a:spAutoFit/>
+          </a:bodyPr>
+          <a:lstStyle>
+            <a:lvl1pPr marL="360947" indent="-360947">
+              <a:buSzPct val="100000"/>
+              <a:buChar char="•"/>
+              <a:defRPr sz="3600">
+                <a:solidFill>
+                  <a:srgbClr val="FFFFFF"/>
+                </a:solidFill>
+                <a:latin typeface="Microsoft YaHei"/>
+                <a:ea typeface="Microsoft YaHei"/>
+                <a:cs typeface="Microsoft YaHei"/>
+                <a:sym typeface="Microsoft YaHei"/>
+              </a:defRPr>
+            </a:lvl1pPr>
+          </a:lstStyle>
+          <a:p>
+            <a:pPr/>
+            <a:r>
+              <a:t>keyof</a:t>
+            </a:r>
+          </a:p>
+        </p:txBody>
+      </p:sp>
+    </p:spTree>
+  </p:cSld>
+  <p:clrMapOvr>
+    <a:masterClrMapping/>
+  </p:clrMapOvr>
+  <mc:AlternateContent xmlns:mc="http://schemas.openxmlformats.org/markup-compatibility/2006">
+    <mc:Choice xmlns:p14="http://schemas.microsoft.com/office/powerpoint/2010/main" Requires="p14">
+      <p:transition spd="slow" advClick="1" p14:dur="1500">
+        <p:dissolve/>
+      </p:transition>
+    </mc:Choice>
+    <mc:Fallback>
+      <p:transition spd="slow">
+        <p:fade/>
+      </p:transition>
+    </mc:Fallback>
+  </mc:AlternateContent>
+</p:sld>
+</file>
+
+<file path=ppt/slides/slide22.xml><?xml version="1.0" encoding="utf-8"?>
+<p:sld xmlns:a="http://schemas.openxmlformats.org/drawingml/2006/main" xmlns:r="http://schemas.openxmlformats.org/officeDocument/2006/relationships" xmlns:p="http://schemas.openxmlformats.org/presentationml/2006/main" showMasterSp="1" showMasterPhAnim="1">
+  <p:cSld>
+    <p:bg>
+      <p:bgPr>
+        <a:solidFill>
+          <a:srgbClr val="739A98"/>
+        </a:solidFill>
+      </p:bgPr>
+    </p:bg>
+    <p:spTree>
+      <p:nvGrpSpPr>
+        <p:cNvPr id="1" name=""/>
+        <p:cNvGrpSpPr/>
+        <p:nvPr/>
+      </p:nvGrpSpPr>
+      <p:grpSpPr>
+        <a:xfrm>
+          <a:off x="0" y="0"/>
+          <a:ext cx="0" cy="0"/>
+          <a:chOff x="0" y="0"/>
+          <a:chExt cx="0" cy="0"/>
+        </a:xfrm>
+      </p:grpSpPr>
+      <p:sp>
+        <p:nvSpPr>
+          <p:cNvPr id="207" name="TextBox 5"/>
+          <p:cNvSpPr txBox="1"/>
+          <p:nvPr/>
+        </p:nvSpPr>
+        <p:spPr>
+          <a:xfrm>
+            <a:off x="927850" y="824231"/>
+            <a:ext cx="8149222" cy="726437"/>
+          </a:xfrm>
+          <a:prstGeom prst="rect">
+            <a:avLst/>
+          </a:prstGeom>
+          <a:ln w="12700">
+            <a:miter lim="400000"/>
+          </a:ln>
+          <a:extLst>
+            <a:ext uri="{C572A759-6A51-4108-AA02-DFA0A04FC94B}">
+              <ma14:wrappingTextBoxFlag xmlns:ma14="http://schemas.microsoft.com/office/mac/drawingml/2011/main" val="1"/>
+            </a:ext>
+          </a:extLst>
+        </p:spPr>
+        <p:txBody>
+          <a:bodyPr lIns="45718" tIns="45718" rIns="45718" bIns="45718">
+            <a:spAutoFit/>
+          </a:bodyPr>
+          <a:lstStyle>
+            <a:lvl1pPr marL="360947" indent="-360947">
+              <a:buSzPct val="100000"/>
+              <a:buChar char="•"/>
+              <a:defRPr sz="3600">
+                <a:solidFill>
+                  <a:srgbClr val="FFFFFF"/>
+                </a:solidFill>
+                <a:latin typeface="Microsoft YaHei"/>
+                <a:ea typeface="Microsoft YaHei"/>
+                <a:cs typeface="Microsoft YaHei"/>
+                <a:sym typeface="Microsoft YaHei"/>
+              </a:defRPr>
+            </a:lvl1pPr>
+          </a:lstStyle>
+          <a:p>
+            <a:pPr/>
+            <a:r>
+              <a:t>Partial、Readonly、Record、Pick</a:t>
+            </a:r>
+          </a:p>
+        </p:txBody>
+      </p:sp>
+    </p:spTree>
+  </p:cSld>
+  <p:clrMapOvr>
+    <a:masterClrMapping/>
+  </p:clrMapOvr>
+  <mc:AlternateContent xmlns:mc="http://schemas.openxmlformats.org/markup-compatibility/2006">
+    <mc:Choice xmlns:p14="http://schemas.microsoft.com/office/powerpoint/2010/main" Requires="p14">
+      <p:transition spd="slow" advClick="1" p14:dur="1500">
+        <p:dissolve/>
+      </p:transition>
+    </mc:Choice>
+    <mc:Fallback>
+      <p:transition spd="slow">
+        <p:fade/>
+      </p:transition>
+    </mc:Fallback>
+  </mc:AlternateContent>
+</p:sld>
+</file>
+
+<file path=ppt/slides/slide23.xml><?xml version="1.0" encoding="utf-8"?>
+<p:sld xmlns:a="http://schemas.openxmlformats.org/drawingml/2006/main" xmlns:r="http://schemas.openxmlformats.org/officeDocument/2006/relationships" xmlns:p="http://schemas.openxmlformats.org/presentationml/2006/main" showMasterSp="1" showMasterPhAnim="1">
+  <p:cSld>
+    <p:bg>
+      <p:bgPr>
+        <a:solidFill>
+          <a:srgbClr val="739A98"/>
+        </a:solidFill>
+      </p:bgPr>
+    </p:bg>
+    <p:spTree>
+      <p:nvGrpSpPr>
+        <p:cNvPr id="1" name=""/>
+        <p:cNvGrpSpPr/>
+        <p:nvPr/>
+      </p:nvGrpSpPr>
+      <p:grpSpPr>
+        <a:xfrm>
+          <a:off x="0" y="0"/>
+          <a:ext cx="0" cy="0"/>
+          <a:chOff x="0" y="0"/>
+          <a:chExt cx="0" cy="0"/>
+        </a:xfrm>
+      </p:grpSpPr>
+      <p:sp>
+        <p:nvSpPr>
+          <p:cNvPr id="209" name="TextBox 5"/>
+          <p:cNvSpPr txBox="1"/>
+          <p:nvPr/>
+        </p:nvSpPr>
+        <p:spPr>
+          <a:xfrm>
+            <a:off x="4358685" y="4881881"/>
+            <a:ext cx="5684430" cy="1031237"/>
+          </a:xfrm>
+          <a:prstGeom prst="rect">
+            <a:avLst/>
+          </a:prstGeom>
+          <a:ln w="12700">
+            <a:miter lim="400000"/>
+          </a:ln>
+          <a:extLst>
+            <a:ext uri="{C572A759-6A51-4108-AA02-DFA0A04FC94B}">
+              <ma14:wrappingTextBoxFlag xmlns:ma14="http://schemas.microsoft.com/office/mac/drawingml/2011/main" val="1"/>
+            </a:ext>
+          </a:extLst>
+        </p:spPr>
+        <p:txBody>
+          <a:bodyPr lIns="45718" tIns="45718" rIns="45718" bIns="45718">
+            <a:spAutoFit/>
+          </a:bodyPr>
+          <a:lstStyle>
+            <a:lvl1pPr algn="ctr">
+              <a:defRPr sz="6200">
+                <a:solidFill>
+                  <a:srgbClr val="FFFFFF"/>
+                </a:solidFill>
+                <a:latin typeface="Microsoft YaHei"/>
+                <a:ea typeface="Microsoft YaHei"/>
+                <a:cs typeface="Microsoft YaHei"/>
+                <a:sym typeface="Microsoft YaHei"/>
+              </a:defRPr>
+            </a:lvl1pPr>
+          </a:lstStyle>
+          <a:p>
+            <a:pPr/>
+            <a:r>
+              <a:t>Q&amp;A</a:t>
+            </a:r>
+          </a:p>
+        </p:txBody>
+      </p:sp>
+    </p:spTree>
+  </p:cSld>
+  <p:clrMapOvr>
+    <a:masterClrMapping/>
+  </p:clrMapOvr>
+  <mc:AlternateContent xmlns:mc="http://schemas.openxmlformats.org/markup-compatibility/2006">
+    <mc:Choice xmlns:p14="http://schemas.microsoft.com/office/powerpoint/2010/main" Requires="p14">
+      <p:transition spd="slow" advClick="1" p14:dur="1500">
+        <p:dissolve/>
+      </p:transition>
+    </mc:Choice>
+    <mc:Fallback>
+      <p:transition spd="slow">
+        <p:fade/>
+      </p:transition>
+    </mc:Fallback>
+  </mc:AlternateContent>
+</p:sld>
+</file>
+
+<file path=ppt/slides/slide24.xml><?xml version="1.0" encoding="utf-8"?>
+<p:sld xmlns:a="http://schemas.openxmlformats.org/drawingml/2006/main" xmlns:r="http://schemas.openxmlformats.org/officeDocument/2006/relationships" xmlns:p="http://schemas.openxmlformats.org/presentationml/2006/main" showMasterSp="1" showMasterPhAnim="1">
+  <p:cSld>
+    <p:bg>
+      <p:bgPr>
+        <a:solidFill>
+          <a:srgbClr val="739A98"/>
+        </a:solidFill>
+      </p:bgPr>
+    </p:bg>
+    <p:spTree>
+      <p:nvGrpSpPr>
+        <p:cNvPr id="1" name=""/>
+        <p:cNvGrpSpPr/>
+        <p:nvPr/>
+      </p:nvGrpSpPr>
+      <p:grpSpPr>
+        <a:xfrm>
+          <a:off x="0" y="0"/>
+          <a:ext cx="0" cy="0"/>
+          <a:chOff x="0" y="0"/>
+          <a:chExt cx="0" cy="0"/>
+        </a:xfrm>
+      </p:grpSpPr>
+      <p:sp>
+        <p:nvSpPr>
+          <p:cNvPr id="211" name="TextBox 5"/>
+          <p:cNvSpPr txBox="1"/>
+          <p:nvPr/>
+        </p:nvSpPr>
+        <p:spPr>
+          <a:xfrm>
+            <a:off x="4630454" y="4719506"/>
+            <a:ext cx="5684430" cy="1031237"/>
+          </a:xfrm>
+          <a:prstGeom prst="rect">
+            <a:avLst/>
+          </a:prstGeom>
+          <a:ln w="12700">
+            <a:miter lim="400000"/>
+          </a:ln>
+          <a:extLst>
+            <a:ext uri="{C572A759-6A51-4108-AA02-DFA0A04FC94B}">
+              <ma14:wrappingTextBoxFlag xmlns:ma14="http://schemas.microsoft.com/office/mac/drawingml/2011/main" val="1"/>
+            </a:ext>
+          </a:extLst>
+        </p:spPr>
+        <p:txBody>
+          <a:bodyPr lIns="45718" tIns="45718" rIns="45718" bIns="45718">
+            <a:spAutoFit/>
+          </a:bodyPr>
+          <a:lstStyle>
+            <a:lvl1pPr algn="ctr">
+              <a:defRPr sz="6200">
+                <a:solidFill>
+                  <a:srgbClr val="FFFFFF"/>
+                </a:solidFill>
+                <a:latin typeface="Microsoft YaHei"/>
+                <a:ea typeface="Microsoft YaHei"/>
+                <a:cs typeface="Microsoft YaHei"/>
+                <a:sym typeface="Microsoft YaHei"/>
+              </a:defRPr>
+            </a:lvl1pPr>
+          </a:lstStyle>
+          <a:p>
+            <a:pPr/>
+            <a:r>
+              <a:t>THINKS</a:t>
+            </a:r>
+          </a:p>
+        </p:txBody>
+      </p:sp>
+    </p:spTree>
+  </p:cSld>
+  <p:clrMapOvr>
+    <a:masterClrMapping/>
+  </p:clrMapOvr>
+  <mc:AlternateContent xmlns:mc="http://schemas.openxmlformats.org/markup-compatibility/2006">
+    <mc:Choice xmlns:p14="http://schemas.microsoft.com/office/powerpoint/2010/main" Requires="p14">
+      <p:transition spd="slow" advClick="1" p14:dur="1500">
+        <p:dissolve/>
+      </p:transition>
+    </mc:Choice>
+    <mc:Fallback>
+      <p:transition spd="slow">
+        <p:fade/>
+      </p:transition>
+    </mc:Fallback>
+  </mc:AlternateContent>
+</p:sld>
+</file>
+
+<file path=ppt/slides/slide3.xml><?xml version="1.0" encoding="utf-8"?>
+<p:sld xmlns:a="http://schemas.openxmlformats.org/drawingml/2006/main" xmlns:r="http://schemas.openxmlformats.org/officeDocument/2006/relationships" xmlns:p="http://schemas.openxmlformats.org/presentationml/2006/main" showMasterSp="1" showMasterPhAnim="1">
+  <p:cSld>
+    <p:bg>
+      <p:bgPr>
+        <a:solidFill>
+          <a:srgbClr val="739A98"/>
+        </a:solidFill>
+      </p:bgPr>
+    </p:bg>
+    <p:spTree>
+      <p:nvGrpSpPr>
+        <p:cNvPr id="1" name=""/>
+        <p:cNvGrpSpPr/>
+        <p:nvPr/>
+      </p:nvGrpSpPr>
+      <p:grpSpPr>
+        <a:xfrm>
+          <a:off x="0" y="0"/>
+          <a:ext cx="0" cy="0"/>
+          <a:chOff x="0" y="0"/>
+          <a:chExt cx="0" cy="0"/>
+        </a:xfrm>
+      </p:grpSpPr>
+      <p:sp>
+        <p:nvSpPr>
+          <p:cNvPr id="131" name="Rectangle 18"/>
+          <p:cNvSpPr txBox="1"/>
+          <p:nvPr/>
+        </p:nvSpPr>
+        <p:spPr>
+          <a:xfrm>
+            <a:off x="4214107" y="4767581"/>
+            <a:ext cx="5973584" cy="1259837"/>
+          </a:xfrm>
+          <a:prstGeom prst="rect">
+            <a:avLst/>
+          </a:prstGeom>
+          <a:ln w="12700">
+            <a:miter lim="400000"/>
+          </a:ln>
+          <a:extLst>
+            <a:ext uri="{C572A759-6A51-4108-AA02-DFA0A04FC94B}">
+              <ma14:wrappingTextBoxFlag xmlns:ma14="http://schemas.microsoft.com/office/mac/drawingml/2011/main" val="1"/>
             </a:ext>
           </a:extLst>
         </p:spPr>
@@ -6499,6 +6886,7 @@
             </a:lvl1pPr>
           </a:lstStyle>
           <a:p>
+            <a:pPr/>
             <a:r>
               <a:t>TypeScript 类型</a:t>
             </a:r>
@@ -6510,13 +6898,13 @@
   <p:clrMapOvr>
     <a:masterClrMapping/>
   </p:clrMapOvr>
-  <mc:AlternateContent xmlns:mc="http://schemas.openxmlformats.org/markup-compatibility/2006" xmlns:p14="http://schemas.microsoft.com/office/powerpoint/2010/main">
-    <mc:Choice Requires="p14">
-      <p:transition spd="slow" p14:dur="1200">
+  <mc:AlternateContent xmlns:mc="http://schemas.openxmlformats.org/markup-compatibility/2006">
+    <mc:Choice xmlns:p14="http://schemas.microsoft.com/office/powerpoint/2010/main" Requires="p14">
+      <p:transition spd="slow" advClick="1" p14:dur="1200">
         <p:dissolve/>
       </p:transition>
     </mc:Choice>
-    <mc:Fallback xmlns="">
+    <mc:Fallback>
       <p:transition spd="slow">
         <p:fade/>
       </p:transition>
@@ -6526,14 +6914,13 @@
 </file>
 
 <file path=ppt/slides/slide4.xml><?xml version="1.0" encoding="utf-8"?>
-<p:sld xmlns:a="http://schemas.openxmlformats.org/drawingml/2006/main" xmlns:r="http://schemas.openxmlformats.org/officeDocument/2006/relationships" xmlns:p="http://schemas.openxmlformats.org/presentationml/2006/main">
+<p:sld xmlns:a="http://schemas.openxmlformats.org/drawingml/2006/main" xmlns:r="http://schemas.openxmlformats.org/officeDocument/2006/relationships" xmlns:p="http://schemas.openxmlformats.org/presentationml/2006/main" showMasterSp="1" showMasterPhAnim="1">
   <p:cSld>
     <p:bg>
       <p:bgPr>
         <a:solidFill>
           <a:srgbClr val="739A98"/>
         </a:solidFill>
-        <a:effectLst/>
       </p:bgPr>
     </p:bg>
     <p:spTree>
@@ -6552,7 +6939,7 @@
       </p:grpSpPr>
       <p:pic>
         <p:nvPicPr>
-          <p:cNvPr id="134" name="Screen Shot 2018-04-25 at 9.26.05 PM.png" descr="Screen Shot 2018-04-25 at 9.26.05 PM.png"/>
+          <p:cNvPr id="133" name="Screen Shot 2018-04-25 at 9.26.05 PM.png" descr="Screen Shot 2018-04-25 at 9.26.05 PM.png"/>
           <p:cNvPicPr>
             <a:picLocks noChangeAspect="1"/>
           </p:cNvPicPr>
@@ -6568,8 +6955,8 @@
         </p:blipFill>
         <p:spPr>
           <a:xfrm>
-            <a:off x="1904343" y="774189"/>
-            <a:ext cx="10593114" cy="9246622"/>
+            <a:off x="1904343" y="774188"/>
+            <a:ext cx="10593114" cy="9246623"/>
           </a:xfrm>
           <a:prstGeom prst="rect">
             <a:avLst/>
@@ -6584,13 +6971,13 @@
   <p:clrMapOvr>
     <a:masterClrMapping/>
   </p:clrMapOvr>
-  <mc:AlternateContent xmlns:mc="http://schemas.openxmlformats.org/markup-compatibility/2006" xmlns:p14="http://schemas.microsoft.com/office/powerpoint/2010/main">
-    <mc:Choice Requires="p14">
-      <p:transition spd="slow" p14:dur="1200">
+  <mc:AlternateContent xmlns:mc="http://schemas.openxmlformats.org/markup-compatibility/2006">
+    <mc:Choice xmlns:p14="http://schemas.microsoft.com/office/powerpoint/2010/main" Requires="p14">
+      <p:transition spd="slow" advClick="1" p14:dur="1200">
         <p:dissolve/>
       </p:transition>
     </mc:Choice>
-    <mc:Fallback xmlns="">
+    <mc:Fallback>
       <p:transition spd="slow">
         <p:fade/>
       </p:transition>
@@ -6600,14 +6987,13 @@
 </file>
 
 <file path=ppt/slides/slide5.xml><?xml version="1.0" encoding="utf-8"?>
-<p:sld xmlns:a="http://schemas.openxmlformats.org/drawingml/2006/main" xmlns:r="http://schemas.openxmlformats.org/officeDocument/2006/relationships" xmlns:p="http://schemas.openxmlformats.org/presentationml/2006/main">
+<p:sld xmlns:a="http://schemas.openxmlformats.org/drawingml/2006/main" xmlns:r="http://schemas.openxmlformats.org/officeDocument/2006/relationships" xmlns:p="http://schemas.openxmlformats.org/presentationml/2006/main" showMasterSp="1" showMasterPhAnim="1">
   <p:cSld>
     <p:bg>
       <p:bgPr>
         <a:solidFill>
           <a:srgbClr val="739A98"/>
         </a:solidFill>
-        <a:effectLst/>
       </p:bgPr>
     </p:bg>
     <p:spTree>
@@ -6626,13 +7012,13 @@
       </p:grpSpPr>
       <p:sp>
         <p:nvSpPr>
-          <p:cNvPr id="136" name="基础数据类型"/>
+          <p:cNvPr id="135" name="基础数据类型"/>
           <p:cNvSpPr txBox="1"/>
           <p:nvPr/>
         </p:nvSpPr>
         <p:spPr>
           <a:xfrm>
-            <a:off x="1190748" y="330200"/>
+            <a:off x="1190748" y="330199"/>
             <a:ext cx="3749329" cy="736601"/>
           </a:xfrm>
           <a:prstGeom prst="rect">
@@ -6643,7 +7029,7 @@
           </a:ln>
           <a:extLst>
             <a:ext uri="{C572A759-6A51-4108-AA02-DFA0A04FC94B}">
-              <ma14:wrappingTextBoxFlag xmlns="" xmlns:ma14="http://schemas.microsoft.com/office/mac/drawingml/2011/main" val="1"/>
+              <ma14:wrappingTextBoxFlag xmlns:ma14="http://schemas.microsoft.com/office/mac/drawingml/2011/main" val="1"/>
             </a:ext>
           </a:extLst>
         </p:spPr>
@@ -6654,15 +7040,20 @@
           <a:lstStyle>
             <a:lvl1pPr marL="481263" indent="-481263">
               <a:buSzPct val="100000"/>
-              <a:buAutoNum type="arabicPeriod"/>
+              <a:buAutoNum type="arabicPeriod" startAt="1"/>
               <a:defRPr sz="3600">
                 <a:solidFill>
                   <a:srgbClr val="FFFFFF"/>
                 </a:solidFill>
+                <a:latin typeface="+mj-lt"/>
+                <a:ea typeface="+mj-ea"/>
+                <a:cs typeface="+mj-cs"/>
+                <a:sym typeface="Lucida Grande"/>
               </a:defRPr>
             </a:lvl1pPr>
           </a:lstStyle>
           <a:p>
+            <a:pPr/>
             <a:r>
               <a:t>基础数据类型</a:t>
             </a:r>
@@ -6671,7 +7062,7 @@
       </p:sp>
       <p:pic>
         <p:nvPicPr>
-          <p:cNvPr id="137" name="Screen Shot 2018-05-06 at 9.17.03 AM.png" descr="Screen Shot 2018-05-06 at 9.17.03 AM.png"/>
+          <p:cNvPr id="136" name="Screen Shot 2018-05-06 at 9.17.03 AM.png" descr="Screen Shot 2018-05-06 at 9.17.03 AM.png"/>
           <p:cNvPicPr>
             <a:picLocks noChangeAspect="1"/>
           </p:cNvPicPr>
@@ -6687,8 +7078,8 @@
         </p:blipFill>
         <p:spPr>
           <a:xfrm>
-            <a:off x="1739379" y="1517631"/>
-            <a:ext cx="10923042" cy="9222998"/>
+            <a:off x="1739378" y="1517631"/>
+            <a:ext cx="10923043" cy="9222999"/>
           </a:xfrm>
           <a:prstGeom prst="rect">
             <a:avLst/>
@@ -6703,13 +7094,13 @@
   <p:clrMapOvr>
     <a:masterClrMapping/>
   </p:clrMapOvr>
-  <mc:AlternateContent xmlns:mc="http://schemas.openxmlformats.org/markup-compatibility/2006" xmlns:p14="http://schemas.microsoft.com/office/powerpoint/2010/main">
-    <mc:Choice Requires="p14">
-      <p:transition spd="slow" p14:dur="1200">
+  <mc:AlternateContent xmlns:mc="http://schemas.openxmlformats.org/markup-compatibility/2006">
+    <mc:Choice xmlns:p14="http://schemas.microsoft.com/office/powerpoint/2010/main" Requires="p14">
+      <p:transition spd="slow" advClick="1" p14:dur="1200">
         <p:dissolve/>
       </p:transition>
     </mc:Choice>
-    <mc:Fallback xmlns="">
+    <mc:Fallback>
       <p:transition spd="slow">
         <p:fade/>
       </p:transition>
@@ -6719,14 +7110,13 @@
 </file>
 
 <file path=ppt/slides/slide6.xml><?xml version="1.0" encoding="utf-8"?>
-<p:sld xmlns:a="http://schemas.openxmlformats.org/drawingml/2006/main" xmlns:r="http://schemas.openxmlformats.org/officeDocument/2006/relationships" xmlns:p="http://schemas.openxmlformats.org/presentationml/2006/main">
+<p:sld xmlns:a="http://schemas.openxmlformats.org/drawingml/2006/main" xmlns:r="http://schemas.openxmlformats.org/officeDocument/2006/relationships" xmlns:p="http://schemas.openxmlformats.org/presentationml/2006/main" showMasterSp="1" showMasterPhAnim="1">
   <p:cSld>
     <p:bg>
       <p:bgPr>
         <a:solidFill>
           <a:srgbClr val="739A98"/>
         </a:solidFill>
-        <a:effectLst/>
       </p:bgPr>
     </p:bg>
     <p:spTree>
@@ -6745,14 +7135,14 @@
       </p:grpSpPr>
       <p:sp>
         <p:nvSpPr>
-          <p:cNvPr id="139" name="函数类型"/>
+          <p:cNvPr id="138" name="函数类型"/>
           <p:cNvSpPr txBox="1"/>
           <p:nvPr/>
         </p:nvSpPr>
         <p:spPr>
           <a:xfrm>
-            <a:off x="1187772" y="511580"/>
-            <a:ext cx="4863456" cy="736601"/>
+            <a:off x="1187771" y="511580"/>
+            <a:ext cx="4863458" cy="736601"/>
           </a:xfrm>
           <a:prstGeom prst="rect">
             <a:avLst/>
@@ -6762,7 +7152,7 @@
           </a:ln>
           <a:extLst>
             <a:ext uri="{C572A759-6A51-4108-AA02-DFA0A04FC94B}">
-              <ma14:wrappingTextBoxFlag xmlns="" xmlns:ma14="http://schemas.microsoft.com/office/mac/drawingml/2011/main" val="1"/>
+              <ma14:wrappingTextBoxFlag xmlns:ma14="http://schemas.microsoft.com/office/mac/drawingml/2011/main" val="1"/>
             </a:ext>
           </a:extLst>
         </p:spPr>
@@ -6778,10 +7168,15 @@
                 <a:solidFill>
                   <a:srgbClr val="FFFFFF"/>
                 </a:solidFill>
+                <a:latin typeface="+mj-lt"/>
+                <a:ea typeface="+mj-ea"/>
+                <a:cs typeface="+mj-cs"/>
+                <a:sym typeface="Lucida Grande"/>
               </a:defRPr>
             </a:lvl1pPr>
           </a:lstStyle>
           <a:p>
+            <a:pPr/>
             <a:r>
               <a:t>函数类型</a:t>
             </a:r>
@@ -6790,7 +7185,7 @@
       </p:sp>
       <p:pic>
         <p:nvPicPr>
-          <p:cNvPr id="140" name="Screen Shot 2018-05-05 at 11.10.54 AM.png" descr="Screen Shot 2018-05-05 at 11.10.54 AM.png"/>
+          <p:cNvPr id="139" name="Screen Shot 2018-05-05 at 11.10.54 AM.png" descr="Screen Shot 2018-05-05 at 11.10.54 AM.png"/>
           <p:cNvPicPr>
             <a:picLocks noChangeAspect="1"/>
           </p:cNvPicPr>
@@ -6806,8 +7201,8 @@
         </p:blipFill>
         <p:spPr>
           <a:xfrm>
-            <a:off x="5775709" y="2074774"/>
-            <a:ext cx="2850382" cy="676606"/>
+            <a:off x="5775709" y="2074773"/>
+            <a:ext cx="2850383" cy="676607"/>
           </a:xfrm>
           <a:prstGeom prst="rect">
             <a:avLst/>
@@ -6819,7 +7214,7 @@
       </p:pic>
       <p:pic>
         <p:nvPicPr>
-          <p:cNvPr id="141" name="Screen Shot 2018-05-05 at 11.14.10 AM.png" descr="Screen Shot 2018-05-05 at 11.14.10 AM.png"/>
+          <p:cNvPr id="140" name="Screen Shot 2018-05-05 at 11.14.10 AM.png" descr="Screen Shot 2018-05-05 at 11.14.10 AM.png"/>
           <p:cNvPicPr>
             <a:picLocks noChangeAspect="1"/>
           </p:cNvPicPr>
@@ -6836,7 +7231,7 @@
         <p:spPr>
           <a:xfrm>
             <a:off x="4933950" y="3960205"/>
-            <a:ext cx="4533900" cy="723901"/>
+            <a:ext cx="4533900" cy="723902"/>
           </a:xfrm>
           <a:prstGeom prst="rect">
             <a:avLst/>
@@ -6848,14 +7243,14 @@
       </p:pic>
       <p:sp>
         <p:nvSpPr>
-          <p:cNvPr id="142" name="Line"/>
+          <p:cNvPr id="141" name="Line"/>
           <p:cNvSpPr/>
           <p:nvPr/>
         </p:nvSpPr>
         <p:spPr>
           <a:xfrm>
-            <a:off x="7200900" y="2972528"/>
-            <a:ext cx="1" cy="865856"/>
+            <a:off x="7200899" y="2972528"/>
+            <a:ext cx="3" cy="865856"/>
           </a:xfrm>
           <a:prstGeom prst="line">
             <a:avLst/>
@@ -6867,7 +7262,7 @@
             <a:tailEnd type="triangle"/>
           </a:ln>
           <a:effectLst>
-            <a:outerShdw blurRad="38100" dist="23000" dir="5400000" rotWithShape="0">
+            <a:outerShdw sx="100000" sy="100000" kx="0" ky="0" algn="b" rotWithShape="0" blurRad="38100" dist="23000" dir="5400000">
               <a:srgbClr val="000000">
                 <a:alpha val="35000"/>
               </a:srgbClr>
@@ -6878,13 +7273,13 @@
           <a:bodyPr lIns="45718" tIns="45718" rIns="45718" bIns="45718"/>
           <a:lstStyle/>
           <a:p>
-            <a:endParaRPr/>
+            <a:pPr/>
           </a:p>
         </p:txBody>
       </p:sp>
       <p:pic>
         <p:nvPicPr>
-          <p:cNvPr id="143" name="Screen Shot 2018-05-05 at 11.30.38 AM.png" descr="Screen Shot 2018-05-05 at 11.30.38 AM.png"/>
+          <p:cNvPr id="142" name="Screen Shot 2018-05-05 at 11.30.38 AM.png" descr="Screen Shot 2018-05-05 at 11.30.38 AM.png"/>
           <p:cNvPicPr>
             <a:picLocks noChangeAspect="1"/>
           </p:cNvPicPr>
@@ -6900,8 +7295,8 @@
         </p:blipFill>
         <p:spPr>
           <a:xfrm>
-            <a:off x="5372100" y="5892930"/>
-            <a:ext cx="3657600" cy="2590801"/>
+            <a:off x="5372100" y="5892929"/>
+            <a:ext cx="3657600" cy="2590802"/>
           </a:xfrm>
           <a:prstGeom prst="rect">
             <a:avLst/>
@@ -6913,14 +7308,14 @@
       </p:pic>
       <p:sp>
         <p:nvSpPr>
-          <p:cNvPr id="144" name="Line"/>
+          <p:cNvPr id="143" name="Line"/>
           <p:cNvSpPr/>
           <p:nvPr/>
         </p:nvSpPr>
         <p:spPr>
           <a:xfrm>
             <a:off x="7912099" y="2972528"/>
-            <a:ext cx="1" cy="2699255"/>
+            <a:ext cx="2" cy="2699256"/>
           </a:xfrm>
           <a:prstGeom prst="line">
             <a:avLst/>
@@ -6932,7 +7327,7 @@
             <a:tailEnd type="triangle"/>
           </a:ln>
           <a:effectLst>
-            <a:outerShdw blurRad="38100" dist="23000" dir="5400000" rotWithShape="0">
+            <a:outerShdw sx="100000" sy="100000" kx="0" ky="0" algn="b" rotWithShape="0" blurRad="38100" dist="23000" dir="5400000">
               <a:srgbClr val="000000">
                 <a:alpha val="35000"/>
               </a:srgbClr>
@@ -6943,7 +7338,7 @@
           <a:bodyPr lIns="45718" tIns="45718" rIns="45718" bIns="45718"/>
           <a:lstStyle/>
           <a:p>
-            <a:endParaRPr/>
+            <a:pPr/>
           </a:p>
         </p:txBody>
       </p:sp>
@@ -6952,13 +7347,13 @@
   <p:clrMapOvr>
     <a:masterClrMapping/>
   </p:clrMapOvr>
-  <mc:AlternateContent xmlns:mc="http://schemas.openxmlformats.org/markup-compatibility/2006" xmlns:p14="http://schemas.microsoft.com/office/powerpoint/2010/main">
-    <mc:Choice Requires="p14">
-      <p:transition spd="slow" p14:dur="1500">
+  <mc:AlternateContent xmlns:mc="http://schemas.openxmlformats.org/markup-compatibility/2006">
+    <mc:Choice xmlns:p14="http://schemas.microsoft.com/office/powerpoint/2010/main" Requires="p14">
+      <p:transition spd="slow" advClick="1" p14:dur="1200">
         <p:dissolve/>
       </p:transition>
     </mc:Choice>
-    <mc:Fallback xmlns="">
+    <mc:Fallback>
       <p:transition spd="slow">
         <p:fade/>
       </p:transition>
@@ -6967,10 +7362,10 @@
   <p:timing>
     <p:tnLst>
       <p:par>
-        <p:cTn id="1" dur="indefinite" restart="never" fill="hold" nodeType="tmRoot">
+        <p:cTn id="1" nodeType="tmRoot" restart="never" dur="indefinite" fill="hold">
           <p:childTnLst>
             <p:seq concurrent="1" prevAc="none" nextAc="seek">
-              <p:cTn id="2" dur="indefinite" fill="hold" nodeType="mainSeq">
+              <p:cTn id="2" nodeType="mainSeq" dur="indefinite" fill="hold">
                 <p:childTnLst>
                   <p:par>
                     <p:cTn id="3" fill="hold">
@@ -6985,11 +7380,11 @@
                             </p:stCondLst>
                             <p:childTnLst>
                               <p:par>
-                                <p:cTn id="5" presetID="1" presetClass="entr" presetSubtype="0" fill="hold" grpId="1" nodeType="clickEffect">
+                                <p:cTn id="5" presetClass="entr" nodeType="clickEffect" presetSubtype="0" presetID="1" grpId="1" fill="hold">
                                   <p:stCondLst>
                                     <p:cond delay="0"/>
                                   </p:stCondLst>
-                                  <p:iterate>
+                                  <p:iterate type="el" backwards="0">
                                     <p:tmAbs val="0"/>
                                   </p:iterate>
                                   <p:childTnLst>
@@ -6997,7 +7392,7 @@
                                       <p:cBhvr>
                                         <p:cTn id="6" fill="hold"/>
                                         <p:tgtEl>
-                                          <p:spTgt spid="140"/>
+                                          <p:spTgt spid="139"/>
                                         </p:tgtEl>
                                         <p:attrNameLst>
                                           <p:attrName>style.visibility</p:attrName>
@@ -7029,11 +7424,11 @@
                             </p:stCondLst>
                             <p:childTnLst>
                               <p:par>
-                                <p:cTn id="9" presetID="1" presetClass="entr" presetSubtype="0" fill="hold" grpId="2" nodeType="clickEffect">
+                                <p:cTn id="9" presetClass="entr" nodeType="clickEffect" presetSubtype="0" presetID="1" grpId="2" fill="hold">
                                   <p:stCondLst>
                                     <p:cond delay="0"/>
                                   </p:stCondLst>
-                                  <p:iterate>
+                                  <p:iterate type="el" backwards="0">
                                     <p:tmAbs val="0"/>
                                   </p:iterate>
                                   <p:childTnLst>
@@ -7041,7 +7436,7 @@
                                       <p:cBhvr>
                                         <p:cTn id="10" fill="hold"/>
                                         <p:tgtEl>
-                                          <p:spTgt spid="142"/>
+                                          <p:spTgt spid="141"/>
                                         </p:tgtEl>
                                         <p:attrNameLst>
                                           <p:attrName>style.visibility</p:attrName>
@@ -7073,11 +7468,11 @@
                             </p:stCondLst>
                             <p:childTnLst>
                               <p:par>
-                                <p:cTn id="13" presetID="1" presetClass="entr" presetSubtype="0" fill="hold" grpId="3" nodeType="clickEffect">
+                                <p:cTn id="13" presetClass="entr" nodeType="clickEffect" presetSubtype="0" presetID="1" grpId="3" fill="hold">
                                   <p:stCondLst>
                                     <p:cond delay="0"/>
                                   </p:stCondLst>
-                                  <p:iterate>
+                                  <p:iterate type="el" backwards="0">
                                     <p:tmAbs val="0"/>
                                   </p:iterate>
                                   <p:childTnLst>
@@ -7085,7 +7480,7 @@
                                       <p:cBhvr>
                                         <p:cTn id="14" fill="hold"/>
                                         <p:tgtEl>
-                                          <p:spTgt spid="141"/>
+                                          <p:spTgt spid="140"/>
                                         </p:tgtEl>
                                         <p:attrNameLst>
                                           <p:attrName>style.visibility</p:attrName>
@@ -7117,11 +7512,11 @@
                             </p:stCondLst>
                             <p:childTnLst>
                               <p:par>
-                                <p:cTn id="17" presetID="1" presetClass="entr" presetSubtype="0" fill="hold" grpId="4" nodeType="clickEffect">
+                                <p:cTn id="17" presetClass="entr" nodeType="clickEffect" presetSubtype="0" presetID="1" grpId="4" fill="hold">
                                   <p:stCondLst>
                                     <p:cond delay="0"/>
                                   </p:stCondLst>
-                                  <p:iterate>
+                                  <p:iterate type="el" backwards="0">
                                     <p:tmAbs val="0"/>
                                   </p:iterate>
                                   <p:childTnLst>
@@ -7129,7 +7524,7 @@
                                       <p:cBhvr>
                                         <p:cTn id="18" fill="hold"/>
                                         <p:tgtEl>
-                                          <p:spTgt spid="144"/>
+                                          <p:spTgt spid="143"/>
                                         </p:tgtEl>
                                         <p:attrNameLst>
                                           <p:attrName>style.visibility</p:attrName>
@@ -7161,11 +7556,11 @@
                             </p:stCondLst>
                             <p:childTnLst>
                               <p:par>
-                                <p:cTn id="21" presetID="1" presetClass="entr" presetSubtype="0" fill="hold" grpId="5" nodeType="clickEffect">
+                                <p:cTn id="21" presetClass="entr" nodeType="clickEffect" presetSubtype="0" presetID="1" grpId="5" fill="hold">
                                   <p:stCondLst>
                                     <p:cond delay="0"/>
                                   </p:stCondLst>
-                                  <p:iterate>
+                                  <p:iterate type="el" backwards="0">
                                     <p:tmAbs val="0"/>
                                   </p:iterate>
                                   <p:childTnLst>
@@ -7173,7 +7568,7 @@
                                       <p:cBhvr>
                                         <p:cTn id="22" fill="hold"/>
                                         <p:tgtEl>
-                                          <p:spTgt spid="143"/>
+                                          <p:spTgt spid="142"/>
                                         </p:tgtEl>
                                         <p:attrNameLst>
                                           <p:attrName>style.visibility</p:attrName>
@@ -7195,14 +7590,14 @@
                 </p:childTnLst>
               </p:cTn>
               <p:prevCondLst>
-                <p:cond evt="onPrev" delay="0">
+                <p:cond evt="onPrev">
                   <p:tgtEl>
                     <p:sldTgt/>
                   </p:tgtEl>
                 </p:cond>
               </p:prevCondLst>
               <p:nextCondLst>
-                <p:cond evt="onNext" delay="0">
+                <p:cond evt="onNext">
                   <p:tgtEl>
                     <p:sldTgt/>
                   </p:tgtEl>
@@ -7214,25 +7609,24 @@
       </p:par>
     </p:tnLst>
     <p:bldLst>
-      <p:bldP spid="140" grpId="1" animBg="1" advAuto="0"/>
-      <p:bldP spid="141" grpId="3" animBg="1" advAuto="0"/>
-      <p:bldP spid="142" grpId="2" animBg="1" advAuto="0"/>
-      <p:bldP spid="143" grpId="5" animBg="1" advAuto="0"/>
-      <p:bldP spid="144" grpId="4" animBg="1" advAuto="0"/>
+      <p:bldP build="whole" bldLvl="1" animBg="1" rev="0" advAuto="0" spid="139" grpId="1"/>
+      <p:bldP build="whole" bldLvl="1" animBg="1" rev="0" advAuto="0" spid="142" grpId="5"/>
+      <p:bldP build="whole" bldLvl="1" animBg="1" rev="0" advAuto="0" spid="141" grpId="2"/>
+      <p:bldP build="whole" bldLvl="1" animBg="1" rev="0" advAuto="0" spid="143" grpId="4"/>
+      <p:bldP build="whole" bldLvl="1" animBg="1" rev="0" advAuto="0" spid="140" grpId="3"/>
     </p:bldLst>
   </p:timing>
 </p:sld>
 </file>
 
 <file path=ppt/slides/slide7.xml><?xml version="1.0" encoding="utf-8"?>
-<p:sld xmlns:a="http://schemas.openxmlformats.org/drawingml/2006/main" xmlns:r="http://schemas.openxmlformats.org/officeDocument/2006/relationships" xmlns:p="http://schemas.openxmlformats.org/presentationml/2006/main">
+<p:sld xmlns:a="http://schemas.openxmlformats.org/drawingml/2006/main" xmlns:r="http://schemas.openxmlformats.org/officeDocument/2006/relationships" xmlns:p="http://schemas.openxmlformats.org/presentationml/2006/main" showMasterSp="1" showMasterPhAnim="1">
   <p:cSld>
     <p:bg>
       <p:bgPr>
         <a:solidFill>
           <a:srgbClr val="739A98"/>
         </a:solidFill>
-        <a:effectLst/>
       </p:bgPr>
     </p:bg>
     <p:spTree>
@@ -7251,13 +7645,13 @@
       </p:grpSpPr>
       <p:sp>
         <p:nvSpPr>
-          <p:cNvPr id="146" name="函数返回值"/>
+          <p:cNvPr id="145" name="函数返回值"/>
           <p:cNvSpPr txBox="1"/>
           <p:nvPr/>
         </p:nvSpPr>
         <p:spPr>
           <a:xfrm>
-            <a:off x="6000750" y="520700"/>
+            <a:off x="6000750" y="520699"/>
             <a:ext cx="2400300" cy="736601"/>
           </a:xfrm>
           <a:prstGeom prst="rect">
@@ -7268,7 +7662,7 @@
           </a:ln>
           <a:extLst>
             <a:ext uri="{C572A759-6A51-4108-AA02-DFA0A04FC94B}">
-              <ma14:wrappingTextBoxFlag xmlns="" xmlns:ma14="http://schemas.microsoft.com/office/mac/drawingml/2011/main" val="1"/>
+              <ma14:wrappingTextBoxFlag xmlns:ma14="http://schemas.microsoft.com/office/mac/drawingml/2011/main" val="1"/>
             </a:ext>
           </a:extLst>
         </p:spPr>
@@ -7282,10 +7676,15 @@
                 <a:solidFill>
                   <a:srgbClr val="FFFFFF"/>
                 </a:solidFill>
+                <a:latin typeface="+mj-lt"/>
+                <a:ea typeface="+mj-ea"/>
+                <a:cs typeface="+mj-cs"/>
+                <a:sym typeface="Lucida Grande"/>
               </a:defRPr>
             </a:lvl1pPr>
           </a:lstStyle>
           <a:p>
+            <a:pPr/>
             <a:r>
               <a:t>函数返回值</a:t>
             </a:r>
@@ -7294,7 +7693,7 @@
       </p:sp>
       <p:pic>
         <p:nvPicPr>
-          <p:cNvPr id="147" name="Screen Shot 2018-05-05 at 11.46.18 AM.png" descr="Screen Shot 2018-05-05 at 11.46.18 AM.png"/>
+          <p:cNvPr id="146" name="Screen Shot 2018-05-05 at 11.46.18 AM.png" descr="Screen Shot 2018-05-05 at 11.46.18 AM.png"/>
           <p:cNvPicPr>
             <a:picLocks noChangeAspect="1"/>
           </p:cNvPicPr>
@@ -7310,8 +7709,8 @@
         </p:blipFill>
         <p:spPr>
           <a:xfrm>
-            <a:off x="5378450" y="2308646"/>
-            <a:ext cx="3644900" cy="2540001"/>
+            <a:off x="5378450" y="2308645"/>
+            <a:ext cx="3644900" cy="2540002"/>
           </a:xfrm>
           <a:prstGeom prst="rect">
             <a:avLst/>
@@ -7323,7 +7722,7 @@
       </p:pic>
       <p:pic>
         <p:nvPicPr>
-          <p:cNvPr id="148" name="Screen Shot 2018-05-05 at 11.52.09 AM.png" descr="Screen Shot 2018-05-05 at 11.52.09 AM.png"/>
+          <p:cNvPr id="147" name="Screen Shot 2018-05-05 at 11.52.09 AM.png" descr="Screen Shot 2018-05-05 at 11.52.09 AM.png"/>
           <p:cNvPicPr>
             <a:picLocks noChangeAspect="1"/>
           </p:cNvPicPr>
@@ -7339,8 +7738,8 @@
         </p:blipFill>
         <p:spPr>
           <a:xfrm>
-            <a:off x="4845050" y="5899993"/>
-            <a:ext cx="4711700" cy="1841501"/>
+            <a:off x="4845050" y="5899992"/>
+            <a:ext cx="4711700" cy="1841502"/>
           </a:xfrm>
           <a:prstGeom prst="rect">
             <a:avLst/>
@@ -7355,13 +7754,13 @@
   <p:clrMapOvr>
     <a:masterClrMapping/>
   </p:clrMapOvr>
-  <mc:AlternateContent xmlns:mc="http://schemas.openxmlformats.org/markup-compatibility/2006" xmlns:p14="http://schemas.microsoft.com/office/powerpoint/2010/main">
-    <mc:Choice Requires="p14">
-      <p:transition spd="slow" p14:dur="1500">
+  <mc:AlternateContent xmlns:mc="http://schemas.openxmlformats.org/markup-compatibility/2006">
+    <mc:Choice xmlns:p14="http://schemas.microsoft.com/office/powerpoint/2010/main" Requires="p14">
+      <p:transition spd="slow" advClick="1" p14:dur="1200">
         <p:dissolve/>
       </p:transition>
     </mc:Choice>
-    <mc:Fallback xmlns="">
+    <mc:Fallback>
       <p:transition spd="slow">
         <p:fade/>
       </p:transition>
@@ -7370,10 +7769,10 @@
   <p:timing>
     <p:tnLst>
       <p:par>
-        <p:cTn id="1" dur="indefinite" restart="never" fill="hold" nodeType="tmRoot">
+        <p:cTn id="1" nodeType="tmRoot" restart="never" dur="indefinite" fill="hold">
           <p:childTnLst>
             <p:seq concurrent="1" prevAc="none" nextAc="seek">
-              <p:cTn id="2" dur="indefinite" fill="hold" nodeType="mainSeq">
+              <p:cTn id="2" nodeType="mainSeq" dur="indefinite" fill="hold">
                 <p:childTnLst>
                   <p:par>
                     <p:cTn id="3" fill="hold">
@@ -7388,11 +7787,11 @@
                             </p:stCondLst>
                             <p:childTnLst>
                               <p:par>
-                                <p:cTn id="5" presetID="1" presetClass="entr" presetSubtype="0" fill="hold" grpId="1" nodeType="clickEffect">
+                                <p:cTn id="5" presetClass="entr" nodeType="clickEffect" presetSubtype="0" presetID="1" grpId="1" fill="hold">
                                   <p:stCondLst>
                                     <p:cond delay="0"/>
                                   </p:stCondLst>
-                                  <p:iterate>
+                                  <p:iterate type="el" backwards="0">
                                     <p:tmAbs val="0"/>
                                   </p:iterate>
                                   <p:childTnLst>
@@ -7400,7 +7799,7 @@
                                       <p:cBhvr>
                                         <p:cTn id="6" fill="hold"/>
                                         <p:tgtEl>
-                                          <p:spTgt spid="147"/>
+                                          <p:spTgt spid="146"/>
                                         </p:tgtEl>
                                         <p:attrNameLst>
                                           <p:attrName>style.visibility</p:attrName>
@@ -7432,11 +7831,11 @@
                             </p:stCondLst>
                             <p:childTnLst>
                               <p:par>
-                                <p:cTn id="9" presetID="1" presetClass="entr" presetSubtype="0" fill="hold" grpId="2" nodeType="clickEffect">
+                                <p:cTn id="9" presetClass="entr" nodeType="clickEffect" presetSubtype="0" presetID="1" grpId="2" fill="hold">
                                   <p:stCondLst>
                                     <p:cond delay="0"/>
                                   </p:stCondLst>
-                                  <p:iterate>
+                                  <p:iterate type="el" backwards="0">
                                     <p:tmAbs val="0"/>
                                   </p:iterate>
                                   <p:childTnLst>
@@ -7444,7 +7843,7 @@
                                       <p:cBhvr>
                                         <p:cTn id="10" fill="hold"/>
                                         <p:tgtEl>
-                                          <p:spTgt spid="148"/>
+                                          <p:spTgt spid="147"/>
                                         </p:tgtEl>
                                         <p:attrNameLst>
                                           <p:attrName>style.visibility</p:attrName>
@@ -7466,14 +7865,14 @@
                 </p:childTnLst>
               </p:cTn>
               <p:prevCondLst>
-                <p:cond evt="onPrev" delay="0">
+                <p:cond evt="onPrev">
                   <p:tgtEl>
                     <p:sldTgt/>
                   </p:tgtEl>
                 </p:cond>
               </p:prevCondLst>
               <p:nextCondLst>
-                <p:cond evt="onNext" delay="0">
+                <p:cond evt="onNext">
                   <p:tgtEl>
                     <p:sldTgt/>
                   </p:tgtEl>
@@ -7485,22 +7884,21 @@
       </p:par>
     </p:tnLst>
     <p:bldLst>
-      <p:bldP spid="147" grpId="1" animBg="1" advAuto="0"/>
-      <p:bldP spid="148" grpId="2" animBg="1" advAuto="0"/>
+      <p:bldP build="whole" bldLvl="1" animBg="1" rev="0" advAuto="0" spid="146" grpId="1"/>
+      <p:bldP build="whole" bldLvl="1" animBg="1" rev="0" advAuto="0" spid="147" grpId="2"/>
     </p:bldLst>
   </p:timing>
 </p:sld>
 </file>
 
 <file path=ppt/slides/slide8.xml><?xml version="1.0" encoding="utf-8"?>
-<p:sld xmlns:a="http://schemas.openxmlformats.org/drawingml/2006/main" xmlns:r="http://schemas.openxmlformats.org/officeDocument/2006/relationships" xmlns:p="http://schemas.openxmlformats.org/presentationml/2006/main">
+<p:sld xmlns:a="http://schemas.openxmlformats.org/drawingml/2006/main" xmlns:r="http://schemas.openxmlformats.org/officeDocument/2006/relationships" xmlns:p="http://schemas.openxmlformats.org/presentationml/2006/main" showMasterSp="1" showMasterPhAnim="1">
   <p:cSld>
     <p:bg>
       <p:bgPr>
         <a:solidFill>
           <a:srgbClr val="739A98"/>
         </a:solidFill>
-        <a:effectLst/>
       </p:bgPr>
     </p:bg>
     <p:spTree>
@@ -7519,13 +7917,13 @@
       </p:grpSpPr>
       <p:sp>
         <p:nvSpPr>
-          <p:cNvPr id="150" name="函数参数"/>
+          <p:cNvPr id="149" name="函数参数"/>
           <p:cNvSpPr txBox="1"/>
           <p:nvPr/>
         </p:nvSpPr>
         <p:spPr>
           <a:xfrm>
-            <a:off x="5797550" y="609669"/>
+            <a:off x="5797550" y="609668"/>
             <a:ext cx="1943100" cy="736601"/>
           </a:xfrm>
           <a:prstGeom prst="rect">
@@ -7536,7 +7934,7 @@
           </a:ln>
           <a:extLst>
             <a:ext uri="{C572A759-6A51-4108-AA02-DFA0A04FC94B}">
-              <ma14:wrappingTextBoxFlag xmlns="" xmlns:ma14="http://schemas.microsoft.com/office/mac/drawingml/2011/main" val="1"/>
+              <ma14:wrappingTextBoxFlag xmlns:ma14="http://schemas.microsoft.com/office/mac/drawingml/2011/main" val="1"/>
             </a:ext>
           </a:extLst>
         </p:spPr>
@@ -7550,10 +7948,15 @@
                 <a:solidFill>
                   <a:srgbClr val="FFFFFF"/>
                 </a:solidFill>
+                <a:latin typeface="+mj-lt"/>
+                <a:ea typeface="+mj-ea"/>
+                <a:cs typeface="+mj-cs"/>
+                <a:sym typeface="Lucida Grande"/>
               </a:defRPr>
             </a:lvl1pPr>
           </a:lstStyle>
           <a:p>
+            <a:pPr/>
             <a:r>
               <a:t>函数参数</a:t>
             </a:r>
@@ -7562,7 +7965,7 @@
       </p:sp>
       <p:pic>
         <p:nvPicPr>
-          <p:cNvPr id="151" name="Screen Shot 2018-05-05 at 12.03.45 PM.png" descr="Screen Shot 2018-05-05 at 12.03.45 PM.png"/>
+          <p:cNvPr id="150" name="Screen Shot 2018-05-05 at 12.03.45 PM.png" descr="Screen Shot 2018-05-05 at 12.03.45 PM.png"/>
           <p:cNvPicPr>
             <a:picLocks noChangeAspect="1"/>
           </p:cNvPicPr>
@@ -7578,8 +7981,8 @@
         </p:blipFill>
         <p:spPr>
           <a:xfrm>
-            <a:off x="2521115" y="2244376"/>
-            <a:ext cx="3825883" cy="2878081"/>
+            <a:off x="2521114" y="2244375"/>
+            <a:ext cx="3825885" cy="2878082"/>
           </a:xfrm>
           <a:prstGeom prst="rect">
             <a:avLst/>
@@ -7591,7 +7994,7 @@
       </p:pic>
       <p:pic>
         <p:nvPicPr>
-          <p:cNvPr id="152" name="Screen Shot 2018-05-05 at 12.35.12 PM.png" descr="Screen Shot 2018-05-05 at 12.35.12 PM.png"/>
+          <p:cNvPr id="151" name="Screen Shot 2018-05-05 at 12.35.12 PM.png" descr="Screen Shot 2018-05-05 at 12.35.12 PM.png"/>
           <p:cNvPicPr>
             <a:picLocks noChangeAspect="1"/>
           </p:cNvPicPr>
@@ -7607,8 +8010,8 @@
         </p:blipFill>
         <p:spPr>
           <a:xfrm>
-            <a:off x="7380946" y="2244376"/>
-            <a:ext cx="2894621" cy="2878081"/>
+            <a:off x="7380946" y="2244375"/>
+            <a:ext cx="2894622" cy="2878082"/>
           </a:xfrm>
           <a:prstGeom prst="rect">
             <a:avLst/>
@@ -7620,7 +8023,7 @@
       </p:pic>
       <p:pic>
         <p:nvPicPr>
-          <p:cNvPr id="153" name="Screen Shot 2018-05-05 at 12.38.21 PM.png" descr="Screen Shot 2018-05-05 at 12.38.21 PM.png"/>
+          <p:cNvPr id="152" name="Screen Shot 2018-05-05 at 12.38.21 PM.png" descr="Screen Shot 2018-05-05 at 12.38.21 PM.png"/>
           <p:cNvPicPr>
             <a:picLocks noChangeAspect="1"/>
           </p:cNvPicPr>
@@ -7637,7 +8040,7 @@
         <p:spPr>
           <a:xfrm>
             <a:off x="2588885" y="6020563"/>
-            <a:ext cx="3690343" cy="2530061"/>
+            <a:ext cx="3690343" cy="2530062"/>
           </a:xfrm>
           <a:prstGeom prst="rect">
             <a:avLst/>
@@ -7649,7 +8052,7 @@
       </p:pic>
       <p:pic>
         <p:nvPicPr>
-          <p:cNvPr id="154" name="Screen Shot 2018-05-05 at 12.46.52 PM.png" descr="Screen Shot 2018-05-05 at 12.46.52 PM.png"/>
+          <p:cNvPr id="153" name="Screen Shot 2018-05-05 at 12.46.52 PM.png" descr="Screen Shot 2018-05-05 at 12.46.52 PM.png"/>
           <p:cNvPicPr>
             <a:picLocks noChangeAspect="1"/>
           </p:cNvPicPr>
@@ -7665,8 +8068,8 @@
         </p:blipFill>
         <p:spPr>
           <a:xfrm>
-            <a:off x="7352873" y="6413263"/>
-            <a:ext cx="4527812" cy="1744662"/>
+            <a:off x="7352872" y="6413263"/>
+            <a:ext cx="4527813" cy="1744663"/>
           </a:xfrm>
           <a:prstGeom prst="rect">
             <a:avLst/>
@@ -7681,13 +8084,13 @@
   <p:clrMapOvr>
     <a:masterClrMapping/>
   </p:clrMapOvr>
-  <mc:AlternateContent xmlns:mc="http://schemas.openxmlformats.org/markup-compatibility/2006" xmlns:p14="http://schemas.microsoft.com/office/powerpoint/2010/main">
-    <mc:Choice Requires="p14">
-      <p:transition spd="slow" p14:dur="1500">
+  <mc:AlternateContent xmlns:mc="http://schemas.openxmlformats.org/markup-compatibility/2006">
+    <mc:Choice xmlns:p14="http://schemas.microsoft.com/office/powerpoint/2010/main" Requires="p14">
+      <p:transition spd="slow" advClick="1" p14:dur="1200">
         <p:dissolve/>
       </p:transition>
     </mc:Choice>
-    <mc:Fallback xmlns="">
+    <mc:Fallback>
       <p:transition spd="slow">
         <p:fade/>
       </p:transition>
@@ -7697,14 +8100,13 @@
 </file>
 
 <file path=ppt/slides/slide9.xml><?xml version="1.0" encoding="utf-8"?>
-<p:sld xmlns:a="http://schemas.openxmlformats.org/drawingml/2006/main" xmlns:r="http://schemas.openxmlformats.org/officeDocument/2006/relationships" xmlns:p="http://schemas.openxmlformats.org/presentationml/2006/main">
+<p:sld xmlns:a="http://schemas.openxmlformats.org/drawingml/2006/main" xmlns:r="http://schemas.openxmlformats.org/officeDocument/2006/relationships" xmlns:p="http://schemas.openxmlformats.org/presentationml/2006/main" showMasterSp="1" showMasterPhAnim="1">
   <p:cSld>
     <p:bg>
       <p:bgPr>
         <a:solidFill>
           <a:srgbClr val="739A98"/>
         </a:solidFill>
-        <a:effectLst/>
       </p:bgPr>
     </p:bg>
     <p:spTree>
@@ -7723,13 +8125,13 @@
       </p:grpSpPr>
       <p:sp>
         <p:nvSpPr>
-          <p:cNvPr id="156" name="联合类型"/>
+          <p:cNvPr id="155" name="联合类型"/>
           <p:cNvSpPr txBox="1"/>
           <p:nvPr/>
         </p:nvSpPr>
         <p:spPr>
           <a:xfrm>
-            <a:off x="1190748" y="330200"/>
+            <a:off x="1190748" y="330199"/>
             <a:ext cx="3749329" cy="736601"/>
           </a:xfrm>
           <a:prstGeom prst="rect">
@@ -7740,7 +8142,7 @@
           </a:ln>
           <a:extLst>
             <a:ext uri="{C572A759-6A51-4108-AA02-DFA0A04FC94B}">
-              <ma14:wrappingTextBoxFlag xmlns="" xmlns:ma14="http://schemas.microsoft.com/office/mac/drawingml/2011/main" val="1"/>
+              <ma14:wrappingTextBoxFlag xmlns:ma14="http://schemas.microsoft.com/office/mac/drawingml/2011/main" val="1"/>
             </a:ext>
           </a:extLst>
         </p:spPr>
@@ -7756,10 +8158,15 @@
                 <a:solidFill>
                   <a:srgbClr val="FFFFFF"/>
                 </a:solidFill>
+                <a:latin typeface="+mj-lt"/>
+                <a:ea typeface="+mj-ea"/>
+                <a:cs typeface="+mj-cs"/>
+                <a:sym typeface="Lucida Grande"/>
               </a:defRPr>
             </a:lvl1pPr>
           </a:lstStyle>
           <a:p>
+            <a:pPr/>
             <a:r>
               <a:t>联合类型</a:t>
             </a:r>
@@ -7768,7 +8175,7 @@
       </p:sp>
       <p:pic>
         <p:nvPicPr>
-          <p:cNvPr id="157" name="Screen Shot 2018-05-05 at 5.38.17 PM.png" descr="Screen Shot 2018-05-05 at 5.38.17 PM.png"/>
+          <p:cNvPr id="156" name="Screen Shot 2018-05-05 at 5.38.17 PM.png" descr="Screen Shot 2018-05-05 at 5.38.17 PM.png"/>
           <p:cNvPicPr>
             <a:picLocks noChangeAspect="1"/>
           </p:cNvPicPr>
@@ -7785,7 +8192,7 @@
         <p:spPr>
           <a:xfrm>
             <a:off x="5204828" y="2642046"/>
-            <a:ext cx="3992144" cy="1036720"/>
+            <a:ext cx="3992144" cy="1036721"/>
           </a:xfrm>
           <a:prstGeom prst="rect">
             <a:avLst/>
@@ -7797,7 +8204,7 @@
       </p:pic>
       <p:pic>
         <p:nvPicPr>
-          <p:cNvPr id="158" name="Screen Shot 2018-05-05 at 6.06.10 PM.png" descr="Screen Shot 2018-05-05 at 6.06.10 PM.png"/>
+          <p:cNvPr id="157" name="Screen Shot 2018-05-05 at 6.06.10 PM.png" descr="Screen Shot 2018-05-05 at 6.06.10 PM.png"/>
           <p:cNvPicPr>
             <a:picLocks noChangeAspect="1"/>
           </p:cNvPicPr>
@@ -7814,7 +8221,7 @@
         <p:spPr>
           <a:xfrm>
             <a:off x="4895850" y="4717057"/>
-            <a:ext cx="4610100" cy="3416301"/>
+            <a:ext cx="4610100" cy="3416302"/>
           </a:xfrm>
           <a:prstGeom prst="rect">
             <a:avLst/>
@@ -7829,13 +8236,13 @@
   <p:clrMapOvr>
     <a:masterClrMapping/>
   </p:clrMapOvr>
-  <mc:AlternateContent xmlns:mc="http://schemas.openxmlformats.org/markup-compatibility/2006" xmlns:p14="http://schemas.microsoft.com/office/powerpoint/2010/main">
-    <mc:Choice Requires="p14">
-      <p:transition spd="slow" p14:dur="1500">
+  <mc:AlternateContent xmlns:mc="http://schemas.openxmlformats.org/markup-compatibility/2006">
+    <mc:Choice xmlns:p14="http://schemas.microsoft.com/office/powerpoint/2010/main" Requires="p14">
+      <p:transition spd="slow" advClick="1" p14:dur="1200">
         <p:dissolve/>
       </p:transition>
     </mc:Choice>
-    <mc:Fallback xmlns="">
+    <mc:Fallback>
       <p:transition spd="slow">
         <p:fade/>
       </p:transition>
@@ -7844,10 +8251,10 @@
   <p:timing>
     <p:tnLst>
       <p:par>
-        <p:cTn id="1" dur="indefinite" restart="never" fill="hold" nodeType="tmRoot">
+        <p:cTn id="1" nodeType="tmRoot" restart="never" dur="indefinite" fill="hold">
           <p:childTnLst>
             <p:seq concurrent="1" prevAc="none" nextAc="seek">
-              <p:cTn id="2" dur="indefinite" fill="hold" nodeType="mainSeq">
+              <p:cTn id="2" nodeType="mainSeq" dur="indefinite" fill="hold">
                 <p:childTnLst>
                   <p:par>
                     <p:cTn id="3" fill="hold">
@@ -7862,11 +8269,11 @@
                             </p:stCondLst>
                             <p:childTnLst>
                               <p:par>
-                                <p:cTn id="5" presetID="1" presetClass="entr" presetSubtype="0" fill="hold" grpId="1" nodeType="clickEffect">
+                                <p:cTn id="5" presetClass="entr" nodeType="clickEffect" presetSubtype="0" presetID="1" grpId="1" fill="hold">
                                   <p:stCondLst>
                                     <p:cond delay="0"/>
                                   </p:stCondLst>
-                                  <p:iterate>
+                                  <p:iterate type="el" backwards="0">
                                     <p:tmAbs val="0"/>
                                   </p:iterate>
                                   <p:childTnLst>
@@ -7874,7 +8281,7 @@
                                       <p:cBhvr>
                                         <p:cTn id="6" fill="hold"/>
                                         <p:tgtEl>
-                                          <p:spTgt spid="158"/>
+                                          <p:spTgt spid="157"/>
                                         </p:tgtEl>
                                         <p:attrNameLst>
                                           <p:attrName>style.visibility</p:attrName>
@@ -7896,14 +8303,14 @@
                 </p:childTnLst>
               </p:cTn>
               <p:prevCondLst>
-                <p:cond evt="onPrev" delay="0">
+                <p:cond evt="onPrev">
                   <p:tgtEl>
                     <p:sldTgt/>
                   </p:tgtEl>
                 </p:cond>
               </p:prevCondLst>
               <p:nextCondLst>
-                <p:cond evt="onNext" delay="0">
+                <p:cond evt="onNext">
                   <p:tgtEl>
                     <p:sldTgt/>
                   </p:tgtEl>
@@ -7915,14 +8322,14 @@
       </p:par>
     </p:tnLst>
     <p:bldLst>
-      <p:bldP spid="158" grpId="1" animBg="1" advAuto="0"/>
+      <p:bldP build="whole" bldLvl="1" animBg="1" rev="0" advAuto="0" spid="157" grpId="1"/>
     </p:bldLst>
   </p:timing>
 </p:sld>
 </file>
 
 <file path=ppt/theme/theme1.xml><?xml version="1.0" encoding="utf-8"?>
-<a:theme xmlns:a="http://schemas.openxmlformats.org/drawingml/2006/main" name="White">
+<a:theme xmlns:a="http://schemas.openxmlformats.org/drawingml/2006/main" xmlns:r="http://schemas.openxmlformats.org/officeDocument/2006/relationships" name="White">
   <a:themeElements>
     <a:clrScheme name="White">
       <a:dk1>
@@ -8048,7 +8455,7 @@
       <a:effectStyleLst>
         <a:effectStyle>
           <a:effectLst>
-            <a:outerShdw blurRad="38100" dist="23000" dir="5400000" rotWithShape="0">
+            <a:outerShdw sx="100000" sy="100000" kx="0" ky="0" algn="b" rotWithShape="0" blurRad="38100" dist="23000" dir="5400000">
               <a:srgbClr val="000000">
                 <a:alpha val="35000"/>
               </a:srgbClr>
@@ -8057,7 +8464,7 @@
         </a:effectStyle>
         <a:effectStyle>
           <a:effectLst>
-            <a:outerShdw blurRad="38100" dist="23000" dir="5400000" rotWithShape="0">
+            <a:outerShdw sx="100000" sy="100000" kx="0" ky="0" algn="b" rotWithShape="0" blurRad="38100" dist="23000" dir="5400000">
               <a:srgbClr val="000000">
                 <a:alpha val="35000"/>
               </a:srgbClr>
@@ -8066,7 +8473,7 @@
         </a:effectStyle>
         <a:effectStyle>
           <a:effectLst>
-            <a:outerShdw blurRad="38100" dist="23000" dir="5400000" rotWithShape="0">
+            <a:outerShdw sx="100000" sy="100000" kx="0" ky="0" algn="b" rotWithShape="0" blurRad="38100" dist="23000" dir="5400000">
               <a:srgbClr val="000000">
                 <a:alpha val="35000"/>
               </a:srgbClr>
@@ -8140,7 +8547,7 @@
           <a:round/>
         </a:ln>
         <a:effectLst>
-          <a:outerShdw blurRad="38100" dist="23000" dir="5400000" rotWithShape="0">
+          <a:outerShdw sx="100000" sy="100000" kx="0" ky="0" algn="b" rotWithShape="0" blurRad="38100" dist="23000" dir="5400000">
             <a:srgbClr val="000000">
               <a:alpha val="35000"/>
             </a:srgbClr>
@@ -8148,7 +8555,7 @@
         </a:effectLst>
         <a:sp3d/>
       </a:spPr>
-      <a:bodyPr rot="0" spcFirstLastPara="1" vertOverflow="overflow" horzOverflow="overflow" vert="horz" wrap="square" lIns="45718" tIns="45718" rIns="45718" bIns="45718" numCol="1" spcCol="38100" rtlCol="0" anchor="ctr">
+      <a:bodyPr rot="0" spcFirstLastPara="1" vertOverflow="overflow" horzOverflow="overflow" vert="horz" wrap="square" lIns="45718" tIns="45718" rIns="45718" bIns="45718" numCol="1" spcCol="38100" rtlCol="0" anchor="ctr" upright="0">
         <a:spAutoFit/>
       </a:bodyPr>
       <a:lstStyle>
@@ -8167,7 +8574,7 @@
           <a:buFontTx/>
           <a:buNone/>
           <a:tabLst/>
-          <a:defRPr kumimoji="0" sz="2800" b="0" i="0" u="none" strike="noStrike" cap="none" spc="0" normalizeH="0" baseline="0">
+          <a:defRPr b="0" baseline="0" cap="none" i="0" spc="0" strike="noStrike" sz="2800" u="none" kumimoji="0" normalizeH="0">
             <a:ln>
               <a:noFill/>
             </a:ln>
@@ -8176,10 +8583,10 @@
             </a:solidFill>
             <a:effectLst/>
             <a:uFillTx/>
-            <a:latin typeface="+mj-lt"/>
-            <a:ea typeface="+mj-ea"/>
-            <a:cs typeface="+mj-cs"/>
-            <a:sym typeface="Lucida Grande"/>
+            <a:latin typeface="+mn-lt"/>
+            <a:ea typeface="+mn-ea"/>
+            <a:cs typeface="+mn-cs"/>
+            <a:sym typeface="Helvetica"/>
           </a:defRPr>
         </a:defPPr>
         <a:lvl1pPr marL="0" marR="0" indent="0" algn="l" defTabSz="914400" rtl="0" fontAlgn="auto" latinLnBrk="1" hangingPunct="0">
@@ -8197,7 +8604,7 @@
           <a:buFontTx/>
           <a:buNone/>
           <a:tabLst/>
-          <a:defRPr kumimoji="0" sz="1800" b="0" i="0" u="none" strike="noStrike" cap="none" spc="0" normalizeH="0" baseline="0">
+          <a:defRPr b="0" baseline="0" cap="none" i="0" spc="0" strike="noStrike" sz="1800" u="none" kumimoji="0" normalizeH="0">
             <a:ln>
               <a:noFill/>
             </a:ln>
@@ -8223,7 +8630,7 @@
           <a:buFontTx/>
           <a:buNone/>
           <a:tabLst/>
-          <a:defRPr kumimoji="0" sz="1800" b="0" i="0" u="none" strike="noStrike" cap="none" spc="0" normalizeH="0" baseline="0">
+          <a:defRPr b="0" baseline="0" cap="none" i="0" spc="0" strike="noStrike" sz="1800" u="none" kumimoji="0" normalizeH="0">
             <a:ln>
               <a:noFill/>
             </a:ln>
@@ -8249,7 +8656,7 @@
           <a:buFontTx/>
           <a:buNone/>
           <a:tabLst/>
-          <a:defRPr kumimoji="0" sz="1800" b="0" i="0" u="none" strike="noStrike" cap="none" spc="0" normalizeH="0" baseline="0">
+          <a:defRPr b="0" baseline="0" cap="none" i="0" spc="0" strike="noStrike" sz="1800" u="none" kumimoji="0" normalizeH="0">
             <a:ln>
               <a:noFill/>
             </a:ln>
@@ -8275,7 +8682,7 @@
           <a:buFontTx/>
           <a:buNone/>
           <a:tabLst/>
-          <a:defRPr kumimoji="0" sz="1800" b="0" i="0" u="none" strike="noStrike" cap="none" spc="0" normalizeH="0" baseline="0">
+          <a:defRPr b="0" baseline="0" cap="none" i="0" spc="0" strike="noStrike" sz="1800" u="none" kumimoji="0" normalizeH="0">
             <a:ln>
               <a:noFill/>
             </a:ln>
@@ -8301,7 +8708,7 @@
           <a:buFontTx/>
           <a:buNone/>
           <a:tabLst/>
-          <a:defRPr kumimoji="0" sz="1800" b="0" i="0" u="none" strike="noStrike" cap="none" spc="0" normalizeH="0" baseline="0">
+          <a:defRPr b="0" baseline="0" cap="none" i="0" spc="0" strike="noStrike" sz="1800" u="none" kumimoji="0" normalizeH="0">
             <a:ln>
               <a:noFill/>
             </a:ln>
@@ -8327,7 +8734,7 @@
           <a:buFontTx/>
           <a:buNone/>
           <a:tabLst/>
-          <a:defRPr kumimoji="0" sz="1800" b="0" i="0" u="none" strike="noStrike" cap="none" spc="0" normalizeH="0" baseline="0">
+          <a:defRPr b="0" baseline="0" cap="none" i="0" spc="0" strike="noStrike" sz="1800" u="none" kumimoji="0" normalizeH="0">
             <a:ln>
               <a:noFill/>
             </a:ln>
@@ -8353,7 +8760,7 @@
           <a:buFontTx/>
           <a:buNone/>
           <a:tabLst/>
-          <a:defRPr kumimoji="0" sz="1800" b="0" i="0" u="none" strike="noStrike" cap="none" spc="0" normalizeH="0" baseline="0">
+          <a:defRPr b="0" baseline="0" cap="none" i="0" spc="0" strike="noStrike" sz="1800" u="none" kumimoji="0" normalizeH="0">
             <a:ln>
               <a:noFill/>
             </a:ln>
@@ -8379,7 +8786,7 @@
           <a:buFontTx/>
           <a:buNone/>
           <a:tabLst/>
-          <a:defRPr kumimoji="0" sz="1800" b="0" i="0" u="none" strike="noStrike" cap="none" spc="0" normalizeH="0" baseline="0">
+          <a:defRPr b="0" baseline="0" cap="none" i="0" spc="0" strike="noStrike" sz="1800" u="none" kumimoji="0" normalizeH="0">
             <a:ln>
               <a:noFill/>
             </a:ln>
@@ -8405,7 +8812,7 @@
           <a:buFontTx/>
           <a:buNone/>
           <a:tabLst/>
-          <a:defRPr kumimoji="0" sz="1800" b="0" i="0" u="none" strike="noStrike" cap="none" spc="0" normalizeH="0" baseline="0">
+          <a:defRPr b="0" baseline="0" cap="none" i="0" spc="0" strike="noStrike" sz="1800" u="none" kumimoji="0" normalizeH="0">
             <a:ln>
               <a:noFill/>
             </a:ln>
@@ -8418,15 +8825,9 @@
         </a:lvl9pPr>
       </a:lstStyle>
       <a:style>
-        <a:lnRef idx="0">
-          <a:scrgbClr r="0" g="0" b="0"/>
-        </a:lnRef>
-        <a:fillRef idx="0">
-          <a:scrgbClr r="0" g="0" b="0"/>
-        </a:fillRef>
-        <a:effectRef idx="0">
-          <a:scrgbClr r="0" g="0" b="0"/>
-        </a:effectRef>
+        <a:lnRef idx="0"/>
+        <a:fillRef idx="0"/>
+        <a:effectRef idx="0"/>
         <a:fontRef idx="none"/>
       </a:style>
     </a:spDef>
@@ -8441,7 +8842,7 @@
           <a:round/>
         </a:ln>
         <a:effectLst>
-          <a:outerShdw blurRad="38100" dist="23000" dir="5400000" rotWithShape="0">
+          <a:outerShdw sx="100000" sy="100000" kx="0" ky="0" algn="b" rotWithShape="0" blurRad="38100" dist="23000" dir="5400000">
             <a:srgbClr val="000000">
               <a:alpha val="35000"/>
             </a:srgbClr>
@@ -8449,7 +8850,7 @@
         </a:effectLst>
         <a:sp3d/>
       </a:spPr>
-      <a:bodyPr rot="0" spcFirstLastPara="1" vertOverflow="overflow" horzOverflow="overflow" vert="horz" wrap="square" lIns="91439" tIns="45719" rIns="91439" bIns="45719" numCol="1" spcCol="38100" rtlCol="0" anchor="t">
+      <a:bodyPr rot="0" spcFirstLastPara="1" vertOverflow="overflow" horzOverflow="overflow" vert="horz" wrap="square" lIns="91439" tIns="45719" rIns="91439" bIns="45719" numCol="1" spcCol="38100" rtlCol="0" anchor="t" upright="0">
         <a:noAutofit/>
       </a:bodyPr>
       <a:lstStyle>
@@ -8468,7 +8869,7 @@
           <a:buFontTx/>
           <a:buNone/>
           <a:tabLst/>
-          <a:defRPr kumimoji="0" sz="1800" b="0" i="0" u="none" strike="noStrike" cap="none" spc="0" normalizeH="0" baseline="0">
+          <a:defRPr b="0" baseline="0" cap="none" i="0" spc="0" strike="noStrike" sz="1800" u="none" kumimoji="0" normalizeH="0">
             <a:ln>
               <a:noFill/>
             </a:ln>
@@ -8494,7 +8895,7 @@
           <a:buFontTx/>
           <a:buNone/>
           <a:tabLst/>
-          <a:defRPr kumimoji="0" sz="1800" b="0" i="0" u="none" strike="noStrike" cap="none" spc="0" normalizeH="0" baseline="0">
+          <a:defRPr b="0" baseline="0" cap="none" i="0" spc="0" strike="noStrike" sz="1800" u="none" kumimoji="0" normalizeH="0">
             <a:ln>
               <a:noFill/>
             </a:ln>
@@ -8520,7 +8921,7 @@
           <a:buFontTx/>
           <a:buNone/>
           <a:tabLst/>
-          <a:defRPr kumimoji="0" sz="1800" b="0" i="0" u="none" strike="noStrike" cap="none" spc="0" normalizeH="0" baseline="0">
+          <a:defRPr b="0" baseline="0" cap="none" i="0" spc="0" strike="noStrike" sz="1800" u="none" kumimoji="0" normalizeH="0">
             <a:ln>
               <a:noFill/>
             </a:ln>
@@ -8546,7 +8947,7 @@
           <a:buFontTx/>
           <a:buNone/>
           <a:tabLst/>
-          <a:defRPr kumimoji="0" sz="1800" b="0" i="0" u="none" strike="noStrike" cap="none" spc="0" normalizeH="0" baseline="0">
+          <a:defRPr b="0" baseline="0" cap="none" i="0" spc="0" strike="noStrike" sz="1800" u="none" kumimoji="0" normalizeH="0">
             <a:ln>
               <a:noFill/>
             </a:ln>
@@ -8572,7 +8973,7 @@
           <a:buFontTx/>
           <a:buNone/>
           <a:tabLst/>
-          <a:defRPr kumimoji="0" sz="1800" b="0" i="0" u="none" strike="noStrike" cap="none" spc="0" normalizeH="0" baseline="0">
+          <a:defRPr b="0" baseline="0" cap="none" i="0" spc="0" strike="noStrike" sz="1800" u="none" kumimoji="0" normalizeH="0">
             <a:ln>
               <a:noFill/>
             </a:ln>
@@ -8598,7 +8999,7 @@
           <a:buFontTx/>
           <a:buNone/>
           <a:tabLst/>
-          <a:defRPr kumimoji="0" sz="1800" b="0" i="0" u="none" strike="noStrike" cap="none" spc="0" normalizeH="0" baseline="0">
+          <a:defRPr b="0" baseline="0" cap="none" i="0" spc="0" strike="noStrike" sz="1800" u="none" kumimoji="0" normalizeH="0">
             <a:ln>
               <a:noFill/>
             </a:ln>
@@ -8624,7 +9025,7 @@
           <a:buFontTx/>
           <a:buNone/>
           <a:tabLst/>
-          <a:defRPr kumimoji="0" sz="1800" b="0" i="0" u="none" strike="noStrike" cap="none" spc="0" normalizeH="0" baseline="0">
+          <a:defRPr b="0" baseline="0" cap="none" i="0" spc="0" strike="noStrike" sz="1800" u="none" kumimoji="0" normalizeH="0">
             <a:ln>
               <a:noFill/>
             </a:ln>
@@ -8650,7 +9051,7 @@
           <a:buFontTx/>
           <a:buNone/>
           <a:tabLst/>
-          <a:defRPr kumimoji="0" sz="1800" b="0" i="0" u="none" strike="noStrike" cap="none" spc="0" normalizeH="0" baseline="0">
+          <a:defRPr b="0" baseline="0" cap="none" i="0" spc="0" strike="noStrike" sz="1800" u="none" kumimoji="0" normalizeH="0">
             <a:ln>
               <a:noFill/>
             </a:ln>
@@ -8676,7 +9077,7 @@
           <a:buFontTx/>
           <a:buNone/>
           <a:tabLst/>
-          <a:defRPr kumimoji="0" sz="1800" b="0" i="0" u="none" strike="noStrike" cap="none" spc="0" normalizeH="0" baseline="0">
+          <a:defRPr b="0" baseline="0" cap="none" i="0" spc="0" strike="noStrike" sz="1800" u="none" kumimoji="0" normalizeH="0">
             <a:ln>
               <a:noFill/>
             </a:ln>
@@ -8702,7 +9103,7 @@
           <a:buFontTx/>
           <a:buNone/>
           <a:tabLst/>
-          <a:defRPr kumimoji="0" sz="1800" b="0" i="0" u="none" strike="noStrike" cap="none" spc="0" normalizeH="0" baseline="0">
+          <a:defRPr b="0" baseline="0" cap="none" i="0" spc="0" strike="noStrike" sz="1800" u="none" kumimoji="0" normalizeH="0">
             <a:ln>
               <a:noFill/>
             </a:ln>
@@ -8715,15 +9116,9 @@
         </a:lvl9pPr>
       </a:lstStyle>
       <a:style>
-        <a:lnRef idx="0">
-          <a:scrgbClr r="0" g="0" b="0"/>
-        </a:lnRef>
-        <a:fillRef idx="0">
-          <a:scrgbClr r="0" g="0" b="0"/>
-        </a:fillRef>
-        <a:effectRef idx="0">
-          <a:scrgbClr r="0" g="0" b="0"/>
-        </a:effectRef>
+        <a:lnRef idx="0"/>
+        <a:fillRef idx="0"/>
+        <a:effectRef idx="0"/>
         <a:fontRef idx="none"/>
       </a:style>
     </a:lnDef>
@@ -8737,7 +9132,7 @@
         <a:effectLst/>
         <a:sp3d/>
       </a:spPr>
-      <a:bodyPr rot="0" spcFirstLastPara="1" vertOverflow="overflow" horzOverflow="overflow" vert="horz" wrap="square" lIns="50800" tIns="50800" rIns="50800" bIns="50800" numCol="1" spcCol="38100" rtlCol="0" anchor="ctr">
+      <a:bodyPr rot="0" spcFirstLastPara="1" vertOverflow="overflow" horzOverflow="overflow" vert="horz" wrap="square" lIns="50800" tIns="50800" rIns="50800" bIns="50800" numCol="1" spcCol="38100" rtlCol="0" anchor="ctr" upright="0">
         <a:spAutoFit/>
       </a:bodyPr>
       <a:lstStyle>
@@ -8756,7 +9151,7 @@
           <a:buFontTx/>
           <a:buNone/>
           <a:tabLst/>
-          <a:defRPr kumimoji="0" sz="2800" b="0" i="0" u="none" strike="noStrike" cap="none" spc="0" normalizeH="0" baseline="0">
+          <a:defRPr b="0" baseline="0" cap="none" i="0" spc="0" strike="noStrike" sz="2800" u="none" kumimoji="0" normalizeH="0">
             <a:ln>
               <a:noFill/>
             </a:ln>
@@ -8765,10 +9160,10 @@
             </a:solidFill>
             <a:effectLst/>
             <a:uFillTx/>
-            <a:latin typeface="+mj-lt"/>
-            <a:ea typeface="+mj-ea"/>
-            <a:cs typeface="+mj-cs"/>
-            <a:sym typeface="Lucida Grande"/>
+            <a:latin typeface="+mn-lt"/>
+            <a:ea typeface="+mn-ea"/>
+            <a:cs typeface="+mn-cs"/>
+            <a:sym typeface="Helvetica"/>
           </a:defRPr>
         </a:defPPr>
         <a:lvl1pPr marL="0" marR="0" indent="0" algn="l" defTabSz="914400" rtl="0" fontAlgn="auto" latinLnBrk="1" hangingPunct="0">
@@ -8786,7 +9181,7 @@
           <a:buFontTx/>
           <a:buNone/>
           <a:tabLst/>
-          <a:defRPr kumimoji="0" sz="1800" b="0" i="0" u="none" strike="noStrike" cap="none" spc="0" normalizeH="0" baseline="0">
+          <a:defRPr b="0" baseline="0" cap="none" i="0" spc="0" strike="noStrike" sz="1800" u="none" kumimoji="0" normalizeH="0">
             <a:ln>
               <a:noFill/>
             </a:ln>
@@ -8812,7 +9207,7 @@
           <a:buFontTx/>
           <a:buNone/>
           <a:tabLst/>
-          <a:defRPr kumimoji="0" sz="1800" b="0" i="0" u="none" strike="noStrike" cap="none" spc="0" normalizeH="0" baseline="0">
+          <a:defRPr b="0" baseline="0" cap="none" i="0" spc="0" strike="noStrike" sz="1800" u="none" kumimoji="0" normalizeH="0">
             <a:ln>
               <a:noFill/>
             </a:ln>
@@ -8838,7 +9233,7 @@
           <a:buFontTx/>
           <a:buNone/>
           <a:tabLst/>
-          <a:defRPr kumimoji="0" sz="1800" b="0" i="0" u="none" strike="noStrike" cap="none" spc="0" normalizeH="0" baseline="0">
+          <a:defRPr b="0" baseline="0" cap="none" i="0" spc="0" strike="noStrike" sz="1800" u="none" kumimoji="0" normalizeH="0">
             <a:ln>
               <a:noFill/>
             </a:ln>
@@ -8864,7 +9259,7 @@
           <a:buFontTx/>
           <a:buNone/>
           <a:tabLst/>
-          <a:defRPr kumimoji="0" sz="1800" b="0" i="0" u="none" strike="noStrike" cap="none" spc="0" normalizeH="0" baseline="0">
+          <a:defRPr b="0" baseline="0" cap="none" i="0" spc="0" strike="noStrike" sz="1800" u="none" kumimoji="0" normalizeH="0">
             <a:ln>
               <a:noFill/>
             </a:ln>
@@ -8890,7 +9285,7 @@
           <a:buFontTx/>
           <a:buNone/>
           <a:tabLst/>
-          <a:defRPr kumimoji="0" sz="1800" b="0" i="0" u="none" strike="noStrike" cap="none" spc="0" normalizeH="0" baseline="0">
+          <a:defRPr b="0" baseline="0" cap="none" i="0" spc="0" strike="noStrike" sz="1800" u="none" kumimoji="0" normalizeH="0">
             <a:ln>
               <a:noFill/>
             </a:ln>
@@ -8916,7 +9311,7 @@
           <a:buFontTx/>
           <a:buNone/>
           <a:tabLst/>
-          <a:defRPr kumimoji="0" sz="1800" b="0" i="0" u="none" strike="noStrike" cap="none" spc="0" normalizeH="0" baseline="0">
+          <a:defRPr b="0" baseline="0" cap="none" i="0" spc="0" strike="noStrike" sz="1800" u="none" kumimoji="0" normalizeH="0">
             <a:ln>
               <a:noFill/>
             </a:ln>
@@ -8942,7 +9337,7 @@
           <a:buFontTx/>
           <a:buNone/>
           <a:tabLst/>
-          <a:defRPr kumimoji="0" sz="1800" b="0" i="0" u="none" strike="noStrike" cap="none" spc="0" normalizeH="0" baseline="0">
+          <a:defRPr b="0" baseline="0" cap="none" i="0" spc="0" strike="noStrike" sz="1800" u="none" kumimoji="0" normalizeH="0">
             <a:ln>
               <a:noFill/>
             </a:ln>
@@ -8968,7 +9363,7 @@
           <a:buFontTx/>
           <a:buNone/>
           <a:tabLst/>
-          <a:defRPr kumimoji="0" sz="1800" b="0" i="0" u="none" strike="noStrike" cap="none" spc="0" normalizeH="0" baseline="0">
+          <a:defRPr b="0" baseline="0" cap="none" i="0" spc="0" strike="noStrike" sz="1800" u="none" kumimoji="0" normalizeH="0">
             <a:ln>
               <a:noFill/>
             </a:ln>
@@ -8994,7 +9389,7 @@
           <a:buFontTx/>
           <a:buNone/>
           <a:tabLst/>
-          <a:defRPr kumimoji="0" sz="1800" b="0" i="0" u="none" strike="noStrike" cap="none" spc="0" normalizeH="0" baseline="0">
+          <a:defRPr b="0" baseline="0" cap="none" i="0" spc="0" strike="noStrike" sz="1800" u="none" kumimoji="0" normalizeH="0">
             <a:ln>
               <a:noFill/>
             </a:ln>
@@ -9007,25 +9402,18 @@
         </a:lvl9pPr>
       </a:lstStyle>
       <a:style>
-        <a:lnRef idx="0">
-          <a:scrgbClr r="0" g="0" b="0"/>
-        </a:lnRef>
-        <a:fillRef idx="0">
-          <a:scrgbClr r="0" g="0" b="0"/>
-        </a:fillRef>
-        <a:effectRef idx="0">
-          <a:scrgbClr r="0" g="0" b="0"/>
-        </a:effectRef>
+        <a:lnRef idx="0"/>
+        <a:fillRef idx="0"/>
+        <a:effectRef idx="0"/>
         <a:fontRef idx="none"/>
       </a:style>
     </a:txDef>
   </a:objectDefaults>
-  <a:extraClrSchemeLst/>
 </a:theme>
 </file>
 
 <file path=ppt/theme/theme2.xml><?xml version="1.0" encoding="utf-8"?>
-<a:theme xmlns:a="http://schemas.openxmlformats.org/drawingml/2006/main" name="White">
+<a:theme xmlns:a="http://schemas.openxmlformats.org/drawingml/2006/main" xmlns:r="http://schemas.openxmlformats.org/officeDocument/2006/relationships" name="White">
   <a:themeElements>
     <a:clrScheme name="White">
       <a:dk1>
@@ -9151,7 +9539,7 @@
       <a:effectStyleLst>
         <a:effectStyle>
           <a:effectLst>
-            <a:outerShdw blurRad="38100" dist="23000" dir="5400000" rotWithShape="0">
+            <a:outerShdw sx="100000" sy="100000" kx="0" ky="0" algn="b" rotWithShape="0" blurRad="38100" dist="23000" dir="5400000">
               <a:srgbClr val="000000">
                 <a:alpha val="35000"/>
               </a:srgbClr>
@@ -9160,7 +9548,7 @@
         </a:effectStyle>
         <a:effectStyle>
           <a:effectLst>
-            <a:outerShdw blurRad="38100" dist="23000" dir="5400000" rotWithShape="0">
+            <a:outerShdw sx="100000" sy="100000" kx="0" ky="0" algn="b" rotWithShape="0" blurRad="38100" dist="23000" dir="5400000">
               <a:srgbClr val="000000">
                 <a:alpha val="35000"/>
               </a:srgbClr>
@@ -9169,7 +9557,7 @@
         </a:effectStyle>
         <a:effectStyle>
           <a:effectLst>
-            <a:outerShdw blurRad="38100" dist="23000" dir="5400000" rotWithShape="0">
+            <a:outerShdw sx="100000" sy="100000" kx="0" ky="0" algn="b" rotWithShape="0" blurRad="38100" dist="23000" dir="5400000">
               <a:srgbClr val="000000">
                 <a:alpha val="35000"/>
               </a:srgbClr>
@@ -9243,7 +9631,7 @@
           <a:round/>
         </a:ln>
         <a:effectLst>
-          <a:outerShdw blurRad="38100" dist="23000" dir="5400000" rotWithShape="0">
+          <a:outerShdw sx="100000" sy="100000" kx="0" ky="0" algn="b" rotWithShape="0" blurRad="38100" dist="23000" dir="5400000">
             <a:srgbClr val="000000">
               <a:alpha val="35000"/>
             </a:srgbClr>
@@ -9251,7 +9639,7 @@
         </a:effectLst>
         <a:sp3d/>
       </a:spPr>
-      <a:bodyPr rot="0" spcFirstLastPara="1" vertOverflow="overflow" horzOverflow="overflow" vert="horz" wrap="square" lIns="45718" tIns="45718" rIns="45718" bIns="45718" numCol="1" spcCol="38100" rtlCol="0" anchor="ctr">
+      <a:bodyPr rot="0" spcFirstLastPara="1" vertOverflow="overflow" horzOverflow="overflow" vert="horz" wrap="square" lIns="45718" tIns="45718" rIns="45718" bIns="45718" numCol="1" spcCol="38100" rtlCol="0" anchor="ctr" upright="0">
         <a:spAutoFit/>
       </a:bodyPr>
       <a:lstStyle>
@@ -9270,7 +9658,7 @@
           <a:buFontTx/>
           <a:buNone/>
           <a:tabLst/>
-          <a:defRPr kumimoji="0" sz="2800" b="0" i="0" u="none" strike="noStrike" cap="none" spc="0" normalizeH="0" baseline="0">
+          <a:defRPr b="0" baseline="0" cap="none" i="0" spc="0" strike="noStrike" sz="2800" u="none" kumimoji="0" normalizeH="0">
             <a:ln>
               <a:noFill/>
             </a:ln>
@@ -9279,10 +9667,10 @@
             </a:solidFill>
             <a:effectLst/>
             <a:uFillTx/>
-            <a:latin typeface="+mj-lt"/>
-            <a:ea typeface="+mj-ea"/>
-            <a:cs typeface="+mj-cs"/>
-            <a:sym typeface="Lucida Grande"/>
+            <a:latin typeface="+mn-lt"/>
+            <a:ea typeface="+mn-ea"/>
+            <a:cs typeface="+mn-cs"/>
+            <a:sym typeface="Helvetica"/>
           </a:defRPr>
         </a:defPPr>
         <a:lvl1pPr marL="0" marR="0" indent="0" algn="l" defTabSz="914400" rtl="0" fontAlgn="auto" latinLnBrk="1" hangingPunct="0">
@@ -9300,7 +9688,7 @@
           <a:buFontTx/>
           <a:buNone/>
           <a:tabLst/>
-          <a:defRPr kumimoji="0" sz="1800" b="0" i="0" u="none" strike="noStrike" cap="none" spc="0" normalizeH="0" baseline="0">
+          <a:defRPr b="0" baseline="0" cap="none" i="0" spc="0" strike="noStrike" sz="1800" u="none" kumimoji="0" normalizeH="0">
             <a:ln>
               <a:noFill/>
             </a:ln>
@@ -9326,7 +9714,7 @@
           <a:buFontTx/>
           <a:buNone/>
           <a:tabLst/>
-          <a:defRPr kumimoji="0" sz="1800" b="0" i="0" u="none" strike="noStrike" cap="none" spc="0" normalizeH="0" baseline="0">
+          <a:defRPr b="0" baseline="0" cap="none" i="0" spc="0" strike="noStrike" sz="1800" u="none" kumimoji="0" normalizeH="0">
             <a:ln>
               <a:noFill/>
             </a:ln>
@@ -9352,7 +9740,7 @@
           <a:buFontTx/>
           <a:buNone/>
           <a:tabLst/>
-          <a:defRPr kumimoji="0" sz="1800" b="0" i="0" u="none" strike="noStrike" cap="none" spc="0" normalizeH="0" baseline="0">
+          <a:defRPr b="0" baseline="0" cap="none" i="0" spc="0" strike="noStrike" sz="1800" u="none" kumimoji="0" normalizeH="0">
             <a:ln>
               <a:noFill/>
             </a:ln>
@@ -9378,7 +9766,7 @@
           <a:buFontTx/>
           <a:buNone/>
           <a:tabLst/>
-          <a:defRPr kumimoji="0" sz="1800" b="0" i="0" u="none" strike="noStrike" cap="none" spc="0" normalizeH="0" baseline="0">
+          <a:defRPr b="0" baseline="0" cap="none" i="0" spc="0" strike="noStrike" sz="1800" u="none" kumimoji="0" normalizeH="0">
             <a:ln>
               <a:noFill/>
             </a:ln>
@@ -9404,7 +9792,7 @@
           <a:buFontTx/>
           <a:buNone/>
           <a:tabLst/>
-          <a:defRPr kumimoji="0" sz="1800" b="0" i="0" u="none" strike="noStrike" cap="none" spc="0" normalizeH="0" baseline="0">
+          <a:defRPr b="0" baseline="0" cap="none" i="0" spc="0" strike="noStrike" sz="1800" u="none" kumimoji="0" normalizeH="0">
             <a:ln>
               <a:noFill/>
             </a:ln>
@@ -9430,7 +9818,7 @@
           <a:buFontTx/>
           <a:buNone/>
           <a:tabLst/>
-          <a:defRPr kumimoji="0" sz="1800" b="0" i="0" u="none" strike="noStrike" cap="none" spc="0" normalizeH="0" baseline="0">
+          <a:defRPr b="0" baseline="0" cap="none" i="0" spc="0" strike="noStrike" sz="1800" u="none" kumimoji="0" normalizeH="0">
             <a:ln>
               <a:noFill/>
             </a:ln>
@@ -9456,7 +9844,7 @@
           <a:buFontTx/>
           <a:buNone/>
           <a:tabLst/>
-          <a:defRPr kumimoji="0" sz="1800" b="0" i="0" u="none" strike="noStrike" cap="none" spc="0" normalizeH="0" baseline="0">
+          <a:defRPr b="0" baseline="0" cap="none" i="0" spc="0" strike="noStrike" sz="1800" u="none" kumimoji="0" normalizeH="0">
             <a:ln>
               <a:noFill/>
             </a:ln>
@@ -9482,7 +9870,7 @@
           <a:buFontTx/>
           <a:buNone/>
           <a:tabLst/>
-          <a:defRPr kumimoji="0" sz="1800" b="0" i="0" u="none" strike="noStrike" cap="none" spc="0" normalizeH="0" baseline="0">
+          <a:defRPr b="0" baseline="0" cap="none" i="0" spc="0" strike="noStrike" sz="1800" u="none" kumimoji="0" normalizeH="0">
             <a:ln>
               <a:noFill/>
             </a:ln>
@@ -9508,7 +9896,7 @@
           <a:buFontTx/>
           <a:buNone/>
           <a:tabLst/>
-          <a:defRPr kumimoji="0" sz="1800" b="0" i="0" u="none" strike="noStrike" cap="none" spc="0" normalizeH="0" baseline="0">
+          <a:defRPr b="0" baseline="0" cap="none" i="0" spc="0" strike="noStrike" sz="1800" u="none" kumimoji="0" normalizeH="0">
             <a:ln>
               <a:noFill/>
             </a:ln>
@@ -9521,15 +9909,9 @@
         </a:lvl9pPr>
       </a:lstStyle>
       <a:style>
-        <a:lnRef idx="0">
-          <a:scrgbClr r="0" g="0" b="0"/>
-        </a:lnRef>
-        <a:fillRef idx="0">
-          <a:scrgbClr r="0" g="0" b="0"/>
-        </a:fillRef>
-        <a:effectRef idx="0">
-          <a:scrgbClr r="0" g="0" b="0"/>
-        </a:effectRef>
+        <a:lnRef idx="0"/>
+        <a:fillRef idx="0"/>
+        <a:effectRef idx="0"/>
         <a:fontRef idx="none"/>
       </a:style>
     </a:spDef>
@@ -9544,7 +9926,7 @@
           <a:round/>
         </a:ln>
         <a:effectLst>
-          <a:outerShdw blurRad="38100" dist="23000" dir="5400000" rotWithShape="0">
+          <a:outerShdw sx="100000" sy="100000" kx="0" ky="0" algn="b" rotWithShape="0" blurRad="38100" dist="23000" dir="5400000">
             <a:srgbClr val="000000">
               <a:alpha val="35000"/>
             </a:srgbClr>
@@ -9552,7 +9934,7 @@
         </a:effectLst>
         <a:sp3d/>
       </a:spPr>
-      <a:bodyPr rot="0" spcFirstLastPara="1" vertOverflow="overflow" horzOverflow="overflow" vert="horz" wrap="square" lIns="91439" tIns="45719" rIns="91439" bIns="45719" numCol="1" spcCol="38100" rtlCol="0" anchor="t">
+      <a:bodyPr rot="0" spcFirstLastPara="1" vertOverflow="overflow" horzOverflow="overflow" vert="horz" wrap="square" lIns="91439" tIns="45719" rIns="91439" bIns="45719" numCol="1" spcCol="38100" rtlCol="0" anchor="t" upright="0">
         <a:noAutofit/>
       </a:bodyPr>
       <a:lstStyle>
@@ -9571,7 +9953,7 @@
           <a:buFontTx/>
           <a:buNone/>
           <a:tabLst/>
-          <a:defRPr kumimoji="0" sz="1800" b="0" i="0" u="none" strike="noStrike" cap="none" spc="0" normalizeH="0" baseline="0">
+          <a:defRPr b="0" baseline="0" cap="none" i="0" spc="0" strike="noStrike" sz="1800" u="none" kumimoji="0" normalizeH="0">
             <a:ln>
               <a:noFill/>
             </a:ln>
@@ -9597,7 +9979,7 @@
           <a:buFontTx/>
           <a:buNone/>
           <a:tabLst/>
-          <a:defRPr kumimoji="0" sz="1800" b="0" i="0" u="none" strike="noStrike" cap="none" spc="0" normalizeH="0" baseline="0">
+          <a:defRPr b="0" baseline="0" cap="none" i="0" spc="0" strike="noStrike" sz="1800" u="none" kumimoji="0" normalizeH="0">
             <a:ln>
               <a:noFill/>
             </a:ln>
@@ -9623,7 +10005,7 @@
           <a:buFontTx/>
           <a:buNone/>
           <a:tabLst/>
-          <a:defRPr kumimoji="0" sz="1800" b="0" i="0" u="none" strike="noStrike" cap="none" spc="0" normalizeH="0" baseline="0">
+          <a:defRPr b="0" baseline="0" cap="none" i="0" spc="0" strike="noStrike" sz="1800" u="none" kumimoji="0" normalizeH="0">
             <a:ln>
               <a:noFill/>
             </a:ln>
@@ -9649,7 +10031,7 @@
           <a:buFontTx/>
           <a:buNone/>
           <a:tabLst/>
-          <a:defRPr kumimoji="0" sz="1800" b="0" i="0" u="none" strike="noStrike" cap="none" spc="0" normalizeH="0" baseline="0">
+          <a:defRPr b="0" baseline="0" cap="none" i="0" spc="0" strike="noStrike" sz="1800" u="none" kumimoji="0" normalizeH="0">
             <a:ln>
               <a:noFill/>
             </a:ln>
@@ -9675,7 +10057,7 @@
           <a:buFontTx/>
           <a:buNone/>
           <a:tabLst/>
-          <a:defRPr kumimoji="0" sz="1800" b="0" i="0" u="none" strike="noStrike" cap="none" spc="0" normalizeH="0" baseline="0">
+          <a:defRPr b="0" baseline="0" cap="none" i="0" spc="0" strike="noStrike" sz="1800" u="none" kumimoji="0" normalizeH="0">
             <a:ln>
               <a:noFill/>
             </a:ln>
@@ -9701,7 +10083,7 @@
           <a:buFontTx/>
           <a:buNone/>
           <a:tabLst/>
-          <a:defRPr kumimoji="0" sz="1800" b="0" i="0" u="none" strike="noStrike" cap="none" spc="0" normalizeH="0" baseline="0">
+          <a:defRPr b="0" baseline="0" cap="none" i="0" spc="0" strike="noStrike" sz="1800" u="none" kumimoji="0" normalizeH="0">
             <a:ln>
               <a:noFill/>
             </a:ln>
@@ -9727,7 +10109,7 @@
           <a:buFontTx/>
           <a:buNone/>
           <a:tabLst/>
-          <a:defRPr kumimoji="0" sz="1800" b="0" i="0" u="none" strike="noStrike" cap="none" spc="0" normalizeH="0" baseline="0">
+          <a:defRPr b="0" baseline="0" cap="none" i="0" spc="0" strike="noStrike" sz="1800" u="none" kumimoji="0" normalizeH="0">
             <a:ln>
               <a:noFill/>
             </a:ln>
@@ -9753,7 +10135,7 @@
           <a:buFontTx/>
           <a:buNone/>
           <a:tabLst/>
-          <a:defRPr kumimoji="0" sz="1800" b="0" i="0" u="none" strike="noStrike" cap="none" spc="0" normalizeH="0" baseline="0">
+          <a:defRPr b="0" baseline="0" cap="none" i="0" spc="0" strike="noStrike" sz="1800" u="none" kumimoji="0" normalizeH="0">
             <a:ln>
               <a:noFill/>
             </a:ln>
@@ -9779,7 +10161,7 @@
           <a:buFontTx/>
           <a:buNone/>
           <a:tabLst/>
-          <a:defRPr kumimoji="0" sz="1800" b="0" i="0" u="none" strike="noStrike" cap="none" spc="0" normalizeH="0" baseline="0">
+          <a:defRPr b="0" baseline="0" cap="none" i="0" spc="0" strike="noStrike" sz="1800" u="none" kumimoji="0" normalizeH="0">
             <a:ln>
               <a:noFill/>
             </a:ln>
@@ -9805,7 +10187,7 @@
           <a:buFontTx/>
           <a:buNone/>
           <a:tabLst/>
-          <a:defRPr kumimoji="0" sz="1800" b="0" i="0" u="none" strike="noStrike" cap="none" spc="0" normalizeH="0" baseline="0">
+          <a:defRPr b="0" baseline="0" cap="none" i="0" spc="0" strike="noStrike" sz="1800" u="none" kumimoji="0" normalizeH="0">
             <a:ln>
               <a:noFill/>
             </a:ln>
@@ -9818,15 +10200,9 @@
         </a:lvl9pPr>
       </a:lstStyle>
       <a:style>
-        <a:lnRef idx="0">
-          <a:scrgbClr r="0" g="0" b="0"/>
-        </a:lnRef>
-        <a:fillRef idx="0">
-          <a:scrgbClr r="0" g="0" b="0"/>
-        </a:fillRef>
-        <a:effectRef idx="0">
-          <a:scrgbClr r="0" g="0" b="0"/>
-        </a:effectRef>
+        <a:lnRef idx="0"/>
+        <a:fillRef idx="0"/>
+        <a:effectRef idx="0"/>
         <a:fontRef idx="none"/>
       </a:style>
     </a:lnDef>
@@ -9840,7 +10216,7 @@
         <a:effectLst/>
         <a:sp3d/>
       </a:spPr>
-      <a:bodyPr rot="0" spcFirstLastPara="1" vertOverflow="overflow" horzOverflow="overflow" vert="horz" wrap="square" lIns="50800" tIns="50800" rIns="50800" bIns="50800" numCol="1" spcCol="38100" rtlCol="0" anchor="ctr">
+      <a:bodyPr rot="0" spcFirstLastPara="1" vertOverflow="overflow" horzOverflow="overflow" vert="horz" wrap="square" lIns="50800" tIns="50800" rIns="50800" bIns="50800" numCol="1" spcCol="38100" rtlCol="0" anchor="ctr" upright="0">
         <a:spAutoFit/>
       </a:bodyPr>
       <a:lstStyle>
@@ -9859,7 +10235,7 @@
           <a:buFontTx/>
           <a:buNone/>
           <a:tabLst/>
-          <a:defRPr kumimoji="0" sz="2800" b="0" i="0" u="none" strike="noStrike" cap="none" spc="0" normalizeH="0" baseline="0">
+          <a:defRPr b="0" baseline="0" cap="none" i="0" spc="0" strike="noStrike" sz="2800" u="none" kumimoji="0" normalizeH="0">
             <a:ln>
               <a:noFill/>
             </a:ln>
@@ -9868,10 +10244,10 @@
             </a:solidFill>
             <a:effectLst/>
             <a:uFillTx/>
-            <a:latin typeface="+mj-lt"/>
-            <a:ea typeface="+mj-ea"/>
-            <a:cs typeface="+mj-cs"/>
-            <a:sym typeface="Lucida Grande"/>
+            <a:latin typeface="+mn-lt"/>
+            <a:ea typeface="+mn-ea"/>
+            <a:cs typeface="+mn-cs"/>
+            <a:sym typeface="Helvetica"/>
           </a:defRPr>
         </a:defPPr>
         <a:lvl1pPr marL="0" marR="0" indent="0" algn="l" defTabSz="914400" rtl="0" fontAlgn="auto" latinLnBrk="1" hangingPunct="0">
@@ -9889,7 +10265,7 @@
           <a:buFontTx/>
           <a:buNone/>
           <a:tabLst/>
-          <a:defRPr kumimoji="0" sz="1800" b="0" i="0" u="none" strike="noStrike" cap="none" spc="0" normalizeH="0" baseline="0">
+          <a:defRPr b="0" baseline="0" cap="none" i="0" spc="0" strike="noStrike" sz="1800" u="none" kumimoji="0" normalizeH="0">
             <a:ln>
               <a:noFill/>
             </a:ln>
@@ -9915,7 +10291,7 @@
           <a:buFontTx/>
           <a:buNone/>
           <a:tabLst/>
-          <a:defRPr kumimoji="0" sz="1800" b="0" i="0" u="none" strike="noStrike" cap="none" spc="0" normalizeH="0" baseline="0">
+          <a:defRPr b="0" baseline="0" cap="none" i="0" spc="0" strike="noStrike" sz="1800" u="none" kumimoji="0" normalizeH="0">
             <a:ln>
               <a:noFill/>
             </a:ln>
@@ -9941,7 +10317,7 @@
           <a:buFontTx/>
           <a:buNone/>
           <a:tabLst/>
-          <a:defRPr kumimoji="0" sz="1800" b="0" i="0" u="none" strike="noStrike" cap="none" spc="0" normalizeH="0" baseline="0">
+          <a:defRPr b="0" baseline="0" cap="none" i="0" spc="0" strike="noStrike" sz="1800" u="none" kumimoji="0" normalizeH="0">
             <a:ln>
               <a:noFill/>
             </a:ln>
@@ -9967,7 +10343,7 @@
           <a:buFontTx/>
           <a:buNone/>
           <a:tabLst/>
-          <a:defRPr kumimoji="0" sz="1800" b="0" i="0" u="none" strike="noStrike" cap="none" spc="0" normalizeH="0" baseline="0">
+          <a:defRPr b="0" baseline="0" cap="none" i="0" spc="0" strike="noStrike" sz="1800" u="none" kumimoji="0" normalizeH="0">
             <a:ln>
               <a:noFill/>
             </a:ln>
@@ -9993,7 +10369,7 @@
           <a:buFontTx/>
           <a:buNone/>
           <a:tabLst/>
-          <a:defRPr kumimoji="0" sz="1800" b="0" i="0" u="none" strike="noStrike" cap="none" spc="0" normalizeH="0" baseline="0">
+          <a:defRPr b="0" baseline="0" cap="none" i="0" spc="0" strike="noStrike" sz="1800" u="none" kumimoji="0" normalizeH="0">
             <a:ln>
               <a:noFill/>
             </a:ln>
@@ -10019,7 +10395,7 @@
           <a:buFontTx/>
           <a:buNone/>
           <a:tabLst/>
-          <a:defRPr kumimoji="0" sz="1800" b="0" i="0" u="none" strike="noStrike" cap="none" spc="0" normalizeH="0" baseline="0">
+          <a:defRPr b="0" baseline="0" cap="none" i="0" spc="0" strike="noStrike" sz="1800" u="none" kumimoji="0" normalizeH="0">
             <a:ln>
               <a:noFill/>
             </a:ln>
@@ -10045,7 +10421,7 @@
           <a:buFontTx/>
           <a:buNone/>
           <a:tabLst/>
-          <a:defRPr kumimoji="0" sz="1800" b="0" i="0" u="none" strike="noStrike" cap="none" spc="0" normalizeH="0" baseline="0">
+          <a:defRPr b="0" baseline="0" cap="none" i="0" spc="0" strike="noStrike" sz="1800" u="none" kumimoji="0" normalizeH="0">
             <a:ln>
               <a:noFill/>
             </a:ln>
@@ -10071,7 +10447,7 @@
           <a:buFontTx/>
           <a:buNone/>
           <a:tabLst/>
-          <a:defRPr kumimoji="0" sz="1800" b="0" i="0" u="none" strike="noStrike" cap="none" spc="0" normalizeH="0" baseline="0">
+          <a:defRPr b="0" baseline="0" cap="none" i="0" spc="0" strike="noStrike" sz="1800" u="none" kumimoji="0" normalizeH="0">
             <a:ln>
               <a:noFill/>
             </a:ln>
@@ -10097,7 +10473,7 @@
           <a:buFontTx/>
           <a:buNone/>
           <a:tabLst/>
-          <a:defRPr kumimoji="0" sz="1800" b="0" i="0" u="none" strike="noStrike" cap="none" spc="0" normalizeH="0" baseline="0">
+          <a:defRPr b="0" baseline="0" cap="none" i="0" spc="0" strike="noStrike" sz="1800" u="none" kumimoji="0" normalizeH="0">
             <a:ln>
               <a:noFill/>
             </a:ln>
@@ -10110,19 +10486,12 @@
         </a:lvl9pPr>
       </a:lstStyle>
       <a:style>
-        <a:lnRef idx="0">
-          <a:scrgbClr r="0" g="0" b="0"/>
-        </a:lnRef>
-        <a:fillRef idx="0">
-          <a:scrgbClr r="0" g="0" b="0"/>
-        </a:fillRef>
-        <a:effectRef idx="0">
-          <a:scrgbClr r="0" g="0" b="0"/>
-        </a:effectRef>
+        <a:lnRef idx="0"/>
+        <a:fillRef idx="0"/>
+        <a:effectRef idx="0"/>
         <a:fontRef idx="none"/>
       </a:style>
     </a:txDef>
   </a:objectDefaults>
-  <a:extraClrSchemeLst/>
 </a:theme>
 </file>
--- a/ppt/typescript（二）.pptx
+++ b/ppt/typescript（二）.pptx
@@ -2,36 +2,36 @@
 <file path=ppt/presentation.xml><?xml version="1.0" encoding="utf-8"?>
 <p:presentation xmlns:a="http://schemas.openxmlformats.org/drawingml/2006/main" xmlns:r="http://schemas.openxmlformats.org/officeDocument/2006/relationships" xmlns:p="http://schemas.openxmlformats.org/presentationml/2006/main">
   <p:sldMasterIdLst>
-    <p:sldMasterId id="2147483648" r:id="rId5"/>
+    <p:sldMasterId id="2147483648" r:id="rId1"/>
   </p:sldMasterIdLst>
   <p:notesMasterIdLst>
-    <p:notesMasterId r:id="rId7"/>
+    <p:notesMasterId r:id="rId26"/>
   </p:notesMasterIdLst>
   <p:sldIdLst>
-    <p:sldId id="256" r:id="rId8"/>
-    <p:sldId id="257" r:id="rId9"/>
-    <p:sldId id="258" r:id="rId10"/>
-    <p:sldId id="259" r:id="rId11"/>
-    <p:sldId id="260" r:id="rId12"/>
-    <p:sldId id="261" r:id="rId13"/>
-    <p:sldId id="262" r:id="rId14"/>
-    <p:sldId id="263" r:id="rId15"/>
-    <p:sldId id="264" r:id="rId16"/>
-    <p:sldId id="265" r:id="rId17"/>
-    <p:sldId id="266" r:id="rId18"/>
-    <p:sldId id="267" r:id="rId19"/>
-    <p:sldId id="268" r:id="rId20"/>
-    <p:sldId id="269" r:id="rId21"/>
-    <p:sldId id="270" r:id="rId22"/>
-    <p:sldId id="271" r:id="rId23"/>
-    <p:sldId id="272" r:id="rId24"/>
-    <p:sldId id="273" r:id="rId25"/>
-    <p:sldId id="274" r:id="rId26"/>
-    <p:sldId id="275" r:id="rId27"/>
-    <p:sldId id="276" r:id="rId28"/>
-    <p:sldId id="277" r:id="rId29"/>
-    <p:sldId id="278" r:id="rId30"/>
-    <p:sldId id="279" r:id="rId31"/>
+    <p:sldId id="256" r:id="rId2"/>
+    <p:sldId id="257" r:id="rId3"/>
+    <p:sldId id="258" r:id="rId4"/>
+    <p:sldId id="259" r:id="rId5"/>
+    <p:sldId id="260" r:id="rId6"/>
+    <p:sldId id="261" r:id="rId7"/>
+    <p:sldId id="262" r:id="rId8"/>
+    <p:sldId id="263" r:id="rId9"/>
+    <p:sldId id="264" r:id="rId10"/>
+    <p:sldId id="265" r:id="rId11"/>
+    <p:sldId id="266" r:id="rId12"/>
+    <p:sldId id="267" r:id="rId13"/>
+    <p:sldId id="268" r:id="rId14"/>
+    <p:sldId id="269" r:id="rId15"/>
+    <p:sldId id="270" r:id="rId16"/>
+    <p:sldId id="271" r:id="rId17"/>
+    <p:sldId id="272" r:id="rId18"/>
+    <p:sldId id="273" r:id="rId19"/>
+    <p:sldId id="274" r:id="rId20"/>
+    <p:sldId id="275" r:id="rId21"/>
+    <p:sldId id="276" r:id="rId22"/>
+    <p:sldId id="277" r:id="rId23"/>
+    <p:sldId id="278" r:id="rId24"/>
+    <p:sldId id="279" r:id="rId25"/>
   </p:sldIdLst>
   <p:sldSz cx="14401800" cy="10795000"/>
   <p:notesSz cx="6858000" cy="9144000"/>
@@ -51,7 +51,7 @@
       <a:buFontTx/>
       <a:buNone/>
       <a:tabLst/>
-      <a:defRPr b="0" baseline="0" cap="none" i="0" spc="0" strike="noStrike" sz="1800" u="none" kumimoji="0" normalizeH="0">
+      <a:defRPr kumimoji="0" sz="1800" b="0" i="0" u="none" strike="noStrike" cap="none" spc="0" normalizeH="0" baseline="0">
         <a:ln>
           <a:noFill/>
         </a:ln>
@@ -77,7 +77,7 @@
       <a:buFontTx/>
       <a:buNone/>
       <a:tabLst/>
-      <a:defRPr b="0" baseline="0" cap="none" i="0" spc="0" strike="noStrike" sz="2800" u="none" kumimoji="0" normalizeH="0">
+      <a:defRPr kumimoji="0" sz="2800" b="0" i="0" u="none" strike="noStrike" cap="none" spc="0" normalizeH="0" baseline="0">
         <a:ln>
           <a:noFill/>
         </a:ln>
@@ -107,7 +107,7 @@
       <a:buFontTx/>
       <a:buNone/>
       <a:tabLst/>
-      <a:defRPr b="0" baseline="0" cap="none" i="0" spc="0" strike="noStrike" sz="2800" u="none" kumimoji="0" normalizeH="0">
+      <a:defRPr kumimoji="0" sz="2800" b="0" i="0" u="none" strike="noStrike" cap="none" spc="0" normalizeH="0" baseline="0">
         <a:ln>
           <a:noFill/>
         </a:ln>
@@ -137,7 +137,7 @@
       <a:buFontTx/>
       <a:buNone/>
       <a:tabLst/>
-      <a:defRPr b="0" baseline="0" cap="none" i="0" spc="0" strike="noStrike" sz="2800" u="none" kumimoji="0" normalizeH="0">
+      <a:defRPr kumimoji="0" sz="2800" b="0" i="0" u="none" strike="noStrike" cap="none" spc="0" normalizeH="0" baseline="0">
         <a:ln>
           <a:noFill/>
         </a:ln>
@@ -167,7 +167,7 @@
       <a:buFontTx/>
       <a:buNone/>
       <a:tabLst/>
-      <a:defRPr b="0" baseline="0" cap="none" i="0" spc="0" strike="noStrike" sz="2800" u="none" kumimoji="0" normalizeH="0">
+      <a:defRPr kumimoji="0" sz="2800" b="0" i="0" u="none" strike="noStrike" cap="none" spc="0" normalizeH="0" baseline="0">
         <a:ln>
           <a:noFill/>
         </a:ln>
@@ -197,7 +197,7 @@
       <a:buFontTx/>
       <a:buNone/>
       <a:tabLst/>
-      <a:defRPr b="0" baseline="0" cap="none" i="0" spc="0" strike="noStrike" sz="2800" u="none" kumimoji="0" normalizeH="0">
+      <a:defRPr kumimoji="0" sz="2800" b="0" i="0" u="none" strike="noStrike" cap="none" spc="0" normalizeH="0" baseline="0">
         <a:ln>
           <a:noFill/>
         </a:ln>
@@ -227,7 +227,7 @@
       <a:buFontTx/>
       <a:buNone/>
       <a:tabLst/>
-      <a:defRPr b="0" baseline="0" cap="none" i="0" spc="0" strike="noStrike" sz="2800" u="none" kumimoji="0" normalizeH="0">
+      <a:defRPr kumimoji="0" sz="2800" b="0" i="0" u="none" strike="noStrike" cap="none" spc="0" normalizeH="0" baseline="0">
         <a:ln>
           <a:noFill/>
         </a:ln>
@@ -257,7 +257,7 @@
       <a:buFontTx/>
       <a:buNone/>
       <a:tabLst/>
-      <a:defRPr b="0" baseline="0" cap="none" i="0" spc="0" strike="noStrike" sz="2800" u="none" kumimoji="0" normalizeH="0">
+      <a:defRPr kumimoji="0" sz="2800" b="0" i="0" u="none" strike="noStrike" cap="none" spc="0" normalizeH="0" baseline="0">
         <a:ln>
           <a:noFill/>
         </a:ln>
@@ -287,7 +287,7 @@
       <a:buFontTx/>
       <a:buNone/>
       <a:tabLst/>
-      <a:defRPr b="0" baseline="0" cap="none" i="0" spc="0" strike="noStrike" sz="2800" u="none" kumimoji="0" normalizeH="0">
+      <a:defRPr kumimoji="0" sz="2800" b="0" i="0" u="none" strike="noStrike" cap="none" spc="0" normalizeH="0" baseline="0">
         <a:ln>
           <a:noFill/>
         </a:ln>
@@ -317,7 +317,7 @@
       <a:buFontTx/>
       <a:buNone/>
       <a:tabLst/>
-      <a:defRPr b="0" baseline="0" cap="none" i="0" spc="0" strike="noStrike" sz="2800" u="none" kumimoji="0" normalizeH="0">
+      <a:defRPr kumimoji="0" sz="2800" b="0" i="0" u="none" strike="noStrike" cap="none" spc="0" normalizeH="0" baseline="0">
         <a:ln>
           <a:noFill/>
         </a:ln>
@@ -336,13 +336,14 @@
 </p:presentation>
 </file>
 
-<file path=ppt/commentAuthors.xml><?xml version="1.0" encoding="utf-8"?>
-<p:cmAuthorLst xmlns:a="http://schemas.openxmlformats.org/drawingml/2006/main" xmlns:r="http://schemas.openxmlformats.org/officeDocument/2006/relationships" xmlns:p="http://schemas.openxmlformats.org/presentationml/2006/main"/>
-</file>
-
 <file path=ppt/notesMasters/notesMaster1.xml><?xml version="1.0" encoding="utf-8"?>
 <p:notesMaster xmlns:a="http://schemas.openxmlformats.org/drawingml/2006/main" xmlns:r="http://schemas.openxmlformats.org/officeDocument/2006/relationships" xmlns:p="http://schemas.openxmlformats.org/presentationml/2006/main">
   <p:cSld>
+    <p:bg>
+      <p:bgRef idx="1001">
+        <a:schemeClr val="bg1"/>
+      </p:bgRef>
+    </p:bg>
     <p:spTree>
       <p:nvGrpSpPr>
         <p:cNvPr id="1" name=""/>
@@ -360,7 +361,9 @@
       <p:sp>
         <p:nvSpPr>
           <p:cNvPr id="120" name="Shape 120"/>
-          <p:cNvSpPr/>
+          <p:cNvSpPr>
+            <a:spLocks noGrp="1" noRot="1" noChangeAspect="1"/>
+          </p:cNvSpPr>
           <p:nvPr>
             <p:ph type="sldImg"/>
           </p:nvPr>
@@ -378,14 +381,16 @@
           <a:bodyPr/>
           <a:lstStyle/>
           <a:p>
-            <a:pPr/>
+            <a:endParaRPr/>
           </a:p>
         </p:txBody>
       </p:sp>
       <p:sp>
         <p:nvSpPr>
           <p:cNvPr id="121" name="Shape 121"/>
-          <p:cNvSpPr/>
+          <p:cNvSpPr>
+            <a:spLocks noGrp="1"/>
+          </p:cNvSpPr>
           <p:nvPr>
             <p:ph type="body" sz="quarter" idx="1"/>
           </p:nvPr>
@@ -403,7 +408,7 @@
           <a:bodyPr/>
           <a:lstStyle/>
           <a:p>
-            <a:pPr/>
+            <a:endParaRPr/>
           </a:p>
         </p:txBody>
       </p:sp>
@@ -488,7 +493,7 @@
 </file>
 
 <file path=ppt/slideLayouts/slideLayout1.xml><?xml version="1.0" encoding="utf-8"?>
-<p:sldLayout xmlns:a="http://schemas.openxmlformats.org/drawingml/2006/main" xmlns:r="http://schemas.openxmlformats.org/officeDocument/2006/relationships" xmlns:p="http://schemas.openxmlformats.org/presentationml/2006/main" type="title" showMasterSp="1" showMasterPhAnim="1">
+<p:sldLayout xmlns:a="http://schemas.openxmlformats.org/drawingml/2006/main" xmlns:r="http://schemas.openxmlformats.org/officeDocument/2006/relationships" xmlns:p="http://schemas.openxmlformats.org/presentationml/2006/main" type="title">
   <p:cSld name="標題投影片">
     <p:spTree>
       <p:nvGrpSpPr>
@@ -536,7 +541,9 @@
       <p:sp>
         <p:nvSpPr>
           <p:cNvPr id="12" name="Title Text"/>
-          <p:cNvSpPr txBox="1"/>
+          <p:cNvSpPr txBox="1">
+            <a:spLocks noGrp="1"/>
+          </p:cNvSpPr>
           <p:nvPr>
             <p:ph type="title"/>
           </p:nvPr>
@@ -554,7 +561,6 @@
           <a:bodyPr/>
           <a:lstStyle/>
           <a:p>
-            <a:pPr/>
             <a:r>
               <a:t>Title Text</a:t>
             </a:r>
@@ -564,7 +570,9 @@
       <p:sp>
         <p:nvSpPr>
           <p:cNvPr id="13" name="Body Level One…"/>
-          <p:cNvSpPr txBox="1"/>
+          <p:cNvSpPr txBox="1">
+            <a:spLocks noGrp="1"/>
+          </p:cNvSpPr>
           <p:nvPr>
             <p:ph type="body" sz="quarter" idx="1"/>
           </p:nvPr>
@@ -633,7 +641,6 @@
             </a:lvl5pPr>
           </a:lstStyle>
           <a:p>
-            <a:pPr/>
             <a:r>
               <a:t>Body Level One</a:t>
             </a:r>
@@ -667,7 +674,9 @@
       <p:sp>
         <p:nvSpPr>
           <p:cNvPr id="14" name="Slide Number"/>
-          <p:cNvSpPr txBox="1"/>
+          <p:cNvSpPr txBox="1">
+            <a:spLocks noGrp="1"/>
+          </p:cNvSpPr>
           <p:nvPr>
             <p:ph type="sldNum" sz="quarter" idx="2"/>
           </p:nvPr>
@@ -681,8 +690,10 @@
           <a:bodyPr/>
           <a:lstStyle/>
           <a:p>
-            <a:pPr/>
-            <a:fld id="{86CB4B4D-7CA3-9044-876B-883B54F8677D}" type="slidenum"/>
+            <a:fld id="{86CB4B4D-7CA3-9044-876B-883B54F8677D}" type="slidenum">
+              <a:t>‹#›</a:t>
+            </a:fld>
+            <a:endParaRPr/>
           </a:p>
         </p:txBody>
       </p:sp>
@@ -691,12 +702,12 @@
   <p:clrMapOvr>
     <a:masterClrMapping/>
   </p:clrMapOvr>
-  <p:transition xmlns:p14="http://schemas.microsoft.com/office/powerpoint/2010/main" spd="med" advClick="1"/>
+  <p:transition spd="med"/>
 </p:sldLayout>
 </file>
 
 <file path=ppt/slideLayouts/slideLayout10.xml><?xml version="1.0" encoding="utf-8"?>
-<p:sldLayout xmlns:a="http://schemas.openxmlformats.org/drawingml/2006/main" xmlns:r="http://schemas.openxmlformats.org/officeDocument/2006/relationships" xmlns:p="http://schemas.openxmlformats.org/presentationml/2006/main" type="tx" showMasterSp="1" showMasterPhAnim="1">
+<p:sldLayout xmlns:a="http://schemas.openxmlformats.org/drawingml/2006/main" xmlns:r="http://schemas.openxmlformats.org/officeDocument/2006/relationships" xmlns:p="http://schemas.openxmlformats.org/presentationml/2006/main" type="tx">
   <p:cSld name="標題及直排文字">
     <p:spTree>
       <p:nvGrpSpPr>
@@ -715,7 +726,9 @@
       <p:sp>
         <p:nvSpPr>
           <p:cNvPr id="93" name="Title Text"/>
-          <p:cNvSpPr txBox="1"/>
+          <p:cNvSpPr txBox="1">
+            <a:spLocks noGrp="1"/>
+          </p:cNvSpPr>
           <p:nvPr>
             <p:ph type="title"/>
           </p:nvPr>
@@ -729,7 +742,6 @@
           <a:bodyPr/>
           <a:lstStyle/>
           <a:p>
-            <a:pPr/>
             <a:r>
               <a:t>Title Text</a:t>
             </a:r>
@@ -739,7 +751,9 @@
       <p:sp>
         <p:nvSpPr>
           <p:cNvPr id="94" name="Body Level One…"/>
-          <p:cNvSpPr txBox="1"/>
+          <p:cNvSpPr txBox="1">
+            <a:spLocks noGrp="1"/>
+          </p:cNvSpPr>
           <p:nvPr>
             <p:ph type="body" idx="1"/>
           </p:nvPr>
@@ -753,7 +767,6 @@
           <a:bodyPr/>
           <a:lstStyle/>
           <a:p>
-            <a:pPr/>
             <a:r>
               <a:t>Body Level One</a:t>
             </a:r>
@@ -787,7 +800,9 @@
       <p:sp>
         <p:nvSpPr>
           <p:cNvPr id="95" name="Slide Number"/>
-          <p:cNvSpPr txBox="1"/>
+          <p:cNvSpPr txBox="1">
+            <a:spLocks noGrp="1"/>
+          </p:cNvSpPr>
           <p:nvPr>
             <p:ph type="sldNum" sz="quarter" idx="2"/>
           </p:nvPr>
@@ -801,8 +816,10 @@
           <a:bodyPr/>
           <a:lstStyle/>
           <a:p>
-            <a:pPr/>
-            <a:fld id="{86CB4B4D-7CA3-9044-876B-883B54F8677D}" type="slidenum"/>
+            <a:fld id="{86CB4B4D-7CA3-9044-876B-883B54F8677D}" type="slidenum">
+              <a:t>‹#›</a:t>
+            </a:fld>
+            <a:endParaRPr/>
           </a:p>
         </p:txBody>
       </p:sp>
@@ -811,12 +828,12 @@
   <p:clrMapOvr>
     <a:masterClrMapping/>
   </p:clrMapOvr>
-  <p:transition xmlns:p14="http://schemas.microsoft.com/office/powerpoint/2010/main" spd="med" advClick="1"/>
+  <p:transition spd="med"/>
 </p:sldLayout>
 </file>
 
 <file path=ppt/slideLayouts/slideLayout11.xml><?xml version="1.0" encoding="utf-8"?>
-<p:sldLayout xmlns:a="http://schemas.openxmlformats.org/drawingml/2006/main" xmlns:r="http://schemas.openxmlformats.org/officeDocument/2006/relationships" xmlns:p="http://schemas.openxmlformats.org/presentationml/2006/main" type="tx" showMasterSp="1" showMasterPhAnim="1">
+<p:sldLayout xmlns:a="http://schemas.openxmlformats.org/drawingml/2006/main" xmlns:r="http://schemas.openxmlformats.org/officeDocument/2006/relationships" xmlns:p="http://schemas.openxmlformats.org/presentationml/2006/main" type="tx">
   <p:cSld name="標題投影片">
     <p:spTree>
       <p:nvGrpSpPr>
@@ -835,7 +852,9 @@
       <p:sp>
         <p:nvSpPr>
           <p:cNvPr id="102" name="Title Text"/>
-          <p:cNvSpPr txBox="1"/>
+          <p:cNvSpPr txBox="1">
+            <a:spLocks noGrp="1"/>
+          </p:cNvSpPr>
           <p:nvPr>
             <p:ph type="title"/>
           </p:nvPr>
@@ -862,7 +881,6 @@
             </a:lvl1pPr>
           </a:lstStyle>
           <a:p>
-            <a:pPr/>
             <a:r>
               <a:t>Title Text</a:t>
             </a:r>
@@ -872,7 +890,9 @@
       <p:sp>
         <p:nvSpPr>
           <p:cNvPr id="103" name="Body Level One…"/>
-          <p:cNvSpPr txBox="1"/>
+          <p:cNvSpPr txBox="1">
+            <a:spLocks noGrp="1"/>
+          </p:cNvSpPr>
           <p:nvPr>
             <p:ph type="body" sz="quarter" idx="1"/>
           </p:nvPr>
@@ -961,7 +981,6 @@
             </a:lvl5pPr>
           </a:lstStyle>
           <a:p>
-            <a:pPr/>
             <a:r>
               <a:t>Body Level One</a:t>
             </a:r>
@@ -1024,7 +1043,9 @@
       <p:sp>
         <p:nvSpPr>
           <p:cNvPr id="105" name="Slide Number"/>
-          <p:cNvSpPr txBox="1"/>
+          <p:cNvSpPr txBox="1">
+            <a:spLocks noGrp="1"/>
+          </p:cNvSpPr>
           <p:nvPr>
             <p:ph type="sldNum" sz="quarter" idx="2"/>
           </p:nvPr>
@@ -1051,8 +1072,10 @@
             </a:lvl1pPr>
           </a:lstStyle>
           <a:p>
-            <a:pPr/>
-            <a:fld id="{86CB4B4D-7CA3-9044-876B-883B54F8677D}" type="slidenum"/>
+            <a:fld id="{86CB4B4D-7CA3-9044-876B-883B54F8677D}" type="slidenum">
+              <a:t>‹#›</a:t>
+            </a:fld>
+            <a:endParaRPr/>
           </a:p>
         </p:txBody>
       </p:sp>
@@ -1061,12 +1084,12 @@
   <p:clrMapOvr>
     <a:masterClrMapping/>
   </p:clrMapOvr>
-  <p:transition xmlns:p14="http://schemas.microsoft.com/office/powerpoint/2010/main" spd="med" advClick="1"/>
+  <p:transition spd="med"/>
 </p:sldLayout>
 </file>
 
 <file path=ppt/slideLayouts/slideLayout12.xml><?xml version="1.0" encoding="utf-8"?>
-<p:sldLayout xmlns:a="http://schemas.openxmlformats.org/drawingml/2006/main" xmlns:r="http://schemas.openxmlformats.org/officeDocument/2006/relationships" xmlns:p="http://schemas.openxmlformats.org/presentationml/2006/main" type="tx" showMasterSp="1" showMasterPhAnim="1">
+<p:sldLayout xmlns:a="http://schemas.openxmlformats.org/drawingml/2006/main" xmlns:r="http://schemas.openxmlformats.org/officeDocument/2006/relationships" xmlns:p="http://schemas.openxmlformats.org/presentationml/2006/main" type="tx">
   <p:cSld name="標題及物件">
     <p:spTree>
       <p:nvGrpSpPr>
@@ -1085,7 +1108,9 @@
       <p:sp>
         <p:nvSpPr>
           <p:cNvPr id="112" name="Title Text"/>
-          <p:cNvSpPr txBox="1"/>
+          <p:cNvSpPr txBox="1">
+            <a:spLocks noGrp="1"/>
+          </p:cNvSpPr>
           <p:nvPr>
             <p:ph type="title"/>
           </p:nvPr>
@@ -1108,7 +1133,6 @@
             </a:lvl1pPr>
           </a:lstStyle>
           <a:p>
-            <a:pPr/>
             <a:r>
               <a:t>Title Text</a:t>
             </a:r>
@@ -1118,7 +1142,9 @@
       <p:sp>
         <p:nvSpPr>
           <p:cNvPr id="113" name="Body Level One…"/>
-          <p:cNvSpPr txBox="1"/>
+          <p:cNvSpPr txBox="1">
+            <a:spLocks noGrp="1"/>
+          </p:cNvSpPr>
           <p:nvPr>
             <p:ph type="body" idx="1"/>
           </p:nvPr>
@@ -1173,7 +1199,6 @@
             </a:lvl5pPr>
           </a:lstStyle>
           <a:p>
-            <a:pPr/>
             <a:r>
               <a:t>Body Level One</a:t>
             </a:r>
@@ -1207,7 +1232,9 @@
       <p:sp>
         <p:nvSpPr>
           <p:cNvPr id="114" name="Slide Number"/>
-          <p:cNvSpPr txBox="1"/>
+          <p:cNvSpPr txBox="1">
+            <a:spLocks noGrp="1"/>
+          </p:cNvSpPr>
           <p:nvPr>
             <p:ph type="sldNum" sz="quarter" idx="2"/>
           </p:nvPr>
@@ -1234,8 +1261,10 @@
             </a:lvl1pPr>
           </a:lstStyle>
           <a:p>
-            <a:pPr/>
-            <a:fld id="{86CB4B4D-7CA3-9044-876B-883B54F8677D}" type="slidenum"/>
+            <a:fld id="{86CB4B4D-7CA3-9044-876B-883B54F8677D}" type="slidenum">
+              <a:t>‹#›</a:t>
+            </a:fld>
+            <a:endParaRPr/>
           </a:p>
         </p:txBody>
       </p:sp>
@@ -1244,12 +1273,12 @@
   <p:clrMapOvr>
     <a:masterClrMapping/>
   </p:clrMapOvr>
-  <p:transition xmlns:p14="http://schemas.microsoft.com/office/powerpoint/2010/main" spd="med" advClick="1"/>
+  <p:transition spd="med"/>
 </p:sldLayout>
 </file>
 
 <file path=ppt/slideLayouts/slideLayout2.xml><?xml version="1.0" encoding="utf-8"?>
-<p:sldLayout xmlns:a="http://schemas.openxmlformats.org/drawingml/2006/main" xmlns:r="http://schemas.openxmlformats.org/officeDocument/2006/relationships" xmlns:p="http://schemas.openxmlformats.org/presentationml/2006/main" type="tx" showMasterSp="1" showMasterPhAnim="1">
+<p:sldLayout xmlns:a="http://schemas.openxmlformats.org/drawingml/2006/main" xmlns:r="http://schemas.openxmlformats.org/officeDocument/2006/relationships" xmlns:p="http://schemas.openxmlformats.org/presentationml/2006/main" type="tx">
   <p:cSld name="標題及物件">
     <p:spTree>
       <p:nvGrpSpPr>
@@ -1268,7 +1297,9 @@
       <p:sp>
         <p:nvSpPr>
           <p:cNvPr id="21" name="Title Text"/>
-          <p:cNvSpPr txBox="1"/>
+          <p:cNvSpPr txBox="1">
+            <a:spLocks noGrp="1"/>
+          </p:cNvSpPr>
           <p:nvPr>
             <p:ph type="title"/>
           </p:nvPr>
@@ -1282,7 +1313,6 @@
           <a:bodyPr/>
           <a:lstStyle/>
           <a:p>
-            <a:pPr/>
             <a:r>
               <a:t>Title Text</a:t>
             </a:r>
@@ -1292,7 +1322,9 @@
       <p:sp>
         <p:nvSpPr>
           <p:cNvPr id="22" name="Body Level One…"/>
-          <p:cNvSpPr txBox="1"/>
+          <p:cNvSpPr txBox="1">
+            <a:spLocks noGrp="1"/>
+          </p:cNvSpPr>
           <p:nvPr>
             <p:ph type="body" idx="1"/>
           </p:nvPr>
@@ -1306,7 +1338,6 @@
           <a:bodyPr/>
           <a:lstStyle/>
           <a:p>
-            <a:pPr/>
             <a:r>
               <a:t>Body Level One</a:t>
             </a:r>
@@ -1340,7 +1371,9 @@
       <p:sp>
         <p:nvSpPr>
           <p:cNvPr id="23" name="Slide Number"/>
-          <p:cNvSpPr txBox="1"/>
+          <p:cNvSpPr txBox="1">
+            <a:spLocks noGrp="1"/>
+          </p:cNvSpPr>
           <p:nvPr>
             <p:ph type="sldNum" sz="quarter" idx="2"/>
           </p:nvPr>
@@ -1354,8 +1387,10 @@
           <a:bodyPr/>
           <a:lstStyle/>
           <a:p>
-            <a:pPr/>
-            <a:fld id="{86CB4B4D-7CA3-9044-876B-883B54F8677D}" type="slidenum"/>
+            <a:fld id="{86CB4B4D-7CA3-9044-876B-883B54F8677D}" type="slidenum">
+              <a:t>‹#›</a:t>
+            </a:fld>
+            <a:endParaRPr/>
           </a:p>
         </p:txBody>
       </p:sp>
@@ -1364,12 +1399,12 @@
   <p:clrMapOvr>
     <a:masterClrMapping/>
   </p:clrMapOvr>
-  <p:transition xmlns:p14="http://schemas.microsoft.com/office/powerpoint/2010/main" spd="med" advClick="1"/>
+  <p:transition spd="med"/>
 </p:sldLayout>
 </file>
 
 <file path=ppt/slideLayouts/slideLayout3.xml><?xml version="1.0" encoding="utf-8"?>
-<p:sldLayout xmlns:a="http://schemas.openxmlformats.org/drawingml/2006/main" xmlns:r="http://schemas.openxmlformats.org/officeDocument/2006/relationships" xmlns:p="http://schemas.openxmlformats.org/presentationml/2006/main" type="tx" showMasterSp="1" showMasterPhAnim="1">
+<p:sldLayout xmlns:a="http://schemas.openxmlformats.org/drawingml/2006/main" xmlns:r="http://schemas.openxmlformats.org/officeDocument/2006/relationships" xmlns:p="http://schemas.openxmlformats.org/presentationml/2006/main" type="tx">
   <p:cSld name="章節標題">
     <p:spTree>
       <p:nvGrpSpPr>
@@ -1388,7 +1423,9 @@
       <p:sp>
         <p:nvSpPr>
           <p:cNvPr id="30" name="Title Text"/>
-          <p:cNvSpPr txBox="1"/>
+          <p:cNvSpPr txBox="1">
+            <a:spLocks noGrp="1"/>
+          </p:cNvSpPr>
           <p:nvPr>
             <p:ph type="title"/>
           </p:nvPr>
@@ -1406,11 +1443,10 @@
           <a:bodyPr anchor="t"/>
           <a:lstStyle>
             <a:lvl1pPr algn="l">
-              <a:defRPr b="1" cap="all" sz="6200"/>
+              <a:defRPr sz="6200" b="1" cap="all"/>
             </a:lvl1pPr>
           </a:lstStyle>
           <a:p>
-            <a:pPr/>
             <a:r>
               <a:t>Title Text</a:t>
             </a:r>
@@ -1420,7 +1456,9 @@
       <p:sp>
         <p:nvSpPr>
           <p:cNvPr id="31" name="Body Level One…"/>
-          <p:cNvSpPr txBox="1"/>
+          <p:cNvSpPr txBox="1">
+            <a:spLocks noGrp="1"/>
+          </p:cNvSpPr>
           <p:nvPr>
             <p:ph type="body" sz="quarter" idx="1"/>
           </p:nvPr>
@@ -1504,7 +1542,6 @@
             </a:lvl5pPr>
           </a:lstStyle>
           <a:p>
-            <a:pPr/>
             <a:r>
               <a:t>Body Level One</a:t>
             </a:r>
@@ -1538,7 +1575,9 @@
       <p:sp>
         <p:nvSpPr>
           <p:cNvPr id="32" name="Slide Number"/>
-          <p:cNvSpPr txBox="1"/>
+          <p:cNvSpPr txBox="1">
+            <a:spLocks noGrp="1"/>
+          </p:cNvSpPr>
           <p:nvPr>
             <p:ph type="sldNum" sz="quarter" idx="2"/>
           </p:nvPr>
@@ -1552,8 +1591,10 @@
           <a:bodyPr/>
           <a:lstStyle/>
           <a:p>
-            <a:pPr/>
-            <a:fld id="{86CB4B4D-7CA3-9044-876B-883B54F8677D}" type="slidenum"/>
+            <a:fld id="{86CB4B4D-7CA3-9044-876B-883B54F8677D}" type="slidenum">
+              <a:t>‹#›</a:t>
+            </a:fld>
+            <a:endParaRPr/>
           </a:p>
         </p:txBody>
       </p:sp>
@@ -1562,12 +1603,12 @@
   <p:clrMapOvr>
     <a:masterClrMapping/>
   </p:clrMapOvr>
-  <p:transition xmlns:p14="http://schemas.microsoft.com/office/powerpoint/2010/main" spd="med" advClick="1"/>
+  <p:transition spd="med"/>
 </p:sldLayout>
 </file>
 
 <file path=ppt/slideLayouts/slideLayout4.xml><?xml version="1.0" encoding="utf-8"?>
-<p:sldLayout xmlns:a="http://schemas.openxmlformats.org/drawingml/2006/main" xmlns:r="http://schemas.openxmlformats.org/officeDocument/2006/relationships" xmlns:p="http://schemas.openxmlformats.org/presentationml/2006/main" type="tx" showMasterSp="1" showMasterPhAnim="1">
+<p:sldLayout xmlns:a="http://schemas.openxmlformats.org/drawingml/2006/main" xmlns:r="http://schemas.openxmlformats.org/officeDocument/2006/relationships" xmlns:p="http://schemas.openxmlformats.org/presentationml/2006/main" type="tx">
   <p:cSld name="兩項物件">
     <p:spTree>
       <p:nvGrpSpPr>
@@ -1586,7 +1627,9 @@
       <p:sp>
         <p:nvSpPr>
           <p:cNvPr id="39" name="Title Text"/>
-          <p:cNvSpPr txBox="1"/>
+          <p:cNvSpPr txBox="1">
+            <a:spLocks noGrp="1"/>
+          </p:cNvSpPr>
           <p:nvPr>
             <p:ph type="title"/>
           </p:nvPr>
@@ -1600,7 +1643,6 @@
           <a:bodyPr/>
           <a:lstStyle/>
           <a:p>
-            <a:pPr/>
             <a:r>
               <a:t>Title Text</a:t>
             </a:r>
@@ -1610,7 +1652,9 @@
       <p:sp>
         <p:nvSpPr>
           <p:cNvPr id="40" name="Body Level One…"/>
-          <p:cNvSpPr txBox="1"/>
+          <p:cNvSpPr txBox="1">
+            <a:spLocks noGrp="1"/>
+          </p:cNvSpPr>
           <p:nvPr>
             <p:ph type="body" sz="half" idx="1"/>
           </p:nvPr>
@@ -1659,7 +1703,6 @@
             </a:lvl5pPr>
           </a:lstStyle>
           <a:p>
-            <a:pPr/>
             <a:r>
               <a:t>Body Level One</a:t>
             </a:r>
@@ -1693,7 +1736,9 @@
       <p:sp>
         <p:nvSpPr>
           <p:cNvPr id="41" name="Slide Number"/>
-          <p:cNvSpPr txBox="1"/>
+          <p:cNvSpPr txBox="1">
+            <a:spLocks noGrp="1"/>
+          </p:cNvSpPr>
           <p:nvPr>
             <p:ph type="sldNum" sz="quarter" idx="2"/>
           </p:nvPr>
@@ -1707,8 +1752,10 @@
           <a:bodyPr/>
           <a:lstStyle/>
           <a:p>
-            <a:pPr/>
-            <a:fld id="{86CB4B4D-7CA3-9044-876B-883B54F8677D}" type="slidenum"/>
+            <a:fld id="{86CB4B4D-7CA3-9044-876B-883B54F8677D}" type="slidenum">
+              <a:t>‹#›</a:t>
+            </a:fld>
+            <a:endParaRPr/>
           </a:p>
         </p:txBody>
       </p:sp>
@@ -1717,12 +1764,12 @@
   <p:clrMapOvr>
     <a:masterClrMapping/>
   </p:clrMapOvr>
-  <p:transition xmlns:p14="http://schemas.microsoft.com/office/powerpoint/2010/main" spd="med" advClick="1"/>
+  <p:transition spd="med"/>
 </p:sldLayout>
 </file>
 
 <file path=ppt/slideLayouts/slideLayout5.xml><?xml version="1.0" encoding="utf-8"?>
-<p:sldLayout xmlns:a="http://schemas.openxmlformats.org/drawingml/2006/main" xmlns:r="http://schemas.openxmlformats.org/officeDocument/2006/relationships" xmlns:p="http://schemas.openxmlformats.org/presentationml/2006/main" type="tx" showMasterSp="1" showMasterPhAnim="1">
+<p:sldLayout xmlns:a="http://schemas.openxmlformats.org/drawingml/2006/main" xmlns:r="http://schemas.openxmlformats.org/officeDocument/2006/relationships" xmlns:p="http://schemas.openxmlformats.org/presentationml/2006/main" type="tx">
   <p:cSld name="比對">
     <p:spTree>
       <p:nvGrpSpPr>
@@ -1741,7 +1788,9 @@
       <p:sp>
         <p:nvSpPr>
           <p:cNvPr id="48" name="Body Level One…"/>
-          <p:cNvSpPr txBox="1"/>
+          <p:cNvSpPr txBox="1">
+            <a:spLocks noGrp="1"/>
+          </p:cNvSpPr>
           <p:nvPr>
             <p:ph type="body" sz="quarter" idx="1"/>
           </p:nvPr>
@@ -1765,39 +1814,38 @@
               <a:buSzTx/>
               <a:buFontTx/>
               <a:buNone/>
-              <a:defRPr b="1" sz="3700"/>
+              <a:defRPr sz="3700" b="1"/>
             </a:lvl1pPr>
             <a:lvl2pPr marL="1098406" indent="-378405">
               <a:spcBef>
                 <a:spcPts val="800"/>
               </a:spcBef>
               <a:buFontTx/>
-              <a:defRPr b="1" sz="3700"/>
+              <a:defRPr sz="3700" b="1"/>
             </a:lvl2pPr>
             <a:lvl3pPr marL="1799994" indent="-359997">
               <a:spcBef>
                 <a:spcPts val="800"/>
               </a:spcBef>
               <a:buFontTx/>
-              <a:defRPr b="1" sz="3700"/>
+              <a:defRPr sz="3700" b="1"/>
             </a:lvl3pPr>
             <a:lvl4pPr marL="2589670" indent="-429672">
               <a:spcBef>
                 <a:spcPts val="800"/>
               </a:spcBef>
               <a:buFontTx/>
-              <a:defRPr b="1" sz="3700"/>
+              <a:defRPr sz="3700" b="1"/>
             </a:lvl4pPr>
             <a:lvl5pPr marL="3309672" indent="-429672">
               <a:spcBef>
                 <a:spcPts val="800"/>
               </a:spcBef>
               <a:buFontTx/>
-              <a:defRPr b="1" sz="3700"/>
+              <a:defRPr sz="3700" b="1"/>
             </a:lvl5pPr>
           </a:lstStyle>
           <a:p>
-            <a:pPr/>
             <a:r>
               <a:t>Body Level One</a:t>
             </a:r>
@@ -1831,7 +1879,9 @@
       <p:sp>
         <p:nvSpPr>
           <p:cNvPr id="49" name="Title Text"/>
-          <p:cNvSpPr txBox="1"/>
+          <p:cNvSpPr txBox="1">
+            <a:spLocks noGrp="1"/>
+          </p:cNvSpPr>
           <p:nvPr>
             <p:ph type="title"/>
           </p:nvPr>
@@ -1845,7 +1895,6 @@
           <a:bodyPr/>
           <a:lstStyle/>
           <a:p>
-            <a:pPr/>
             <a:r>
               <a:t>Title Text</a:t>
             </a:r>
@@ -1855,7 +1904,9 @@
       <p:sp>
         <p:nvSpPr>
           <p:cNvPr id="50" name="正文级别 1…"/>
-          <p:cNvSpPr txBox="1"/>
+          <p:cNvSpPr txBox="1">
+            <a:spLocks noGrp="1"/>
+          </p:cNvSpPr>
           <p:nvPr>
             <p:ph type="body" sz="quarter" idx="13"/>
           </p:nvPr>
@@ -1873,14 +1924,16 @@
           <a:bodyPr anchor="b"/>
           <a:lstStyle/>
           <a:p>
-            <a:pPr/>
+            <a:endParaRPr/>
           </a:p>
         </p:txBody>
       </p:sp>
       <p:sp>
         <p:nvSpPr>
           <p:cNvPr id="51" name="Slide Number"/>
-          <p:cNvSpPr txBox="1"/>
+          <p:cNvSpPr txBox="1">
+            <a:spLocks noGrp="1"/>
+          </p:cNvSpPr>
           <p:nvPr>
             <p:ph type="sldNum" sz="quarter" idx="2"/>
           </p:nvPr>
@@ -1894,8 +1947,10 @@
           <a:bodyPr/>
           <a:lstStyle/>
           <a:p>
-            <a:pPr/>
-            <a:fld id="{86CB4B4D-7CA3-9044-876B-883B54F8677D}" type="slidenum"/>
+            <a:fld id="{86CB4B4D-7CA3-9044-876B-883B54F8677D}" type="slidenum">
+              <a:t>‹#›</a:t>
+            </a:fld>
+            <a:endParaRPr/>
           </a:p>
         </p:txBody>
       </p:sp>
@@ -1904,12 +1959,12 @@
   <p:clrMapOvr>
     <a:masterClrMapping/>
   </p:clrMapOvr>
-  <p:transition xmlns:p14="http://schemas.microsoft.com/office/powerpoint/2010/main" spd="med" advClick="1"/>
+  <p:transition spd="med"/>
 </p:sldLayout>
 </file>
 
 <file path=ppt/slideLayouts/slideLayout6.xml><?xml version="1.0" encoding="utf-8"?>
-<p:sldLayout xmlns:a="http://schemas.openxmlformats.org/drawingml/2006/main" xmlns:r="http://schemas.openxmlformats.org/officeDocument/2006/relationships" xmlns:p="http://schemas.openxmlformats.org/presentationml/2006/main" type="tx" showMasterSp="1" showMasterPhAnim="1">
+<p:sldLayout xmlns:a="http://schemas.openxmlformats.org/drawingml/2006/main" xmlns:r="http://schemas.openxmlformats.org/officeDocument/2006/relationships" xmlns:p="http://schemas.openxmlformats.org/presentationml/2006/main" type="tx">
   <p:cSld name="只有標題">
     <p:spTree>
       <p:nvGrpSpPr>
@@ -1928,7 +1983,9 @@
       <p:sp>
         <p:nvSpPr>
           <p:cNvPr id="58" name="Title Text"/>
-          <p:cNvSpPr txBox="1"/>
+          <p:cNvSpPr txBox="1">
+            <a:spLocks noGrp="1"/>
+          </p:cNvSpPr>
           <p:nvPr>
             <p:ph type="title"/>
           </p:nvPr>
@@ -1942,7 +1999,6 @@
           <a:bodyPr/>
           <a:lstStyle/>
           <a:p>
-            <a:pPr/>
             <a:r>
               <a:t>Title Text</a:t>
             </a:r>
@@ -1952,7 +2008,9 @@
       <p:sp>
         <p:nvSpPr>
           <p:cNvPr id="59" name="Slide Number"/>
-          <p:cNvSpPr txBox="1"/>
+          <p:cNvSpPr txBox="1">
+            <a:spLocks noGrp="1"/>
+          </p:cNvSpPr>
           <p:nvPr>
             <p:ph type="sldNum" sz="quarter" idx="2"/>
           </p:nvPr>
@@ -1966,8 +2024,10 @@
           <a:bodyPr/>
           <a:lstStyle/>
           <a:p>
-            <a:pPr/>
-            <a:fld id="{86CB4B4D-7CA3-9044-876B-883B54F8677D}" type="slidenum"/>
+            <a:fld id="{86CB4B4D-7CA3-9044-876B-883B54F8677D}" type="slidenum">
+              <a:t>‹#›</a:t>
+            </a:fld>
+            <a:endParaRPr/>
           </a:p>
         </p:txBody>
       </p:sp>
@@ -1976,12 +2036,12 @@
   <p:clrMapOvr>
     <a:masterClrMapping/>
   </p:clrMapOvr>
-  <p:transition xmlns:p14="http://schemas.microsoft.com/office/powerpoint/2010/main" spd="med" advClick="1"/>
+  <p:transition spd="med"/>
 </p:sldLayout>
 </file>
 
 <file path=ppt/slideLayouts/slideLayout7.xml><?xml version="1.0" encoding="utf-8"?>
-<p:sldLayout xmlns:a="http://schemas.openxmlformats.org/drawingml/2006/main" xmlns:r="http://schemas.openxmlformats.org/officeDocument/2006/relationships" xmlns:p="http://schemas.openxmlformats.org/presentationml/2006/main" type="tx" showMasterSp="1" showMasterPhAnim="1">
+<p:sldLayout xmlns:a="http://schemas.openxmlformats.org/drawingml/2006/main" xmlns:r="http://schemas.openxmlformats.org/officeDocument/2006/relationships" xmlns:p="http://schemas.openxmlformats.org/presentationml/2006/main" type="tx">
   <p:cSld name="空白">
     <p:spTree>
       <p:nvGrpSpPr>
@@ -2000,7 +2060,9 @@
       <p:sp>
         <p:nvSpPr>
           <p:cNvPr id="66" name="Slide Number"/>
-          <p:cNvSpPr txBox="1"/>
+          <p:cNvSpPr txBox="1">
+            <a:spLocks noGrp="1"/>
+          </p:cNvSpPr>
           <p:nvPr>
             <p:ph type="sldNum" sz="quarter" idx="2"/>
           </p:nvPr>
@@ -2014,8 +2076,10 @@
           <a:bodyPr/>
           <a:lstStyle/>
           <a:p>
-            <a:pPr/>
-            <a:fld id="{86CB4B4D-7CA3-9044-876B-883B54F8677D}" type="slidenum"/>
+            <a:fld id="{86CB4B4D-7CA3-9044-876B-883B54F8677D}" type="slidenum">
+              <a:t>‹#›</a:t>
+            </a:fld>
+            <a:endParaRPr/>
           </a:p>
         </p:txBody>
       </p:sp>
@@ -2024,12 +2088,12 @@
   <p:clrMapOvr>
     <a:masterClrMapping/>
   </p:clrMapOvr>
-  <p:transition xmlns:p14="http://schemas.microsoft.com/office/powerpoint/2010/main" spd="med" advClick="1"/>
+  <p:transition spd="med"/>
 </p:sldLayout>
 </file>
 
 <file path=ppt/slideLayouts/slideLayout8.xml><?xml version="1.0" encoding="utf-8"?>
-<p:sldLayout xmlns:a="http://schemas.openxmlformats.org/drawingml/2006/main" xmlns:r="http://schemas.openxmlformats.org/officeDocument/2006/relationships" xmlns:p="http://schemas.openxmlformats.org/presentationml/2006/main" type="tx" showMasterSp="1" showMasterPhAnim="1">
+<p:sldLayout xmlns:a="http://schemas.openxmlformats.org/drawingml/2006/main" xmlns:r="http://schemas.openxmlformats.org/officeDocument/2006/relationships" xmlns:p="http://schemas.openxmlformats.org/presentationml/2006/main" type="tx">
   <p:cSld name="含標題的內容">
     <p:spTree>
       <p:nvGrpSpPr>
@@ -2048,7 +2112,9 @@
       <p:sp>
         <p:nvSpPr>
           <p:cNvPr id="73" name="Body Level One…"/>
-          <p:cNvSpPr txBox="1"/>
+          <p:cNvSpPr txBox="1">
+            <a:spLocks noGrp="1"/>
+          </p:cNvSpPr>
           <p:nvPr>
             <p:ph type="body" sz="half" idx="1"/>
           </p:nvPr>
@@ -2104,7 +2170,6 @@
             </a:lvl5pPr>
           </a:lstStyle>
           <a:p>
-            <a:pPr/>
             <a:r>
               <a:t>Body Level One</a:t>
             </a:r>
@@ -2138,7 +2203,9 @@
       <p:sp>
         <p:nvSpPr>
           <p:cNvPr id="74" name="Title Text"/>
-          <p:cNvSpPr txBox="1"/>
+          <p:cNvSpPr txBox="1">
+            <a:spLocks noGrp="1"/>
+          </p:cNvSpPr>
           <p:nvPr>
             <p:ph type="title"/>
           </p:nvPr>
@@ -2156,11 +2223,10 @@
           <a:bodyPr anchor="b"/>
           <a:lstStyle>
             <a:lvl1pPr algn="l">
-              <a:defRPr b="1" sz="3100"/>
+              <a:defRPr sz="3100" b="1"/>
             </a:lvl1pPr>
           </a:lstStyle>
           <a:p>
-            <a:pPr/>
             <a:r>
               <a:t>Title Text</a:t>
             </a:r>
@@ -2170,7 +2236,9 @@
       <p:sp>
         <p:nvSpPr>
           <p:cNvPr id="75" name="正文级别 1…"/>
-          <p:cNvSpPr txBox="1"/>
+          <p:cNvSpPr txBox="1">
+            <a:spLocks noGrp="1"/>
+          </p:cNvSpPr>
           <p:nvPr>
             <p:ph type="body" idx="13"/>
           </p:nvPr>
@@ -2188,14 +2256,16 @@
           <a:bodyPr/>
           <a:lstStyle/>
           <a:p>
-            <a:pPr/>
+            <a:endParaRPr/>
           </a:p>
         </p:txBody>
       </p:sp>
       <p:sp>
         <p:nvSpPr>
           <p:cNvPr id="76" name="Slide Number"/>
-          <p:cNvSpPr txBox="1"/>
+          <p:cNvSpPr txBox="1">
+            <a:spLocks noGrp="1"/>
+          </p:cNvSpPr>
           <p:nvPr>
             <p:ph type="sldNum" sz="quarter" idx="2"/>
           </p:nvPr>
@@ -2209,8 +2279,10 @@
           <a:bodyPr/>
           <a:lstStyle/>
           <a:p>
-            <a:pPr/>
-            <a:fld id="{86CB4B4D-7CA3-9044-876B-883B54F8677D}" type="slidenum"/>
+            <a:fld id="{86CB4B4D-7CA3-9044-876B-883B54F8677D}" type="slidenum">
+              <a:t>‹#›</a:t>
+            </a:fld>
+            <a:endParaRPr/>
           </a:p>
         </p:txBody>
       </p:sp>
@@ -2219,12 +2291,12 @@
   <p:clrMapOvr>
     <a:masterClrMapping/>
   </p:clrMapOvr>
-  <p:transition xmlns:p14="http://schemas.microsoft.com/office/powerpoint/2010/main" spd="med" advClick="1"/>
+  <p:transition spd="med"/>
 </p:sldLayout>
 </file>
 
 <file path=ppt/slideLayouts/slideLayout9.xml><?xml version="1.0" encoding="utf-8"?>
-<p:sldLayout xmlns:a="http://schemas.openxmlformats.org/drawingml/2006/main" xmlns:r="http://schemas.openxmlformats.org/officeDocument/2006/relationships" xmlns:p="http://schemas.openxmlformats.org/presentationml/2006/main" type="tx" showMasterSp="1" showMasterPhAnim="1">
+<p:sldLayout xmlns:a="http://schemas.openxmlformats.org/drawingml/2006/main" xmlns:r="http://schemas.openxmlformats.org/officeDocument/2006/relationships" xmlns:p="http://schemas.openxmlformats.org/presentationml/2006/main" type="tx">
   <p:cSld name="含標題的圖片">
     <p:spTree>
       <p:nvGrpSpPr>
@@ -2243,7 +2315,9 @@
       <p:sp>
         <p:nvSpPr>
           <p:cNvPr id="83" name="图像"/>
-          <p:cNvSpPr/>
+          <p:cNvSpPr>
+            <a:spLocks noGrp="1"/>
+          </p:cNvSpPr>
           <p:nvPr>
             <p:ph type="pic" sz="half" idx="13"/>
           </p:nvPr>
@@ -2263,14 +2337,16 @@
           </a:bodyPr>
           <a:lstStyle/>
           <a:p>
-            <a:pPr/>
+            <a:endParaRPr/>
           </a:p>
         </p:txBody>
       </p:sp>
       <p:sp>
         <p:nvSpPr>
           <p:cNvPr id="84" name="Title Text"/>
-          <p:cNvSpPr txBox="1"/>
+          <p:cNvSpPr txBox="1">
+            <a:spLocks noGrp="1"/>
+          </p:cNvSpPr>
           <p:nvPr>
             <p:ph type="title"/>
           </p:nvPr>
@@ -2288,11 +2364,10 @@
           <a:bodyPr anchor="b"/>
           <a:lstStyle>
             <a:lvl1pPr algn="l">
-              <a:defRPr b="1" sz="3100"/>
+              <a:defRPr sz="3100" b="1"/>
             </a:lvl1pPr>
           </a:lstStyle>
           <a:p>
-            <a:pPr/>
             <a:r>
               <a:t>Title Text</a:t>
             </a:r>
@@ -2302,7 +2377,9 @@
       <p:sp>
         <p:nvSpPr>
           <p:cNvPr id="85" name="Body Level One…"/>
-          <p:cNvSpPr txBox="1"/>
+          <p:cNvSpPr txBox="1">
+            <a:spLocks noGrp="1"/>
+          </p:cNvSpPr>
           <p:nvPr>
             <p:ph type="body" sz="quarter" idx="1"/>
           </p:nvPr>
@@ -2366,7 +2443,6 @@
             </a:lvl5pPr>
           </a:lstStyle>
           <a:p>
-            <a:pPr/>
             <a:r>
               <a:t>Body Level One</a:t>
             </a:r>
@@ -2400,7 +2476,9 @@
       <p:sp>
         <p:nvSpPr>
           <p:cNvPr id="86" name="Slide Number"/>
-          <p:cNvSpPr txBox="1"/>
+          <p:cNvSpPr txBox="1">
+            <a:spLocks noGrp="1"/>
+          </p:cNvSpPr>
           <p:nvPr>
             <p:ph type="sldNum" sz="quarter" idx="2"/>
           </p:nvPr>
@@ -2414,8 +2492,10 @@
           <a:bodyPr/>
           <a:lstStyle/>
           <a:p>
-            <a:pPr/>
-            <a:fld id="{86CB4B4D-7CA3-9044-876B-883B54F8677D}" type="slidenum"/>
+            <a:fld id="{86CB4B4D-7CA3-9044-876B-883B54F8677D}" type="slidenum">
+              <a:t>‹#›</a:t>
+            </a:fld>
+            <a:endParaRPr/>
           </a:p>
         </p:txBody>
       </p:sp>
@@ -2424,7 +2504,7 @@
   <p:clrMapOvr>
     <a:masterClrMapping/>
   </p:clrMapOvr>
-  <p:transition xmlns:p14="http://schemas.microsoft.com/office/powerpoint/2010/main" spd="med" advClick="1"/>
+  <p:transition spd="med"/>
 </p:sldLayout>
 </file>
 
@@ -2434,12 +2514,13 @@
     <p:bg>
       <p:bgPr>
         <a:blipFill rotWithShape="1">
-          <a:blip r:embed="rId2"/>
-          <a:srcRect l="0" t="0" r="0" b="0"/>
+          <a:blip r:embed="rId14"/>
+          <a:srcRect/>
           <a:stretch>
             <a:fillRect/>
           </a:stretch>
         </a:blipFill>
+        <a:effectLst/>
       </p:bgPr>
     </p:bg>
     <p:spTree>
@@ -2459,7 +2540,9 @@
       <p:sp>
         <p:nvSpPr>
           <p:cNvPr id="2" name="Title Text"/>
-          <p:cNvSpPr txBox="1"/>
+          <p:cNvSpPr txBox="1">
+            <a:spLocks noGrp="1"/>
+          </p:cNvSpPr>
           <p:nvPr>
             <p:ph type="title"/>
           </p:nvPr>
@@ -2477,17 +2560,16 @@
           </a:ln>
           <a:extLst>
             <a:ext uri="{C572A759-6A51-4108-AA02-DFA0A04FC94B}">
-              <ma14:wrappingTextBoxFlag xmlns:ma14="http://schemas.microsoft.com/office/mac/drawingml/2011/main" val="1"/>
+              <ma14:wrappingTextBoxFlag xmlns:ma14="http://schemas.microsoft.com/office/mac/drawingml/2011/main" xmlns="" val="1"/>
             </a:ext>
           </a:extLst>
         </p:spPr>
         <p:txBody>
           <a:bodyPr lIns="45718" tIns="45718" rIns="45718" bIns="45718" anchor="ctr">
-            <a:normAutofit fontScale="100000" lnSpcReduction="0"/>
+            <a:normAutofit/>
           </a:bodyPr>
           <a:lstStyle/>
           <a:p>
-            <a:pPr/>
             <a:r>
               <a:t>Title Text</a:t>
             </a:r>
@@ -2497,7 +2579,9 @@
       <p:sp>
         <p:nvSpPr>
           <p:cNvPr id="3" name="Body Level One…"/>
-          <p:cNvSpPr txBox="1"/>
+          <p:cNvSpPr txBox="1">
+            <a:spLocks noGrp="1"/>
+          </p:cNvSpPr>
           <p:nvPr>
             <p:ph type="body" idx="1"/>
           </p:nvPr>
@@ -2515,17 +2599,16 @@
           </a:ln>
           <a:extLst>
             <a:ext uri="{C572A759-6A51-4108-AA02-DFA0A04FC94B}">
-              <ma14:wrappingTextBoxFlag xmlns:ma14="http://schemas.microsoft.com/office/mac/drawingml/2011/main" val="1"/>
+              <ma14:wrappingTextBoxFlag xmlns:ma14="http://schemas.microsoft.com/office/mac/drawingml/2011/main" xmlns="" val="1"/>
             </a:ext>
           </a:extLst>
         </p:spPr>
         <p:txBody>
           <a:bodyPr lIns="45718" tIns="45718" rIns="45718" bIns="45718">
-            <a:normAutofit fontScale="100000" lnSpcReduction="0"/>
+            <a:normAutofit/>
           </a:bodyPr>
           <a:lstStyle/>
           <a:p>
-            <a:pPr/>
             <a:r>
               <a:t>Body Level One</a:t>
             </a:r>
@@ -2559,7 +2642,9 @@
       <p:sp>
         <p:nvSpPr>
           <p:cNvPr id="4" name="Slide Number"/>
-          <p:cNvSpPr txBox="1"/>
+          <p:cNvSpPr txBox="1">
+            <a:spLocks noGrp="1"/>
+          </p:cNvSpPr>
           <p:nvPr>
             <p:ph type="sldNum" sz="quarter" idx="2"/>
           </p:nvPr>
@@ -2594,8 +2679,10 @@
             </a:lvl1pPr>
           </a:lstStyle>
           <a:p>
-            <a:pPr/>
-            <a:fld id="{86CB4B4D-7CA3-9044-876B-883B54F8677D}" type="slidenum"/>
+            <a:fld id="{86CB4B4D-7CA3-9044-876B-883B54F8677D}" type="slidenum">
+              <a:t>‹#›</a:t>
+            </a:fld>
+            <a:endParaRPr/>
           </a:p>
         </p:txBody>
       </p:sp>
@@ -2603,20 +2690,20 @@
   </p:cSld>
   <p:clrMap bg1="lt1" tx1="dk1" bg2="lt2" tx2="dk2" accent1="accent1" accent2="accent2" accent3="accent3" accent4="accent4" accent5="accent5" accent6="accent6" hlink="hlink" folHlink="folHlink"/>
   <p:sldLayoutIdLst>
-    <p:sldLayoutId id="2147483649" r:id="rId3"/>
-    <p:sldLayoutId id="2147483650" r:id="rId4"/>
-    <p:sldLayoutId id="2147483651" r:id="rId5"/>
-    <p:sldLayoutId id="2147483652" r:id="rId6"/>
-    <p:sldLayoutId id="2147483653" r:id="rId7"/>
-    <p:sldLayoutId id="2147483654" r:id="rId8"/>
-    <p:sldLayoutId id="2147483655" r:id="rId9"/>
-    <p:sldLayoutId id="2147483656" r:id="rId10"/>
-    <p:sldLayoutId id="2147483657" r:id="rId11"/>
-    <p:sldLayoutId id="2147483658" r:id="rId12"/>
-    <p:sldLayoutId id="2147483659" r:id="rId13"/>
-    <p:sldLayoutId id="2147483660" r:id="rId14"/>
+    <p:sldLayoutId id="2147483649" r:id="rId1"/>
+    <p:sldLayoutId id="2147483650" r:id="rId2"/>
+    <p:sldLayoutId id="2147483651" r:id="rId3"/>
+    <p:sldLayoutId id="2147483652" r:id="rId4"/>
+    <p:sldLayoutId id="2147483653" r:id="rId5"/>
+    <p:sldLayoutId id="2147483654" r:id="rId6"/>
+    <p:sldLayoutId id="2147483655" r:id="rId7"/>
+    <p:sldLayoutId id="2147483656" r:id="rId8"/>
+    <p:sldLayoutId id="2147483657" r:id="rId9"/>
+    <p:sldLayoutId id="2147483658" r:id="rId10"/>
+    <p:sldLayoutId id="2147483659" r:id="rId11"/>
+    <p:sldLayoutId id="2147483660" r:id="rId12"/>
   </p:sldLayoutIdLst>
-  <p:transition xmlns:p14="http://schemas.microsoft.com/office/powerpoint/2010/main" spd="med" advClick="1"/>
+  <p:transition spd="med"/>
   <p:txStyles>
     <p:titleStyle>
       <a:lvl1pPr marL="0" marR="0" indent="0" algn="ctr" defTabSz="1439996" rtl="0" latinLnBrk="0">
@@ -2634,7 +2721,7 @@
         <a:buFontTx/>
         <a:buNone/>
         <a:tabLst/>
-        <a:defRPr b="0" baseline="0" cap="none" i="0" spc="0" strike="noStrike" sz="6900" u="none">
+        <a:defRPr sz="6900" b="0" i="0" u="none" strike="noStrike" cap="none" spc="0" baseline="0">
           <a:ln>
             <a:noFill/>
           </a:ln>
@@ -2663,7 +2750,7 @@
         <a:buFontTx/>
         <a:buNone/>
         <a:tabLst/>
-        <a:defRPr b="0" baseline="0" cap="none" i="0" spc="0" strike="noStrike" sz="6900" u="none">
+        <a:defRPr sz="6900" b="0" i="0" u="none" strike="noStrike" cap="none" spc="0" baseline="0">
           <a:ln>
             <a:noFill/>
           </a:ln>
@@ -2692,7 +2779,7 @@
         <a:buFontTx/>
         <a:buNone/>
         <a:tabLst/>
-        <a:defRPr b="0" baseline="0" cap="none" i="0" spc="0" strike="noStrike" sz="6900" u="none">
+        <a:defRPr sz="6900" b="0" i="0" u="none" strike="noStrike" cap="none" spc="0" baseline="0">
           <a:ln>
             <a:noFill/>
           </a:ln>
@@ -2721,7 +2808,7 @@
         <a:buFontTx/>
         <a:buNone/>
         <a:tabLst/>
-        <a:defRPr b="0" baseline="0" cap="none" i="0" spc="0" strike="noStrike" sz="6900" u="none">
+        <a:defRPr sz="6900" b="0" i="0" u="none" strike="noStrike" cap="none" spc="0" baseline="0">
           <a:ln>
             <a:noFill/>
           </a:ln>
@@ -2750,7 +2837,7 @@
         <a:buFontTx/>
         <a:buNone/>
         <a:tabLst/>
-        <a:defRPr b="0" baseline="0" cap="none" i="0" spc="0" strike="noStrike" sz="6900" u="none">
+        <a:defRPr sz="6900" b="0" i="0" u="none" strike="noStrike" cap="none" spc="0" baseline="0">
           <a:ln>
             <a:noFill/>
           </a:ln>
@@ -2779,7 +2866,7 @@
         <a:buFontTx/>
         <a:buNone/>
         <a:tabLst/>
-        <a:defRPr b="0" baseline="0" cap="none" i="0" spc="0" strike="noStrike" sz="6900" u="none">
+        <a:defRPr sz="6900" b="0" i="0" u="none" strike="noStrike" cap="none" spc="0" baseline="0">
           <a:ln>
             <a:noFill/>
           </a:ln>
@@ -2808,7 +2895,7 @@
         <a:buFontTx/>
         <a:buNone/>
         <a:tabLst/>
-        <a:defRPr b="0" baseline="0" cap="none" i="0" spc="0" strike="noStrike" sz="6900" u="none">
+        <a:defRPr sz="6900" b="0" i="0" u="none" strike="noStrike" cap="none" spc="0" baseline="0">
           <a:ln>
             <a:noFill/>
           </a:ln>
@@ -2837,7 +2924,7 @@
         <a:buFontTx/>
         <a:buNone/>
         <a:tabLst/>
-        <a:defRPr b="0" baseline="0" cap="none" i="0" spc="0" strike="noStrike" sz="6900" u="none">
+        <a:defRPr sz="6900" b="0" i="0" u="none" strike="noStrike" cap="none" spc="0" baseline="0">
           <a:ln>
             <a:noFill/>
           </a:ln>
@@ -2866,7 +2953,7 @@
         <a:buFontTx/>
         <a:buNone/>
         <a:tabLst/>
-        <a:defRPr b="0" baseline="0" cap="none" i="0" spc="0" strike="noStrike" sz="6900" u="none">
+        <a:defRPr sz="6900" b="0" i="0" u="none" strike="noStrike" cap="none" spc="0" baseline="0">
           <a:ln>
             <a:noFill/>
           </a:ln>
@@ -2897,7 +2984,7 @@
         <a:buFont typeface="Arial"/>
         <a:buChar char="•"/>
         <a:tabLst/>
-        <a:defRPr b="0" baseline="0" cap="none" i="0" spc="0" strike="noStrike" sz="5000" u="none">
+        <a:defRPr sz="5000" b="0" i="0" u="none" strike="noStrike" cap="none" spc="0" baseline="0">
           <a:ln>
             <a:noFill/>
           </a:ln>
@@ -2926,7 +3013,7 @@
         <a:buFont typeface="Arial"/>
         <a:buChar char="–"/>
         <a:tabLst/>
-        <a:defRPr b="0" baseline="0" cap="none" i="0" spc="0" strike="noStrike" sz="5000" u="none">
+        <a:defRPr sz="5000" b="0" i="0" u="none" strike="noStrike" cap="none" spc="0" baseline="0">
           <a:ln>
             <a:noFill/>
           </a:ln>
@@ -2955,7 +3042,7 @@
         <a:buFont typeface="Arial"/>
         <a:buChar char="•"/>
         <a:tabLst/>
-        <a:defRPr b="0" baseline="0" cap="none" i="0" spc="0" strike="noStrike" sz="5000" u="none">
+        <a:defRPr sz="5000" b="0" i="0" u="none" strike="noStrike" cap="none" spc="0" baseline="0">
           <a:ln>
             <a:noFill/>
           </a:ln>
@@ -2984,7 +3071,7 @@
         <a:buFont typeface="Arial"/>
         <a:buChar char="–"/>
         <a:tabLst/>
-        <a:defRPr b="0" baseline="0" cap="none" i="0" spc="0" strike="noStrike" sz="5000" u="none">
+        <a:defRPr sz="5000" b="0" i="0" u="none" strike="noStrike" cap="none" spc="0" baseline="0">
           <a:ln>
             <a:noFill/>
           </a:ln>
@@ -3013,7 +3100,7 @@
         <a:buFont typeface="Arial"/>
         <a:buChar char="»"/>
         <a:tabLst/>
-        <a:defRPr b="0" baseline="0" cap="none" i="0" spc="0" strike="noStrike" sz="5000" u="none">
+        <a:defRPr sz="5000" b="0" i="0" u="none" strike="noStrike" cap="none" spc="0" baseline="0">
           <a:ln>
             <a:noFill/>
           </a:ln>
@@ -3042,7 +3129,7 @@
         <a:buFont typeface="Arial"/>
         <a:buChar char="•"/>
         <a:tabLst/>
-        <a:defRPr b="0" baseline="0" cap="none" i="0" spc="0" strike="noStrike" sz="5000" u="none">
+        <a:defRPr sz="5000" b="0" i="0" u="none" strike="noStrike" cap="none" spc="0" baseline="0">
           <a:ln>
             <a:noFill/>
           </a:ln>
@@ -3071,7 +3158,7 @@
         <a:buFont typeface="Arial"/>
         <a:buChar char="•"/>
         <a:tabLst/>
-        <a:defRPr b="0" baseline="0" cap="none" i="0" spc="0" strike="noStrike" sz="5000" u="none">
+        <a:defRPr sz="5000" b="0" i="0" u="none" strike="noStrike" cap="none" spc="0" baseline="0">
           <a:ln>
             <a:noFill/>
           </a:ln>
@@ -3100,7 +3187,7 @@
         <a:buFont typeface="Arial"/>
         <a:buChar char="•"/>
         <a:tabLst/>
-        <a:defRPr b="0" baseline="0" cap="none" i="0" spc="0" strike="noStrike" sz="5000" u="none">
+        <a:defRPr sz="5000" b="0" i="0" u="none" strike="noStrike" cap="none" spc="0" baseline="0">
           <a:ln>
             <a:noFill/>
           </a:ln>
@@ -3129,7 +3216,7 @@
         <a:buFont typeface="Arial"/>
         <a:buChar char="•"/>
         <a:tabLst/>
-        <a:defRPr b="0" baseline="0" cap="none" i="0" spc="0" strike="noStrike" sz="5000" u="none">
+        <a:defRPr sz="5000" b="0" i="0" u="none" strike="noStrike" cap="none" spc="0" baseline="0">
           <a:ln>
             <a:noFill/>
           </a:ln>
@@ -3160,7 +3247,7 @@
         <a:buFontTx/>
         <a:buNone/>
         <a:tabLst/>
-        <a:defRPr b="0" baseline="0" cap="none" i="0" spc="0" strike="noStrike" sz="1800" u="none">
+        <a:defRPr sz="1800" b="0" i="0" u="none" strike="noStrike" cap="none" spc="0" baseline="0">
           <a:ln>
             <a:noFill/>
           </a:ln>
@@ -3189,7 +3276,7 @@
         <a:buFontTx/>
         <a:buNone/>
         <a:tabLst/>
-        <a:defRPr b="0" baseline="0" cap="none" i="0" spc="0" strike="noStrike" sz="1800" u="none">
+        <a:defRPr sz="1800" b="0" i="0" u="none" strike="noStrike" cap="none" spc="0" baseline="0">
           <a:ln>
             <a:noFill/>
           </a:ln>
@@ -3218,7 +3305,7 @@
         <a:buFontTx/>
         <a:buNone/>
         <a:tabLst/>
-        <a:defRPr b="0" baseline="0" cap="none" i="0" spc="0" strike="noStrike" sz="1800" u="none">
+        <a:defRPr sz="1800" b="0" i="0" u="none" strike="noStrike" cap="none" spc="0" baseline="0">
           <a:ln>
             <a:noFill/>
           </a:ln>
@@ -3247,7 +3334,7 @@
         <a:buFontTx/>
         <a:buNone/>
         <a:tabLst/>
-        <a:defRPr b="0" baseline="0" cap="none" i="0" spc="0" strike="noStrike" sz="1800" u="none">
+        <a:defRPr sz="1800" b="0" i="0" u="none" strike="noStrike" cap="none" spc="0" baseline="0">
           <a:ln>
             <a:noFill/>
           </a:ln>
@@ -3276,7 +3363,7 @@
         <a:buFontTx/>
         <a:buNone/>
         <a:tabLst/>
-        <a:defRPr b="0" baseline="0" cap="none" i="0" spc="0" strike="noStrike" sz="1800" u="none">
+        <a:defRPr sz="1800" b="0" i="0" u="none" strike="noStrike" cap="none" spc="0" baseline="0">
           <a:ln>
             <a:noFill/>
           </a:ln>
@@ -3305,7 +3392,7 @@
         <a:buFontTx/>
         <a:buNone/>
         <a:tabLst/>
-        <a:defRPr b="0" baseline="0" cap="none" i="0" spc="0" strike="noStrike" sz="1800" u="none">
+        <a:defRPr sz="1800" b="0" i="0" u="none" strike="noStrike" cap="none" spc="0" baseline="0">
           <a:ln>
             <a:noFill/>
           </a:ln>
@@ -3334,7 +3421,7 @@
         <a:buFontTx/>
         <a:buNone/>
         <a:tabLst/>
-        <a:defRPr b="0" baseline="0" cap="none" i="0" spc="0" strike="noStrike" sz="1800" u="none">
+        <a:defRPr sz="1800" b="0" i="0" u="none" strike="noStrike" cap="none" spc="0" baseline="0">
           <a:ln>
             <a:noFill/>
           </a:ln>
@@ -3363,7 +3450,7 @@
         <a:buFontTx/>
         <a:buNone/>
         <a:tabLst/>
-        <a:defRPr b="0" baseline="0" cap="none" i="0" spc="0" strike="noStrike" sz="1800" u="none">
+        <a:defRPr sz="1800" b="0" i="0" u="none" strike="noStrike" cap="none" spc="0" baseline="0">
           <a:ln>
             <a:noFill/>
           </a:ln>
@@ -3392,7 +3479,7 @@
         <a:buFontTx/>
         <a:buNone/>
         <a:tabLst/>
-        <a:defRPr b="0" baseline="0" cap="none" i="0" spc="0" strike="noStrike" sz="1800" u="none">
+        <a:defRPr sz="1800" b="0" i="0" u="none" strike="noStrike" cap="none" spc="0" baseline="0">
           <a:ln>
             <a:noFill/>
           </a:ln>
@@ -3412,13 +3499,14 @@
 </file>
 
 <file path=ppt/slides/slide1.xml><?xml version="1.0" encoding="utf-8"?>
-<p:sld xmlns:a="http://schemas.openxmlformats.org/drawingml/2006/main" xmlns:r="http://schemas.openxmlformats.org/officeDocument/2006/relationships" xmlns:p="http://schemas.openxmlformats.org/presentationml/2006/main" showMasterSp="1" showMasterPhAnim="1">
+<p:sld xmlns:a="http://schemas.openxmlformats.org/drawingml/2006/main" xmlns:r="http://schemas.openxmlformats.org/officeDocument/2006/relationships" xmlns:p="http://schemas.openxmlformats.org/presentationml/2006/main">
   <p:cSld>
     <p:bg>
       <p:bgPr>
         <a:solidFill>
           <a:srgbClr val="739A98"/>
         </a:solidFill>
+        <a:effectLst/>
       </p:bgPr>
     </p:bg>
     <p:spTree>
@@ -3454,7 +3542,7 @@
           </a:ln>
           <a:extLst>
             <a:ext uri="{C572A759-6A51-4108-AA02-DFA0A04FC94B}">
-              <ma14:wrappingTextBoxFlag xmlns:ma14="http://schemas.microsoft.com/office/mac/drawingml/2011/main" val="1"/>
+              <ma14:wrappingTextBoxFlag xmlns:ma14="http://schemas.microsoft.com/office/mac/drawingml/2011/main" xmlns="" val="1"/>
             </a:ext>
           </a:extLst>
         </p:spPr>
@@ -3476,7 +3564,6 @@
             </a:lvl1pPr>
           </a:lstStyle>
           <a:p>
-            <a:pPr/>
             <a:r>
               <a:t>三毛</a:t>
             </a:r>
@@ -3502,7 +3589,7 @@
           </a:ln>
           <a:extLst>
             <a:ext uri="{C572A759-6A51-4108-AA02-DFA0A04FC94B}">
-              <ma14:wrappingTextBoxFlag xmlns:ma14="http://schemas.microsoft.com/office/mac/drawingml/2011/main" val="1"/>
+              <ma14:wrappingTextBoxFlag xmlns:ma14="http://schemas.microsoft.com/office/mac/drawingml/2011/main" xmlns="" val="1"/>
             </a:ext>
           </a:extLst>
         </p:spPr>
@@ -3524,7 +3611,6 @@
             </a:lvl1pPr>
           </a:lstStyle>
           <a:p>
-            <a:pPr/>
             <a:r>
               <a:t>TypeScript（二）</a:t>
             </a:r>
@@ -3536,18 +3622,19 @@
   <p:clrMapOvr>
     <a:masterClrMapping/>
   </p:clrMapOvr>
-  <p:transition xmlns:p14="http://schemas.microsoft.com/office/powerpoint/2010/main" spd="med" advClick="1"/>
+  <p:transition spd="med"/>
 </p:sld>
 </file>
 
 <file path=ppt/slides/slide10.xml><?xml version="1.0" encoding="utf-8"?>
-<p:sld xmlns:a="http://schemas.openxmlformats.org/drawingml/2006/main" xmlns:r="http://schemas.openxmlformats.org/officeDocument/2006/relationships" xmlns:p="http://schemas.openxmlformats.org/presentationml/2006/main" showMasterSp="1" showMasterPhAnim="1">
+<p:sld xmlns:a="http://schemas.openxmlformats.org/drawingml/2006/main" xmlns:r="http://schemas.openxmlformats.org/officeDocument/2006/relationships" xmlns:p="http://schemas.openxmlformats.org/presentationml/2006/main">
   <p:cSld>
     <p:bg>
       <p:bgPr>
         <a:solidFill>
           <a:srgbClr val="739A98"/>
         </a:solidFill>
+        <a:effectLst/>
       </p:bgPr>
     </p:bg>
     <p:spTree>
@@ -3583,7 +3670,7 @@
           </a:ln>
           <a:extLst>
             <a:ext uri="{C572A759-6A51-4108-AA02-DFA0A04FC94B}">
-              <ma14:wrappingTextBoxFlag xmlns:ma14="http://schemas.microsoft.com/office/mac/drawingml/2011/main" val="1"/>
+              <ma14:wrappingTextBoxFlag xmlns:ma14="http://schemas.microsoft.com/office/mac/drawingml/2011/main" xmlns="" val="1"/>
             </a:ext>
           </a:extLst>
         </p:spPr>
@@ -3605,7 +3692,6 @@
             </a:lvl1pPr>
           </a:lstStyle>
           <a:p>
-            <a:pPr/>
             <a:r>
               <a:t>可选参数与 undefined</a:t>
             </a:r>
@@ -3675,13 +3761,13 @@
   <p:clrMapOvr>
     <a:masterClrMapping/>
   </p:clrMapOvr>
-  <mc:AlternateContent xmlns:mc="http://schemas.openxmlformats.org/markup-compatibility/2006">
-    <mc:Choice xmlns:p14="http://schemas.microsoft.com/office/powerpoint/2010/main" Requires="p14">
-      <p:transition spd="slow" advClick="1" p14:dur="1200">
+  <mc:AlternateContent xmlns:mc="http://schemas.openxmlformats.org/markup-compatibility/2006" xmlns:p14="http://schemas.microsoft.com/office/powerpoint/2010/main">
+    <mc:Choice Requires="p14">
+      <p:transition spd="slow" p14:dur="1200">
         <p:dissolve/>
       </p:transition>
     </mc:Choice>
-    <mc:Fallback>
+    <mc:Fallback xmlns="">
       <p:transition spd="slow">
         <p:fade/>
       </p:transition>
@@ -3691,13 +3777,14 @@
 </file>
 
 <file path=ppt/slides/slide11.xml><?xml version="1.0" encoding="utf-8"?>
-<p:sld xmlns:a="http://schemas.openxmlformats.org/drawingml/2006/main" xmlns:r="http://schemas.openxmlformats.org/officeDocument/2006/relationships" xmlns:p="http://schemas.openxmlformats.org/presentationml/2006/main" showMasterSp="1" showMasterPhAnim="1">
+<p:sld xmlns:a="http://schemas.openxmlformats.org/drawingml/2006/main" xmlns:r="http://schemas.openxmlformats.org/officeDocument/2006/relationships" xmlns:p="http://schemas.openxmlformats.org/presentationml/2006/main">
   <p:cSld>
     <p:bg>
       <p:bgPr>
         <a:solidFill>
           <a:srgbClr val="739A98"/>
         </a:solidFill>
+        <a:effectLst/>
       </p:bgPr>
     </p:bg>
     <p:spTree>
@@ -3733,7 +3820,7 @@
           </a:ln>
           <a:extLst>
             <a:ext uri="{C572A759-6A51-4108-AA02-DFA0A04FC94B}">
-              <ma14:wrappingTextBoxFlag xmlns:ma14="http://schemas.microsoft.com/office/mac/drawingml/2011/main" val="1"/>
+              <ma14:wrappingTextBoxFlag xmlns:ma14="http://schemas.microsoft.com/office/mac/drawingml/2011/main" xmlns="" val="1"/>
             </a:ext>
           </a:extLst>
         </p:spPr>
@@ -3757,7 +3844,6 @@
             </a:lvl1pPr>
           </a:lstStyle>
           <a:p>
-            <a:pPr/>
             <a:r>
               <a:t>接口（定义契约）</a:t>
             </a:r>
@@ -3843,7 +3929,7 @@
             <a:tailEnd type="triangle"/>
           </a:ln>
           <a:effectLst>
-            <a:outerShdw sx="100000" sy="100000" kx="0" ky="0" algn="b" rotWithShape="0" blurRad="38100" dist="23000" dir="5400000">
+            <a:outerShdw blurRad="38100" dist="23000" dir="5400000" rotWithShape="0">
               <a:srgbClr val="000000">
                 <a:alpha val="35000"/>
               </a:srgbClr>
@@ -3854,7 +3940,7 @@
           <a:bodyPr lIns="45718" tIns="45718" rIns="45718" bIns="45718"/>
           <a:lstStyle/>
           <a:p>
-            <a:pPr/>
+            <a:endParaRPr/>
           </a:p>
         </p:txBody>
       </p:sp>
@@ -3879,7 +3965,7 @@
             <a:tailEnd type="triangle"/>
           </a:ln>
           <a:effectLst>
-            <a:outerShdw sx="100000" sy="100000" kx="0" ky="0" algn="b" rotWithShape="0" blurRad="38100" dist="23000" dir="5400000">
+            <a:outerShdw blurRad="38100" dist="23000" dir="5400000" rotWithShape="0">
               <a:srgbClr val="000000">
                 <a:alpha val="35000"/>
               </a:srgbClr>
@@ -3890,7 +3976,7 @@
           <a:bodyPr lIns="45718" tIns="45718" rIns="45718" bIns="45718"/>
           <a:lstStyle/>
           <a:p>
-            <a:pPr/>
+            <a:endParaRPr/>
           </a:p>
         </p:txBody>
       </p:sp>
@@ -3973,7 +4059,7 @@
             <a:tailEnd type="triangle"/>
           </a:ln>
           <a:effectLst>
-            <a:outerShdw sx="100000" sy="100000" kx="0" ky="0" algn="b" rotWithShape="0" blurRad="38100" dist="23000" dir="5400000">
+            <a:outerShdw blurRad="38100" dist="23000" dir="5400000" rotWithShape="0">
               <a:srgbClr val="000000">
                 <a:alpha val="35000"/>
               </a:srgbClr>
@@ -3984,7 +4070,7 @@
           <a:bodyPr lIns="45718" tIns="45718" rIns="45718" bIns="45718"/>
           <a:lstStyle/>
           <a:p>
-            <a:pPr/>
+            <a:endParaRPr/>
           </a:p>
         </p:txBody>
       </p:sp>
@@ -4038,7 +4124,7 @@
             <a:tailEnd type="triangle"/>
           </a:ln>
           <a:effectLst>
-            <a:outerShdw sx="100000" sy="100000" kx="0" ky="0" algn="b" rotWithShape="0" blurRad="38100" dist="23000" dir="5400000">
+            <a:outerShdw blurRad="38100" dist="23000" dir="5400000" rotWithShape="0">
               <a:srgbClr val="000000">
                 <a:alpha val="35000"/>
               </a:srgbClr>
@@ -4049,7 +4135,7 @@
           <a:bodyPr lIns="45718" tIns="45718" rIns="45718" bIns="45718"/>
           <a:lstStyle/>
           <a:p>
-            <a:pPr/>
+            <a:endParaRPr/>
           </a:p>
         </p:txBody>
       </p:sp>
@@ -4058,13 +4144,13 @@
   <p:clrMapOvr>
     <a:masterClrMapping/>
   </p:clrMapOvr>
-  <mc:AlternateContent xmlns:mc="http://schemas.openxmlformats.org/markup-compatibility/2006">
-    <mc:Choice xmlns:p14="http://schemas.microsoft.com/office/powerpoint/2010/main" Requires="p14">
-      <p:transition spd="slow" advClick="1" p14:dur="1200">
+  <mc:AlternateContent xmlns:mc="http://schemas.openxmlformats.org/markup-compatibility/2006" xmlns:p14="http://schemas.microsoft.com/office/powerpoint/2010/main">
+    <mc:Choice Requires="p14">
+      <p:transition spd="slow" p14:dur="1200">
         <p:dissolve/>
       </p:transition>
     </mc:Choice>
-    <mc:Fallback>
+    <mc:Fallback xmlns="">
       <p:transition spd="slow">
         <p:fade/>
       </p:transition>
@@ -4073,10 +4159,10 @@
   <p:timing>
     <p:tnLst>
       <p:par>
-        <p:cTn id="1" nodeType="tmRoot" restart="never" dur="indefinite" fill="hold">
+        <p:cTn id="1" dur="indefinite" restart="never" fill="hold" nodeType="tmRoot">
           <p:childTnLst>
             <p:seq concurrent="1" prevAc="none" nextAc="seek">
-              <p:cTn id="2" nodeType="mainSeq" dur="indefinite" fill="hold">
+              <p:cTn id="2" dur="indefinite" fill="hold" nodeType="mainSeq">
                 <p:childTnLst>
                   <p:par>
                     <p:cTn id="3" fill="hold">
@@ -4091,11 +4177,11 @@
                             </p:stCondLst>
                             <p:childTnLst>
                               <p:par>
-                                <p:cTn id="5" presetClass="entr" nodeType="clickEffect" presetSubtype="0" presetID="1" grpId="1" fill="hold">
+                                <p:cTn id="5" presetID="1" presetClass="entr" presetSubtype="0" fill="hold" grpId="1" nodeType="clickEffect">
                                   <p:stCondLst>
                                     <p:cond delay="0"/>
                                   </p:stCondLst>
-                                  <p:iterate type="el" backwards="0">
+                                  <p:iterate>
                                     <p:tmAbs val="0"/>
                                   </p:iterate>
                                   <p:childTnLst>
@@ -4135,11 +4221,11 @@
                             </p:stCondLst>
                             <p:childTnLst>
                               <p:par>
-                                <p:cTn id="9" presetClass="entr" nodeType="clickEffect" presetSubtype="0" presetID="1" grpId="2" fill="hold">
+                                <p:cTn id="9" presetID="1" presetClass="entr" presetSubtype="0" fill="hold" grpId="2" nodeType="clickEffect">
                                   <p:stCondLst>
                                     <p:cond delay="0"/>
                                   </p:stCondLst>
-                                  <p:iterate type="el" backwards="0">
+                                  <p:iterate>
                                     <p:tmAbs val="0"/>
                                   </p:iterate>
                                   <p:childTnLst>
@@ -4179,11 +4265,11 @@
                             </p:stCondLst>
                             <p:childTnLst>
                               <p:par>
-                                <p:cTn id="13" presetClass="entr" nodeType="clickEffect" presetSubtype="0" presetID="1" grpId="3" fill="hold">
+                                <p:cTn id="13" presetID="1" presetClass="entr" presetSubtype="0" fill="hold" grpId="3" nodeType="clickEffect">
                                   <p:stCondLst>
                                     <p:cond delay="0"/>
                                   </p:stCondLst>
-                                  <p:iterate type="el" backwards="0">
+                                  <p:iterate>
                                     <p:tmAbs val="0"/>
                                   </p:iterate>
                                   <p:childTnLst>
@@ -4223,11 +4309,11 @@
                             </p:stCondLst>
                             <p:childTnLst>
                               <p:par>
-                                <p:cTn id="17" presetClass="entr" nodeType="clickEffect" presetSubtype="0" presetID="1" grpId="4" fill="hold">
+                                <p:cTn id="17" presetID="1" presetClass="entr" presetSubtype="0" fill="hold" grpId="4" nodeType="clickEffect">
                                   <p:stCondLst>
                                     <p:cond delay="0"/>
                                   </p:stCondLst>
-                                  <p:iterate type="el" backwards="0">
+                                  <p:iterate>
                                     <p:tmAbs val="0"/>
                                   </p:iterate>
                                   <p:childTnLst>
@@ -4267,11 +4353,11 @@
                             </p:stCondLst>
                             <p:childTnLst>
                               <p:par>
-                                <p:cTn id="21" presetClass="entr" nodeType="clickEffect" presetSubtype="0" presetID="1" grpId="5" fill="hold">
+                                <p:cTn id="21" presetID="1" presetClass="entr" presetSubtype="0" fill="hold" grpId="5" nodeType="clickEffect">
                                   <p:stCondLst>
                                     <p:cond delay="0"/>
                                   </p:stCondLst>
-                                  <p:iterate type="el" backwards="0">
+                                  <p:iterate>
                                     <p:tmAbs val="0"/>
                                   </p:iterate>
                                   <p:childTnLst>
@@ -4311,11 +4397,11 @@
                             </p:stCondLst>
                             <p:childTnLst>
                               <p:par>
-                                <p:cTn id="25" presetClass="entr" nodeType="clickEffect" presetSubtype="0" presetID="1" grpId="6" fill="hold">
+                                <p:cTn id="25" presetID="1" presetClass="entr" presetSubtype="0" fill="hold" grpId="6" nodeType="clickEffect">
                                   <p:stCondLst>
                                     <p:cond delay="0"/>
                                   </p:stCondLst>
-                                  <p:iterate type="el" backwards="0">
+                                  <p:iterate>
                                     <p:tmAbs val="0"/>
                                   </p:iterate>
                                   <p:childTnLst>
@@ -4355,11 +4441,11 @@
                             </p:stCondLst>
                             <p:childTnLst>
                               <p:par>
-                                <p:cTn id="29" presetClass="entr" nodeType="clickEffect" presetSubtype="0" presetID="1" grpId="7" fill="hold">
+                                <p:cTn id="29" presetID="1" presetClass="entr" presetSubtype="0" fill="hold" grpId="7" nodeType="clickEffect">
                                   <p:stCondLst>
                                     <p:cond delay="0"/>
                                   </p:stCondLst>
-                                  <p:iterate type="el" backwards="0">
+                                  <p:iterate>
                                     <p:tmAbs val="0"/>
                                   </p:iterate>
                                   <p:childTnLst>
@@ -4399,11 +4485,11 @@
                             </p:stCondLst>
                             <p:childTnLst>
                               <p:par>
-                                <p:cTn id="33" presetClass="entr" nodeType="clickEffect" presetSubtype="0" presetID="1" grpId="8" fill="hold">
+                                <p:cTn id="33" presetID="1" presetClass="entr" presetSubtype="0" fill="hold" grpId="8" nodeType="clickEffect">
                                   <p:stCondLst>
                                     <p:cond delay="0"/>
                                   </p:stCondLst>
-                                  <p:iterate type="el" backwards="0">
+                                  <p:iterate>
                                     <p:tmAbs val="0"/>
                                   </p:iterate>
                                   <p:childTnLst>
@@ -4433,14 +4519,14 @@
                 </p:childTnLst>
               </p:cTn>
               <p:prevCondLst>
-                <p:cond evt="onPrev">
+                <p:cond evt="onPrev" delay="0">
                   <p:tgtEl>
                     <p:sldTgt/>
                   </p:tgtEl>
                 </p:cond>
               </p:prevCondLst>
               <p:nextCondLst>
-                <p:cond evt="onNext">
+                <p:cond evt="onNext" delay="0">
                   <p:tgtEl>
                     <p:sldTgt/>
                   </p:tgtEl>
@@ -4452,27 +4538,28 @@
       </p:par>
     </p:tnLst>
     <p:bldLst>
-      <p:bldP build="whole" bldLvl="1" animBg="1" rev="0" advAuto="0" spid="168" grpId="6"/>
-      <p:bldP build="whole" bldLvl="1" animBg="1" rev="0" advAuto="0" spid="171" grpId="8"/>
-      <p:bldP build="whole" bldLvl="1" animBg="1" rev="0" advAuto="0" spid="172" grpId="7"/>
-      <p:bldP build="whole" bldLvl="1" animBg="1" rev="0" advAuto="0" spid="169" grpId="2"/>
-      <p:bldP build="whole" bldLvl="1" animBg="1" rev="0" advAuto="0" spid="165" grpId="4"/>
-      <p:bldP build="whole" bldLvl="1" animBg="1" rev="0" advAuto="0" spid="167" grpId="5"/>
-      <p:bldP build="whole" bldLvl="1" animBg="1" rev="0" advAuto="0" spid="166" grpId="3"/>
-      <p:bldP build="whole" bldLvl="1" animBg="1" rev="0" advAuto="0" spid="170" grpId="1"/>
+      <p:bldP spid="165" grpId="4" animBg="1" advAuto="0"/>
+      <p:bldP spid="166" grpId="3" animBg="1" advAuto="0"/>
+      <p:bldP spid="167" grpId="5" animBg="1" advAuto="0"/>
+      <p:bldP spid="168" grpId="6" animBg="1" advAuto="0"/>
+      <p:bldP spid="169" grpId="2" animBg="1" advAuto="0"/>
+      <p:bldP spid="170" grpId="1" animBg="1" advAuto="0"/>
+      <p:bldP spid="171" grpId="8" animBg="1" advAuto="0"/>
+      <p:bldP spid="172" grpId="7" animBg="1" advAuto="0"/>
     </p:bldLst>
   </p:timing>
 </p:sld>
 </file>
 
 <file path=ppt/slides/slide12.xml><?xml version="1.0" encoding="utf-8"?>
-<p:sld xmlns:a="http://schemas.openxmlformats.org/drawingml/2006/main" xmlns:r="http://schemas.openxmlformats.org/officeDocument/2006/relationships" xmlns:p="http://schemas.openxmlformats.org/presentationml/2006/main" showMasterSp="1" showMasterPhAnim="1">
+<p:sld xmlns:a="http://schemas.openxmlformats.org/drawingml/2006/main" xmlns:r="http://schemas.openxmlformats.org/officeDocument/2006/relationships" xmlns:p="http://schemas.openxmlformats.org/presentationml/2006/main">
   <p:cSld>
     <p:bg>
       <p:bgPr>
         <a:solidFill>
           <a:srgbClr val="739A98"/>
         </a:solidFill>
+        <a:effectLst/>
       </p:bgPr>
     </p:bg>
     <p:spTree>
@@ -4508,7 +4595,7 @@
           </a:ln>
           <a:extLst>
             <a:ext uri="{C572A759-6A51-4108-AA02-DFA0A04FC94B}">
-              <ma14:wrappingTextBoxFlag xmlns:ma14="http://schemas.microsoft.com/office/mac/drawingml/2011/main" val="1"/>
+              <ma14:wrappingTextBoxFlag xmlns:ma14="http://schemas.microsoft.com/office/mac/drawingml/2011/main" xmlns="" val="1"/>
             </a:ext>
           </a:extLst>
         </p:spPr>
@@ -4532,7 +4619,6 @@
             </a:lvl1pPr>
           </a:lstStyle>
           <a:p>
-            <a:pPr/>
             <a:r>
               <a:t>泛型</a:t>
             </a:r>
@@ -4573,13 +4659,13 @@
   <p:clrMapOvr>
     <a:masterClrMapping/>
   </p:clrMapOvr>
-  <mc:AlternateContent xmlns:mc="http://schemas.openxmlformats.org/markup-compatibility/2006">
-    <mc:Choice xmlns:p14="http://schemas.microsoft.com/office/powerpoint/2010/main" Requires="p14">
-      <p:transition spd="slow" advClick="1" p14:dur="1200">
+  <mc:AlternateContent xmlns:mc="http://schemas.openxmlformats.org/markup-compatibility/2006" xmlns:p14="http://schemas.microsoft.com/office/powerpoint/2010/main">
+    <mc:Choice Requires="p14">
+      <p:transition spd="slow" p14:dur="1200">
         <p:dissolve/>
       </p:transition>
     </mc:Choice>
-    <mc:Fallback>
+    <mc:Fallback xmlns="">
       <p:transition spd="slow">
         <p:fade/>
       </p:transition>
@@ -4588,10 +4674,10 @@
   <p:timing>
     <p:tnLst>
       <p:par>
-        <p:cTn id="1" nodeType="tmRoot" restart="never" dur="indefinite" fill="hold">
+        <p:cTn id="1" dur="indefinite" restart="never" fill="hold" nodeType="tmRoot">
           <p:childTnLst>
             <p:seq concurrent="1" prevAc="none" nextAc="seek">
-              <p:cTn id="2" nodeType="mainSeq" dur="indefinite" fill="hold">
+              <p:cTn id="2" dur="indefinite" fill="hold" nodeType="mainSeq">
                 <p:childTnLst>
                   <p:par>
                     <p:cTn id="3" fill="hold">
@@ -4606,11 +4692,11 @@
                             </p:stCondLst>
                             <p:childTnLst>
                               <p:par>
-                                <p:cTn id="5" presetClass="entr" nodeType="clickEffect" presetSubtype="0" presetID="1" grpId="1" fill="hold">
+                                <p:cTn id="5" presetID="1" presetClass="entr" presetSubtype="0" fill="hold" grpId="1" nodeType="clickEffect">
                                   <p:stCondLst>
                                     <p:cond delay="0"/>
                                   </p:stCondLst>
-                                  <p:iterate type="el" backwards="0">
+                                  <p:iterate>
                                     <p:tmAbs val="0"/>
                                   </p:iterate>
                                   <p:childTnLst>
@@ -4640,14 +4726,14 @@
                 </p:childTnLst>
               </p:cTn>
               <p:prevCondLst>
-                <p:cond evt="onPrev">
+                <p:cond evt="onPrev" delay="0">
                   <p:tgtEl>
                     <p:sldTgt/>
                   </p:tgtEl>
                 </p:cond>
               </p:prevCondLst>
               <p:nextCondLst>
-                <p:cond evt="onNext">
+                <p:cond evt="onNext" delay="0">
                   <p:tgtEl>
                     <p:sldTgt/>
                   </p:tgtEl>
@@ -4659,20 +4745,21 @@
       </p:par>
     </p:tnLst>
     <p:bldLst>
-      <p:bldP build="whole" bldLvl="1" animBg="1" rev="0" advAuto="0" spid="175" grpId="1"/>
+      <p:bldP spid="175" grpId="1" animBg="1" advAuto="0"/>
     </p:bldLst>
   </p:timing>
 </p:sld>
 </file>
 
 <file path=ppt/slides/slide13.xml><?xml version="1.0" encoding="utf-8"?>
-<p:sld xmlns:a="http://schemas.openxmlformats.org/drawingml/2006/main" xmlns:r="http://schemas.openxmlformats.org/officeDocument/2006/relationships" xmlns:p="http://schemas.openxmlformats.org/presentationml/2006/main" showMasterSp="1" showMasterPhAnim="1">
+<p:sld xmlns:a="http://schemas.openxmlformats.org/drawingml/2006/main" xmlns:r="http://schemas.openxmlformats.org/officeDocument/2006/relationships" xmlns:p="http://schemas.openxmlformats.org/presentationml/2006/main">
   <p:cSld>
     <p:bg>
       <p:bgPr>
         <a:solidFill>
           <a:srgbClr val="739A98"/>
         </a:solidFill>
+        <a:effectLst/>
       </p:bgPr>
     </p:bg>
     <p:spTree>
@@ -4723,13 +4810,13 @@
   <p:clrMapOvr>
     <a:masterClrMapping/>
   </p:clrMapOvr>
-  <mc:AlternateContent xmlns:mc="http://schemas.openxmlformats.org/markup-compatibility/2006">
-    <mc:Choice xmlns:p14="http://schemas.microsoft.com/office/powerpoint/2010/main" Requires="p14">
-      <p:transition spd="slow" advClick="1" p14:dur="1200">
+  <mc:AlternateContent xmlns:mc="http://schemas.openxmlformats.org/markup-compatibility/2006" xmlns:p14="http://schemas.microsoft.com/office/powerpoint/2010/main">
+    <mc:Choice Requires="p14">
+      <p:transition spd="slow" p14:dur="1200">
         <p:dissolve/>
       </p:transition>
     </mc:Choice>
-    <mc:Fallback>
+    <mc:Fallback xmlns="">
       <p:transition spd="slow">
         <p:fade/>
       </p:transition>
@@ -4739,13 +4826,14 @@
 </file>
 
 <file path=ppt/slides/slide14.xml><?xml version="1.0" encoding="utf-8"?>
-<p:sld xmlns:a="http://schemas.openxmlformats.org/drawingml/2006/main" xmlns:r="http://schemas.openxmlformats.org/officeDocument/2006/relationships" xmlns:p="http://schemas.openxmlformats.org/presentationml/2006/main" showMasterSp="1" showMasterPhAnim="1">
+<p:sld xmlns:a="http://schemas.openxmlformats.org/drawingml/2006/main" xmlns:r="http://schemas.openxmlformats.org/officeDocument/2006/relationships" xmlns:p="http://schemas.openxmlformats.org/presentationml/2006/main">
   <p:cSld>
     <p:bg>
       <p:bgPr>
         <a:solidFill>
           <a:srgbClr val="739A98"/>
         </a:solidFill>
+        <a:effectLst/>
       </p:bgPr>
     </p:bg>
     <p:spTree>
@@ -4796,13 +4884,13 @@
   <p:clrMapOvr>
     <a:masterClrMapping/>
   </p:clrMapOvr>
-  <mc:AlternateContent xmlns:mc="http://schemas.openxmlformats.org/markup-compatibility/2006">
-    <mc:Choice xmlns:p14="http://schemas.microsoft.com/office/powerpoint/2010/main" Requires="p14">
-      <p:transition spd="slow" advClick="1" p14:dur="1200">
+  <mc:AlternateContent xmlns:mc="http://schemas.openxmlformats.org/markup-compatibility/2006" xmlns:p14="http://schemas.microsoft.com/office/powerpoint/2010/main">
+    <mc:Choice Requires="p14">
+      <p:transition spd="slow" p14:dur="1200">
         <p:dissolve/>
       </p:transition>
     </mc:Choice>
-    <mc:Fallback>
+    <mc:Fallback xmlns="">
       <p:transition spd="slow">
         <p:fade/>
       </p:transition>
@@ -4812,13 +4900,14 @@
 </file>
 
 <file path=ppt/slides/slide15.xml><?xml version="1.0" encoding="utf-8"?>
-<p:sld xmlns:a="http://schemas.openxmlformats.org/drawingml/2006/main" xmlns:r="http://schemas.openxmlformats.org/officeDocument/2006/relationships" xmlns:p="http://schemas.openxmlformats.org/presentationml/2006/main" showMasterSp="1" showMasterPhAnim="1">
+<p:sld xmlns:a="http://schemas.openxmlformats.org/drawingml/2006/main" xmlns:r="http://schemas.openxmlformats.org/officeDocument/2006/relationships" xmlns:p="http://schemas.openxmlformats.org/presentationml/2006/main">
   <p:cSld>
     <p:bg>
       <p:bgPr>
         <a:solidFill>
           <a:srgbClr val="739A98"/>
         </a:solidFill>
+        <a:effectLst/>
       </p:bgPr>
     </p:bg>
     <p:spTree>
@@ -4869,13 +4958,13 @@
   <p:clrMapOvr>
     <a:masterClrMapping/>
   </p:clrMapOvr>
-  <mc:AlternateContent xmlns:mc="http://schemas.openxmlformats.org/markup-compatibility/2006">
-    <mc:Choice xmlns:p14="http://schemas.microsoft.com/office/powerpoint/2010/main" Requires="p14">
-      <p:transition spd="slow" advClick="1" p14:dur="1200">
+  <mc:AlternateContent xmlns:mc="http://schemas.openxmlformats.org/markup-compatibility/2006" xmlns:p14="http://schemas.microsoft.com/office/powerpoint/2010/main">
+    <mc:Choice Requires="p14">
+      <p:transition spd="slow" p14:dur="1200">
         <p:dissolve/>
       </p:transition>
     </mc:Choice>
-    <mc:Fallback>
+    <mc:Fallback xmlns="">
       <p:transition spd="slow">
         <p:fade/>
       </p:transition>
@@ -4885,13 +4974,14 @@
 </file>
 
 <file path=ppt/slides/slide16.xml><?xml version="1.0" encoding="utf-8"?>
-<p:sld xmlns:a="http://schemas.openxmlformats.org/drawingml/2006/main" xmlns:r="http://schemas.openxmlformats.org/officeDocument/2006/relationships" xmlns:p="http://schemas.openxmlformats.org/presentationml/2006/main" showMasterSp="1" showMasterPhAnim="1">
+<p:sld xmlns:a="http://schemas.openxmlformats.org/drawingml/2006/main" xmlns:r="http://schemas.openxmlformats.org/officeDocument/2006/relationships" xmlns:p="http://schemas.openxmlformats.org/presentationml/2006/main">
   <p:cSld>
     <p:bg>
       <p:bgPr>
         <a:solidFill>
           <a:srgbClr val="739A98"/>
         </a:solidFill>
+        <a:effectLst/>
       </p:bgPr>
     </p:bg>
     <p:spTree>
@@ -4927,7 +5017,7 @@
           </a:ln>
           <a:extLst>
             <a:ext uri="{C572A759-6A51-4108-AA02-DFA0A04FC94B}">
-              <ma14:wrappingTextBoxFlag xmlns:ma14="http://schemas.microsoft.com/office/mac/drawingml/2011/main" val="1"/>
+              <ma14:wrappingTextBoxFlag xmlns:ma14="http://schemas.microsoft.com/office/mac/drawingml/2011/main" xmlns="" val="1"/>
             </a:ext>
           </a:extLst>
         </p:spPr>
@@ -4949,7 +5039,6 @@
             </a:lvl1pPr>
           </a:lstStyle>
           <a:p>
-            <a:pPr/>
             <a:r>
               <a:t>泛型？</a:t>
             </a:r>
@@ -4977,7 +5066,7 @@
             <a:tailEnd type="triangle"/>
           </a:ln>
           <a:effectLst>
-            <a:outerShdw sx="100000" sy="100000" kx="0" ky="0" algn="b" rotWithShape="0" blurRad="38100" dist="23000" dir="5400000">
+            <a:outerShdw blurRad="38100" dist="23000" dir="5400000" rotWithShape="0">
               <a:srgbClr val="000000">
                 <a:alpha val="35000"/>
               </a:srgbClr>
@@ -4988,7 +5077,7 @@
           <a:bodyPr lIns="45718" tIns="45718" rIns="45718" bIns="45718"/>
           <a:lstStyle/>
           <a:p>
-            <a:pPr/>
+            <a:endParaRPr dirty="0"/>
           </a:p>
         </p:txBody>
       </p:sp>
@@ -5011,7 +5100,7 @@
           </a:ln>
           <a:extLst>
             <a:ext uri="{C572A759-6A51-4108-AA02-DFA0A04FC94B}">
-              <ma14:wrappingTextBoxFlag xmlns:ma14="http://schemas.microsoft.com/office/mac/drawingml/2011/main" val="1"/>
+              <ma14:wrappingTextBoxFlag xmlns:ma14="http://schemas.microsoft.com/office/mac/drawingml/2011/main" xmlns="" val="1"/>
             </a:ext>
           </a:extLst>
         </p:spPr>
@@ -5033,7 +5122,6 @@
             </a:lvl1pPr>
           </a:lstStyle>
           <a:p>
-            <a:pPr/>
             <a:r>
               <a:t>类型</a:t>
             </a:r>
@@ -5061,7 +5149,7 @@
             <a:tailEnd type="triangle"/>
           </a:ln>
           <a:effectLst>
-            <a:outerShdw sx="100000" sy="100000" kx="0" ky="0" algn="b" rotWithShape="0" blurRad="38100" dist="23000" dir="5400000">
+            <a:outerShdw blurRad="38100" dist="23000" dir="5400000" rotWithShape="0">
               <a:srgbClr val="000000">
                 <a:alpha val="35000"/>
               </a:srgbClr>
@@ -5072,7 +5160,7 @@
           <a:bodyPr lIns="45718" tIns="45718" rIns="45718" bIns="45718"/>
           <a:lstStyle/>
           <a:p>
-            <a:pPr/>
+            <a:endParaRPr/>
           </a:p>
         </p:txBody>
       </p:sp>
@@ -5095,7 +5183,7 @@
           </a:ln>
           <a:extLst>
             <a:ext uri="{C572A759-6A51-4108-AA02-DFA0A04FC94B}">
-              <ma14:wrappingTextBoxFlag xmlns:ma14="http://schemas.microsoft.com/office/mac/drawingml/2011/main" val="1"/>
+              <ma14:wrappingTextBoxFlag xmlns:ma14="http://schemas.microsoft.com/office/mac/drawingml/2011/main" xmlns="" val="1"/>
             </a:ext>
           </a:extLst>
         </p:spPr>
@@ -5117,7 +5205,6 @@
             </a:lvl1pPr>
           </a:lstStyle>
           <a:p>
-            <a:pPr/>
             <a:r>
               <a:t>不预先指定类型，使用时再指定</a:t>
             </a:r>
@@ -5145,7 +5232,7 @@
             <a:tailEnd type="triangle"/>
           </a:ln>
           <a:effectLst>
-            <a:outerShdw sx="100000" sy="100000" kx="0" ky="0" algn="b" rotWithShape="0" blurRad="38100" dist="23000" dir="5400000">
+            <a:outerShdw blurRad="38100" dist="23000" dir="5400000" rotWithShape="0">
               <a:srgbClr val="000000">
                 <a:alpha val="35000"/>
               </a:srgbClr>
@@ -5156,7 +5243,7 @@
           <a:bodyPr lIns="45718" tIns="45718" rIns="45718" bIns="45718"/>
           <a:lstStyle/>
           <a:p>
-            <a:pPr/>
+            <a:endParaRPr/>
           </a:p>
         </p:txBody>
       </p:sp>
@@ -5179,7 +5266,7 @@
           </a:ln>
           <a:extLst>
             <a:ext uri="{C572A759-6A51-4108-AA02-DFA0A04FC94B}">
-              <ma14:wrappingTextBoxFlag xmlns:ma14="http://schemas.microsoft.com/office/mac/drawingml/2011/main" val="1"/>
+              <ma14:wrappingTextBoxFlag xmlns:ma14="http://schemas.microsoft.com/office/mac/drawingml/2011/main" xmlns="" val="1"/>
             </a:ext>
           </a:extLst>
         </p:spPr>
@@ -5201,7 +5288,6 @@
             </a:lvl1pPr>
           </a:lstStyle>
           <a:p>
-            <a:pPr/>
             <a:r>
               <a:t>在成员之间提供一定的约束</a:t>
             </a:r>
@@ -5229,7 +5315,7 @@
             <a:tailEnd type="triangle"/>
           </a:ln>
           <a:effectLst>
-            <a:outerShdw sx="100000" sy="100000" kx="0" ky="0" algn="b" rotWithShape="0" blurRad="38100" dist="23000" dir="5400000">
+            <a:outerShdw blurRad="38100" dist="23000" dir="5400000" rotWithShape="0">
               <a:srgbClr val="000000">
                 <a:alpha val="35000"/>
               </a:srgbClr>
@@ -5240,7 +5326,7 @@
           <a:bodyPr lIns="45718" tIns="45718" rIns="45718" bIns="45718"/>
           <a:lstStyle/>
           <a:p>
-            <a:pPr/>
+            <a:endParaRPr/>
           </a:p>
         </p:txBody>
       </p:sp>
@@ -5263,7 +5349,7 @@
           </a:ln>
           <a:extLst>
             <a:ext uri="{C572A759-6A51-4108-AA02-DFA0A04FC94B}">
-              <ma14:wrappingTextBoxFlag xmlns:ma14="http://schemas.microsoft.com/office/mac/drawingml/2011/main" val="1"/>
+              <ma14:wrappingTextBoxFlag xmlns:ma14="http://schemas.microsoft.com/office/mac/drawingml/2011/main" xmlns="" val="1"/>
             </a:ext>
           </a:extLst>
         </p:spPr>
@@ -5285,7 +5371,6 @@
             </a:lvl1pPr>
           </a:lstStyle>
           <a:p>
-            <a:pPr/>
             <a:r>
               <a:t>泛型约束extends</a:t>
             </a:r>
@@ -5297,13 +5382,13 @@
   <p:clrMapOvr>
     <a:masterClrMapping/>
   </p:clrMapOvr>
-  <mc:AlternateContent xmlns:mc="http://schemas.openxmlformats.org/markup-compatibility/2006">
-    <mc:Choice xmlns:p14="http://schemas.microsoft.com/office/powerpoint/2010/main" Requires="p14">
-      <p:transition spd="slow" advClick="1" p14:dur="1200">
+  <mc:AlternateContent xmlns:mc="http://schemas.openxmlformats.org/markup-compatibility/2006" xmlns:p14="http://schemas.microsoft.com/office/powerpoint/2010/main">
+    <mc:Choice Requires="p14">
+      <p:transition spd="slow" p14:dur="1200">
         <p:dissolve/>
       </p:transition>
     </mc:Choice>
-    <mc:Fallback>
+    <mc:Fallback xmlns="">
       <p:transition spd="slow">
         <p:fade/>
       </p:transition>
@@ -5312,10 +5397,10 @@
   <p:timing>
     <p:tnLst>
       <p:par>
-        <p:cTn id="1" nodeType="tmRoot" restart="never" dur="indefinite" fill="hold">
+        <p:cTn id="1" dur="indefinite" restart="never" fill="hold" nodeType="tmRoot">
           <p:childTnLst>
             <p:seq concurrent="1" prevAc="none" nextAc="seek">
-              <p:cTn id="2" nodeType="mainSeq" dur="indefinite" fill="hold">
+              <p:cTn id="2" dur="indefinite" fill="hold" nodeType="mainSeq">
                 <p:childTnLst>
                   <p:par>
                     <p:cTn id="3" fill="hold">
@@ -5330,11 +5415,11 @@
                             </p:stCondLst>
                             <p:childTnLst>
                               <p:par>
-                                <p:cTn id="5" presetClass="entr" nodeType="clickEffect" presetSubtype="0" presetID="1" grpId="1" fill="hold">
+                                <p:cTn id="5" presetID="1" presetClass="entr" presetSubtype="0" fill="hold" grpId="1" nodeType="clickEffect">
                                   <p:stCondLst>
                                     <p:cond delay="0"/>
                                   </p:stCondLst>
-                                  <p:iterate type="el" backwards="0">
+                                  <p:iterate>
                                     <p:tmAbs val="0"/>
                                   </p:iterate>
                                   <p:childTnLst>
@@ -5374,11 +5459,11 @@
                             </p:stCondLst>
                             <p:childTnLst>
                               <p:par>
-                                <p:cTn id="9" presetClass="entr" nodeType="clickEffect" presetSubtype="0" presetID="1" grpId="2" fill="hold">
+                                <p:cTn id="9" presetID="1" presetClass="entr" presetSubtype="0" fill="hold" grpId="2" nodeType="clickEffect">
                                   <p:stCondLst>
                                     <p:cond delay="0"/>
                                   </p:stCondLst>
-                                  <p:iterate type="el" backwards="0">
+                                  <p:iterate>
                                     <p:tmAbs val="0"/>
                                   </p:iterate>
                                   <p:childTnLst>
@@ -5418,11 +5503,11 @@
                             </p:stCondLst>
                             <p:childTnLst>
                               <p:par>
-                                <p:cTn id="13" presetClass="entr" nodeType="clickEffect" presetSubtype="0" presetID="1" grpId="3" fill="hold">
+                                <p:cTn id="13" presetID="1" presetClass="entr" presetSubtype="0" fill="hold" grpId="3" nodeType="clickEffect">
                                   <p:stCondLst>
                                     <p:cond delay="0"/>
                                   </p:stCondLst>
-                                  <p:iterate type="el" backwards="0">
+                                  <p:iterate>
                                     <p:tmAbs val="0"/>
                                   </p:iterate>
                                   <p:childTnLst>
@@ -5462,11 +5547,11 @@
                             </p:stCondLst>
                             <p:childTnLst>
                               <p:par>
-                                <p:cTn id="17" presetClass="entr" nodeType="clickEffect" presetSubtype="0" presetID="1" grpId="4" fill="hold">
+                                <p:cTn id="17" presetID="1" presetClass="entr" presetSubtype="0" fill="hold" grpId="4" nodeType="clickEffect">
                                   <p:stCondLst>
                                     <p:cond delay="0"/>
                                   </p:stCondLst>
-                                  <p:iterate type="el" backwards="0">
+                                  <p:iterate>
                                     <p:tmAbs val="0"/>
                                   </p:iterate>
                                   <p:childTnLst>
@@ -5506,11 +5591,11 @@
                             </p:stCondLst>
                             <p:childTnLst>
                               <p:par>
-                                <p:cTn id="21" presetClass="entr" nodeType="clickEffect" presetSubtype="0" presetID="1" grpId="5" fill="hold">
+                                <p:cTn id="21" presetID="1" presetClass="entr" presetSubtype="0" fill="hold" grpId="5" nodeType="clickEffect">
                                   <p:stCondLst>
                                     <p:cond delay="0"/>
                                   </p:stCondLst>
-                                  <p:iterate type="el" backwards="0">
+                                  <p:iterate>
                                     <p:tmAbs val="0"/>
                                   </p:iterate>
                                   <p:childTnLst>
@@ -5550,11 +5635,11 @@
                             </p:stCondLst>
                             <p:childTnLst>
                               <p:par>
-                                <p:cTn id="25" presetClass="entr" nodeType="clickEffect" presetSubtype="0" presetID="1" grpId="6" fill="hold">
+                                <p:cTn id="25" presetID="1" presetClass="entr" presetSubtype="0" fill="hold" grpId="6" nodeType="clickEffect">
                                   <p:stCondLst>
                                     <p:cond delay="0"/>
                                   </p:stCondLst>
-                                  <p:iterate type="el" backwards="0">
+                                  <p:iterate>
                                     <p:tmAbs val="0"/>
                                   </p:iterate>
                                   <p:childTnLst>
@@ -5594,11 +5679,11 @@
                             </p:stCondLst>
                             <p:childTnLst>
                               <p:par>
-                                <p:cTn id="29" presetClass="entr" nodeType="clickEffect" presetSubtype="0" presetID="1" grpId="7" fill="hold">
+                                <p:cTn id="29" presetID="1" presetClass="entr" presetSubtype="0" fill="hold" grpId="7" nodeType="clickEffect">
                                   <p:stCondLst>
                                     <p:cond delay="0"/>
                                   </p:stCondLst>
-                                  <p:iterate type="el" backwards="0">
+                                  <p:iterate>
                                     <p:tmAbs val="0"/>
                                   </p:iterate>
                                   <p:childTnLst>
@@ -5638,11 +5723,11 @@
                             </p:stCondLst>
                             <p:childTnLst>
                               <p:par>
-                                <p:cTn id="33" presetClass="entr" nodeType="clickEffect" presetSubtype="0" presetID="1" grpId="8" fill="hold">
+                                <p:cTn id="33" presetID="1" presetClass="entr" presetSubtype="0" fill="hold" grpId="8" nodeType="clickEffect">
                                   <p:stCondLst>
                                     <p:cond delay="0"/>
                                   </p:stCondLst>
-                                  <p:iterate type="el" backwards="0">
+                                  <p:iterate>
                                     <p:tmAbs val="0"/>
                                   </p:iterate>
                                   <p:childTnLst>
@@ -5672,14 +5757,14 @@
                 </p:childTnLst>
               </p:cTn>
               <p:prevCondLst>
-                <p:cond evt="onPrev">
+                <p:cond evt="onPrev" delay="0">
                   <p:tgtEl>
                     <p:sldTgt/>
                   </p:tgtEl>
                 </p:cond>
               </p:prevCondLst>
               <p:nextCondLst>
-                <p:cond evt="onNext">
+                <p:cond evt="onNext" delay="0">
                   <p:tgtEl>
                     <p:sldTgt/>
                   </p:tgtEl>
@@ -5691,27 +5776,28 @@
       </p:par>
     </p:tnLst>
     <p:bldLst>
-      <p:bldP build="whole" bldLvl="1" animBg="1" rev="0" advAuto="0" spid="184" grpId="1"/>
-      <p:bldP build="whole" bldLvl="1" animBg="1" rev="0" advAuto="0" spid="186" grpId="3"/>
-      <p:bldP build="whole" bldLvl="1" animBg="1" rev="0" advAuto="0" spid="187" grpId="4"/>
-      <p:bldP build="whole" bldLvl="1" animBg="1" rev="0" advAuto="0" spid="189" grpId="6"/>
-      <p:bldP build="whole" bldLvl="1" animBg="1" rev="0" advAuto="0" spid="185" grpId="2"/>
-      <p:bldP build="whole" bldLvl="1" animBg="1" rev="0" advAuto="0" spid="190" grpId="7"/>
-      <p:bldP build="whole" bldLvl="1" animBg="1" rev="0" advAuto="0" spid="188" grpId="5"/>
-      <p:bldP build="whole" bldLvl="1" animBg="1" rev="0" advAuto="0" spid="191" grpId="8"/>
+      <p:bldP spid="184" grpId="1" animBg="1" advAuto="0"/>
+      <p:bldP spid="185" grpId="2" animBg="1" advAuto="0"/>
+      <p:bldP spid="186" grpId="3" animBg="1" advAuto="0"/>
+      <p:bldP spid="187" grpId="4" animBg="1" advAuto="0"/>
+      <p:bldP spid="188" grpId="5" animBg="1" advAuto="0"/>
+      <p:bldP spid="189" grpId="6" animBg="1" advAuto="0"/>
+      <p:bldP spid="190" grpId="7" animBg="1" advAuto="0"/>
+      <p:bldP spid="191" grpId="8" animBg="1" advAuto="0"/>
     </p:bldLst>
   </p:timing>
 </p:sld>
 </file>
 
 <file path=ppt/slides/slide17.xml><?xml version="1.0" encoding="utf-8"?>
-<p:sld xmlns:a="http://schemas.openxmlformats.org/drawingml/2006/main" xmlns:r="http://schemas.openxmlformats.org/officeDocument/2006/relationships" xmlns:p="http://schemas.openxmlformats.org/presentationml/2006/main" showMasterSp="1" showMasterPhAnim="1">
+<p:sld xmlns:a="http://schemas.openxmlformats.org/drawingml/2006/main" xmlns:r="http://schemas.openxmlformats.org/officeDocument/2006/relationships" xmlns:p="http://schemas.openxmlformats.org/presentationml/2006/main">
   <p:cSld>
     <p:bg>
       <p:bgPr>
         <a:solidFill>
           <a:srgbClr val="739A98"/>
         </a:solidFill>
+        <a:effectLst/>
       </p:bgPr>
     </p:bg>
     <p:spTree>
@@ -5747,7 +5833,7 @@
           </a:ln>
           <a:extLst>
             <a:ext uri="{C572A759-6A51-4108-AA02-DFA0A04FC94B}">
-              <ma14:wrappingTextBoxFlag xmlns:ma14="http://schemas.microsoft.com/office/mac/drawingml/2011/main" val="1"/>
+              <ma14:wrappingTextBoxFlag xmlns:ma14="http://schemas.microsoft.com/office/mac/drawingml/2011/main" xmlns="" val="1"/>
             </a:ext>
           </a:extLst>
         </p:spPr>
@@ -5769,7 +5855,6 @@
             </a:lvl1pPr>
           </a:lstStyle>
           <a:p>
-            <a:pPr/>
             <a:r>
               <a:t>泛型函数</a:t>
             </a:r>
@@ -5839,13 +5924,13 @@
   <p:clrMapOvr>
     <a:masterClrMapping/>
   </p:clrMapOvr>
-  <mc:AlternateContent xmlns:mc="http://schemas.openxmlformats.org/markup-compatibility/2006">
-    <mc:Choice xmlns:p14="http://schemas.microsoft.com/office/powerpoint/2010/main" Requires="p14">
-      <p:transition spd="slow" advClick="1" p14:dur="1200">
+  <mc:AlternateContent xmlns:mc="http://schemas.openxmlformats.org/markup-compatibility/2006" xmlns:p14="http://schemas.microsoft.com/office/powerpoint/2010/main">
+    <mc:Choice Requires="p14">
+      <p:transition spd="slow" p14:dur="1200">
         <p:dissolve/>
       </p:transition>
     </mc:Choice>
-    <mc:Fallback>
+    <mc:Fallback xmlns="">
       <p:transition spd="slow">
         <p:fade/>
       </p:transition>
@@ -5855,13 +5940,14 @@
 </file>
 
 <file path=ppt/slides/slide18.xml><?xml version="1.0" encoding="utf-8"?>
-<p:sld xmlns:a="http://schemas.openxmlformats.org/drawingml/2006/main" xmlns:r="http://schemas.openxmlformats.org/officeDocument/2006/relationships" xmlns:p="http://schemas.openxmlformats.org/presentationml/2006/main" showMasterSp="1" showMasterPhAnim="1">
+<p:sld xmlns:a="http://schemas.openxmlformats.org/drawingml/2006/main" xmlns:r="http://schemas.openxmlformats.org/officeDocument/2006/relationships" xmlns:p="http://schemas.openxmlformats.org/presentationml/2006/main">
   <p:cSld>
     <p:bg>
       <p:bgPr>
         <a:solidFill>
           <a:srgbClr val="739A98"/>
         </a:solidFill>
+        <a:effectLst/>
       </p:bgPr>
     </p:bg>
     <p:spTree>
@@ -5897,7 +5983,7 @@
           </a:ln>
           <a:extLst>
             <a:ext uri="{C572A759-6A51-4108-AA02-DFA0A04FC94B}">
-              <ma14:wrappingTextBoxFlag xmlns:ma14="http://schemas.microsoft.com/office/mac/drawingml/2011/main" val="1"/>
+              <ma14:wrappingTextBoxFlag xmlns:ma14="http://schemas.microsoft.com/office/mac/drawingml/2011/main" xmlns="" val="1"/>
             </a:ext>
           </a:extLst>
         </p:spPr>
@@ -5921,7 +6007,6 @@
             </a:lvl1pPr>
           </a:lstStyle>
           <a:p>
-            <a:pPr/>
             <a:r>
               <a:t>结论</a:t>
             </a:r>
@@ -5962,13 +6047,13 @@
   <p:clrMapOvr>
     <a:masterClrMapping/>
   </p:clrMapOvr>
-  <mc:AlternateContent xmlns:mc="http://schemas.openxmlformats.org/markup-compatibility/2006">
-    <mc:Choice xmlns:p14="http://schemas.microsoft.com/office/powerpoint/2010/main" Requires="p14">
-      <p:transition spd="slow" advClick="1" p14:dur="1200">
+  <mc:AlternateContent xmlns:mc="http://schemas.openxmlformats.org/markup-compatibility/2006" xmlns:p14="http://schemas.microsoft.com/office/powerpoint/2010/main">
+    <mc:Choice Requires="p14">
+      <p:transition spd="slow" p14:dur="1200">
         <p:dissolve/>
       </p:transition>
     </mc:Choice>
-    <mc:Fallback>
+    <mc:Fallback xmlns="">
       <p:transition spd="slow">
         <p:fade/>
       </p:transition>
@@ -5978,13 +6063,14 @@
 </file>
 
 <file path=ppt/slides/slide19.xml><?xml version="1.0" encoding="utf-8"?>
-<p:sld xmlns:a="http://schemas.openxmlformats.org/drawingml/2006/main" xmlns:r="http://schemas.openxmlformats.org/officeDocument/2006/relationships" xmlns:p="http://schemas.openxmlformats.org/presentationml/2006/main" showMasterSp="1" showMasterPhAnim="1">
+<p:sld xmlns:a="http://schemas.openxmlformats.org/drawingml/2006/main" xmlns:r="http://schemas.openxmlformats.org/officeDocument/2006/relationships" xmlns:p="http://schemas.openxmlformats.org/presentationml/2006/main">
   <p:cSld>
     <p:bg>
       <p:bgPr>
         <a:solidFill>
           <a:srgbClr val="739A98"/>
         </a:solidFill>
+        <a:effectLst/>
       </p:bgPr>
     </p:bg>
     <p:spTree>
@@ -6020,7 +6106,7 @@
           </a:ln>
           <a:extLst>
             <a:ext uri="{C572A759-6A51-4108-AA02-DFA0A04FC94B}">
-              <ma14:wrappingTextBoxFlag xmlns:ma14="http://schemas.microsoft.com/office/mac/drawingml/2011/main" val="1"/>
+              <ma14:wrappingTextBoxFlag xmlns:ma14="http://schemas.microsoft.com/office/mac/drawingml/2011/main" xmlns="" val="1"/>
             </a:ext>
           </a:extLst>
         </p:spPr>
@@ -6042,7 +6128,6 @@
             </a:lvl1pPr>
           </a:lstStyle>
           <a:p>
-            <a:pPr/>
             <a:r>
               <a:t>TypeScript 一些语法糖</a:t>
             </a:r>
@@ -6054,13 +6139,13 @@
   <p:clrMapOvr>
     <a:masterClrMapping/>
   </p:clrMapOvr>
-  <mc:AlternateContent xmlns:mc="http://schemas.openxmlformats.org/markup-compatibility/2006">
-    <mc:Choice xmlns:p14="http://schemas.microsoft.com/office/powerpoint/2010/main" Requires="p14">
-      <p:transition spd="slow" advClick="1" p14:dur="1200">
+  <mc:AlternateContent xmlns:mc="http://schemas.openxmlformats.org/markup-compatibility/2006" xmlns:p14="http://schemas.microsoft.com/office/powerpoint/2010/main">
+    <mc:Choice Requires="p14">
+      <p:transition spd="slow" p14:dur="1200">
         <p:dissolve/>
       </p:transition>
     </mc:Choice>
-    <mc:Fallback>
+    <mc:Fallback xmlns="">
       <p:transition spd="slow">
         <p:fade/>
       </p:transition>
@@ -6070,13 +6155,14 @@
 </file>
 
 <file path=ppt/slides/slide2.xml><?xml version="1.0" encoding="utf-8"?>
-<p:sld xmlns:a="http://schemas.openxmlformats.org/drawingml/2006/main" xmlns:r="http://schemas.openxmlformats.org/officeDocument/2006/relationships" xmlns:p="http://schemas.openxmlformats.org/presentationml/2006/main" showMasterSp="1" showMasterPhAnim="1">
+<p:sld xmlns:a="http://schemas.openxmlformats.org/drawingml/2006/main" xmlns:r="http://schemas.openxmlformats.org/officeDocument/2006/relationships" xmlns:p="http://schemas.openxmlformats.org/presentationml/2006/main">
   <p:cSld>
     <p:bg>
       <p:bgPr>
         <a:solidFill>
           <a:srgbClr val="739A98"/>
         </a:solidFill>
+        <a:effectLst/>
       </p:bgPr>
     </p:bg>
     <p:spTree>
@@ -6112,7 +6198,7 @@
           </a:ln>
           <a:extLst>
             <a:ext uri="{C572A759-6A51-4108-AA02-DFA0A04FC94B}">
-              <ma14:wrappingTextBoxFlag xmlns:ma14="http://schemas.microsoft.com/office/mac/drawingml/2011/main" val="1"/>
+              <ma14:wrappingTextBoxFlag xmlns:ma14="http://schemas.microsoft.com/office/mac/drawingml/2011/main" xmlns="" val="1"/>
             </a:ext>
           </a:extLst>
         </p:spPr>
@@ -6134,7 +6220,6 @@
             </a:lvl1pPr>
           </a:lstStyle>
           <a:p>
-            <a:pPr/>
             <a:r>
               <a:t>01</a:t>
             </a:r>
@@ -6160,7 +6245,7 @@
           </a:ln>
           <a:extLst>
             <a:ext uri="{C572A759-6A51-4108-AA02-DFA0A04FC94B}">
-              <ma14:wrappingTextBoxFlag xmlns:ma14="http://schemas.microsoft.com/office/mac/drawingml/2011/main" val="1"/>
+              <ma14:wrappingTextBoxFlag xmlns:ma14="http://schemas.microsoft.com/office/mac/drawingml/2011/main" xmlns="" val="1"/>
             </a:ext>
           </a:extLst>
         </p:spPr>
@@ -6182,7 +6267,6 @@
             </a:lvl1pPr>
           </a:lstStyle>
           <a:p>
-            <a:pPr/>
             <a:r>
               <a:t>02</a:t>
             </a:r>
@@ -6208,7 +6292,7 @@
           </a:ln>
           <a:extLst>
             <a:ext uri="{C572A759-6A51-4108-AA02-DFA0A04FC94B}">
-              <ma14:wrappingTextBoxFlag xmlns:ma14="http://schemas.microsoft.com/office/mac/drawingml/2011/main" val="1"/>
+              <ma14:wrappingTextBoxFlag xmlns:ma14="http://schemas.microsoft.com/office/mac/drawingml/2011/main" xmlns="" val="1"/>
             </a:ext>
           </a:extLst>
         </p:spPr>
@@ -6221,7 +6305,7 @@
               <a:lnSpc>
                 <a:spcPct val="130000"/>
               </a:lnSpc>
-              <a:defRPr b="1" sz="3600">
+              <a:defRPr sz="3600" b="1">
                 <a:solidFill>
                   <a:srgbClr val="FFFFFF"/>
                 </a:solidFill>
@@ -6233,10 +6317,19 @@
             </a:lvl1pPr>
           </a:lstStyle>
           <a:p>
-            <a:pPr/>
             <a:r>
-              <a:t>TypeScript 类型简单介绍</a:t>
+              <a:rPr dirty="0" err="1"/>
+              <a:t>TypeScript</a:t>
             </a:r>
+            <a:r>
+              <a:rPr dirty="0"/>
+              <a:t> </a:t>
+            </a:r>
+            <a:r>
+              <a:rPr dirty="0" err="1"/>
+              <a:t>类型简单介绍</a:t>
+            </a:r>
+            <a:endParaRPr dirty="0"/>
           </a:p>
         </p:txBody>
       </p:sp>
@@ -6259,7 +6352,7 @@
           </a:ln>
           <a:extLst>
             <a:ext uri="{C572A759-6A51-4108-AA02-DFA0A04FC94B}">
-              <ma14:wrappingTextBoxFlag xmlns:ma14="http://schemas.microsoft.com/office/mac/drawingml/2011/main" val="1"/>
+              <ma14:wrappingTextBoxFlag xmlns:ma14="http://schemas.microsoft.com/office/mac/drawingml/2011/main" xmlns="" val="1"/>
             </a:ext>
           </a:extLst>
         </p:spPr>
@@ -6272,7 +6365,7 @@
               <a:lnSpc>
                 <a:spcPct val="130000"/>
               </a:lnSpc>
-              <a:defRPr b="1" sz="3600">
+              <a:defRPr sz="3600" b="1">
                 <a:solidFill>
                   <a:srgbClr val="FFFFFF"/>
                 </a:solidFill>
@@ -6284,7 +6377,6 @@
             </a:lvl1pPr>
           </a:lstStyle>
           <a:p>
-            <a:pPr/>
             <a:r>
               <a:t>TypeScript 一些语法糖</a:t>
             </a:r>
@@ -6296,13 +6388,13 @@
   <p:clrMapOvr>
     <a:masterClrMapping/>
   </p:clrMapOvr>
-  <mc:AlternateContent xmlns:mc="http://schemas.openxmlformats.org/markup-compatibility/2006">
-    <mc:Choice xmlns:p14="http://schemas.microsoft.com/office/powerpoint/2010/main" Requires="p14">
-      <p:transition spd="slow" advClick="1" p14:dur="1200">
+  <mc:AlternateContent xmlns:mc="http://schemas.openxmlformats.org/markup-compatibility/2006" xmlns:p14="http://schemas.microsoft.com/office/powerpoint/2010/main">
+    <mc:Choice Requires="p14">
+      <p:transition spd="slow" p14:dur="1200">
         <p:dissolve/>
       </p:transition>
     </mc:Choice>
-    <mc:Fallback>
+    <mc:Fallback xmlns="">
       <p:transition spd="slow">
         <p:fade/>
       </p:transition>
@@ -6312,13 +6404,14 @@
 </file>
 
 <file path=ppt/slides/slide20.xml><?xml version="1.0" encoding="utf-8"?>
-<p:sld xmlns:a="http://schemas.openxmlformats.org/drawingml/2006/main" xmlns:r="http://schemas.openxmlformats.org/officeDocument/2006/relationships" xmlns:p="http://schemas.openxmlformats.org/presentationml/2006/main" showMasterSp="1" showMasterPhAnim="1">
+<p:sld xmlns:a="http://schemas.openxmlformats.org/drawingml/2006/main" xmlns:r="http://schemas.openxmlformats.org/officeDocument/2006/relationships" xmlns:p="http://schemas.openxmlformats.org/presentationml/2006/main">
   <p:cSld>
     <p:bg>
       <p:bgPr>
         <a:solidFill>
           <a:srgbClr val="739A98"/>
         </a:solidFill>
+        <a:effectLst/>
       </p:bgPr>
     </p:bg>
     <p:spTree>
@@ -6344,7 +6437,7 @@
         <p:spPr>
           <a:xfrm>
             <a:off x="927850" y="824231"/>
-            <a:ext cx="6016961" cy="726437"/>
+            <a:ext cx="6337654" cy="646327"/>
           </a:xfrm>
           <a:prstGeom prst="rect">
             <a:avLst/>
@@ -6354,12 +6447,12 @@
           </a:ln>
           <a:extLst>
             <a:ext uri="{C572A759-6A51-4108-AA02-DFA0A04FC94B}">
-              <ma14:wrappingTextBoxFlag xmlns:ma14="http://schemas.microsoft.com/office/mac/drawingml/2011/main" val="1"/>
+              <ma14:wrappingTextBoxFlag xmlns:ma14="http://schemas.microsoft.com/office/mac/drawingml/2011/main" xmlns="" val="1"/>
             </a:ext>
           </a:extLst>
         </p:spPr>
         <p:txBody>
-          <a:bodyPr lIns="45718" tIns="45718" rIns="45718" bIns="45718">
+          <a:bodyPr wrap="square" lIns="45718" tIns="45718" rIns="45718" bIns="45718">
             <a:spAutoFit/>
           </a:bodyPr>
           <a:lstStyle>
@@ -6378,85 +6471,454 @@
             </a:lvl1pPr>
           </a:lstStyle>
           <a:p>
-            <a:pPr/>
             <a:r>
-              <a:t>import require 与 export = </a:t>
+              <a:rPr dirty="0"/>
+              <a:t>import require </a:t>
             </a:r>
+            <a:r>
+              <a:rPr dirty="0" err="1"/>
+              <a:t>与</a:t>
+            </a:r>
+            <a:r>
+              <a:rPr dirty="0"/>
+              <a:t> export = </a:t>
+            </a:r>
+          </a:p>
+        </p:txBody>
+      </p:sp>
+      <p:pic>
+        <p:nvPicPr>
+          <p:cNvPr id="7" name="Picture 6">
+            <a:extLst>
+              <a:ext uri="{FF2B5EF4-FFF2-40B4-BE49-F238E27FC236}">
+                <a16:creationId xmlns:a16="http://schemas.microsoft.com/office/drawing/2014/main" id="{1A4891F2-0030-9343-8072-B25E8BF8EB9D}"/>
+              </a:ext>
+            </a:extLst>
+          </p:cNvPr>
+          <p:cNvPicPr>
+            <a:picLocks noChangeAspect="1"/>
+          </p:cNvPicPr>
+          <p:nvPr/>
+        </p:nvPicPr>
+        <p:blipFill>
+          <a:blip r:embed="rId2">
+            <a:extLst>
+              <a:ext uri="{28A0092B-C50C-407E-A947-70E740481C1C}">
+                <a14:useLocalDpi xmlns:a14="http://schemas.microsoft.com/office/drawing/2010/main" val="0"/>
+              </a:ext>
+            </a:extLst>
+          </a:blip>
+          <a:stretch>
+            <a:fillRect/>
+          </a:stretch>
+        </p:blipFill>
+        <p:spPr>
+          <a:xfrm>
+            <a:off x="5747578" y="2810564"/>
+            <a:ext cx="2730500" cy="1397000"/>
+          </a:xfrm>
+          <a:prstGeom prst="rect">
+            <a:avLst/>
+          </a:prstGeom>
+        </p:spPr>
+      </p:pic>
+      <p:sp>
+        <p:nvSpPr>
+          <p:cNvPr id="10" name="Line">
+            <a:extLst>
+              <a:ext uri="{FF2B5EF4-FFF2-40B4-BE49-F238E27FC236}">
+                <a16:creationId xmlns:a16="http://schemas.microsoft.com/office/drawing/2014/main" id="{A00EAEAB-9B96-F04E-98FB-E0CFB718389C}"/>
+              </a:ext>
+            </a:extLst>
+          </p:cNvPr>
+          <p:cNvSpPr/>
+          <p:nvPr/>
+        </p:nvSpPr>
+        <p:spPr>
+          <a:xfrm flipH="1">
+            <a:off x="5247860" y="4742500"/>
+            <a:ext cx="913807" cy="1211040"/>
+          </a:xfrm>
+          <a:prstGeom prst="line">
+            <a:avLst/>
+          </a:prstGeom>
+          <a:ln w="25400">
+            <a:solidFill>
+              <a:srgbClr val="FFFFFF"/>
+            </a:solidFill>
+            <a:tailEnd type="triangle"/>
+          </a:ln>
+          <a:effectLst>
+            <a:outerShdw blurRad="38100" dist="23000" dir="5400000" rotWithShape="0">
+              <a:srgbClr val="000000">
+                <a:alpha val="35000"/>
+              </a:srgbClr>
+            </a:outerShdw>
+          </a:effectLst>
+        </p:spPr>
+        <p:txBody>
+          <a:bodyPr lIns="45718" tIns="45718" rIns="45718" bIns="45718"/>
+          <a:lstStyle/>
+          <a:p>
+            <a:endParaRPr/>
           </a:p>
         </p:txBody>
       </p:sp>
       <p:sp>
         <p:nvSpPr>
-          <p:cNvPr id="203" name="import koa = require(‘Koa’)"/>
-          <p:cNvSpPr txBox="1"/>
+          <p:cNvPr id="11" name="Line">
+            <a:extLst>
+              <a:ext uri="{FF2B5EF4-FFF2-40B4-BE49-F238E27FC236}">
+                <a16:creationId xmlns:a16="http://schemas.microsoft.com/office/drawing/2014/main" id="{161F7253-6D7E-9F48-821A-790A7D2725AD}"/>
+              </a:ext>
+            </a:extLst>
+          </p:cNvPr>
+          <p:cNvSpPr/>
           <p:nvPr/>
         </p:nvSpPr>
         <p:spPr>
           <a:xfrm>
-            <a:off x="3833167" y="2489200"/>
-            <a:ext cx="4618634" cy="533401"/>
+            <a:off x="7981122" y="4742500"/>
+            <a:ext cx="914401" cy="1119809"/>
+          </a:xfrm>
+          <a:prstGeom prst="line">
+            <a:avLst/>
+          </a:prstGeom>
+          <a:ln w="25400">
+            <a:solidFill>
+              <a:srgbClr val="FFFFFF"/>
+            </a:solidFill>
+            <a:tailEnd type="triangle"/>
+          </a:ln>
+          <a:effectLst>
+            <a:outerShdw blurRad="38100" dist="23000" dir="5400000" rotWithShape="0">
+              <a:srgbClr val="000000">
+                <a:alpha val="35000"/>
+              </a:srgbClr>
+            </a:outerShdw>
+          </a:effectLst>
+        </p:spPr>
+        <p:txBody>
+          <a:bodyPr lIns="45718" tIns="45718" rIns="45718" bIns="45718"/>
+          <a:lstStyle/>
+          <a:p>
+            <a:endParaRPr/>
+          </a:p>
+        </p:txBody>
+      </p:sp>
+      <p:pic>
+        <p:nvPicPr>
+          <p:cNvPr id="13" name="Picture 12">
+            <a:extLst>
+              <a:ext uri="{FF2B5EF4-FFF2-40B4-BE49-F238E27FC236}">
+                <a16:creationId xmlns:a16="http://schemas.microsoft.com/office/drawing/2014/main" id="{E6A1EE22-9F9A-044E-804A-0EB0479F7C5C}"/>
+              </a:ext>
+            </a:extLst>
+          </p:cNvPr>
+          <p:cNvPicPr>
+            <a:picLocks noChangeAspect="1"/>
+          </p:cNvPicPr>
+          <p:nvPr/>
+        </p:nvPicPr>
+        <p:blipFill>
+          <a:blip r:embed="rId3">
+            <a:extLst>
+              <a:ext uri="{28A0092B-C50C-407E-A947-70E740481C1C}">
+                <a14:useLocalDpi xmlns:a14="http://schemas.microsoft.com/office/drawing/2010/main" val="0"/>
+              </a:ext>
+            </a:extLst>
+          </a:blip>
+          <a:stretch>
+            <a:fillRect/>
+          </a:stretch>
+        </p:blipFill>
+        <p:spPr>
+          <a:xfrm>
+            <a:off x="2751993" y="6763888"/>
+            <a:ext cx="4025900" cy="1943100"/>
           </a:xfrm>
           <a:prstGeom prst="rect">
             <a:avLst/>
           </a:prstGeom>
-          <a:ln w="12700">
-            <a:miter lim="400000"/>
-          </a:ln>
-          <a:extLst>
-            <a:ext uri="{C572A759-6A51-4108-AA02-DFA0A04FC94B}">
-              <ma14:wrappingTextBoxFlag xmlns:ma14="http://schemas.microsoft.com/office/mac/drawingml/2011/main" val="1"/>
-            </a:ext>
-          </a:extLst>
-        </p:spPr>
-        <p:txBody>
-          <a:bodyPr lIns="50800" tIns="50800" rIns="50800" bIns="50800" anchor="ctr">
-            <a:spAutoFit/>
-          </a:bodyPr>
-          <a:lstStyle>
-            <a:lvl1pPr>
-              <a:defRPr>
-                <a:solidFill>
-                  <a:srgbClr val="FFFFFF"/>
-                </a:solidFill>
-              </a:defRPr>
-            </a:lvl1pPr>
-          </a:lstStyle>
-          <a:p>
-            <a:pPr/>
-            <a:r>
-              <a:t>import koa = require(‘Koa’)</a:t>
-            </a:r>
-          </a:p>
-        </p:txBody>
-      </p:sp>
+        </p:spPr>
+      </p:pic>
+      <p:pic>
+        <p:nvPicPr>
+          <p:cNvPr id="17" name="Picture 16">
+            <a:extLst>
+              <a:ext uri="{FF2B5EF4-FFF2-40B4-BE49-F238E27FC236}">
+                <a16:creationId xmlns:a16="http://schemas.microsoft.com/office/drawing/2014/main" id="{6ECF1D3D-7F9F-754C-A50F-D02904E39A2A}"/>
+              </a:ext>
+            </a:extLst>
+          </p:cNvPr>
+          <p:cNvPicPr>
+            <a:picLocks noChangeAspect="1"/>
+          </p:cNvPicPr>
+          <p:nvPr/>
+        </p:nvPicPr>
+        <p:blipFill>
+          <a:blip r:embed="rId4">
+            <a:extLst>
+              <a:ext uri="{28A0092B-C50C-407E-A947-70E740481C1C}">
+                <a14:useLocalDpi xmlns:a14="http://schemas.microsoft.com/office/drawing/2010/main" val="0"/>
+              </a:ext>
+            </a:extLst>
+          </a:blip>
+          <a:stretch>
+            <a:fillRect/>
+          </a:stretch>
+        </p:blipFill>
+        <p:spPr>
+          <a:xfrm>
+            <a:off x="8154781" y="7011538"/>
+            <a:ext cx="2882900" cy="1447800"/>
+          </a:xfrm>
+          <a:prstGeom prst="rect">
+            <a:avLst/>
+          </a:prstGeom>
+        </p:spPr>
+      </p:pic>
     </p:spTree>
   </p:cSld>
   <p:clrMapOvr>
     <a:masterClrMapping/>
   </p:clrMapOvr>
-  <mc:AlternateContent xmlns:mc="http://schemas.openxmlformats.org/markup-compatibility/2006">
-    <mc:Choice xmlns:p14="http://schemas.microsoft.com/office/powerpoint/2010/main" Requires="p14">
-      <p:transition spd="slow" advClick="1" p14:dur="1500">
+  <mc:AlternateContent xmlns:mc="http://schemas.openxmlformats.org/markup-compatibility/2006" xmlns:p14="http://schemas.microsoft.com/office/powerpoint/2010/main">
+    <mc:Choice Requires="p14">
+      <p:transition spd="slow" p14:dur="1500">
         <p:dissolve/>
       </p:transition>
     </mc:Choice>
-    <mc:Fallback>
+    <mc:Fallback xmlns="">
       <p:transition spd="slow">
         <p:fade/>
       </p:transition>
     </mc:Fallback>
   </mc:AlternateContent>
+  <p:timing>
+    <p:tnLst>
+      <p:par>
+        <p:cTn id="1" dur="indefinite" restart="never" nodeType="tmRoot">
+          <p:childTnLst>
+            <p:seq concurrent="1" nextAc="seek">
+              <p:cTn id="2" dur="indefinite" nodeType="mainSeq">
+                <p:childTnLst>
+                  <p:par>
+                    <p:cTn id="3" fill="hold">
+                      <p:stCondLst>
+                        <p:cond delay="indefinite"/>
+                      </p:stCondLst>
+                      <p:childTnLst>
+                        <p:par>
+                          <p:cTn id="4" fill="hold">
+                            <p:stCondLst>
+                              <p:cond delay="0"/>
+                            </p:stCondLst>
+                            <p:childTnLst>
+                              <p:par>
+                                <p:cTn id="5" presetID="1" presetClass="entr" presetSubtype="0" fill="hold" grpId="0" nodeType="clickEffect">
+                                  <p:stCondLst>
+                                    <p:cond delay="0"/>
+                                  </p:stCondLst>
+                                  <p:iterate>
+                                    <p:tmAbs val="0"/>
+                                  </p:iterate>
+                                  <p:childTnLst>
+                                    <p:set>
+                                      <p:cBhvr>
+                                        <p:cTn id="6" fill="hold"/>
+                                        <p:tgtEl>
+                                          <p:spTgt spid="10"/>
+                                        </p:tgtEl>
+                                        <p:attrNameLst>
+                                          <p:attrName>style.visibility</p:attrName>
+                                        </p:attrNameLst>
+                                      </p:cBhvr>
+                                      <p:to>
+                                        <p:strVal val="visible"/>
+                                      </p:to>
+                                    </p:set>
+                                  </p:childTnLst>
+                                </p:cTn>
+                              </p:par>
+                            </p:childTnLst>
+                          </p:cTn>
+                        </p:par>
+                      </p:childTnLst>
+                    </p:cTn>
+                  </p:par>
+                  <p:par>
+                    <p:cTn id="7" fill="hold">
+                      <p:stCondLst>
+                        <p:cond delay="indefinite"/>
+                      </p:stCondLst>
+                      <p:childTnLst>
+                        <p:par>
+                          <p:cTn id="8" fill="hold">
+                            <p:stCondLst>
+                              <p:cond delay="0"/>
+                            </p:stCondLst>
+                            <p:childTnLst>
+                              <p:par>
+                                <p:cTn id="9" presetID="1" presetClass="entr" presetSubtype="0" fill="hold" nodeType="clickEffect">
+                                  <p:stCondLst>
+                                    <p:cond delay="0"/>
+                                  </p:stCondLst>
+                                  <p:childTnLst>
+                                    <p:set>
+                                      <p:cBhvr>
+                                        <p:cTn id="10" dur="1" fill="hold">
+                                          <p:stCondLst>
+                                            <p:cond delay="0"/>
+                                          </p:stCondLst>
+                                        </p:cTn>
+                                        <p:tgtEl>
+                                          <p:spTgt spid="13"/>
+                                        </p:tgtEl>
+                                        <p:attrNameLst>
+                                          <p:attrName>style.visibility</p:attrName>
+                                        </p:attrNameLst>
+                                      </p:cBhvr>
+                                      <p:to>
+                                        <p:strVal val="visible"/>
+                                      </p:to>
+                                    </p:set>
+                                  </p:childTnLst>
+                                </p:cTn>
+                              </p:par>
+                            </p:childTnLst>
+                          </p:cTn>
+                        </p:par>
+                      </p:childTnLst>
+                    </p:cTn>
+                  </p:par>
+                  <p:par>
+                    <p:cTn id="11" fill="hold">
+                      <p:stCondLst>
+                        <p:cond delay="indefinite"/>
+                      </p:stCondLst>
+                      <p:childTnLst>
+                        <p:par>
+                          <p:cTn id="12" fill="hold">
+                            <p:stCondLst>
+                              <p:cond delay="0"/>
+                            </p:stCondLst>
+                            <p:childTnLst>
+                              <p:par>
+                                <p:cTn id="13" presetID="1" presetClass="entr" presetSubtype="0" fill="hold" grpId="0" nodeType="clickEffect">
+                                  <p:stCondLst>
+                                    <p:cond delay="0"/>
+                                  </p:stCondLst>
+                                  <p:iterate>
+                                    <p:tmAbs val="0"/>
+                                  </p:iterate>
+                                  <p:childTnLst>
+                                    <p:set>
+                                      <p:cBhvr>
+                                        <p:cTn id="14" fill="hold"/>
+                                        <p:tgtEl>
+                                          <p:spTgt spid="11"/>
+                                        </p:tgtEl>
+                                        <p:attrNameLst>
+                                          <p:attrName>style.visibility</p:attrName>
+                                        </p:attrNameLst>
+                                      </p:cBhvr>
+                                      <p:to>
+                                        <p:strVal val="visible"/>
+                                      </p:to>
+                                    </p:set>
+                                  </p:childTnLst>
+                                </p:cTn>
+                              </p:par>
+                            </p:childTnLst>
+                          </p:cTn>
+                        </p:par>
+                      </p:childTnLst>
+                    </p:cTn>
+                  </p:par>
+                  <p:par>
+                    <p:cTn id="15" fill="hold">
+                      <p:stCondLst>
+                        <p:cond delay="indefinite"/>
+                      </p:stCondLst>
+                      <p:childTnLst>
+                        <p:par>
+                          <p:cTn id="16" fill="hold">
+                            <p:stCondLst>
+                              <p:cond delay="0"/>
+                            </p:stCondLst>
+                            <p:childTnLst>
+                              <p:par>
+                                <p:cTn id="17" presetID="1" presetClass="entr" presetSubtype="0" fill="hold" nodeType="clickEffect">
+                                  <p:stCondLst>
+                                    <p:cond delay="0"/>
+                                  </p:stCondLst>
+                                  <p:childTnLst>
+                                    <p:set>
+                                      <p:cBhvr>
+                                        <p:cTn id="18" dur="1" fill="hold">
+                                          <p:stCondLst>
+                                            <p:cond delay="0"/>
+                                          </p:stCondLst>
+                                        </p:cTn>
+                                        <p:tgtEl>
+                                          <p:spTgt spid="17"/>
+                                        </p:tgtEl>
+                                        <p:attrNameLst>
+                                          <p:attrName>style.visibility</p:attrName>
+                                        </p:attrNameLst>
+                                      </p:cBhvr>
+                                      <p:to>
+                                        <p:strVal val="visible"/>
+                                      </p:to>
+                                    </p:set>
+                                  </p:childTnLst>
+                                </p:cTn>
+                              </p:par>
+                            </p:childTnLst>
+                          </p:cTn>
+                        </p:par>
+                      </p:childTnLst>
+                    </p:cTn>
+                  </p:par>
+                </p:childTnLst>
+              </p:cTn>
+              <p:prevCondLst>
+                <p:cond evt="onPrev" delay="0">
+                  <p:tgtEl>
+                    <p:sldTgt/>
+                  </p:tgtEl>
+                </p:cond>
+              </p:prevCondLst>
+              <p:nextCondLst>
+                <p:cond evt="onNext" delay="0">
+                  <p:tgtEl>
+                    <p:sldTgt/>
+                  </p:tgtEl>
+                </p:cond>
+              </p:nextCondLst>
+            </p:seq>
+          </p:childTnLst>
+        </p:cTn>
+      </p:par>
+    </p:tnLst>
+    <p:bldLst>
+      <p:bldP spid="10" grpId="0" animBg="1" advAuto="0"/>
+      <p:bldP spid="11" grpId="0" animBg="1" advAuto="0"/>
+    </p:bldLst>
+  </p:timing>
 </p:sld>
 </file>
 
 <file path=ppt/slides/slide21.xml><?xml version="1.0" encoding="utf-8"?>
-<p:sld xmlns:a="http://schemas.openxmlformats.org/drawingml/2006/main" xmlns:r="http://schemas.openxmlformats.org/officeDocument/2006/relationships" xmlns:p="http://schemas.openxmlformats.org/presentationml/2006/main" showMasterSp="1" showMasterPhAnim="1">
+<p:sld xmlns:a="http://schemas.openxmlformats.org/drawingml/2006/main" xmlns:r="http://schemas.openxmlformats.org/officeDocument/2006/relationships" xmlns:p="http://schemas.openxmlformats.org/presentationml/2006/main">
   <p:cSld>
     <p:bg>
       <p:bgPr>
         <a:solidFill>
           <a:srgbClr val="739A98"/>
         </a:solidFill>
+        <a:effectLst/>
       </p:bgPr>
     </p:bg>
     <p:spTree>
@@ -6481,8 +6943,8 @@
         </p:nvSpPr>
         <p:spPr>
           <a:xfrm>
-            <a:off x="927850" y="824231"/>
-            <a:ext cx="6016961" cy="637537"/>
+            <a:off x="5678958" y="918500"/>
+            <a:ext cx="2248984" cy="646327"/>
           </a:xfrm>
           <a:prstGeom prst="rect">
             <a:avLst/>
@@ -6492,12 +6954,12 @@
           </a:ln>
           <a:extLst>
             <a:ext uri="{C572A759-6A51-4108-AA02-DFA0A04FC94B}">
-              <ma14:wrappingTextBoxFlag xmlns:ma14="http://schemas.microsoft.com/office/mac/drawingml/2011/main" val="1"/>
+              <ma14:wrappingTextBoxFlag xmlns:ma14="http://schemas.microsoft.com/office/mac/drawingml/2011/main" xmlns="" val="1"/>
             </a:ext>
           </a:extLst>
         </p:spPr>
         <p:txBody>
-          <a:bodyPr lIns="45718" tIns="45718" rIns="45718" bIns="45718">
+          <a:bodyPr wrap="square" lIns="45718" tIns="45718" rIns="45718" bIns="45718">
             <a:spAutoFit/>
           </a:bodyPr>
           <a:lstStyle>
@@ -6516,25 +6978,149 @@
             </a:lvl1pPr>
           </a:lstStyle>
           <a:p>
-            <a:pPr/>
+            <a:pPr marL="0" indent="0" algn="ctr">
+              <a:buNone/>
+            </a:pPr>
             <a:r>
-              <a:t>keyof</a:t>
+              <a:rPr lang="en-US" altLang="zh-Hans" dirty="0"/>
+              <a:t>export</a:t>
             </a:r>
+            <a:r>
+              <a:rPr lang="zh-Hans" altLang="en-US" dirty="0"/>
+              <a:t> </a:t>
+            </a:r>
+            <a:r>
+              <a:rPr lang="en-US" altLang="zh-Hans" dirty="0"/>
+              <a:t>=</a:t>
+            </a:r>
+            <a:r>
+              <a:rPr lang="zh-Hans" altLang="en-US" dirty="0"/>
+              <a:t> </a:t>
+            </a:r>
+            <a:endParaRPr dirty="0"/>
           </a:p>
         </p:txBody>
       </p:sp>
+      <p:pic>
+        <p:nvPicPr>
+          <p:cNvPr id="3" name="Picture 2">
+            <a:extLst>
+              <a:ext uri="{FF2B5EF4-FFF2-40B4-BE49-F238E27FC236}">
+                <a16:creationId xmlns:a16="http://schemas.microsoft.com/office/drawing/2014/main" id="{CAC4796B-E510-A041-B5F2-4BA4A16E3124}"/>
+              </a:ext>
+            </a:extLst>
+          </p:cNvPr>
+          <p:cNvPicPr>
+            <a:picLocks noChangeAspect="1"/>
+          </p:cNvPicPr>
+          <p:nvPr/>
+        </p:nvPicPr>
+        <p:blipFill>
+          <a:blip r:embed="rId2">
+            <a:extLst>
+              <a:ext uri="{28A0092B-C50C-407E-A947-70E740481C1C}">
+                <a14:useLocalDpi xmlns:a14="http://schemas.microsoft.com/office/drawing/2010/main" val="0"/>
+              </a:ext>
+            </a:extLst>
+          </a:blip>
+          <a:stretch>
+            <a:fillRect/>
+          </a:stretch>
+        </p:blipFill>
+        <p:spPr>
+          <a:xfrm>
+            <a:off x="2887155" y="3085903"/>
+            <a:ext cx="2933700" cy="1397000"/>
+          </a:xfrm>
+          <a:prstGeom prst="rect">
+            <a:avLst/>
+          </a:prstGeom>
+        </p:spPr>
+      </p:pic>
+      <p:pic>
+        <p:nvPicPr>
+          <p:cNvPr id="7" name="Picture 6">
+            <a:extLst>
+              <a:ext uri="{FF2B5EF4-FFF2-40B4-BE49-F238E27FC236}">
+                <a16:creationId xmlns:a16="http://schemas.microsoft.com/office/drawing/2014/main" id="{819CA834-0D3E-FF4E-BE09-AF34D7AC4870}"/>
+              </a:ext>
+            </a:extLst>
+          </p:cNvPr>
+          <p:cNvPicPr>
+            <a:picLocks noChangeAspect="1"/>
+          </p:cNvPicPr>
+          <p:nvPr/>
+        </p:nvPicPr>
+        <p:blipFill>
+          <a:blip r:embed="rId3">
+            <a:extLst>
+              <a:ext uri="{28A0092B-C50C-407E-A947-70E740481C1C}">
+                <a14:useLocalDpi xmlns:a14="http://schemas.microsoft.com/office/drawing/2010/main" val="0"/>
+              </a:ext>
+            </a:extLst>
+          </a:blip>
+          <a:stretch>
+            <a:fillRect/>
+          </a:stretch>
+        </p:blipFill>
+        <p:spPr>
+          <a:xfrm>
+            <a:off x="7927942" y="3069144"/>
+            <a:ext cx="3454400" cy="1409700"/>
+          </a:xfrm>
+          <a:prstGeom prst="rect">
+            <a:avLst/>
+          </a:prstGeom>
+        </p:spPr>
+      </p:pic>
+      <p:pic>
+        <p:nvPicPr>
+          <p:cNvPr id="9" name="Picture 8">
+            <a:extLst>
+              <a:ext uri="{FF2B5EF4-FFF2-40B4-BE49-F238E27FC236}">
+                <a16:creationId xmlns:a16="http://schemas.microsoft.com/office/drawing/2014/main" id="{C3CCE575-4A0E-9445-9DCB-45A9EB51ED6A}"/>
+              </a:ext>
+            </a:extLst>
+          </p:cNvPr>
+          <p:cNvPicPr>
+            <a:picLocks noChangeAspect="1"/>
+          </p:cNvPicPr>
+          <p:nvPr/>
+        </p:nvPicPr>
+        <p:blipFill>
+          <a:blip r:embed="rId4">
+            <a:extLst>
+              <a:ext uri="{28A0092B-C50C-407E-A947-70E740481C1C}">
+                <a14:useLocalDpi xmlns:a14="http://schemas.microsoft.com/office/drawing/2010/main" val="0"/>
+              </a:ext>
+            </a:extLst>
+          </a:blip>
+          <a:stretch>
+            <a:fillRect/>
+          </a:stretch>
+        </p:blipFill>
+        <p:spPr>
+          <a:xfrm>
+            <a:off x="5450900" y="5983161"/>
+            <a:ext cx="2705100" cy="1993900"/>
+          </a:xfrm>
+          <a:prstGeom prst="rect">
+            <a:avLst/>
+          </a:prstGeom>
+        </p:spPr>
+      </p:pic>
     </p:spTree>
   </p:cSld>
   <p:clrMapOvr>
     <a:masterClrMapping/>
   </p:clrMapOvr>
-  <mc:AlternateContent xmlns:mc="http://schemas.openxmlformats.org/markup-compatibility/2006">
-    <mc:Choice xmlns:p14="http://schemas.microsoft.com/office/powerpoint/2010/main" Requires="p14">
-      <p:transition spd="slow" advClick="1" p14:dur="1500">
+  <mc:AlternateContent xmlns:mc="http://schemas.openxmlformats.org/markup-compatibility/2006" xmlns:p14="http://schemas.microsoft.com/office/powerpoint/2010/main">
+    <mc:Choice Requires="p14">
+      <p:transition spd="slow" p14:dur="1500">
         <p:dissolve/>
       </p:transition>
     </mc:Choice>
-    <mc:Fallback>
+    <mc:Fallback xmlns="">
       <p:transition spd="slow">
         <p:fade/>
       </p:transition>
@@ -6544,13 +7130,14 @@
 </file>
 
 <file path=ppt/slides/slide22.xml><?xml version="1.0" encoding="utf-8"?>
-<p:sld xmlns:a="http://schemas.openxmlformats.org/drawingml/2006/main" xmlns:r="http://schemas.openxmlformats.org/officeDocument/2006/relationships" xmlns:p="http://schemas.openxmlformats.org/presentationml/2006/main" showMasterSp="1" showMasterPhAnim="1">
+<p:sld xmlns:a="http://schemas.openxmlformats.org/drawingml/2006/main" xmlns:r="http://schemas.openxmlformats.org/officeDocument/2006/relationships" xmlns:p="http://schemas.openxmlformats.org/presentationml/2006/main">
   <p:cSld>
     <p:bg>
       <p:bgPr>
         <a:solidFill>
           <a:srgbClr val="739A98"/>
         </a:solidFill>
+        <a:effectLst/>
       </p:bgPr>
     </p:bg>
     <p:spTree>
@@ -6576,7 +7163,7 @@
         <p:spPr>
           <a:xfrm>
             <a:off x="927850" y="824231"/>
-            <a:ext cx="8149222" cy="726437"/>
+            <a:ext cx="8149222" cy="646327"/>
           </a:xfrm>
           <a:prstGeom prst="rect">
             <a:avLst/>
@@ -6586,7 +7173,7 @@
           </a:ln>
           <a:extLst>
             <a:ext uri="{C572A759-6A51-4108-AA02-DFA0A04FC94B}">
-              <ma14:wrappingTextBoxFlag xmlns:ma14="http://schemas.microsoft.com/office/mac/drawingml/2011/main" val="1"/>
+              <ma14:wrappingTextBoxFlag xmlns:ma14="http://schemas.microsoft.com/office/mac/drawingml/2011/main" xmlns="" val="1"/>
             </a:ext>
           </a:extLst>
         </p:spPr>
@@ -6610,25 +7197,214 @@
             </a:lvl1pPr>
           </a:lstStyle>
           <a:p>
-            <a:pPr/>
             <a:r>
-              <a:t>Partial、Readonly、Record、Pick</a:t>
+              <a:rPr dirty="0" err="1"/>
+              <a:t>Partial、Readonly、Pick</a:t>
             </a:r>
+            <a:r>
+              <a:rPr lang="zh-Hans" altLang="en-US" dirty="0"/>
+              <a:t>、</a:t>
+            </a:r>
+            <a:r>
+              <a:rPr lang="en-US" dirty="0"/>
+              <a:t>Record</a:t>
+            </a:r>
+            <a:endParaRPr dirty="0"/>
           </a:p>
         </p:txBody>
       </p:sp>
+      <p:pic>
+        <p:nvPicPr>
+          <p:cNvPr id="3" name="Picture 2">
+            <a:extLst>
+              <a:ext uri="{FF2B5EF4-FFF2-40B4-BE49-F238E27FC236}">
+                <a16:creationId xmlns:a16="http://schemas.microsoft.com/office/drawing/2014/main" id="{0982AA33-650C-574A-B433-DF478FEBA74C}"/>
+              </a:ext>
+            </a:extLst>
+          </p:cNvPr>
+          <p:cNvPicPr>
+            <a:picLocks noChangeAspect="1"/>
+          </p:cNvPicPr>
+          <p:nvPr/>
+        </p:nvPicPr>
+        <p:blipFill>
+          <a:blip r:embed="rId2">
+            <a:extLst>
+              <a:ext uri="{28A0092B-C50C-407E-A947-70E740481C1C}">
+                <a14:useLocalDpi xmlns:a14="http://schemas.microsoft.com/office/drawing/2010/main" val="0"/>
+              </a:ext>
+            </a:extLst>
+          </a:blip>
+          <a:stretch>
+            <a:fillRect/>
+          </a:stretch>
+        </p:blipFill>
+        <p:spPr>
+          <a:xfrm>
+            <a:off x="5936016" y="4760773"/>
+            <a:ext cx="2476500" cy="1930400"/>
+          </a:xfrm>
+          <a:prstGeom prst="rect">
+            <a:avLst/>
+          </a:prstGeom>
+        </p:spPr>
+      </p:pic>
+      <p:pic>
+        <p:nvPicPr>
+          <p:cNvPr id="7" name="Picture 6">
+            <a:extLst>
+              <a:ext uri="{FF2B5EF4-FFF2-40B4-BE49-F238E27FC236}">
+                <a16:creationId xmlns:a16="http://schemas.microsoft.com/office/drawing/2014/main" id="{AB09C242-91C1-AC40-9CD7-F57496BF0646}"/>
+              </a:ext>
+            </a:extLst>
+          </p:cNvPr>
+          <p:cNvPicPr>
+            <a:picLocks noChangeAspect="1"/>
+          </p:cNvPicPr>
+          <p:nvPr/>
+        </p:nvPicPr>
+        <p:blipFill>
+          <a:blip r:embed="rId3">
+            <a:extLst>
+              <a:ext uri="{28A0092B-C50C-407E-A947-70E740481C1C}">
+                <a14:useLocalDpi xmlns:a14="http://schemas.microsoft.com/office/drawing/2010/main" val="0"/>
+              </a:ext>
+            </a:extLst>
+          </a:blip>
+          <a:stretch>
+            <a:fillRect/>
+          </a:stretch>
+        </p:blipFill>
+        <p:spPr>
+          <a:xfrm>
+            <a:off x="1760245" y="1932019"/>
+            <a:ext cx="2853713" cy="2699736"/>
+          </a:xfrm>
+          <a:prstGeom prst="rect">
+            <a:avLst/>
+          </a:prstGeom>
+        </p:spPr>
+      </p:pic>
+      <p:pic>
+        <p:nvPicPr>
+          <p:cNvPr id="9" name="Picture 8">
+            <a:extLst>
+              <a:ext uri="{FF2B5EF4-FFF2-40B4-BE49-F238E27FC236}">
+                <a16:creationId xmlns:a16="http://schemas.microsoft.com/office/drawing/2014/main" id="{A27599FC-C607-6C47-BA38-7B2256DC934E}"/>
+              </a:ext>
+            </a:extLst>
+          </p:cNvPr>
+          <p:cNvPicPr>
+            <a:picLocks noChangeAspect="1"/>
+          </p:cNvPicPr>
+          <p:nvPr/>
+        </p:nvPicPr>
+        <p:blipFill>
+          <a:blip r:embed="rId4">
+            <a:extLst>
+              <a:ext uri="{28A0092B-C50C-407E-A947-70E740481C1C}">
+                <a14:useLocalDpi xmlns:a14="http://schemas.microsoft.com/office/drawing/2010/main" val="0"/>
+              </a:ext>
+            </a:extLst>
+          </a:blip>
+          <a:stretch>
+            <a:fillRect/>
+          </a:stretch>
+        </p:blipFill>
+        <p:spPr>
+          <a:xfrm>
+            <a:off x="9543496" y="1933899"/>
+            <a:ext cx="3095562" cy="2699736"/>
+          </a:xfrm>
+          <a:prstGeom prst="rect">
+            <a:avLst/>
+          </a:prstGeom>
+        </p:spPr>
+      </p:pic>
+      <p:pic>
+        <p:nvPicPr>
+          <p:cNvPr id="11" name="Picture 10">
+            <a:extLst>
+              <a:ext uri="{FF2B5EF4-FFF2-40B4-BE49-F238E27FC236}">
+                <a16:creationId xmlns:a16="http://schemas.microsoft.com/office/drawing/2014/main" id="{C0AC8491-3BB6-0C42-BD34-CCF5E1AA2F4B}"/>
+              </a:ext>
+            </a:extLst>
+          </p:cNvPr>
+          <p:cNvPicPr>
+            <a:picLocks noChangeAspect="1"/>
+          </p:cNvPicPr>
+          <p:nvPr/>
+        </p:nvPicPr>
+        <p:blipFill>
+          <a:blip r:embed="rId5">
+            <a:extLst>
+              <a:ext uri="{28A0092B-C50C-407E-A947-70E740481C1C}">
+                <a14:useLocalDpi xmlns:a14="http://schemas.microsoft.com/office/drawing/2010/main" val="0"/>
+              </a:ext>
+            </a:extLst>
+          </a:blip>
+          <a:stretch>
+            <a:fillRect/>
+          </a:stretch>
+        </p:blipFill>
+        <p:spPr>
+          <a:xfrm>
+            <a:off x="1498304" y="7617040"/>
+            <a:ext cx="3115654" cy="1866345"/>
+          </a:xfrm>
+          <a:prstGeom prst="rect">
+            <a:avLst/>
+          </a:prstGeom>
+        </p:spPr>
+      </p:pic>
+      <p:pic>
+        <p:nvPicPr>
+          <p:cNvPr id="13" name="Picture 12">
+            <a:extLst>
+              <a:ext uri="{FF2B5EF4-FFF2-40B4-BE49-F238E27FC236}">
+                <a16:creationId xmlns:a16="http://schemas.microsoft.com/office/drawing/2014/main" id="{D3551A8E-CAD6-5E4B-ABEC-E793EE420E57}"/>
+              </a:ext>
+            </a:extLst>
+          </p:cNvPr>
+          <p:cNvPicPr>
+            <a:picLocks noChangeAspect="1"/>
+          </p:cNvPicPr>
+          <p:nvPr/>
+        </p:nvPicPr>
+        <p:blipFill>
+          <a:blip r:embed="rId6">
+            <a:extLst>
+              <a:ext uri="{28A0092B-C50C-407E-A947-70E740481C1C}">
+                <a14:useLocalDpi xmlns:a14="http://schemas.microsoft.com/office/drawing/2010/main" val="0"/>
+              </a:ext>
+            </a:extLst>
+          </a:blip>
+          <a:stretch>
+            <a:fillRect/>
+          </a:stretch>
+        </p:blipFill>
+        <p:spPr>
+          <a:xfrm>
+            <a:off x="9543496" y="7448364"/>
+            <a:ext cx="3147316" cy="2248083"/>
+          </a:xfrm>
+          <a:prstGeom prst="rect">
+            <a:avLst/>
+          </a:prstGeom>
+        </p:spPr>
+      </p:pic>
     </p:spTree>
   </p:cSld>
   <p:clrMapOvr>
     <a:masterClrMapping/>
   </p:clrMapOvr>
-  <mc:AlternateContent xmlns:mc="http://schemas.openxmlformats.org/markup-compatibility/2006">
-    <mc:Choice xmlns:p14="http://schemas.microsoft.com/office/powerpoint/2010/main" Requires="p14">
-      <p:transition spd="slow" advClick="1" p14:dur="1500">
+  <mc:AlternateContent xmlns:mc="http://schemas.openxmlformats.org/markup-compatibility/2006" xmlns:p14="http://schemas.microsoft.com/office/powerpoint/2010/main">
+    <mc:Choice Requires="p14">
+      <p:transition spd="slow" p14:dur="1500">
         <p:dissolve/>
       </p:transition>
     </mc:Choice>
-    <mc:Fallback>
+    <mc:Fallback xmlns="">
       <p:transition spd="slow">
         <p:fade/>
       </p:transition>
@@ -6638,13 +7414,14 @@
 </file>
 
 <file path=ppt/slides/slide23.xml><?xml version="1.0" encoding="utf-8"?>
-<p:sld xmlns:a="http://schemas.openxmlformats.org/drawingml/2006/main" xmlns:r="http://schemas.openxmlformats.org/officeDocument/2006/relationships" xmlns:p="http://schemas.openxmlformats.org/presentationml/2006/main" showMasterSp="1" showMasterPhAnim="1">
+<p:sld xmlns:a="http://schemas.openxmlformats.org/drawingml/2006/main" xmlns:r="http://schemas.openxmlformats.org/officeDocument/2006/relationships" xmlns:p="http://schemas.openxmlformats.org/presentationml/2006/main">
   <p:cSld>
     <p:bg>
       <p:bgPr>
         <a:solidFill>
           <a:srgbClr val="739A98"/>
         </a:solidFill>
+        <a:effectLst/>
       </p:bgPr>
     </p:bg>
     <p:spTree>
@@ -6680,7 +7457,7 @@
           </a:ln>
           <a:extLst>
             <a:ext uri="{C572A759-6A51-4108-AA02-DFA0A04FC94B}">
-              <ma14:wrappingTextBoxFlag xmlns:ma14="http://schemas.microsoft.com/office/mac/drawingml/2011/main" val="1"/>
+              <ma14:wrappingTextBoxFlag xmlns:ma14="http://schemas.microsoft.com/office/mac/drawingml/2011/main" xmlns="" val="1"/>
             </a:ext>
           </a:extLst>
         </p:spPr>
@@ -6702,7 +7479,6 @@
             </a:lvl1pPr>
           </a:lstStyle>
           <a:p>
-            <a:pPr/>
             <a:r>
               <a:t>Q&amp;A</a:t>
             </a:r>
@@ -6714,13 +7490,13 @@
   <p:clrMapOvr>
     <a:masterClrMapping/>
   </p:clrMapOvr>
-  <mc:AlternateContent xmlns:mc="http://schemas.openxmlformats.org/markup-compatibility/2006">
-    <mc:Choice xmlns:p14="http://schemas.microsoft.com/office/powerpoint/2010/main" Requires="p14">
-      <p:transition spd="slow" advClick="1" p14:dur="1500">
+  <mc:AlternateContent xmlns:mc="http://schemas.openxmlformats.org/markup-compatibility/2006" xmlns:p14="http://schemas.microsoft.com/office/powerpoint/2010/main">
+    <mc:Choice Requires="p14">
+      <p:transition spd="slow" p14:dur="1500">
         <p:dissolve/>
       </p:transition>
     </mc:Choice>
-    <mc:Fallback>
+    <mc:Fallback xmlns="">
       <p:transition spd="slow">
         <p:fade/>
       </p:transition>
@@ -6730,13 +7506,14 @@
 </file>
 
 <file path=ppt/slides/slide24.xml><?xml version="1.0" encoding="utf-8"?>
-<p:sld xmlns:a="http://schemas.openxmlformats.org/drawingml/2006/main" xmlns:r="http://schemas.openxmlformats.org/officeDocument/2006/relationships" xmlns:p="http://schemas.openxmlformats.org/presentationml/2006/main" showMasterSp="1" showMasterPhAnim="1">
+<p:sld xmlns:a="http://schemas.openxmlformats.org/drawingml/2006/main" xmlns:r="http://schemas.openxmlformats.org/officeDocument/2006/relationships" xmlns:p="http://schemas.openxmlformats.org/presentationml/2006/main">
   <p:cSld>
     <p:bg>
       <p:bgPr>
         <a:solidFill>
           <a:srgbClr val="739A98"/>
         </a:solidFill>
+        <a:effectLst/>
       </p:bgPr>
     </p:bg>
     <p:spTree>
@@ -6772,7 +7549,7 @@
           </a:ln>
           <a:extLst>
             <a:ext uri="{C572A759-6A51-4108-AA02-DFA0A04FC94B}">
-              <ma14:wrappingTextBoxFlag xmlns:ma14="http://schemas.microsoft.com/office/mac/drawingml/2011/main" val="1"/>
+              <ma14:wrappingTextBoxFlag xmlns:ma14="http://schemas.microsoft.com/office/mac/drawingml/2011/main" xmlns="" val="1"/>
             </a:ext>
           </a:extLst>
         </p:spPr>
@@ -6794,7 +7571,6 @@
             </a:lvl1pPr>
           </a:lstStyle>
           <a:p>
-            <a:pPr/>
             <a:r>
               <a:t>THINKS</a:t>
             </a:r>
@@ -6806,13 +7582,13 @@
   <p:clrMapOvr>
     <a:masterClrMapping/>
   </p:clrMapOvr>
-  <mc:AlternateContent xmlns:mc="http://schemas.openxmlformats.org/markup-compatibility/2006">
-    <mc:Choice xmlns:p14="http://schemas.microsoft.com/office/powerpoint/2010/main" Requires="p14">
-      <p:transition spd="slow" advClick="1" p14:dur="1500">
+  <mc:AlternateContent xmlns:mc="http://schemas.openxmlformats.org/markup-compatibility/2006" xmlns:p14="http://schemas.microsoft.com/office/powerpoint/2010/main">
+    <mc:Choice Requires="p14">
+      <p:transition spd="slow" p14:dur="1500">
         <p:dissolve/>
       </p:transition>
     </mc:Choice>
-    <mc:Fallback>
+    <mc:Fallback xmlns="">
       <p:transition spd="slow">
         <p:fade/>
       </p:transition>
@@ -6822,13 +7598,14 @@
 </file>
 
 <file path=ppt/slides/slide3.xml><?xml version="1.0" encoding="utf-8"?>
-<p:sld xmlns:a="http://schemas.openxmlformats.org/drawingml/2006/main" xmlns:r="http://schemas.openxmlformats.org/officeDocument/2006/relationships" xmlns:p="http://schemas.openxmlformats.org/presentationml/2006/main" showMasterSp="1" showMasterPhAnim="1">
+<p:sld xmlns:a="http://schemas.openxmlformats.org/drawingml/2006/main" xmlns:r="http://schemas.openxmlformats.org/officeDocument/2006/relationships" xmlns:p="http://schemas.openxmlformats.org/presentationml/2006/main">
   <p:cSld>
     <p:bg>
       <p:bgPr>
         <a:solidFill>
           <a:srgbClr val="739A98"/>
         </a:solidFill>
+        <a:effectLst/>
       </p:bgPr>
     </p:bg>
     <p:spTree>
@@ -6853,8 +7630,8 @@
         </p:nvSpPr>
         <p:spPr>
           <a:xfrm>
-            <a:off x="4214107" y="4767581"/>
-            <a:ext cx="5973584" cy="1259837"/>
+            <a:off x="2379217" y="4767582"/>
+            <a:ext cx="9987378" cy="1107992"/>
           </a:xfrm>
           <a:prstGeom prst="rect">
             <a:avLst/>
@@ -6864,12 +7641,12 @@
           </a:ln>
           <a:extLst>
             <a:ext uri="{C572A759-6A51-4108-AA02-DFA0A04FC94B}">
-              <ma14:wrappingTextBoxFlag xmlns:ma14="http://schemas.microsoft.com/office/mac/drawingml/2011/main" val="1"/>
+              <ma14:wrappingTextBoxFlag xmlns:ma14="http://schemas.microsoft.com/office/mac/drawingml/2011/main" xmlns="" val="1"/>
             </a:ext>
           </a:extLst>
         </p:spPr>
         <p:txBody>
-          <a:bodyPr wrap="none" lIns="45718" tIns="45718" rIns="45718" bIns="45718">
+          <a:bodyPr wrap="square" lIns="45718" tIns="45718" rIns="45718" bIns="45718">
             <a:spAutoFit/>
           </a:bodyPr>
           <a:lstStyle>
@@ -6886,10 +7663,19 @@
             </a:lvl1pPr>
           </a:lstStyle>
           <a:p>
-            <a:pPr/>
             <a:r>
-              <a:t>TypeScript 类型</a:t>
+              <a:rPr dirty="0" err="1"/>
+              <a:t>TypeScript</a:t>
             </a:r>
+            <a:r>
+              <a:rPr dirty="0"/>
+              <a:t> </a:t>
+            </a:r>
+            <a:r>
+              <a:rPr lang="ja-JP" altLang="en-US" dirty="0"/>
+              <a:t>类型简单介绍</a:t>
+            </a:r>
+            <a:endParaRPr dirty="0"/>
           </a:p>
         </p:txBody>
       </p:sp>
@@ -6898,13 +7684,13 @@
   <p:clrMapOvr>
     <a:masterClrMapping/>
   </p:clrMapOvr>
-  <mc:AlternateContent xmlns:mc="http://schemas.openxmlformats.org/markup-compatibility/2006">
-    <mc:Choice xmlns:p14="http://schemas.microsoft.com/office/powerpoint/2010/main" Requires="p14">
-      <p:transition spd="slow" advClick="1" p14:dur="1200">
+  <mc:AlternateContent xmlns:mc="http://schemas.openxmlformats.org/markup-compatibility/2006" xmlns:p14="http://schemas.microsoft.com/office/powerpoint/2010/main">
+    <mc:Choice Requires="p14">
+      <p:transition spd="slow" p14:dur="1200">
         <p:dissolve/>
       </p:transition>
     </mc:Choice>
-    <mc:Fallback>
+    <mc:Fallback xmlns="">
       <p:transition spd="slow">
         <p:fade/>
       </p:transition>
@@ -6914,13 +7700,14 @@
 </file>
 
 <file path=ppt/slides/slide4.xml><?xml version="1.0" encoding="utf-8"?>
-<p:sld xmlns:a="http://schemas.openxmlformats.org/drawingml/2006/main" xmlns:r="http://schemas.openxmlformats.org/officeDocument/2006/relationships" xmlns:p="http://schemas.openxmlformats.org/presentationml/2006/main" showMasterSp="1" showMasterPhAnim="1">
+<p:sld xmlns:a="http://schemas.openxmlformats.org/drawingml/2006/main" xmlns:r="http://schemas.openxmlformats.org/officeDocument/2006/relationships" xmlns:p="http://schemas.openxmlformats.org/presentationml/2006/main">
   <p:cSld>
     <p:bg>
       <p:bgPr>
         <a:solidFill>
           <a:srgbClr val="739A98"/>
         </a:solidFill>
+        <a:effectLst/>
       </p:bgPr>
     </p:bg>
     <p:spTree>
@@ -6971,13 +7758,13 @@
   <p:clrMapOvr>
     <a:masterClrMapping/>
   </p:clrMapOvr>
-  <mc:AlternateContent xmlns:mc="http://schemas.openxmlformats.org/markup-compatibility/2006">
-    <mc:Choice xmlns:p14="http://schemas.microsoft.com/office/powerpoint/2010/main" Requires="p14">
-      <p:transition spd="slow" advClick="1" p14:dur="1200">
+  <mc:AlternateContent xmlns:mc="http://schemas.openxmlformats.org/markup-compatibility/2006" xmlns:p14="http://schemas.microsoft.com/office/powerpoint/2010/main">
+    <mc:Choice Requires="p14">
+      <p:transition spd="slow" p14:dur="1200">
         <p:dissolve/>
       </p:transition>
     </mc:Choice>
-    <mc:Fallback>
+    <mc:Fallback xmlns="">
       <p:transition spd="slow">
         <p:fade/>
       </p:transition>
@@ -6987,13 +7774,14 @@
 </file>
 
 <file path=ppt/slides/slide5.xml><?xml version="1.0" encoding="utf-8"?>
-<p:sld xmlns:a="http://schemas.openxmlformats.org/drawingml/2006/main" xmlns:r="http://schemas.openxmlformats.org/officeDocument/2006/relationships" xmlns:p="http://schemas.openxmlformats.org/presentationml/2006/main" showMasterSp="1" showMasterPhAnim="1">
+<p:sld xmlns:a="http://schemas.openxmlformats.org/drawingml/2006/main" xmlns:r="http://schemas.openxmlformats.org/officeDocument/2006/relationships" xmlns:p="http://schemas.openxmlformats.org/presentationml/2006/main">
   <p:cSld>
     <p:bg>
       <p:bgPr>
         <a:solidFill>
           <a:srgbClr val="739A98"/>
         </a:solidFill>
+        <a:effectLst/>
       </p:bgPr>
     </p:bg>
     <p:spTree>
@@ -7029,7 +7817,7 @@
           </a:ln>
           <a:extLst>
             <a:ext uri="{C572A759-6A51-4108-AA02-DFA0A04FC94B}">
-              <ma14:wrappingTextBoxFlag xmlns:ma14="http://schemas.microsoft.com/office/mac/drawingml/2011/main" val="1"/>
+              <ma14:wrappingTextBoxFlag xmlns:ma14="http://schemas.microsoft.com/office/mac/drawingml/2011/main" xmlns="" val="1"/>
             </a:ext>
           </a:extLst>
         </p:spPr>
@@ -7040,7 +7828,7 @@
           <a:lstStyle>
             <a:lvl1pPr marL="481263" indent="-481263">
               <a:buSzPct val="100000"/>
-              <a:buAutoNum type="arabicPeriod" startAt="1"/>
+              <a:buAutoNum type="arabicPeriod"/>
               <a:defRPr sz="3600">
                 <a:solidFill>
                   <a:srgbClr val="FFFFFF"/>
@@ -7053,7 +7841,6 @@
             </a:lvl1pPr>
           </a:lstStyle>
           <a:p>
-            <a:pPr/>
             <a:r>
               <a:t>基础数据类型</a:t>
             </a:r>
@@ -7094,13 +7881,13 @@
   <p:clrMapOvr>
     <a:masterClrMapping/>
   </p:clrMapOvr>
-  <mc:AlternateContent xmlns:mc="http://schemas.openxmlformats.org/markup-compatibility/2006">
-    <mc:Choice xmlns:p14="http://schemas.microsoft.com/office/powerpoint/2010/main" Requires="p14">
-      <p:transition spd="slow" advClick="1" p14:dur="1200">
+  <mc:AlternateContent xmlns:mc="http://schemas.openxmlformats.org/markup-compatibility/2006" xmlns:p14="http://schemas.microsoft.com/office/powerpoint/2010/main">
+    <mc:Choice Requires="p14">
+      <p:transition spd="slow" p14:dur="1200">
         <p:dissolve/>
       </p:transition>
     </mc:Choice>
-    <mc:Fallback>
+    <mc:Fallback xmlns="">
       <p:transition spd="slow">
         <p:fade/>
       </p:transition>
@@ -7110,13 +7897,14 @@
 </file>
 
 <file path=ppt/slides/slide6.xml><?xml version="1.0" encoding="utf-8"?>
-<p:sld xmlns:a="http://schemas.openxmlformats.org/drawingml/2006/main" xmlns:r="http://schemas.openxmlformats.org/officeDocument/2006/relationships" xmlns:p="http://schemas.openxmlformats.org/presentationml/2006/main" showMasterSp="1" showMasterPhAnim="1">
+<p:sld xmlns:a="http://schemas.openxmlformats.org/drawingml/2006/main" xmlns:r="http://schemas.openxmlformats.org/officeDocument/2006/relationships" xmlns:p="http://schemas.openxmlformats.org/presentationml/2006/main">
   <p:cSld>
     <p:bg>
       <p:bgPr>
         <a:solidFill>
           <a:srgbClr val="739A98"/>
         </a:solidFill>
+        <a:effectLst/>
       </p:bgPr>
     </p:bg>
     <p:spTree>
@@ -7152,7 +7940,7 @@
           </a:ln>
           <a:extLst>
             <a:ext uri="{C572A759-6A51-4108-AA02-DFA0A04FC94B}">
-              <ma14:wrappingTextBoxFlag xmlns:ma14="http://schemas.microsoft.com/office/mac/drawingml/2011/main" val="1"/>
+              <ma14:wrappingTextBoxFlag xmlns:ma14="http://schemas.microsoft.com/office/mac/drawingml/2011/main" xmlns="" val="1"/>
             </a:ext>
           </a:extLst>
         </p:spPr>
@@ -7176,7 +7964,6 @@
             </a:lvl1pPr>
           </a:lstStyle>
           <a:p>
-            <a:pPr/>
             <a:r>
               <a:t>函数类型</a:t>
             </a:r>
@@ -7262,7 +8049,7 @@
             <a:tailEnd type="triangle"/>
           </a:ln>
           <a:effectLst>
-            <a:outerShdw sx="100000" sy="100000" kx="0" ky="0" algn="b" rotWithShape="0" blurRad="38100" dist="23000" dir="5400000">
+            <a:outerShdw blurRad="38100" dist="23000" dir="5400000" rotWithShape="0">
               <a:srgbClr val="000000">
                 <a:alpha val="35000"/>
               </a:srgbClr>
@@ -7273,7 +8060,7 @@
           <a:bodyPr lIns="45718" tIns="45718" rIns="45718" bIns="45718"/>
           <a:lstStyle/>
           <a:p>
-            <a:pPr/>
+            <a:endParaRPr/>
           </a:p>
         </p:txBody>
       </p:sp>
@@ -7327,7 +8114,7 @@
             <a:tailEnd type="triangle"/>
           </a:ln>
           <a:effectLst>
-            <a:outerShdw sx="100000" sy="100000" kx="0" ky="0" algn="b" rotWithShape="0" blurRad="38100" dist="23000" dir="5400000">
+            <a:outerShdw blurRad="38100" dist="23000" dir="5400000" rotWithShape="0">
               <a:srgbClr val="000000">
                 <a:alpha val="35000"/>
               </a:srgbClr>
@@ -7338,7 +8125,7 @@
           <a:bodyPr lIns="45718" tIns="45718" rIns="45718" bIns="45718"/>
           <a:lstStyle/>
           <a:p>
-            <a:pPr/>
+            <a:endParaRPr/>
           </a:p>
         </p:txBody>
       </p:sp>
@@ -7347,13 +8134,13 @@
   <p:clrMapOvr>
     <a:masterClrMapping/>
   </p:clrMapOvr>
-  <mc:AlternateContent xmlns:mc="http://schemas.openxmlformats.org/markup-compatibility/2006">
-    <mc:Choice xmlns:p14="http://schemas.microsoft.com/office/powerpoint/2010/main" Requires="p14">
-      <p:transition spd="slow" advClick="1" p14:dur="1200">
+  <mc:AlternateContent xmlns:mc="http://schemas.openxmlformats.org/markup-compatibility/2006" xmlns:p14="http://schemas.microsoft.com/office/powerpoint/2010/main">
+    <mc:Choice Requires="p14">
+      <p:transition spd="slow" p14:dur="1200">
         <p:dissolve/>
       </p:transition>
     </mc:Choice>
-    <mc:Fallback>
+    <mc:Fallback xmlns="">
       <p:transition spd="slow">
         <p:fade/>
       </p:transition>
@@ -7362,10 +8149,10 @@
   <p:timing>
     <p:tnLst>
       <p:par>
-        <p:cTn id="1" nodeType="tmRoot" restart="never" dur="indefinite" fill="hold">
+        <p:cTn id="1" dur="indefinite" restart="never" fill="hold" nodeType="tmRoot">
           <p:childTnLst>
             <p:seq concurrent="1" prevAc="none" nextAc="seek">
-              <p:cTn id="2" nodeType="mainSeq" dur="indefinite" fill="hold">
+              <p:cTn id="2" dur="indefinite" fill="hold" nodeType="mainSeq">
                 <p:childTnLst>
                   <p:par>
                     <p:cTn id="3" fill="hold">
@@ -7380,11 +8167,11 @@
                             </p:stCondLst>
                             <p:childTnLst>
                               <p:par>
-                                <p:cTn id="5" presetClass="entr" nodeType="clickEffect" presetSubtype="0" presetID="1" grpId="1" fill="hold">
+                                <p:cTn id="5" presetID="1" presetClass="entr" presetSubtype="0" fill="hold" grpId="1" nodeType="clickEffect">
                                   <p:stCondLst>
                                     <p:cond delay="0"/>
                                   </p:stCondLst>
-                                  <p:iterate type="el" backwards="0">
+                                  <p:iterate>
                                     <p:tmAbs val="0"/>
                                   </p:iterate>
                                   <p:childTnLst>
@@ -7424,11 +8211,11 @@
                             </p:stCondLst>
                             <p:childTnLst>
                               <p:par>
-                                <p:cTn id="9" presetClass="entr" nodeType="clickEffect" presetSubtype="0" presetID="1" grpId="2" fill="hold">
+                                <p:cTn id="9" presetID="1" presetClass="entr" presetSubtype="0" fill="hold" grpId="2" nodeType="clickEffect">
                                   <p:stCondLst>
                                     <p:cond delay="0"/>
                                   </p:stCondLst>
-                                  <p:iterate type="el" backwards="0">
+                                  <p:iterate>
                                     <p:tmAbs val="0"/>
                                   </p:iterate>
                                   <p:childTnLst>
@@ -7468,11 +8255,11 @@
                             </p:stCondLst>
                             <p:childTnLst>
                               <p:par>
-                                <p:cTn id="13" presetClass="entr" nodeType="clickEffect" presetSubtype="0" presetID="1" grpId="3" fill="hold">
+                                <p:cTn id="13" presetID="1" presetClass="entr" presetSubtype="0" fill="hold" grpId="3" nodeType="clickEffect">
                                   <p:stCondLst>
                                     <p:cond delay="0"/>
                                   </p:stCondLst>
-                                  <p:iterate type="el" backwards="0">
+                                  <p:iterate>
                                     <p:tmAbs val="0"/>
                                   </p:iterate>
                                   <p:childTnLst>
@@ -7512,11 +8299,11 @@
                             </p:stCondLst>
                             <p:childTnLst>
                               <p:par>
-                                <p:cTn id="17" presetClass="entr" nodeType="clickEffect" presetSubtype="0" presetID="1" grpId="4" fill="hold">
+                                <p:cTn id="17" presetID="1" presetClass="entr" presetSubtype="0" fill="hold" grpId="4" nodeType="clickEffect">
                                   <p:stCondLst>
                                     <p:cond delay="0"/>
                                   </p:stCondLst>
-                                  <p:iterate type="el" backwards="0">
+                                  <p:iterate>
                                     <p:tmAbs val="0"/>
                                   </p:iterate>
                                   <p:childTnLst>
@@ -7556,11 +8343,11 @@
                             </p:stCondLst>
                             <p:childTnLst>
                               <p:par>
-                                <p:cTn id="21" presetClass="entr" nodeType="clickEffect" presetSubtype="0" presetID="1" grpId="5" fill="hold">
+                                <p:cTn id="21" presetID="1" presetClass="entr" presetSubtype="0" fill="hold" grpId="5" nodeType="clickEffect">
                                   <p:stCondLst>
                                     <p:cond delay="0"/>
                                   </p:stCondLst>
-                                  <p:iterate type="el" backwards="0">
+                                  <p:iterate>
                                     <p:tmAbs val="0"/>
                                   </p:iterate>
                                   <p:childTnLst>
@@ -7590,14 +8377,14 @@
                 </p:childTnLst>
               </p:cTn>
               <p:prevCondLst>
-                <p:cond evt="onPrev">
+                <p:cond evt="onPrev" delay="0">
                   <p:tgtEl>
                     <p:sldTgt/>
                   </p:tgtEl>
                 </p:cond>
               </p:prevCondLst>
               <p:nextCondLst>
-                <p:cond evt="onNext">
+                <p:cond evt="onNext" delay="0">
                   <p:tgtEl>
                     <p:sldTgt/>
                   </p:tgtEl>
@@ -7609,24 +8396,25 @@
       </p:par>
     </p:tnLst>
     <p:bldLst>
-      <p:bldP build="whole" bldLvl="1" animBg="1" rev="0" advAuto="0" spid="139" grpId="1"/>
-      <p:bldP build="whole" bldLvl="1" animBg="1" rev="0" advAuto="0" spid="142" grpId="5"/>
-      <p:bldP build="whole" bldLvl="1" animBg="1" rev="0" advAuto="0" spid="141" grpId="2"/>
-      <p:bldP build="whole" bldLvl="1" animBg="1" rev="0" advAuto="0" spid="143" grpId="4"/>
-      <p:bldP build="whole" bldLvl="1" animBg="1" rev="0" advAuto="0" spid="140" grpId="3"/>
+      <p:bldP spid="139" grpId="1" animBg="1" advAuto="0"/>
+      <p:bldP spid="140" grpId="3" animBg="1" advAuto="0"/>
+      <p:bldP spid="141" grpId="2" animBg="1" advAuto="0"/>
+      <p:bldP spid="142" grpId="5" animBg="1" advAuto="0"/>
+      <p:bldP spid="143" grpId="4" animBg="1" advAuto="0"/>
     </p:bldLst>
   </p:timing>
 </p:sld>
 </file>
 
 <file path=ppt/slides/slide7.xml><?xml version="1.0" encoding="utf-8"?>
-<p:sld xmlns:a="http://schemas.openxmlformats.org/drawingml/2006/main" xmlns:r="http://schemas.openxmlformats.org/officeDocument/2006/relationships" xmlns:p="http://schemas.openxmlformats.org/presentationml/2006/main" showMasterSp="1" showMasterPhAnim="1">
+<p:sld xmlns:a="http://schemas.openxmlformats.org/drawingml/2006/main" xmlns:r="http://schemas.openxmlformats.org/officeDocument/2006/relationships" xmlns:p="http://schemas.openxmlformats.org/presentationml/2006/main">
   <p:cSld>
     <p:bg>
       <p:bgPr>
         <a:solidFill>
           <a:srgbClr val="739A98"/>
         </a:solidFill>
+        <a:effectLst/>
       </p:bgPr>
     </p:bg>
     <p:spTree>
@@ -7662,7 +8450,7 @@
           </a:ln>
           <a:extLst>
             <a:ext uri="{C572A759-6A51-4108-AA02-DFA0A04FC94B}">
-              <ma14:wrappingTextBoxFlag xmlns:ma14="http://schemas.microsoft.com/office/mac/drawingml/2011/main" val="1"/>
+              <ma14:wrappingTextBoxFlag xmlns:ma14="http://schemas.microsoft.com/office/mac/drawingml/2011/main" xmlns="" val="1"/>
             </a:ext>
           </a:extLst>
         </p:spPr>
@@ -7684,7 +8472,6 @@
             </a:lvl1pPr>
           </a:lstStyle>
           <a:p>
-            <a:pPr/>
             <a:r>
               <a:t>函数返回值</a:t>
             </a:r>
@@ -7754,13 +8541,13 @@
   <p:clrMapOvr>
     <a:masterClrMapping/>
   </p:clrMapOvr>
-  <mc:AlternateContent xmlns:mc="http://schemas.openxmlformats.org/markup-compatibility/2006">
-    <mc:Choice xmlns:p14="http://schemas.microsoft.com/office/powerpoint/2010/main" Requires="p14">
-      <p:transition spd="slow" advClick="1" p14:dur="1200">
+  <mc:AlternateContent xmlns:mc="http://schemas.openxmlformats.org/markup-compatibility/2006" xmlns:p14="http://schemas.microsoft.com/office/powerpoint/2010/main">
+    <mc:Choice Requires="p14">
+      <p:transition spd="slow" p14:dur="1200">
         <p:dissolve/>
       </p:transition>
     </mc:Choice>
-    <mc:Fallback>
+    <mc:Fallback xmlns="">
       <p:transition spd="slow">
         <p:fade/>
       </p:transition>
@@ -7769,10 +8556,10 @@
   <p:timing>
     <p:tnLst>
       <p:par>
-        <p:cTn id="1" nodeType="tmRoot" restart="never" dur="indefinite" fill="hold">
+        <p:cTn id="1" dur="indefinite" restart="never" fill="hold" nodeType="tmRoot">
           <p:childTnLst>
             <p:seq concurrent="1" prevAc="none" nextAc="seek">
-              <p:cTn id="2" nodeType="mainSeq" dur="indefinite" fill="hold">
+              <p:cTn id="2" dur="indefinite" fill="hold" nodeType="mainSeq">
                 <p:childTnLst>
                   <p:par>
                     <p:cTn id="3" fill="hold">
@@ -7787,11 +8574,11 @@
                             </p:stCondLst>
                             <p:childTnLst>
                               <p:par>
-                                <p:cTn id="5" presetClass="entr" nodeType="clickEffect" presetSubtype="0" presetID="1" grpId="1" fill="hold">
+                                <p:cTn id="5" presetID="1" presetClass="entr" presetSubtype="0" fill="hold" grpId="1" nodeType="clickEffect">
                                   <p:stCondLst>
                                     <p:cond delay="0"/>
                                   </p:stCondLst>
-                                  <p:iterate type="el" backwards="0">
+                                  <p:iterate>
                                     <p:tmAbs val="0"/>
                                   </p:iterate>
                                   <p:childTnLst>
@@ -7831,11 +8618,11 @@
                             </p:stCondLst>
                             <p:childTnLst>
                               <p:par>
-                                <p:cTn id="9" presetClass="entr" nodeType="clickEffect" presetSubtype="0" presetID="1" grpId="2" fill="hold">
+                                <p:cTn id="9" presetID="1" presetClass="entr" presetSubtype="0" fill="hold" grpId="2" nodeType="clickEffect">
                                   <p:stCondLst>
                                     <p:cond delay="0"/>
                                   </p:stCondLst>
-                                  <p:iterate type="el" backwards="0">
+                                  <p:iterate>
                                     <p:tmAbs val="0"/>
                                   </p:iterate>
                                   <p:childTnLst>
@@ -7865,14 +8652,14 @@
                 </p:childTnLst>
               </p:cTn>
               <p:prevCondLst>
-                <p:cond evt="onPrev">
+                <p:cond evt="onPrev" delay="0">
                   <p:tgtEl>
                     <p:sldTgt/>
                   </p:tgtEl>
                 </p:cond>
               </p:prevCondLst>
               <p:nextCondLst>
-                <p:cond evt="onNext">
+                <p:cond evt="onNext" delay="0">
                   <p:tgtEl>
                     <p:sldTgt/>
                   </p:tgtEl>
@@ -7884,21 +8671,22 @@
       </p:par>
     </p:tnLst>
     <p:bldLst>
-      <p:bldP build="whole" bldLvl="1" animBg="1" rev="0" advAuto="0" spid="146" grpId="1"/>
-      <p:bldP build="whole" bldLvl="1" animBg="1" rev="0" advAuto="0" spid="147" grpId="2"/>
+      <p:bldP spid="146" grpId="1" animBg="1" advAuto="0"/>
+      <p:bldP spid="147" grpId="2" animBg="1" advAuto="0"/>
     </p:bldLst>
   </p:timing>
 </p:sld>
 </file>
 
 <file path=ppt/slides/slide8.xml><?xml version="1.0" encoding="utf-8"?>
-<p:sld xmlns:a="http://schemas.openxmlformats.org/drawingml/2006/main" xmlns:r="http://schemas.openxmlformats.org/officeDocument/2006/relationships" xmlns:p="http://schemas.openxmlformats.org/presentationml/2006/main" showMasterSp="1" showMasterPhAnim="1">
+<p:sld xmlns:a="http://schemas.openxmlformats.org/drawingml/2006/main" xmlns:r="http://schemas.openxmlformats.org/officeDocument/2006/relationships" xmlns:p="http://schemas.openxmlformats.org/presentationml/2006/main">
   <p:cSld>
     <p:bg>
       <p:bgPr>
         <a:solidFill>
           <a:srgbClr val="739A98"/>
         </a:solidFill>
+        <a:effectLst/>
       </p:bgPr>
     </p:bg>
     <p:spTree>
@@ -7934,7 +8722,7 @@
           </a:ln>
           <a:extLst>
             <a:ext uri="{C572A759-6A51-4108-AA02-DFA0A04FC94B}">
-              <ma14:wrappingTextBoxFlag xmlns:ma14="http://schemas.microsoft.com/office/mac/drawingml/2011/main" val="1"/>
+              <ma14:wrappingTextBoxFlag xmlns:ma14="http://schemas.microsoft.com/office/mac/drawingml/2011/main" xmlns="" val="1"/>
             </a:ext>
           </a:extLst>
         </p:spPr>
@@ -7956,7 +8744,6 @@
             </a:lvl1pPr>
           </a:lstStyle>
           <a:p>
-            <a:pPr/>
             <a:r>
               <a:t>函数参数</a:t>
             </a:r>
@@ -8084,13 +8871,13 @@
   <p:clrMapOvr>
     <a:masterClrMapping/>
   </p:clrMapOvr>
-  <mc:AlternateContent xmlns:mc="http://schemas.openxmlformats.org/markup-compatibility/2006">
-    <mc:Choice xmlns:p14="http://schemas.microsoft.com/office/powerpoint/2010/main" Requires="p14">
-      <p:transition spd="slow" advClick="1" p14:dur="1200">
+  <mc:AlternateContent xmlns:mc="http://schemas.openxmlformats.org/markup-compatibility/2006" xmlns:p14="http://schemas.microsoft.com/office/powerpoint/2010/main">
+    <mc:Choice Requires="p14">
+      <p:transition spd="slow" p14:dur="1200">
         <p:dissolve/>
       </p:transition>
     </mc:Choice>
-    <mc:Fallback>
+    <mc:Fallback xmlns="">
       <p:transition spd="slow">
         <p:fade/>
       </p:transition>
@@ -8100,13 +8887,14 @@
 </file>
 
 <file path=ppt/slides/slide9.xml><?xml version="1.0" encoding="utf-8"?>
-<p:sld xmlns:a="http://schemas.openxmlformats.org/drawingml/2006/main" xmlns:r="http://schemas.openxmlformats.org/officeDocument/2006/relationships" xmlns:p="http://schemas.openxmlformats.org/presentationml/2006/main" showMasterSp="1" showMasterPhAnim="1">
+<p:sld xmlns:a="http://schemas.openxmlformats.org/drawingml/2006/main" xmlns:r="http://schemas.openxmlformats.org/officeDocument/2006/relationships" xmlns:p="http://schemas.openxmlformats.org/presentationml/2006/main">
   <p:cSld>
     <p:bg>
       <p:bgPr>
         <a:solidFill>
           <a:srgbClr val="739A98"/>
         </a:solidFill>
+        <a:effectLst/>
       </p:bgPr>
     </p:bg>
     <p:spTree>
@@ -8142,7 +8930,7 @@
           </a:ln>
           <a:extLst>
             <a:ext uri="{C572A759-6A51-4108-AA02-DFA0A04FC94B}">
-              <ma14:wrappingTextBoxFlag xmlns:ma14="http://schemas.microsoft.com/office/mac/drawingml/2011/main" val="1"/>
+              <ma14:wrappingTextBoxFlag xmlns:ma14="http://schemas.microsoft.com/office/mac/drawingml/2011/main" xmlns="" val="1"/>
             </a:ext>
           </a:extLst>
         </p:spPr>
@@ -8166,7 +8954,6 @@
             </a:lvl1pPr>
           </a:lstStyle>
           <a:p>
-            <a:pPr/>
             <a:r>
               <a:t>联合类型</a:t>
             </a:r>
@@ -8236,13 +9023,13 @@
   <p:clrMapOvr>
     <a:masterClrMapping/>
   </p:clrMapOvr>
-  <mc:AlternateContent xmlns:mc="http://schemas.openxmlformats.org/markup-compatibility/2006">
-    <mc:Choice xmlns:p14="http://schemas.microsoft.com/office/powerpoint/2010/main" Requires="p14">
-      <p:transition spd="slow" advClick="1" p14:dur="1200">
+  <mc:AlternateContent xmlns:mc="http://schemas.openxmlformats.org/markup-compatibility/2006" xmlns:p14="http://schemas.microsoft.com/office/powerpoint/2010/main">
+    <mc:Choice Requires="p14">
+      <p:transition spd="slow" p14:dur="1200">
         <p:dissolve/>
       </p:transition>
     </mc:Choice>
-    <mc:Fallback>
+    <mc:Fallback xmlns="">
       <p:transition spd="slow">
         <p:fade/>
       </p:transition>
@@ -8251,10 +9038,10 @@
   <p:timing>
     <p:tnLst>
       <p:par>
-        <p:cTn id="1" nodeType="tmRoot" restart="never" dur="indefinite" fill="hold">
+        <p:cTn id="1" dur="indefinite" restart="never" fill="hold" nodeType="tmRoot">
           <p:childTnLst>
             <p:seq concurrent="1" prevAc="none" nextAc="seek">
-              <p:cTn id="2" nodeType="mainSeq" dur="indefinite" fill="hold">
+              <p:cTn id="2" dur="indefinite" fill="hold" nodeType="mainSeq">
                 <p:childTnLst>
                   <p:par>
                     <p:cTn id="3" fill="hold">
@@ -8269,11 +9056,11 @@
                             </p:stCondLst>
                             <p:childTnLst>
                               <p:par>
-                                <p:cTn id="5" presetClass="entr" nodeType="clickEffect" presetSubtype="0" presetID="1" grpId="1" fill="hold">
+                                <p:cTn id="5" presetID="1" presetClass="entr" presetSubtype="0" fill="hold" grpId="1" nodeType="clickEffect">
                                   <p:stCondLst>
                                     <p:cond delay="0"/>
                                   </p:stCondLst>
-                                  <p:iterate type="el" backwards="0">
+                                  <p:iterate>
                                     <p:tmAbs val="0"/>
                                   </p:iterate>
                                   <p:childTnLst>
@@ -8303,14 +9090,14 @@
                 </p:childTnLst>
               </p:cTn>
               <p:prevCondLst>
-                <p:cond evt="onPrev">
+                <p:cond evt="onPrev" delay="0">
                   <p:tgtEl>
                     <p:sldTgt/>
                   </p:tgtEl>
                 </p:cond>
               </p:prevCondLst>
               <p:nextCondLst>
-                <p:cond evt="onNext">
+                <p:cond evt="onNext" delay="0">
                   <p:tgtEl>
                     <p:sldTgt/>
                   </p:tgtEl>
@@ -8322,14 +9109,14 @@
       </p:par>
     </p:tnLst>
     <p:bldLst>
-      <p:bldP build="whole" bldLvl="1" animBg="1" rev="0" advAuto="0" spid="157" grpId="1"/>
+      <p:bldP spid="157" grpId="1" animBg="1" advAuto="0"/>
     </p:bldLst>
   </p:timing>
 </p:sld>
 </file>
 
 <file path=ppt/theme/theme1.xml><?xml version="1.0" encoding="utf-8"?>
-<a:theme xmlns:a="http://schemas.openxmlformats.org/drawingml/2006/main" xmlns:r="http://schemas.openxmlformats.org/officeDocument/2006/relationships" name="White">
+<a:theme xmlns:a="http://schemas.openxmlformats.org/drawingml/2006/main" name="White">
   <a:themeElements>
     <a:clrScheme name="White">
       <a:dk1>
@@ -8455,7 +9242,7 @@
       <a:effectStyleLst>
         <a:effectStyle>
           <a:effectLst>
-            <a:outerShdw sx="100000" sy="100000" kx="0" ky="0" algn="b" rotWithShape="0" blurRad="38100" dist="23000" dir="5400000">
+            <a:outerShdw blurRad="38100" dist="23000" dir="5400000" rotWithShape="0">
               <a:srgbClr val="000000">
                 <a:alpha val="35000"/>
               </a:srgbClr>
@@ -8464,7 +9251,7 @@
         </a:effectStyle>
         <a:effectStyle>
           <a:effectLst>
-            <a:outerShdw sx="100000" sy="100000" kx="0" ky="0" algn="b" rotWithShape="0" blurRad="38100" dist="23000" dir="5400000">
+            <a:outerShdw blurRad="38100" dist="23000" dir="5400000" rotWithShape="0">
               <a:srgbClr val="000000">
                 <a:alpha val="35000"/>
               </a:srgbClr>
@@ -8473,7 +9260,7 @@
         </a:effectStyle>
         <a:effectStyle>
           <a:effectLst>
-            <a:outerShdw sx="100000" sy="100000" kx="0" ky="0" algn="b" rotWithShape="0" blurRad="38100" dist="23000" dir="5400000">
+            <a:outerShdw blurRad="38100" dist="23000" dir="5400000" rotWithShape="0">
               <a:srgbClr val="000000">
                 <a:alpha val="35000"/>
               </a:srgbClr>
@@ -8547,7 +9334,7 @@
           <a:round/>
         </a:ln>
         <a:effectLst>
-          <a:outerShdw sx="100000" sy="100000" kx="0" ky="0" algn="b" rotWithShape="0" blurRad="38100" dist="23000" dir="5400000">
+          <a:outerShdw blurRad="38100" dist="23000" dir="5400000" rotWithShape="0">
             <a:srgbClr val="000000">
               <a:alpha val="35000"/>
             </a:srgbClr>
@@ -8555,7 +9342,7 @@
         </a:effectLst>
         <a:sp3d/>
       </a:spPr>
-      <a:bodyPr rot="0" spcFirstLastPara="1" vertOverflow="overflow" horzOverflow="overflow" vert="horz" wrap="square" lIns="45718" tIns="45718" rIns="45718" bIns="45718" numCol="1" spcCol="38100" rtlCol="0" anchor="ctr" upright="0">
+      <a:bodyPr rot="0" spcFirstLastPara="1" vertOverflow="overflow" horzOverflow="overflow" vert="horz" wrap="square" lIns="45718" tIns="45718" rIns="45718" bIns="45718" numCol="1" spcCol="38100" rtlCol="0" anchor="ctr">
         <a:spAutoFit/>
       </a:bodyPr>
       <a:lstStyle>
@@ -8574,7 +9361,7 @@
           <a:buFontTx/>
           <a:buNone/>
           <a:tabLst/>
-          <a:defRPr b="0" baseline="0" cap="none" i="0" spc="0" strike="noStrike" sz="2800" u="none" kumimoji="0" normalizeH="0">
+          <a:defRPr kumimoji="0" sz="2800" b="0" i="0" u="none" strike="noStrike" cap="none" spc="0" normalizeH="0" baseline="0">
             <a:ln>
               <a:noFill/>
             </a:ln>
@@ -8604,7 +9391,7 @@
           <a:buFontTx/>
           <a:buNone/>
           <a:tabLst/>
-          <a:defRPr b="0" baseline="0" cap="none" i="0" spc="0" strike="noStrike" sz="1800" u="none" kumimoji="0" normalizeH="0">
+          <a:defRPr kumimoji="0" sz="1800" b="0" i="0" u="none" strike="noStrike" cap="none" spc="0" normalizeH="0" baseline="0">
             <a:ln>
               <a:noFill/>
             </a:ln>
@@ -8630,7 +9417,7 @@
           <a:buFontTx/>
           <a:buNone/>
           <a:tabLst/>
-          <a:defRPr b="0" baseline="0" cap="none" i="0" spc="0" strike="noStrike" sz="1800" u="none" kumimoji="0" normalizeH="0">
+          <a:defRPr kumimoji="0" sz="1800" b="0" i="0" u="none" strike="noStrike" cap="none" spc="0" normalizeH="0" baseline="0">
             <a:ln>
               <a:noFill/>
             </a:ln>
@@ -8656,7 +9443,7 @@
           <a:buFontTx/>
           <a:buNone/>
           <a:tabLst/>
-          <a:defRPr b="0" baseline="0" cap="none" i="0" spc="0" strike="noStrike" sz="1800" u="none" kumimoji="0" normalizeH="0">
+          <a:defRPr kumimoji="0" sz="1800" b="0" i="0" u="none" strike="noStrike" cap="none" spc="0" normalizeH="0" baseline="0">
             <a:ln>
               <a:noFill/>
             </a:ln>
@@ -8682,7 +9469,7 @@
           <a:buFontTx/>
           <a:buNone/>
           <a:tabLst/>
-          <a:defRPr b="0" baseline="0" cap="none" i="0" spc="0" strike="noStrike" sz="1800" u="none" kumimoji="0" normalizeH="0">
+          <a:defRPr kumimoji="0" sz="1800" b="0" i="0" u="none" strike="noStrike" cap="none" spc="0" normalizeH="0" baseline="0">
             <a:ln>
               <a:noFill/>
             </a:ln>
@@ -8708,7 +9495,7 @@
           <a:buFontTx/>
           <a:buNone/>
           <a:tabLst/>
-          <a:defRPr b="0" baseline="0" cap="none" i="0" spc="0" strike="noStrike" sz="1800" u="none" kumimoji="0" normalizeH="0">
+          <a:defRPr kumimoji="0" sz="1800" b="0" i="0" u="none" strike="noStrike" cap="none" spc="0" normalizeH="0" baseline="0">
             <a:ln>
               <a:noFill/>
             </a:ln>
@@ -8734,7 +9521,7 @@
           <a:buFontTx/>
           <a:buNone/>
           <a:tabLst/>
-          <a:defRPr b="0" baseline="0" cap="none" i="0" spc="0" strike="noStrike" sz="1800" u="none" kumimoji="0" normalizeH="0">
+          <a:defRPr kumimoji="0" sz="1800" b="0" i="0" u="none" strike="noStrike" cap="none" spc="0" normalizeH="0" baseline="0">
             <a:ln>
               <a:noFill/>
             </a:ln>
@@ -8760,7 +9547,7 @@
           <a:buFontTx/>
           <a:buNone/>
           <a:tabLst/>
-          <a:defRPr b="0" baseline="0" cap="none" i="0" spc="0" strike="noStrike" sz="1800" u="none" kumimoji="0" normalizeH="0">
+          <a:defRPr kumimoji="0" sz="1800" b="0" i="0" u="none" strike="noStrike" cap="none" spc="0" normalizeH="0" baseline="0">
             <a:ln>
               <a:noFill/>
             </a:ln>
@@ -8786,7 +9573,7 @@
           <a:buFontTx/>
           <a:buNone/>
           <a:tabLst/>
-          <a:defRPr b="0" baseline="0" cap="none" i="0" spc="0" strike="noStrike" sz="1800" u="none" kumimoji="0" normalizeH="0">
+          <a:defRPr kumimoji="0" sz="1800" b="0" i="0" u="none" strike="noStrike" cap="none" spc="0" normalizeH="0" baseline="0">
             <a:ln>
               <a:noFill/>
             </a:ln>
@@ -8812,7 +9599,7 @@
           <a:buFontTx/>
           <a:buNone/>
           <a:tabLst/>
-          <a:defRPr b="0" baseline="0" cap="none" i="0" spc="0" strike="noStrike" sz="1800" u="none" kumimoji="0" normalizeH="0">
+          <a:defRPr kumimoji="0" sz="1800" b="0" i="0" u="none" strike="noStrike" cap="none" spc="0" normalizeH="0" baseline="0">
             <a:ln>
               <a:noFill/>
             </a:ln>
@@ -8825,9 +9612,15 @@
         </a:lvl9pPr>
       </a:lstStyle>
       <a:style>
-        <a:lnRef idx="0"/>
-        <a:fillRef idx="0"/>
-        <a:effectRef idx="0"/>
+        <a:lnRef idx="0">
+          <a:scrgbClr r="0" g="0" b="0"/>
+        </a:lnRef>
+        <a:fillRef idx="0">
+          <a:scrgbClr r="0" g="0" b="0"/>
+        </a:fillRef>
+        <a:effectRef idx="0">
+          <a:scrgbClr r="0" g="0" b="0"/>
+        </a:effectRef>
         <a:fontRef idx="none"/>
       </a:style>
     </a:spDef>
@@ -8842,7 +9635,7 @@
           <a:round/>
         </a:ln>
         <a:effectLst>
-          <a:outerShdw sx="100000" sy="100000" kx="0" ky="0" algn="b" rotWithShape="0" blurRad="38100" dist="23000" dir="5400000">
+          <a:outerShdw blurRad="38100" dist="23000" dir="5400000" rotWithShape="0">
             <a:srgbClr val="000000">
               <a:alpha val="35000"/>
             </a:srgbClr>
@@ -8850,7 +9643,7 @@
         </a:effectLst>
         <a:sp3d/>
       </a:spPr>
-      <a:bodyPr rot="0" spcFirstLastPara="1" vertOverflow="overflow" horzOverflow="overflow" vert="horz" wrap="square" lIns="91439" tIns="45719" rIns="91439" bIns="45719" numCol="1" spcCol="38100" rtlCol="0" anchor="t" upright="0">
+      <a:bodyPr rot="0" spcFirstLastPara="1" vertOverflow="overflow" horzOverflow="overflow" vert="horz" wrap="square" lIns="91439" tIns="45719" rIns="91439" bIns="45719" numCol="1" spcCol="38100" rtlCol="0" anchor="t">
         <a:noAutofit/>
       </a:bodyPr>
       <a:lstStyle>
@@ -8869,7 +9662,7 @@
           <a:buFontTx/>
           <a:buNone/>
           <a:tabLst/>
-          <a:defRPr b="0" baseline="0" cap="none" i="0" spc="0" strike="noStrike" sz="1800" u="none" kumimoji="0" normalizeH="0">
+          <a:defRPr kumimoji="0" sz="1800" b="0" i="0" u="none" strike="noStrike" cap="none" spc="0" normalizeH="0" baseline="0">
             <a:ln>
               <a:noFill/>
             </a:ln>
@@ -8895,7 +9688,7 @@
           <a:buFontTx/>
           <a:buNone/>
           <a:tabLst/>
-          <a:defRPr b="0" baseline="0" cap="none" i="0" spc="0" strike="noStrike" sz="1800" u="none" kumimoji="0" normalizeH="0">
+          <a:defRPr kumimoji="0" sz="1800" b="0" i="0" u="none" strike="noStrike" cap="none" spc="0" normalizeH="0" baseline="0">
             <a:ln>
               <a:noFill/>
             </a:ln>
@@ -8921,7 +9714,7 @@
           <a:buFontTx/>
           <a:buNone/>
           <a:tabLst/>
-          <a:defRPr b="0" baseline="0" cap="none" i="0" spc="0" strike="noStrike" sz="1800" u="none" kumimoji="0" normalizeH="0">
+          <a:defRPr kumimoji="0" sz="1800" b="0" i="0" u="none" strike="noStrike" cap="none" spc="0" normalizeH="0" baseline="0">
             <a:ln>
               <a:noFill/>
             </a:ln>
@@ -8947,7 +9740,7 @@
           <a:buFontTx/>
           <a:buNone/>
           <a:tabLst/>
-          <a:defRPr b="0" baseline="0" cap="none" i="0" spc="0" strike="noStrike" sz="1800" u="none" kumimoji="0" normalizeH="0">
+          <a:defRPr kumimoji="0" sz="1800" b="0" i="0" u="none" strike="noStrike" cap="none" spc="0" normalizeH="0" baseline="0">
             <a:ln>
               <a:noFill/>
             </a:ln>
@@ -8973,7 +9766,7 @@
           <a:buFontTx/>
           <a:buNone/>
           <a:tabLst/>
-          <a:defRPr b="0" baseline="0" cap="none" i="0" spc="0" strike="noStrike" sz="1800" u="none" kumimoji="0" normalizeH="0">
+          <a:defRPr kumimoji="0" sz="1800" b="0" i="0" u="none" strike="noStrike" cap="none" spc="0" normalizeH="0" baseline="0">
             <a:ln>
               <a:noFill/>
             </a:ln>
@@ -8999,7 +9792,7 @@
           <a:buFontTx/>
           <a:buNone/>
           <a:tabLst/>
-          <a:defRPr b="0" baseline="0" cap="none" i="0" spc="0" strike="noStrike" sz="1800" u="none" kumimoji="0" normalizeH="0">
+          <a:defRPr kumimoji="0" sz="1800" b="0" i="0" u="none" strike="noStrike" cap="none" spc="0" normalizeH="0" baseline="0">
             <a:ln>
               <a:noFill/>
             </a:ln>
@@ -9025,7 +9818,7 @@
           <a:buFontTx/>
           <a:buNone/>
           <a:tabLst/>
-          <a:defRPr b="0" baseline="0" cap="none" i="0" spc="0" strike="noStrike" sz="1800" u="none" kumimoji="0" normalizeH="0">
+          <a:defRPr kumimoji="0" sz="1800" b="0" i="0" u="none" strike="noStrike" cap="none" spc="0" normalizeH="0" baseline="0">
             <a:ln>
               <a:noFill/>
             </a:ln>
@@ -9051,7 +9844,7 @@
           <a:buFontTx/>
           <a:buNone/>
           <a:tabLst/>
-          <a:defRPr b="0" baseline="0" cap="none" i="0" spc="0" strike="noStrike" sz="1800" u="none" kumimoji="0" normalizeH="0">
+          <a:defRPr kumimoji="0" sz="1800" b="0" i="0" u="none" strike="noStrike" cap="none" spc="0" normalizeH="0" baseline="0">
             <a:ln>
               <a:noFill/>
             </a:ln>
@@ -9077,7 +9870,7 @@
           <a:buFontTx/>
           <a:buNone/>
           <a:tabLst/>
-          <a:defRPr b="0" baseline="0" cap="none" i="0" spc="0" strike="noStrike" sz="1800" u="none" kumimoji="0" normalizeH="0">
+          <a:defRPr kumimoji="0" sz="1800" b="0" i="0" u="none" strike="noStrike" cap="none" spc="0" normalizeH="0" baseline="0">
             <a:ln>
               <a:noFill/>
             </a:ln>
@@ -9103,7 +9896,7 @@
           <a:buFontTx/>
           <a:buNone/>
           <a:tabLst/>
-          <a:defRPr b="0" baseline="0" cap="none" i="0" spc="0" strike="noStrike" sz="1800" u="none" kumimoji="0" normalizeH="0">
+          <a:defRPr kumimoji="0" sz="1800" b="0" i="0" u="none" strike="noStrike" cap="none" spc="0" normalizeH="0" baseline="0">
             <a:ln>
               <a:noFill/>
             </a:ln>
@@ -9116,9 +9909,15 @@
         </a:lvl9pPr>
       </a:lstStyle>
       <a:style>
-        <a:lnRef idx="0"/>
-        <a:fillRef idx="0"/>
-        <a:effectRef idx="0"/>
+        <a:lnRef idx="0">
+          <a:scrgbClr r="0" g="0" b="0"/>
+        </a:lnRef>
+        <a:fillRef idx="0">
+          <a:scrgbClr r="0" g="0" b="0"/>
+        </a:fillRef>
+        <a:effectRef idx="0">
+          <a:scrgbClr r="0" g="0" b="0"/>
+        </a:effectRef>
         <a:fontRef idx="none"/>
       </a:style>
     </a:lnDef>
@@ -9132,7 +9931,7 @@
         <a:effectLst/>
         <a:sp3d/>
       </a:spPr>
-      <a:bodyPr rot="0" spcFirstLastPara="1" vertOverflow="overflow" horzOverflow="overflow" vert="horz" wrap="square" lIns="50800" tIns="50800" rIns="50800" bIns="50800" numCol="1" spcCol="38100" rtlCol="0" anchor="ctr" upright="0">
+      <a:bodyPr rot="0" spcFirstLastPara="1" vertOverflow="overflow" horzOverflow="overflow" vert="horz" wrap="square" lIns="50800" tIns="50800" rIns="50800" bIns="50800" numCol="1" spcCol="38100" rtlCol="0" anchor="ctr">
         <a:spAutoFit/>
       </a:bodyPr>
       <a:lstStyle>
@@ -9151,7 +9950,7 @@
           <a:buFontTx/>
           <a:buNone/>
           <a:tabLst/>
-          <a:defRPr b="0" baseline="0" cap="none" i="0" spc="0" strike="noStrike" sz="2800" u="none" kumimoji="0" normalizeH="0">
+          <a:defRPr kumimoji="0" sz="2800" b="0" i="0" u="none" strike="noStrike" cap="none" spc="0" normalizeH="0" baseline="0">
             <a:ln>
               <a:noFill/>
             </a:ln>
@@ -9181,7 +9980,7 @@
           <a:buFontTx/>
           <a:buNone/>
           <a:tabLst/>
-          <a:defRPr b="0" baseline="0" cap="none" i="0" spc="0" strike="noStrike" sz="1800" u="none" kumimoji="0" normalizeH="0">
+          <a:defRPr kumimoji="0" sz="1800" b="0" i="0" u="none" strike="noStrike" cap="none" spc="0" normalizeH="0" baseline="0">
             <a:ln>
               <a:noFill/>
             </a:ln>
@@ -9207,7 +10006,7 @@
           <a:buFontTx/>
           <a:buNone/>
           <a:tabLst/>
-          <a:defRPr b="0" baseline="0" cap="none" i="0" spc="0" strike="noStrike" sz="1800" u="none" kumimoji="0" normalizeH="0">
+          <a:defRPr kumimoji="0" sz="1800" b="0" i="0" u="none" strike="noStrike" cap="none" spc="0" normalizeH="0" baseline="0">
             <a:ln>
               <a:noFill/>
             </a:ln>
@@ -9233,7 +10032,7 @@
           <a:buFontTx/>
           <a:buNone/>
           <a:tabLst/>
-          <a:defRPr b="0" baseline="0" cap="none" i="0" spc="0" strike="noStrike" sz="1800" u="none" kumimoji="0" normalizeH="0">
+          <a:defRPr kumimoji="0" sz="1800" b="0" i="0" u="none" strike="noStrike" cap="none" spc="0" normalizeH="0" baseline="0">
             <a:ln>
               <a:noFill/>
             </a:ln>
@@ -9259,7 +10058,7 @@
           <a:buFontTx/>
           <a:buNone/>
           <a:tabLst/>
-          <a:defRPr b="0" baseline="0" cap="none" i="0" spc="0" strike="noStrike" sz="1800" u="none" kumimoji="0" normalizeH="0">
+          <a:defRPr kumimoji="0" sz="1800" b="0" i="0" u="none" strike="noStrike" cap="none" spc="0" normalizeH="0" baseline="0">
             <a:ln>
               <a:noFill/>
             </a:ln>
@@ -9285,7 +10084,7 @@
           <a:buFontTx/>
           <a:buNone/>
           <a:tabLst/>
-          <a:defRPr b="0" baseline="0" cap="none" i="0" spc="0" strike="noStrike" sz="1800" u="none" kumimoji="0" normalizeH="0">
+          <a:defRPr kumimoji="0" sz="1800" b="0" i="0" u="none" strike="noStrike" cap="none" spc="0" normalizeH="0" baseline="0">
             <a:ln>
               <a:noFill/>
             </a:ln>
@@ -9311,7 +10110,7 @@
           <a:buFontTx/>
           <a:buNone/>
           <a:tabLst/>
-          <a:defRPr b="0" baseline="0" cap="none" i="0" spc="0" strike="noStrike" sz="1800" u="none" kumimoji="0" normalizeH="0">
+          <a:defRPr kumimoji="0" sz="1800" b="0" i="0" u="none" strike="noStrike" cap="none" spc="0" normalizeH="0" baseline="0">
             <a:ln>
               <a:noFill/>
             </a:ln>
@@ -9337,7 +10136,7 @@
           <a:buFontTx/>
           <a:buNone/>
           <a:tabLst/>
-          <a:defRPr b="0" baseline="0" cap="none" i="0" spc="0" strike="noStrike" sz="1800" u="none" kumimoji="0" normalizeH="0">
+          <a:defRPr kumimoji="0" sz="1800" b="0" i="0" u="none" strike="noStrike" cap="none" spc="0" normalizeH="0" baseline="0">
             <a:ln>
               <a:noFill/>
             </a:ln>
@@ -9363,7 +10162,7 @@
           <a:buFontTx/>
           <a:buNone/>
           <a:tabLst/>
-          <a:defRPr b="0" baseline="0" cap="none" i="0" spc="0" strike="noStrike" sz="1800" u="none" kumimoji="0" normalizeH="0">
+          <a:defRPr kumimoji="0" sz="1800" b="0" i="0" u="none" strike="noStrike" cap="none" spc="0" normalizeH="0" baseline="0">
             <a:ln>
               <a:noFill/>
             </a:ln>
@@ -9389,7 +10188,7 @@
           <a:buFontTx/>
           <a:buNone/>
           <a:tabLst/>
-          <a:defRPr b="0" baseline="0" cap="none" i="0" spc="0" strike="noStrike" sz="1800" u="none" kumimoji="0" normalizeH="0">
+          <a:defRPr kumimoji="0" sz="1800" b="0" i="0" u="none" strike="noStrike" cap="none" spc="0" normalizeH="0" baseline="0">
             <a:ln>
               <a:noFill/>
             </a:ln>
@@ -9402,18 +10201,25 @@
         </a:lvl9pPr>
       </a:lstStyle>
       <a:style>
-        <a:lnRef idx="0"/>
-        <a:fillRef idx="0"/>
-        <a:effectRef idx="0"/>
+        <a:lnRef idx="0">
+          <a:scrgbClr r="0" g="0" b="0"/>
+        </a:lnRef>
+        <a:fillRef idx="0">
+          <a:scrgbClr r="0" g="0" b="0"/>
+        </a:fillRef>
+        <a:effectRef idx="0">
+          <a:scrgbClr r="0" g="0" b="0"/>
+        </a:effectRef>
         <a:fontRef idx="none"/>
       </a:style>
     </a:txDef>
   </a:objectDefaults>
+  <a:extraClrSchemeLst/>
 </a:theme>
 </file>
 
 <file path=ppt/theme/theme2.xml><?xml version="1.0" encoding="utf-8"?>
-<a:theme xmlns:a="http://schemas.openxmlformats.org/drawingml/2006/main" xmlns:r="http://schemas.openxmlformats.org/officeDocument/2006/relationships" name="White">
+<a:theme xmlns:a="http://schemas.openxmlformats.org/drawingml/2006/main" name="White">
   <a:themeElements>
     <a:clrScheme name="White">
       <a:dk1>
@@ -9539,7 +10345,7 @@
       <a:effectStyleLst>
         <a:effectStyle>
           <a:effectLst>
-            <a:outerShdw sx="100000" sy="100000" kx="0" ky="0" algn="b" rotWithShape="0" blurRad="38100" dist="23000" dir="5400000">
+            <a:outerShdw blurRad="38100" dist="23000" dir="5400000" rotWithShape="0">
               <a:srgbClr val="000000">
                 <a:alpha val="35000"/>
               </a:srgbClr>
@@ -9548,7 +10354,7 @@
         </a:effectStyle>
         <a:effectStyle>
           <a:effectLst>
-            <a:outerShdw sx="100000" sy="100000" kx="0" ky="0" algn="b" rotWithShape="0" blurRad="38100" dist="23000" dir="5400000">
+            <a:outerShdw blurRad="38100" dist="23000" dir="5400000" rotWithShape="0">
               <a:srgbClr val="000000">
                 <a:alpha val="35000"/>
               </a:srgbClr>
@@ -9557,7 +10363,7 @@
         </a:effectStyle>
         <a:effectStyle>
           <a:effectLst>
-            <a:outerShdw sx="100000" sy="100000" kx="0" ky="0" algn="b" rotWithShape="0" blurRad="38100" dist="23000" dir="5400000">
+            <a:outerShdw blurRad="38100" dist="23000" dir="5400000" rotWithShape="0">
               <a:srgbClr val="000000">
                 <a:alpha val="35000"/>
               </a:srgbClr>
@@ -9631,7 +10437,7 @@
           <a:round/>
         </a:ln>
         <a:effectLst>
-          <a:outerShdw sx="100000" sy="100000" kx="0" ky="0" algn="b" rotWithShape="0" blurRad="38100" dist="23000" dir="5400000">
+          <a:outerShdw blurRad="38100" dist="23000" dir="5400000" rotWithShape="0">
             <a:srgbClr val="000000">
               <a:alpha val="35000"/>
             </a:srgbClr>
@@ -9639,7 +10445,7 @@
         </a:effectLst>
         <a:sp3d/>
       </a:spPr>
-      <a:bodyPr rot="0" spcFirstLastPara="1" vertOverflow="overflow" horzOverflow="overflow" vert="horz" wrap="square" lIns="45718" tIns="45718" rIns="45718" bIns="45718" numCol="1" spcCol="38100" rtlCol="0" anchor="ctr" upright="0">
+      <a:bodyPr rot="0" spcFirstLastPara="1" vertOverflow="overflow" horzOverflow="overflow" vert="horz" wrap="square" lIns="45718" tIns="45718" rIns="45718" bIns="45718" numCol="1" spcCol="38100" rtlCol="0" anchor="ctr">
         <a:spAutoFit/>
       </a:bodyPr>
       <a:lstStyle>
@@ -9658,7 +10464,7 @@
           <a:buFontTx/>
           <a:buNone/>
           <a:tabLst/>
-          <a:defRPr b="0" baseline="0" cap="none" i="0" spc="0" strike="noStrike" sz="2800" u="none" kumimoji="0" normalizeH="0">
+          <a:defRPr kumimoji="0" sz="2800" b="0" i="0" u="none" strike="noStrike" cap="none" spc="0" normalizeH="0" baseline="0">
             <a:ln>
               <a:noFill/>
             </a:ln>
@@ -9688,7 +10494,7 @@
           <a:buFontTx/>
           <a:buNone/>
           <a:tabLst/>
-          <a:defRPr b="0" baseline="0" cap="none" i="0" spc="0" strike="noStrike" sz="1800" u="none" kumimoji="0" normalizeH="0">
+          <a:defRPr kumimoji="0" sz="1800" b="0" i="0" u="none" strike="noStrike" cap="none" spc="0" normalizeH="0" baseline="0">
             <a:ln>
               <a:noFill/>
             </a:ln>
@@ -9714,7 +10520,7 @@
           <a:buFontTx/>
           <a:buNone/>
           <a:tabLst/>
-          <a:defRPr b="0" baseline="0" cap="none" i="0" spc="0" strike="noStrike" sz="1800" u="none" kumimoji="0" normalizeH="0">
+          <a:defRPr kumimoji="0" sz="1800" b="0" i="0" u="none" strike="noStrike" cap="none" spc="0" normalizeH="0" baseline="0">
             <a:ln>
               <a:noFill/>
             </a:ln>
@@ -9740,7 +10546,7 @@
           <a:buFontTx/>
           <a:buNone/>
           <a:tabLst/>
-          <a:defRPr b="0" baseline="0" cap="none" i="0" spc="0" strike="noStrike" sz="1800" u="none" kumimoji="0" normalizeH="0">
+          <a:defRPr kumimoji="0" sz="1800" b="0" i="0" u="none" strike="noStrike" cap="none" spc="0" normalizeH="0" baseline="0">
             <a:ln>
               <a:noFill/>
             </a:ln>
@@ -9766,7 +10572,7 @@
           <a:buFontTx/>
           <a:buNone/>
           <a:tabLst/>
-          <a:defRPr b="0" baseline="0" cap="none" i="0" spc="0" strike="noStrike" sz="1800" u="none" kumimoji="0" normalizeH="0">
+          <a:defRPr kumimoji="0" sz="1800" b="0" i="0" u="none" strike="noStrike" cap="none" spc="0" normalizeH="0" baseline="0">
             <a:ln>
               <a:noFill/>
             </a:ln>
@@ -9792,7 +10598,7 @@
           <a:buFontTx/>
           <a:buNone/>
           <a:tabLst/>
-          <a:defRPr b="0" baseline="0" cap="none" i="0" spc="0" strike="noStrike" sz="1800" u="none" kumimoji="0" normalizeH="0">
+          <a:defRPr kumimoji="0" sz="1800" b="0" i="0" u="none" strike="noStrike" cap="none" spc="0" normalizeH="0" baseline="0">
             <a:ln>
               <a:noFill/>
             </a:ln>
@@ -9818,7 +10624,7 @@
           <a:buFontTx/>
           <a:buNone/>
           <a:tabLst/>
-          <a:defRPr b="0" baseline="0" cap="none" i="0" spc="0" strike="noStrike" sz="1800" u="none" kumimoji="0" normalizeH="0">
+          <a:defRPr kumimoji="0" sz="1800" b="0" i="0" u="none" strike="noStrike" cap="none" spc="0" normalizeH="0" baseline="0">
             <a:ln>
               <a:noFill/>
             </a:ln>
@@ -9844,7 +10650,7 @@
           <a:buFontTx/>
           <a:buNone/>
           <a:tabLst/>
-          <a:defRPr b="0" baseline="0" cap="none" i="0" spc="0" strike="noStrike" sz="1800" u="none" kumimoji="0" normalizeH="0">
+          <a:defRPr kumimoji="0" sz="1800" b="0" i="0" u="none" strike="noStrike" cap="none" spc="0" normalizeH="0" baseline="0">
             <a:ln>
               <a:noFill/>
             </a:ln>
@@ -9870,7 +10676,7 @@
           <a:buFontTx/>
           <a:buNone/>
           <a:tabLst/>
-          <a:defRPr b="0" baseline="0" cap="none" i="0" spc="0" strike="noStrike" sz="1800" u="none" kumimoji="0" normalizeH="0">
+          <a:defRPr kumimoji="0" sz="1800" b="0" i="0" u="none" strike="noStrike" cap="none" spc="0" normalizeH="0" baseline="0">
             <a:ln>
               <a:noFill/>
             </a:ln>
@@ -9896,7 +10702,7 @@
           <a:buFontTx/>
           <a:buNone/>
           <a:tabLst/>
-          <a:defRPr b="0" baseline="0" cap="none" i="0" spc="0" strike="noStrike" sz="1800" u="none" kumimoji="0" normalizeH="0">
+          <a:defRPr kumimoji="0" sz="1800" b="0" i="0" u="none" strike="noStrike" cap="none" spc="0" normalizeH="0" baseline="0">
             <a:ln>
               <a:noFill/>
             </a:ln>
@@ -9909,9 +10715,15 @@
         </a:lvl9pPr>
       </a:lstStyle>
       <a:style>
-        <a:lnRef idx="0"/>
-        <a:fillRef idx="0"/>
-        <a:effectRef idx="0"/>
+        <a:lnRef idx="0">
+          <a:scrgbClr r="0" g="0" b="0"/>
+        </a:lnRef>
+        <a:fillRef idx="0">
+          <a:scrgbClr r="0" g="0" b="0"/>
+        </a:fillRef>
+        <a:effectRef idx="0">
+          <a:scrgbClr r="0" g="0" b="0"/>
+        </a:effectRef>
         <a:fontRef idx="none"/>
       </a:style>
     </a:spDef>
@@ -9926,7 +10738,7 @@
           <a:round/>
         </a:ln>
         <a:effectLst>
-          <a:outerShdw sx="100000" sy="100000" kx="0" ky="0" algn="b" rotWithShape="0" blurRad="38100" dist="23000" dir="5400000">
+          <a:outerShdw blurRad="38100" dist="23000" dir="5400000" rotWithShape="0">
             <a:srgbClr val="000000">
               <a:alpha val="35000"/>
             </a:srgbClr>
@@ -9934,7 +10746,7 @@
         </a:effectLst>
         <a:sp3d/>
       </a:spPr>
-      <a:bodyPr rot="0" spcFirstLastPara="1" vertOverflow="overflow" horzOverflow="overflow" vert="horz" wrap="square" lIns="91439" tIns="45719" rIns="91439" bIns="45719" numCol="1" spcCol="38100" rtlCol="0" anchor="t" upright="0">
+      <a:bodyPr rot="0" spcFirstLastPara="1" vertOverflow="overflow" horzOverflow="overflow" vert="horz" wrap="square" lIns="91439" tIns="45719" rIns="91439" bIns="45719" numCol="1" spcCol="38100" rtlCol="0" anchor="t">
         <a:noAutofit/>
       </a:bodyPr>
       <a:lstStyle>
@@ -9953,7 +10765,7 @@
           <a:buFontTx/>
           <a:buNone/>
           <a:tabLst/>
-          <a:defRPr b="0" baseline="0" cap="none" i="0" spc="0" strike="noStrike" sz="1800" u="none" kumimoji="0" normalizeH="0">
+          <a:defRPr kumimoji="0" sz="1800" b="0" i="0" u="none" strike="noStrike" cap="none" spc="0" normalizeH="0" baseline="0">
             <a:ln>
               <a:noFill/>
             </a:ln>
@@ -9979,7 +10791,7 @@
           <a:buFontTx/>
           <a:buNone/>
           <a:tabLst/>
-          <a:defRPr b="0" baseline="0" cap="none" i="0" spc="0" strike="noStrike" sz="1800" u="none" kumimoji="0" normalizeH="0">
+          <a:defRPr kumimoji="0" sz="1800" b="0" i="0" u="none" strike="noStrike" cap="none" spc="0" normalizeH="0" baseline="0">
             <a:ln>
               <a:noFill/>
             </a:ln>
@@ -10005,7 +10817,7 @@
           <a:buFontTx/>
           <a:buNone/>
           <a:tabLst/>
-          <a:defRPr b="0" baseline="0" cap="none" i="0" spc="0" strike="noStrike" sz="1800" u="none" kumimoji="0" normalizeH="0">
+          <a:defRPr kumimoji="0" sz="1800" b="0" i="0" u="none" strike="noStrike" cap="none" spc="0" normalizeH="0" baseline="0">
             <a:ln>
               <a:noFill/>
             </a:ln>
@@ -10031,7 +10843,7 @@
           <a:buFontTx/>
           <a:buNone/>
           <a:tabLst/>
-          <a:defRPr b="0" baseline="0" cap="none" i="0" spc="0" strike="noStrike" sz="1800" u="none" kumimoji="0" normalizeH="0">
+          <a:defRPr kumimoji="0" sz="1800" b="0" i="0" u="none" strike="noStrike" cap="none" spc="0" normalizeH="0" baseline="0">
             <a:ln>
               <a:noFill/>
             </a:ln>
@@ -10057,7 +10869,7 @@
           <a:buFontTx/>
           <a:buNone/>
           <a:tabLst/>
-          <a:defRPr b="0" baseline="0" cap="none" i="0" spc="0" strike="noStrike" sz="1800" u="none" kumimoji="0" normalizeH="0">
+          <a:defRPr kumimoji="0" sz="1800" b="0" i="0" u="none" strike="noStrike" cap="none" spc="0" normalizeH="0" baseline="0">
             <a:ln>
               <a:noFill/>
             </a:ln>
@@ -10083,7 +10895,7 @@
           <a:buFontTx/>
           <a:buNone/>
           <a:tabLst/>
-          <a:defRPr b="0" baseline="0" cap="none" i="0" spc="0" strike="noStrike" sz="1800" u="none" kumimoji="0" normalizeH="0">
+          <a:defRPr kumimoji="0" sz="1800" b="0" i="0" u="none" strike="noStrike" cap="none" spc="0" normalizeH="0" baseline="0">
             <a:ln>
               <a:noFill/>
             </a:ln>
@@ -10109,7 +10921,7 @@
           <a:buFontTx/>
           <a:buNone/>
           <a:tabLst/>
-          <a:defRPr b="0" baseline="0" cap="none" i="0" spc="0" strike="noStrike" sz="1800" u="none" kumimoji="0" normalizeH="0">
+          <a:defRPr kumimoji="0" sz="1800" b="0" i="0" u="none" strike="noStrike" cap="none" spc="0" normalizeH="0" baseline="0">
             <a:ln>
               <a:noFill/>
             </a:ln>
@@ -10135,7 +10947,7 @@
           <a:buFontTx/>
           <a:buNone/>
           <a:tabLst/>
-          <a:defRPr b="0" baseline="0" cap="none" i="0" spc="0" strike="noStrike" sz="1800" u="none" kumimoji="0" normalizeH="0">
+          <a:defRPr kumimoji="0" sz="1800" b="0" i="0" u="none" strike="noStrike" cap="none" spc="0" normalizeH="0" baseline="0">
             <a:ln>
               <a:noFill/>
             </a:ln>
@@ -10161,7 +10973,7 @@
           <a:buFontTx/>
           <a:buNone/>
           <a:tabLst/>
-          <a:defRPr b="0" baseline="0" cap="none" i="0" spc="0" strike="noStrike" sz="1800" u="none" kumimoji="0" normalizeH="0">
+          <a:defRPr kumimoji="0" sz="1800" b="0" i="0" u="none" strike="noStrike" cap="none" spc="0" normalizeH="0" baseline="0">
             <a:ln>
               <a:noFill/>
             </a:ln>
@@ -10187,7 +10999,7 @@
           <a:buFontTx/>
           <a:buNone/>
           <a:tabLst/>
-          <a:defRPr b="0" baseline="0" cap="none" i="0" spc="0" strike="noStrike" sz="1800" u="none" kumimoji="0" normalizeH="0">
+          <a:defRPr kumimoji="0" sz="1800" b="0" i="0" u="none" strike="noStrike" cap="none" spc="0" normalizeH="0" baseline="0">
             <a:ln>
               <a:noFill/>
             </a:ln>
@@ -10200,9 +11012,15 @@
         </a:lvl9pPr>
       </a:lstStyle>
       <a:style>
-        <a:lnRef idx="0"/>
-        <a:fillRef idx="0"/>
-        <a:effectRef idx="0"/>
+        <a:lnRef idx="0">
+          <a:scrgbClr r="0" g="0" b="0"/>
+        </a:lnRef>
+        <a:fillRef idx="0">
+          <a:scrgbClr r="0" g="0" b="0"/>
+        </a:fillRef>
+        <a:effectRef idx="0">
+          <a:scrgbClr r="0" g="0" b="0"/>
+        </a:effectRef>
         <a:fontRef idx="none"/>
       </a:style>
     </a:lnDef>
@@ -10216,7 +11034,7 @@
         <a:effectLst/>
         <a:sp3d/>
       </a:spPr>
-      <a:bodyPr rot="0" spcFirstLastPara="1" vertOverflow="overflow" horzOverflow="overflow" vert="horz" wrap="square" lIns="50800" tIns="50800" rIns="50800" bIns="50800" numCol="1" spcCol="38100" rtlCol="0" anchor="ctr" upright="0">
+      <a:bodyPr rot="0" spcFirstLastPara="1" vertOverflow="overflow" horzOverflow="overflow" vert="horz" wrap="square" lIns="50800" tIns="50800" rIns="50800" bIns="50800" numCol="1" spcCol="38100" rtlCol="0" anchor="ctr">
         <a:spAutoFit/>
       </a:bodyPr>
       <a:lstStyle>
@@ -10235,7 +11053,7 @@
           <a:buFontTx/>
           <a:buNone/>
           <a:tabLst/>
-          <a:defRPr b="0" baseline="0" cap="none" i="0" spc="0" strike="noStrike" sz="2800" u="none" kumimoji="0" normalizeH="0">
+          <a:defRPr kumimoji="0" sz="2800" b="0" i="0" u="none" strike="noStrike" cap="none" spc="0" normalizeH="0" baseline="0">
             <a:ln>
               <a:noFill/>
             </a:ln>
@@ -10265,7 +11083,7 @@
           <a:buFontTx/>
           <a:buNone/>
           <a:tabLst/>
-          <a:defRPr b="0" baseline="0" cap="none" i="0" spc="0" strike="noStrike" sz="1800" u="none" kumimoji="0" normalizeH="0">
+          <a:defRPr kumimoji="0" sz="1800" b="0" i="0" u="none" strike="noStrike" cap="none" spc="0" normalizeH="0" baseline="0">
             <a:ln>
               <a:noFill/>
             </a:ln>
@@ -10291,7 +11109,7 @@
           <a:buFontTx/>
           <a:buNone/>
           <a:tabLst/>
-          <a:defRPr b="0" baseline="0" cap="none" i="0" spc="0" strike="noStrike" sz="1800" u="none" kumimoji="0" normalizeH="0">
+          <a:defRPr kumimoji="0" sz="1800" b="0" i="0" u="none" strike="noStrike" cap="none" spc="0" normalizeH="0" baseline="0">
             <a:ln>
               <a:noFill/>
             </a:ln>
@@ -10317,7 +11135,7 @@
           <a:buFontTx/>
           <a:buNone/>
           <a:tabLst/>
-          <a:defRPr b="0" baseline="0" cap="none" i="0" spc="0" strike="noStrike" sz="1800" u="none" kumimoji="0" normalizeH="0">
+          <a:defRPr kumimoji="0" sz="1800" b="0" i="0" u="none" strike="noStrike" cap="none" spc="0" normalizeH="0" baseline="0">
             <a:ln>
               <a:noFill/>
             </a:ln>
@@ -10343,7 +11161,7 @@
           <a:buFontTx/>
           <a:buNone/>
           <a:tabLst/>
-          <a:defRPr b="0" baseline="0" cap="none" i="0" spc="0" strike="noStrike" sz="1800" u="none" kumimoji="0" normalizeH="0">
+          <a:defRPr kumimoji="0" sz="1800" b="0" i="0" u="none" strike="noStrike" cap="none" spc="0" normalizeH="0" baseline="0">
             <a:ln>
               <a:noFill/>
             </a:ln>
@@ -10369,7 +11187,7 @@
           <a:buFontTx/>
           <a:buNone/>
           <a:tabLst/>
-          <a:defRPr b="0" baseline="0" cap="none" i="0" spc="0" strike="noStrike" sz="1800" u="none" kumimoji="0" normalizeH="0">
+          <a:defRPr kumimoji="0" sz="1800" b="0" i="0" u="none" strike="noStrike" cap="none" spc="0" normalizeH="0" baseline="0">
             <a:ln>
               <a:noFill/>
             </a:ln>
@@ -10395,7 +11213,7 @@
           <a:buFontTx/>
           <a:buNone/>
           <a:tabLst/>
-          <a:defRPr b="0" baseline="0" cap="none" i="0" spc="0" strike="noStrike" sz="1800" u="none" kumimoji="0" normalizeH="0">
+          <a:defRPr kumimoji="0" sz="1800" b="0" i="0" u="none" strike="noStrike" cap="none" spc="0" normalizeH="0" baseline="0">
             <a:ln>
               <a:noFill/>
             </a:ln>
@@ -10421,7 +11239,7 @@
           <a:buFontTx/>
           <a:buNone/>
           <a:tabLst/>
-          <a:defRPr b="0" baseline="0" cap="none" i="0" spc="0" strike="noStrike" sz="1800" u="none" kumimoji="0" normalizeH="0">
+          <a:defRPr kumimoji="0" sz="1800" b="0" i="0" u="none" strike="noStrike" cap="none" spc="0" normalizeH="0" baseline="0">
             <a:ln>
               <a:noFill/>
             </a:ln>
@@ -10447,7 +11265,7 @@
           <a:buFontTx/>
           <a:buNone/>
           <a:tabLst/>
-          <a:defRPr b="0" baseline="0" cap="none" i="0" spc="0" strike="noStrike" sz="1800" u="none" kumimoji="0" normalizeH="0">
+          <a:defRPr kumimoji="0" sz="1800" b="0" i="0" u="none" strike="noStrike" cap="none" spc="0" normalizeH="0" baseline="0">
             <a:ln>
               <a:noFill/>
             </a:ln>
@@ -10473,7 +11291,7 @@
           <a:buFontTx/>
           <a:buNone/>
           <a:tabLst/>
-          <a:defRPr b="0" baseline="0" cap="none" i="0" spc="0" strike="noStrike" sz="1800" u="none" kumimoji="0" normalizeH="0">
+          <a:defRPr kumimoji="0" sz="1800" b="0" i="0" u="none" strike="noStrike" cap="none" spc="0" normalizeH="0" baseline="0">
             <a:ln>
               <a:noFill/>
             </a:ln>
@@ -10486,12 +11304,19 @@
         </a:lvl9pPr>
       </a:lstStyle>
       <a:style>
-        <a:lnRef idx="0"/>
-        <a:fillRef idx="0"/>
-        <a:effectRef idx="0"/>
+        <a:lnRef idx="0">
+          <a:scrgbClr r="0" g="0" b="0"/>
+        </a:lnRef>
+        <a:fillRef idx="0">
+          <a:scrgbClr r="0" g="0" b="0"/>
+        </a:fillRef>
+        <a:effectRef idx="0">
+          <a:scrgbClr r="0" g="0" b="0"/>
+        </a:effectRef>
         <a:fontRef idx="none"/>
       </a:style>
     </a:txDef>
   </a:objectDefaults>
+  <a:extraClrSchemeLst/>
 </a:theme>
 </file>
--- a/ppt/typescript（二）.pptx
+++ b/ppt/typescript（二）.pptx
@@ -2,36 +2,36 @@
 <file path=ppt/presentation.xml><?xml version="1.0" encoding="utf-8"?>
 <p:presentation xmlns:a="http://schemas.openxmlformats.org/drawingml/2006/main" xmlns:r="http://schemas.openxmlformats.org/officeDocument/2006/relationships" xmlns:p="http://schemas.openxmlformats.org/presentationml/2006/main">
   <p:sldMasterIdLst>
-    <p:sldMasterId id="2147483648" r:id="rId1"/>
+    <p:sldMasterId id="2147483648" r:id="rId5"/>
   </p:sldMasterIdLst>
   <p:notesMasterIdLst>
-    <p:notesMasterId r:id="rId26"/>
+    <p:notesMasterId r:id="rId7"/>
   </p:notesMasterIdLst>
   <p:sldIdLst>
-    <p:sldId id="256" r:id="rId2"/>
-    <p:sldId id="257" r:id="rId3"/>
-    <p:sldId id="258" r:id="rId4"/>
-    <p:sldId id="259" r:id="rId5"/>
-    <p:sldId id="260" r:id="rId6"/>
-    <p:sldId id="261" r:id="rId7"/>
-    <p:sldId id="262" r:id="rId8"/>
-    <p:sldId id="263" r:id="rId9"/>
-    <p:sldId id="264" r:id="rId10"/>
-    <p:sldId id="265" r:id="rId11"/>
-    <p:sldId id="266" r:id="rId12"/>
-    <p:sldId id="267" r:id="rId13"/>
-    <p:sldId id="268" r:id="rId14"/>
-    <p:sldId id="269" r:id="rId15"/>
-    <p:sldId id="270" r:id="rId16"/>
-    <p:sldId id="271" r:id="rId17"/>
-    <p:sldId id="272" r:id="rId18"/>
-    <p:sldId id="273" r:id="rId19"/>
-    <p:sldId id="274" r:id="rId20"/>
-    <p:sldId id="275" r:id="rId21"/>
-    <p:sldId id="276" r:id="rId22"/>
-    <p:sldId id="277" r:id="rId23"/>
-    <p:sldId id="278" r:id="rId24"/>
-    <p:sldId id="279" r:id="rId25"/>
+    <p:sldId id="256" r:id="rId8"/>
+    <p:sldId id="257" r:id="rId9"/>
+    <p:sldId id="258" r:id="rId10"/>
+    <p:sldId id="259" r:id="rId11"/>
+    <p:sldId id="260" r:id="rId12"/>
+    <p:sldId id="261" r:id="rId13"/>
+    <p:sldId id="262" r:id="rId14"/>
+    <p:sldId id="263" r:id="rId15"/>
+    <p:sldId id="264" r:id="rId16"/>
+    <p:sldId id="265" r:id="rId17"/>
+    <p:sldId id="266" r:id="rId18"/>
+    <p:sldId id="267" r:id="rId19"/>
+    <p:sldId id="268" r:id="rId20"/>
+    <p:sldId id="269" r:id="rId21"/>
+    <p:sldId id="270" r:id="rId22"/>
+    <p:sldId id="271" r:id="rId23"/>
+    <p:sldId id="272" r:id="rId24"/>
+    <p:sldId id="273" r:id="rId25"/>
+    <p:sldId id="274" r:id="rId26"/>
+    <p:sldId id="275" r:id="rId27"/>
+    <p:sldId id="276" r:id="rId28"/>
+    <p:sldId id="277" r:id="rId29"/>
+    <p:sldId id="278" r:id="rId30"/>
+    <p:sldId id="279" r:id="rId31"/>
   </p:sldIdLst>
   <p:sldSz cx="14401800" cy="10795000"/>
   <p:notesSz cx="6858000" cy="9144000"/>
@@ -51,7 +51,7 @@
       <a:buFontTx/>
       <a:buNone/>
       <a:tabLst/>
-      <a:defRPr kumimoji="0" sz="1800" b="0" i="0" u="none" strike="noStrike" cap="none" spc="0" normalizeH="0" baseline="0">
+      <a:defRPr b="0" baseline="0" cap="none" i="0" spc="0" strike="noStrike" sz="1800" u="none" kumimoji="0" normalizeH="0">
         <a:ln>
           <a:noFill/>
         </a:ln>
@@ -77,7 +77,7 @@
       <a:buFontTx/>
       <a:buNone/>
       <a:tabLst/>
-      <a:defRPr kumimoji="0" sz="2800" b="0" i="0" u="none" strike="noStrike" cap="none" spc="0" normalizeH="0" baseline="0">
+      <a:defRPr b="0" baseline="0" cap="none" i="0" spc="0" strike="noStrike" sz="2800" u="none" kumimoji="0" normalizeH="0">
         <a:ln>
           <a:noFill/>
         </a:ln>
@@ -107,7 +107,7 @@
       <a:buFontTx/>
       <a:buNone/>
       <a:tabLst/>
-      <a:defRPr kumimoji="0" sz="2800" b="0" i="0" u="none" strike="noStrike" cap="none" spc="0" normalizeH="0" baseline="0">
+      <a:defRPr b="0" baseline="0" cap="none" i="0" spc="0" strike="noStrike" sz="2800" u="none" kumimoji="0" normalizeH="0">
         <a:ln>
           <a:noFill/>
         </a:ln>
@@ -137,7 +137,7 @@
       <a:buFontTx/>
       <a:buNone/>
       <a:tabLst/>
-      <a:defRPr kumimoji="0" sz="2800" b="0" i="0" u="none" strike="noStrike" cap="none" spc="0" normalizeH="0" baseline="0">
+      <a:defRPr b="0" baseline="0" cap="none" i="0" spc="0" strike="noStrike" sz="2800" u="none" kumimoji="0" normalizeH="0">
         <a:ln>
           <a:noFill/>
         </a:ln>
@@ -167,7 +167,7 @@
       <a:buFontTx/>
       <a:buNone/>
       <a:tabLst/>
-      <a:defRPr kumimoji="0" sz="2800" b="0" i="0" u="none" strike="noStrike" cap="none" spc="0" normalizeH="0" baseline="0">
+      <a:defRPr b="0" baseline="0" cap="none" i="0" spc="0" strike="noStrike" sz="2800" u="none" kumimoji="0" normalizeH="0">
         <a:ln>
           <a:noFill/>
         </a:ln>
@@ -197,7 +197,7 @@
       <a:buFontTx/>
       <a:buNone/>
       <a:tabLst/>
-      <a:defRPr kumimoji="0" sz="2800" b="0" i="0" u="none" strike="noStrike" cap="none" spc="0" normalizeH="0" baseline="0">
+      <a:defRPr b="0" baseline="0" cap="none" i="0" spc="0" strike="noStrike" sz="2800" u="none" kumimoji="0" normalizeH="0">
         <a:ln>
           <a:noFill/>
         </a:ln>
@@ -227,7 +227,7 @@
       <a:buFontTx/>
       <a:buNone/>
       <a:tabLst/>
-      <a:defRPr kumimoji="0" sz="2800" b="0" i="0" u="none" strike="noStrike" cap="none" spc="0" normalizeH="0" baseline="0">
+      <a:defRPr b="0" baseline="0" cap="none" i="0" spc="0" strike="noStrike" sz="2800" u="none" kumimoji="0" normalizeH="0">
         <a:ln>
           <a:noFill/>
         </a:ln>
@@ -257,7 +257,7 @@
       <a:buFontTx/>
       <a:buNone/>
       <a:tabLst/>
-      <a:defRPr kumimoji="0" sz="2800" b="0" i="0" u="none" strike="noStrike" cap="none" spc="0" normalizeH="0" baseline="0">
+      <a:defRPr b="0" baseline="0" cap="none" i="0" spc="0" strike="noStrike" sz="2800" u="none" kumimoji="0" normalizeH="0">
         <a:ln>
           <a:noFill/>
         </a:ln>
@@ -287,7 +287,7 @@
       <a:buFontTx/>
       <a:buNone/>
       <a:tabLst/>
-      <a:defRPr kumimoji="0" sz="2800" b="0" i="0" u="none" strike="noStrike" cap="none" spc="0" normalizeH="0" baseline="0">
+      <a:defRPr b="0" baseline="0" cap="none" i="0" spc="0" strike="noStrike" sz="2800" u="none" kumimoji="0" normalizeH="0">
         <a:ln>
           <a:noFill/>
         </a:ln>
@@ -317,7 +317,7 @@
       <a:buFontTx/>
       <a:buNone/>
       <a:tabLst/>
-      <a:defRPr kumimoji="0" sz="2800" b="0" i="0" u="none" strike="noStrike" cap="none" spc="0" normalizeH="0" baseline="0">
+      <a:defRPr b="0" baseline="0" cap="none" i="0" spc="0" strike="noStrike" sz="2800" u="none" kumimoji="0" normalizeH="0">
         <a:ln>
           <a:noFill/>
         </a:ln>
@@ -336,14 +336,13 @@
 </p:presentation>
 </file>
 
+<file path=ppt/commentAuthors.xml><?xml version="1.0" encoding="utf-8"?>
+<p:cmAuthorLst xmlns:a="http://schemas.openxmlformats.org/drawingml/2006/main" xmlns:r="http://schemas.openxmlformats.org/officeDocument/2006/relationships" xmlns:p="http://schemas.openxmlformats.org/presentationml/2006/main"/>
+</file>
+
 <file path=ppt/notesMasters/notesMaster1.xml><?xml version="1.0" encoding="utf-8"?>
 <p:notesMaster xmlns:a="http://schemas.openxmlformats.org/drawingml/2006/main" xmlns:r="http://schemas.openxmlformats.org/officeDocument/2006/relationships" xmlns:p="http://schemas.openxmlformats.org/presentationml/2006/main">
   <p:cSld>
-    <p:bg>
-      <p:bgRef idx="1001">
-        <a:schemeClr val="bg1"/>
-      </p:bgRef>
-    </p:bg>
     <p:spTree>
       <p:nvGrpSpPr>
         <p:cNvPr id="1" name=""/>
@@ -361,9 +360,7 @@
       <p:sp>
         <p:nvSpPr>
           <p:cNvPr id="120" name="Shape 120"/>
-          <p:cNvSpPr>
-            <a:spLocks noGrp="1" noRot="1" noChangeAspect="1"/>
-          </p:cNvSpPr>
+          <p:cNvSpPr/>
           <p:nvPr>
             <p:ph type="sldImg"/>
           </p:nvPr>
@@ -381,16 +378,14 @@
           <a:bodyPr/>
           <a:lstStyle/>
           <a:p>
-            <a:endParaRPr/>
+            <a:pPr/>
           </a:p>
         </p:txBody>
       </p:sp>
       <p:sp>
         <p:nvSpPr>
           <p:cNvPr id="121" name="Shape 121"/>
-          <p:cNvSpPr>
-            <a:spLocks noGrp="1"/>
-          </p:cNvSpPr>
+          <p:cNvSpPr/>
           <p:nvPr>
             <p:ph type="body" sz="quarter" idx="1"/>
           </p:nvPr>
@@ -408,7 +403,7 @@
           <a:bodyPr/>
           <a:lstStyle/>
           <a:p>
-            <a:endParaRPr/>
+            <a:pPr/>
           </a:p>
         </p:txBody>
       </p:sp>
@@ -493,7 +488,7 @@
 </file>
 
 <file path=ppt/slideLayouts/slideLayout1.xml><?xml version="1.0" encoding="utf-8"?>
-<p:sldLayout xmlns:a="http://schemas.openxmlformats.org/drawingml/2006/main" xmlns:r="http://schemas.openxmlformats.org/officeDocument/2006/relationships" xmlns:p="http://schemas.openxmlformats.org/presentationml/2006/main" type="title">
+<p:sldLayout xmlns:a="http://schemas.openxmlformats.org/drawingml/2006/main" xmlns:r="http://schemas.openxmlformats.org/officeDocument/2006/relationships" xmlns:p="http://schemas.openxmlformats.org/presentationml/2006/main" type="title" showMasterSp="1" showMasterPhAnim="1">
   <p:cSld name="標題投影片">
     <p:spTree>
       <p:nvGrpSpPr>
@@ -541,9 +536,7 @@
       <p:sp>
         <p:nvSpPr>
           <p:cNvPr id="12" name="Title Text"/>
-          <p:cNvSpPr txBox="1">
-            <a:spLocks noGrp="1"/>
-          </p:cNvSpPr>
+          <p:cNvSpPr txBox="1"/>
           <p:nvPr>
             <p:ph type="title"/>
           </p:nvPr>
@@ -561,6 +554,7 @@
           <a:bodyPr/>
           <a:lstStyle/>
           <a:p>
+            <a:pPr/>
             <a:r>
               <a:t>Title Text</a:t>
             </a:r>
@@ -570,9 +564,7 @@
       <p:sp>
         <p:nvSpPr>
           <p:cNvPr id="13" name="Body Level One…"/>
-          <p:cNvSpPr txBox="1">
-            <a:spLocks noGrp="1"/>
-          </p:cNvSpPr>
+          <p:cNvSpPr txBox="1"/>
           <p:nvPr>
             <p:ph type="body" sz="quarter" idx="1"/>
           </p:nvPr>
@@ -641,6 +633,7 @@
             </a:lvl5pPr>
           </a:lstStyle>
           <a:p>
+            <a:pPr/>
             <a:r>
               <a:t>Body Level One</a:t>
             </a:r>
@@ -674,9 +667,7 @@
       <p:sp>
         <p:nvSpPr>
           <p:cNvPr id="14" name="Slide Number"/>
-          <p:cNvSpPr txBox="1">
-            <a:spLocks noGrp="1"/>
-          </p:cNvSpPr>
+          <p:cNvSpPr txBox="1"/>
           <p:nvPr>
             <p:ph type="sldNum" sz="quarter" idx="2"/>
           </p:nvPr>
@@ -690,10 +681,8 @@
           <a:bodyPr/>
           <a:lstStyle/>
           <a:p>
-            <a:fld id="{86CB4B4D-7CA3-9044-876B-883B54F8677D}" type="slidenum">
-              <a:t>‹#›</a:t>
-            </a:fld>
-            <a:endParaRPr/>
+            <a:pPr/>
+            <a:fld id="{86CB4B4D-7CA3-9044-876B-883B54F8677D}" type="slidenum"/>
           </a:p>
         </p:txBody>
       </p:sp>
@@ -702,12 +691,12 @@
   <p:clrMapOvr>
     <a:masterClrMapping/>
   </p:clrMapOvr>
-  <p:transition spd="med"/>
+  <p:transition xmlns:p14="http://schemas.microsoft.com/office/powerpoint/2010/main" spd="med" advClick="1"/>
 </p:sldLayout>
 </file>
 
 <file path=ppt/slideLayouts/slideLayout10.xml><?xml version="1.0" encoding="utf-8"?>
-<p:sldLayout xmlns:a="http://schemas.openxmlformats.org/drawingml/2006/main" xmlns:r="http://schemas.openxmlformats.org/officeDocument/2006/relationships" xmlns:p="http://schemas.openxmlformats.org/presentationml/2006/main" type="tx">
+<p:sldLayout xmlns:a="http://schemas.openxmlformats.org/drawingml/2006/main" xmlns:r="http://schemas.openxmlformats.org/officeDocument/2006/relationships" xmlns:p="http://schemas.openxmlformats.org/presentationml/2006/main" type="tx" showMasterSp="1" showMasterPhAnim="1">
   <p:cSld name="標題及直排文字">
     <p:spTree>
       <p:nvGrpSpPr>
@@ -726,9 +715,7 @@
       <p:sp>
         <p:nvSpPr>
           <p:cNvPr id="93" name="Title Text"/>
-          <p:cNvSpPr txBox="1">
-            <a:spLocks noGrp="1"/>
-          </p:cNvSpPr>
+          <p:cNvSpPr txBox="1"/>
           <p:nvPr>
             <p:ph type="title"/>
           </p:nvPr>
@@ -742,6 +729,7 @@
           <a:bodyPr/>
           <a:lstStyle/>
           <a:p>
+            <a:pPr/>
             <a:r>
               <a:t>Title Text</a:t>
             </a:r>
@@ -751,9 +739,7 @@
       <p:sp>
         <p:nvSpPr>
           <p:cNvPr id="94" name="Body Level One…"/>
-          <p:cNvSpPr txBox="1">
-            <a:spLocks noGrp="1"/>
-          </p:cNvSpPr>
+          <p:cNvSpPr txBox="1"/>
           <p:nvPr>
             <p:ph type="body" idx="1"/>
           </p:nvPr>
@@ -767,6 +753,7 @@
           <a:bodyPr/>
           <a:lstStyle/>
           <a:p>
+            <a:pPr/>
             <a:r>
               <a:t>Body Level One</a:t>
             </a:r>
@@ -800,9 +787,7 @@
       <p:sp>
         <p:nvSpPr>
           <p:cNvPr id="95" name="Slide Number"/>
-          <p:cNvSpPr txBox="1">
-            <a:spLocks noGrp="1"/>
-          </p:cNvSpPr>
+          <p:cNvSpPr txBox="1"/>
           <p:nvPr>
             <p:ph type="sldNum" sz="quarter" idx="2"/>
           </p:nvPr>
@@ -816,10 +801,8 @@
           <a:bodyPr/>
           <a:lstStyle/>
           <a:p>
-            <a:fld id="{86CB4B4D-7CA3-9044-876B-883B54F8677D}" type="slidenum">
-              <a:t>‹#›</a:t>
-            </a:fld>
-            <a:endParaRPr/>
+            <a:pPr/>
+            <a:fld id="{86CB4B4D-7CA3-9044-876B-883B54F8677D}" type="slidenum"/>
           </a:p>
         </p:txBody>
       </p:sp>
@@ -828,12 +811,12 @@
   <p:clrMapOvr>
     <a:masterClrMapping/>
   </p:clrMapOvr>
-  <p:transition spd="med"/>
+  <p:transition xmlns:p14="http://schemas.microsoft.com/office/powerpoint/2010/main" spd="med" advClick="1"/>
 </p:sldLayout>
 </file>
 
 <file path=ppt/slideLayouts/slideLayout11.xml><?xml version="1.0" encoding="utf-8"?>
-<p:sldLayout xmlns:a="http://schemas.openxmlformats.org/drawingml/2006/main" xmlns:r="http://schemas.openxmlformats.org/officeDocument/2006/relationships" xmlns:p="http://schemas.openxmlformats.org/presentationml/2006/main" type="tx">
+<p:sldLayout xmlns:a="http://schemas.openxmlformats.org/drawingml/2006/main" xmlns:r="http://schemas.openxmlformats.org/officeDocument/2006/relationships" xmlns:p="http://schemas.openxmlformats.org/presentationml/2006/main" type="tx" showMasterSp="1" showMasterPhAnim="1">
   <p:cSld name="標題投影片">
     <p:spTree>
       <p:nvGrpSpPr>
@@ -852,9 +835,7 @@
       <p:sp>
         <p:nvSpPr>
           <p:cNvPr id="102" name="Title Text"/>
-          <p:cNvSpPr txBox="1">
-            <a:spLocks noGrp="1"/>
-          </p:cNvSpPr>
+          <p:cNvSpPr txBox="1"/>
           <p:nvPr>
             <p:ph type="title"/>
           </p:nvPr>
@@ -881,6 +862,7 @@
             </a:lvl1pPr>
           </a:lstStyle>
           <a:p>
+            <a:pPr/>
             <a:r>
               <a:t>Title Text</a:t>
             </a:r>
@@ -890,9 +872,7 @@
       <p:sp>
         <p:nvSpPr>
           <p:cNvPr id="103" name="Body Level One…"/>
-          <p:cNvSpPr txBox="1">
-            <a:spLocks noGrp="1"/>
-          </p:cNvSpPr>
+          <p:cNvSpPr txBox="1"/>
           <p:nvPr>
             <p:ph type="body" sz="quarter" idx="1"/>
           </p:nvPr>
@@ -981,6 +961,7 @@
             </a:lvl5pPr>
           </a:lstStyle>
           <a:p>
+            <a:pPr/>
             <a:r>
               <a:t>Body Level One</a:t>
             </a:r>
@@ -1043,9 +1024,7 @@
       <p:sp>
         <p:nvSpPr>
           <p:cNvPr id="105" name="Slide Number"/>
-          <p:cNvSpPr txBox="1">
-            <a:spLocks noGrp="1"/>
-          </p:cNvSpPr>
+          <p:cNvSpPr txBox="1"/>
           <p:nvPr>
             <p:ph type="sldNum" sz="quarter" idx="2"/>
           </p:nvPr>
@@ -1072,10 +1051,8 @@
             </a:lvl1pPr>
           </a:lstStyle>
           <a:p>
-            <a:fld id="{86CB4B4D-7CA3-9044-876B-883B54F8677D}" type="slidenum">
-              <a:t>‹#›</a:t>
-            </a:fld>
-            <a:endParaRPr/>
+            <a:pPr/>
+            <a:fld id="{86CB4B4D-7CA3-9044-876B-883B54F8677D}" type="slidenum"/>
           </a:p>
         </p:txBody>
       </p:sp>
@@ -1084,12 +1061,12 @@
   <p:clrMapOvr>
     <a:masterClrMapping/>
   </p:clrMapOvr>
-  <p:transition spd="med"/>
+  <p:transition xmlns:p14="http://schemas.microsoft.com/office/powerpoint/2010/main" spd="med" advClick="1"/>
 </p:sldLayout>
 </file>
 
 <file path=ppt/slideLayouts/slideLayout12.xml><?xml version="1.0" encoding="utf-8"?>
-<p:sldLayout xmlns:a="http://schemas.openxmlformats.org/drawingml/2006/main" xmlns:r="http://schemas.openxmlformats.org/officeDocument/2006/relationships" xmlns:p="http://schemas.openxmlformats.org/presentationml/2006/main" type="tx">
+<p:sldLayout xmlns:a="http://schemas.openxmlformats.org/drawingml/2006/main" xmlns:r="http://schemas.openxmlformats.org/officeDocument/2006/relationships" xmlns:p="http://schemas.openxmlformats.org/presentationml/2006/main" type="tx" showMasterSp="1" showMasterPhAnim="1">
   <p:cSld name="標題及物件">
     <p:spTree>
       <p:nvGrpSpPr>
@@ -1108,9 +1085,7 @@
       <p:sp>
         <p:nvSpPr>
           <p:cNvPr id="112" name="Title Text"/>
-          <p:cNvSpPr txBox="1">
-            <a:spLocks noGrp="1"/>
-          </p:cNvSpPr>
+          <p:cNvSpPr txBox="1"/>
           <p:nvPr>
             <p:ph type="title"/>
           </p:nvPr>
@@ -1133,6 +1108,7 @@
             </a:lvl1pPr>
           </a:lstStyle>
           <a:p>
+            <a:pPr/>
             <a:r>
               <a:t>Title Text</a:t>
             </a:r>
@@ -1142,9 +1118,7 @@
       <p:sp>
         <p:nvSpPr>
           <p:cNvPr id="113" name="Body Level One…"/>
-          <p:cNvSpPr txBox="1">
-            <a:spLocks noGrp="1"/>
-          </p:cNvSpPr>
+          <p:cNvSpPr txBox="1"/>
           <p:nvPr>
             <p:ph type="body" idx="1"/>
           </p:nvPr>
@@ -1199,6 +1173,7 @@
             </a:lvl5pPr>
           </a:lstStyle>
           <a:p>
+            <a:pPr/>
             <a:r>
               <a:t>Body Level One</a:t>
             </a:r>
@@ -1232,9 +1207,7 @@
       <p:sp>
         <p:nvSpPr>
           <p:cNvPr id="114" name="Slide Number"/>
-          <p:cNvSpPr txBox="1">
-            <a:spLocks noGrp="1"/>
-          </p:cNvSpPr>
+          <p:cNvSpPr txBox="1"/>
           <p:nvPr>
             <p:ph type="sldNum" sz="quarter" idx="2"/>
           </p:nvPr>
@@ -1261,10 +1234,8 @@
             </a:lvl1pPr>
           </a:lstStyle>
           <a:p>
-            <a:fld id="{86CB4B4D-7CA3-9044-876B-883B54F8677D}" type="slidenum">
-              <a:t>‹#›</a:t>
-            </a:fld>
-            <a:endParaRPr/>
+            <a:pPr/>
+            <a:fld id="{86CB4B4D-7CA3-9044-876B-883B54F8677D}" type="slidenum"/>
           </a:p>
         </p:txBody>
       </p:sp>
@@ -1273,12 +1244,12 @@
   <p:clrMapOvr>
     <a:masterClrMapping/>
   </p:clrMapOvr>
-  <p:transition spd="med"/>
+  <p:transition xmlns:p14="http://schemas.microsoft.com/office/powerpoint/2010/main" spd="med" advClick="1"/>
 </p:sldLayout>
 </file>
 
 <file path=ppt/slideLayouts/slideLayout2.xml><?xml version="1.0" encoding="utf-8"?>
-<p:sldLayout xmlns:a="http://schemas.openxmlformats.org/drawingml/2006/main" xmlns:r="http://schemas.openxmlformats.org/officeDocument/2006/relationships" xmlns:p="http://schemas.openxmlformats.org/presentationml/2006/main" type="tx">
+<p:sldLayout xmlns:a="http://schemas.openxmlformats.org/drawingml/2006/main" xmlns:r="http://schemas.openxmlformats.org/officeDocument/2006/relationships" xmlns:p="http://schemas.openxmlformats.org/presentationml/2006/main" type="tx" showMasterSp="1" showMasterPhAnim="1">
   <p:cSld name="標題及物件">
     <p:spTree>
       <p:nvGrpSpPr>
@@ -1297,9 +1268,7 @@
       <p:sp>
         <p:nvSpPr>
           <p:cNvPr id="21" name="Title Text"/>
-          <p:cNvSpPr txBox="1">
-            <a:spLocks noGrp="1"/>
-          </p:cNvSpPr>
+          <p:cNvSpPr txBox="1"/>
           <p:nvPr>
             <p:ph type="title"/>
           </p:nvPr>
@@ -1313,6 +1282,7 @@
           <a:bodyPr/>
           <a:lstStyle/>
           <a:p>
+            <a:pPr/>
             <a:r>
               <a:t>Title Text</a:t>
             </a:r>
@@ -1322,9 +1292,7 @@
       <p:sp>
         <p:nvSpPr>
           <p:cNvPr id="22" name="Body Level One…"/>
-          <p:cNvSpPr txBox="1">
-            <a:spLocks noGrp="1"/>
-          </p:cNvSpPr>
+          <p:cNvSpPr txBox="1"/>
           <p:nvPr>
             <p:ph type="body" idx="1"/>
           </p:nvPr>
@@ -1338,6 +1306,7 @@
           <a:bodyPr/>
           <a:lstStyle/>
           <a:p>
+            <a:pPr/>
             <a:r>
               <a:t>Body Level One</a:t>
             </a:r>
@@ -1371,9 +1340,7 @@
       <p:sp>
         <p:nvSpPr>
           <p:cNvPr id="23" name="Slide Number"/>
-          <p:cNvSpPr txBox="1">
-            <a:spLocks noGrp="1"/>
-          </p:cNvSpPr>
+          <p:cNvSpPr txBox="1"/>
           <p:nvPr>
             <p:ph type="sldNum" sz="quarter" idx="2"/>
           </p:nvPr>
@@ -1387,10 +1354,8 @@
           <a:bodyPr/>
           <a:lstStyle/>
           <a:p>
-            <a:fld id="{86CB4B4D-7CA3-9044-876B-883B54F8677D}" type="slidenum">
-              <a:t>‹#›</a:t>
-            </a:fld>
-            <a:endParaRPr/>
+            <a:pPr/>
+            <a:fld id="{86CB4B4D-7CA3-9044-876B-883B54F8677D}" type="slidenum"/>
           </a:p>
         </p:txBody>
       </p:sp>
@@ -1399,12 +1364,12 @@
   <p:clrMapOvr>
     <a:masterClrMapping/>
   </p:clrMapOvr>
-  <p:transition spd="med"/>
+  <p:transition xmlns:p14="http://schemas.microsoft.com/office/powerpoint/2010/main" spd="med" advClick="1"/>
 </p:sldLayout>
 </file>
 
 <file path=ppt/slideLayouts/slideLayout3.xml><?xml version="1.0" encoding="utf-8"?>
-<p:sldLayout xmlns:a="http://schemas.openxmlformats.org/drawingml/2006/main" xmlns:r="http://schemas.openxmlformats.org/officeDocument/2006/relationships" xmlns:p="http://schemas.openxmlformats.org/presentationml/2006/main" type="tx">
+<p:sldLayout xmlns:a="http://schemas.openxmlformats.org/drawingml/2006/main" xmlns:r="http://schemas.openxmlformats.org/officeDocument/2006/relationships" xmlns:p="http://schemas.openxmlformats.org/presentationml/2006/main" type="tx" showMasterSp="1" showMasterPhAnim="1">
   <p:cSld name="章節標題">
     <p:spTree>
       <p:nvGrpSpPr>
@@ -1423,9 +1388,7 @@
       <p:sp>
         <p:nvSpPr>
           <p:cNvPr id="30" name="Title Text"/>
-          <p:cNvSpPr txBox="1">
-            <a:spLocks noGrp="1"/>
-          </p:cNvSpPr>
+          <p:cNvSpPr txBox="1"/>
           <p:nvPr>
             <p:ph type="title"/>
           </p:nvPr>
@@ -1433,7 +1396,7 @@
         <p:spPr>
           <a:xfrm>
             <a:off x="1137641" y="6939846"/>
-            <a:ext cx="12241533" cy="2144961"/>
+            <a:ext cx="12241533" cy="2144962"/>
           </a:xfrm>
           <a:prstGeom prst="rect">
             <a:avLst/>
@@ -1443,10 +1406,11 @@
           <a:bodyPr anchor="t"/>
           <a:lstStyle>
             <a:lvl1pPr algn="l">
-              <a:defRPr sz="6200" b="1" cap="all"/>
+              <a:defRPr b="1" cap="all" sz="6200"/>
             </a:lvl1pPr>
           </a:lstStyle>
           <a:p>
+            <a:pPr/>
             <a:r>
               <a:t>Title Text</a:t>
             </a:r>
@@ -1456,9 +1420,7 @@
       <p:sp>
         <p:nvSpPr>
           <p:cNvPr id="31" name="Body Level One…"/>
-          <p:cNvSpPr txBox="1">
-            <a:spLocks noGrp="1"/>
-          </p:cNvSpPr>
+          <p:cNvSpPr txBox="1"/>
           <p:nvPr>
             <p:ph type="body" sz="quarter" idx="1"/>
           </p:nvPr>
@@ -1542,6 +1504,7 @@
             </a:lvl5pPr>
           </a:lstStyle>
           <a:p>
+            <a:pPr/>
             <a:r>
               <a:t>Body Level One</a:t>
             </a:r>
@@ -1575,9 +1538,7 @@
       <p:sp>
         <p:nvSpPr>
           <p:cNvPr id="32" name="Slide Number"/>
-          <p:cNvSpPr txBox="1">
-            <a:spLocks noGrp="1"/>
-          </p:cNvSpPr>
+          <p:cNvSpPr txBox="1"/>
           <p:nvPr>
             <p:ph type="sldNum" sz="quarter" idx="2"/>
           </p:nvPr>
@@ -1591,10 +1552,8 @@
           <a:bodyPr/>
           <a:lstStyle/>
           <a:p>
-            <a:fld id="{86CB4B4D-7CA3-9044-876B-883B54F8677D}" type="slidenum">
-              <a:t>‹#›</a:t>
-            </a:fld>
-            <a:endParaRPr/>
+            <a:pPr/>
+            <a:fld id="{86CB4B4D-7CA3-9044-876B-883B54F8677D}" type="slidenum"/>
           </a:p>
         </p:txBody>
       </p:sp>
@@ -1603,12 +1562,12 @@
   <p:clrMapOvr>
     <a:masterClrMapping/>
   </p:clrMapOvr>
-  <p:transition spd="med"/>
+  <p:transition xmlns:p14="http://schemas.microsoft.com/office/powerpoint/2010/main" spd="med" advClick="1"/>
 </p:sldLayout>
 </file>
 
 <file path=ppt/slideLayouts/slideLayout4.xml><?xml version="1.0" encoding="utf-8"?>
-<p:sldLayout xmlns:a="http://schemas.openxmlformats.org/drawingml/2006/main" xmlns:r="http://schemas.openxmlformats.org/officeDocument/2006/relationships" xmlns:p="http://schemas.openxmlformats.org/presentationml/2006/main" type="tx">
+<p:sldLayout xmlns:a="http://schemas.openxmlformats.org/drawingml/2006/main" xmlns:r="http://schemas.openxmlformats.org/officeDocument/2006/relationships" xmlns:p="http://schemas.openxmlformats.org/presentationml/2006/main" type="tx" showMasterSp="1" showMasterPhAnim="1">
   <p:cSld name="兩項物件">
     <p:spTree>
       <p:nvGrpSpPr>
@@ -1627,9 +1586,7 @@
       <p:sp>
         <p:nvSpPr>
           <p:cNvPr id="39" name="Title Text"/>
-          <p:cNvSpPr txBox="1">
-            <a:spLocks noGrp="1"/>
-          </p:cNvSpPr>
+          <p:cNvSpPr txBox="1"/>
           <p:nvPr>
             <p:ph type="title"/>
           </p:nvPr>
@@ -1643,6 +1600,7 @@
           <a:bodyPr/>
           <a:lstStyle/>
           <a:p>
+            <a:pPr/>
             <a:r>
               <a:t>Title Text</a:t>
             </a:r>
@@ -1652,9 +1610,7 @@
       <p:sp>
         <p:nvSpPr>
           <p:cNvPr id="40" name="Body Level One…"/>
-          <p:cNvSpPr txBox="1">
-            <a:spLocks noGrp="1"/>
-          </p:cNvSpPr>
+          <p:cNvSpPr txBox="1"/>
           <p:nvPr>
             <p:ph type="body" sz="half" idx="1"/>
           </p:nvPr>
@@ -1703,6 +1659,7 @@
             </a:lvl5pPr>
           </a:lstStyle>
           <a:p>
+            <a:pPr/>
             <a:r>
               <a:t>Body Level One</a:t>
             </a:r>
@@ -1736,9 +1693,7 @@
       <p:sp>
         <p:nvSpPr>
           <p:cNvPr id="41" name="Slide Number"/>
-          <p:cNvSpPr txBox="1">
-            <a:spLocks noGrp="1"/>
-          </p:cNvSpPr>
+          <p:cNvSpPr txBox="1"/>
           <p:nvPr>
             <p:ph type="sldNum" sz="quarter" idx="2"/>
           </p:nvPr>
@@ -1752,10 +1707,8 @@
           <a:bodyPr/>
           <a:lstStyle/>
           <a:p>
-            <a:fld id="{86CB4B4D-7CA3-9044-876B-883B54F8677D}" type="slidenum">
-              <a:t>‹#›</a:t>
-            </a:fld>
-            <a:endParaRPr/>
+            <a:pPr/>
+            <a:fld id="{86CB4B4D-7CA3-9044-876B-883B54F8677D}" type="slidenum"/>
           </a:p>
         </p:txBody>
       </p:sp>
@@ -1764,12 +1717,12 @@
   <p:clrMapOvr>
     <a:masterClrMapping/>
   </p:clrMapOvr>
-  <p:transition spd="med"/>
+  <p:transition xmlns:p14="http://schemas.microsoft.com/office/powerpoint/2010/main" spd="med" advClick="1"/>
 </p:sldLayout>
 </file>
 
 <file path=ppt/slideLayouts/slideLayout5.xml><?xml version="1.0" encoding="utf-8"?>
-<p:sldLayout xmlns:a="http://schemas.openxmlformats.org/drawingml/2006/main" xmlns:r="http://schemas.openxmlformats.org/officeDocument/2006/relationships" xmlns:p="http://schemas.openxmlformats.org/presentationml/2006/main" type="tx">
+<p:sldLayout xmlns:a="http://schemas.openxmlformats.org/drawingml/2006/main" xmlns:r="http://schemas.openxmlformats.org/officeDocument/2006/relationships" xmlns:p="http://schemas.openxmlformats.org/presentationml/2006/main" type="tx" showMasterSp="1" showMasterPhAnim="1">
   <p:cSld name="比對">
     <p:spTree>
       <p:nvGrpSpPr>
@@ -1788,9 +1741,7 @@
       <p:sp>
         <p:nvSpPr>
           <p:cNvPr id="48" name="Body Level One…"/>
-          <p:cNvSpPr txBox="1">
-            <a:spLocks noGrp="1"/>
-          </p:cNvSpPr>
+          <p:cNvSpPr txBox="1"/>
           <p:nvPr>
             <p:ph type="body" sz="quarter" idx="1"/>
           </p:nvPr>
@@ -1814,38 +1765,39 @@
               <a:buSzTx/>
               <a:buFontTx/>
               <a:buNone/>
-              <a:defRPr sz="3700" b="1"/>
+              <a:defRPr b="1" sz="3700"/>
             </a:lvl1pPr>
             <a:lvl2pPr marL="1098406" indent="-378405">
               <a:spcBef>
                 <a:spcPts val="800"/>
               </a:spcBef>
               <a:buFontTx/>
-              <a:defRPr sz="3700" b="1"/>
+              <a:defRPr b="1" sz="3700"/>
             </a:lvl2pPr>
             <a:lvl3pPr marL="1799994" indent="-359997">
               <a:spcBef>
                 <a:spcPts val="800"/>
               </a:spcBef>
               <a:buFontTx/>
-              <a:defRPr sz="3700" b="1"/>
+              <a:defRPr b="1" sz="3700"/>
             </a:lvl3pPr>
             <a:lvl4pPr marL="2589670" indent="-429672">
               <a:spcBef>
                 <a:spcPts val="800"/>
               </a:spcBef>
               <a:buFontTx/>
-              <a:defRPr sz="3700" b="1"/>
+              <a:defRPr b="1" sz="3700"/>
             </a:lvl4pPr>
             <a:lvl5pPr marL="3309672" indent="-429672">
               <a:spcBef>
                 <a:spcPts val="800"/>
               </a:spcBef>
               <a:buFontTx/>
-              <a:defRPr sz="3700" b="1"/>
+              <a:defRPr b="1" sz="3700"/>
             </a:lvl5pPr>
           </a:lstStyle>
           <a:p>
+            <a:pPr/>
             <a:r>
               <a:t>Body Level One</a:t>
             </a:r>
@@ -1879,9 +1831,7 @@
       <p:sp>
         <p:nvSpPr>
           <p:cNvPr id="49" name="Title Text"/>
-          <p:cNvSpPr txBox="1">
-            <a:spLocks noGrp="1"/>
-          </p:cNvSpPr>
+          <p:cNvSpPr txBox="1"/>
           <p:nvPr>
             <p:ph type="title"/>
           </p:nvPr>
@@ -1895,6 +1845,7 @@
           <a:bodyPr/>
           <a:lstStyle/>
           <a:p>
+            <a:pPr/>
             <a:r>
               <a:t>Title Text</a:t>
             </a:r>
@@ -1904,17 +1855,15 @@
       <p:sp>
         <p:nvSpPr>
           <p:cNvPr id="50" name="正文级别 1…"/>
-          <p:cNvSpPr txBox="1">
-            <a:spLocks noGrp="1"/>
-          </p:cNvSpPr>
+          <p:cNvSpPr txBox="1"/>
           <p:nvPr>
             <p:ph type="body" sz="quarter" idx="13"/>
           </p:nvPr>
         </p:nvSpPr>
         <p:spPr>
           <a:xfrm>
-            <a:off x="720083" y="2417446"/>
-            <a:ext cx="6363310" cy="1007485"/>
+            <a:off x="720082" y="2417446"/>
+            <a:ext cx="6363312" cy="1007486"/>
           </a:xfrm>
           <a:prstGeom prst="rect">
             <a:avLst/>
@@ -1924,16 +1873,14 @@
           <a:bodyPr anchor="b"/>
           <a:lstStyle/>
           <a:p>
-            <a:endParaRPr/>
+            <a:pPr/>
           </a:p>
         </p:txBody>
       </p:sp>
       <p:sp>
         <p:nvSpPr>
           <p:cNvPr id="51" name="Slide Number"/>
-          <p:cNvSpPr txBox="1">
-            <a:spLocks noGrp="1"/>
-          </p:cNvSpPr>
+          <p:cNvSpPr txBox="1"/>
           <p:nvPr>
             <p:ph type="sldNum" sz="quarter" idx="2"/>
           </p:nvPr>
@@ -1947,10 +1894,8 @@
           <a:bodyPr/>
           <a:lstStyle/>
           <a:p>
-            <a:fld id="{86CB4B4D-7CA3-9044-876B-883B54F8677D}" type="slidenum">
-              <a:t>‹#›</a:t>
-            </a:fld>
-            <a:endParaRPr/>
+            <a:pPr/>
+            <a:fld id="{86CB4B4D-7CA3-9044-876B-883B54F8677D}" type="slidenum"/>
           </a:p>
         </p:txBody>
       </p:sp>
@@ -1959,12 +1904,12 @@
   <p:clrMapOvr>
     <a:masterClrMapping/>
   </p:clrMapOvr>
-  <p:transition spd="med"/>
+  <p:transition xmlns:p14="http://schemas.microsoft.com/office/powerpoint/2010/main" spd="med" advClick="1"/>
 </p:sldLayout>
 </file>
 
 <file path=ppt/slideLayouts/slideLayout6.xml><?xml version="1.0" encoding="utf-8"?>
-<p:sldLayout xmlns:a="http://schemas.openxmlformats.org/drawingml/2006/main" xmlns:r="http://schemas.openxmlformats.org/officeDocument/2006/relationships" xmlns:p="http://schemas.openxmlformats.org/presentationml/2006/main" type="tx">
+<p:sldLayout xmlns:a="http://schemas.openxmlformats.org/drawingml/2006/main" xmlns:r="http://schemas.openxmlformats.org/officeDocument/2006/relationships" xmlns:p="http://schemas.openxmlformats.org/presentationml/2006/main" type="tx" showMasterSp="1" showMasterPhAnim="1">
   <p:cSld name="只有標題">
     <p:spTree>
       <p:nvGrpSpPr>
@@ -1983,9 +1928,7 @@
       <p:sp>
         <p:nvSpPr>
           <p:cNvPr id="58" name="Title Text"/>
-          <p:cNvSpPr txBox="1">
-            <a:spLocks noGrp="1"/>
-          </p:cNvSpPr>
+          <p:cNvSpPr txBox="1"/>
           <p:nvPr>
             <p:ph type="title"/>
           </p:nvPr>
@@ -1999,6 +1942,7 @@
           <a:bodyPr/>
           <a:lstStyle/>
           <a:p>
+            <a:pPr/>
             <a:r>
               <a:t>Title Text</a:t>
             </a:r>
@@ -2008,9 +1952,7 @@
       <p:sp>
         <p:nvSpPr>
           <p:cNvPr id="59" name="Slide Number"/>
-          <p:cNvSpPr txBox="1">
-            <a:spLocks noGrp="1"/>
-          </p:cNvSpPr>
+          <p:cNvSpPr txBox="1"/>
           <p:nvPr>
             <p:ph type="sldNum" sz="quarter" idx="2"/>
           </p:nvPr>
@@ -2024,10 +1966,8 @@
           <a:bodyPr/>
           <a:lstStyle/>
           <a:p>
-            <a:fld id="{86CB4B4D-7CA3-9044-876B-883B54F8677D}" type="slidenum">
-              <a:t>‹#›</a:t>
-            </a:fld>
-            <a:endParaRPr/>
+            <a:pPr/>
+            <a:fld id="{86CB4B4D-7CA3-9044-876B-883B54F8677D}" type="slidenum"/>
           </a:p>
         </p:txBody>
       </p:sp>
@@ -2036,12 +1976,12 @@
   <p:clrMapOvr>
     <a:masterClrMapping/>
   </p:clrMapOvr>
-  <p:transition spd="med"/>
+  <p:transition xmlns:p14="http://schemas.microsoft.com/office/powerpoint/2010/main" spd="med" advClick="1"/>
 </p:sldLayout>
 </file>
 
 <file path=ppt/slideLayouts/slideLayout7.xml><?xml version="1.0" encoding="utf-8"?>
-<p:sldLayout xmlns:a="http://schemas.openxmlformats.org/drawingml/2006/main" xmlns:r="http://schemas.openxmlformats.org/officeDocument/2006/relationships" xmlns:p="http://schemas.openxmlformats.org/presentationml/2006/main" type="tx">
+<p:sldLayout xmlns:a="http://schemas.openxmlformats.org/drawingml/2006/main" xmlns:r="http://schemas.openxmlformats.org/officeDocument/2006/relationships" xmlns:p="http://schemas.openxmlformats.org/presentationml/2006/main" type="tx" showMasterSp="1" showMasterPhAnim="1">
   <p:cSld name="空白">
     <p:spTree>
       <p:nvGrpSpPr>
@@ -2060,9 +2000,7 @@
       <p:sp>
         <p:nvSpPr>
           <p:cNvPr id="66" name="Slide Number"/>
-          <p:cNvSpPr txBox="1">
-            <a:spLocks noGrp="1"/>
-          </p:cNvSpPr>
+          <p:cNvSpPr txBox="1"/>
           <p:nvPr>
             <p:ph type="sldNum" sz="quarter" idx="2"/>
           </p:nvPr>
@@ -2076,10 +2014,8 @@
           <a:bodyPr/>
           <a:lstStyle/>
           <a:p>
-            <a:fld id="{86CB4B4D-7CA3-9044-876B-883B54F8677D}" type="slidenum">
-              <a:t>‹#›</a:t>
-            </a:fld>
-            <a:endParaRPr/>
+            <a:pPr/>
+            <a:fld id="{86CB4B4D-7CA3-9044-876B-883B54F8677D}" type="slidenum"/>
           </a:p>
         </p:txBody>
       </p:sp>
@@ -2088,12 +2024,12 @@
   <p:clrMapOvr>
     <a:masterClrMapping/>
   </p:clrMapOvr>
-  <p:transition spd="med"/>
+  <p:transition xmlns:p14="http://schemas.microsoft.com/office/powerpoint/2010/main" spd="med" advClick="1"/>
 </p:sldLayout>
 </file>
 
 <file path=ppt/slideLayouts/slideLayout8.xml><?xml version="1.0" encoding="utf-8"?>
-<p:sldLayout xmlns:a="http://schemas.openxmlformats.org/drawingml/2006/main" xmlns:r="http://schemas.openxmlformats.org/officeDocument/2006/relationships" xmlns:p="http://schemas.openxmlformats.org/presentationml/2006/main" type="tx">
+<p:sldLayout xmlns:a="http://schemas.openxmlformats.org/drawingml/2006/main" xmlns:r="http://schemas.openxmlformats.org/officeDocument/2006/relationships" xmlns:p="http://schemas.openxmlformats.org/presentationml/2006/main" type="tx" showMasterSp="1" showMasterPhAnim="1">
   <p:cSld name="含標題的內容">
     <p:spTree>
       <p:nvGrpSpPr>
@@ -2112,9 +2048,7 @@
       <p:sp>
         <p:nvSpPr>
           <p:cNvPr id="73" name="Body Level One…"/>
-          <p:cNvSpPr txBox="1">
-            <a:spLocks noGrp="1"/>
-          </p:cNvSpPr>
+          <p:cNvSpPr txBox="1"/>
           <p:nvPr>
             <p:ph type="body" sz="half" idx="1"/>
           </p:nvPr>
@@ -2170,6 +2104,7 @@
             </a:lvl5pPr>
           </a:lstStyle>
           <a:p>
+            <a:pPr/>
             <a:r>
               <a:t>Body Level One</a:t>
             </a:r>
@@ -2203,9 +2138,7 @@
       <p:sp>
         <p:nvSpPr>
           <p:cNvPr id="74" name="Title Text"/>
-          <p:cNvSpPr txBox="1">
-            <a:spLocks noGrp="1"/>
-          </p:cNvSpPr>
+          <p:cNvSpPr txBox="1"/>
           <p:nvPr>
             <p:ph type="title"/>
           </p:nvPr>
@@ -2223,10 +2156,11 @@
           <a:bodyPr anchor="b"/>
           <a:lstStyle>
             <a:lvl1pPr algn="l">
-              <a:defRPr sz="3100" b="1"/>
+              <a:defRPr b="1" sz="3100"/>
             </a:lvl1pPr>
           </a:lstStyle>
           <a:p>
+            <a:pPr/>
             <a:r>
               <a:t>Title Text</a:t>
             </a:r>
@@ -2236,9 +2170,7 @@
       <p:sp>
         <p:nvSpPr>
           <p:cNvPr id="75" name="正文级别 1…"/>
-          <p:cNvSpPr txBox="1">
-            <a:spLocks noGrp="1"/>
-          </p:cNvSpPr>
+          <p:cNvSpPr txBox="1"/>
           <p:nvPr>
             <p:ph type="body" idx="13"/>
           </p:nvPr>
@@ -2256,16 +2188,14 @@
           <a:bodyPr/>
           <a:lstStyle/>
           <a:p>
-            <a:endParaRPr/>
+            <a:pPr/>
           </a:p>
         </p:txBody>
       </p:sp>
       <p:sp>
         <p:nvSpPr>
           <p:cNvPr id="76" name="Slide Number"/>
-          <p:cNvSpPr txBox="1">
-            <a:spLocks noGrp="1"/>
-          </p:cNvSpPr>
+          <p:cNvSpPr txBox="1"/>
           <p:nvPr>
             <p:ph type="sldNum" sz="quarter" idx="2"/>
           </p:nvPr>
@@ -2279,10 +2209,8 @@
           <a:bodyPr/>
           <a:lstStyle/>
           <a:p>
-            <a:fld id="{86CB4B4D-7CA3-9044-876B-883B54F8677D}" type="slidenum">
-              <a:t>‹#›</a:t>
-            </a:fld>
-            <a:endParaRPr/>
+            <a:pPr/>
+            <a:fld id="{86CB4B4D-7CA3-9044-876B-883B54F8677D}" type="slidenum"/>
           </a:p>
         </p:txBody>
       </p:sp>
@@ -2291,12 +2219,12 @@
   <p:clrMapOvr>
     <a:masterClrMapping/>
   </p:clrMapOvr>
-  <p:transition spd="med"/>
+  <p:transition xmlns:p14="http://schemas.microsoft.com/office/powerpoint/2010/main" spd="med" advClick="1"/>
 </p:sldLayout>
 </file>
 
 <file path=ppt/slideLayouts/slideLayout9.xml><?xml version="1.0" encoding="utf-8"?>
-<p:sldLayout xmlns:a="http://schemas.openxmlformats.org/drawingml/2006/main" xmlns:r="http://schemas.openxmlformats.org/officeDocument/2006/relationships" xmlns:p="http://schemas.openxmlformats.org/presentationml/2006/main" type="tx">
+<p:sldLayout xmlns:a="http://schemas.openxmlformats.org/drawingml/2006/main" xmlns:r="http://schemas.openxmlformats.org/officeDocument/2006/relationships" xmlns:p="http://schemas.openxmlformats.org/presentationml/2006/main" type="tx" showMasterSp="1" showMasterPhAnim="1">
   <p:cSld name="含標題的圖片">
     <p:spTree>
       <p:nvGrpSpPr>
@@ -2315,9 +2243,7 @@
       <p:sp>
         <p:nvSpPr>
           <p:cNvPr id="83" name="图像"/>
-          <p:cNvSpPr>
-            <a:spLocks noGrp="1"/>
-          </p:cNvSpPr>
+          <p:cNvSpPr/>
           <p:nvPr>
             <p:ph type="pic" sz="half" idx="13"/>
           </p:nvPr>
@@ -2337,16 +2263,14 @@
           </a:bodyPr>
           <a:lstStyle/>
           <a:p>
-            <a:endParaRPr/>
+            <a:pPr/>
           </a:p>
         </p:txBody>
       </p:sp>
       <p:sp>
         <p:nvSpPr>
           <p:cNvPr id="84" name="Title Text"/>
-          <p:cNvSpPr txBox="1">
-            <a:spLocks noGrp="1"/>
-          </p:cNvSpPr>
+          <p:cNvSpPr txBox="1"/>
           <p:nvPr>
             <p:ph type="title"/>
           </p:nvPr>
@@ -2354,7 +2278,7 @@
         <p:spPr>
           <a:xfrm>
             <a:off x="2822854" y="7559833"/>
-            <a:ext cx="8641082" cy="892489"/>
+            <a:ext cx="8641082" cy="892490"/>
           </a:xfrm>
           <a:prstGeom prst="rect">
             <a:avLst/>
@@ -2364,10 +2288,11 @@
           <a:bodyPr anchor="b"/>
           <a:lstStyle>
             <a:lvl1pPr algn="l">
-              <a:defRPr sz="3100" b="1"/>
+              <a:defRPr b="1" sz="3100"/>
             </a:lvl1pPr>
           </a:lstStyle>
           <a:p>
+            <a:pPr/>
             <a:r>
               <a:t>Title Text</a:t>
             </a:r>
@@ -2377,9 +2302,7 @@
       <p:sp>
         <p:nvSpPr>
           <p:cNvPr id="85" name="Body Level One…"/>
-          <p:cNvSpPr txBox="1">
-            <a:spLocks noGrp="1"/>
-          </p:cNvSpPr>
+          <p:cNvSpPr txBox="1"/>
           <p:nvPr>
             <p:ph type="body" sz="quarter" idx="1"/>
           </p:nvPr>
@@ -2387,7 +2310,7 @@
         <p:spPr>
           <a:xfrm>
             <a:off x="2822854" y="8452315"/>
-            <a:ext cx="8641082" cy="1267479"/>
+            <a:ext cx="8641082" cy="1267480"/>
           </a:xfrm>
           <a:prstGeom prst="rect">
             <a:avLst/>
@@ -2443,6 +2366,7 @@
             </a:lvl5pPr>
           </a:lstStyle>
           <a:p>
+            <a:pPr/>
             <a:r>
               <a:t>Body Level One</a:t>
             </a:r>
@@ -2476,9 +2400,7 @@
       <p:sp>
         <p:nvSpPr>
           <p:cNvPr id="86" name="Slide Number"/>
-          <p:cNvSpPr txBox="1">
-            <a:spLocks noGrp="1"/>
-          </p:cNvSpPr>
+          <p:cNvSpPr txBox="1"/>
           <p:nvPr>
             <p:ph type="sldNum" sz="quarter" idx="2"/>
           </p:nvPr>
@@ -2492,10 +2414,8 @@
           <a:bodyPr/>
           <a:lstStyle/>
           <a:p>
-            <a:fld id="{86CB4B4D-7CA3-9044-876B-883B54F8677D}" type="slidenum">
-              <a:t>‹#›</a:t>
-            </a:fld>
-            <a:endParaRPr/>
+            <a:pPr/>
+            <a:fld id="{86CB4B4D-7CA3-9044-876B-883B54F8677D}" type="slidenum"/>
           </a:p>
         </p:txBody>
       </p:sp>
@@ -2504,7 +2424,7 @@
   <p:clrMapOvr>
     <a:masterClrMapping/>
   </p:clrMapOvr>
-  <p:transition spd="med"/>
+  <p:transition xmlns:p14="http://schemas.microsoft.com/office/powerpoint/2010/main" spd="med" advClick="1"/>
 </p:sldLayout>
 </file>
 
@@ -2514,13 +2434,12 @@
     <p:bg>
       <p:bgPr>
         <a:blipFill rotWithShape="1">
-          <a:blip r:embed="rId14"/>
-          <a:srcRect/>
+          <a:blip r:embed="rId2"/>
+          <a:srcRect l="0" t="0" r="0" b="0"/>
           <a:stretch>
             <a:fillRect/>
           </a:stretch>
         </a:blipFill>
-        <a:effectLst/>
       </p:bgPr>
     </p:bg>
     <p:spTree>
@@ -2540,9 +2459,7 @@
       <p:sp>
         <p:nvSpPr>
           <p:cNvPr id="2" name="Title Text"/>
-          <p:cNvSpPr txBox="1">
-            <a:spLocks noGrp="1"/>
-          </p:cNvSpPr>
+          <p:cNvSpPr txBox="1"/>
           <p:nvPr>
             <p:ph type="title"/>
           </p:nvPr>
@@ -2560,16 +2477,17 @@
           </a:ln>
           <a:extLst>
             <a:ext uri="{C572A759-6A51-4108-AA02-DFA0A04FC94B}">
-              <ma14:wrappingTextBoxFlag xmlns:ma14="http://schemas.microsoft.com/office/mac/drawingml/2011/main" xmlns="" val="1"/>
+              <ma14:wrappingTextBoxFlag xmlns:ma14="http://schemas.microsoft.com/office/mac/drawingml/2011/main" val="1"/>
             </a:ext>
           </a:extLst>
         </p:spPr>
         <p:txBody>
           <a:bodyPr lIns="45718" tIns="45718" rIns="45718" bIns="45718" anchor="ctr">
-            <a:normAutofit/>
+            <a:normAutofit fontScale="100000" lnSpcReduction="0"/>
           </a:bodyPr>
           <a:lstStyle/>
           <a:p>
+            <a:pPr/>
             <a:r>
               <a:t>Title Text</a:t>
             </a:r>
@@ -2579,9 +2497,7 @@
       <p:sp>
         <p:nvSpPr>
           <p:cNvPr id="3" name="Body Level One…"/>
-          <p:cNvSpPr txBox="1">
-            <a:spLocks noGrp="1"/>
-          </p:cNvSpPr>
+          <p:cNvSpPr txBox="1"/>
           <p:nvPr>
             <p:ph type="body" idx="1"/>
           </p:nvPr>
@@ -2599,16 +2515,17 @@
           </a:ln>
           <a:extLst>
             <a:ext uri="{C572A759-6A51-4108-AA02-DFA0A04FC94B}">
-              <ma14:wrappingTextBoxFlag xmlns:ma14="http://schemas.microsoft.com/office/mac/drawingml/2011/main" xmlns="" val="1"/>
+              <ma14:wrappingTextBoxFlag xmlns:ma14="http://schemas.microsoft.com/office/mac/drawingml/2011/main" val="1"/>
             </a:ext>
           </a:extLst>
         </p:spPr>
         <p:txBody>
           <a:bodyPr lIns="45718" tIns="45718" rIns="45718" bIns="45718">
-            <a:normAutofit/>
+            <a:normAutofit fontScale="100000" lnSpcReduction="0"/>
           </a:bodyPr>
           <a:lstStyle/>
           <a:p>
+            <a:pPr/>
             <a:r>
               <a:t>Body Level One</a:t>
             </a:r>
@@ -2642,9 +2559,7 @@
       <p:sp>
         <p:nvSpPr>
           <p:cNvPr id="4" name="Slide Number"/>
-          <p:cNvSpPr txBox="1">
-            <a:spLocks noGrp="1"/>
-          </p:cNvSpPr>
+          <p:cNvSpPr txBox="1"/>
           <p:nvPr>
             <p:ph type="sldNum" sz="quarter" idx="2"/>
           </p:nvPr>
@@ -2679,10 +2594,8 @@
             </a:lvl1pPr>
           </a:lstStyle>
           <a:p>
-            <a:fld id="{86CB4B4D-7CA3-9044-876B-883B54F8677D}" type="slidenum">
-              <a:t>‹#›</a:t>
-            </a:fld>
-            <a:endParaRPr/>
+            <a:pPr/>
+            <a:fld id="{86CB4B4D-7CA3-9044-876B-883B54F8677D}" type="slidenum"/>
           </a:p>
         </p:txBody>
       </p:sp>
@@ -2690,20 +2603,20 @@
   </p:cSld>
   <p:clrMap bg1="lt1" tx1="dk1" bg2="lt2" tx2="dk2" accent1="accent1" accent2="accent2" accent3="accent3" accent4="accent4" accent5="accent5" accent6="accent6" hlink="hlink" folHlink="folHlink"/>
   <p:sldLayoutIdLst>
-    <p:sldLayoutId id="2147483649" r:id="rId1"/>
-    <p:sldLayoutId id="2147483650" r:id="rId2"/>
-    <p:sldLayoutId id="2147483651" r:id="rId3"/>
-    <p:sldLayoutId id="2147483652" r:id="rId4"/>
-    <p:sldLayoutId id="2147483653" r:id="rId5"/>
-    <p:sldLayoutId id="2147483654" r:id="rId6"/>
-    <p:sldLayoutId id="2147483655" r:id="rId7"/>
-    <p:sldLayoutId id="2147483656" r:id="rId8"/>
-    <p:sldLayoutId id="2147483657" r:id="rId9"/>
-    <p:sldLayoutId id="2147483658" r:id="rId10"/>
-    <p:sldLayoutId id="2147483659" r:id="rId11"/>
-    <p:sldLayoutId id="2147483660" r:id="rId12"/>
+    <p:sldLayoutId id="2147483649" r:id="rId3"/>
+    <p:sldLayoutId id="2147483650" r:id="rId4"/>
+    <p:sldLayoutId id="2147483651" r:id="rId5"/>
+    <p:sldLayoutId id="2147483652" r:id="rId6"/>
+    <p:sldLayoutId id="2147483653" r:id="rId7"/>
+    <p:sldLayoutId id="2147483654" r:id="rId8"/>
+    <p:sldLayoutId id="2147483655" r:id="rId9"/>
+    <p:sldLayoutId id="2147483656" r:id="rId10"/>
+    <p:sldLayoutId id="2147483657" r:id="rId11"/>
+    <p:sldLayoutId id="2147483658" r:id="rId12"/>
+    <p:sldLayoutId id="2147483659" r:id="rId13"/>
+    <p:sldLayoutId id="2147483660" r:id="rId14"/>
   </p:sldLayoutIdLst>
-  <p:transition spd="med"/>
+  <p:transition xmlns:p14="http://schemas.microsoft.com/office/powerpoint/2010/main" spd="med" advClick="1"/>
   <p:txStyles>
     <p:titleStyle>
       <a:lvl1pPr marL="0" marR="0" indent="0" algn="ctr" defTabSz="1439996" rtl="0" latinLnBrk="0">
@@ -2721,7 +2634,7 @@
         <a:buFontTx/>
         <a:buNone/>
         <a:tabLst/>
-        <a:defRPr sz="6900" b="0" i="0" u="none" strike="noStrike" cap="none" spc="0" baseline="0">
+        <a:defRPr b="0" baseline="0" cap="none" i="0" spc="0" strike="noStrike" sz="6900" u="none">
           <a:ln>
             <a:noFill/>
           </a:ln>
@@ -2750,7 +2663,7 @@
         <a:buFontTx/>
         <a:buNone/>
         <a:tabLst/>
-        <a:defRPr sz="6900" b="0" i="0" u="none" strike="noStrike" cap="none" spc="0" baseline="0">
+        <a:defRPr b="0" baseline="0" cap="none" i="0" spc="0" strike="noStrike" sz="6900" u="none">
           <a:ln>
             <a:noFill/>
           </a:ln>
@@ -2779,7 +2692,7 @@
         <a:buFontTx/>
         <a:buNone/>
         <a:tabLst/>
-        <a:defRPr sz="6900" b="0" i="0" u="none" strike="noStrike" cap="none" spc="0" baseline="0">
+        <a:defRPr b="0" baseline="0" cap="none" i="0" spc="0" strike="noStrike" sz="6900" u="none">
           <a:ln>
             <a:noFill/>
           </a:ln>
@@ -2808,7 +2721,7 @@
         <a:buFontTx/>
         <a:buNone/>
         <a:tabLst/>
-        <a:defRPr sz="6900" b="0" i="0" u="none" strike="noStrike" cap="none" spc="0" baseline="0">
+        <a:defRPr b="0" baseline="0" cap="none" i="0" spc="0" strike="noStrike" sz="6900" u="none">
           <a:ln>
             <a:noFill/>
           </a:ln>
@@ -2837,7 +2750,7 @@
         <a:buFontTx/>
         <a:buNone/>
         <a:tabLst/>
-        <a:defRPr sz="6900" b="0" i="0" u="none" strike="noStrike" cap="none" spc="0" baseline="0">
+        <a:defRPr b="0" baseline="0" cap="none" i="0" spc="0" strike="noStrike" sz="6900" u="none">
           <a:ln>
             <a:noFill/>
           </a:ln>
@@ -2866,7 +2779,7 @@
         <a:buFontTx/>
         <a:buNone/>
         <a:tabLst/>
-        <a:defRPr sz="6900" b="0" i="0" u="none" strike="noStrike" cap="none" spc="0" baseline="0">
+        <a:defRPr b="0" baseline="0" cap="none" i="0" spc="0" strike="noStrike" sz="6900" u="none">
           <a:ln>
             <a:noFill/>
           </a:ln>
@@ -2895,7 +2808,7 @@
         <a:buFontTx/>
         <a:buNone/>
         <a:tabLst/>
-        <a:defRPr sz="6900" b="0" i="0" u="none" strike="noStrike" cap="none" spc="0" baseline="0">
+        <a:defRPr b="0" baseline="0" cap="none" i="0" spc="0" strike="noStrike" sz="6900" u="none">
           <a:ln>
             <a:noFill/>
           </a:ln>
@@ -2924,7 +2837,7 @@
         <a:buFontTx/>
         <a:buNone/>
         <a:tabLst/>
-        <a:defRPr sz="6900" b="0" i="0" u="none" strike="noStrike" cap="none" spc="0" baseline="0">
+        <a:defRPr b="0" baseline="0" cap="none" i="0" spc="0" strike="noStrike" sz="6900" u="none">
           <a:ln>
             <a:noFill/>
           </a:ln>
@@ -2953,7 +2866,7 @@
         <a:buFontTx/>
         <a:buNone/>
         <a:tabLst/>
-        <a:defRPr sz="6900" b="0" i="0" u="none" strike="noStrike" cap="none" spc="0" baseline="0">
+        <a:defRPr b="0" baseline="0" cap="none" i="0" spc="0" strike="noStrike" sz="6900" u="none">
           <a:ln>
             <a:noFill/>
           </a:ln>
@@ -2984,7 +2897,7 @@
         <a:buFont typeface="Arial"/>
         <a:buChar char="•"/>
         <a:tabLst/>
-        <a:defRPr sz="5000" b="0" i="0" u="none" strike="noStrike" cap="none" spc="0" baseline="0">
+        <a:defRPr b="0" baseline="0" cap="none" i="0" spc="0" strike="noStrike" sz="5000" u="none">
           <a:ln>
             <a:noFill/>
           </a:ln>
@@ -3013,7 +2926,7 @@
         <a:buFont typeface="Arial"/>
         <a:buChar char="–"/>
         <a:tabLst/>
-        <a:defRPr sz="5000" b="0" i="0" u="none" strike="noStrike" cap="none" spc="0" baseline="0">
+        <a:defRPr b="0" baseline="0" cap="none" i="0" spc="0" strike="noStrike" sz="5000" u="none">
           <a:ln>
             <a:noFill/>
           </a:ln>
@@ -3042,7 +2955,7 @@
         <a:buFont typeface="Arial"/>
         <a:buChar char="•"/>
         <a:tabLst/>
-        <a:defRPr sz="5000" b="0" i="0" u="none" strike="noStrike" cap="none" spc="0" baseline="0">
+        <a:defRPr b="0" baseline="0" cap="none" i="0" spc="0" strike="noStrike" sz="5000" u="none">
           <a:ln>
             <a:noFill/>
           </a:ln>
@@ -3071,7 +2984,7 @@
         <a:buFont typeface="Arial"/>
         <a:buChar char="–"/>
         <a:tabLst/>
-        <a:defRPr sz="5000" b="0" i="0" u="none" strike="noStrike" cap="none" spc="0" baseline="0">
+        <a:defRPr b="0" baseline="0" cap="none" i="0" spc="0" strike="noStrike" sz="5000" u="none">
           <a:ln>
             <a:noFill/>
           </a:ln>
@@ -3100,7 +3013,7 @@
         <a:buFont typeface="Arial"/>
         <a:buChar char="»"/>
         <a:tabLst/>
-        <a:defRPr sz="5000" b="0" i="0" u="none" strike="noStrike" cap="none" spc="0" baseline="0">
+        <a:defRPr b="0" baseline="0" cap="none" i="0" spc="0" strike="noStrike" sz="5000" u="none">
           <a:ln>
             <a:noFill/>
           </a:ln>
@@ -3129,7 +3042,7 @@
         <a:buFont typeface="Arial"/>
         <a:buChar char="•"/>
         <a:tabLst/>
-        <a:defRPr sz="5000" b="0" i="0" u="none" strike="noStrike" cap="none" spc="0" baseline="0">
+        <a:defRPr b="0" baseline="0" cap="none" i="0" spc="0" strike="noStrike" sz="5000" u="none">
           <a:ln>
             <a:noFill/>
           </a:ln>
@@ -3158,7 +3071,7 @@
         <a:buFont typeface="Arial"/>
         <a:buChar char="•"/>
         <a:tabLst/>
-        <a:defRPr sz="5000" b="0" i="0" u="none" strike="noStrike" cap="none" spc="0" baseline="0">
+        <a:defRPr b="0" baseline="0" cap="none" i="0" spc="0" strike="noStrike" sz="5000" u="none">
           <a:ln>
             <a:noFill/>
           </a:ln>
@@ -3187,7 +3100,7 @@
         <a:buFont typeface="Arial"/>
         <a:buChar char="•"/>
         <a:tabLst/>
-        <a:defRPr sz="5000" b="0" i="0" u="none" strike="noStrike" cap="none" spc="0" baseline="0">
+        <a:defRPr b="0" baseline="0" cap="none" i="0" spc="0" strike="noStrike" sz="5000" u="none">
           <a:ln>
             <a:noFill/>
           </a:ln>
@@ -3216,7 +3129,7 @@
         <a:buFont typeface="Arial"/>
         <a:buChar char="•"/>
         <a:tabLst/>
-        <a:defRPr sz="5000" b="0" i="0" u="none" strike="noStrike" cap="none" spc="0" baseline="0">
+        <a:defRPr b="0" baseline="0" cap="none" i="0" spc="0" strike="noStrike" sz="5000" u="none">
           <a:ln>
             <a:noFill/>
           </a:ln>
@@ -3247,7 +3160,7 @@
         <a:buFontTx/>
         <a:buNone/>
         <a:tabLst/>
-        <a:defRPr sz="1800" b="0" i="0" u="none" strike="noStrike" cap="none" spc="0" baseline="0">
+        <a:defRPr b="0" baseline="0" cap="none" i="0" spc="0" strike="noStrike" sz="1800" u="none">
           <a:ln>
             <a:noFill/>
           </a:ln>
@@ -3276,7 +3189,7 @@
         <a:buFontTx/>
         <a:buNone/>
         <a:tabLst/>
-        <a:defRPr sz="1800" b="0" i="0" u="none" strike="noStrike" cap="none" spc="0" baseline="0">
+        <a:defRPr b="0" baseline="0" cap="none" i="0" spc="0" strike="noStrike" sz="1800" u="none">
           <a:ln>
             <a:noFill/>
           </a:ln>
@@ -3305,7 +3218,7 @@
         <a:buFontTx/>
         <a:buNone/>
         <a:tabLst/>
-        <a:defRPr sz="1800" b="0" i="0" u="none" strike="noStrike" cap="none" spc="0" baseline="0">
+        <a:defRPr b="0" baseline="0" cap="none" i="0" spc="0" strike="noStrike" sz="1800" u="none">
           <a:ln>
             <a:noFill/>
           </a:ln>
@@ -3334,7 +3247,7 @@
         <a:buFontTx/>
         <a:buNone/>
         <a:tabLst/>
-        <a:defRPr sz="1800" b="0" i="0" u="none" strike="noStrike" cap="none" spc="0" baseline="0">
+        <a:defRPr b="0" baseline="0" cap="none" i="0" spc="0" strike="noStrike" sz="1800" u="none">
           <a:ln>
             <a:noFill/>
           </a:ln>
@@ -3363,7 +3276,7 @@
         <a:buFontTx/>
         <a:buNone/>
         <a:tabLst/>
-        <a:defRPr sz="1800" b="0" i="0" u="none" strike="noStrike" cap="none" spc="0" baseline="0">
+        <a:defRPr b="0" baseline="0" cap="none" i="0" spc="0" strike="noStrike" sz="1800" u="none">
           <a:ln>
             <a:noFill/>
           </a:ln>
@@ -3392,7 +3305,7 @@
         <a:buFontTx/>
         <a:buNone/>
         <a:tabLst/>
-        <a:defRPr sz="1800" b="0" i="0" u="none" strike="noStrike" cap="none" spc="0" baseline="0">
+        <a:defRPr b="0" baseline="0" cap="none" i="0" spc="0" strike="noStrike" sz="1800" u="none">
           <a:ln>
             <a:noFill/>
           </a:ln>
@@ -3421,7 +3334,7 @@
         <a:buFontTx/>
         <a:buNone/>
         <a:tabLst/>
-        <a:defRPr sz="1800" b="0" i="0" u="none" strike="noStrike" cap="none" spc="0" baseline="0">
+        <a:defRPr b="0" baseline="0" cap="none" i="0" spc="0" strike="noStrike" sz="1800" u="none">
           <a:ln>
             <a:noFill/>
           </a:ln>
@@ -3450,7 +3363,7 @@
         <a:buFontTx/>
         <a:buNone/>
         <a:tabLst/>
-        <a:defRPr sz="1800" b="0" i="0" u="none" strike="noStrike" cap="none" spc="0" baseline="0">
+        <a:defRPr b="0" baseline="0" cap="none" i="0" spc="0" strike="noStrike" sz="1800" u="none">
           <a:ln>
             <a:noFill/>
           </a:ln>
@@ -3479,7 +3392,7 @@
         <a:buFontTx/>
         <a:buNone/>
         <a:tabLst/>
-        <a:defRPr sz="1800" b="0" i="0" u="none" strike="noStrike" cap="none" spc="0" baseline="0">
+        <a:defRPr b="0" baseline="0" cap="none" i="0" spc="0" strike="noStrike" sz="1800" u="none">
           <a:ln>
             <a:noFill/>
           </a:ln>
@@ -3499,14 +3412,13 @@
 </file>
 
 <file path=ppt/slides/slide1.xml><?xml version="1.0" encoding="utf-8"?>
-<p:sld xmlns:a="http://schemas.openxmlformats.org/drawingml/2006/main" xmlns:r="http://schemas.openxmlformats.org/officeDocument/2006/relationships" xmlns:p="http://schemas.openxmlformats.org/presentationml/2006/main">
+<p:sld xmlns:a="http://schemas.openxmlformats.org/drawingml/2006/main" xmlns:r="http://schemas.openxmlformats.org/officeDocument/2006/relationships" xmlns:p="http://schemas.openxmlformats.org/presentationml/2006/main" showMasterSp="1" showMasterPhAnim="1">
   <p:cSld>
     <p:bg>
       <p:bgPr>
         <a:solidFill>
           <a:srgbClr val="739A98"/>
         </a:solidFill>
-        <a:effectLst/>
       </p:bgPr>
     </p:bg>
     <p:spTree>
@@ -3542,7 +3454,7 @@
           </a:ln>
           <a:extLst>
             <a:ext uri="{C572A759-6A51-4108-AA02-DFA0A04FC94B}">
-              <ma14:wrappingTextBoxFlag xmlns:ma14="http://schemas.microsoft.com/office/mac/drawingml/2011/main" xmlns="" val="1"/>
+              <ma14:wrappingTextBoxFlag xmlns:ma14="http://schemas.microsoft.com/office/mac/drawingml/2011/main" val="1"/>
             </a:ext>
           </a:extLst>
         </p:spPr>
@@ -3564,6 +3476,7 @@
             </a:lvl1pPr>
           </a:lstStyle>
           <a:p>
+            <a:pPr/>
             <a:r>
               <a:t>三毛</a:t>
             </a:r>
@@ -3589,7 +3502,7 @@
           </a:ln>
           <a:extLst>
             <a:ext uri="{C572A759-6A51-4108-AA02-DFA0A04FC94B}">
-              <ma14:wrappingTextBoxFlag xmlns:ma14="http://schemas.microsoft.com/office/mac/drawingml/2011/main" xmlns="" val="1"/>
+              <ma14:wrappingTextBoxFlag xmlns:ma14="http://schemas.microsoft.com/office/mac/drawingml/2011/main" val="1"/>
             </a:ext>
           </a:extLst>
         </p:spPr>
@@ -3611,6 +3524,7 @@
             </a:lvl1pPr>
           </a:lstStyle>
           <a:p>
+            <a:pPr/>
             <a:r>
               <a:t>TypeScript（二）</a:t>
             </a:r>
@@ -3622,19 +3536,18 @@
   <p:clrMapOvr>
     <a:masterClrMapping/>
   </p:clrMapOvr>
-  <p:transition spd="med"/>
+  <p:transition xmlns:p14="http://schemas.microsoft.com/office/powerpoint/2010/main" spd="med" advClick="1"/>
 </p:sld>
 </file>
 
 <file path=ppt/slides/slide10.xml><?xml version="1.0" encoding="utf-8"?>
-<p:sld xmlns:a="http://schemas.openxmlformats.org/drawingml/2006/main" xmlns:r="http://schemas.openxmlformats.org/officeDocument/2006/relationships" xmlns:p="http://schemas.openxmlformats.org/presentationml/2006/main">
+<p:sld xmlns:a="http://schemas.openxmlformats.org/drawingml/2006/main" xmlns:r="http://schemas.openxmlformats.org/officeDocument/2006/relationships" xmlns:p="http://schemas.openxmlformats.org/presentationml/2006/main" showMasterSp="1" showMasterPhAnim="1">
   <p:cSld>
     <p:bg>
       <p:bgPr>
         <a:solidFill>
           <a:srgbClr val="739A98"/>
         </a:solidFill>
-        <a:effectLst/>
       </p:bgPr>
     </p:bg>
     <p:spTree>
@@ -3660,7 +3573,7 @@
         <p:spPr>
           <a:xfrm>
             <a:off x="4762177" y="1117599"/>
-            <a:ext cx="4877447" cy="736601"/>
+            <a:ext cx="4877448" cy="736601"/>
           </a:xfrm>
           <a:prstGeom prst="rect">
             <a:avLst/>
@@ -3670,7 +3583,7 @@
           </a:ln>
           <a:extLst>
             <a:ext uri="{C572A759-6A51-4108-AA02-DFA0A04FC94B}">
-              <ma14:wrappingTextBoxFlag xmlns:ma14="http://schemas.microsoft.com/office/mac/drawingml/2011/main" xmlns="" val="1"/>
+              <ma14:wrappingTextBoxFlag xmlns:ma14="http://schemas.microsoft.com/office/mac/drawingml/2011/main" val="1"/>
             </a:ext>
           </a:extLst>
         </p:spPr>
@@ -3692,6 +3605,7 @@
             </a:lvl1pPr>
           </a:lstStyle>
           <a:p>
+            <a:pPr/>
             <a:r>
               <a:t>可选参数与 undefined</a:t>
             </a:r>
@@ -3716,8 +3630,8 @@
         </p:blipFill>
         <p:spPr>
           <a:xfrm>
-            <a:off x="1900335" y="3795762"/>
-            <a:ext cx="3873503" cy="1955802"/>
+            <a:off x="1900334" y="3795762"/>
+            <a:ext cx="3873505" cy="1955803"/>
           </a:xfrm>
           <a:prstGeom prst="rect">
             <a:avLst/>
@@ -3746,7 +3660,7 @@
         <p:spPr>
           <a:xfrm>
             <a:off x="8154243" y="3694162"/>
-            <a:ext cx="4025902" cy="2159002"/>
+            <a:ext cx="4025903" cy="2159003"/>
           </a:xfrm>
           <a:prstGeom prst="rect">
             <a:avLst/>
@@ -3761,13 +3675,13 @@
   <p:clrMapOvr>
     <a:masterClrMapping/>
   </p:clrMapOvr>
-  <mc:AlternateContent xmlns:mc="http://schemas.openxmlformats.org/markup-compatibility/2006" xmlns:p14="http://schemas.microsoft.com/office/powerpoint/2010/main">
-    <mc:Choice Requires="p14">
-      <p:transition spd="slow" p14:dur="1200">
+  <mc:AlternateContent xmlns:mc="http://schemas.openxmlformats.org/markup-compatibility/2006">
+    <mc:Choice xmlns:p14="http://schemas.microsoft.com/office/powerpoint/2010/main" Requires="p14">
+      <p:transition spd="slow" advClick="1" p14:dur="1200">
         <p:dissolve/>
       </p:transition>
     </mc:Choice>
-    <mc:Fallback xmlns="">
+    <mc:Fallback>
       <p:transition spd="slow">
         <p:fade/>
       </p:transition>
@@ -3777,14 +3691,13 @@
 </file>
 
 <file path=ppt/slides/slide11.xml><?xml version="1.0" encoding="utf-8"?>
-<p:sld xmlns:a="http://schemas.openxmlformats.org/drawingml/2006/main" xmlns:r="http://schemas.openxmlformats.org/officeDocument/2006/relationships" xmlns:p="http://schemas.openxmlformats.org/presentationml/2006/main">
+<p:sld xmlns:a="http://schemas.openxmlformats.org/drawingml/2006/main" xmlns:r="http://schemas.openxmlformats.org/officeDocument/2006/relationships" xmlns:p="http://schemas.openxmlformats.org/presentationml/2006/main" showMasterSp="1" showMasterPhAnim="1">
   <p:cSld>
     <p:bg>
       <p:bgPr>
         <a:solidFill>
           <a:srgbClr val="739A98"/>
         </a:solidFill>
-        <a:effectLst/>
       </p:bgPr>
     </p:bg>
     <p:spTree>
@@ -3809,8 +3722,8 @@
         </p:nvSpPr>
         <p:spPr>
           <a:xfrm>
-            <a:off x="1190747" y="330199"/>
-            <a:ext cx="4877447" cy="736601"/>
+            <a:off x="1190746" y="330198"/>
+            <a:ext cx="4877449" cy="736601"/>
           </a:xfrm>
           <a:prstGeom prst="rect">
             <a:avLst/>
@@ -3820,7 +3733,7 @@
           </a:ln>
           <a:extLst>
             <a:ext uri="{C572A759-6A51-4108-AA02-DFA0A04FC94B}">
-              <ma14:wrappingTextBoxFlag xmlns:ma14="http://schemas.microsoft.com/office/mac/drawingml/2011/main" xmlns="" val="1"/>
+              <ma14:wrappingTextBoxFlag xmlns:ma14="http://schemas.microsoft.com/office/mac/drawingml/2011/main" val="1"/>
             </a:ext>
           </a:extLst>
         </p:spPr>
@@ -3844,6 +3757,7 @@
             </a:lvl1pPr>
           </a:lstStyle>
           <a:p>
+            <a:pPr/>
             <a:r>
               <a:t>接口（定义契约）</a:t>
             </a:r>
@@ -3868,8 +3782,8 @@
         </p:blipFill>
         <p:spPr>
           <a:xfrm>
-            <a:off x="3083226" y="2860309"/>
-            <a:ext cx="2773909" cy="1859269"/>
+            <a:off x="3083225" y="2860308"/>
+            <a:ext cx="2773910" cy="1859271"/>
           </a:xfrm>
           <a:prstGeom prst="rect">
             <a:avLst/>
@@ -3898,7 +3812,7 @@
         <p:spPr>
           <a:xfrm>
             <a:off x="365132" y="6474188"/>
-            <a:ext cx="2413001" cy="1663702"/>
+            <a:ext cx="2413001" cy="1663703"/>
           </a:xfrm>
           <a:prstGeom prst="rect">
             <a:avLst/>
@@ -3917,7 +3831,7 @@
         <p:spPr>
           <a:xfrm flipH="1">
             <a:off x="2747870" y="5256695"/>
-            <a:ext cx="715750" cy="1000906"/>
+            <a:ext cx="715751" cy="1000906"/>
           </a:xfrm>
           <a:prstGeom prst="line">
             <a:avLst/>
@@ -3929,7 +3843,7 @@
             <a:tailEnd type="triangle"/>
           </a:ln>
           <a:effectLst>
-            <a:outerShdw blurRad="38100" dist="23000" dir="5400000" rotWithShape="0">
+            <a:outerShdw sx="100000" sy="100000" kx="0" ky="0" algn="b" rotWithShape="0" blurRad="38100" dist="23000" dir="5400000">
               <a:srgbClr val="000000">
                 <a:alpha val="35000"/>
               </a:srgbClr>
@@ -3940,7 +3854,7 @@
           <a:bodyPr lIns="45718" tIns="45718" rIns="45718" bIns="45718"/>
           <a:lstStyle/>
           <a:p>
-            <a:endParaRPr/>
+            <a:pPr/>
           </a:p>
         </p:txBody>
       </p:sp>
@@ -3953,7 +3867,7 @@
         <p:spPr>
           <a:xfrm>
             <a:off x="4470179" y="5257403"/>
-            <a:ext cx="2" cy="992103"/>
+            <a:ext cx="3" cy="992104"/>
           </a:xfrm>
           <a:prstGeom prst="line">
             <a:avLst/>
@@ -3965,7 +3879,7 @@
             <a:tailEnd type="triangle"/>
           </a:ln>
           <a:effectLst>
-            <a:outerShdw blurRad="38100" dist="23000" dir="5400000" rotWithShape="0">
+            <a:outerShdw sx="100000" sy="100000" kx="0" ky="0" algn="b" rotWithShape="0" blurRad="38100" dist="23000" dir="5400000">
               <a:srgbClr val="000000">
                 <a:alpha val="35000"/>
               </a:srgbClr>
@@ -3976,7 +3890,7 @@
           <a:bodyPr lIns="45718" tIns="45718" rIns="45718" bIns="45718"/>
           <a:lstStyle/>
           <a:p>
-            <a:endParaRPr/>
+            <a:pPr/>
           </a:p>
         </p:txBody>
       </p:sp>
@@ -3999,7 +3913,7 @@
         <p:spPr>
           <a:xfrm>
             <a:off x="3485095" y="6513086"/>
-            <a:ext cx="1970173" cy="1663702"/>
+            <a:ext cx="1970173" cy="1663703"/>
           </a:xfrm>
           <a:prstGeom prst="rect">
             <a:avLst/>
@@ -4028,7 +3942,7 @@
         <p:spPr>
           <a:xfrm>
             <a:off x="8549977" y="3085094"/>
-            <a:ext cx="4572002" cy="1409702"/>
+            <a:ext cx="4572003" cy="1409703"/>
           </a:xfrm>
           <a:prstGeom prst="rect">
             <a:avLst/>
@@ -4046,8 +3960,8 @@
         </p:nvSpPr>
         <p:spPr>
           <a:xfrm>
-            <a:off x="6312118" y="3789943"/>
-            <a:ext cx="1777563" cy="2"/>
+            <a:off x="6312117" y="3789943"/>
+            <a:ext cx="1777564" cy="3"/>
           </a:xfrm>
           <a:prstGeom prst="line">
             <a:avLst/>
@@ -4059,7 +3973,7 @@
             <a:tailEnd type="triangle"/>
           </a:ln>
           <a:effectLst>
-            <a:outerShdw blurRad="38100" dist="23000" dir="5400000" rotWithShape="0">
+            <a:outerShdw sx="100000" sy="100000" kx="0" ky="0" algn="b" rotWithShape="0" blurRad="38100" dist="23000" dir="5400000">
               <a:srgbClr val="000000">
                 <a:alpha val="35000"/>
               </a:srgbClr>
@@ -4070,7 +3984,7 @@
           <a:bodyPr lIns="45718" tIns="45718" rIns="45718" bIns="45718"/>
           <a:lstStyle/>
           <a:p>
-            <a:endParaRPr/>
+            <a:pPr/>
           </a:p>
         </p:txBody>
       </p:sp>
@@ -4093,7 +4007,7 @@
         <p:spPr>
           <a:xfrm>
             <a:off x="6408737" y="6563090"/>
-            <a:ext cx="3822702" cy="1485902"/>
+            <a:ext cx="3822703" cy="1485903"/>
           </a:xfrm>
           <a:prstGeom prst="rect">
             <a:avLst/>
@@ -4112,7 +4026,7 @@
         <p:spPr>
           <a:xfrm>
             <a:off x="5604073" y="5267645"/>
-            <a:ext cx="791243" cy="984141"/>
+            <a:ext cx="791244" cy="984142"/>
           </a:xfrm>
           <a:prstGeom prst="line">
             <a:avLst/>
@@ -4124,7 +4038,7 @@
             <a:tailEnd type="triangle"/>
           </a:ln>
           <a:effectLst>
-            <a:outerShdw blurRad="38100" dist="23000" dir="5400000" rotWithShape="0">
+            <a:outerShdw sx="100000" sy="100000" kx="0" ky="0" algn="b" rotWithShape="0" blurRad="38100" dist="23000" dir="5400000">
               <a:srgbClr val="000000">
                 <a:alpha val="35000"/>
               </a:srgbClr>
@@ -4135,7 +4049,7 @@
           <a:bodyPr lIns="45718" tIns="45718" rIns="45718" bIns="45718"/>
           <a:lstStyle/>
           <a:p>
-            <a:endParaRPr/>
+            <a:pPr/>
           </a:p>
         </p:txBody>
       </p:sp>
@@ -4144,13 +4058,13 @@
   <p:clrMapOvr>
     <a:masterClrMapping/>
   </p:clrMapOvr>
-  <mc:AlternateContent xmlns:mc="http://schemas.openxmlformats.org/markup-compatibility/2006" xmlns:p14="http://schemas.microsoft.com/office/powerpoint/2010/main">
-    <mc:Choice Requires="p14">
-      <p:transition spd="slow" p14:dur="1200">
+  <mc:AlternateContent xmlns:mc="http://schemas.openxmlformats.org/markup-compatibility/2006">
+    <mc:Choice xmlns:p14="http://schemas.microsoft.com/office/powerpoint/2010/main" Requires="p14">
+      <p:transition spd="slow" advClick="1" p14:dur="1200">
         <p:dissolve/>
       </p:transition>
     </mc:Choice>
-    <mc:Fallback xmlns="">
+    <mc:Fallback>
       <p:transition spd="slow">
         <p:fade/>
       </p:transition>
@@ -4159,10 +4073,10 @@
   <p:timing>
     <p:tnLst>
       <p:par>
-        <p:cTn id="1" dur="indefinite" restart="never" fill="hold" nodeType="tmRoot">
+        <p:cTn id="1" nodeType="tmRoot" restart="never" dur="indefinite" fill="hold">
           <p:childTnLst>
             <p:seq concurrent="1" prevAc="none" nextAc="seek">
-              <p:cTn id="2" dur="indefinite" fill="hold" nodeType="mainSeq">
+              <p:cTn id="2" nodeType="mainSeq" dur="indefinite" fill="hold">
                 <p:childTnLst>
                   <p:par>
                     <p:cTn id="3" fill="hold">
@@ -4177,11 +4091,11 @@
                             </p:stCondLst>
                             <p:childTnLst>
                               <p:par>
-                                <p:cTn id="5" presetID="1" presetClass="entr" presetSubtype="0" fill="hold" grpId="1" nodeType="clickEffect">
+                                <p:cTn id="5" presetClass="entr" nodeType="clickEffect" presetSubtype="0" presetID="1" grpId="1" fill="hold">
                                   <p:stCondLst>
                                     <p:cond delay="0"/>
                                   </p:stCondLst>
-                                  <p:iterate>
+                                  <p:iterate type="el" backwards="0">
                                     <p:tmAbs val="0"/>
                                   </p:iterate>
                                   <p:childTnLst>
@@ -4189,7 +4103,7 @@
                                       <p:cBhvr>
                                         <p:cTn id="6" fill="hold"/>
                                         <p:tgtEl>
-                                          <p:spTgt spid="170"/>
+                                          <p:spTgt spid="164"/>
                                         </p:tgtEl>
                                         <p:attrNameLst>
                                           <p:attrName>style.visibility</p:attrName>
@@ -4221,11 +4135,11 @@
                             </p:stCondLst>
                             <p:childTnLst>
                               <p:par>
-                                <p:cTn id="9" presetID="1" presetClass="entr" presetSubtype="0" fill="hold" grpId="2" nodeType="clickEffect">
+                                <p:cTn id="9" presetClass="entr" nodeType="clickEffect" presetSubtype="0" presetID="1" grpId="2" fill="hold">
                                   <p:stCondLst>
                                     <p:cond delay="0"/>
                                   </p:stCondLst>
-                                  <p:iterate>
+                                  <p:iterate type="el" backwards="0">
                                     <p:tmAbs val="0"/>
                                   </p:iterate>
                                   <p:childTnLst>
@@ -4233,7 +4147,7 @@
                                       <p:cBhvr>
                                         <p:cTn id="10" fill="hold"/>
                                         <p:tgtEl>
-                                          <p:spTgt spid="169"/>
+                                          <p:spTgt spid="170"/>
                                         </p:tgtEl>
                                         <p:attrNameLst>
                                           <p:attrName>style.visibility</p:attrName>
@@ -4265,11 +4179,11 @@
                             </p:stCondLst>
                             <p:childTnLst>
                               <p:par>
-                                <p:cTn id="13" presetID="1" presetClass="entr" presetSubtype="0" fill="hold" grpId="3" nodeType="clickEffect">
+                                <p:cTn id="13" presetClass="entr" nodeType="clickEffect" presetSubtype="0" presetID="1" grpId="3" fill="hold">
                                   <p:stCondLst>
                                     <p:cond delay="0"/>
                                   </p:stCondLst>
-                                  <p:iterate>
+                                  <p:iterate type="el" backwards="0">
                                     <p:tmAbs val="0"/>
                                   </p:iterate>
                                   <p:childTnLst>
@@ -4277,7 +4191,7 @@
                                       <p:cBhvr>
                                         <p:cTn id="14" fill="hold"/>
                                         <p:tgtEl>
-                                          <p:spTgt spid="166"/>
+                                          <p:spTgt spid="169"/>
                                         </p:tgtEl>
                                         <p:attrNameLst>
                                           <p:attrName>style.visibility</p:attrName>
@@ -4309,11 +4223,11 @@
                             </p:stCondLst>
                             <p:childTnLst>
                               <p:par>
-                                <p:cTn id="17" presetID="1" presetClass="entr" presetSubtype="0" fill="hold" grpId="4" nodeType="clickEffect">
+                                <p:cTn id="17" presetClass="entr" nodeType="clickEffect" presetSubtype="0" presetID="1" grpId="4" fill="hold">
                                   <p:stCondLst>
                                     <p:cond delay="0"/>
                                   </p:stCondLst>
-                                  <p:iterate>
+                                  <p:iterate type="el" backwards="0">
                                     <p:tmAbs val="0"/>
                                   </p:iterate>
                                   <p:childTnLst>
@@ -4321,7 +4235,7 @@
                                       <p:cBhvr>
                                         <p:cTn id="18" fill="hold"/>
                                         <p:tgtEl>
-                                          <p:spTgt spid="165"/>
+                                          <p:spTgt spid="166"/>
                                         </p:tgtEl>
                                         <p:attrNameLst>
                                           <p:attrName>style.visibility</p:attrName>
@@ -4353,11 +4267,11 @@
                             </p:stCondLst>
                             <p:childTnLst>
                               <p:par>
-                                <p:cTn id="21" presetID="1" presetClass="entr" presetSubtype="0" fill="hold" grpId="5" nodeType="clickEffect">
+                                <p:cTn id="21" presetClass="entr" nodeType="clickEffect" presetSubtype="0" presetID="1" grpId="5" fill="hold">
                                   <p:stCondLst>
                                     <p:cond delay="0"/>
                                   </p:stCondLst>
-                                  <p:iterate>
+                                  <p:iterate type="el" backwards="0">
                                     <p:tmAbs val="0"/>
                                   </p:iterate>
                                   <p:childTnLst>
@@ -4365,7 +4279,7 @@
                                       <p:cBhvr>
                                         <p:cTn id="22" fill="hold"/>
                                         <p:tgtEl>
-                                          <p:spTgt spid="167"/>
+                                          <p:spTgt spid="165"/>
                                         </p:tgtEl>
                                         <p:attrNameLst>
                                           <p:attrName>style.visibility</p:attrName>
@@ -4397,11 +4311,11 @@
                             </p:stCondLst>
                             <p:childTnLst>
                               <p:par>
-                                <p:cTn id="25" presetID="1" presetClass="entr" presetSubtype="0" fill="hold" grpId="6" nodeType="clickEffect">
+                                <p:cTn id="25" presetClass="entr" nodeType="clickEffect" presetSubtype="0" presetID="1" grpId="6" fill="hold">
                                   <p:stCondLst>
                                     <p:cond delay="0"/>
                                   </p:stCondLst>
-                                  <p:iterate>
+                                  <p:iterate type="el" backwards="0">
                                     <p:tmAbs val="0"/>
                                   </p:iterate>
                                   <p:childTnLst>
@@ -4409,7 +4323,7 @@
                                       <p:cBhvr>
                                         <p:cTn id="26" fill="hold"/>
                                         <p:tgtEl>
-                                          <p:spTgt spid="168"/>
+                                          <p:spTgt spid="167"/>
                                         </p:tgtEl>
                                         <p:attrNameLst>
                                           <p:attrName>style.visibility</p:attrName>
@@ -4441,11 +4355,11 @@
                             </p:stCondLst>
                             <p:childTnLst>
                               <p:par>
-                                <p:cTn id="29" presetID="1" presetClass="entr" presetSubtype="0" fill="hold" grpId="7" nodeType="clickEffect">
+                                <p:cTn id="29" presetClass="entr" nodeType="clickEffect" presetSubtype="0" presetID="1" grpId="7" fill="hold">
                                   <p:stCondLst>
                                     <p:cond delay="0"/>
                                   </p:stCondLst>
-                                  <p:iterate>
+                                  <p:iterate type="el" backwards="0">
                                     <p:tmAbs val="0"/>
                                   </p:iterate>
                                   <p:childTnLst>
@@ -4453,7 +4367,7 @@
                                       <p:cBhvr>
                                         <p:cTn id="30" fill="hold"/>
                                         <p:tgtEl>
-                                          <p:spTgt spid="172"/>
+                                          <p:spTgt spid="168"/>
                                         </p:tgtEl>
                                         <p:attrNameLst>
                                           <p:attrName>style.visibility</p:attrName>
@@ -4485,17 +4399,61 @@
                             </p:stCondLst>
                             <p:childTnLst>
                               <p:par>
-                                <p:cTn id="33" presetID="1" presetClass="entr" presetSubtype="0" fill="hold" grpId="8" nodeType="clickEffect">
+                                <p:cTn id="33" presetClass="entr" nodeType="clickEffect" presetSubtype="0" presetID="1" grpId="8" fill="hold">
                                   <p:stCondLst>
                                     <p:cond delay="0"/>
                                   </p:stCondLst>
-                                  <p:iterate>
+                                  <p:iterate type="el" backwards="0">
                                     <p:tmAbs val="0"/>
                                   </p:iterate>
                                   <p:childTnLst>
                                     <p:set>
                                       <p:cBhvr>
                                         <p:cTn id="34" fill="hold"/>
+                                        <p:tgtEl>
+                                          <p:spTgt spid="172"/>
+                                        </p:tgtEl>
+                                        <p:attrNameLst>
+                                          <p:attrName>style.visibility</p:attrName>
+                                        </p:attrNameLst>
+                                      </p:cBhvr>
+                                      <p:to>
+                                        <p:strVal val="visible"/>
+                                      </p:to>
+                                    </p:set>
+                                  </p:childTnLst>
+                                </p:cTn>
+                              </p:par>
+                            </p:childTnLst>
+                          </p:cTn>
+                        </p:par>
+                      </p:childTnLst>
+                    </p:cTn>
+                  </p:par>
+                  <p:par>
+                    <p:cTn id="35" fill="hold">
+                      <p:stCondLst>
+                        <p:cond delay="indefinite"/>
+                      </p:stCondLst>
+                      <p:childTnLst>
+                        <p:par>
+                          <p:cTn id="36" fill="hold">
+                            <p:stCondLst>
+                              <p:cond delay="0"/>
+                            </p:stCondLst>
+                            <p:childTnLst>
+                              <p:par>
+                                <p:cTn id="37" presetClass="entr" nodeType="clickEffect" presetSubtype="0" presetID="1" grpId="9" fill="hold">
+                                  <p:stCondLst>
+                                    <p:cond delay="0"/>
+                                  </p:stCondLst>
+                                  <p:iterate type="el" backwards="0">
+                                    <p:tmAbs val="0"/>
+                                  </p:iterate>
+                                  <p:childTnLst>
+                                    <p:set>
+                                      <p:cBhvr>
+                                        <p:cTn id="38" fill="hold"/>
                                         <p:tgtEl>
                                           <p:spTgt spid="171"/>
                                         </p:tgtEl>
@@ -4519,14 +4477,14 @@
                 </p:childTnLst>
               </p:cTn>
               <p:prevCondLst>
-                <p:cond evt="onPrev" delay="0">
+                <p:cond evt="onPrev">
                   <p:tgtEl>
                     <p:sldTgt/>
                   </p:tgtEl>
                 </p:cond>
               </p:prevCondLst>
               <p:nextCondLst>
-                <p:cond evt="onNext" delay="0">
+                <p:cond evt="onNext">
                   <p:tgtEl>
                     <p:sldTgt/>
                   </p:tgtEl>
@@ -4538,28 +4496,28 @@
       </p:par>
     </p:tnLst>
     <p:bldLst>
-      <p:bldP spid="165" grpId="4" animBg="1" advAuto="0"/>
-      <p:bldP spid="166" grpId="3" animBg="1" advAuto="0"/>
-      <p:bldP spid="167" grpId="5" animBg="1" advAuto="0"/>
-      <p:bldP spid="168" grpId="6" animBg="1" advAuto="0"/>
-      <p:bldP spid="169" grpId="2" animBg="1" advAuto="0"/>
-      <p:bldP spid="170" grpId="1" animBg="1" advAuto="0"/>
-      <p:bldP spid="171" grpId="8" animBg="1" advAuto="0"/>
-      <p:bldP spid="172" grpId="7" animBg="1" advAuto="0"/>
+      <p:bldP build="whole" bldLvl="1" animBg="1" rev="0" advAuto="0" spid="168" grpId="7"/>
+      <p:bldP build="whole" bldLvl="1" animBg="1" rev="0" advAuto="0" spid="167" grpId="6"/>
+      <p:bldP build="whole" bldLvl="1" animBg="1" rev="0" advAuto="0" spid="164" grpId="1"/>
+      <p:bldP build="whole" bldLvl="1" animBg="1" rev="0" advAuto="0" spid="170" grpId="2"/>
+      <p:bldP build="whole" bldLvl="1" animBg="1" rev="0" advAuto="0" spid="171" grpId="9"/>
+      <p:bldP build="whole" bldLvl="1" animBg="1" rev="0" advAuto="0" spid="169" grpId="3"/>
+      <p:bldP build="whole" bldLvl="1" animBg="1" rev="0" advAuto="0" spid="172" grpId="8"/>
+      <p:bldP build="whole" bldLvl="1" animBg="1" rev="0" advAuto="0" spid="166" grpId="4"/>
+      <p:bldP build="whole" bldLvl="1" animBg="1" rev="0" advAuto="0" spid="165" grpId="5"/>
     </p:bldLst>
   </p:timing>
 </p:sld>
 </file>
 
 <file path=ppt/slides/slide12.xml><?xml version="1.0" encoding="utf-8"?>
-<p:sld xmlns:a="http://schemas.openxmlformats.org/drawingml/2006/main" xmlns:r="http://schemas.openxmlformats.org/officeDocument/2006/relationships" xmlns:p="http://schemas.openxmlformats.org/presentationml/2006/main">
+<p:sld xmlns:a="http://schemas.openxmlformats.org/drawingml/2006/main" xmlns:r="http://schemas.openxmlformats.org/officeDocument/2006/relationships" xmlns:p="http://schemas.openxmlformats.org/presentationml/2006/main" showMasterSp="1" showMasterPhAnim="1">
   <p:cSld>
     <p:bg>
       <p:bgPr>
         <a:solidFill>
           <a:srgbClr val="739A98"/>
         </a:solidFill>
-        <a:effectLst/>
       </p:bgPr>
     </p:bg>
     <p:spTree>
@@ -4584,8 +4542,8 @@
         </p:nvSpPr>
         <p:spPr>
           <a:xfrm>
-            <a:off x="1190747" y="330199"/>
-            <a:ext cx="4877447" cy="736601"/>
+            <a:off x="1190746" y="330198"/>
+            <a:ext cx="4877449" cy="736601"/>
           </a:xfrm>
           <a:prstGeom prst="rect">
             <a:avLst/>
@@ -4595,7 +4553,7 @@
           </a:ln>
           <a:extLst>
             <a:ext uri="{C572A759-6A51-4108-AA02-DFA0A04FC94B}">
-              <ma14:wrappingTextBoxFlag xmlns:ma14="http://schemas.microsoft.com/office/mac/drawingml/2011/main" xmlns="" val="1"/>
+              <ma14:wrappingTextBoxFlag xmlns:ma14="http://schemas.microsoft.com/office/mac/drawingml/2011/main" val="1"/>
             </a:ext>
           </a:extLst>
         </p:spPr>
@@ -4619,6 +4577,7 @@
             </a:lvl1pPr>
           </a:lstStyle>
           <a:p>
+            <a:pPr/>
             <a:r>
               <a:t>泛型</a:t>
             </a:r>
@@ -4643,8 +4602,8 @@
         </p:blipFill>
         <p:spPr>
           <a:xfrm>
-            <a:off x="1348770" y="2371566"/>
-            <a:ext cx="11374059" cy="6556534"/>
+            <a:off x="1348769" y="2371566"/>
+            <a:ext cx="11374061" cy="6556534"/>
           </a:xfrm>
           <a:prstGeom prst="rect">
             <a:avLst/>
@@ -4659,13 +4618,13 @@
   <p:clrMapOvr>
     <a:masterClrMapping/>
   </p:clrMapOvr>
-  <mc:AlternateContent xmlns:mc="http://schemas.openxmlformats.org/markup-compatibility/2006" xmlns:p14="http://schemas.microsoft.com/office/powerpoint/2010/main">
-    <mc:Choice Requires="p14">
-      <p:transition spd="slow" p14:dur="1200">
+  <mc:AlternateContent xmlns:mc="http://schemas.openxmlformats.org/markup-compatibility/2006">
+    <mc:Choice xmlns:p14="http://schemas.microsoft.com/office/powerpoint/2010/main" Requires="p14">
+      <p:transition spd="slow" advClick="1" p14:dur="1200">
         <p:dissolve/>
       </p:transition>
     </mc:Choice>
-    <mc:Fallback xmlns="">
+    <mc:Fallback>
       <p:transition spd="slow">
         <p:fade/>
       </p:transition>
@@ -4674,10 +4633,10 @@
   <p:timing>
     <p:tnLst>
       <p:par>
-        <p:cTn id="1" dur="indefinite" restart="never" fill="hold" nodeType="tmRoot">
+        <p:cTn id="1" nodeType="tmRoot" restart="never" dur="indefinite" fill="hold">
           <p:childTnLst>
             <p:seq concurrent="1" prevAc="none" nextAc="seek">
-              <p:cTn id="2" dur="indefinite" fill="hold" nodeType="mainSeq">
+              <p:cTn id="2" nodeType="mainSeq" dur="indefinite" fill="hold">
                 <p:childTnLst>
                   <p:par>
                     <p:cTn id="3" fill="hold">
@@ -4692,11 +4651,11 @@
                             </p:stCondLst>
                             <p:childTnLst>
                               <p:par>
-                                <p:cTn id="5" presetID="1" presetClass="entr" presetSubtype="0" fill="hold" grpId="1" nodeType="clickEffect">
+                                <p:cTn id="5" presetClass="entr" nodeType="clickEffect" presetSubtype="0" presetID="1" grpId="1" fill="hold">
                                   <p:stCondLst>
                                     <p:cond delay="0"/>
                                   </p:stCondLst>
-                                  <p:iterate>
+                                  <p:iterate type="el" backwards="0">
                                     <p:tmAbs val="0"/>
                                   </p:iterate>
                                   <p:childTnLst>
@@ -4726,14 +4685,14 @@
                 </p:childTnLst>
               </p:cTn>
               <p:prevCondLst>
-                <p:cond evt="onPrev" delay="0">
+                <p:cond evt="onPrev">
                   <p:tgtEl>
                     <p:sldTgt/>
                   </p:tgtEl>
                 </p:cond>
               </p:prevCondLst>
               <p:nextCondLst>
-                <p:cond evt="onNext" delay="0">
+                <p:cond evt="onNext">
                   <p:tgtEl>
                     <p:sldTgt/>
                   </p:tgtEl>
@@ -4745,21 +4704,20 @@
       </p:par>
     </p:tnLst>
     <p:bldLst>
-      <p:bldP spid="175" grpId="1" animBg="1" advAuto="0"/>
+      <p:bldP build="whole" bldLvl="1" animBg="1" rev="0" advAuto="0" spid="175" grpId="1"/>
     </p:bldLst>
   </p:timing>
 </p:sld>
 </file>
 
 <file path=ppt/slides/slide13.xml><?xml version="1.0" encoding="utf-8"?>
-<p:sld xmlns:a="http://schemas.openxmlformats.org/drawingml/2006/main" xmlns:r="http://schemas.openxmlformats.org/officeDocument/2006/relationships" xmlns:p="http://schemas.openxmlformats.org/presentationml/2006/main">
+<p:sld xmlns:a="http://schemas.openxmlformats.org/drawingml/2006/main" xmlns:r="http://schemas.openxmlformats.org/officeDocument/2006/relationships" xmlns:p="http://schemas.openxmlformats.org/presentationml/2006/main" showMasterSp="1" showMasterPhAnim="1">
   <p:cSld>
     <p:bg>
       <p:bgPr>
         <a:solidFill>
           <a:srgbClr val="739A98"/>
         </a:solidFill>
-        <a:effectLst/>
       </p:bgPr>
     </p:bg>
     <p:spTree>
@@ -4794,8 +4752,8 @@
         </p:blipFill>
         <p:spPr>
           <a:xfrm>
-            <a:off x="1548753" y="1251836"/>
-            <a:ext cx="11304294" cy="8291327"/>
+            <a:off x="1548753" y="1251835"/>
+            <a:ext cx="11304294" cy="8291329"/>
           </a:xfrm>
           <a:prstGeom prst="rect">
             <a:avLst/>
@@ -4810,13 +4768,13 @@
   <p:clrMapOvr>
     <a:masterClrMapping/>
   </p:clrMapOvr>
-  <mc:AlternateContent xmlns:mc="http://schemas.openxmlformats.org/markup-compatibility/2006" xmlns:p14="http://schemas.microsoft.com/office/powerpoint/2010/main">
-    <mc:Choice Requires="p14">
-      <p:transition spd="slow" p14:dur="1200">
+  <mc:AlternateContent xmlns:mc="http://schemas.openxmlformats.org/markup-compatibility/2006">
+    <mc:Choice xmlns:p14="http://schemas.microsoft.com/office/powerpoint/2010/main" Requires="p14">
+      <p:transition spd="slow" advClick="1" p14:dur="1200">
         <p:dissolve/>
       </p:transition>
     </mc:Choice>
-    <mc:Fallback xmlns="">
+    <mc:Fallback>
       <p:transition spd="slow">
         <p:fade/>
       </p:transition>
@@ -4826,14 +4784,13 @@
 </file>
 
 <file path=ppt/slides/slide14.xml><?xml version="1.0" encoding="utf-8"?>
-<p:sld xmlns:a="http://schemas.openxmlformats.org/drawingml/2006/main" xmlns:r="http://schemas.openxmlformats.org/officeDocument/2006/relationships" xmlns:p="http://schemas.openxmlformats.org/presentationml/2006/main">
+<p:sld xmlns:a="http://schemas.openxmlformats.org/drawingml/2006/main" xmlns:r="http://schemas.openxmlformats.org/officeDocument/2006/relationships" xmlns:p="http://schemas.openxmlformats.org/presentationml/2006/main" showMasterSp="1" showMasterPhAnim="1">
   <p:cSld>
     <p:bg>
       <p:bgPr>
         <a:solidFill>
           <a:srgbClr val="739A98"/>
         </a:solidFill>
-        <a:effectLst/>
       </p:bgPr>
     </p:bg>
     <p:spTree>
@@ -4868,8 +4825,8 @@
         </p:blipFill>
         <p:spPr>
           <a:xfrm>
-            <a:off x="1916609" y="1521648"/>
-            <a:ext cx="10568581" cy="7751705"/>
+            <a:off x="1916608" y="1521648"/>
+            <a:ext cx="10568583" cy="7751706"/>
           </a:xfrm>
           <a:prstGeom prst="rect">
             <a:avLst/>
@@ -4884,13 +4841,13 @@
   <p:clrMapOvr>
     <a:masterClrMapping/>
   </p:clrMapOvr>
-  <mc:AlternateContent xmlns:mc="http://schemas.openxmlformats.org/markup-compatibility/2006" xmlns:p14="http://schemas.microsoft.com/office/powerpoint/2010/main">
-    <mc:Choice Requires="p14">
-      <p:transition spd="slow" p14:dur="1200">
+  <mc:AlternateContent xmlns:mc="http://schemas.openxmlformats.org/markup-compatibility/2006">
+    <mc:Choice xmlns:p14="http://schemas.microsoft.com/office/powerpoint/2010/main" Requires="p14">
+      <p:transition spd="slow" advClick="1" p14:dur="1200">
         <p:dissolve/>
       </p:transition>
     </mc:Choice>
-    <mc:Fallback xmlns="">
+    <mc:Fallback>
       <p:transition spd="slow">
         <p:fade/>
       </p:transition>
@@ -4900,14 +4857,13 @@
 </file>
 
 <file path=ppt/slides/slide15.xml><?xml version="1.0" encoding="utf-8"?>
-<p:sld xmlns:a="http://schemas.openxmlformats.org/drawingml/2006/main" xmlns:r="http://schemas.openxmlformats.org/officeDocument/2006/relationships" xmlns:p="http://schemas.openxmlformats.org/presentationml/2006/main">
+<p:sld xmlns:a="http://schemas.openxmlformats.org/drawingml/2006/main" xmlns:r="http://schemas.openxmlformats.org/officeDocument/2006/relationships" xmlns:p="http://schemas.openxmlformats.org/presentationml/2006/main" showMasterSp="1" showMasterPhAnim="1">
   <p:cSld>
     <p:bg>
       <p:bgPr>
         <a:solidFill>
           <a:srgbClr val="739A98"/>
         </a:solidFill>
-        <a:effectLst/>
       </p:bgPr>
     </p:bg>
     <p:spTree>
@@ -4958,13 +4914,13 @@
   <p:clrMapOvr>
     <a:masterClrMapping/>
   </p:clrMapOvr>
-  <mc:AlternateContent xmlns:mc="http://schemas.openxmlformats.org/markup-compatibility/2006" xmlns:p14="http://schemas.microsoft.com/office/powerpoint/2010/main">
-    <mc:Choice Requires="p14">
-      <p:transition spd="slow" p14:dur="1200">
+  <mc:AlternateContent xmlns:mc="http://schemas.openxmlformats.org/markup-compatibility/2006">
+    <mc:Choice xmlns:p14="http://schemas.microsoft.com/office/powerpoint/2010/main" Requires="p14">
+      <p:transition spd="slow" advClick="1" p14:dur="1200">
         <p:dissolve/>
       </p:transition>
     </mc:Choice>
-    <mc:Fallback xmlns="">
+    <mc:Fallback>
       <p:transition spd="slow">
         <p:fade/>
       </p:transition>
@@ -4974,14 +4930,13 @@
 </file>
 
 <file path=ppt/slides/slide16.xml><?xml version="1.0" encoding="utf-8"?>
-<p:sld xmlns:a="http://schemas.openxmlformats.org/drawingml/2006/main" xmlns:r="http://schemas.openxmlformats.org/officeDocument/2006/relationships" xmlns:p="http://schemas.openxmlformats.org/presentationml/2006/main">
+<p:sld xmlns:a="http://schemas.openxmlformats.org/drawingml/2006/main" xmlns:r="http://schemas.openxmlformats.org/officeDocument/2006/relationships" xmlns:p="http://schemas.openxmlformats.org/presentationml/2006/main" showMasterSp="1" showMasterPhAnim="1">
   <p:cSld>
     <p:bg>
       <p:bgPr>
         <a:solidFill>
           <a:srgbClr val="739A98"/>
         </a:solidFill>
-        <a:effectLst/>
       </p:bgPr>
     </p:bg>
     <p:spTree>
@@ -5006,7 +4961,7 @@
         </p:nvSpPr>
         <p:spPr>
           <a:xfrm>
-            <a:off x="6466134" y="5029199"/>
+            <a:off x="6466134" y="5029198"/>
             <a:ext cx="1693891" cy="736601"/>
           </a:xfrm>
           <a:prstGeom prst="rect">
@@ -5017,7 +4972,7 @@
           </a:ln>
           <a:extLst>
             <a:ext uri="{C572A759-6A51-4108-AA02-DFA0A04FC94B}">
-              <ma14:wrappingTextBoxFlag xmlns:ma14="http://schemas.microsoft.com/office/mac/drawingml/2011/main" xmlns="" val="1"/>
+              <ma14:wrappingTextBoxFlag xmlns:ma14="http://schemas.microsoft.com/office/mac/drawingml/2011/main" val="1"/>
             </a:ext>
           </a:extLst>
         </p:spPr>
@@ -5039,6 +4994,7 @@
             </a:lvl1pPr>
           </a:lstStyle>
           <a:p>
+            <a:pPr/>
             <a:r>
               <a:t>泛型？</a:t>
             </a:r>
@@ -5053,8 +5009,8 @@
         </p:nvSpPr>
         <p:spPr>
           <a:xfrm flipH="1" flipV="1">
-            <a:off x="3316583" y="3394173"/>
-            <a:ext cx="2432995" cy="1573165"/>
+            <a:off x="3316582" y="3394173"/>
+            <a:ext cx="2432996" cy="1573166"/>
           </a:xfrm>
           <a:prstGeom prst="line">
             <a:avLst/>
@@ -5066,7 +5022,7 @@
             <a:tailEnd type="triangle"/>
           </a:ln>
           <a:effectLst>
-            <a:outerShdw blurRad="38100" dist="23000" dir="5400000" rotWithShape="0">
+            <a:outerShdw sx="100000" sy="100000" kx="0" ky="0" algn="b" rotWithShape="0" blurRad="38100" dist="23000" dir="5400000">
               <a:srgbClr val="000000">
                 <a:alpha val="35000"/>
               </a:srgbClr>
@@ -5077,7 +5033,7 @@
           <a:bodyPr lIns="45718" tIns="45718" rIns="45718" bIns="45718"/>
           <a:lstStyle/>
           <a:p>
-            <a:endParaRPr dirty="0"/>
+            <a:pPr/>
           </a:p>
         </p:txBody>
       </p:sp>
@@ -5100,7 +5056,7 @@
           </a:ln>
           <a:extLst>
             <a:ext uri="{C572A759-6A51-4108-AA02-DFA0A04FC94B}">
-              <ma14:wrappingTextBoxFlag xmlns:ma14="http://schemas.microsoft.com/office/mac/drawingml/2011/main" xmlns="" val="1"/>
+              <ma14:wrappingTextBoxFlag xmlns:ma14="http://schemas.microsoft.com/office/mac/drawingml/2011/main" val="1"/>
             </a:ext>
           </a:extLst>
         </p:spPr>
@@ -5122,6 +5078,7 @@
             </a:lvl1pPr>
           </a:lstStyle>
           <a:p>
+            <a:pPr/>
             <a:r>
               <a:t>类型</a:t>
             </a:r>
@@ -5149,7 +5106,7 @@
             <a:tailEnd type="triangle"/>
           </a:ln>
           <a:effectLst>
-            <a:outerShdw blurRad="38100" dist="23000" dir="5400000" rotWithShape="0">
+            <a:outerShdw sx="100000" sy="100000" kx="0" ky="0" algn="b" rotWithShape="0" blurRad="38100" dist="23000" dir="5400000">
               <a:srgbClr val="000000">
                 <a:alpha val="35000"/>
               </a:srgbClr>
@@ -5160,7 +5117,7 @@
           <a:bodyPr lIns="45718" tIns="45718" rIns="45718" bIns="45718"/>
           <a:lstStyle/>
           <a:p>
-            <a:endParaRPr/>
+            <a:pPr/>
           </a:p>
         </p:txBody>
       </p:sp>
@@ -5183,7 +5140,7 @@
           </a:ln>
           <a:extLst>
             <a:ext uri="{C572A759-6A51-4108-AA02-DFA0A04FC94B}">
-              <ma14:wrappingTextBoxFlag xmlns:ma14="http://schemas.microsoft.com/office/mac/drawingml/2011/main" xmlns="" val="1"/>
+              <ma14:wrappingTextBoxFlag xmlns:ma14="http://schemas.microsoft.com/office/mac/drawingml/2011/main" val="1"/>
             </a:ext>
           </a:extLst>
         </p:spPr>
@@ -5205,6 +5162,7 @@
             </a:lvl1pPr>
           </a:lstStyle>
           <a:p>
+            <a:pPr/>
             <a:r>
               <a:t>不预先指定类型，使用时再指定</a:t>
             </a:r>
@@ -5219,8 +5177,8 @@
         </p:nvSpPr>
         <p:spPr>
           <a:xfrm>
-            <a:off x="10483850" y="3892550"/>
-            <a:ext cx="0" cy="3009902"/>
+            <a:off x="10483850" y="3892549"/>
+            <a:ext cx="0" cy="3009903"/>
           </a:xfrm>
           <a:prstGeom prst="line">
             <a:avLst/>
@@ -5232,7 +5190,7 @@
             <a:tailEnd type="triangle"/>
           </a:ln>
           <a:effectLst>
-            <a:outerShdw blurRad="38100" dist="23000" dir="5400000" rotWithShape="0">
+            <a:outerShdw sx="100000" sy="100000" kx="0" ky="0" algn="b" rotWithShape="0" blurRad="38100" dist="23000" dir="5400000">
               <a:srgbClr val="000000">
                 <a:alpha val="35000"/>
               </a:srgbClr>
@@ -5243,7 +5201,7 @@
           <a:bodyPr lIns="45718" tIns="45718" rIns="45718" bIns="45718"/>
           <a:lstStyle/>
           <a:p>
-            <a:endParaRPr/>
+            <a:pPr/>
           </a:p>
         </p:txBody>
       </p:sp>
@@ -5266,7 +5224,7 @@
           </a:ln>
           <a:extLst>
             <a:ext uri="{C572A759-6A51-4108-AA02-DFA0A04FC94B}">
-              <ma14:wrappingTextBoxFlag xmlns:ma14="http://schemas.microsoft.com/office/mac/drawingml/2011/main" xmlns="" val="1"/>
+              <ma14:wrappingTextBoxFlag xmlns:ma14="http://schemas.microsoft.com/office/mac/drawingml/2011/main" val="1"/>
             </a:ext>
           </a:extLst>
         </p:spPr>
@@ -5288,6 +5246,7 @@
             </a:lvl1pPr>
           </a:lstStyle>
           <a:p>
+            <a:pPr/>
             <a:r>
               <a:t>在成员之间提供一定的约束</a:t>
             </a:r>
@@ -5303,7 +5262,7 @@
         <p:spPr>
           <a:xfrm flipH="1">
             <a:off x="4021092" y="6243315"/>
-            <a:ext cx="1891110" cy="1272159"/>
+            <a:ext cx="1891111" cy="1272160"/>
           </a:xfrm>
           <a:prstGeom prst="line">
             <a:avLst/>
@@ -5315,7 +5274,7 @@
             <a:tailEnd type="triangle"/>
           </a:ln>
           <a:effectLst>
-            <a:outerShdw blurRad="38100" dist="23000" dir="5400000" rotWithShape="0">
+            <a:outerShdw sx="100000" sy="100000" kx="0" ky="0" algn="b" rotWithShape="0" blurRad="38100" dist="23000" dir="5400000">
               <a:srgbClr val="000000">
                 <a:alpha val="35000"/>
               </a:srgbClr>
@@ -5326,7 +5285,7 @@
           <a:bodyPr lIns="45718" tIns="45718" rIns="45718" bIns="45718"/>
           <a:lstStyle/>
           <a:p>
-            <a:endParaRPr/>
+            <a:pPr/>
           </a:p>
         </p:txBody>
       </p:sp>
@@ -5339,7 +5298,7 @@
         <p:spPr>
           <a:xfrm>
             <a:off x="1918022" y="7804149"/>
-            <a:ext cx="2804519" cy="1282701"/>
+            <a:ext cx="2804520" cy="1282701"/>
           </a:xfrm>
           <a:prstGeom prst="rect">
             <a:avLst/>
@@ -5349,7 +5308,7 @@
           </a:ln>
           <a:extLst>
             <a:ext uri="{C572A759-6A51-4108-AA02-DFA0A04FC94B}">
-              <ma14:wrappingTextBoxFlag xmlns:ma14="http://schemas.microsoft.com/office/mac/drawingml/2011/main" xmlns="" val="1"/>
+              <ma14:wrappingTextBoxFlag xmlns:ma14="http://schemas.microsoft.com/office/mac/drawingml/2011/main" val="1"/>
             </a:ext>
           </a:extLst>
         </p:spPr>
@@ -5371,6 +5330,7 @@
             </a:lvl1pPr>
           </a:lstStyle>
           <a:p>
+            <a:pPr/>
             <a:r>
               <a:t>泛型约束extends</a:t>
             </a:r>
@@ -5382,13 +5342,13 @@
   <p:clrMapOvr>
     <a:masterClrMapping/>
   </p:clrMapOvr>
-  <mc:AlternateContent xmlns:mc="http://schemas.openxmlformats.org/markup-compatibility/2006" xmlns:p14="http://schemas.microsoft.com/office/powerpoint/2010/main">
-    <mc:Choice Requires="p14">
-      <p:transition spd="slow" p14:dur="1200">
+  <mc:AlternateContent xmlns:mc="http://schemas.openxmlformats.org/markup-compatibility/2006">
+    <mc:Choice xmlns:p14="http://schemas.microsoft.com/office/powerpoint/2010/main" Requires="p14">
+      <p:transition spd="slow" advClick="1" p14:dur="1200">
         <p:dissolve/>
       </p:transition>
     </mc:Choice>
-    <mc:Fallback xmlns="">
+    <mc:Fallback>
       <p:transition spd="slow">
         <p:fade/>
       </p:transition>
@@ -5397,10 +5357,10 @@
   <p:timing>
     <p:tnLst>
       <p:par>
-        <p:cTn id="1" dur="indefinite" restart="never" fill="hold" nodeType="tmRoot">
+        <p:cTn id="1" nodeType="tmRoot" restart="never" dur="indefinite" fill="hold">
           <p:childTnLst>
             <p:seq concurrent="1" prevAc="none" nextAc="seek">
-              <p:cTn id="2" dur="indefinite" fill="hold" nodeType="mainSeq">
+              <p:cTn id="2" nodeType="mainSeq" dur="indefinite" fill="hold">
                 <p:childTnLst>
                   <p:par>
                     <p:cTn id="3" fill="hold">
@@ -5415,11 +5375,11 @@
                             </p:stCondLst>
                             <p:childTnLst>
                               <p:par>
-                                <p:cTn id="5" presetID="1" presetClass="entr" presetSubtype="0" fill="hold" grpId="1" nodeType="clickEffect">
+                                <p:cTn id="5" presetClass="entr" nodeType="clickEffect" presetSubtype="0" presetID="1" grpId="1" fill="hold">
                                   <p:stCondLst>
                                     <p:cond delay="0"/>
                                   </p:stCondLst>
-                                  <p:iterate>
+                                  <p:iterate type="el" backwards="0">
                                     <p:tmAbs val="0"/>
                                   </p:iterate>
                                   <p:childTnLst>
@@ -5459,11 +5419,11 @@
                             </p:stCondLst>
                             <p:childTnLst>
                               <p:par>
-                                <p:cTn id="9" presetID="1" presetClass="entr" presetSubtype="0" fill="hold" grpId="2" nodeType="clickEffect">
+                                <p:cTn id="9" presetClass="entr" nodeType="clickEffect" presetSubtype="0" presetID="1" grpId="2" fill="hold">
                                   <p:stCondLst>
                                     <p:cond delay="0"/>
                                   </p:stCondLst>
-                                  <p:iterate>
+                                  <p:iterate type="el" backwards="0">
                                     <p:tmAbs val="0"/>
                                   </p:iterate>
                                   <p:childTnLst>
@@ -5503,11 +5463,11 @@
                             </p:stCondLst>
                             <p:childTnLst>
                               <p:par>
-                                <p:cTn id="13" presetID="1" presetClass="entr" presetSubtype="0" fill="hold" grpId="3" nodeType="clickEffect">
+                                <p:cTn id="13" presetClass="entr" nodeType="clickEffect" presetSubtype="0" presetID="1" grpId="3" fill="hold">
                                   <p:stCondLst>
                                     <p:cond delay="0"/>
                                   </p:stCondLst>
-                                  <p:iterate>
+                                  <p:iterate type="el" backwards="0">
                                     <p:tmAbs val="0"/>
                                   </p:iterate>
                                   <p:childTnLst>
@@ -5547,11 +5507,11 @@
                             </p:stCondLst>
                             <p:childTnLst>
                               <p:par>
-                                <p:cTn id="17" presetID="1" presetClass="entr" presetSubtype="0" fill="hold" grpId="4" nodeType="clickEffect">
+                                <p:cTn id="17" presetClass="entr" nodeType="clickEffect" presetSubtype="0" presetID="1" grpId="4" fill="hold">
                                   <p:stCondLst>
                                     <p:cond delay="0"/>
                                   </p:stCondLst>
-                                  <p:iterate>
+                                  <p:iterate type="el" backwards="0">
                                     <p:tmAbs val="0"/>
                                   </p:iterate>
                                   <p:childTnLst>
@@ -5591,11 +5551,11 @@
                             </p:stCondLst>
                             <p:childTnLst>
                               <p:par>
-                                <p:cTn id="21" presetID="1" presetClass="entr" presetSubtype="0" fill="hold" grpId="5" nodeType="clickEffect">
+                                <p:cTn id="21" presetClass="entr" nodeType="clickEffect" presetSubtype="0" presetID="1" grpId="5" fill="hold">
                                   <p:stCondLst>
                                     <p:cond delay="0"/>
                                   </p:stCondLst>
-                                  <p:iterate>
+                                  <p:iterate type="el" backwards="0">
                                     <p:tmAbs val="0"/>
                                   </p:iterate>
                                   <p:childTnLst>
@@ -5635,11 +5595,11 @@
                             </p:stCondLst>
                             <p:childTnLst>
                               <p:par>
-                                <p:cTn id="25" presetID="1" presetClass="entr" presetSubtype="0" fill="hold" grpId="6" nodeType="clickEffect">
+                                <p:cTn id="25" presetClass="entr" nodeType="clickEffect" presetSubtype="0" presetID="1" grpId="6" fill="hold">
                                   <p:stCondLst>
                                     <p:cond delay="0"/>
                                   </p:stCondLst>
-                                  <p:iterate>
+                                  <p:iterate type="el" backwards="0">
                                     <p:tmAbs val="0"/>
                                   </p:iterate>
                                   <p:childTnLst>
@@ -5679,11 +5639,11 @@
                             </p:stCondLst>
                             <p:childTnLst>
                               <p:par>
-                                <p:cTn id="29" presetID="1" presetClass="entr" presetSubtype="0" fill="hold" grpId="7" nodeType="clickEffect">
+                                <p:cTn id="29" presetClass="entr" nodeType="clickEffect" presetSubtype="0" presetID="1" grpId="7" fill="hold">
                                   <p:stCondLst>
                                     <p:cond delay="0"/>
                                   </p:stCondLst>
-                                  <p:iterate>
+                                  <p:iterate type="el" backwards="0">
                                     <p:tmAbs val="0"/>
                                   </p:iterate>
                                   <p:childTnLst>
@@ -5723,11 +5683,11 @@
                             </p:stCondLst>
                             <p:childTnLst>
                               <p:par>
-                                <p:cTn id="33" presetID="1" presetClass="entr" presetSubtype="0" fill="hold" grpId="8" nodeType="clickEffect">
+                                <p:cTn id="33" presetClass="entr" nodeType="clickEffect" presetSubtype="0" presetID="1" grpId="8" fill="hold">
                                   <p:stCondLst>
                                     <p:cond delay="0"/>
                                   </p:stCondLst>
-                                  <p:iterate>
+                                  <p:iterate type="el" backwards="0">
                                     <p:tmAbs val="0"/>
                                   </p:iterate>
                                   <p:childTnLst>
@@ -5757,14 +5717,14 @@
                 </p:childTnLst>
               </p:cTn>
               <p:prevCondLst>
-                <p:cond evt="onPrev" delay="0">
+                <p:cond evt="onPrev">
                   <p:tgtEl>
                     <p:sldTgt/>
                   </p:tgtEl>
                 </p:cond>
               </p:prevCondLst>
               <p:nextCondLst>
-                <p:cond evt="onNext" delay="0">
+                <p:cond evt="onNext">
                   <p:tgtEl>
                     <p:sldTgt/>
                   </p:tgtEl>
@@ -5776,28 +5736,27 @@
       </p:par>
     </p:tnLst>
     <p:bldLst>
-      <p:bldP spid="184" grpId="1" animBg="1" advAuto="0"/>
-      <p:bldP spid="185" grpId="2" animBg="1" advAuto="0"/>
-      <p:bldP spid="186" grpId="3" animBg="1" advAuto="0"/>
-      <p:bldP spid="187" grpId="4" animBg="1" advAuto="0"/>
-      <p:bldP spid="188" grpId="5" animBg="1" advAuto="0"/>
-      <p:bldP spid="189" grpId="6" animBg="1" advAuto="0"/>
-      <p:bldP spid="190" grpId="7" animBg="1" advAuto="0"/>
-      <p:bldP spid="191" grpId="8" animBg="1" advAuto="0"/>
+      <p:bldP build="whole" bldLvl="1" animBg="1" rev="0" advAuto="0" spid="184" grpId="1"/>
+      <p:bldP build="whole" bldLvl="1" animBg="1" rev="0" advAuto="0" spid="186" grpId="3"/>
+      <p:bldP build="whole" bldLvl="1" animBg="1" rev="0" advAuto="0" spid="188" grpId="5"/>
+      <p:bldP build="whole" bldLvl="1" animBg="1" rev="0" advAuto="0" spid="190" grpId="7"/>
+      <p:bldP build="whole" bldLvl="1" animBg="1" rev="0" advAuto="0" spid="189" grpId="6"/>
+      <p:bldP build="whole" bldLvl="1" animBg="1" rev="0" advAuto="0" spid="191" grpId="8"/>
+      <p:bldP build="whole" bldLvl="1" animBg="1" rev="0" advAuto="0" spid="187" grpId="4"/>
+      <p:bldP build="whole" bldLvl="1" animBg="1" rev="0" advAuto="0" spid="185" grpId="2"/>
     </p:bldLst>
   </p:timing>
 </p:sld>
 </file>
 
 <file path=ppt/slides/slide17.xml><?xml version="1.0" encoding="utf-8"?>
-<p:sld xmlns:a="http://schemas.openxmlformats.org/drawingml/2006/main" xmlns:r="http://schemas.openxmlformats.org/officeDocument/2006/relationships" xmlns:p="http://schemas.openxmlformats.org/presentationml/2006/main">
+<p:sld xmlns:a="http://schemas.openxmlformats.org/drawingml/2006/main" xmlns:r="http://schemas.openxmlformats.org/officeDocument/2006/relationships" xmlns:p="http://schemas.openxmlformats.org/presentationml/2006/main" showMasterSp="1" showMasterPhAnim="1">
   <p:cSld>
     <p:bg>
       <p:bgPr>
         <a:solidFill>
           <a:srgbClr val="739A98"/>
         </a:solidFill>
-        <a:effectLst/>
       </p:bgPr>
     </p:bg>
     <p:spTree>
@@ -5833,7 +5792,7 @@
           </a:ln>
           <a:extLst>
             <a:ext uri="{C572A759-6A51-4108-AA02-DFA0A04FC94B}">
-              <ma14:wrappingTextBoxFlag xmlns:ma14="http://schemas.microsoft.com/office/mac/drawingml/2011/main" xmlns="" val="1"/>
+              <ma14:wrappingTextBoxFlag xmlns:ma14="http://schemas.microsoft.com/office/mac/drawingml/2011/main" val="1"/>
             </a:ext>
           </a:extLst>
         </p:spPr>
@@ -5855,6 +5814,7 @@
             </a:lvl1pPr>
           </a:lstStyle>
           <a:p>
+            <a:pPr/>
             <a:r>
               <a:t>泛型函数</a:t>
             </a:r>
@@ -5880,7 +5840,7 @@
         <p:spPr>
           <a:xfrm>
             <a:off x="5302250" y="2543272"/>
-            <a:ext cx="3797300" cy="2514601"/>
+            <a:ext cx="3797300" cy="2514602"/>
           </a:xfrm>
           <a:prstGeom prst="rect">
             <a:avLst/>
@@ -5909,7 +5869,7 @@
         <p:spPr>
           <a:xfrm>
             <a:off x="4864100" y="5993353"/>
-            <a:ext cx="4673600" cy="1930401"/>
+            <a:ext cx="4673600" cy="1930402"/>
           </a:xfrm>
           <a:prstGeom prst="rect">
             <a:avLst/>
@@ -5924,13 +5884,13 @@
   <p:clrMapOvr>
     <a:masterClrMapping/>
   </p:clrMapOvr>
-  <mc:AlternateContent xmlns:mc="http://schemas.openxmlformats.org/markup-compatibility/2006" xmlns:p14="http://schemas.microsoft.com/office/powerpoint/2010/main">
-    <mc:Choice Requires="p14">
-      <p:transition spd="slow" p14:dur="1200">
+  <mc:AlternateContent xmlns:mc="http://schemas.openxmlformats.org/markup-compatibility/2006">
+    <mc:Choice xmlns:p14="http://schemas.microsoft.com/office/powerpoint/2010/main" Requires="p14">
+      <p:transition spd="slow" advClick="1" p14:dur="1200">
         <p:dissolve/>
       </p:transition>
     </mc:Choice>
-    <mc:Fallback xmlns="">
+    <mc:Fallback>
       <p:transition spd="slow">
         <p:fade/>
       </p:transition>
@@ -5940,14 +5900,13 @@
 </file>
 
 <file path=ppt/slides/slide18.xml><?xml version="1.0" encoding="utf-8"?>
-<p:sld xmlns:a="http://schemas.openxmlformats.org/drawingml/2006/main" xmlns:r="http://schemas.openxmlformats.org/officeDocument/2006/relationships" xmlns:p="http://schemas.openxmlformats.org/presentationml/2006/main">
+<p:sld xmlns:a="http://schemas.openxmlformats.org/drawingml/2006/main" xmlns:r="http://schemas.openxmlformats.org/officeDocument/2006/relationships" xmlns:p="http://schemas.openxmlformats.org/presentationml/2006/main" showMasterSp="1" showMasterPhAnim="1">
   <p:cSld>
     <p:bg>
       <p:bgPr>
         <a:solidFill>
           <a:srgbClr val="739A98"/>
         </a:solidFill>
-        <a:effectLst/>
       </p:bgPr>
     </p:bg>
     <p:spTree>
@@ -5972,7 +5931,7 @@
         </p:nvSpPr>
         <p:spPr>
           <a:xfrm>
-            <a:off x="1190748" y="330199"/>
+            <a:off x="1190748" y="330198"/>
             <a:ext cx="3749329" cy="736601"/>
           </a:xfrm>
           <a:prstGeom prst="rect">
@@ -5983,7 +5942,7 @@
           </a:ln>
           <a:extLst>
             <a:ext uri="{C572A759-6A51-4108-AA02-DFA0A04FC94B}">
-              <ma14:wrappingTextBoxFlag xmlns:ma14="http://schemas.microsoft.com/office/mac/drawingml/2011/main" xmlns="" val="1"/>
+              <ma14:wrappingTextBoxFlag xmlns:ma14="http://schemas.microsoft.com/office/mac/drawingml/2011/main" val="1"/>
             </a:ext>
           </a:extLst>
         </p:spPr>
@@ -6007,6 +5966,7 @@
             </a:lvl1pPr>
           </a:lstStyle>
           <a:p>
+            <a:pPr/>
             <a:r>
               <a:t>结论</a:t>
             </a:r>
@@ -6032,7 +5992,7 @@
         <p:spPr>
           <a:xfrm>
             <a:off x="2449029" y="1249640"/>
-            <a:ext cx="9503742" cy="8295720"/>
+            <a:ext cx="9503743" cy="8295720"/>
           </a:xfrm>
           <a:prstGeom prst="rect">
             <a:avLst/>
@@ -6047,13 +6007,13 @@
   <p:clrMapOvr>
     <a:masterClrMapping/>
   </p:clrMapOvr>
-  <mc:AlternateContent xmlns:mc="http://schemas.openxmlformats.org/markup-compatibility/2006" xmlns:p14="http://schemas.microsoft.com/office/powerpoint/2010/main">
-    <mc:Choice Requires="p14">
-      <p:transition spd="slow" p14:dur="1200">
+  <mc:AlternateContent xmlns:mc="http://schemas.openxmlformats.org/markup-compatibility/2006">
+    <mc:Choice xmlns:p14="http://schemas.microsoft.com/office/powerpoint/2010/main" Requires="p14">
+      <p:transition spd="slow" advClick="1" p14:dur="1200">
         <p:dissolve/>
       </p:transition>
     </mc:Choice>
-    <mc:Fallback xmlns="">
+    <mc:Fallback>
       <p:transition spd="slow">
         <p:fade/>
       </p:transition>
@@ -6063,14 +6023,13 @@
 </file>
 
 <file path=ppt/slides/slide19.xml><?xml version="1.0" encoding="utf-8"?>
-<p:sld xmlns:a="http://schemas.openxmlformats.org/drawingml/2006/main" xmlns:r="http://schemas.openxmlformats.org/officeDocument/2006/relationships" xmlns:p="http://schemas.openxmlformats.org/presentationml/2006/main">
+<p:sld xmlns:a="http://schemas.openxmlformats.org/drawingml/2006/main" xmlns:r="http://schemas.openxmlformats.org/officeDocument/2006/relationships" xmlns:p="http://schemas.openxmlformats.org/presentationml/2006/main" showMasterSp="1" showMasterPhAnim="1">
   <p:cSld>
     <p:bg>
       <p:bgPr>
         <a:solidFill>
           <a:srgbClr val="739A98"/>
         </a:solidFill>
-        <a:effectLst/>
       </p:bgPr>
     </p:bg>
     <p:spTree>
@@ -6106,7 +6065,7 @@
           </a:ln>
           <a:extLst>
             <a:ext uri="{C572A759-6A51-4108-AA02-DFA0A04FC94B}">
-              <ma14:wrappingTextBoxFlag xmlns:ma14="http://schemas.microsoft.com/office/mac/drawingml/2011/main" xmlns="" val="1"/>
+              <ma14:wrappingTextBoxFlag xmlns:ma14="http://schemas.microsoft.com/office/mac/drawingml/2011/main" val="1"/>
             </a:ext>
           </a:extLst>
         </p:spPr>
@@ -6128,6 +6087,7 @@
             </a:lvl1pPr>
           </a:lstStyle>
           <a:p>
+            <a:pPr/>
             <a:r>
               <a:t>TypeScript 一些语法糖</a:t>
             </a:r>
@@ -6139,13 +6099,13 @@
   <p:clrMapOvr>
     <a:masterClrMapping/>
   </p:clrMapOvr>
-  <mc:AlternateContent xmlns:mc="http://schemas.openxmlformats.org/markup-compatibility/2006" xmlns:p14="http://schemas.microsoft.com/office/powerpoint/2010/main">
-    <mc:Choice Requires="p14">
-      <p:transition spd="slow" p14:dur="1200">
+  <mc:AlternateContent xmlns:mc="http://schemas.openxmlformats.org/markup-compatibility/2006">
+    <mc:Choice xmlns:p14="http://schemas.microsoft.com/office/powerpoint/2010/main" Requires="p14">
+      <p:transition spd="slow" advClick="1" p14:dur="1200">
         <p:dissolve/>
       </p:transition>
     </mc:Choice>
-    <mc:Fallback xmlns="">
+    <mc:Fallback>
       <p:transition spd="slow">
         <p:fade/>
       </p:transition>
@@ -6155,14 +6115,13 @@
 </file>
 
 <file path=ppt/slides/slide2.xml><?xml version="1.0" encoding="utf-8"?>
-<p:sld xmlns:a="http://schemas.openxmlformats.org/drawingml/2006/main" xmlns:r="http://schemas.openxmlformats.org/officeDocument/2006/relationships" xmlns:p="http://schemas.openxmlformats.org/presentationml/2006/main">
+<p:sld xmlns:a="http://schemas.openxmlformats.org/drawingml/2006/main" xmlns:r="http://schemas.openxmlformats.org/officeDocument/2006/relationships" xmlns:p="http://schemas.openxmlformats.org/presentationml/2006/main" showMasterSp="1" showMasterPhAnim="1">
   <p:cSld>
     <p:bg>
       <p:bgPr>
         <a:solidFill>
           <a:srgbClr val="739A98"/>
         </a:solidFill>
-        <a:effectLst/>
       </p:bgPr>
     </p:bg>
     <p:spTree>
@@ -6198,7 +6157,7 @@
           </a:ln>
           <a:extLst>
             <a:ext uri="{C572A759-6A51-4108-AA02-DFA0A04FC94B}">
-              <ma14:wrappingTextBoxFlag xmlns:ma14="http://schemas.microsoft.com/office/mac/drawingml/2011/main" xmlns="" val="1"/>
+              <ma14:wrappingTextBoxFlag xmlns:ma14="http://schemas.microsoft.com/office/mac/drawingml/2011/main" val="1"/>
             </a:ext>
           </a:extLst>
         </p:spPr>
@@ -6220,6 +6179,7 @@
             </a:lvl1pPr>
           </a:lstStyle>
           <a:p>
+            <a:pPr/>
             <a:r>
               <a:t>01</a:t>
             </a:r>
@@ -6245,7 +6205,7 @@
           </a:ln>
           <a:extLst>
             <a:ext uri="{C572A759-6A51-4108-AA02-DFA0A04FC94B}">
-              <ma14:wrappingTextBoxFlag xmlns:ma14="http://schemas.microsoft.com/office/mac/drawingml/2011/main" xmlns="" val="1"/>
+              <ma14:wrappingTextBoxFlag xmlns:ma14="http://schemas.microsoft.com/office/mac/drawingml/2011/main" val="1"/>
             </a:ext>
           </a:extLst>
         </p:spPr>
@@ -6267,6 +6227,7 @@
             </a:lvl1pPr>
           </a:lstStyle>
           <a:p>
+            <a:pPr/>
             <a:r>
               <a:t>02</a:t>
             </a:r>
@@ -6282,7 +6243,7 @@
         <p:spPr>
           <a:xfrm>
             <a:off x="5153974" y="3357314"/>
-            <a:ext cx="6244739" cy="726437"/>
+            <a:ext cx="6244740" cy="726437"/>
           </a:xfrm>
           <a:prstGeom prst="rect">
             <a:avLst/>
@@ -6292,7 +6253,7 @@
           </a:ln>
           <a:extLst>
             <a:ext uri="{C572A759-6A51-4108-AA02-DFA0A04FC94B}">
-              <ma14:wrappingTextBoxFlag xmlns:ma14="http://schemas.microsoft.com/office/mac/drawingml/2011/main" xmlns="" val="1"/>
+              <ma14:wrappingTextBoxFlag xmlns:ma14="http://schemas.microsoft.com/office/mac/drawingml/2011/main" val="1"/>
             </a:ext>
           </a:extLst>
         </p:spPr>
@@ -6305,7 +6266,7 @@
               <a:lnSpc>
                 <a:spcPct val="130000"/>
               </a:lnSpc>
-              <a:defRPr sz="3600" b="1">
+              <a:defRPr b="1" sz="3600">
                 <a:solidFill>
                   <a:srgbClr val="FFFFFF"/>
                 </a:solidFill>
@@ -6317,19 +6278,10 @@
             </a:lvl1pPr>
           </a:lstStyle>
           <a:p>
+            <a:pPr/>
             <a:r>
-              <a:rPr dirty="0" err="1"/>
-              <a:t>TypeScript</a:t>
+              <a:t>TypeScript 类型简单介绍</a:t>
             </a:r>
-            <a:r>
-              <a:rPr dirty="0"/>
-              <a:t> </a:t>
-            </a:r>
-            <a:r>
-              <a:rPr dirty="0" err="1"/>
-              <a:t>类型简单介绍</a:t>
-            </a:r>
-            <a:endParaRPr dirty="0"/>
           </a:p>
         </p:txBody>
       </p:sp>
@@ -6342,7 +6294,7 @@
         <p:spPr>
           <a:xfrm>
             <a:off x="5224236" y="4715252"/>
-            <a:ext cx="6677452" cy="726437"/>
+            <a:ext cx="6677453" cy="726437"/>
           </a:xfrm>
           <a:prstGeom prst="rect">
             <a:avLst/>
@@ -6352,7 +6304,7 @@
           </a:ln>
           <a:extLst>
             <a:ext uri="{C572A759-6A51-4108-AA02-DFA0A04FC94B}">
-              <ma14:wrappingTextBoxFlag xmlns:ma14="http://schemas.microsoft.com/office/mac/drawingml/2011/main" xmlns="" val="1"/>
+              <ma14:wrappingTextBoxFlag xmlns:ma14="http://schemas.microsoft.com/office/mac/drawingml/2011/main" val="1"/>
             </a:ext>
           </a:extLst>
         </p:spPr>
@@ -6365,7 +6317,7 @@
               <a:lnSpc>
                 <a:spcPct val="130000"/>
               </a:lnSpc>
-              <a:defRPr sz="3600" b="1">
+              <a:defRPr b="1" sz="3600">
                 <a:solidFill>
                   <a:srgbClr val="FFFFFF"/>
                 </a:solidFill>
@@ -6377,6 +6329,7 @@
             </a:lvl1pPr>
           </a:lstStyle>
           <a:p>
+            <a:pPr/>
             <a:r>
               <a:t>TypeScript 一些语法糖</a:t>
             </a:r>
@@ -6388,13 +6341,13 @@
   <p:clrMapOvr>
     <a:masterClrMapping/>
   </p:clrMapOvr>
-  <mc:AlternateContent xmlns:mc="http://schemas.openxmlformats.org/markup-compatibility/2006" xmlns:p14="http://schemas.microsoft.com/office/powerpoint/2010/main">
-    <mc:Choice Requires="p14">
-      <p:transition spd="slow" p14:dur="1200">
+  <mc:AlternateContent xmlns:mc="http://schemas.openxmlformats.org/markup-compatibility/2006">
+    <mc:Choice xmlns:p14="http://schemas.microsoft.com/office/powerpoint/2010/main" Requires="p14">
+      <p:transition spd="slow" advClick="1" p14:dur="1200">
         <p:dissolve/>
       </p:transition>
     </mc:Choice>
-    <mc:Fallback xmlns="">
+    <mc:Fallback>
       <p:transition spd="slow">
         <p:fade/>
       </p:transition>
@@ -6404,14 +6357,13 @@
 </file>
 
 <file path=ppt/slides/slide20.xml><?xml version="1.0" encoding="utf-8"?>
-<p:sld xmlns:a="http://schemas.openxmlformats.org/drawingml/2006/main" xmlns:r="http://schemas.openxmlformats.org/officeDocument/2006/relationships" xmlns:p="http://schemas.openxmlformats.org/presentationml/2006/main">
+<p:sld xmlns:a="http://schemas.openxmlformats.org/drawingml/2006/main" xmlns:r="http://schemas.openxmlformats.org/officeDocument/2006/relationships" xmlns:p="http://schemas.openxmlformats.org/presentationml/2006/main" showMasterSp="1" showMasterPhAnim="1">
   <p:cSld>
     <p:bg>
       <p:bgPr>
         <a:solidFill>
           <a:srgbClr val="739A98"/>
         </a:solidFill>
-        <a:effectLst/>
       </p:bgPr>
     </p:bg>
     <p:spTree>
@@ -6436,8 +6388,8 @@
         </p:nvSpPr>
         <p:spPr>
           <a:xfrm>
-            <a:off x="927850" y="824231"/>
-            <a:ext cx="6337654" cy="646327"/>
+            <a:off x="927849" y="824230"/>
+            <a:ext cx="6337656" cy="726437"/>
           </a:xfrm>
           <a:prstGeom prst="rect">
             <a:avLst/>
@@ -6447,12 +6399,12 @@
           </a:ln>
           <a:extLst>
             <a:ext uri="{C572A759-6A51-4108-AA02-DFA0A04FC94B}">
-              <ma14:wrappingTextBoxFlag xmlns:ma14="http://schemas.microsoft.com/office/mac/drawingml/2011/main" xmlns="" val="1"/>
+              <ma14:wrappingTextBoxFlag xmlns:ma14="http://schemas.microsoft.com/office/mac/drawingml/2011/main" val="1"/>
             </a:ext>
           </a:extLst>
         </p:spPr>
         <p:txBody>
-          <a:bodyPr wrap="square" lIns="45718" tIns="45718" rIns="45718" bIns="45718">
+          <a:bodyPr lIns="45718" tIns="45718" rIns="45718" bIns="45718">
             <a:spAutoFit/>
           </a:bodyPr>
           <a:lstStyle>
@@ -6471,30 +6423,16 @@
             </a:lvl1pPr>
           </a:lstStyle>
           <a:p>
+            <a:pPr/>
             <a:r>
-              <a:rPr dirty="0"/>
-              <a:t>import require </a:t>
-            </a:r>
-            <a:r>
-              <a:rPr dirty="0" err="1"/>
-              <a:t>与</a:t>
-            </a:r>
-            <a:r>
-              <a:rPr dirty="0"/>
-              <a:t> export = </a:t>
+              <a:t>import require 与 export = </a:t>
             </a:r>
           </a:p>
         </p:txBody>
       </p:sp>
       <p:pic>
         <p:nvPicPr>
-          <p:cNvPr id="7" name="Picture 6">
-            <a:extLst>
-              <a:ext uri="{FF2B5EF4-FFF2-40B4-BE49-F238E27FC236}">
-                <a16:creationId xmlns:a16="http://schemas.microsoft.com/office/drawing/2014/main" id="{1A4891F2-0030-9343-8072-B25E8BF8EB9D}"/>
-              </a:ext>
-            </a:extLst>
-          </p:cNvPr>
+          <p:cNvPr id="203" name="Picture 6" descr="Picture 6"/>
           <p:cNvPicPr>
             <a:picLocks noChangeAspect="1"/>
           </p:cNvPicPr>
@@ -6502,11 +6440,7 @@
         </p:nvPicPr>
         <p:blipFill>
           <a:blip r:embed="rId2">
-            <a:extLst>
-              <a:ext uri="{28A0092B-C50C-407E-A947-70E740481C1C}">
-                <a14:useLocalDpi xmlns:a14="http://schemas.microsoft.com/office/drawing/2010/main" val="0"/>
-              </a:ext>
-            </a:extLst>
+            <a:extLst/>
           </a:blip>
           <a:stretch>
             <a:fillRect/>
@@ -6514,30 +6448,27 @@
         </p:blipFill>
         <p:spPr>
           <a:xfrm>
-            <a:off x="5747578" y="2810564"/>
-            <a:ext cx="2730500" cy="1397000"/>
+            <a:off x="5747577" y="2810563"/>
+            <a:ext cx="2730501" cy="1397001"/>
           </a:xfrm>
           <a:prstGeom prst="rect">
             <a:avLst/>
           </a:prstGeom>
+          <a:ln w="12700">
+            <a:miter lim="400000"/>
+          </a:ln>
         </p:spPr>
       </p:pic>
       <p:sp>
         <p:nvSpPr>
-          <p:cNvPr id="10" name="Line">
-            <a:extLst>
-              <a:ext uri="{FF2B5EF4-FFF2-40B4-BE49-F238E27FC236}">
-                <a16:creationId xmlns:a16="http://schemas.microsoft.com/office/drawing/2014/main" id="{A00EAEAB-9B96-F04E-98FB-E0CFB718389C}"/>
-              </a:ext>
-            </a:extLst>
-          </p:cNvPr>
+          <p:cNvPr id="204" name="Line"/>
           <p:cNvSpPr/>
           <p:nvPr/>
         </p:nvSpPr>
         <p:spPr>
           <a:xfrm flipH="1">
-            <a:off x="5247860" y="4742500"/>
-            <a:ext cx="913807" cy="1211040"/>
+            <a:off x="5247859" y="4742500"/>
+            <a:ext cx="913808" cy="1211041"/>
           </a:xfrm>
           <a:prstGeom prst="line">
             <a:avLst/>
@@ -6549,7 +6480,7 @@
             <a:tailEnd type="triangle"/>
           </a:ln>
           <a:effectLst>
-            <a:outerShdw blurRad="38100" dist="23000" dir="5400000" rotWithShape="0">
+            <a:outerShdw sx="100000" sy="100000" kx="0" ky="0" algn="b" rotWithShape="0" blurRad="38100" dist="23000" dir="5400000">
               <a:srgbClr val="000000">
                 <a:alpha val="35000"/>
               </a:srgbClr>
@@ -6560,26 +6491,20 @@
           <a:bodyPr lIns="45718" tIns="45718" rIns="45718" bIns="45718"/>
           <a:lstStyle/>
           <a:p>
-            <a:endParaRPr/>
+            <a:pPr/>
           </a:p>
         </p:txBody>
       </p:sp>
       <p:sp>
         <p:nvSpPr>
-          <p:cNvPr id="11" name="Line">
-            <a:extLst>
-              <a:ext uri="{FF2B5EF4-FFF2-40B4-BE49-F238E27FC236}">
-                <a16:creationId xmlns:a16="http://schemas.microsoft.com/office/drawing/2014/main" id="{161F7253-6D7E-9F48-821A-790A7D2725AD}"/>
-              </a:ext>
-            </a:extLst>
-          </p:cNvPr>
+          <p:cNvPr id="205" name="Line"/>
           <p:cNvSpPr/>
           <p:nvPr/>
         </p:nvSpPr>
         <p:spPr>
           <a:xfrm>
             <a:off x="7981122" y="4742500"/>
-            <a:ext cx="914401" cy="1119809"/>
+            <a:ext cx="914402" cy="1119810"/>
           </a:xfrm>
           <a:prstGeom prst="line">
             <a:avLst/>
@@ -6591,7 +6516,7 @@
             <a:tailEnd type="triangle"/>
           </a:ln>
           <a:effectLst>
-            <a:outerShdw blurRad="38100" dist="23000" dir="5400000" rotWithShape="0">
+            <a:outerShdw sx="100000" sy="100000" kx="0" ky="0" algn="b" rotWithShape="0" blurRad="38100" dist="23000" dir="5400000">
               <a:srgbClr val="000000">
                 <a:alpha val="35000"/>
               </a:srgbClr>
@@ -6602,19 +6527,13 @@
           <a:bodyPr lIns="45718" tIns="45718" rIns="45718" bIns="45718"/>
           <a:lstStyle/>
           <a:p>
-            <a:endParaRPr/>
+            <a:pPr/>
           </a:p>
         </p:txBody>
       </p:sp>
       <p:pic>
         <p:nvPicPr>
-          <p:cNvPr id="13" name="Picture 12">
-            <a:extLst>
-              <a:ext uri="{FF2B5EF4-FFF2-40B4-BE49-F238E27FC236}">
-                <a16:creationId xmlns:a16="http://schemas.microsoft.com/office/drawing/2014/main" id="{E6A1EE22-9F9A-044E-804A-0EB0479F7C5C}"/>
-              </a:ext>
-            </a:extLst>
-          </p:cNvPr>
+          <p:cNvPr id="206" name="Picture 12" descr="Picture 12"/>
           <p:cNvPicPr>
             <a:picLocks noChangeAspect="1"/>
           </p:cNvPicPr>
@@ -6622,11 +6541,7 @@
         </p:nvPicPr>
         <p:blipFill>
           <a:blip r:embed="rId3">
-            <a:extLst>
-              <a:ext uri="{28A0092B-C50C-407E-A947-70E740481C1C}">
-                <a14:useLocalDpi xmlns:a14="http://schemas.microsoft.com/office/drawing/2010/main" val="0"/>
-              </a:ext>
-            </a:extLst>
+            <a:extLst/>
           </a:blip>
           <a:stretch>
             <a:fillRect/>
@@ -6634,23 +6549,20 @@
         </p:blipFill>
         <p:spPr>
           <a:xfrm>
-            <a:off x="2751993" y="6763888"/>
-            <a:ext cx="4025900" cy="1943100"/>
+            <a:off x="2751993" y="6763887"/>
+            <a:ext cx="4025901" cy="1943101"/>
           </a:xfrm>
           <a:prstGeom prst="rect">
             <a:avLst/>
           </a:prstGeom>
+          <a:ln w="12700">
+            <a:miter lim="400000"/>
+          </a:ln>
         </p:spPr>
       </p:pic>
       <p:pic>
         <p:nvPicPr>
-          <p:cNvPr id="17" name="Picture 16">
-            <a:extLst>
-              <a:ext uri="{FF2B5EF4-FFF2-40B4-BE49-F238E27FC236}">
-                <a16:creationId xmlns:a16="http://schemas.microsoft.com/office/drawing/2014/main" id="{6ECF1D3D-7F9F-754C-A50F-D02904E39A2A}"/>
-              </a:ext>
-            </a:extLst>
-          </p:cNvPr>
+          <p:cNvPr id="207" name="Picture 16" descr="Picture 16"/>
           <p:cNvPicPr>
             <a:picLocks noChangeAspect="1"/>
           </p:cNvPicPr>
@@ -6658,11 +6570,7 @@
         </p:nvPicPr>
         <p:blipFill>
           <a:blip r:embed="rId4">
-            <a:extLst>
-              <a:ext uri="{28A0092B-C50C-407E-A947-70E740481C1C}">
-                <a14:useLocalDpi xmlns:a14="http://schemas.microsoft.com/office/drawing/2010/main" val="0"/>
-              </a:ext>
-            </a:extLst>
+            <a:extLst/>
           </a:blip>
           <a:stretch>
             <a:fillRect/>
@@ -6670,12 +6578,15 @@
         </p:blipFill>
         <p:spPr>
           <a:xfrm>
-            <a:off x="8154781" y="7011538"/>
-            <a:ext cx="2882900" cy="1447800"/>
+            <a:off x="8154781" y="7011537"/>
+            <a:ext cx="2882901" cy="1447801"/>
           </a:xfrm>
           <a:prstGeom prst="rect">
             <a:avLst/>
           </a:prstGeom>
+          <a:ln w="12700">
+            <a:miter lim="400000"/>
+          </a:ln>
         </p:spPr>
       </p:pic>
     </p:spTree>
@@ -6683,13 +6594,13 @@
   <p:clrMapOvr>
     <a:masterClrMapping/>
   </p:clrMapOvr>
-  <mc:AlternateContent xmlns:mc="http://schemas.openxmlformats.org/markup-compatibility/2006" xmlns:p14="http://schemas.microsoft.com/office/powerpoint/2010/main">
-    <mc:Choice Requires="p14">
-      <p:transition spd="slow" p14:dur="1500">
+  <mc:AlternateContent xmlns:mc="http://schemas.openxmlformats.org/markup-compatibility/2006">
+    <mc:Choice xmlns:p14="http://schemas.microsoft.com/office/powerpoint/2010/main" Requires="p14">
+      <p:transition spd="slow" advClick="1" p14:dur="1200">
         <p:dissolve/>
       </p:transition>
     </mc:Choice>
-    <mc:Fallback xmlns="">
+    <mc:Fallback>
       <p:transition spd="slow">
         <p:fade/>
       </p:transition>
@@ -6698,10 +6609,10 @@
   <p:timing>
     <p:tnLst>
       <p:par>
-        <p:cTn id="1" dur="indefinite" restart="never" nodeType="tmRoot">
+        <p:cTn id="1" nodeType="tmRoot" restart="never" dur="indefinite" fill="hold">
           <p:childTnLst>
-            <p:seq concurrent="1" nextAc="seek">
-              <p:cTn id="2" dur="indefinite" nodeType="mainSeq">
+            <p:seq concurrent="1" prevAc="none" nextAc="seek">
+              <p:cTn id="2" nodeType="mainSeq" dur="indefinite" fill="hold">
                 <p:childTnLst>
                   <p:par>
                     <p:cTn id="3" fill="hold">
@@ -6716,11 +6627,11 @@
                             </p:stCondLst>
                             <p:childTnLst>
                               <p:par>
-                                <p:cTn id="5" presetID="1" presetClass="entr" presetSubtype="0" fill="hold" grpId="0" nodeType="clickEffect">
+                                <p:cTn id="5" presetClass="entr" nodeType="clickEffect" presetSubtype="0" presetID="1" grpId="1" fill="hold">
                                   <p:stCondLst>
                                     <p:cond delay="0"/>
                                   </p:stCondLst>
-                                  <p:iterate>
+                                  <p:iterate type="el" backwards="0">
                                     <p:tmAbs val="0"/>
                                   </p:iterate>
                                   <p:childTnLst>
@@ -6728,7 +6639,7 @@
                                       <p:cBhvr>
                                         <p:cTn id="6" fill="hold"/>
                                         <p:tgtEl>
-                                          <p:spTgt spid="10"/>
+                                          <p:spTgt spid="203"/>
                                         </p:tgtEl>
                                         <p:attrNameLst>
                                           <p:attrName>style.visibility</p:attrName>
@@ -6760,20 +6671,19 @@
                             </p:stCondLst>
                             <p:childTnLst>
                               <p:par>
-                                <p:cTn id="9" presetID="1" presetClass="entr" presetSubtype="0" fill="hold" nodeType="clickEffect">
+                                <p:cTn id="9" presetClass="entr" nodeType="clickEffect" presetSubtype="0" presetID="1" grpId="2" fill="hold">
                                   <p:stCondLst>
                                     <p:cond delay="0"/>
                                   </p:stCondLst>
+                                  <p:iterate type="el" backwards="0">
+                                    <p:tmAbs val="0"/>
+                                  </p:iterate>
                                   <p:childTnLst>
                                     <p:set>
                                       <p:cBhvr>
-                                        <p:cTn id="10" dur="1" fill="hold">
-                                          <p:stCondLst>
-                                            <p:cond delay="0"/>
-                                          </p:stCondLst>
-                                        </p:cTn>
+                                        <p:cTn id="10" fill="hold"/>
                                         <p:tgtEl>
-                                          <p:spTgt spid="13"/>
+                                          <p:spTgt spid="204"/>
                                         </p:tgtEl>
                                         <p:attrNameLst>
                                           <p:attrName>style.visibility</p:attrName>
@@ -6805,11 +6715,11 @@
                             </p:stCondLst>
                             <p:childTnLst>
                               <p:par>
-                                <p:cTn id="13" presetID="1" presetClass="entr" presetSubtype="0" fill="hold" grpId="0" nodeType="clickEffect">
+                                <p:cTn id="13" presetClass="entr" nodeType="clickEffect" presetSubtype="0" presetID="1" grpId="3" fill="hold">
                                   <p:stCondLst>
                                     <p:cond delay="0"/>
                                   </p:stCondLst>
-                                  <p:iterate>
+                                  <p:iterate type="el" backwards="0">
                                     <p:tmAbs val="0"/>
                                   </p:iterate>
                                   <p:childTnLst>
@@ -6817,7 +6727,7 @@
                                       <p:cBhvr>
                                         <p:cTn id="14" fill="hold"/>
                                         <p:tgtEl>
-                                          <p:spTgt spid="11"/>
+                                          <p:spTgt spid="206"/>
                                         </p:tgtEl>
                                         <p:attrNameLst>
                                           <p:attrName>style.visibility</p:attrName>
@@ -6849,20 +6759,63 @@
                             </p:stCondLst>
                             <p:childTnLst>
                               <p:par>
-                                <p:cTn id="17" presetID="1" presetClass="entr" presetSubtype="0" fill="hold" nodeType="clickEffect">
+                                <p:cTn id="17" presetClass="entr" nodeType="clickEffect" presetSubtype="0" presetID="1" grpId="4" fill="hold">
                                   <p:stCondLst>
                                     <p:cond delay="0"/>
                                   </p:stCondLst>
+                                  <p:iterate type="el" backwards="0">
+                                    <p:tmAbs val="0"/>
+                                  </p:iterate>
                                   <p:childTnLst>
                                     <p:set>
                                       <p:cBhvr>
-                                        <p:cTn id="18" dur="1" fill="hold">
-                                          <p:stCondLst>
-                                            <p:cond delay="0"/>
-                                          </p:stCondLst>
-                                        </p:cTn>
+                                        <p:cTn id="18" fill="hold"/>
                                         <p:tgtEl>
-                                          <p:spTgt spid="17"/>
+                                          <p:spTgt spid="205"/>
+                                        </p:tgtEl>
+                                        <p:attrNameLst>
+                                          <p:attrName>style.visibility</p:attrName>
+                                        </p:attrNameLst>
+                                      </p:cBhvr>
+                                      <p:to>
+                                        <p:strVal val="visible"/>
+                                      </p:to>
+                                    </p:set>
+                                  </p:childTnLst>
+                                </p:cTn>
+                              </p:par>
+                            </p:childTnLst>
+                          </p:cTn>
+                        </p:par>
+                      </p:childTnLst>
+                    </p:cTn>
+                  </p:par>
+                  <p:par>
+                    <p:cTn id="19" fill="hold">
+                      <p:stCondLst>
+                        <p:cond delay="indefinite"/>
+                      </p:stCondLst>
+                      <p:childTnLst>
+                        <p:par>
+                          <p:cTn id="20" fill="hold">
+                            <p:stCondLst>
+                              <p:cond delay="0"/>
+                            </p:stCondLst>
+                            <p:childTnLst>
+                              <p:par>
+                                <p:cTn id="21" presetClass="entr" nodeType="clickEffect" presetSubtype="0" presetID="1" grpId="5" fill="hold">
+                                  <p:stCondLst>
+                                    <p:cond delay="0"/>
+                                  </p:stCondLst>
+                                  <p:iterate type="el" backwards="0">
+                                    <p:tmAbs val="0"/>
+                                  </p:iterate>
+                                  <p:childTnLst>
+                                    <p:set>
+                                      <p:cBhvr>
+                                        <p:cTn id="22" fill="hold"/>
+                                        <p:tgtEl>
+                                          <p:spTgt spid="207"/>
                                         </p:tgtEl>
                                         <p:attrNameLst>
                                           <p:attrName>style.visibility</p:attrName>
@@ -6884,14 +6837,14 @@
                 </p:childTnLst>
               </p:cTn>
               <p:prevCondLst>
-                <p:cond evt="onPrev" delay="0">
+                <p:cond evt="onPrev">
                   <p:tgtEl>
                     <p:sldTgt/>
                   </p:tgtEl>
                 </p:cond>
               </p:prevCondLst>
               <p:nextCondLst>
-                <p:cond evt="onNext" delay="0">
+                <p:cond evt="onNext">
                   <p:tgtEl>
                     <p:sldTgt/>
                   </p:tgtEl>
@@ -6903,525 +6856,24 @@
       </p:par>
     </p:tnLst>
     <p:bldLst>
-      <p:bldP spid="10" grpId="0" animBg="1" advAuto="0"/>
-      <p:bldP spid="11" grpId="0" animBg="1" advAuto="0"/>
+      <p:bldP build="whole" bldLvl="1" animBg="1" rev="0" advAuto="0" spid="206" grpId="3"/>
+      <p:bldP build="whole" bldLvl="1" animBg="1" rev="0" advAuto="0" spid="205" grpId="4"/>
+      <p:bldP build="whole" bldLvl="1" animBg="1" rev="0" advAuto="0" spid="204" grpId="2"/>
+      <p:bldP build="whole" bldLvl="1" animBg="1" rev="0" advAuto="0" spid="207" grpId="5"/>
+      <p:bldP build="whole" bldLvl="1" animBg="1" rev="0" advAuto="0" spid="203" grpId="1"/>
     </p:bldLst>
   </p:timing>
 </p:sld>
 </file>
 
 <file path=ppt/slides/slide21.xml><?xml version="1.0" encoding="utf-8"?>
-<p:sld xmlns:a="http://schemas.openxmlformats.org/drawingml/2006/main" xmlns:r="http://schemas.openxmlformats.org/officeDocument/2006/relationships" xmlns:p="http://schemas.openxmlformats.org/presentationml/2006/main">
+<p:sld xmlns:a="http://schemas.openxmlformats.org/drawingml/2006/main" xmlns:r="http://schemas.openxmlformats.org/officeDocument/2006/relationships" xmlns:p="http://schemas.openxmlformats.org/presentationml/2006/main" showMasterSp="1" showMasterPhAnim="1">
   <p:cSld>
     <p:bg>
       <p:bgPr>
         <a:solidFill>
           <a:srgbClr val="739A98"/>
         </a:solidFill>
-        <a:effectLst/>
-      </p:bgPr>
-    </p:bg>
-    <p:spTree>
-      <p:nvGrpSpPr>
-        <p:cNvPr id="1" name=""/>
-        <p:cNvGrpSpPr/>
-        <p:nvPr/>
-      </p:nvGrpSpPr>
-      <p:grpSpPr>
-        <a:xfrm>
-          <a:off x="0" y="0"/>
-          <a:ext cx="0" cy="0"/>
-          <a:chOff x="0" y="0"/>
-          <a:chExt cx="0" cy="0"/>
-        </a:xfrm>
-      </p:grpSpPr>
-      <p:sp>
-        <p:nvSpPr>
-          <p:cNvPr id="205" name="TextBox 5"/>
-          <p:cNvSpPr txBox="1"/>
-          <p:nvPr/>
-        </p:nvSpPr>
-        <p:spPr>
-          <a:xfrm>
-            <a:off x="5678958" y="918500"/>
-            <a:ext cx="2248984" cy="646327"/>
-          </a:xfrm>
-          <a:prstGeom prst="rect">
-            <a:avLst/>
-          </a:prstGeom>
-          <a:ln w="12700">
-            <a:miter lim="400000"/>
-          </a:ln>
-          <a:extLst>
-            <a:ext uri="{C572A759-6A51-4108-AA02-DFA0A04FC94B}">
-              <ma14:wrappingTextBoxFlag xmlns:ma14="http://schemas.microsoft.com/office/mac/drawingml/2011/main" xmlns="" val="1"/>
-            </a:ext>
-          </a:extLst>
-        </p:spPr>
-        <p:txBody>
-          <a:bodyPr wrap="square" lIns="45718" tIns="45718" rIns="45718" bIns="45718">
-            <a:spAutoFit/>
-          </a:bodyPr>
-          <a:lstStyle>
-            <a:lvl1pPr marL="360947" indent="-360947">
-              <a:buSzPct val="100000"/>
-              <a:buChar char="•"/>
-              <a:defRPr sz="3600">
-                <a:solidFill>
-                  <a:srgbClr val="FFFFFF"/>
-                </a:solidFill>
-                <a:latin typeface="Microsoft YaHei"/>
-                <a:ea typeface="Microsoft YaHei"/>
-                <a:cs typeface="Microsoft YaHei"/>
-                <a:sym typeface="Microsoft YaHei"/>
-              </a:defRPr>
-            </a:lvl1pPr>
-          </a:lstStyle>
-          <a:p>
-            <a:pPr marL="0" indent="0" algn="ctr">
-              <a:buNone/>
-            </a:pPr>
-            <a:r>
-              <a:rPr lang="en-US" altLang="zh-Hans" dirty="0"/>
-              <a:t>export</a:t>
-            </a:r>
-            <a:r>
-              <a:rPr lang="zh-Hans" altLang="en-US" dirty="0"/>
-              <a:t> </a:t>
-            </a:r>
-            <a:r>
-              <a:rPr lang="en-US" altLang="zh-Hans" dirty="0"/>
-              <a:t>=</a:t>
-            </a:r>
-            <a:r>
-              <a:rPr lang="zh-Hans" altLang="en-US" dirty="0"/>
-              <a:t> </a:t>
-            </a:r>
-            <a:endParaRPr dirty="0"/>
-          </a:p>
-        </p:txBody>
-      </p:sp>
-      <p:pic>
-        <p:nvPicPr>
-          <p:cNvPr id="3" name="Picture 2">
-            <a:extLst>
-              <a:ext uri="{FF2B5EF4-FFF2-40B4-BE49-F238E27FC236}">
-                <a16:creationId xmlns:a16="http://schemas.microsoft.com/office/drawing/2014/main" id="{CAC4796B-E510-A041-B5F2-4BA4A16E3124}"/>
-              </a:ext>
-            </a:extLst>
-          </p:cNvPr>
-          <p:cNvPicPr>
-            <a:picLocks noChangeAspect="1"/>
-          </p:cNvPicPr>
-          <p:nvPr/>
-        </p:nvPicPr>
-        <p:blipFill>
-          <a:blip r:embed="rId2">
-            <a:extLst>
-              <a:ext uri="{28A0092B-C50C-407E-A947-70E740481C1C}">
-                <a14:useLocalDpi xmlns:a14="http://schemas.microsoft.com/office/drawing/2010/main" val="0"/>
-              </a:ext>
-            </a:extLst>
-          </a:blip>
-          <a:stretch>
-            <a:fillRect/>
-          </a:stretch>
-        </p:blipFill>
-        <p:spPr>
-          <a:xfrm>
-            <a:off x="2887155" y="3085903"/>
-            <a:ext cx="2933700" cy="1397000"/>
-          </a:xfrm>
-          <a:prstGeom prst="rect">
-            <a:avLst/>
-          </a:prstGeom>
-        </p:spPr>
-      </p:pic>
-      <p:pic>
-        <p:nvPicPr>
-          <p:cNvPr id="7" name="Picture 6">
-            <a:extLst>
-              <a:ext uri="{FF2B5EF4-FFF2-40B4-BE49-F238E27FC236}">
-                <a16:creationId xmlns:a16="http://schemas.microsoft.com/office/drawing/2014/main" id="{819CA834-0D3E-FF4E-BE09-AF34D7AC4870}"/>
-              </a:ext>
-            </a:extLst>
-          </p:cNvPr>
-          <p:cNvPicPr>
-            <a:picLocks noChangeAspect="1"/>
-          </p:cNvPicPr>
-          <p:nvPr/>
-        </p:nvPicPr>
-        <p:blipFill>
-          <a:blip r:embed="rId3">
-            <a:extLst>
-              <a:ext uri="{28A0092B-C50C-407E-A947-70E740481C1C}">
-                <a14:useLocalDpi xmlns:a14="http://schemas.microsoft.com/office/drawing/2010/main" val="0"/>
-              </a:ext>
-            </a:extLst>
-          </a:blip>
-          <a:stretch>
-            <a:fillRect/>
-          </a:stretch>
-        </p:blipFill>
-        <p:spPr>
-          <a:xfrm>
-            <a:off x="7927942" y="3069144"/>
-            <a:ext cx="3454400" cy="1409700"/>
-          </a:xfrm>
-          <a:prstGeom prst="rect">
-            <a:avLst/>
-          </a:prstGeom>
-        </p:spPr>
-      </p:pic>
-      <p:pic>
-        <p:nvPicPr>
-          <p:cNvPr id="9" name="Picture 8">
-            <a:extLst>
-              <a:ext uri="{FF2B5EF4-FFF2-40B4-BE49-F238E27FC236}">
-                <a16:creationId xmlns:a16="http://schemas.microsoft.com/office/drawing/2014/main" id="{C3CCE575-4A0E-9445-9DCB-45A9EB51ED6A}"/>
-              </a:ext>
-            </a:extLst>
-          </p:cNvPr>
-          <p:cNvPicPr>
-            <a:picLocks noChangeAspect="1"/>
-          </p:cNvPicPr>
-          <p:nvPr/>
-        </p:nvPicPr>
-        <p:blipFill>
-          <a:blip r:embed="rId4">
-            <a:extLst>
-              <a:ext uri="{28A0092B-C50C-407E-A947-70E740481C1C}">
-                <a14:useLocalDpi xmlns:a14="http://schemas.microsoft.com/office/drawing/2010/main" val="0"/>
-              </a:ext>
-            </a:extLst>
-          </a:blip>
-          <a:stretch>
-            <a:fillRect/>
-          </a:stretch>
-        </p:blipFill>
-        <p:spPr>
-          <a:xfrm>
-            <a:off x="5450900" y="5983161"/>
-            <a:ext cx="2705100" cy="1993900"/>
-          </a:xfrm>
-          <a:prstGeom prst="rect">
-            <a:avLst/>
-          </a:prstGeom>
-        </p:spPr>
-      </p:pic>
-    </p:spTree>
-  </p:cSld>
-  <p:clrMapOvr>
-    <a:masterClrMapping/>
-  </p:clrMapOvr>
-  <mc:AlternateContent xmlns:mc="http://schemas.openxmlformats.org/markup-compatibility/2006" xmlns:p14="http://schemas.microsoft.com/office/powerpoint/2010/main">
-    <mc:Choice Requires="p14">
-      <p:transition spd="slow" p14:dur="1500">
-        <p:dissolve/>
-      </p:transition>
-    </mc:Choice>
-    <mc:Fallback xmlns="">
-      <p:transition spd="slow">
-        <p:fade/>
-      </p:transition>
-    </mc:Fallback>
-  </mc:AlternateContent>
-</p:sld>
-</file>
-
-<file path=ppt/slides/slide22.xml><?xml version="1.0" encoding="utf-8"?>
-<p:sld xmlns:a="http://schemas.openxmlformats.org/drawingml/2006/main" xmlns:r="http://schemas.openxmlformats.org/officeDocument/2006/relationships" xmlns:p="http://schemas.openxmlformats.org/presentationml/2006/main">
-  <p:cSld>
-    <p:bg>
-      <p:bgPr>
-        <a:solidFill>
-          <a:srgbClr val="739A98"/>
-        </a:solidFill>
-        <a:effectLst/>
-      </p:bgPr>
-    </p:bg>
-    <p:spTree>
-      <p:nvGrpSpPr>
-        <p:cNvPr id="1" name=""/>
-        <p:cNvGrpSpPr/>
-        <p:nvPr/>
-      </p:nvGrpSpPr>
-      <p:grpSpPr>
-        <a:xfrm>
-          <a:off x="0" y="0"/>
-          <a:ext cx="0" cy="0"/>
-          <a:chOff x="0" y="0"/>
-          <a:chExt cx="0" cy="0"/>
-        </a:xfrm>
-      </p:grpSpPr>
-      <p:sp>
-        <p:nvSpPr>
-          <p:cNvPr id="207" name="TextBox 5"/>
-          <p:cNvSpPr txBox="1"/>
-          <p:nvPr/>
-        </p:nvSpPr>
-        <p:spPr>
-          <a:xfrm>
-            <a:off x="927850" y="824231"/>
-            <a:ext cx="8149222" cy="646327"/>
-          </a:xfrm>
-          <a:prstGeom prst="rect">
-            <a:avLst/>
-          </a:prstGeom>
-          <a:ln w="12700">
-            <a:miter lim="400000"/>
-          </a:ln>
-          <a:extLst>
-            <a:ext uri="{C572A759-6A51-4108-AA02-DFA0A04FC94B}">
-              <ma14:wrappingTextBoxFlag xmlns:ma14="http://schemas.microsoft.com/office/mac/drawingml/2011/main" xmlns="" val="1"/>
-            </a:ext>
-          </a:extLst>
-        </p:spPr>
-        <p:txBody>
-          <a:bodyPr lIns="45718" tIns="45718" rIns="45718" bIns="45718">
-            <a:spAutoFit/>
-          </a:bodyPr>
-          <a:lstStyle>
-            <a:lvl1pPr marL="360947" indent="-360947">
-              <a:buSzPct val="100000"/>
-              <a:buChar char="•"/>
-              <a:defRPr sz="3600">
-                <a:solidFill>
-                  <a:srgbClr val="FFFFFF"/>
-                </a:solidFill>
-                <a:latin typeface="Microsoft YaHei"/>
-                <a:ea typeface="Microsoft YaHei"/>
-                <a:cs typeface="Microsoft YaHei"/>
-                <a:sym typeface="Microsoft YaHei"/>
-              </a:defRPr>
-            </a:lvl1pPr>
-          </a:lstStyle>
-          <a:p>
-            <a:r>
-              <a:rPr dirty="0" err="1"/>
-              <a:t>Partial、Readonly、Pick</a:t>
-            </a:r>
-            <a:r>
-              <a:rPr lang="zh-Hans" altLang="en-US" dirty="0"/>
-              <a:t>、</a:t>
-            </a:r>
-            <a:r>
-              <a:rPr lang="en-US" dirty="0"/>
-              <a:t>Record</a:t>
-            </a:r>
-            <a:endParaRPr dirty="0"/>
-          </a:p>
-        </p:txBody>
-      </p:sp>
-      <p:pic>
-        <p:nvPicPr>
-          <p:cNvPr id="3" name="Picture 2">
-            <a:extLst>
-              <a:ext uri="{FF2B5EF4-FFF2-40B4-BE49-F238E27FC236}">
-                <a16:creationId xmlns:a16="http://schemas.microsoft.com/office/drawing/2014/main" id="{0982AA33-650C-574A-B433-DF478FEBA74C}"/>
-              </a:ext>
-            </a:extLst>
-          </p:cNvPr>
-          <p:cNvPicPr>
-            <a:picLocks noChangeAspect="1"/>
-          </p:cNvPicPr>
-          <p:nvPr/>
-        </p:nvPicPr>
-        <p:blipFill>
-          <a:blip r:embed="rId2">
-            <a:extLst>
-              <a:ext uri="{28A0092B-C50C-407E-A947-70E740481C1C}">
-                <a14:useLocalDpi xmlns:a14="http://schemas.microsoft.com/office/drawing/2010/main" val="0"/>
-              </a:ext>
-            </a:extLst>
-          </a:blip>
-          <a:stretch>
-            <a:fillRect/>
-          </a:stretch>
-        </p:blipFill>
-        <p:spPr>
-          <a:xfrm>
-            <a:off x="5936016" y="4760773"/>
-            <a:ext cx="2476500" cy="1930400"/>
-          </a:xfrm>
-          <a:prstGeom prst="rect">
-            <a:avLst/>
-          </a:prstGeom>
-        </p:spPr>
-      </p:pic>
-      <p:pic>
-        <p:nvPicPr>
-          <p:cNvPr id="7" name="Picture 6">
-            <a:extLst>
-              <a:ext uri="{FF2B5EF4-FFF2-40B4-BE49-F238E27FC236}">
-                <a16:creationId xmlns:a16="http://schemas.microsoft.com/office/drawing/2014/main" id="{AB09C242-91C1-AC40-9CD7-F57496BF0646}"/>
-              </a:ext>
-            </a:extLst>
-          </p:cNvPr>
-          <p:cNvPicPr>
-            <a:picLocks noChangeAspect="1"/>
-          </p:cNvPicPr>
-          <p:nvPr/>
-        </p:nvPicPr>
-        <p:blipFill>
-          <a:blip r:embed="rId3">
-            <a:extLst>
-              <a:ext uri="{28A0092B-C50C-407E-A947-70E740481C1C}">
-                <a14:useLocalDpi xmlns:a14="http://schemas.microsoft.com/office/drawing/2010/main" val="0"/>
-              </a:ext>
-            </a:extLst>
-          </a:blip>
-          <a:stretch>
-            <a:fillRect/>
-          </a:stretch>
-        </p:blipFill>
-        <p:spPr>
-          <a:xfrm>
-            <a:off x="1760245" y="1932019"/>
-            <a:ext cx="2853713" cy="2699736"/>
-          </a:xfrm>
-          <a:prstGeom prst="rect">
-            <a:avLst/>
-          </a:prstGeom>
-        </p:spPr>
-      </p:pic>
-      <p:pic>
-        <p:nvPicPr>
-          <p:cNvPr id="9" name="Picture 8">
-            <a:extLst>
-              <a:ext uri="{FF2B5EF4-FFF2-40B4-BE49-F238E27FC236}">
-                <a16:creationId xmlns:a16="http://schemas.microsoft.com/office/drawing/2014/main" id="{A27599FC-C607-6C47-BA38-7B2256DC934E}"/>
-              </a:ext>
-            </a:extLst>
-          </p:cNvPr>
-          <p:cNvPicPr>
-            <a:picLocks noChangeAspect="1"/>
-          </p:cNvPicPr>
-          <p:nvPr/>
-        </p:nvPicPr>
-        <p:blipFill>
-          <a:blip r:embed="rId4">
-            <a:extLst>
-              <a:ext uri="{28A0092B-C50C-407E-A947-70E740481C1C}">
-                <a14:useLocalDpi xmlns:a14="http://schemas.microsoft.com/office/drawing/2010/main" val="0"/>
-              </a:ext>
-            </a:extLst>
-          </a:blip>
-          <a:stretch>
-            <a:fillRect/>
-          </a:stretch>
-        </p:blipFill>
-        <p:spPr>
-          <a:xfrm>
-            <a:off x="9543496" y="1933899"/>
-            <a:ext cx="3095562" cy="2699736"/>
-          </a:xfrm>
-          <a:prstGeom prst="rect">
-            <a:avLst/>
-          </a:prstGeom>
-        </p:spPr>
-      </p:pic>
-      <p:pic>
-        <p:nvPicPr>
-          <p:cNvPr id="11" name="Picture 10">
-            <a:extLst>
-              <a:ext uri="{FF2B5EF4-FFF2-40B4-BE49-F238E27FC236}">
-                <a16:creationId xmlns:a16="http://schemas.microsoft.com/office/drawing/2014/main" id="{C0AC8491-3BB6-0C42-BD34-CCF5E1AA2F4B}"/>
-              </a:ext>
-            </a:extLst>
-          </p:cNvPr>
-          <p:cNvPicPr>
-            <a:picLocks noChangeAspect="1"/>
-          </p:cNvPicPr>
-          <p:nvPr/>
-        </p:nvPicPr>
-        <p:blipFill>
-          <a:blip r:embed="rId5">
-            <a:extLst>
-              <a:ext uri="{28A0092B-C50C-407E-A947-70E740481C1C}">
-                <a14:useLocalDpi xmlns:a14="http://schemas.microsoft.com/office/drawing/2010/main" val="0"/>
-              </a:ext>
-            </a:extLst>
-          </a:blip>
-          <a:stretch>
-            <a:fillRect/>
-          </a:stretch>
-        </p:blipFill>
-        <p:spPr>
-          <a:xfrm>
-            <a:off x="1498304" y="7617040"/>
-            <a:ext cx="3115654" cy="1866345"/>
-          </a:xfrm>
-          <a:prstGeom prst="rect">
-            <a:avLst/>
-          </a:prstGeom>
-        </p:spPr>
-      </p:pic>
-      <p:pic>
-        <p:nvPicPr>
-          <p:cNvPr id="13" name="Picture 12">
-            <a:extLst>
-              <a:ext uri="{FF2B5EF4-FFF2-40B4-BE49-F238E27FC236}">
-                <a16:creationId xmlns:a16="http://schemas.microsoft.com/office/drawing/2014/main" id="{D3551A8E-CAD6-5E4B-ABEC-E793EE420E57}"/>
-              </a:ext>
-            </a:extLst>
-          </p:cNvPr>
-          <p:cNvPicPr>
-            <a:picLocks noChangeAspect="1"/>
-          </p:cNvPicPr>
-          <p:nvPr/>
-        </p:nvPicPr>
-        <p:blipFill>
-          <a:blip r:embed="rId6">
-            <a:extLst>
-              <a:ext uri="{28A0092B-C50C-407E-A947-70E740481C1C}">
-                <a14:useLocalDpi xmlns:a14="http://schemas.microsoft.com/office/drawing/2010/main" val="0"/>
-              </a:ext>
-            </a:extLst>
-          </a:blip>
-          <a:stretch>
-            <a:fillRect/>
-          </a:stretch>
-        </p:blipFill>
-        <p:spPr>
-          <a:xfrm>
-            <a:off x="9543496" y="7448364"/>
-            <a:ext cx="3147316" cy="2248083"/>
-          </a:xfrm>
-          <a:prstGeom prst="rect">
-            <a:avLst/>
-          </a:prstGeom>
-        </p:spPr>
-      </p:pic>
-    </p:spTree>
-  </p:cSld>
-  <p:clrMapOvr>
-    <a:masterClrMapping/>
-  </p:clrMapOvr>
-  <mc:AlternateContent xmlns:mc="http://schemas.openxmlformats.org/markup-compatibility/2006" xmlns:p14="http://schemas.microsoft.com/office/powerpoint/2010/main">
-    <mc:Choice Requires="p14">
-      <p:transition spd="slow" p14:dur="1500">
-        <p:dissolve/>
-      </p:transition>
-    </mc:Choice>
-    <mc:Fallback xmlns="">
-      <p:transition spd="slow">
-        <p:fade/>
-      </p:transition>
-    </mc:Fallback>
-  </mc:AlternateContent>
-</p:sld>
-</file>
-
-<file path=ppt/slides/slide23.xml><?xml version="1.0" encoding="utf-8"?>
-<p:sld xmlns:a="http://schemas.openxmlformats.org/drawingml/2006/main" xmlns:r="http://schemas.openxmlformats.org/officeDocument/2006/relationships" xmlns:p="http://schemas.openxmlformats.org/presentationml/2006/main">
-  <p:cSld>
-    <p:bg>
-      <p:bgPr>
-        <a:solidFill>
-          <a:srgbClr val="739A98"/>
-        </a:solidFill>
-        <a:effectLst/>
       </p:bgPr>
     </p:bg>
     <p:spTree>
@@ -7446,8 +6898,8 @@
         </p:nvSpPr>
         <p:spPr>
           <a:xfrm>
-            <a:off x="4358685" y="4881881"/>
-            <a:ext cx="5684430" cy="1031237"/>
+            <a:off x="5678957" y="918500"/>
+            <a:ext cx="2248986" cy="637537"/>
           </a:xfrm>
           <a:prstGeom prst="rect">
             <a:avLst/>
@@ -7457,7 +6909,7 @@
           </a:ln>
           <a:extLst>
             <a:ext uri="{C572A759-6A51-4108-AA02-DFA0A04FC94B}">
-              <ma14:wrappingTextBoxFlag xmlns:ma14="http://schemas.microsoft.com/office/mac/drawingml/2011/main" xmlns="" val="1"/>
+              <ma14:wrappingTextBoxFlag xmlns:ma14="http://schemas.microsoft.com/office/mac/drawingml/2011/main" val="1"/>
             </a:ext>
           </a:extLst>
         </p:spPr>
@@ -7465,9 +6917,10 @@
           <a:bodyPr lIns="45718" tIns="45718" rIns="45718" bIns="45718">
             <a:spAutoFit/>
           </a:bodyPr>
-          <a:lstStyle>
-            <a:lvl1pPr algn="ctr">
-              <a:defRPr sz="6200">
+          <a:lstStyle/>
+          <a:p>
+            <a:pPr algn="ctr">
+              <a:defRPr sz="3600">
                 <a:solidFill>
                   <a:srgbClr val="FFFFFF"/>
                 </a:solidFill>
@@ -7476,44 +6929,304 @@
                 <a:cs typeface="Microsoft YaHei"/>
                 <a:sym typeface="Microsoft YaHei"/>
               </a:defRPr>
-            </a:lvl1pPr>
-          </a:lstStyle>
-          <a:p>
+            </a:pPr>
             <a:r>
-              <a:t>Q&amp;A</a:t>
+              <a:t>export</a:t>
+            </a:r>
+            <a:r>
+              <a:t> </a:t>
+            </a:r>
+            <a:r>
+              <a:t>=</a:t>
+            </a:r>
+            <a:r>
+              <a:t> </a:t>
             </a:r>
           </a:p>
         </p:txBody>
       </p:sp>
+      <p:pic>
+        <p:nvPicPr>
+          <p:cNvPr id="210" name="Picture 2" descr="Picture 2"/>
+          <p:cNvPicPr>
+            <a:picLocks noChangeAspect="1"/>
+          </p:cNvPicPr>
+          <p:nvPr/>
+        </p:nvPicPr>
+        <p:blipFill>
+          <a:blip r:embed="rId2">
+            <a:extLst/>
+          </a:blip>
+          <a:stretch>
+            <a:fillRect/>
+          </a:stretch>
+        </p:blipFill>
+        <p:spPr>
+          <a:xfrm>
+            <a:off x="2887154" y="3085902"/>
+            <a:ext cx="2933701" cy="1397001"/>
+          </a:xfrm>
+          <a:prstGeom prst="rect">
+            <a:avLst/>
+          </a:prstGeom>
+          <a:ln w="12700">
+            <a:miter lim="400000"/>
+          </a:ln>
+        </p:spPr>
+      </p:pic>
+      <p:pic>
+        <p:nvPicPr>
+          <p:cNvPr id="211" name="Picture 6" descr="Picture 6"/>
+          <p:cNvPicPr>
+            <a:picLocks noChangeAspect="1"/>
+          </p:cNvPicPr>
+          <p:nvPr/>
+        </p:nvPicPr>
+        <p:blipFill>
+          <a:blip r:embed="rId3">
+            <a:extLst/>
+          </a:blip>
+          <a:stretch>
+            <a:fillRect/>
+          </a:stretch>
+        </p:blipFill>
+        <p:spPr>
+          <a:xfrm>
+            <a:off x="7927941" y="3069144"/>
+            <a:ext cx="3454401" cy="1409701"/>
+          </a:xfrm>
+          <a:prstGeom prst="rect">
+            <a:avLst/>
+          </a:prstGeom>
+          <a:ln w="12700">
+            <a:miter lim="400000"/>
+          </a:ln>
+        </p:spPr>
+      </p:pic>
+      <p:pic>
+        <p:nvPicPr>
+          <p:cNvPr id="212" name="Picture 8" descr="Picture 8"/>
+          <p:cNvPicPr>
+            <a:picLocks noChangeAspect="1"/>
+          </p:cNvPicPr>
+          <p:nvPr/>
+        </p:nvPicPr>
+        <p:blipFill>
+          <a:blip r:embed="rId4">
+            <a:extLst/>
+          </a:blip>
+          <a:stretch>
+            <a:fillRect/>
+          </a:stretch>
+        </p:blipFill>
+        <p:spPr>
+          <a:xfrm>
+            <a:off x="5450899" y="5983161"/>
+            <a:ext cx="2705101" cy="1993901"/>
+          </a:xfrm>
+          <a:prstGeom prst="rect">
+            <a:avLst/>
+          </a:prstGeom>
+          <a:ln w="12700">
+            <a:miter lim="400000"/>
+          </a:ln>
+        </p:spPr>
+      </p:pic>
     </p:spTree>
   </p:cSld>
   <p:clrMapOvr>
     <a:masterClrMapping/>
   </p:clrMapOvr>
-  <mc:AlternateContent xmlns:mc="http://schemas.openxmlformats.org/markup-compatibility/2006" xmlns:p14="http://schemas.microsoft.com/office/powerpoint/2010/main">
-    <mc:Choice Requires="p14">
-      <p:transition spd="slow" p14:dur="1500">
+  <mc:AlternateContent xmlns:mc="http://schemas.openxmlformats.org/markup-compatibility/2006">
+    <mc:Choice xmlns:p14="http://schemas.microsoft.com/office/powerpoint/2010/main" Requires="p14">
+      <p:transition spd="slow" advClick="1" p14:dur="1200">
         <p:dissolve/>
       </p:transition>
     </mc:Choice>
-    <mc:Fallback xmlns="">
+    <mc:Fallback>
       <p:transition spd="slow">
         <p:fade/>
       </p:transition>
     </mc:Fallback>
   </mc:AlternateContent>
+  <p:timing>
+    <p:tnLst>
+      <p:par>
+        <p:cTn id="1" nodeType="tmRoot" restart="never" dur="indefinite" fill="hold">
+          <p:childTnLst>
+            <p:seq concurrent="1" prevAc="none" nextAc="seek">
+              <p:cTn id="2" nodeType="mainSeq" dur="indefinite" fill="hold">
+                <p:childTnLst>
+                  <p:par>
+                    <p:cTn id="3" fill="hold">
+                      <p:stCondLst>
+                        <p:cond delay="indefinite"/>
+                      </p:stCondLst>
+                      <p:childTnLst>
+                        <p:par>
+                          <p:cTn id="4" fill="hold">
+                            <p:stCondLst>
+                              <p:cond delay="0"/>
+                            </p:stCondLst>
+                            <p:childTnLst>
+                              <p:par>
+                                <p:cTn id="5" presetClass="entr" nodeType="clickEffect" presetSubtype="0" presetID="1" grpId="1" fill="hold">
+                                  <p:stCondLst>
+                                    <p:cond delay="0"/>
+                                  </p:stCondLst>
+                                  <p:iterate type="el" backwards="0">
+                                    <p:tmAbs val="0"/>
+                                  </p:iterate>
+                                  <p:childTnLst>
+                                    <p:set>
+                                      <p:cBhvr>
+                                        <p:cTn id="6" fill="hold"/>
+                                        <p:tgtEl>
+                                          <p:spTgt spid="210"/>
+                                        </p:tgtEl>
+                                        <p:attrNameLst>
+                                          <p:attrName>style.visibility</p:attrName>
+                                        </p:attrNameLst>
+                                      </p:cBhvr>
+                                      <p:to>
+                                        <p:strVal val="visible"/>
+                                      </p:to>
+                                    </p:set>
+                                  </p:childTnLst>
+                                </p:cTn>
+                              </p:par>
+                            </p:childTnLst>
+                          </p:cTn>
+                        </p:par>
+                      </p:childTnLst>
+                    </p:cTn>
+                  </p:par>
+                  <p:par>
+                    <p:cTn id="7" fill="hold">
+                      <p:stCondLst>
+                        <p:cond delay="indefinite"/>
+                      </p:stCondLst>
+                      <p:childTnLst>
+                        <p:par>
+                          <p:cTn id="8" fill="hold">
+                            <p:stCondLst>
+                              <p:cond delay="0"/>
+                            </p:stCondLst>
+                            <p:childTnLst>
+                              <p:par>
+                                <p:cTn id="9" presetClass="entr" nodeType="clickEffect" presetSubtype="0" presetID="1" grpId="2" fill="hold">
+                                  <p:stCondLst>
+                                    <p:cond delay="0"/>
+                                  </p:stCondLst>
+                                  <p:iterate type="el" backwards="0">
+                                    <p:tmAbs val="0"/>
+                                  </p:iterate>
+                                  <p:childTnLst>
+                                    <p:set>
+                                      <p:cBhvr>
+                                        <p:cTn id="10" fill="hold"/>
+                                        <p:tgtEl>
+                                          <p:spTgt spid="211"/>
+                                        </p:tgtEl>
+                                        <p:attrNameLst>
+                                          <p:attrName>style.visibility</p:attrName>
+                                        </p:attrNameLst>
+                                      </p:cBhvr>
+                                      <p:to>
+                                        <p:strVal val="visible"/>
+                                      </p:to>
+                                    </p:set>
+                                  </p:childTnLst>
+                                </p:cTn>
+                              </p:par>
+                            </p:childTnLst>
+                          </p:cTn>
+                        </p:par>
+                      </p:childTnLst>
+                    </p:cTn>
+                  </p:par>
+                  <p:par>
+                    <p:cTn id="11" fill="hold">
+                      <p:stCondLst>
+                        <p:cond delay="indefinite"/>
+                      </p:stCondLst>
+                      <p:childTnLst>
+                        <p:par>
+                          <p:cTn id="12" fill="hold">
+                            <p:stCondLst>
+                              <p:cond delay="0"/>
+                            </p:stCondLst>
+                            <p:childTnLst>
+                              <p:par>
+                                <p:cTn id="13" presetClass="entr" nodeType="clickEffect" presetSubtype="0" presetID="1" grpId="3" fill="hold">
+                                  <p:stCondLst>
+                                    <p:cond delay="0"/>
+                                  </p:stCondLst>
+                                  <p:iterate type="el" backwards="0">
+                                    <p:tmAbs val="0"/>
+                                  </p:iterate>
+                                  <p:childTnLst>
+                                    <p:set>
+                                      <p:cBhvr>
+                                        <p:cTn id="14" fill="hold"/>
+                                        <p:tgtEl>
+                                          <p:spTgt spid="212"/>
+                                        </p:tgtEl>
+                                        <p:attrNameLst>
+                                          <p:attrName>style.visibility</p:attrName>
+                                        </p:attrNameLst>
+                                      </p:cBhvr>
+                                      <p:to>
+                                        <p:strVal val="visible"/>
+                                      </p:to>
+                                    </p:set>
+                                  </p:childTnLst>
+                                </p:cTn>
+                              </p:par>
+                            </p:childTnLst>
+                          </p:cTn>
+                        </p:par>
+                      </p:childTnLst>
+                    </p:cTn>
+                  </p:par>
+                </p:childTnLst>
+              </p:cTn>
+              <p:prevCondLst>
+                <p:cond evt="onPrev">
+                  <p:tgtEl>
+                    <p:sldTgt/>
+                  </p:tgtEl>
+                </p:cond>
+              </p:prevCondLst>
+              <p:nextCondLst>
+                <p:cond evt="onNext">
+                  <p:tgtEl>
+                    <p:sldTgt/>
+                  </p:tgtEl>
+                </p:cond>
+              </p:nextCondLst>
+            </p:seq>
+          </p:childTnLst>
+        </p:cTn>
+      </p:par>
+    </p:tnLst>
+    <p:bldLst>
+      <p:bldP build="whole" bldLvl="1" animBg="1" rev="0" advAuto="0" spid="210" grpId="1"/>
+      <p:bldP build="whole" bldLvl="1" animBg="1" rev="0" advAuto="0" spid="211" grpId="2"/>
+      <p:bldP build="whole" bldLvl="1" animBg="1" rev="0" advAuto="0" spid="212" grpId="3"/>
+    </p:bldLst>
+  </p:timing>
 </p:sld>
 </file>
 
-<file path=ppt/slides/slide24.xml><?xml version="1.0" encoding="utf-8"?>
-<p:sld xmlns:a="http://schemas.openxmlformats.org/drawingml/2006/main" xmlns:r="http://schemas.openxmlformats.org/officeDocument/2006/relationships" xmlns:p="http://schemas.openxmlformats.org/presentationml/2006/main">
+<file path=ppt/slides/slide22.xml><?xml version="1.0" encoding="utf-8"?>
+<p:sld xmlns:a="http://schemas.openxmlformats.org/drawingml/2006/main" xmlns:r="http://schemas.openxmlformats.org/officeDocument/2006/relationships" xmlns:p="http://schemas.openxmlformats.org/presentationml/2006/main" showMasterSp="1" showMasterPhAnim="1">
   <p:cSld>
     <p:bg>
       <p:bgPr>
         <a:solidFill>
           <a:srgbClr val="739A98"/>
         </a:solidFill>
-        <a:effectLst/>
       </p:bgPr>
     </p:bg>
     <p:spTree>
@@ -7532,14 +7245,14 @@
       </p:grpSpPr>
       <p:sp>
         <p:nvSpPr>
-          <p:cNvPr id="211" name="TextBox 5"/>
+          <p:cNvPr id="214" name="TextBox 5"/>
           <p:cNvSpPr txBox="1"/>
           <p:nvPr/>
         </p:nvSpPr>
         <p:spPr>
           <a:xfrm>
-            <a:off x="4630454" y="4719506"/>
-            <a:ext cx="5684430" cy="1031237"/>
+            <a:off x="927849" y="824230"/>
+            <a:ext cx="8149223" cy="726437"/>
           </a:xfrm>
           <a:prstGeom prst="rect">
             <a:avLst/>
@@ -7549,7 +7262,462 @@
           </a:ln>
           <a:extLst>
             <a:ext uri="{C572A759-6A51-4108-AA02-DFA0A04FC94B}">
-              <ma14:wrappingTextBoxFlag xmlns:ma14="http://schemas.microsoft.com/office/mac/drawingml/2011/main" xmlns="" val="1"/>
+              <ma14:wrappingTextBoxFlag xmlns:ma14="http://schemas.microsoft.com/office/mac/drawingml/2011/main" val="1"/>
+            </a:ext>
+          </a:extLst>
+        </p:spPr>
+        <p:txBody>
+          <a:bodyPr lIns="45718" tIns="45718" rIns="45718" bIns="45718">
+            <a:spAutoFit/>
+          </a:bodyPr>
+          <a:lstStyle/>
+          <a:p>
+            <a:pPr marL="360947" indent="-360947">
+              <a:buSzPct val="100000"/>
+              <a:buChar char="•"/>
+              <a:defRPr sz="3600">
+                <a:solidFill>
+                  <a:srgbClr val="FFFFFF"/>
+                </a:solidFill>
+                <a:latin typeface="Microsoft YaHei"/>
+                <a:ea typeface="Microsoft YaHei"/>
+                <a:cs typeface="Microsoft YaHei"/>
+                <a:sym typeface="Microsoft YaHei"/>
+              </a:defRPr>
+            </a:pPr>
+            <a:r>
+              <a:t>Partial、Readonly、Pick</a:t>
+            </a:r>
+            <a:r>
+              <a:t>、</a:t>
+            </a:r>
+            <a:r>
+              <a:t>Record</a:t>
+            </a:r>
+          </a:p>
+        </p:txBody>
+      </p:sp>
+      <p:pic>
+        <p:nvPicPr>
+          <p:cNvPr id="215" name="Picture 2" descr="Picture 2"/>
+          <p:cNvPicPr>
+            <a:picLocks noChangeAspect="1"/>
+          </p:cNvPicPr>
+          <p:nvPr/>
+        </p:nvPicPr>
+        <p:blipFill>
+          <a:blip r:embed="rId2">
+            <a:extLst/>
+          </a:blip>
+          <a:stretch>
+            <a:fillRect/>
+          </a:stretch>
+        </p:blipFill>
+        <p:spPr>
+          <a:xfrm>
+            <a:off x="6016445" y="4940300"/>
+            <a:ext cx="2476501" cy="1930400"/>
+          </a:xfrm>
+          <a:prstGeom prst="rect">
+            <a:avLst/>
+          </a:prstGeom>
+          <a:ln w="12700">
+            <a:miter lim="400000"/>
+          </a:ln>
+        </p:spPr>
+      </p:pic>
+      <p:pic>
+        <p:nvPicPr>
+          <p:cNvPr id="216" name="Picture 6" descr="Picture 6"/>
+          <p:cNvPicPr>
+            <a:picLocks noChangeAspect="1"/>
+          </p:cNvPicPr>
+          <p:nvPr/>
+        </p:nvPicPr>
+        <p:blipFill>
+          <a:blip r:embed="rId3">
+            <a:extLst/>
+          </a:blip>
+          <a:stretch>
+            <a:fillRect/>
+          </a:stretch>
+        </p:blipFill>
+        <p:spPr>
+          <a:xfrm>
+            <a:off x="1814040" y="2087317"/>
+            <a:ext cx="3226531" cy="3052439"/>
+          </a:xfrm>
+          <a:prstGeom prst="rect">
+            <a:avLst/>
+          </a:prstGeom>
+          <a:ln w="12700">
+            <a:miter lim="400000"/>
+          </a:ln>
+        </p:spPr>
+      </p:pic>
+      <p:pic>
+        <p:nvPicPr>
+          <p:cNvPr id="217" name="Picture 8" descr="Picture 8"/>
+          <p:cNvPicPr>
+            <a:picLocks noChangeAspect="1"/>
+          </p:cNvPicPr>
+          <p:nvPr/>
+        </p:nvPicPr>
+        <p:blipFill>
+          <a:blip r:embed="rId4">
+            <a:extLst/>
+          </a:blip>
+          <a:stretch>
+            <a:fillRect/>
+          </a:stretch>
+        </p:blipFill>
+        <p:spPr>
+          <a:xfrm>
+            <a:off x="9353666" y="2085437"/>
+            <a:ext cx="3504288" cy="3056198"/>
+          </a:xfrm>
+          <a:prstGeom prst="rect">
+            <a:avLst/>
+          </a:prstGeom>
+          <a:ln w="12700">
+            <a:miter lim="400000"/>
+          </a:ln>
+        </p:spPr>
+      </p:pic>
+      <p:pic>
+        <p:nvPicPr>
+          <p:cNvPr id="218" name="Picture 10" descr="Picture 10"/>
+          <p:cNvPicPr>
+            <a:picLocks noChangeAspect="1"/>
+          </p:cNvPicPr>
+          <p:nvPr/>
+        </p:nvPicPr>
+        <p:blipFill>
+          <a:blip r:embed="rId5">
+            <a:extLst/>
+          </a:blip>
+          <a:stretch>
+            <a:fillRect/>
+          </a:stretch>
+        </p:blipFill>
+        <p:spPr>
+          <a:xfrm>
+            <a:off x="1287967" y="7528139"/>
+            <a:ext cx="4278677" cy="2563022"/>
+          </a:xfrm>
+          <a:prstGeom prst="rect">
+            <a:avLst/>
+          </a:prstGeom>
+          <a:ln w="12700">
+            <a:miter lim="400000"/>
+          </a:ln>
+        </p:spPr>
+      </p:pic>
+      <p:pic>
+        <p:nvPicPr>
+          <p:cNvPr id="219" name="Picture 12" descr="Picture 12"/>
+          <p:cNvPicPr>
+            <a:picLocks noChangeAspect="1"/>
+          </p:cNvPicPr>
+          <p:nvPr/>
+        </p:nvPicPr>
+        <p:blipFill>
+          <a:blip r:embed="rId6">
+            <a:extLst/>
+          </a:blip>
+          <a:stretch>
+            <a:fillRect/>
+          </a:stretch>
+        </p:blipFill>
+        <p:spPr>
+          <a:xfrm>
+            <a:off x="8966471" y="7281551"/>
+            <a:ext cx="4278677" cy="3056198"/>
+          </a:xfrm>
+          <a:prstGeom prst="rect">
+            <a:avLst/>
+          </a:prstGeom>
+          <a:ln w="12700">
+            <a:miter lim="400000"/>
+          </a:ln>
+        </p:spPr>
+      </p:pic>
+    </p:spTree>
+  </p:cSld>
+  <p:clrMapOvr>
+    <a:masterClrMapping/>
+  </p:clrMapOvr>
+  <mc:AlternateContent xmlns:mc="http://schemas.openxmlformats.org/markup-compatibility/2006">
+    <mc:Choice xmlns:p14="http://schemas.microsoft.com/office/powerpoint/2010/main" Requires="p14">
+      <p:transition spd="slow" advClick="1" p14:dur="1200">
+        <p:dissolve/>
+      </p:transition>
+    </mc:Choice>
+    <mc:Fallback>
+      <p:transition spd="slow">
+        <p:fade/>
+      </p:transition>
+    </mc:Fallback>
+  </mc:AlternateContent>
+  <p:timing>
+    <p:tnLst>
+      <p:par>
+        <p:cTn id="1" nodeType="tmRoot" restart="never" dur="indefinite" fill="hold">
+          <p:childTnLst>
+            <p:seq concurrent="1" prevAc="none" nextAc="seek">
+              <p:cTn id="2" nodeType="mainSeq" dur="indefinite" fill="hold">
+                <p:childTnLst>
+                  <p:par>
+                    <p:cTn id="3" fill="hold">
+                      <p:stCondLst>
+                        <p:cond delay="indefinite"/>
+                      </p:stCondLst>
+                      <p:childTnLst>
+                        <p:par>
+                          <p:cTn id="4" fill="hold">
+                            <p:stCondLst>
+                              <p:cond delay="0"/>
+                            </p:stCondLst>
+                            <p:childTnLst>
+                              <p:par>
+                                <p:cTn id="5" presetClass="entr" nodeType="clickEffect" presetSubtype="0" presetID="1" grpId="1" fill="hold">
+                                  <p:stCondLst>
+                                    <p:cond delay="0"/>
+                                  </p:stCondLst>
+                                  <p:iterate type="el" backwards="0">
+                                    <p:tmAbs val="0"/>
+                                  </p:iterate>
+                                  <p:childTnLst>
+                                    <p:set>
+                                      <p:cBhvr>
+                                        <p:cTn id="6" fill="hold"/>
+                                        <p:tgtEl>
+                                          <p:spTgt spid="216"/>
+                                        </p:tgtEl>
+                                        <p:attrNameLst>
+                                          <p:attrName>style.visibility</p:attrName>
+                                        </p:attrNameLst>
+                                      </p:cBhvr>
+                                      <p:to>
+                                        <p:strVal val="visible"/>
+                                      </p:to>
+                                    </p:set>
+                                  </p:childTnLst>
+                                </p:cTn>
+                              </p:par>
+                            </p:childTnLst>
+                          </p:cTn>
+                        </p:par>
+                      </p:childTnLst>
+                    </p:cTn>
+                  </p:par>
+                  <p:par>
+                    <p:cTn id="7" fill="hold">
+                      <p:stCondLst>
+                        <p:cond delay="indefinite"/>
+                      </p:stCondLst>
+                      <p:childTnLst>
+                        <p:par>
+                          <p:cTn id="8" fill="hold">
+                            <p:stCondLst>
+                              <p:cond delay="0"/>
+                            </p:stCondLst>
+                            <p:childTnLst>
+                              <p:par>
+                                <p:cTn id="9" presetClass="entr" nodeType="clickEffect" presetSubtype="0" presetID="1" grpId="2" fill="hold">
+                                  <p:stCondLst>
+                                    <p:cond delay="0"/>
+                                  </p:stCondLst>
+                                  <p:iterate type="el" backwards="0">
+                                    <p:tmAbs val="0"/>
+                                  </p:iterate>
+                                  <p:childTnLst>
+                                    <p:set>
+                                      <p:cBhvr>
+                                        <p:cTn id="10" fill="hold"/>
+                                        <p:tgtEl>
+                                          <p:spTgt spid="217"/>
+                                        </p:tgtEl>
+                                        <p:attrNameLst>
+                                          <p:attrName>style.visibility</p:attrName>
+                                        </p:attrNameLst>
+                                      </p:cBhvr>
+                                      <p:to>
+                                        <p:strVal val="visible"/>
+                                      </p:to>
+                                    </p:set>
+                                  </p:childTnLst>
+                                </p:cTn>
+                              </p:par>
+                            </p:childTnLst>
+                          </p:cTn>
+                        </p:par>
+                      </p:childTnLst>
+                    </p:cTn>
+                  </p:par>
+                  <p:par>
+                    <p:cTn id="11" fill="hold">
+                      <p:stCondLst>
+                        <p:cond delay="indefinite"/>
+                      </p:stCondLst>
+                      <p:childTnLst>
+                        <p:par>
+                          <p:cTn id="12" fill="hold">
+                            <p:stCondLst>
+                              <p:cond delay="0"/>
+                            </p:stCondLst>
+                            <p:childTnLst>
+                              <p:par>
+                                <p:cTn id="13" presetClass="entr" nodeType="clickEffect" presetSubtype="0" presetID="1" grpId="3" fill="hold">
+                                  <p:stCondLst>
+                                    <p:cond delay="0"/>
+                                  </p:stCondLst>
+                                  <p:iterate type="el" backwards="0">
+                                    <p:tmAbs val="0"/>
+                                  </p:iterate>
+                                  <p:childTnLst>
+                                    <p:set>
+                                      <p:cBhvr>
+                                        <p:cTn id="14" fill="hold"/>
+                                        <p:tgtEl>
+                                          <p:spTgt spid="218"/>
+                                        </p:tgtEl>
+                                        <p:attrNameLst>
+                                          <p:attrName>style.visibility</p:attrName>
+                                        </p:attrNameLst>
+                                      </p:cBhvr>
+                                      <p:to>
+                                        <p:strVal val="visible"/>
+                                      </p:to>
+                                    </p:set>
+                                  </p:childTnLst>
+                                </p:cTn>
+                              </p:par>
+                            </p:childTnLst>
+                          </p:cTn>
+                        </p:par>
+                      </p:childTnLst>
+                    </p:cTn>
+                  </p:par>
+                  <p:par>
+                    <p:cTn id="15" fill="hold">
+                      <p:stCondLst>
+                        <p:cond delay="indefinite"/>
+                      </p:stCondLst>
+                      <p:childTnLst>
+                        <p:par>
+                          <p:cTn id="16" fill="hold">
+                            <p:stCondLst>
+                              <p:cond delay="0"/>
+                            </p:stCondLst>
+                            <p:childTnLst>
+                              <p:par>
+                                <p:cTn id="17" presetClass="entr" nodeType="clickEffect" presetSubtype="0" presetID="1" grpId="4" fill="hold">
+                                  <p:stCondLst>
+                                    <p:cond delay="0"/>
+                                  </p:stCondLst>
+                                  <p:iterate type="el" backwards="0">
+                                    <p:tmAbs val="0"/>
+                                  </p:iterate>
+                                  <p:childTnLst>
+                                    <p:set>
+                                      <p:cBhvr>
+                                        <p:cTn id="18" fill="hold"/>
+                                        <p:tgtEl>
+                                          <p:spTgt spid="219"/>
+                                        </p:tgtEl>
+                                        <p:attrNameLst>
+                                          <p:attrName>style.visibility</p:attrName>
+                                        </p:attrNameLst>
+                                      </p:cBhvr>
+                                      <p:to>
+                                        <p:strVal val="visible"/>
+                                      </p:to>
+                                    </p:set>
+                                  </p:childTnLst>
+                                </p:cTn>
+                              </p:par>
+                            </p:childTnLst>
+                          </p:cTn>
+                        </p:par>
+                      </p:childTnLst>
+                    </p:cTn>
+                  </p:par>
+                </p:childTnLst>
+              </p:cTn>
+              <p:prevCondLst>
+                <p:cond evt="onPrev">
+                  <p:tgtEl>
+                    <p:sldTgt/>
+                  </p:tgtEl>
+                </p:cond>
+              </p:prevCondLst>
+              <p:nextCondLst>
+                <p:cond evt="onNext">
+                  <p:tgtEl>
+                    <p:sldTgt/>
+                  </p:tgtEl>
+                </p:cond>
+              </p:nextCondLst>
+            </p:seq>
+          </p:childTnLst>
+        </p:cTn>
+      </p:par>
+    </p:tnLst>
+    <p:bldLst>
+      <p:bldP build="whole" bldLvl="1" animBg="1" rev="0" advAuto="0" spid="217" grpId="2"/>
+      <p:bldP build="whole" bldLvl="1" animBg="1" rev="0" advAuto="0" spid="219" grpId="4"/>
+      <p:bldP build="whole" bldLvl="1" animBg="1" rev="0" advAuto="0" spid="218" grpId="3"/>
+      <p:bldP build="whole" bldLvl="1" animBg="1" rev="0" advAuto="0" spid="216" grpId="1"/>
+    </p:bldLst>
+  </p:timing>
+</p:sld>
+</file>
+
+<file path=ppt/slides/slide23.xml><?xml version="1.0" encoding="utf-8"?>
+<p:sld xmlns:a="http://schemas.openxmlformats.org/drawingml/2006/main" xmlns:r="http://schemas.openxmlformats.org/officeDocument/2006/relationships" xmlns:p="http://schemas.openxmlformats.org/presentationml/2006/main" showMasterSp="1" showMasterPhAnim="1">
+  <p:cSld>
+    <p:bg>
+      <p:bgPr>
+        <a:solidFill>
+          <a:srgbClr val="739A98"/>
+        </a:solidFill>
+      </p:bgPr>
+    </p:bg>
+    <p:spTree>
+      <p:nvGrpSpPr>
+        <p:cNvPr id="1" name=""/>
+        <p:cNvGrpSpPr/>
+        <p:nvPr/>
+      </p:nvGrpSpPr>
+      <p:grpSpPr>
+        <a:xfrm>
+          <a:off x="0" y="0"/>
+          <a:ext cx="0" cy="0"/>
+          <a:chOff x="0" y="0"/>
+          <a:chExt cx="0" cy="0"/>
+        </a:xfrm>
+      </p:grpSpPr>
+      <p:sp>
+        <p:nvSpPr>
+          <p:cNvPr id="221" name="TextBox 5"/>
+          <p:cNvSpPr txBox="1"/>
+          <p:nvPr/>
+        </p:nvSpPr>
+        <p:spPr>
+          <a:xfrm>
+            <a:off x="4358685" y="4881881"/>
+            <a:ext cx="5684431" cy="1031237"/>
+          </a:xfrm>
+          <a:prstGeom prst="rect">
+            <a:avLst/>
+          </a:prstGeom>
+          <a:ln w="12700">
+            <a:miter lim="400000"/>
+          </a:ln>
+          <a:extLst>
+            <a:ext uri="{C572A759-6A51-4108-AA02-DFA0A04FC94B}">
+              <ma14:wrappingTextBoxFlag xmlns:ma14="http://schemas.microsoft.com/office/mac/drawingml/2011/main" val="1"/>
             </a:ext>
           </a:extLst>
         </p:spPr>
@@ -7571,8 +7739,9 @@
             </a:lvl1pPr>
           </a:lstStyle>
           <a:p>
+            <a:pPr/>
             <a:r>
-              <a:t>THINKS</a:t>
+              <a:t>Q&amp;A</a:t>
             </a:r>
           </a:p>
         </p:txBody>
@@ -7582,13 +7751,105 @@
   <p:clrMapOvr>
     <a:masterClrMapping/>
   </p:clrMapOvr>
-  <mc:AlternateContent xmlns:mc="http://schemas.openxmlformats.org/markup-compatibility/2006" xmlns:p14="http://schemas.microsoft.com/office/powerpoint/2010/main">
-    <mc:Choice Requires="p14">
-      <p:transition spd="slow" p14:dur="1500">
+  <mc:AlternateContent xmlns:mc="http://schemas.openxmlformats.org/markup-compatibility/2006">
+    <mc:Choice xmlns:p14="http://schemas.microsoft.com/office/powerpoint/2010/main" Requires="p14">
+      <p:transition spd="slow" advClick="1" p14:dur="1200">
         <p:dissolve/>
       </p:transition>
     </mc:Choice>
-    <mc:Fallback xmlns="">
+    <mc:Fallback>
+      <p:transition spd="slow">
+        <p:fade/>
+      </p:transition>
+    </mc:Fallback>
+  </mc:AlternateContent>
+</p:sld>
+</file>
+
+<file path=ppt/slides/slide24.xml><?xml version="1.0" encoding="utf-8"?>
+<p:sld xmlns:a="http://schemas.openxmlformats.org/drawingml/2006/main" xmlns:r="http://schemas.openxmlformats.org/officeDocument/2006/relationships" xmlns:p="http://schemas.openxmlformats.org/presentationml/2006/main" showMasterSp="1" showMasterPhAnim="1">
+  <p:cSld>
+    <p:bg>
+      <p:bgPr>
+        <a:solidFill>
+          <a:srgbClr val="739A98"/>
+        </a:solidFill>
+      </p:bgPr>
+    </p:bg>
+    <p:spTree>
+      <p:nvGrpSpPr>
+        <p:cNvPr id="1" name=""/>
+        <p:cNvGrpSpPr/>
+        <p:nvPr/>
+      </p:nvGrpSpPr>
+      <p:grpSpPr>
+        <a:xfrm>
+          <a:off x="0" y="0"/>
+          <a:ext cx="0" cy="0"/>
+          <a:chOff x="0" y="0"/>
+          <a:chExt cx="0" cy="0"/>
+        </a:xfrm>
+      </p:grpSpPr>
+      <p:sp>
+        <p:nvSpPr>
+          <p:cNvPr id="223" name="TextBox 5"/>
+          <p:cNvSpPr txBox="1"/>
+          <p:nvPr/>
+        </p:nvSpPr>
+        <p:spPr>
+          <a:xfrm>
+            <a:off x="4630454" y="4719506"/>
+            <a:ext cx="5684431" cy="1031237"/>
+          </a:xfrm>
+          <a:prstGeom prst="rect">
+            <a:avLst/>
+          </a:prstGeom>
+          <a:ln w="12700">
+            <a:miter lim="400000"/>
+          </a:ln>
+          <a:extLst>
+            <a:ext uri="{C572A759-6A51-4108-AA02-DFA0A04FC94B}">
+              <ma14:wrappingTextBoxFlag xmlns:ma14="http://schemas.microsoft.com/office/mac/drawingml/2011/main" val="1"/>
+            </a:ext>
+          </a:extLst>
+        </p:spPr>
+        <p:txBody>
+          <a:bodyPr lIns="45718" tIns="45718" rIns="45718" bIns="45718">
+            <a:spAutoFit/>
+          </a:bodyPr>
+          <a:lstStyle>
+            <a:lvl1pPr algn="ctr">
+              <a:defRPr sz="6200">
+                <a:solidFill>
+                  <a:srgbClr val="FFFFFF"/>
+                </a:solidFill>
+                <a:latin typeface="Microsoft YaHei"/>
+                <a:ea typeface="Microsoft YaHei"/>
+                <a:cs typeface="Microsoft YaHei"/>
+                <a:sym typeface="Microsoft YaHei"/>
+              </a:defRPr>
+            </a:lvl1pPr>
+          </a:lstStyle>
+          <a:p>
+            <a:pPr/>
+            <a:r>
+              <a:t>THINKS</a:t>
+            </a:r>
+          </a:p>
+        </p:txBody>
+      </p:sp>
+    </p:spTree>
+  </p:cSld>
+  <p:clrMapOvr>
+    <a:masterClrMapping/>
+  </p:clrMapOvr>
+  <mc:AlternateContent xmlns:mc="http://schemas.openxmlformats.org/markup-compatibility/2006">
+    <mc:Choice xmlns:p14="http://schemas.microsoft.com/office/powerpoint/2010/main" Requires="p14">
+      <p:transition spd="slow" advClick="1" p14:dur="1200">
+        <p:dissolve/>
+      </p:transition>
+    </mc:Choice>
+    <mc:Fallback>
       <p:transition spd="slow">
         <p:fade/>
       </p:transition>
@@ -7598,14 +7859,13 @@
 </file>
 
 <file path=ppt/slides/slide3.xml><?xml version="1.0" encoding="utf-8"?>
-<p:sld xmlns:a="http://schemas.openxmlformats.org/drawingml/2006/main" xmlns:r="http://schemas.openxmlformats.org/officeDocument/2006/relationships" xmlns:p="http://schemas.openxmlformats.org/presentationml/2006/main">
+<p:sld xmlns:a="http://schemas.openxmlformats.org/drawingml/2006/main" xmlns:r="http://schemas.openxmlformats.org/officeDocument/2006/relationships" xmlns:p="http://schemas.openxmlformats.org/presentationml/2006/main" showMasterSp="1" showMasterPhAnim="1">
   <p:cSld>
     <p:bg>
       <p:bgPr>
         <a:solidFill>
           <a:srgbClr val="739A98"/>
         </a:solidFill>
-        <a:effectLst/>
       </p:bgPr>
     </p:bg>
     <p:spTree>
@@ -7630,8 +7890,8 @@
         </p:nvSpPr>
         <p:spPr>
           <a:xfrm>
-            <a:off x="2379217" y="4767582"/>
-            <a:ext cx="9987378" cy="1107992"/>
+            <a:off x="2379216" y="4767581"/>
+            <a:ext cx="9987379" cy="1259837"/>
           </a:xfrm>
           <a:prstGeom prst="rect">
             <a:avLst/>
@@ -7641,16 +7901,17 @@
           </a:ln>
           <a:extLst>
             <a:ext uri="{C572A759-6A51-4108-AA02-DFA0A04FC94B}">
-              <ma14:wrappingTextBoxFlag xmlns:ma14="http://schemas.microsoft.com/office/mac/drawingml/2011/main" xmlns="" val="1"/>
+              <ma14:wrappingTextBoxFlag xmlns:ma14="http://schemas.microsoft.com/office/mac/drawingml/2011/main" val="1"/>
             </a:ext>
           </a:extLst>
         </p:spPr>
         <p:txBody>
-          <a:bodyPr wrap="square" lIns="45718" tIns="45718" rIns="45718" bIns="45718">
+          <a:bodyPr lIns="45718" tIns="45718" rIns="45718" bIns="45718">
             <a:spAutoFit/>
           </a:bodyPr>
-          <a:lstStyle>
-            <a:lvl1pPr>
+          <a:lstStyle/>
+          <a:p>
+            <a:pPr>
               <a:defRPr sz="6600">
                 <a:solidFill>
                   <a:srgbClr val="FFFFFF"/>
@@ -7660,22 +7921,13 @@
                 <a:cs typeface="Microsoft YaHei"/>
                 <a:sym typeface="Microsoft YaHei"/>
               </a:defRPr>
-            </a:lvl1pPr>
-          </a:lstStyle>
-          <a:p>
+            </a:pPr>
             <a:r>
-              <a:rPr dirty="0" err="1"/>
-              <a:t>TypeScript</a:t>
+              <a:t>TypeScript </a:t>
             </a:r>
             <a:r>
-              <a:rPr dirty="0"/>
-              <a:t> </a:t>
-            </a:r>
-            <a:r>
-              <a:rPr lang="ja-JP" altLang="en-US" dirty="0"/>
               <a:t>类型简单介绍</a:t>
             </a:r>
-            <a:endParaRPr dirty="0"/>
           </a:p>
         </p:txBody>
       </p:sp>
@@ -7684,13 +7936,13 @@
   <p:clrMapOvr>
     <a:masterClrMapping/>
   </p:clrMapOvr>
-  <mc:AlternateContent xmlns:mc="http://schemas.openxmlformats.org/markup-compatibility/2006" xmlns:p14="http://schemas.microsoft.com/office/powerpoint/2010/main">
-    <mc:Choice Requires="p14">
-      <p:transition spd="slow" p14:dur="1200">
+  <mc:AlternateContent xmlns:mc="http://schemas.openxmlformats.org/markup-compatibility/2006">
+    <mc:Choice xmlns:p14="http://schemas.microsoft.com/office/powerpoint/2010/main" Requires="p14">
+      <p:transition spd="slow" advClick="1" p14:dur="1200">
         <p:dissolve/>
       </p:transition>
     </mc:Choice>
-    <mc:Fallback xmlns="">
+    <mc:Fallback>
       <p:transition spd="slow">
         <p:fade/>
       </p:transition>
@@ -7700,14 +7952,13 @@
 </file>
 
 <file path=ppt/slides/slide4.xml><?xml version="1.0" encoding="utf-8"?>
-<p:sld xmlns:a="http://schemas.openxmlformats.org/drawingml/2006/main" xmlns:r="http://schemas.openxmlformats.org/officeDocument/2006/relationships" xmlns:p="http://schemas.openxmlformats.org/presentationml/2006/main">
+<p:sld xmlns:a="http://schemas.openxmlformats.org/drawingml/2006/main" xmlns:r="http://schemas.openxmlformats.org/officeDocument/2006/relationships" xmlns:p="http://schemas.openxmlformats.org/presentationml/2006/main" showMasterSp="1" showMasterPhAnim="1">
   <p:cSld>
     <p:bg>
       <p:bgPr>
         <a:solidFill>
           <a:srgbClr val="739A98"/>
         </a:solidFill>
-        <a:effectLst/>
       </p:bgPr>
     </p:bg>
     <p:spTree>
@@ -7743,7 +7994,7 @@
         <p:spPr>
           <a:xfrm>
             <a:off x="1904343" y="774188"/>
-            <a:ext cx="10593114" cy="9246623"/>
+            <a:ext cx="10593114" cy="9246624"/>
           </a:xfrm>
           <a:prstGeom prst="rect">
             <a:avLst/>
@@ -7758,13 +8009,13 @@
   <p:clrMapOvr>
     <a:masterClrMapping/>
   </p:clrMapOvr>
-  <mc:AlternateContent xmlns:mc="http://schemas.openxmlformats.org/markup-compatibility/2006" xmlns:p14="http://schemas.microsoft.com/office/powerpoint/2010/main">
-    <mc:Choice Requires="p14">
-      <p:transition spd="slow" p14:dur="1200">
+  <mc:AlternateContent xmlns:mc="http://schemas.openxmlformats.org/markup-compatibility/2006">
+    <mc:Choice xmlns:p14="http://schemas.microsoft.com/office/powerpoint/2010/main" Requires="p14">
+      <p:transition spd="slow" advClick="1" p14:dur="1200">
         <p:dissolve/>
       </p:transition>
     </mc:Choice>
-    <mc:Fallback xmlns="">
+    <mc:Fallback>
       <p:transition spd="slow">
         <p:fade/>
       </p:transition>
@@ -7774,14 +8025,13 @@
 </file>
 
 <file path=ppt/slides/slide5.xml><?xml version="1.0" encoding="utf-8"?>
-<p:sld xmlns:a="http://schemas.openxmlformats.org/drawingml/2006/main" xmlns:r="http://schemas.openxmlformats.org/officeDocument/2006/relationships" xmlns:p="http://schemas.openxmlformats.org/presentationml/2006/main">
+<p:sld xmlns:a="http://schemas.openxmlformats.org/drawingml/2006/main" xmlns:r="http://schemas.openxmlformats.org/officeDocument/2006/relationships" xmlns:p="http://schemas.openxmlformats.org/presentationml/2006/main" showMasterSp="1" showMasterPhAnim="1">
   <p:cSld>
     <p:bg>
       <p:bgPr>
         <a:solidFill>
           <a:srgbClr val="739A98"/>
         </a:solidFill>
-        <a:effectLst/>
       </p:bgPr>
     </p:bg>
     <p:spTree>
@@ -7806,7 +8056,7 @@
         </p:nvSpPr>
         <p:spPr>
           <a:xfrm>
-            <a:off x="1190748" y="330199"/>
+            <a:off x="1190748" y="330198"/>
             <a:ext cx="3749329" cy="736601"/>
           </a:xfrm>
           <a:prstGeom prst="rect">
@@ -7817,7 +8067,7 @@
           </a:ln>
           <a:extLst>
             <a:ext uri="{C572A759-6A51-4108-AA02-DFA0A04FC94B}">
-              <ma14:wrappingTextBoxFlag xmlns:ma14="http://schemas.microsoft.com/office/mac/drawingml/2011/main" xmlns="" val="1"/>
+              <ma14:wrappingTextBoxFlag xmlns:ma14="http://schemas.microsoft.com/office/mac/drawingml/2011/main" val="1"/>
             </a:ext>
           </a:extLst>
         </p:spPr>
@@ -7828,7 +8078,7 @@
           <a:lstStyle>
             <a:lvl1pPr marL="481263" indent="-481263">
               <a:buSzPct val="100000"/>
-              <a:buAutoNum type="arabicPeriod"/>
+              <a:buAutoNum type="arabicPeriod" startAt="1"/>
               <a:defRPr sz="3600">
                 <a:solidFill>
                   <a:srgbClr val="FFFFFF"/>
@@ -7841,6 +8091,7 @@
             </a:lvl1pPr>
           </a:lstStyle>
           <a:p>
+            <a:pPr/>
             <a:r>
               <a:t>基础数据类型</a:t>
             </a:r>
@@ -7865,8 +8116,8 @@
         </p:blipFill>
         <p:spPr>
           <a:xfrm>
-            <a:off x="1739378" y="1517631"/>
-            <a:ext cx="10923043" cy="9222999"/>
+            <a:off x="1739377" y="1517631"/>
+            <a:ext cx="10923045" cy="9223000"/>
           </a:xfrm>
           <a:prstGeom prst="rect">
             <a:avLst/>
@@ -7881,13 +8132,13 @@
   <p:clrMapOvr>
     <a:masterClrMapping/>
   </p:clrMapOvr>
-  <mc:AlternateContent xmlns:mc="http://schemas.openxmlformats.org/markup-compatibility/2006" xmlns:p14="http://schemas.microsoft.com/office/powerpoint/2010/main">
-    <mc:Choice Requires="p14">
-      <p:transition spd="slow" p14:dur="1200">
+  <mc:AlternateContent xmlns:mc="http://schemas.openxmlformats.org/markup-compatibility/2006">
+    <mc:Choice xmlns:p14="http://schemas.microsoft.com/office/powerpoint/2010/main" Requires="p14">
+      <p:transition spd="slow" advClick="1" p14:dur="1200">
         <p:dissolve/>
       </p:transition>
     </mc:Choice>
-    <mc:Fallback xmlns="">
+    <mc:Fallback>
       <p:transition spd="slow">
         <p:fade/>
       </p:transition>
@@ -7897,14 +8148,13 @@
 </file>
 
 <file path=ppt/slides/slide6.xml><?xml version="1.0" encoding="utf-8"?>
-<p:sld xmlns:a="http://schemas.openxmlformats.org/drawingml/2006/main" xmlns:r="http://schemas.openxmlformats.org/officeDocument/2006/relationships" xmlns:p="http://schemas.openxmlformats.org/presentationml/2006/main">
+<p:sld xmlns:a="http://schemas.openxmlformats.org/drawingml/2006/main" xmlns:r="http://schemas.openxmlformats.org/officeDocument/2006/relationships" xmlns:p="http://schemas.openxmlformats.org/presentationml/2006/main" showMasterSp="1" showMasterPhAnim="1">
   <p:cSld>
     <p:bg>
       <p:bgPr>
         <a:solidFill>
           <a:srgbClr val="739A98"/>
         </a:solidFill>
-        <a:effectLst/>
       </p:bgPr>
     </p:bg>
     <p:spTree>
@@ -7929,8 +8179,8 @@
         </p:nvSpPr>
         <p:spPr>
           <a:xfrm>
-            <a:off x="1187771" y="511580"/>
-            <a:ext cx="4863458" cy="736601"/>
+            <a:off x="1187770" y="511580"/>
+            <a:ext cx="4863460" cy="736601"/>
           </a:xfrm>
           <a:prstGeom prst="rect">
             <a:avLst/>
@@ -7940,7 +8190,7 @@
           </a:ln>
           <a:extLst>
             <a:ext uri="{C572A759-6A51-4108-AA02-DFA0A04FC94B}">
-              <ma14:wrappingTextBoxFlag xmlns:ma14="http://schemas.microsoft.com/office/mac/drawingml/2011/main" xmlns="" val="1"/>
+              <ma14:wrappingTextBoxFlag xmlns:ma14="http://schemas.microsoft.com/office/mac/drawingml/2011/main" val="1"/>
             </a:ext>
           </a:extLst>
         </p:spPr>
@@ -7964,6 +8214,7 @@
             </a:lvl1pPr>
           </a:lstStyle>
           <a:p>
+            <a:pPr/>
             <a:r>
               <a:t>函数类型</a:t>
             </a:r>
@@ -7988,8 +8239,8 @@
         </p:blipFill>
         <p:spPr>
           <a:xfrm>
-            <a:off x="5775709" y="2074773"/>
-            <a:ext cx="2850383" cy="676607"/>
+            <a:off x="5775709" y="2074772"/>
+            <a:ext cx="2850384" cy="676608"/>
           </a:xfrm>
           <a:prstGeom prst="rect">
             <a:avLst/>
@@ -8018,7 +8269,7 @@
         <p:spPr>
           <a:xfrm>
             <a:off x="4933950" y="3960205"/>
-            <a:ext cx="4533900" cy="723902"/>
+            <a:ext cx="4533900" cy="723903"/>
           </a:xfrm>
           <a:prstGeom prst="rect">
             <a:avLst/>
@@ -8037,7 +8288,7 @@
         <p:spPr>
           <a:xfrm>
             <a:off x="7200899" y="2972528"/>
-            <a:ext cx="3" cy="865856"/>
+            <a:ext cx="4" cy="865856"/>
           </a:xfrm>
           <a:prstGeom prst="line">
             <a:avLst/>
@@ -8049,7 +8300,7 @@
             <a:tailEnd type="triangle"/>
           </a:ln>
           <a:effectLst>
-            <a:outerShdw blurRad="38100" dist="23000" dir="5400000" rotWithShape="0">
+            <a:outerShdw sx="100000" sy="100000" kx="0" ky="0" algn="b" rotWithShape="0" blurRad="38100" dist="23000" dir="5400000">
               <a:srgbClr val="000000">
                 <a:alpha val="35000"/>
               </a:srgbClr>
@@ -8060,7 +8311,7 @@
           <a:bodyPr lIns="45718" tIns="45718" rIns="45718" bIns="45718"/>
           <a:lstStyle/>
           <a:p>
-            <a:endParaRPr/>
+            <a:pPr/>
           </a:p>
         </p:txBody>
       </p:sp>
@@ -8102,7 +8353,7 @@
         <p:spPr>
           <a:xfrm>
             <a:off x="7912099" y="2972528"/>
-            <a:ext cx="2" cy="2699256"/>
+            <a:ext cx="3" cy="2699257"/>
           </a:xfrm>
           <a:prstGeom prst="line">
             <a:avLst/>
@@ -8114,7 +8365,7 @@
             <a:tailEnd type="triangle"/>
           </a:ln>
           <a:effectLst>
-            <a:outerShdw blurRad="38100" dist="23000" dir="5400000" rotWithShape="0">
+            <a:outerShdw sx="100000" sy="100000" kx="0" ky="0" algn="b" rotWithShape="0" blurRad="38100" dist="23000" dir="5400000">
               <a:srgbClr val="000000">
                 <a:alpha val="35000"/>
               </a:srgbClr>
@@ -8125,7 +8376,7 @@
           <a:bodyPr lIns="45718" tIns="45718" rIns="45718" bIns="45718"/>
           <a:lstStyle/>
           <a:p>
-            <a:endParaRPr/>
+            <a:pPr/>
           </a:p>
         </p:txBody>
       </p:sp>
@@ -8134,13 +8385,13 @@
   <p:clrMapOvr>
     <a:masterClrMapping/>
   </p:clrMapOvr>
-  <mc:AlternateContent xmlns:mc="http://schemas.openxmlformats.org/markup-compatibility/2006" xmlns:p14="http://schemas.microsoft.com/office/powerpoint/2010/main">
-    <mc:Choice Requires="p14">
-      <p:transition spd="slow" p14:dur="1200">
+  <mc:AlternateContent xmlns:mc="http://schemas.openxmlformats.org/markup-compatibility/2006">
+    <mc:Choice xmlns:p14="http://schemas.microsoft.com/office/powerpoint/2010/main" Requires="p14">
+      <p:transition spd="slow" advClick="1" p14:dur="1200">
         <p:dissolve/>
       </p:transition>
     </mc:Choice>
-    <mc:Fallback xmlns="">
+    <mc:Fallback>
       <p:transition spd="slow">
         <p:fade/>
       </p:transition>
@@ -8149,10 +8400,10 @@
   <p:timing>
     <p:tnLst>
       <p:par>
-        <p:cTn id="1" dur="indefinite" restart="never" fill="hold" nodeType="tmRoot">
+        <p:cTn id="1" nodeType="tmRoot" restart="never" dur="indefinite" fill="hold">
           <p:childTnLst>
             <p:seq concurrent="1" prevAc="none" nextAc="seek">
-              <p:cTn id="2" dur="indefinite" fill="hold" nodeType="mainSeq">
+              <p:cTn id="2" nodeType="mainSeq" dur="indefinite" fill="hold">
                 <p:childTnLst>
                   <p:par>
                     <p:cTn id="3" fill="hold">
@@ -8167,11 +8418,11 @@
                             </p:stCondLst>
                             <p:childTnLst>
                               <p:par>
-                                <p:cTn id="5" presetID="1" presetClass="entr" presetSubtype="0" fill="hold" grpId="1" nodeType="clickEffect">
+                                <p:cTn id="5" presetClass="entr" nodeType="clickEffect" presetSubtype="0" presetID="1" grpId="1" fill="hold">
                                   <p:stCondLst>
                                     <p:cond delay="0"/>
                                   </p:stCondLst>
-                                  <p:iterate>
+                                  <p:iterate type="el" backwards="0">
                                     <p:tmAbs val="0"/>
                                   </p:iterate>
                                   <p:childTnLst>
@@ -8211,11 +8462,11 @@
                             </p:stCondLst>
                             <p:childTnLst>
                               <p:par>
-                                <p:cTn id="9" presetID="1" presetClass="entr" presetSubtype="0" fill="hold" grpId="2" nodeType="clickEffect">
+                                <p:cTn id="9" presetClass="entr" nodeType="clickEffect" presetSubtype="0" presetID="1" grpId="2" fill="hold">
                                   <p:stCondLst>
                                     <p:cond delay="0"/>
                                   </p:stCondLst>
-                                  <p:iterate>
+                                  <p:iterate type="el" backwards="0">
                                     <p:tmAbs val="0"/>
                                   </p:iterate>
                                   <p:childTnLst>
@@ -8255,11 +8506,11 @@
                             </p:stCondLst>
                             <p:childTnLst>
                               <p:par>
-                                <p:cTn id="13" presetID="1" presetClass="entr" presetSubtype="0" fill="hold" grpId="3" nodeType="clickEffect">
+                                <p:cTn id="13" presetClass="entr" nodeType="clickEffect" presetSubtype="0" presetID="1" grpId="3" fill="hold">
                                   <p:stCondLst>
                                     <p:cond delay="0"/>
                                   </p:stCondLst>
-                                  <p:iterate>
+                                  <p:iterate type="el" backwards="0">
                                     <p:tmAbs val="0"/>
                                   </p:iterate>
                                   <p:childTnLst>
@@ -8299,11 +8550,11 @@
                             </p:stCondLst>
                             <p:childTnLst>
                               <p:par>
-                                <p:cTn id="17" presetID="1" presetClass="entr" presetSubtype="0" fill="hold" grpId="4" nodeType="clickEffect">
+                                <p:cTn id="17" presetClass="entr" nodeType="clickEffect" presetSubtype="0" presetID="1" grpId="4" fill="hold">
                                   <p:stCondLst>
                                     <p:cond delay="0"/>
                                   </p:stCondLst>
-                                  <p:iterate>
+                                  <p:iterate type="el" backwards="0">
                                     <p:tmAbs val="0"/>
                                   </p:iterate>
                                   <p:childTnLst>
@@ -8343,11 +8594,11 @@
                             </p:stCondLst>
                             <p:childTnLst>
                               <p:par>
-                                <p:cTn id="21" presetID="1" presetClass="entr" presetSubtype="0" fill="hold" grpId="5" nodeType="clickEffect">
+                                <p:cTn id="21" presetClass="entr" nodeType="clickEffect" presetSubtype="0" presetID="1" grpId="5" fill="hold">
                                   <p:stCondLst>
                                     <p:cond delay="0"/>
                                   </p:stCondLst>
-                                  <p:iterate>
+                                  <p:iterate type="el" backwards="0">
                                     <p:tmAbs val="0"/>
                                   </p:iterate>
                                   <p:childTnLst>
@@ -8377,14 +8628,14 @@
                 </p:childTnLst>
               </p:cTn>
               <p:prevCondLst>
-                <p:cond evt="onPrev" delay="0">
+                <p:cond evt="onPrev">
                   <p:tgtEl>
                     <p:sldTgt/>
                   </p:tgtEl>
                 </p:cond>
               </p:prevCondLst>
               <p:nextCondLst>
-                <p:cond evt="onNext" delay="0">
+                <p:cond evt="onNext">
                   <p:tgtEl>
                     <p:sldTgt/>
                   </p:tgtEl>
@@ -8396,25 +8647,24 @@
       </p:par>
     </p:tnLst>
     <p:bldLst>
-      <p:bldP spid="139" grpId="1" animBg="1" advAuto="0"/>
-      <p:bldP spid="140" grpId="3" animBg="1" advAuto="0"/>
-      <p:bldP spid="141" grpId="2" animBg="1" advAuto="0"/>
-      <p:bldP spid="142" grpId="5" animBg="1" advAuto="0"/>
-      <p:bldP spid="143" grpId="4" animBg="1" advAuto="0"/>
+      <p:bldP build="whole" bldLvl="1" animBg="1" rev="0" advAuto="0" spid="142" grpId="5"/>
+      <p:bldP build="whole" bldLvl="1" animBg="1" rev="0" advAuto="0" spid="140" grpId="3"/>
+      <p:bldP build="whole" bldLvl="1" animBg="1" rev="0" advAuto="0" spid="141" grpId="2"/>
+      <p:bldP build="whole" bldLvl="1" animBg="1" rev="0" advAuto="0" spid="143" grpId="4"/>
+      <p:bldP build="whole" bldLvl="1" animBg="1" rev="0" advAuto="0" spid="139" grpId="1"/>
     </p:bldLst>
   </p:timing>
 </p:sld>
 </file>
 
 <file path=ppt/slides/slide7.xml><?xml version="1.0" encoding="utf-8"?>
-<p:sld xmlns:a="http://schemas.openxmlformats.org/drawingml/2006/main" xmlns:r="http://schemas.openxmlformats.org/officeDocument/2006/relationships" xmlns:p="http://schemas.openxmlformats.org/presentationml/2006/main">
+<p:sld xmlns:a="http://schemas.openxmlformats.org/drawingml/2006/main" xmlns:r="http://schemas.openxmlformats.org/officeDocument/2006/relationships" xmlns:p="http://schemas.openxmlformats.org/presentationml/2006/main" showMasterSp="1" showMasterPhAnim="1">
   <p:cSld>
     <p:bg>
       <p:bgPr>
         <a:solidFill>
           <a:srgbClr val="739A98"/>
         </a:solidFill>
-        <a:effectLst/>
       </p:bgPr>
     </p:bg>
     <p:spTree>
@@ -8439,7 +8689,7 @@
         </p:nvSpPr>
         <p:spPr>
           <a:xfrm>
-            <a:off x="6000750" y="520699"/>
+            <a:off x="6000750" y="520698"/>
             <a:ext cx="2400300" cy="736601"/>
           </a:xfrm>
           <a:prstGeom prst="rect">
@@ -8450,7 +8700,7 @@
           </a:ln>
           <a:extLst>
             <a:ext uri="{C572A759-6A51-4108-AA02-DFA0A04FC94B}">
-              <ma14:wrappingTextBoxFlag xmlns:ma14="http://schemas.microsoft.com/office/mac/drawingml/2011/main" xmlns="" val="1"/>
+              <ma14:wrappingTextBoxFlag xmlns:ma14="http://schemas.microsoft.com/office/mac/drawingml/2011/main" val="1"/>
             </a:ext>
           </a:extLst>
         </p:spPr>
@@ -8472,6 +8722,7 @@
             </a:lvl1pPr>
           </a:lstStyle>
           <a:p>
+            <a:pPr/>
             <a:r>
               <a:t>函数返回值</a:t>
             </a:r>
@@ -8496,8 +8747,8 @@
         </p:blipFill>
         <p:spPr>
           <a:xfrm>
-            <a:off x="5378450" y="2308645"/>
-            <a:ext cx="3644900" cy="2540002"/>
+            <a:off x="5378450" y="2308644"/>
+            <a:ext cx="3644900" cy="2540003"/>
           </a:xfrm>
           <a:prstGeom prst="rect">
             <a:avLst/>
@@ -8525,8 +8776,8 @@
         </p:blipFill>
         <p:spPr>
           <a:xfrm>
-            <a:off x="4845050" y="5899992"/>
-            <a:ext cx="4711700" cy="1841502"/>
+            <a:off x="4845050" y="5899991"/>
+            <a:ext cx="4711700" cy="1841503"/>
           </a:xfrm>
           <a:prstGeom prst="rect">
             <a:avLst/>
@@ -8541,13 +8792,13 @@
   <p:clrMapOvr>
     <a:masterClrMapping/>
   </p:clrMapOvr>
-  <mc:AlternateContent xmlns:mc="http://schemas.openxmlformats.org/markup-compatibility/2006" xmlns:p14="http://schemas.microsoft.com/office/powerpoint/2010/main">
-    <mc:Choice Requires="p14">
-      <p:transition spd="slow" p14:dur="1200">
+  <mc:AlternateContent xmlns:mc="http://schemas.openxmlformats.org/markup-compatibility/2006">
+    <mc:Choice xmlns:p14="http://schemas.microsoft.com/office/powerpoint/2010/main" Requires="p14">
+      <p:transition spd="slow" advClick="1" p14:dur="1200">
         <p:dissolve/>
       </p:transition>
     </mc:Choice>
-    <mc:Fallback xmlns="">
+    <mc:Fallback>
       <p:transition spd="slow">
         <p:fade/>
       </p:transition>
@@ -8556,10 +8807,10 @@
   <p:timing>
     <p:tnLst>
       <p:par>
-        <p:cTn id="1" dur="indefinite" restart="never" fill="hold" nodeType="tmRoot">
+        <p:cTn id="1" nodeType="tmRoot" restart="never" dur="indefinite" fill="hold">
           <p:childTnLst>
             <p:seq concurrent="1" prevAc="none" nextAc="seek">
-              <p:cTn id="2" dur="indefinite" fill="hold" nodeType="mainSeq">
+              <p:cTn id="2" nodeType="mainSeq" dur="indefinite" fill="hold">
                 <p:childTnLst>
                   <p:par>
                     <p:cTn id="3" fill="hold">
@@ -8574,11 +8825,11 @@
                             </p:stCondLst>
                             <p:childTnLst>
                               <p:par>
-                                <p:cTn id="5" presetID="1" presetClass="entr" presetSubtype="0" fill="hold" grpId="1" nodeType="clickEffect">
+                                <p:cTn id="5" presetClass="entr" nodeType="clickEffect" presetSubtype="0" presetID="1" grpId="1" fill="hold">
                                   <p:stCondLst>
                                     <p:cond delay="0"/>
                                   </p:stCondLst>
-                                  <p:iterate>
+                                  <p:iterate type="el" backwards="0">
                                     <p:tmAbs val="0"/>
                                   </p:iterate>
                                   <p:childTnLst>
@@ -8618,11 +8869,11 @@
                             </p:stCondLst>
                             <p:childTnLst>
                               <p:par>
-                                <p:cTn id="9" presetID="1" presetClass="entr" presetSubtype="0" fill="hold" grpId="2" nodeType="clickEffect">
+                                <p:cTn id="9" presetClass="entr" nodeType="clickEffect" presetSubtype="0" presetID="1" grpId="2" fill="hold">
                                   <p:stCondLst>
                                     <p:cond delay="0"/>
                                   </p:stCondLst>
-                                  <p:iterate>
+                                  <p:iterate type="el" backwards="0">
                                     <p:tmAbs val="0"/>
                                   </p:iterate>
                                   <p:childTnLst>
@@ -8652,14 +8903,14 @@
                 </p:childTnLst>
               </p:cTn>
               <p:prevCondLst>
-                <p:cond evt="onPrev" delay="0">
+                <p:cond evt="onPrev">
                   <p:tgtEl>
                     <p:sldTgt/>
                   </p:tgtEl>
                 </p:cond>
               </p:prevCondLst>
               <p:nextCondLst>
-                <p:cond evt="onNext" delay="0">
+                <p:cond evt="onNext">
                   <p:tgtEl>
                     <p:sldTgt/>
                   </p:tgtEl>
@@ -8671,22 +8922,21 @@
       </p:par>
     </p:tnLst>
     <p:bldLst>
-      <p:bldP spid="146" grpId="1" animBg="1" advAuto="0"/>
-      <p:bldP spid="147" grpId="2" animBg="1" advAuto="0"/>
+      <p:bldP build="whole" bldLvl="1" animBg="1" rev="0" advAuto="0" spid="146" grpId="1"/>
+      <p:bldP build="whole" bldLvl="1" animBg="1" rev="0" advAuto="0" spid="147" grpId="2"/>
     </p:bldLst>
   </p:timing>
 </p:sld>
 </file>
 
 <file path=ppt/slides/slide8.xml><?xml version="1.0" encoding="utf-8"?>
-<p:sld xmlns:a="http://schemas.openxmlformats.org/drawingml/2006/main" xmlns:r="http://schemas.openxmlformats.org/officeDocument/2006/relationships" xmlns:p="http://schemas.openxmlformats.org/presentationml/2006/main">
+<p:sld xmlns:a="http://schemas.openxmlformats.org/drawingml/2006/main" xmlns:r="http://schemas.openxmlformats.org/officeDocument/2006/relationships" xmlns:p="http://schemas.openxmlformats.org/presentationml/2006/main" showMasterSp="1" showMasterPhAnim="1">
   <p:cSld>
     <p:bg>
       <p:bgPr>
         <a:solidFill>
           <a:srgbClr val="739A98"/>
         </a:solidFill>
-        <a:effectLst/>
       </p:bgPr>
     </p:bg>
     <p:spTree>
@@ -8722,7 +8972,7 @@
           </a:ln>
           <a:extLst>
             <a:ext uri="{C572A759-6A51-4108-AA02-DFA0A04FC94B}">
-              <ma14:wrappingTextBoxFlag xmlns:ma14="http://schemas.microsoft.com/office/mac/drawingml/2011/main" xmlns="" val="1"/>
+              <ma14:wrappingTextBoxFlag xmlns:ma14="http://schemas.microsoft.com/office/mac/drawingml/2011/main" val="1"/>
             </a:ext>
           </a:extLst>
         </p:spPr>
@@ -8744,6 +8994,7 @@
             </a:lvl1pPr>
           </a:lstStyle>
           <a:p>
+            <a:pPr/>
             <a:r>
               <a:t>函数参数</a:t>
             </a:r>
@@ -8768,8 +9019,8 @@
         </p:blipFill>
         <p:spPr>
           <a:xfrm>
-            <a:off x="2521114" y="2244375"/>
-            <a:ext cx="3825885" cy="2878082"/>
+            <a:off x="2521113" y="2244375"/>
+            <a:ext cx="3825887" cy="2878083"/>
           </a:xfrm>
           <a:prstGeom prst="rect">
             <a:avLst/>
@@ -8798,7 +9049,7 @@
         <p:spPr>
           <a:xfrm>
             <a:off x="7380946" y="2244375"/>
-            <a:ext cx="2894622" cy="2878082"/>
+            <a:ext cx="2894623" cy="2878083"/>
           </a:xfrm>
           <a:prstGeom prst="rect">
             <a:avLst/>
@@ -8827,7 +9078,7 @@
         <p:spPr>
           <a:xfrm>
             <a:off x="2588885" y="6020563"/>
-            <a:ext cx="3690343" cy="2530062"/>
+            <a:ext cx="3690343" cy="2530063"/>
           </a:xfrm>
           <a:prstGeom prst="rect">
             <a:avLst/>
@@ -8856,7 +9107,7 @@
         <p:spPr>
           <a:xfrm>
             <a:off x="7352872" y="6413263"/>
-            <a:ext cx="4527813" cy="1744663"/>
+            <a:ext cx="4527814" cy="1744664"/>
           </a:xfrm>
           <a:prstGeom prst="rect">
             <a:avLst/>
@@ -8871,30 +9122,241 @@
   <p:clrMapOvr>
     <a:masterClrMapping/>
   </p:clrMapOvr>
-  <mc:AlternateContent xmlns:mc="http://schemas.openxmlformats.org/markup-compatibility/2006" xmlns:p14="http://schemas.microsoft.com/office/powerpoint/2010/main">
-    <mc:Choice Requires="p14">
-      <p:transition spd="slow" p14:dur="1200">
+  <mc:AlternateContent xmlns:mc="http://schemas.openxmlformats.org/markup-compatibility/2006">
+    <mc:Choice xmlns:p14="http://schemas.microsoft.com/office/powerpoint/2010/main" Requires="p14">
+      <p:transition spd="slow" advClick="1" p14:dur="1200">
         <p:dissolve/>
       </p:transition>
     </mc:Choice>
-    <mc:Fallback xmlns="">
+    <mc:Fallback>
       <p:transition spd="slow">
         <p:fade/>
       </p:transition>
     </mc:Fallback>
   </mc:AlternateContent>
+  <p:timing>
+    <p:tnLst>
+      <p:par>
+        <p:cTn id="1" nodeType="tmRoot" restart="never" dur="indefinite" fill="hold">
+          <p:childTnLst>
+            <p:seq concurrent="1" prevAc="none" nextAc="seek">
+              <p:cTn id="2" nodeType="mainSeq" dur="indefinite" fill="hold">
+                <p:childTnLst>
+                  <p:par>
+                    <p:cTn id="3" fill="hold">
+                      <p:stCondLst>
+                        <p:cond delay="indefinite"/>
+                      </p:stCondLst>
+                      <p:childTnLst>
+                        <p:par>
+                          <p:cTn id="4" fill="hold">
+                            <p:stCondLst>
+                              <p:cond delay="0"/>
+                            </p:stCondLst>
+                            <p:childTnLst>
+                              <p:par>
+                                <p:cTn id="5" presetClass="entr" nodeType="clickEffect" presetSubtype="0" presetID="1" grpId="1" fill="hold">
+                                  <p:stCondLst>
+                                    <p:cond delay="0"/>
+                                  </p:stCondLst>
+                                  <p:iterate type="el" backwards="0">
+                                    <p:tmAbs val="0"/>
+                                  </p:iterate>
+                                  <p:childTnLst>
+                                    <p:set>
+                                      <p:cBhvr>
+                                        <p:cTn id="6" fill="hold"/>
+                                        <p:tgtEl>
+                                          <p:spTgt spid="150"/>
+                                        </p:tgtEl>
+                                        <p:attrNameLst>
+                                          <p:attrName>style.visibility</p:attrName>
+                                        </p:attrNameLst>
+                                      </p:cBhvr>
+                                      <p:to>
+                                        <p:strVal val="visible"/>
+                                      </p:to>
+                                    </p:set>
+                                  </p:childTnLst>
+                                </p:cTn>
+                              </p:par>
+                            </p:childTnLst>
+                          </p:cTn>
+                        </p:par>
+                      </p:childTnLst>
+                    </p:cTn>
+                  </p:par>
+                  <p:par>
+                    <p:cTn id="7" fill="hold">
+                      <p:stCondLst>
+                        <p:cond delay="indefinite"/>
+                      </p:stCondLst>
+                      <p:childTnLst>
+                        <p:par>
+                          <p:cTn id="8" fill="hold">
+                            <p:stCondLst>
+                              <p:cond delay="0"/>
+                            </p:stCondLst>
+                            <p:childTnLst>
+                              <p:par>
+                                <p:cTn id="9" presetClass="entr" nodeType="clickEffect" presetSubtype="0" presetID="1" grpId="2" fill="hold">
+                                  <p:stCondLst>
+                                    <p:cond delay="0"/>
+                                  </p:stCondLst>
+                                  <p:iterate type="el" backwards="0">
+                                    <p:tmAbs val="0"/>
+                                  </p:iterate>
+                                  <p:childTnLst>
+                                    <p:set>
+                                      <p:cBhvr>
+                                        <p:cTn id="10" fill="hold"/>
+                                        <p:tgtEl>
+                                          <p:spTgt spid="151"/>
+                                        </p:tgtEl>
+                                        <p:attrNameLst>
+                                          <p:attrName>style.visibility</p:attrName>
+                                        </p:attrNameLst>
+                                      </p:cBhvr>
+                                      <p:to>
+                                        <p:strVal val="visible"/>
+                                      </p:to>
+                                    </p:set>
+                                  </p:childTnLst>
+                                </p:cTn>
+                              </p:par>
+                            </p:childTnLst>
+                          </p:cTn>
+                        </p:par>
+                      </p:childTnLst>
+                    </p:cTn>
+                  </p:par>
+                  <p:par>
+                    <p:cTn id="11" fill="hold">
+                      <p:stCondLst>
+                        <p:cond delay="indefinite"/>
+                      </p:stCondLst>
+                      <p:childTnLst>
+                        <p:par>
+                          <p:cTn id="12" fill="hold">
+                            <p:stCondLst>
+                              <p:cond delay="0"/>
+                            </p:stCondLst>
+                            <p:childTnLst>
+                              <p:par>
+                                <p:cTn id="13" presetClass="entr" nodeType="clickEffect" presetSubtype="0" presetID="1" grpId="3" fill="hold">
+                                  <p:stCondLst>
+                                    <p:cond delay="0"/>
+                                  </p:stCondLst>
+                                  <p:iterate type="el" backwards="0">
+                                    <p:tmAbs val="0"/>
+                                  </p:iterate>
+                                  <p:childTnLst>
+                                    <p:set>
+                                      <p:cBhvr>
+                                        <p:cTn id="14" fill="hold"/>
+                                        <p:tgtEl>
+                                          <p:spTgt spid="152"/>
+                                        </p:tgtEl>
+                                        <p:attrNameLst>
+                                          <p:attrName>style.visibility</p:attrName>
+                                        </p:attrNameLst>
+                                      </p:cBhvr>
+                                      <p:to>
+                                        <p:strVal val="visible"/>
+                                      </p:to>
+                                    </p:set>
+                                  </p:childTnLst>
+                                </p:cTn>
+                              </p:par>
+                            </p:childTnLst>
+                          </p:cTn>
+                        </p:par>
+                      </p:childTnLst>
+                    </p:cTn>
+                  </p:par>
+                  <p:par>
+                    <p:cTn id="15" fill="hold">
+                      <p:stCondLst>
+                        <p:cond delay="indefinite"/>
+                      </p:stCondLst>
+                      <p:childTnLst>
+                        <p:par>
+                          <p:cTn id="16" fill="hold">
+                            <p:stCondLst>
+                              <p:cond delay="0"/>
+                            </p:stCondLst>
+                            <p:childTnLst>
+                              <p:par>
+                                <p:cTn id="17" presetClass="entr" nodeType="clickEffect" presetSubtype="0" presetID="1" grpId="4" fill="hold">
+                                  <p:stCondLst>
+                                    <p:cond delay="0"/>
+                                  </p:stCondLst>
+                                  <p:iterate type="el" backwards="0">
+                                    <p:tmAbs val="0"/>
+                                  </p:iterate>
+                                  <p:childTnLst>
+                                    <p:set>
+                                      <p:cBhvr>
+                                        <p:cTn id="18" fill="hold"/>
+                                        <p:tgtEl>
+                                          <p:spTgt spid="153"/>
+                                        </p:tgtEl>
+                                        <p:attrNameLst>
+                                          <p:attrName>style.visibility</p:attrName>
+                                        </p:attrNameLst>
+                                      </p:cBhvr>
+                                      <p:to>
+                                        <p:strVal val="visible"/>
+                                      </p:to>
+                                    </p:set>
+                                  </p:childTnLst>
+                                </p:cTn>
+                              </p:par>
+                            </p:childTnLst>
+                          </p:cTn>
+                        </p:par>
+                      </p:childTnLst>
+                    </p:cTn>
+                  </p:par>
+                </p:childTnLst>
+              </p:cTn>
+              <p:prevCondLst>
+                <p:cond evt="onPrev">
+                  <p:tgtEl>
+                    <p:sldTgt/>
+                  </p:tgtEl>
+                </p:cond>
+              </p:prevCondLst>
+              <p:nextCondLst>
+                <p:cond evt="onNext">
+                  <p:tgtEl>
+                    <p:sldTgt/>
+                  </p:tgtEl>
+                </p:cond>
+              </p:nextCondLst>
+            </p:seq>
+          </p:childTnLst>
+        </p:cTn>
+      </p:par>
+    </p:tnLst>
+    <p:bldLst>
+      <p:bldP build="whole" bldLvl="1" animBg="1" rev="0" advAuto="0" spid="151" grpId="2"/>
+      <p:bldP build="whole" bldLvl="1" animBg="1" rev="0" advAuto="0" spid="153" grpId="4"/>
+      <p:bldP build="whole" bldLvl="1" animBg="1" rev="0" advAuto="0" spid="152" grpId="3"/>
+      <p:bldP build="whole" bldLvl="1" animBg="1" rev="0" advAuto="0" spid="150" grpId="1"/>
+    </p:bldLst>
+  </p:timing>
 </p:sld>
 </file>
 
 <file path=ppt/slides/slide9.xml><?xml version="1.0" encoding="utf-8"?>
-<p:sld xmlns:a="http://schemas.openxmlformats.org/drawingml/2006/main" xmlns:r="http://schemas.openxmlformats.org/officeDocument/2006/relationships" xmlns:p="http://schemas.openxmlformats.org/presentationml/2006/main">
+<p:sld xmlns:a="http://schemas.openxmlformats.org/drawingml/2006/main" xmlns:r="http://schemas.openxmlformats.org/officeDocument/2006/relationships" xmlns:p="http://schemas.openxmlformats.org/presentationml/2006/main" showMasterSp="1" showMasterPhAnim="1">
   <p:cSld>
     <p:bg>
       <p:bgPr>
         <a:solidFill>
           <a:srgbClr val="739A98"/>
         </a:solidFill>
-        <a:effectLst/>
       </p:bgPr>
     </p:bg>
     <p:spTree>
@@ -8919,7 +9381,7 @@
         </p:nvSpPr>
         <p:spPr>
           <a:xfrm>
-            <a:off x="1190748" y="330199"/>
+            <a:off x="1190748" y="330198"/>
             <a:ext cx="3749329" cy="736601"/>
           </a:xfrm>
           <a:prstGeom prst="rect">
@@ -8930,7 +9392,7 @@
           </a:ln>
           <a:extLst>
             <a:ext uri="{C572A759-6A51-4108-AA02-DFA0A04FC94B}">
-              <ma14:wrappingTextBoxFlag xmlns:ma14="http://schemas.microsoft.com/office/mac/drawingml/2011/main" xmlns="" val="1"/>
+              <ma14:wrappingTextBoxFlag xmlns:ma14="http://schemas.microsoft.com/office/mac/drawingml/2011/main" val="1"/>
             </a:ext>
           </a:extLst>
         </p:spPr>
@@ -8954,6 +9416,7 @@
             </a:lvl1pPr>
           </a:lstStyle>
           <a:p>
+            <a:pPr/>
             <a:r>
               <a:t>联合类型</a:t>
             </a:r>
@@ -8979,7 +9442,7 @@
         <p:spPr>
           <a:xfrm>
             <a:off x="5204828" y="2642046"/>
-            <a:ext cx="3992144" cy="1036721"/>
+            <a:ext cx="3992144" cy="1036722"/>
           </a:xfrm>
           <a:prstGeom prst="rect">
             <a:avLst/>
@@ -9023,13 +9486,13 @@
   <p:clrMapOvr>
     <a:masterClrMapping/>
   </p:clrMapOvr>
-  <mc:AlternateContent xmlns:mc="http://schemas.openxmlformats.org/markup-compatibility/2006" xmlns:p14="http://schemas.microsoft.com/office/powerpoint/2010/main">
-    <mc:Choice Requires="p14">
-      <p:transition spd="slow" p14:dur="1200">
+  <mc:AlternateContent xmlns:mc="http://schemas.openxmlformats.org/markup-compatibility/2006">
+    <mc:Choice xmlns:p14="http://schemas.microsoft.com/office/powerpoint/2010/main" Requires="p14">
+      <p:transition spd="slow" advClick="1" p14:dur="1200">
         <p:dissolve/>
       </p:transition>
     </mc:Choice>
-    <mc:Fallback xmlns="">
+    <mc:Fallback>
       <p:transition spd="slow">
         <p:fade/>
       </p:transition>
@@ -9038,10 +9501,10 @@
   <p:timing>
     <p:tnLst>
       <p:par>
-        <p:cTn id="1" dur="indefinite" restart="never" fill="hold" nodeType="tmRoot">
+        <p:cTn id="1" nodeType="tmRoot" restart="never" dur="indefinite" fill="hold">
           <p:childTnLst>
             <p:seq concurrent="1" prevAc="none" nextAc="seek">
-              <p:cTn id="2" dur="indefinite" fill="hold" nodeType="mainSeq">
+              <p:cTn id="2" nodeType="mainSeq" dur="indefinite" fill="hold">
                 <p:childTnLst>
                   <p:par>
                     <p:cTn id="3" fill="hold">
@@ -9056,11 +9519,11 @@
                             </p:stCondLst>
                             <p:childTnLst>
                               <p:par>
-                                <p:cTn id="5" presetID="1" presetClass="entr" presetSubtype="0" fill="hold" grpId="1" nodeType="clickEffect">
+                                <p:cTn id="5" presetClass="entr" nodeType="clickEffect" presetSubtype="0" presetID="1" grpId="1" fill="hold">
                                   <p:stCondLst>
                                     <p:cond delay="0"/>
                                   </p:stCondLst>
-                                  <p:iterate>
+                                  <p:iterate type="el" backwards="0">
                                     <p:tmAbs val="0"/>
                                   </p:iterate>
                                   <p:childTnLst>
@@ -9090,14 +9553,14 @@
                 </p:childTnLst>
               </p:cTn>
               <p:prevCondLst>
-                <p:cond evt="onPrev" delay="0">
+                <p:cond evt="onPrev">
                   <p:tgtEl>
                     <p:sldTgt/>
                   </p:tgtEl>
                 </p:cond>
               </p:prevCondLst>
               <p:nextCondLst>
-                <p:cond evt="onNext" delay="0">
+                <p:cond evt="onNext">
                   <p:tgtEl>
                     <p:sldTgt/>
                   </p:tgtEl>
@@ -9109,14 +9572,14 @@
       </p:par>
     </p:tnLst>
     <p:bldLst>
-      <p:bldP spid="157" grpId="1" animBg="1" advAuto="0"/>
+      <p:bldP build="whole" bldLvl="1" animBg="1" rev="0" advAuto="0" spid="157" grpId="1"/>
     </p:bldLst>
   </p:timing>
 </p:sld>
 </file>
 
 <file path=ppt/theme/theme1.xml><?xml version="1.0" encoding="utf-8"?>
-<a:theme xmlns:a="http://schemas.openxmlformats.org/drawingml/2006/main" name="White">
+<a:theme xmlns:a="http://schemas.openxmlformats.org/drawingml/2006/main" xmlns:r="http://schemas.openxmlformats.org/officeDocument/2006/relationships" name="White">
   <a:themeElements>
     <a:clrScheme name="White">
       <a:dk1>
@@ -9242,7 +9705,7 @@
       <a:effectStyleLst>
         <a:effectStyle>
           <a:effectLst>
-            <a:outerShdw blurRad="38100" dist="23000" dir="5400000" rotWithShape="0">
+            <a:outerShdw sx="100000" sy="100000" kx="0" ky="0" algn="b" rotWithShape="0" blurRad="38100" dist="23000" dir="5400000">
               <a:srgbClr val="000000">
                 <a:alpha val="35000"/>
               </a:srgbClr>
@@ -9251,7 +9714,7 @@
         </a:effectStyle>
         <a:effectStyle>
           <a:effectLst>
-            <a:outerShdw blurRad="38100" dist="23000" dir="5400000" rotWithShape="0">
+            <a:outerShdw sx="100000" sy="100000" kx="0" ky="0" algn="b" rotWithShape="0" blurRad="38100" dist="23000" dir="5400000">
               <a:srgbClr val="000000">
                 <a:alpha val="35000"/>
               </a:srgbClr>
@@ -9260,7 +9723,7 @@
         </a:effectStyle>
         <a:effectStyle>
           <a:effectLst>
-            <a:outerShdw blurRad="38100" dist="23000" dir="5400000" rotWithShape="0">
+            <a:outerShdw sx="100000" sy="100000" kx="0" ky="0" algn="b" rotWithShape="0" blurRad="38100" dist="23000" dir="5400000">
               <a:srgbClr val="000000">
                 <a:alpha val="35000"/>
               </a:srgbClr>
@@ -9334,7 +9797,7 @@
           <a:round/>
         </a:ln>
         <a:effectLst>
-          <a:outerShdw blurRad="38100" dist="23000" dir="5400000" rotWithShape="0">
+          <a:outerShdw sx="100000" sy="100000" kx="0" ky="0" algn="b" rotWithShape="0" blurRad="38100" dist="23000" dir="5400000">
             <a:srgbClr val="000000">
               <a:alpha val="35000"/>
             </a:srgbClr>
@@ -9342,7 +9805,7 @@
         </a:effectLst>
         <a:sp3d/>
       </a:spPr>
-      <a:bodyPr rot="0" spcFirstLastPara="1" vertOverflow="overflow" horzOverflow="overflow" vert="horz" wrap="square" lIns="45718" tIns="45718" rIns="45718" bIns="45718" numCol="1" spcCol="38100" rtlCol="0" anchor="ctr">
+      <a:bodyPr rot="0" spcFirstLastPara="1" vertOverflow="overflow" horzOverflow="overflow" vert="horz" wrap="square" lIns="45718" tIns="45718" rIns="45718" bIns="45718" numCol="1" spcCol="38100" rtlCol="0" anchor="ctr" upright="0">
         <a:spAutoFit/>
       </a:bodyPr>
       <a:lstStyle>
@@ -9361,7 +9824,7 @@
           <a:buFontTx/>
           <a:buNone/>
           <a:tabLst/>
-          <a:defRPr kumimoji="0" sz="2800" b="0" i="0" u="none" strike="noStrike" cap="none" spc="0" normalizeH="0" baseline="0">
+          <a:defRPr b="0" baseline="0" cap="none" i="0" spc="0" strike="noStrike" sz="2800" u="none" kumimoji="0" normalizeH="0">
             <a:ln>
               <a:noFill/>
             </a:ln>
@@ -9391,7 +9854,7 @@
           <a:buFontTx/>
           <a:buNone/>
           <a:tabLst/>
-          <a:defRPr kumimoji="0" sz="1800" b="0" i="0" u="none" strike="noStrike" cap="none" spc="0" normalizeH="0" baseline="0">
+          <a:defRPr b="0" baseline="0" cap="none" i="0" spc="0" strike="noStrike" sz="1800" u="none" kumimoji="0" normalizeH="0">
             <a:ln>
               <a:noFill/>
             </a:ln>
@@ -9417,7 +9880,7 @@
           <a:buFontTx/>
           <a:buNone/>
           <a:tabLst/>
-          <a:defRPr kumimoji="0" sz="1800" b="0" i="0" u="none" strike="noStrike" cap="none" spc="0" normalizeH="0" baseline="0">
+          <a:defRPr b="0" baseline="0" cap="none" i="0" spc="0" strike="noStrike" sz="1800" u="none" kumimoji="0" normalizeH="0">
             <a:ln>
               <a:noFill/>
             </a:ln>
@@ -9443,7 +9906,7 @@
           <a:buFontTx/>
           <a:buNone/>
           <a:tabLst/>
-          <a:defRPr kumimoji="0" sz="1800" b="0" i="0" u="none" strike="noStrike" cap="none" spc="0" normalizeH="0" baseline="0">
+          <a:defRPr b="0" baseline="0" cap="none" i="0" spc="0" strike="noStrike" sz="1800" u="none" kumimoji="0" normalizeH="0">
             <a:ln>
               <a:noFill/>
             </a:ln>
@@ -9469,7 +9932,7 @@
           <a:buFontTx/>
           <a:buNone/>
           <a:tabLst/>
-          <a:defRPr kumimoji="0" sz="1800" b="0" i="0" u="none" strike="noStrike" cap="none" spc="0" normalizeH="0" baseline="0">
+          <a:defRPr b="0" baseline="0" cap="none" i="0" spc="0" strike="noStrike" sz="1800" u="none" kumimoji="0" normalizeH="0">
             <a:ln>
               <a:noFill/>
             </a:ln>
@@ -9495,7 +9958,7 @@
           <a:buFontTx/>
           <a:buNone/>
           <a:tabLst/>
-          <a:defRPr kumimoji="0" sz="1800" b="0" i="0" u="none" strike="noStrike" cap="none" spc="0" normalizeH="0" baseline="0">
+          <a:defRPr b="0" baseline="0" cap="none" i="0" spc="0" strike="noStrike" sz="1800" u="none" kumimoji="0" normalizeH="0">
             <a:ln>
               <a:noFill/>
             </a:ln>
@@ -9521,7 +9984,7 @@
           <a:buFontTx/>
           <a:buNone/>
           <a:tabLst/>
-          <a:defRPr kumimoji="0" sz="1800" b="0" i="0" u="none" strike="noStrike" cap="none" spc="0" normalizeH="0" baseline="0">
+          <a:defRPr b="0" baseline="0" cap="none" i="0" spc="0" strike="noStrike" sz="1800" u="none" kumimoji="0" normalizeH="0">
             <a:ln>
               <a:noFill/>
             </a:ln>
@@ -9547,7 +10010,7 @@
           <a:buFontTx/>
           <a:buNone/>
           <a:tabLst/>
-          <a:defRPr kumimoji="0" sz="1800" b="0" i="0" u="none" strike="noStrike" cap="none" spc="0" normalizeH="0" baseline="0">
+          <a:defRPr b="0" baseline="0" cap="none" i="0" spc="0" strike="noStrike" sz="1800" u="none" kumimoji="0" normalizeH="0">
             <a:ln>
               <a:noFill/>
             </a:ln>
@@ -9573,7 +10036,7 @@
           <a:buFontTx/>
           <a:buNone/>
           <a:tabLst/>
-          <a:defRPr kumimoji="0" sz="1800" b="0" i="0" u="none" strike="noStrike" cap="none" spc="0" normalizeH="0" baseline="0">
+          <a:defRPr b="0" baseline="0" cap="none" i="0" spc="0" strike="noStrike" sz="1800" u="none" kumimoji="0" normalizeH="0">
             <a:ln>
               <a:noFill/>
             </a:ln>
@@ -9599,7 +10062,7 @@
           <a:buFontTx/>
           <a:buNone/>
           <a:tabLst/>
-          <a:defRPr kumimoji="0" sz="1800" b="0" i="0" u="none" strike="noStrike" cap="none" spc="0" normalizeH="0" baseline="0">
+          <a:defRPr b="0" baseline="0" cap="none" i="0" spc="0" strike="noStrike" sz="1800" u="none" kumimoji="0" normalizeH="0">
             <a:ln>
               <a:noFill/>
             </a:ln>
@@ -9612,15 +10075,9 @@
         </a:lvl9pPr>
       </a:lstStyle>
       <a:style>
-        <a:lnRef idx="0">
-          <a:scrgbClr r="0" g="0" b="0"/>
-        </a:lnRef>
-        <a:fillRef idx="0">
-          <a:scrgbClr r="0" g="0" b="0"/>
-        </a:fillRef>
-        <a:effectRef idx="0">
-          <a:scrgbClr r="0" g="0" b="0"/>
-        </a:effectRef>
+        <a:lnRef idx="0"/>
+        <a:fillRef idx="0"/>
+        <a:effectRef idx="0"/>
         <a:fontRef idx="none"/>
       </a:style>
     </a:spDef>
@@ -9635,7 +10092,7 @@
           <a:round/>
         </a:ln>
         <a:effectLst>
-          <a:outerShdw blurRad="38100" dist="23000" dir="5400000" rotWithShape="0">
+          <a:outerShdw sx="100000" sy="100000" kx="0" ky="0" algn="b" rotWithShape="0" blurRad="38100" dist="23000" dir="5400000">
             <a:srgbClr val="000000">
               <a:alpha val="35000"/>
             </a:srgbClr>
@@ -9643,7 +10100,7 @@
         </a:effectLst>
         <a:sp3d/>
       </a:spPr>
-      <a:bodyPr rot="0" spcFirstLastPara="1" vertOverflow="overflow" horzOverflow="overflow" vert="horz" wrap="square" lIns="91439" tIns="45719" rIns="91439" bIns="45719" numCol="1" spcCol="38100" rtlCol="0" anchor="t">
+      <a:bodyPr rot="0" spcFirstLastPara="1" vertOverflow="overflow" horzOverflow="overflow" vert="horz" wrap="square" lIns="91439" tIns="45719" rIns="91439" bIns="45719" numCol="1" spcCol="38100" rtlCol="0" anchor="t" upright="0">
         <a:noAutofit/>
       </a:bodyPr>
       <a:lstStyle>
@@ -9662,7 +10119,7 @@
           <a:buFontTx/>
           <a:buNone/>
           <a:tabLst/>
-          <a:defRPr kumimoji="0" sz="1800" b="0" i="0" u="none" strike="noStrike" cap="none" spc="0" normalizeH="0" baseline="0">
+          <a:defRPr b="0" baseline="0" cap="none" i="0" spc="0" strike="noStrike" sz="1800" u="none" kumimoji="0" normalizeH="0">
             <a:ln>
               <a:noFill/>
             </a:ln>
@@ -9688,7 +10145,7 @@
           <a:buFontTx/>
           <a:buNone/>
           <a:tabLst/>
-          <a:defRPr kumimoji="0" sz="1800" b="0" i="0" u="none" strike="noStrike" cap="none" spc="0" normalizeH="0" baseline="0">
+          <a:defRPr b="0" baseline="0" cap="none" i="0" spc="0" strike="noStrike" sz="1800" u="none" kumimoji="0" normalizeH="0">
             <a:ln>
               <a:noFill/>
             </a:ln>
@@ -9714,7 +10171,7 @@
           <a:buFontTx/>
           <a:buNone/>
           <a:tabLst/>
-          <a:defRPr kumimoji="0" sz="1800" b="0" i="0" u="none" strike="noStrike" cap="none" spc="0" normalizeH="0" baseline="0">
+          <a:defRPr b="0" baseline="0" cap="none" i="0" spc="0" strike="noStrike" sz="1800" u="none" kumimoji="0" normalizeH="0">
             <a:ln>
               <a:noFill/>
             </a:ln>
@@ -9740,7 +10197,7 @@
           <a:buFontTx/>
           <a:buNone/>
           <a:tabLst/>
-          <a:defRPr kumimoji="0" sz="1800" b="0" i="0" u="none" strike="noStrike" cap="none" spc="0" normalizeH="0" baseline="0">
+          <a:defRPr b="0" baseline="0" cap="none" i="0" spc="0" strike="noStrike" sz="1800" u="none" kumimoji="0" normalizeH="0">
             <a:ln>
               <a:noFill/>
             </a:ln>
@@ -9766,7 +10223,7 @@
           <a:buFontTx/>
           <a:buNone/>
           <a:tabLst/>
-          <a:defRPr kumimoji="0" sz="1800" b="0" i="0" u="none" strike="noStrike" cap="none" spc="0" normalizeH="0" baseline="0">
+          <a:defRPr b="0" baseline="0" cap="none" i="0" spc="0" strike="noStrike" sz="1800" u="none" kumimoji="0" normalizeH="0">
             <a:ln>
               <a:noFill/>
             </a:ln>
@@ -9792,7 +10249,7 @@
           <a:buFontTx/>
           <a:buNone/>
           <a:tabLst/>
-          <a:defRPr kumimoji="0" sz="1800" b="0" i="0" u="none" strike="noStrike" cap="none" spc="0" normalizeH="0" baseline="0">
+          <a:defRPr b="0" baseline="0" cap="none" i="0" spc="0" strike="noStrike" sz="1800" u="none" kumimoji="0" normalizeH="0">
             <a:ln>
               <a:noFill/>
             </a:ln>
@@ -9818,7 +10275,7 @@
           <a:buFontTx/>
           <a:buNone/>
           <a:tabLst/>
-          <a:defRPr kumimoji="0" sz="1800" b="0" i="0" u="none" strike="noStrike" cap="none" spc="0" normalizeH="0" baseline="0">
+          <a:defRPr b="0" baseline="0" cap="none" i="0" spc="0" strike="noStrike" sz="1800" u="none" kumimoji="0" normalizeH="0">
             <a:ln>
               <a:noFill/>
             </a:ln>
@@ -9844,7 +10301,7 @@
           <a:buFontTx/>
           <a:buNone/>
           <a:tabLst/>
-          <a:defRPr kumimoji="0" sz="1800" b="0" i="0" u="none" strike="noStrike" cap="none" spc="0" normalizeH="0" baseline="0">
+          <a:defRPr b="0" baseline="0" cap="none" i="0" spc="0" strike="noStrike" sz="1800" u="none" kumimoji="0" normalizeH="0">
             <a:ln>
               <a:noFill/>
             </a:ln>
@@ -9870,7 +10327,7 @@
           <a:buFontTx/>
           <a:buNone/>
           <a:tabLst/>
-          <a:defRPr kumimoji="0" sz="1800" b="0" i="0" u="none" strike="noStrike" cap="none" spc="0" normalizeH="0" baseline="0">
+          <a:defRPr b="0" baseline="0" cap="none" i="0" spc="0" strike="noStrike" sz="1800" u="none" kumimoji="0" normalizeH="0">
             <a:ln>
               <a:noFill/>
             </a:ln>
@@ -9896,7 +10353,7 @@
           <a:buFontTx/>
           <a:buNone/>
           <a:tabLst/>
-          <a:defRPr kumimoji="0" sz="1800" b="0" i="0" u="none" strike="noStrike" cap="none" spc="0" normalizeH="0" baseline="0">
+          <a:defRPr b="0" baseline="0" cap="none" i="0" spc="0" strike="noStrike" sz="1800" u="none" kumimoji="0" normalizeH="0">
             <a:ln>
               <a:noFill/>
             </a:ln>
@@ -9909,15 +10366,9 @@
         </a:lvl9pPr>
       </a:lstStyle>
       <a:style>
-        <a:lnRef idx="0">
-          <a:scrgbClr r="0" g="0" b="0"/>
-        </a:lnRef>
-        <a:fillRef idx="0">
-          <a:scrgbClr r="0" g="0" b="0"/>
-        </a:fillRef>
-        <a:effectRef idx="0">
-          <a:scrgbClr r="0" g="0" b="0"/>
-        </a:effectRef>
+        <a:lnRef idx="0"/>
+        <a:fillRef idx="0"/>
+        <a:effectRef idx="0"/>
         <a:fontRef idx="none"/>
       </a:style>
     </a:lnDef>
@@ -9931,7 +10382,7 @@
         <a:effectLst/>
         <a:sp3d/>
       </a:spPr>
-      <a:bodyPr rot="0" spcFirstLastPara="1" vertOverflow="overflow" horzOverflow="overflow" vert="horz" wrap="square" lIns="50800" tIns="50800" rIns="50800" bIns="50800" numCol="1" spcCol="38100" rtlCol="0" anchor="ctr">
+      <a:bodyPr rot="0" spcFirstLastPara="1" vertOverflow="overflow" horzOverflow="overflow" vert="horz" wrap="square" lIns="50800" tIns="50800" rIns="50800" bIns="50800" numCol="1" spcCol="38100" rtlCol="0" anchor="ctr" upright="0">
         <a:spAutoFit/>
       </a:bodyPr>
       <a:lstStyle>
@@ -9950,7 +10401,7 @@
           <a:buFontTx/>
           <a:buNone/>
           <a:tabLst/>
-          <a:defRPr kumimoji="0" sz="2800" b="0" i="0" u="none" strike="noStrike" cap="none" spc="0" normalizeH="0" baseline="0">
+          <a:defRPr b="0" baseline="0" cap="none" i="0" spc="0" strike="noStrike" sz="2800" u="none" kumimoji="0" normalizeH="0">
             <a:ln>
               <a:noFill/>
             </a:ln>
@@ -9980,7 +10431,7 @@
           <a:buFontTx/>
           <a:buNone/>
           <a:tabLst/>
-          <a:defRPr kumimoji="0" sz="1800" b="0" i="0" u="none" strike="noStrike" cap="none" spc="0" normalizeH="0" baseline="0">
+          <a:defRPr b="0" baseline="0" cap="none" i="0" spc="0" strike="noStrike" sz="1800" u="none" kumimoji="0" normalizeH="0">
             <a:ln>
               <a:noFill/>
             </a:ln>
@@ -10006,7 +10457,7 @@
           <a:buFontTx/>
           <a:buNone/>
           <a:tabLst/>
-          <a:defRPr kumimoji="0" sz="1800" b="0" i="0" u="none" strike="noStrike" cap="none" spc="0" normalizeH="0" baseline="0">
+          <a:defRPr b="0" baseline="0" cap="none" i="0" spc="0" strike="noStrike" sz="1800" u="none" kumimoji="0" normalizeH="0">
             <a:ln>
               <a:noFill/>
             </a:ln>
@@ -10032,7 +10483,7 @@
           <a:buFontTx/>
           <a:buNone/>
           <a:tabLst/>
-          <a:defRPr kumimoji="0" sz="1800" b="0" i="0" u="none" strike="noStrike" cap="none" spc="0" normalizeH="0" baseline="0">
+          <a:defRPr b="0" baseline="0" cap="none" i="0" spc="0" strike="noStrike" sz="1800" u="none" kumimoji="0" normalizeH="0">
             <a:ln>
               <a:noFill/>
             </a:ln>
@@ -10058,7 +10509,7 @@
           <a:buFontTx/>
           <a:buNone/>
           <a:tabLst/>
-          <a:defRPr kumimoji="0" sz="1800" b="0" i="0" u="none" strike="noStrike" cap="none" spc="0" normalizeH="0" baseline="0">
+          <a:defRPr b="0" baseline="0" cap="none" i="0" spc="0" strike="noStrike" sz="1800" u="none" kumimoji="0" normalizeH="0">
             <a:ln>
               <a:noFill/>
             </a:ln>
@@ -10084,7 +10535,7 @@
           <a:buFontTx/>
           <a:buNone/>
           <a:tabLst/>
-          <a:defRPr kumimoji="0" sz="1800" b="0" i="0" u="none" strike="noStrike" cap="none" spc="0" normalizeH="0" baseline="0">
+          <a:defRPr b="0" baseline="0" cap="none" i="0" spc="0" strike="noStrike" sz="1800" u="none" kumimoji="0" normalizeH="0">
             <a:ln>
               <a:noFill/>
             </a:ln>
@@ -10110,7 +10561,7 @@
           <a:buFontTx/>
           <a:buNone/>
           <a:tabLst/>
-          <a:defRPr kumimoji="0" sz="1800" b="0" i="0" u="none" strike="noStrike" cap="none" spc="0" normalizeH="0" baseline="0">
+          <a:defRPr b="0" baseline="0" cap="none" i="0" spc="0" strike="noStrike" sz="1800" u="none" kumimoji="0" normalizeH="0">
             <a:ln>
               <a:noFill/>
             </a:ln>
@@ -10136,7 +10587,7 @@
           <a:buFontTx/>
           <a:buNone/>
           <a:tabLst/>
-          <a:defRPr kumimoji="0" sz="1800" b="0" i="0" u="none" strike="noStrike" cap="none" spc="0" normalizeH="0" baseline="0">
+          <a:defRPr b="0" baseline="0" cap="none" i="0" spc="0" strike="noStrike" sz="1800" u="none" kumimoji="0" normalizeH="0">
             <a:ln>
               <a:noFill/>
             </a:ln>
@@ -10162,7 +10613,7 @@
           <a:buFontTx/>
           <a:buNone/>
           <a:tabLst/>
-          <a:defRPr kumimoji="0" sz="1800" b="0" i="0" u="none" strike="noStrike" cap="none" spc="0" normalizeH="0" baseline="0">
+          <a:defRPr b="0" baseline="0" cap="none" i="0" spc="0" strike="noStrike" sz="1800" u="none" kumimoji="0" normalizeH="0">
             <a:ln>
               <a:noFill/>
             </a:ln>
@@ -10188,7 +10639,7 @@
           <a:buFontTx/>
           <a:buNone/>
           <a:tabLst/>
-          <a:defRPr kumimoji="0" sz="1800" b="0" i="0" u="none" strike="noStrike" cap="none" spc="0" normalizeH="0" baseline="0">
+          <a:defRPr b="0" baseline="0" cap="none" i="0" spc="0" strike="noStrike" sz="1800" u="none" kumimoji="0" normalizeH="0">
             <a:ln>
               <a:noFill/>
             </a:ln>
@@ -10201,25 +10652,18 @@
         </a:lvl9pPr>
       </a:lstStyle>
       <a:style>
-        <a:lnRef idx="0">
-          <a:scrgbClr r="0" g="0" b="0"/>
-        </a:lnRef>
-        <a:fillRef idx="0">
-          <a:scrgbClr r="0" g="0" b="0"/>
-        </a:fillRef>
-        <a:effectRef idx="0">
-          <a:scrgbClr r="0" g="0" b="0"/>
-        </a:effectRef>
+        <a:lnRef idx="0"/>
+        <a:fillRef idx="0"/>
+        <a:effectRef idx="0"/>
         <a:fontRef idx="none"/>
       </a:style>
     </a:txDef>
   </a:objectDefaults>
-  <a:extraClrSchemeLst/>
 </a:theme>
 </file>
 
 <file path=ppt/theme/theme2.xml><?xml version="1.0" encoding="utf-8"?>
-<a:theme xmlns:a="http://schemas.openxmlformats.org/drawingml/2006/main" name="White">
+<a:theme xmlns:a="http://schemas.openxmlformats.org/drawingml/2006/main" xmlns:r="http://schemas.openxmlformats.org/officeDocument/2006/relationships" name="White">
   <a:themeElements>
     <a:clrScheme name="White">
       <a:dk1>
@@ -10345,7 +10789,7 @@
       <a:effectStyleLst>
         <a:effectStyle>
           <a:effectLst>
-            <a:outerShdw blurRad="38100" dist="23000" dir="5400000" rotWithShape="0">
+            <a:outerShdw sx="100000" sy="100000" kx="0" ky="0" algn="b" rotWithShape="0" blurRad="38100" dist="23000" dir="5400000">
               <a:srgbClr val="000000">
                 <a:alpha val="35000"/>
               </a:srgbClr>
@@ -10354,7 +10798,7 @@
         </a:effectStyle>
         <a:effectStyle>
           <a:effectLst>
-            <a:outerShdw blurRad="38100" dist="23000" dir="5400000" rotWithShape="0">
+            <a:outerShdw sx="100000" sy="100000" kx="0" ky="0" algn="b" rotWithShape="0" blurRad="38100" dist="23000" dir="5400000">
               <a:srgbClr val="000000">
                 <a:alpha val="35000"/>
               </a:srgbClr>
@@ -10363,7 +10807,7 @@
         </a:effectStyle>
         <a:effectStyle>
           <a:effectLst>
-            <a:outerShdw blurRad="38100" dist="23000" dir="5400000" rotWithShape="0">
+            <a:outerShdw sx="100000" sy="100000" kx="0" ky="0" algn="b" rotWithShape="0" blurRad="38100" dist="23000" dir="5400000">
               <a:srgbClr val="000000">
                 <a:alpha val="35000"/>
               </a:srgbClr>
@@ -10437,7 +10881,7 @@
           <a:round/>
         </a:ln>
         <a:effectLst>
-          <a:outerShdw blurRad="38100" dist="23000" dir="5400000" rotWithShape="0">
+          <a:outerShdw sx="100000" sy="100000" kx="0" ky="0" algn="b" rotWithShape="0" blurRad="38100" dist="23000" dir="5400000">
             <a:srgbClr val="000000">
               <a:alpha val="35000"/>
             </a:srgbClr>
@@ -10445,7 +10889,7 @@
         </a:effectLst>
         <a:sp3d/>
       </a:spPr>
-      <a:bodyPr rot="0" spcFirstLastPara="1" vertOverflow="overflow" horzOverflow="overflow" vert="horz" wrap="square" lIns="45718" tIns="45718" rIns="45718" bIns="45718" numCol="1" spcCol="38100" rtlCol="0" anchor="ctr">
+      <a:bodyPr rot="0" spcFirstLastPara="1" vertOverflow="overflow" horzOverflow="overflow" vert="horz" wrap="square" lIns="45718" tIns="45718" rIns="45718" bIns="45718" numCol="1" spcCol="38100" rtlCol="0" anchor="ctr" upright="0">
         <a:spAutoFit/>
       </a:bodyPr>
       <a:lstStyle>
@@ -10464,7 +10908,7 @@
           <a:buFontTx/>
           <a:buNone/>
           <a:tabLst/>
-          <a:defRPr kumimoji="0" sz="2800" b="0" i="0" u="none" strike="noStrike" cap="none" spc="0" normalizeH="0" baseline="0">
+          <a:defRPr b="0" baseline="0" cap="none" i="0" spc="0" strike="noStrike" sz="2800" u="none" kumimoji="0" normalizeH="0">
             <a:ln>
               <a:noFill/>
             </a:ln>
@@ -10494,7 +10938,7 @@
           <a:buFontTx/>
           <a:buNone/>
           <a:tabLst/>
-          <a:defRPr kumimoji="0" sz="1800" b="0" i="0" u="none" strike="noStrike" cap="none" spc="0" normalizeH="0" baseline="0">
+          <a:defRPr b="0" baseline="0" cap="none" i="0" spc="0" strike="noStrike" sz="1800" u="none" kumimoji="0" normalizeH="0">
             <a:ln>
               <a:noFill/>
             </a:ln>
@@ -10520,7 +10964,7 @@
           <a:buFontTx/>
           <a:buNone/>
           <a:tabLst/>
-          <a:defRPr kumimoji="0" sz="1800" b="0" i="0" u="none" strike="noStrike" cap="none" spc="0" normalizeH="0" baseline="0">
+          <a:defRPr b="0" baseline="0" cap="none" i="0" spc="0" strike="noStrike" sz="1800" u="none" kumimoji="0" normalizeH="0">
             <a:ln>
               <a:noFill/>
             </a:ln>
@@ -10546,7 +10990,7 @@
           <a:buFontTx/>
           <a:buNone/>
           <a:tabLst/>
-          <a:defRPr kumimoji="0" sz="1800" b="0" i="0" u="none" strike="noStrike" cap="none" spc="0" normalizeH="0" baseline="0">
+          <a:defRPr b="0" baseline="0" cap="none" i="0" spc="0" strike="noStrike" sz="1800" u="none" kumimoji="0" normalizeH="0">
             <a:ln>
               <a:noFill/>
             </a:ln>
@@ -10572,7 +11016,7 @@
           <a:buFontTx/>
           <a:buNone/>
           <a:tabLst/>
-          <a:defRPr kumimoji="0" sz="1800" b="0" i="0" u="none" strike="noStrike" cap="none" spc="0" normalizeH="0" baseline="0">
+          <a:defRPr b="0" baseline="0" cap="none" i="0" spc="0" strike="noStrike" sz="1800" u="none" kumimoji="0" normalizeH="0">
             <a:ln>
               <a:noFill/>
             </a:ln>
@@ -10598,7 +11042,7 @@
           <a:buFontTx/>
           <a:buNone/>
           <a:tabLst/>
-          <a:defRPr kumimoji="0" sz="1800" b="0" i="0" u="none" strike="noStrike" cap="none" spc="0" normalizeH="0" baseline="0">
+          <a:defRPr b="0" baseline="0" cap="none" i="0" spc="0" strike="noStrike" sz="1800" u="none" kumimoji="0" normalizeH="0">
             <a:ln>
               <a:noFill/>
             </a:ln>
@@ -10624,7 +11068,7 @@
           <a:buFontTx/>
           <a:buNone/>
           <a:tabLst/>
-          <a:defRPr kumimoji="0" sz="1800" b="0" i="0" u="none" strike="noStrike" cap="none" spc="0" normalizeH="0" baseline="0">
+          <a:defRPr b="0" baseline="0" cap="none" i="0" spc="0" strike="noStrike" sz="1800" u="none" kumimoji="0" normalizeH="0">
             <a:ln>
               <a:noFill/>
             </a:ln>
@@ -10650,7 +11094,7 @@
           <a:buFontTx/>
           <a:buNone/>
           <a:tabLst/>
-          <a:defRPr kumimoji="0" sz="1800" b="0" i="0" u="none" strike="noStrike" cap="none" spc="0" normalizeH="0" baseline="0">
+          <a:defRPr b="0" baseline="0" cap="none" i="0" spc="0" strike="noStrike" sz="1800" u="none" kumimoji="0" normalizeH="0">
             <a:ln>
               <a:noFill/>
             </a:ln>
@@ -10676,7 +11120,7 @@
           <a:buFontTx/>
           <a:buNone/>
           <a:tabLst/>
-          <a:defRPr kumimoji="0" sz="1800" b="0" i="0" u="none" strike="noStrike" cap="none" spc="0" normalizeH="0" baseline="0">
+          <a:defRPr b="0" baseline="0" cap="none" i="0" spc="0" strike="noStrike" sz="1800" u="none" kumimoji="0" normalizeH="0">
             <a:ln>
               <a:noFill/>
             </a:ln>
@@ -10702,7 +11146,7 @@
           <a:buFontTx/>
           <a:buNone/>
           <a:tabLst/>
-          <a:defRPr kumimoji="0" sz="1800" b="0" i="0" u="none" strike="noStrike" cap="none" spc="0" normalizeH="0" baseline="0">
+          <a:defRPr b="0" baseline="0" cap="none" i="0" spc="0" strike="noStrike" sz="1800" u="none" kumimoji="0" normalizeH="0">
             <a:ln>
               <a:noFill/>
             </a:ln>
@@ -10715,15 +11159,9 @@
         </a:lvl9pPr>
       </a:lstStyle>
       <a:style>
-        <a:lnRef idx="0">
-          <a:scrgbClr r="0" g="0" b="0"/>
-        </a:lnRef>
-        <a:fillRef idx="0">
-          <a:scrgbClr r="0" g="0" b="0"/>
-        </a:fillRef>
-        <a:effectRef idx="0">
-          <a:scrgbClr r="0" g="0" b="0"/>
-        </a:effectRef>
+        <a:lnRef idx="0"/>
+        <a:fillRef idx="0"/>
+        <a:effectRef idx="0"/>
         <a:fontRef idx="none"/>
       </a:style>
     </a:spDef>
@@ -10738,7 +11176,7 @@
           <a:round/>
         </a:ln>
         <a:effectLst>
-          <a:outerShdw blurRad="38100" dist="23000" dir="5400000" rotWithShape="0">
+          <a:outerShdw sx="100000" sy="100000" kx="0" ky="0" algn="b" rotWithShape="0" blurRad="38100" dist="23000" dir="5400000">
             <a:srgbClr val="000000">
               <a:alpha val="35000"/>
             </a:srgbClr>
@@ -10746,7 +11184,7 @@
         </a:effectLst>
         <a:sp3d/>
       </a:spPr>
-      <a:bodyPr rot="0" spcFirstLastPara="1" vertOverflow="overflow" horzOverflow="overflow" vert="horz" wrap="square" lIns="91439" tIns="45719" rIns="91439" bIns="45719" numCol="1" spcCol="38100" rtlCol="0" anchor="t">
+      <a:bodyPr rot="0" spcFirstLastPara="1" vertOverflow="overflow" horzOverflow="overflow" vert="horz" wrap="square" lIns="91439" tIns="45719" rIns="91439" bIns="45719" numCol="1" spcCol="38100" rtlCol="0" anchor="t" upright="0">
         <a:noAutofit/>
       </a:bodyPr>
       <a:lstStyle>
@@ -10765,7 +11203,7 @@
           <a:buFontTx/>
           <a:buNone/>
           <a:tabLst/>
-          <a:defRPr kumimoji="0" sz="1800" b="0" i="0" u="none" strike="noStrike" cap="none" spc="0" normalizeH="0" baseline="0">
+          <a:defRPr b="0" baseline="0" cap="none" i="0" spc="0" strike="noStrike" sz="1800" u="none" kumimoji="0" normalizeH="0">
             <a:ln>
               <a:noFill/>
             </a:ln>
@@ -10791,7 +11229,7 @@
           <a:buFontTx/>
           <a:buNone/>
           <a:tabLst/>
-          <a:defRPr kumimoji="0" sz="1800" b="0" i="0" u="none" strike="noStrike" cap="none" spc="0" normalizeH="0" baseline="0">
+          <a:defRPr b="0" baseline="0" cap="none" i="0" spc="0" strike="noStrike" sz="1800" u="none" kumimoji="0" normalizeH="0">
             <a:ln>
               <a:noFill/>
             </a:ln>
@@ -10817,7 +11255,7 @@
           <a:buFontTx/>
           <a:buNone/>
           <a:tabLst/>
-          <a:defRPr kumimoji="0" sz="1800" b="0" i="0" u="none" strike="noStrike" cap="none" spc="0" normalizeH="0" baseline="0">
+          <a:defRPr b="0" baseline="0" cap="none" i="0" spc="0" strike="noStrike" sz="1800" u="none" kumimoji="0" normalizeH="0">
             <a:ln>
               <a:noFill/>
             </a:ln>
@@ -10843,7 +11281,7 @@
           <a:buFontTx/>
           <a:buNone/>
           <a:tabLst/>
-          <a:defRPr kumimoji="0" sz="1800" b="0" i="0" u="none" strike="noStrike" cap="none" spc="0" normalizeH="0" baseline="0">
+          <a:defRPr b="0" baseline="0" cap="none" i="0" spc="0" strike="noStrike" sz="1800" u="none" kumimoji="0" normalizeH="0">
             <a:ln>
               <a:noFill/>
             </a:ln>
@@ -10869,7 +11307,7 @@
           <a:buFontTx/>
           <a:buNone/>
           <a:tabLst/>
-          <a:defRPr kumimoji="0" sz="1800" b="0" i="0" u="none" strike="noStrike" cap="none" spc="0" normalizeH="0" baseline="0">
+          <a:defRPr b="0" baseline="0" cap="none" i="0" spc="0" strike="noStrike" sz="1800" u="none" kumimoji="0" normalizeH="0">
             <a:ln>
               <a:noFill/>
             </a:ln>
@@ -10895,7 +11333,7 @@
           <a:buFontTx/>
           <a:buNone/>
           <a:tabLst/>
-          <a:defRPr kumimoji="0" sz="1800" b="0" i="0" u="none" strike="noStrike" cap="none" spc="0" normalizeH="0" baseline="0">
+          <a:defRPr b="0" baseline="0" cap="none" i="0" spc="0" strike="noStrike" sz="1800" u="none" kumimoji="0" normalizeH="0">
             <a:ln>
               <a:noFill/>
             </a:ln>
@@ -10921,7 +11359,7 @@
           <a:buFontTx/>
           <a:buNone/>
           <a:tabLst/>
-          <a:defRPr kumimoji="0" sz="1800" b="0" i="0" u="none" strike="noStrike" cap="none" spc="0" normalizeH="0" baseline="0">
+          <a:defRPr b="0" baseline="0" cap="none" i="0" spc="0" strike="noStrike" sz="1800" u="none" kumimoji="0" normalizeH="0">
             <a:ln>
               <a:noFill/>
             </a:ln>
@@ -10947,7 +11385,7 @@
           <a:buFontTx/>
           <a:buNone/>
           <a:tabLst/>
-          <a:defRPr kumimoji="0" sz="1800" b="0" i="0" u="none" strike="noStrike" cap="none" spc="0" normalizeH="0" baseline="0">
+          <a:defRPr b="0" baseline="0" cap="none" i="0" spc="0" strike="noStrike" sz="1800" u="none" kumimoji="0" normalizeH="0">
             <a:ln>
               <a:noFill/>
             </a:ln>
@@ -10973,7 +11411,7 @@
           <a:buFontTx/>
           <a:buNone/>
           <a:tabLst/>
-          <a:defRPr kumimoji="0" sz="1800" b="0" i="0" u="none" strike="noStrike" cap="none" spc="0" normalizeH="0" baseline="0">
+          <a:defRPr b="0" baseline="0" cap="none" i="0" spc="0" strike="noStrike" sz="1800" u="none" kumimoji="0" normalizeH="0">
             <a:ln>
               <a:noFill/>
             </a:ln>
@@ -10999,7 +11437,7 @@
           <a:buFontTx/>
           <a:buNone/>
           <a:tabLst/>
-          <a:defRPr kumimoji="0" sz="1800" b="0" i="0" u="none" strike="noStrike" cap="none" spc="0" normalizeH="0" baseline="0">
+          <a:defRPr b="0" baseline="0" cap="none" i="0" spc="0" strike="noStrike" sz="1800" u="none" kumimoji="0" normalizeH="0">
             <a:ln>
               <a:noFill/>
             </a:ln>
@@ -11012,15 +11450,9 @@
         </a:lvl9pPr>
       </a:lstStyle>
       <a:style>
-        <a:lnRef idx="0">
-          <a:scrgbClr r="0" g="0" b="0"/>
-        </a:lnRef>
-        <a:fillRef idx="0">
-          <a:scrgbClr r="0" g="0" b="0"/>
-        </a:fillRef>
-        <a:effectRef idx="0">
-          <a:scrgbClr r="0" g="0" b="0"/>
-        </a:effectRef>
+        <a:lnRef idx="0"/>
+        <a:fillRef idx="0"/>
+        <a:effectRef idx="0"/>
         <a:fontRef idx="none"/>
       </a:style>
     </a:lnDef>
@@ -11034,7 +11466,7 @@
         <a:effectLst/>
         <a:sp3d/>
       </a:spPr>
-      <a:bodyPr rot="0" spcFirstLastPara="1" vertOverflow="overflow" horzOverflow="overflow" vert="horz" wrap="square" lIns="50800" tIns="50800" rIns="50800" bIns="50800" numCol="1" spcCol="38100" rtlCol="0" anchor="ctr">
+      <a:bodyPr rot="0" spcFirstLastPara="1" vertOverflow="overflow" horzOverflow="overflow" vert="horz" wrap="square" lIns="50800" tIns="50800" rIns="50800" bIns="50800" numCol="1" spcCol="38100" rtlCol="0" anchor="ctr" upright="0">
         <a:spAutoFit/>
       </a:bodyPr>
       <a:lstStyle>
@@ -11053,7 +11485,7 @@
           <a:buFontTx/>
           <a:buNone/>
           <a:tabLst/>
-          <a:defRPr kumimoji="0" sz="2800" b="0" i="0" u="none" strike="noStrike" cap="none" spc="0" normalizeH="0" baseline="0">
+          <a:defRPr b="0" baseline="0" cap="none" i="0" spc="0" strike="noStrike" sz="2800" u="none" kumimoji="0" normalizeH="0">
             <a:ln>
               <a:noFill/>
             </a:ln>
@@ -11083,7 +11515,7 @@
           <a:buFontTx/>
           <a:buNone/>
           <a:tabLst/>
-          <a:defRPr kumimoji="0" sz="1800" b="0" i="0" u="none" strike="noStrike" cap="none" spc="0" normalizeH="0" baseline="0">
+          <a:defRPr b="0" baseline="0" cap="none" i="0" spc="0" strike="noStrike" sz="1800" u="none" kumimoji="0" normalizeH="0">
             <a:ln>
               <a:noFill/>
             </a:ln>
@@ -11109,7 +11541,7 @@
           <a:buFontTx/>
           <a:buNone/>
           <a:tabLst/>
-          <a:defRPr kumimoji="0" sz="1800" b="0" i="0" u="none" strike="noStrike" cap="none" spc="0" normalizeH="0" baseline="0">
+          <a:defRPr b="0" baseline="0" cap="none" i="0" spc="0" strike="noStrike" sz="1800" u="none" kumimoji="0" normalizeH="0">
             <a:ln>
               <a:noFill/>
             </a:ln>
@@ -11135,7 +11567,7 @@
           <a:buFontTx/>
           <a:buNone/>
           <a:tabLst/>
-          <a:defRPr kumimoji="0" sz="1800" b="0" i="0" u="none" strike="noStrike" cap="none" spc="0" normalizeH="0" baseline="0">
+          <a:defRPr b="0" baseline="0" cap="none" i="0" spc="0" strike="noStrike" sz="1800" u="none" kumimoji="0" normalizeH="0">
             <a:ln>
               <a:noFill/>
             </a:ln>
@@ -11161,7 +11593,7 @@
           <a:buFontTx/>
           <a:buNone/>
           <a:tabLst/>
-          <a:defRPr kumimoji="0" sz="1800" b="0" i="0" u="none" strike="noStrike" cap="none" spc="0" normalizeH="0" baseline="0">
+          <a:defRPr b="0" baseline="0" cap="none" i="0" spc="0" strike="noStrike" sz="1800" u="none" kumimoji="0" normalizeH="0">
             <a:ln>
               <a:noFill/>
             </a:ln>
@@ -11187,7 +11619,7 @@
           <a:buFontTx/>
           <a:buNone/>
           <a:tabLst/>
-          <a:defRPr kumimoji="0" sz="1800" b="0" i="0" u="none" strike="noStrike" cap="none" spc="0" normalizeH="0" baseline="0">
+          <a:defRPr b="0" baseline="0" cap="none" i="0" spc="0" strike="noStrike" sz="1800" u="none" kumimoji="0" normalizeH="0">
             <a:ln>
               <a:noFill/>
             </a:ln>
@@ -11213,7 +11645,7 @@
           <a:buFontTx/>
           <a:buNone/>
           <a:tabLst/>
-          <a:defRPr kumimoji="0" sz="1800" b="0" i="0" u="none" strike="noStrike" cap="none" spc="0" normalizeH="0" baseline="0">
+          <a:defRPr b="0" baseline="0" cap="none" i="0" spc="0" strike="noStrike" sz="1800" u="none" kumimoji="0" normalizeH="0">
             <a:ln>
               <a:noFill/>
             </a:ln>
@@ -11239,7 +11671,7 @@
           <a:buFontTx/>
           <a:buNone/>
           <a:tabLst/>
-          <a:defRPr kumimoji="0" sz="1800" b="0" i="0" u="none" strike="noStrike" cap="none" spc="0" normalizeH="0" baseline="0">
+          <a:defRPr b="0" baseline="0" cap="none" i="0" spc="0" strike="noStrike" sz="1800" u="none" kumimoji="0" normalizeH="0">
             <a:ln>
               <a:noFill/>
             </a:ln>
@@ -11265,7 +11697,7 @@
           <a:buFontTx/>
           <a:buNone/>
           <a:tabLst/>
-          <a:defRPr kumimoji="0" sz="1800" b="0" i="0" u="none" strike="noStrike" cap="none" spc="0" normalizeH="0" baseline="0">
+          <a:defRPr b="0" baseline="0" cap="none" i="0" spc="0" strike="noStrike" sz="1800" u="none" kumimoji="0" normalizeH="0">
             <a:ln>
               <a:noFill/>
             </a:ln>
@@ -11291,7 +11723,7 @@
           <a:buFontTx/>
           <a:buNone/>
           <a:tabLst/>
-          <a:defRPr kumimoji="0" sz="1800" b="0" i="0" u="none" strike="noStrike" cap="none" spc="0" normalizeH="0" baseline="0">
+          <a:defRPr b="0" baseline="0" cap="none" i="0" spc="0" strike="noStrike" sz="1800" u="none" kumimoji="0" normalizeH="0">
             <a:ln>
               <a:noFill/>
             </a:ln>
@@ -11304,19 +11736,12 @@
         </a:lvl9pPr>
       </a:lstStyle>
       <a:style>
-        <a:lnRef idx="0">
-          <a:scrgbClr r="0" g="0" b="0"/>
-        </a:lnRef>
-        <a:fillRef idx="0">
-          <a:scrgbClr r="0" g="0" b="0"/>
-        </a:fillRef>
-        <a:effectRef idx="0">
-          <a:scrgbClr r="0" g="0" b="0"/>
-        </a:effectRef>
+        <a:lnRef idx="0"/>
+        <a:fillRef idx="0"/>
+        <a:effectRef idx="0"/>
         <a:fontRef idx="none"/>
       </a:style>
     </a:txDef>
   </a:objectDefaults>
-  <a:extraClrSchemeLst/>
 </a:theme>
 </file>
--- a/ppt/typescript（二）.pptx
+++ b/ppt/typescript（二）.pptx
@@ -3,35 +3,37 @@
 <p:presentation xmlns:a="http://schemas.openxmlformats.org/drawingml/2006/main" xmlns:r="http://schemas.openxmlformats.org/officeDocument/2006/relationships" xmlns:p="http://schemas.openxmlformats.org/presentationml/2006/main">
   <p:sldMasterIdLst>
     <p:sldMasterId id="2147483648" r:id="rId1"/>
+    <p:sldMasterId id="2147483661" r:id="rId2"/>
   </p:sldMasterIdLst>
   <p:notesMasterIdLst>
-    <p:notesMasterId r:id="rId26"/>
+    <p:notesMasterId r:id="rId28"/>
   </p:notesMasterIdLst>
   <p:sldIdLst>
-    <p:sldId id="256" r:id="rId2"/>
-    <p:sldId id="257" r:id="rId3"/>
-    <p:sldId id="258" r:id="rId4"/>
-    <p:sldId id="259" r:id="rId5"/>
-    <p:sldId id="260" r:id="rId6"/>
-    <p:sldId id="261" r:id="rId7"/>
-    <p:sldId id="262" r:id="rId8"/>
-    <p:sldId id="263" r:id="rId9"/>
-    <p:sldId id="264" r:id="rId10"/>
-    <p:sldId id="265" r:id="rId11"/>
-    <p:sldId id="266" r:id="rId12"/>
-    <p:sldId id="267" r:id="rId13"/>
-    <p:sldId id="268" r:id="rId14"/>
-    <p:sldId id="269" r:id="rId15"/>
-    <p:sldId id="270" r:id="rId16"/>
-    <p:sldId id="271" r:id="rId17"/>
-    <p:sldId id="272" r:id="rId18"/>
-    <p:sldId id="273" r:id="rId19"/>
-    <p:sldId id="274" r:id="rId20"/>
-    <p:sldId id="275" r:id="rId21"/>
-    <p:sldId id="276" r:id="rId22"/>
-    <p:sldId id="277" r:id="rId23"/>
-    <p:sldId id="278" r:id="rId24"/>
-    <p:sldId id="279" r:id="rId25"/>
+    <p:sldId id="256" r:id="rId3"/>
+    <p:sldId id="257" r:id="rId4"/>
+    <p:sldId id="258" r:id="rId5"/>
+    <p:sldId id="259" r:id="rId6"/>
+    <p:sldId id="260" r:id="rId7"/>
+    <p:sldId id="261" r:id="rId8"/>
+    <p:sldId id="262" r:id="rId9"/>
+    <p:sldId id="263" r:id="rId10"/>
+    <p:sldId id="264" r:id="rId11"/>
+    <p:sldId id="265" r:id="rId12"/>
+    <p:sldId id="266" r:id="rId13"/>
+    <p:sldId id="267" r:id="rId14"/>
+    <p:sldId id="268" r:id="rId15"/>
+    <p:sldId id="269" r:id="rId16"/>
+    <p:sldId id="270" r:id="rId17"/>
+    <p:sldId id="271" r:id="rId18"/>
+    <p:sldId id="272" r:id="rId19"/>
+    <p:sldId id="273" r:id="rId20"/>
+    <p:sldId id="274" r:id="rId21"/>
+    <p:sldId id="275" r:id="rId22"/>
+    <p:sldId id="276" r:id="rId23"/>
+    <p:sldId id="277" r:id="rId24"/>
+    <p:sldId id="278" r:id="rId25"/>
+    <p:sldId id="280" r:id="rId26"/>
+    <p:sldId id="279" r:id="rId27"/>
   </p:sldIdLst>
   <p:sldSz cx="14401800" cy="10795000"/>
   <p:notesSz cx="6858000" cy="9144000"/>
@@ -333,6 +335,11 @@
       </a:defRPr>
     </a:lvl9pPr>
   </p:defaultTextStyle>
+  <p:extLst>
+    <p:ext uri="{EFAFB233-063F-42B5-8137-9DF3F51BA10A}">
+      <p15:sldGuideLst xmlns:p15="http://schemas.microsoft.com/office/powerpoint/2012/main"/>
+    </p:ext>
+  </p:extLst>
 </p:presentation>
 </file>
 
@@ -1277,7 +1284,226 @@
 </p:sldLayout>
 </file>
 
-<file path=ppt/slideLayouts/slideLayout2.xml><?xml version="1.0" encoding="utf-8"?>
+<file path=ppt/slideLayouts/slideLayout13.xml><?xml version="1.0" encoding="utf-8"?>
+<p:sldLayout xmlns:a="http://schemas.openxmlformats.org/drawingml/2006/main" xmlns:r="http://schemas.openxmlformats.org/officeDocument/2006/relationships" xmlns:p="http://schemas.openxmlformats.org/presentationml/2006/main" type="title">
+  <p:cSld name="標題投影片">
+    <p:spTree>
+      <p:nvGrpSpPr>
+        <p:cNvPr id="1" name=""/>
+        <p:cNvGrpSpPr/>
+        <p:nvPr/>
+      </p:nvGrpSpPr>
+      <p:grpSpPr>
+        <a:xfrm>
+          <a:off x="0" y="0"/>
+          <a:ext cx="0" cy="0"/>
+          <a:chOff x="0" y="0"/>
+          <a:chExt cx="0" cy="0"/>
+        </a:xfrm>
+      </p:grpSpPr>
+      <p:pic>
+        <p:nvPicPr>
+          <p:cNvPr id="11" name="image2.png" descr="image2.png"/>
+          <p:cNvPicPr>
+            <a:picLocks noChangeAspect="1"/>
+          </p:cNvPicPr>
+          <p:nvPr/>
+        </p:nvPicPr>
+        <p:blipFill>
+          <a:blip r:embed="rId2">
+            <a:extLst/>
+          </a:blip>
+          <a:stretch>
+            <a:fillRect/>
+          </a:stretch>
+        </p:blipFill>
+        <p:spPr>
+          <a:xfrm>
+            <a:off x="-57181" y="297065"/>
+            <a:ext cx="2948403" cy="537310"/>
+          </a:xfrm>
+          <a:prstGeom prst="rect">
+            <a:avLst/>
+          </a:prstGeom>
+          <a:ln w="12700">
+            <a:miter lim="400000"/>
+          </a:ln>
+        </p:spPr>
+      </p:pic>
+      <p:sp>
+        <p:nvSpPr>
+          <p:cNvPr id="12" name="Title Text"/>
+          <p:cNvSpPr txBox="1">
+            <a:spLocks noGrp="1"/>
+          </p:cNvSpPr>
+          <p:nvPr>
+            <p:ph type="title"/>
+          </p:nvPr>
+        </p:nvSpPr>
+        <p:spPr>
+          <a:xfrm>
+            <a:off x="1080135" y="3354927"/>
+            <a:ext cx="12241532" cy="2314950"/>
+          </a:xfrm>
+          <a:prstGeom prst="rect">
+            <a:avLst/>
+          </a:prstGeom>
+        </p:spPr>
+        <p:txBody>
+          <a:bodyPr/>
+          <a:lstStyle/>
+          <a:p>
+            <a:r>
+              <a:t>Title Text</a:t>
+            </a:r>
+          </a:p>
+        </p:txBody>
+      </p:sp>
+      <p:sp>
+        <p:nvSpPr>
+          <p:cNvPr id="13" name="Body Level One…"/>
+          <p:cNvSpPr txBox="1">
+            <a:spLocks noGrp="1"/>
+          </p:cNvSpPr>
+          <p:nvPr>
+            <p:ph type="body" sz="quarter" idx="1"/>
+          </p:nvPr>
+        </p:nvSpPr>
+        <p:spPr>
+          <a:xfrm>
+            <a:off x="2160270" y="6119864"/>
+            <a:ext cx="10081260" cy="2759944"/>
+          </a:xfrm>
+          <a:prstGeom prst="rect">
+            <a:avLst/>
+          </a:prstGeom>
+        </p:spPr>
+        <p:txBody>
+          <a:bodyPr/>
+          <a:lstStyle>
+            <a:lvl1pPr marL="0" indent="0" algn="ctr">
+              <a:buSzTx/>
+              <a:buFontTx/>
+              <a:buNone/>
+              <a:defRPr>
+                <a:solidFill>
+                  <a:srgbClr val="888888"/>
+                </a:solidFill>
+              </a:defRPr>
+            </a:lvl1pPr>
+            <a:lvl2pPr marL="0" indent="0" algn="ctr">
+              <a:buSzTx/>
+              <a:buFontTx/>
+              <a:buNone/>
+              <a:defRPr>
+                <a:solidFill>
+                  <a:srgbClr val="888888"/>
+                </a:solidFill>
+              </a:defRPr>
+            </a:lvl2pPr>
+            <a:lvl3pPr marL="0" indent="0" algn="ctr">
+              <a:buSzTx/>
+              <a:buFontTx/>
+              <a:buNone/>
+              <a:defRPr>
+                <a:solidFill>
+                  <a:srgbClr val="888888"/>
+                </a:solidFill>
+              </a:defRPr>
+            </a:lvl3pPr>
+            <a:lvl4pPr marL="0" indent="0" algn="ctr">
+              <a:buSzTx/>
+              <a:buFontTx/>
+              <a:buNone/>
+              <a:defRPr>
+                <a:solidFill>
+                  <a:srgbClr val="888888"/>
+                </a:solidFill>
+              </a:defRPr>
+            </a:lvl4pPr>
+            <a:lvl5pPr marL="0" indent="0" algn="ctr">
+              <a:buSzTx/>
+              <a:buFontTx/>
+              <a:buNone/>
+              <a:defRPr>
+                <a:solidFill>
+                  <a:srgbClr val="888888"/>
+                </a:solidFill>
+              </a:defRPr>
+            </a:lvl5pPr>
+          </a:lstStyle>
+          <a:p>
+            <a:r>
+              <a:t>Body Level One</a:t>
+            </a:r>
+          </a:p>
+          <a:p>
+            <a:pPr lvl="1"/>
+            <a:r>
+              <a:t>Body Level Two</a:t>
+            </a:r>
+          </a:p>
+          <a:p>
+            <a:pPr lvl="2"/>
+            <a:r>
+              <a:t>Body Level Three</a:t>
+            </a:r>
+          </a:p>
+          <a:p>
+            <a:pPr lvl="3"/>
+            <a:r>
+              <a:t>Body Level Four</a:t>
+            </a:r>
+          </a:p>
+          <a:p>
+            <a:pPr lvl="4"/>
+            <a:r>
+              <a:t>Body Level Five</a:t>
+            </a:r>
+          </a:p>
+        </p:txBody>
+      </p:sp>
+      <p:sp>
+        <p:nvSpPr>
+          <p:cNvPr id="14" name="Slide Number"/>
+          <p:cNvSpPr txBox="1">
+            <a:spLocks noGrp="1"/>
+          </p:cNvSpPr>
+          <p:nvPr>
+            <p:ph type="sldNum" sz="quarter" idx="2"/>
+          </p:nvPr>
+        </p:nvSpPr>
+        <p:spPr>
+          <a:prstGeom prst="rect">
+            <a:avLst/>
+          </a:prstGeom>
+        </p:spPr>
+        <p:txBody>
+          <a:bodyPr/>
+          <a:lstStyle/>
+          <a:p>
+            <a:fld id="{86CB4B4D-7CA3-9044-876B-883B54F8677D}" type="slidenum">
+              <a:t>‹#›</a:t>
+            </a:fld>
+            <a:endParaRPr/>
+          </a:p>
+        </p:txBody>
+      </p:sp>
+    </p:spTree>
+    <p:extLst>
+      <p:ext uri="{BB962C8B-B14F-4D97-AF65-F5344CB8AC3E}">
+        <p14:creationId xmlns:p14="http://schemas.microsoft.com/office/powerpoint/2010/main" val="1392498854"/>
+      </p:ext>
+    </p:extLst>
+  </p:cSld>
+  <p:clrMapOvr>
+    <a:masterClrMapping/>
+  </p:clrMapOvr>
+  <p:transition spd="med"/>
+</p:sldLayout>
+</file>
+
+<file path=ppt/slideLayouts/slideLayout14.xml><?xml version="1.0" encoding="utf-8"?>
 <p:sldLayout xmlns:a="http://schemas.openxmlformats.org/drawingml/2006/main" xmlns:r="http://schemas.openxmlformats.org/officeDocument/2006/relationships" xmlns:p="http://schemas.openxmlformats.org/presentationml/2006/main" type="tx">
   <p:cSld name="標題及物件">
     <p:spTree>
@@ -1395,6 +1621,11 @@
         </p:txBody>
       </p:sp>
     </p:spTree>
+    <p:extLst>
+      <p:ext uri="{BB962C8B-B14F-4D97-AF65-F5344CB8AC3E}">
+        <p14:creationId xmlns:p14="http://schemas.microsoft.com/office/powerpoint/2010/main" val="717640455"/>
+      </p:ext>
+    </p:extLst>
   </p:cSld>
   <p:clrMapOvr>
     <a:masterClrMapping/>
@@ -1403,7 +1634,7 @@
 </p:sldLayout>
 </file>
 
-<file path=ppt/slideLayouts/slideLayout3.xml><?xml version="1.0" encoding="utf-8"?>
+<file path=ppt/slideLayouts/slideLayout15.xml><?xml version="1.0" encoding="utf-8"?>
 <p:sldLayout xmlns:a="http://schemas.openxmlformats.org/drawingml/2006/main" xmlns:r="http://schemas.openxmlformats.org/officeDocument/2006/relationships" xmlns:p="http://schemas.openxmlformats.org/presentationml/2006/main" type="tx">
   <p:cSld name="章節標題">
     <p:spTree>
@@ -1599,6 +1830,1858 @@
         </p:txBody>
       </p:sp>
     </p:spTree>
+    <p:extLst>
+      <p:ext uri="{BB962C8B-B14F-4D97-AF65-F5344CB8AC3E}">
+        <p14:creationId xmlns:p14="http://schemas.microsoft.com/office/powerpoint/2010/main" val="2996939500"/>
+      </p:ext>
+    </p:extLst>
+  </p:cSld>
+  <p:clrMapOvr>
+    <a:masterClrMapping/>
+  </p:clrMapOvr>
+  <p:transition spd="med"/>
+</p:sldLayout>
+</file>
+
+<file path=ppt/slideLayouts/slideLayout16.xml><?xml version="1.0" encoding="utf-8"?>
+<p:sldLayout xmlns:a="http://schemas.openxmlformats.org/drawingml/2006/main" xmlns:r="http://schemas.openxmlformats.org/officeDocument/2006/relationships" xmlns:p="http://schemas.openxmlformats.org/presentationml/2006/main" type="tx">
+  <p:cSld name="兩項物件">
+    <p:spTree>
+      <p:nvGrpSpPr>
+        <p:cNvPr id="1" name=""/>
+        <p:cNvGrpSpPr/>
+        <p:nvPr/>
+      </p:nvGrpSpPr>
+      <p:grpSpPr>
+        <a:xfrm>
+          <a:off x="0" y="0"/>
+          <a:ext cx="0" cy="0"/>
+          <a:chOff x="0" y="0"/>
+          <a:chExt cx="0" cy="0"/>
+        </a:xfrm>
+      </p:grpSpPr>
+      <p:sp>
+        <p:nvSpPr>
+          <p:cNvPr id="39" name="Title Text"/>
+          <p:cNvSpPr txBox="1">
+            <a:spLocks noGrp="1"/>
+          </p:cNvSpPr>
+          <p:nvPr>
+            <p:ph type="title"/>
+          </p:nvPr>
+        </p:nvSpPr>
+        <p:spPr>
+          <a:prstGeom prst="rect">
+            <a:avLst/>
+          </a:prstGeom>
+        </p:spPr>
+        <p:txBody>
+          <a:bodyPr/>
+          <a:lstStyle/>
+          <a:p>
+            <a:r>
+              <a:t>Title Text</a:t>
+            </a:r>
+          </a:p>
+        </p:txBody>
+      </p:sp>
+      <p:sp>
+        <p:nvSpPr>
+          <p:cNvPr id="40" name="Body Level One…"/>
+          <p:cNvSpPr txBox="1">
+            <a:spLocks noGrp="1"/>
+          </p:cNvSpPr>
+          <p:nvPr>
+            <p:ph type="body" sz="half" idx="1"/>
+          </p:nvPr>
+        </p:nvSpPr>
+        <p:spPr>
+          <a:xfrm>
+            <a:off x="720090" y="2519945"/>
+            <a:ext cx="6360796" cy="7127348"/>
+          </a:xfrm>
+          <a:prstGeom prst="rect">
+            <a:avLst/>
+          </a:prstGeom>
+        </p:spPr>
+        <p:txBody>
+          <a:bodyPr/>
+          <a:lstStyle>
+            <a:lvl1pPr>
+              <a:spcBef>
+                <a:spcPts val="1000"/>
+              </a:spcBef>
+              <a:defRPr sz="4400"/>
+            </a:lvl1pPr>
+            <a:lvl2pPr marL="1255132" indent="-535132">
+              <a:spcBef>
+                <a:spcPts val="1000"/>
+              </a:spcBef>
+              <a:defRPr sz="4400"/>
+            </a:lvl2pPr>
+            <a:lvl3pPr marL="1950963" indent="-510966">
+              <a:spcBef>
+                <a:spcPts val="1000"/>
+              </a:spcBef>
+              <a:defRPr sz="4400"/>
+            </a:lvl3pPr>
+            <a:lvl4pPr marL="2725708" indent="-565711">
+              <a:spcBef>
+                <a:spcPts val="1000"/>
+              </a:spcBef>
+              <a:defRPr sz="4400"/>
+            </a:lvl4pPr>
+            <a:lvl5pPr marL="3445707" indent="-565711">
+              <a:spcBef>
+                <a:spcPts val="1000"/>
+              </a:spcBef>
+              <a:defRPr sz="4400"/>
+            </a:lvl5pPr>
+          </a:lstStyle>
+          <a:p>
+            <a:r>
+              <a:t>Body Level One</a:t>
+            </a:r>
+          </a:p>
+          <a:p>
+            <a:pPr lvl="1"/>
+            <a:r>
+              <a:t>Body Level Two</a:t>
+            </a:r>
+          </a:p>
+          <a:p>
+            <a:pPr lvl="2"/>
+            <a:r>
+              <a:t>Body Level Three</a:t>
+            </a:r>
+          </a:p>
+          <a:p>
+            <a:pPr lvl="3"/>
+            <a:r>
+              <a:t>Body Level Four</a:t>
+            </a:r>
+          </a:p>
+          <a:p>
+            <a:pPr lvl="4"/>
+            <a:r>
+              <a:t>Body Level Five</a:t>
+            </a:r>
+          </a:p>
+        </p:txBody>
+      </p:sp>
+      <p:sp>
+        <p:nvSpPr>
+          <p:cNvPr id="41" name="Slide Number"/>
+          <p:cNvSpPr txBox="1">
+            <a:spLocks noGrp="1"/>
+          </p:cNvSpPr>
+          <p:nvPr>
+            <p:ph type="sldNum" sz="quarter" idx="2"/>
+          </p:nvPr>
+        </p:nvSpPr>
+        <p:spPr>
+          <a:prstGeom prst="rect">
+            <a:avLst/>
+          </a:prstGeom>
+        </p:spPr>
+        <p:txBody>
+          <a:bodyPr/>
+          <a:lstStyle/>
+          <a:p>
+            <a:fld id="{86CB4B4D-7CA3-9044-876B-883B54F8677D}" type="slidenum">
+              <a:t>‹#›</a:t>
+            </a:fld>
+            <a:endParaRPr/>
+          </a:p>
+        </p:txBody>
+      </p:sp>
+    </p:spTree>
+    <p:extLst>
+      <p:ext uri="{BB962C8B-B14F-4D97-AF65-F5344CB8AC3E}">
+        <p14:creationId xmlns:p14="http://schemas.microsoft.com/office/powerpoint/2010/main" val="3529731990"/>
+      </p:ext>
+    </p:extLst>
+  </p:cSld>
+  <p:clrMapOvr>
+    <a:masterClrMapping/>
+  </p:clrMapOvr>
+  <p:transition spd="med"/>
+</p:sldLayout>
+</file>
+
+<file path=ppt/slideLayouts/slideLayout17.xml><?xml version="1.0" encoding="utf-8"?>
+<p:sldLayout xmlns:a="http://schemas.openxmlformats.org/drawingml/2006/main" xmlns:r="http://schemas.openxmlformats.org/officeDocument/2006/relationships" xmlns:p="http://schemas.openxmlformats.org/presentationml/2006/main" type="tx">
+  <p:cSld name="比對">
+    <p:spTree>
+      <p:nvGrpSpPr>
+        <p:cNvPr id="1" name=""/>
+        <p:cNvGrpSpPr/>
+        <p:nvPr/>
+      </p:nvGrpSpPr>
+      <p:grpSpPr>
+        <a:xfrm>
+          <a:off x="0" y="0"/>
+          <a:ext cx="0" cy="0"/>
+          <a:chOff x="0" y="0"/>
+          <a:chExt cx="0" cy="0"/>
+        </a:xfrm>
+      </p:grpSpPr>
+      <p:sp>
+        <p:nvSpPr>
+          <p:cNvPr id="48" name="Body Level One…"/>
+          <p:cNvSpPr txBox="1">
+            <a:spLocks noGrp="1"/>
+          </p:cNvSpPr>
+          <p:nvPr>
+            <p:ph type="body" sz="quarter" idx="1"/>
+          </p:nvPr>
+        </p:nvSpPr>
+        <p:spPr>
+          <a:xfrm>
+            <a:off x="7315913" y="2417447"/>
+            <a:ext cx="6365800" cy="1007480"/>
+          </a:xfrm>
+          <a:prstGeom prst="rect">
+            <a:avLst/>
+          </a:prstGeom>
+        </p:spPr>
+        <p:txBody>
+          <a:bodyPr anchor="b"/>
+          <a:lstStyle>
+            <a:lvl1pPr marL="0" indent="0">
+              <a:spcBef>
+                <a:spcPts val="800"/>
+              </a:spcBef>
+              <a:buSzTx/>
+              <a:buFontTx/>
+              <a:buNone/>
+              <a:defRPr sz="3700" b="1"/>
+            </a:lvl1pPr>
+            <a:lvl2pPr marL="1098406" indent="-378405">
+              <a:spcBef>
+                <a:spcPts val="800"/>
+              </a:spcBef>
+              <a:buFontTx/>
+              <a:defRPr sz="3700" b="1"/>
+            </a:lvl2pPr>
+            <a:lvl3pPr marL="1799994" indent="-359997">
+              <a:spcBef>
+                <a:spcPts val="800"/>
+              </a:spcBef>
+              <a:buFontTx/>
+              <a:defRPr sz="3700" b="1"/>
+            </a:lvl3pPr>
+            <a:lvl4pPr marL="2589670" indent="-429672">
+              <a:spcBef>
+                <a:spcPts val="800"/>
+              </a:spcBef>
+              <a:buFontTx/>
+              <a:defRPr sz="3700" b="1"/>
+            </a:lvl4pPr>
+            <a:lvl5pPr marL="3309672" indent="-429672">
+              <a:spcBef>
+                <a:spcPts val="800"/>
+              </a:spcBef>
+              <a:buFontTx/>
+              <a:defRPr sz="3700" b="1"/>
+            </a:lvl5pPr>
+          </a:lstStyle>
+          <a:p>
+            <a:r>
+              <a:t>Body Level One</a:t>
+            </a:r>
+          </a:p>
+          <a:p>
+            <a:pPr lvl="1"/>
+            <a:r>
+              <a:t>Body Level Two</a:t>
+            </a:r>
+          </a:p>
+          <a:p>
+            <a:pPr lvl="2"/>
+            <a:r>
+              <a:t>Body Level Three</a:t>
+            </a:r>
+          </a:p>
+          <a:p>
+            <a:pPr lvl="3"/>
+            <a:r>
+              <a:t>Body Level Four</a:t>
+            </a:r>
+          </a:p>
+          <a:p>
+            <a:pPr lvl="4"/>
+            <a:r>
+              <a:t>Body Level Five</a:t>
+            </a:r>
+          </a:p>
+        </p:txBody>
+      </p:sp>
+      <p:sp>
+        <p:nvSpPr>
+          <p:cNvPr id="49" name="Title Text"/>
+          <p:cNvSpPr txBox="1">
+            <a:spLocks noGrp="1"/>
+          </p:cNvSpPr>
+          <p:nvPr>
+            <p:ph type="title"/>
+          </p:nvPr>
+        </p:nvSpPr>
+        <p:spPr>
+          <a:prstGeom prst="rect">
+            <a:avLst/>
+          </a:prstGeom>
+        </p:spPr>
+        <p:txBody>
+          <a:bodyPr/>
+          <a:lstStyle/>
+          <a:p>
+            <a:r>
+              <a:t>Title Text</a:t>
+            </a:r>
+          </a:p>
+        </p:txBody>
+      </p:sp>
+      <p:sp>
+        <p:nvSpPr>
+          <p:cNvPr id="50" name="正文级别 1…"/>
+          <p:cNvSpPr txBox="1">
+            <a:spLocks noGrp="1"/>
+          </p:cNvSpPr>
+          <p:nvPr>
+            <p:ph type="body" sz="quarter" idx="13"/>
+          </p:nvPr>
+        </p:nvSpPr>
+        <p:spPr>
+          <a:xfrm>
+            <a:off x="720083" y="2417446"/>
+            <a:ext cx="6363310" cy="1007485"/>
+          </a:xfrm>
+          <a:prstGeom prst="rect">
+            <a:avLst/>
+          </a:prstGeom>
+        </p:spPr>
+        <p:txBody>
+          <a:bodyPr anchor="b"/>
+          <a:lstStyle/>
+          <a:p>
+            <a:endParaRPr/>
+          </a:p>
+        </p:txBody>
+      </p:sp>
+      <p:sp>
+        <p:nvSpPr>
+          <p:cNvPr id="51" name="Slide Number"/>
+          <p:cNvSpPr txBox="1">
+            <a:spLocks noGrp="1"/>
+          </p:cNvSpPr>
+          <p:nvPr>
+            <p:ph type="sldNum" sz="quarter" idx="2"/>
+          </p:nvPr>
+        </p:nvSpPr>
+        <p:spPr>
+          <a:prstGeom prst="rect">
+            <a:avLst/>
+          </a:prstGeom>
+        </p:spPr>
+        <p:txBody>
+          <a:bodyPr/>
+          <a:lstStyle/>
+          <a:p>
+            <a:fld id="{86CB4B4D-7CA3-9044-876B-883B54F8677D}" type="slidenum">
+              <a:t>‹#›</a:t>
+            </a:fld>
+            <a:endParaRPr/>
+          </a:p>
+        </p:txBody>
+      </p:sp>
+    </p:spTree>
+    <p:extLst>
+      <p:ext uri="{BB962C8B-B14F-4D97-AF65-F5344CB8AC3E}">
+        <p14:creationId xmlns:p14="http://schemas.microsoft.com/office/powerpoint/2010/main" val="3566797486"/>
+      </p:ext>
+    </p:extLst>
+  </p:cSld>
+  <p:clrMapOvr>
+    <a:masterClrMapping/>
+  </p:clrMapOvr>
+  <p:transition spd="med"/>
+</p:sldLayout>
+</file>
+
+<file path=ppt/slideLayouts/slideLayout18.xml><?xml version="1.0" encoding="utf-8"?>
+<p:sldLayout xmlns:a="http://schemas.openxmlformats.org/drawingml/2006/main" xmlns:r="http://schemas.openxmlformats.org/officeDocument/2006/relationships" xmlns:p="http://schemas.openxmlformats.org/presentationml/2006/main" type="tx">
+  <p:cSld name="只有標題">
+    <p:spTree>
+      <p:nvGrpSpPr>
+        <p:cNvPr id="1" name=""/>
+        <p:cNvGrpSpPr/>
+        <p:nvPr/>
+      </p:nvGrpSpPr>
+      <p:grpSpPr>
+        <a:xfrm>
+          <a:off x="0" y="0"/>
+          <a:ext cx="0" cy="0"/>
+          <a:chOff x="0" y="0"/>
+          <a:chExt cx="0" cy="0"/>
+        </a:xfrm>
+      </p:grpSpPr>
+      <p:sp>
+        <p:nvSpPr>
+          <p:cNvPr id="58" name="Title Text"/>
+          <p:cNvSpPr txBox="1">
+            <a:spLocks noGrp="1"/>
+          </p:cNvSpPr>
+          <p:nvPr>
+            <p:ph type="title"/>
+          </p:nvPr>
+        </p:nvSpPr>
+        <p:spPr>
+          <a:prstGeom prst="rect">
+            <a:avLst/>
+          </a:prstGeom>
+        </p:spPr>
+        <p:txBody>
+          <a:bodyPr/>
+          <a:lstStyle/>
+          <a:p>
+            <a:r>
+              <a:t>Title Text</a:t>
+            </a:r>
+          </a:p>
+        </p:txBody>
+      </p:sp>
+      <p:sp>
+        <p:nvSpPr>
+          <p:cNvPr id="59" name="Slide Number"/>
+          <p:cNvSpPr txBox="1">
+            <a:spLocks noGrp="1"/>
+          </p:cNvSpPr>
+          <p:nvPr>
+            <p:ph type="sldNum" sz="quarter" idx="2"/>
+          </p:nvPr>
+        </p:nvSpPr>
+        <p:spPr>
+          <a:prstGeom prst="rect">
+            <a:avLst/>
+          </a:prstGeom>
+        </p:spPr>
+        <p:txBody>
+          <a:bodyPr/>
+          <a:lstStyle/>
+          <a:p>
+            <a:fld id="{86CB4B4D-7CA3-9044-876B-883B54F8677D}" type="slidenum">
+              <a:t>‹#›</a:t>
+            </a:fld>
+            <a:endParaRPr/>
+          </a:p>
+        </p:txBody>
+      </p:sp>
+    </p:spTree>
+    <p:extLst>
+      <p:ext uri="{BB962C8B-B14F-4D97-AF65-F5344CB8AC3E}">
+        <p14:creationId xmlns:p14="http://schemas.microsoft.com/office/powerpoint/2010/main" val="1602701729"/>
+      </p:ext>
+    </p:extLst>
+  </p:cSld>
+  <p:clrMapOvr>
+    <a:masterClrMapping/>
+  </p:clrMapOvr>
+  <p:transition spd="med"/>
+</p:sldLayout>
+</file>
+
+<file path=ppt/slideLayouts/slideLayout19.xml><?xml version="1.0" encoding="utf-8"?>
+<p:sldLayout xmlns:a="http://schemas.openxmlformats.org/drawingml/2006/main" xmlns:r="http://schemas.openxmlformats.org/officeDocument/2006/relationships" xmlns:p="http://schemas.openxmlformats.org/presentationml/2006/main" type="tx">
+  <p:cSld name="空白">
+    <p:spTree>
+      <p:nvGrpSpPr>
+        <p:cNvPr id="1" name=""/>
+        <p:cNvGrpSpPr/>
+        <p:nvPr/>
+      </p:nvGrpSpPr>
+      <p:grpSpPr>
+        <a:xfrm>
+          <a:off x="0" y="0"/>
+          <a:ext cx="0" cy="0"/>
+          <a:chOff x="0" y="0"/>
+          <a:chExt cx="0" cy="0"/>
+        </a:xfrm>
+      </p:grpSpPr>
+      <p:sp>
+        <p:nvSpPr>
+          <p:cNvPr id="66" name="Slide Number"/>
+          <p:cNvSpPr txBox="1">
+            <a:spLocks noGrp="1"/>
+          </p:cNvSpPr>
+          <p:nvPr>
+            <p:ph type="sldNum" sz="quarter" idx="2"/>
+          </p:nvPr>
+        </p:nvSpPr>
+        <p:spPr>
+          <a:prstGeom prst="rect">
+            <a:avLst/>
+          </a:prstGeom>
+        </p:spPr>
+        <p:txBody>
+          <a:bodyPr/>
+          <a:lstStyle/>
+          <a:p>
+            <a:fld id="{86CB4B4D-7CA3-9044-876B-883B54F8677D}" type="slidenum">
+              <a:t>‹#›</a:t>
+            </a:fld>
+            <a:endParaRPr/>
+          </a:p>
+        </p:txBody>
+      </p:sp>
+    </p:spTree>
+    <p:extLst>
+      <p:ext uri="{BB962C8B-B14F-4D97-AF65-F5344CB8AC3E}">
+        <p14:creationId xmlns:p14="http://schemas.microsoft.com/office/powerpoint/2010/main" val="1239036582"/>
+      </p:ext>
+    </p:extLst>
+  </p:cSld>
+  <p:clrMapOvr>
+    <a:masterClrMapping/>
+  </p:clrMapOvr>
+  <p:transition spd="med"/>
+</p:sldLayout>
+</file>
+
+<file path=ppt/slideLayouts/slideLayout2.xml><?xml version="1.0" encoding="utf-8"?>
+<p:sldLayout xmlns:a="http://schemas.openxmlformats.org/drawingml/2006/main" xmlns:r="http://schemas.openxmlformats.org/officeDocument/2006/relationships" xmlns:p="http://schemas.openxmlformats.org/presentationml/2006/main" type="tx">
+  <p:cSld name="標題及物件">
+    <p:spTree>
+      <p:nvGrpSpPr>
+        <p:cNvPr id="1" name=""/>
+        <p:cNvGrpSpPr/>
+        <p:nvPr/>
+      </p:nvGrpSpPr>
+      <p:grpSpPr>
+        <a:xfrm>
+          <a:off x="0" y="0"/>
+          <a:ext cx="0" cy="0"/>
+          <a:chOff x="0" y="0"/>
+          <a:chExt cx="0" cy="0"/>
+        </a:xfrm>
+      </p:grpSpPr>
+      <p:sp>
+        <p:nvSpPr>
+          <p:cNvPr id="21" name="Title Text"/>
+          <p:cNvSpPr txBox="1">
+            <a:spLocks noGrp="1"/>
+          </p:cNvSpPr>
+          <p:nvPr>
+            <p:ph type="title"/>
+          </p:nvPr>
+        </p:nvSpPr>
+        <p:spPr>
+          <a:prstGeom prst="rect">
+            <a:avLst/>
+          </a:prstGeom>
+        </p:spPr>
+        <p:txBody>
+          <a:bodyPr/>
+          <a:lstStyle/>
+          <a:p>
+            <a:r>
+              <a:t>Title Text</a:t>
+            </a:r>
+          </a:p>
+        </p:txBody>
+      </p:sp>
+      <p:sp>
+        <p:nvSpPr>
+          <p:cNvPr id="22" name="Body Level One…"/>
+          <p:cNvSpPr txBox="1">
+            <a:spLocks noGrp="1"/>
+          </p:cNvSpPr>
+          <p:nvPr>
+            <p:ph type="body" idx="1"/>
+          </p:nvPr>
+        </p:nvSpPr>
+        <p:spPr>
+          <a:prstGeom prst="rect">
+            <a:avLst/>
+          </a:prstGeom>
+        </p:spPr>
+        <p:txBody>
+          <a:bodyPr/>
+          <a:lstStyle/>
+          <a:p>
+            <a:r>
+              <a:t>Body Level One</a:t>
+            </a:r>
+          </a:p>
+          <a:p>
+            <a:pPr lvl="1"/>
+            <a:r>
+              <a:t>Body Level Two</a:t>
+            </a:r>
+          </a:p>
+          <a:p>
+            <a:pPr lvl="2"/>
+            <a:r>
+              <a:t>Body Level Three</a:t>
+            </a:r>
+          </a:p>
+          <a:p>
+            <a:pPr lvl="3"/>
+            <a:r>
+              <a:t>Body Level Four</a:t>
+            </a:r>
+          </a:p>
+          <a:p>
+            <a:pPr lvl="4"/>
+            <a:r>
+              <a:t>Body Level Five</a:t>
+            </a:r>
+          </a:p>
+        </p:txBody>
+      </p:sp>
+      <p:sp>
+        <p:nvSpPr>
+          <p:cNvPr id="23" name="Slide Number"/>
+          <p:cNvSpPr txBox="1">
+            <a:spLocks noGrp="1"/>
+          </p:cNvSpPr>
+          <p:nvPr>
+            <p:ph type="sldNum" sz="quarter" idx="2"/>
+          </p:nvPr>
+        </p:nvSpPr>
+        <p:spPr>
+          <a:prstGeom prst="rect">
+            <a:avLst/>
+          </a:prstGeom>
+        </p:spPr>
+        <p:txBody>
+          <a:bodyPr/>
+          <a:lstStyle/>
+          <a:p>
+            <a:fld id="{86CB4B4D-7CA3-9044-876B-883B54F8677D}" type="slidenum">
+              <a:t>‹#›</a:t>
+            </a:fld>
+            <a:endParaRPr/>
+          </a:p>
+        </p:txBody>
+      </p:sp>
+    </p:spTree>
+  </p:cSld>
+  <p:clrMapOvr>
+    <a:masterClrMapping/>
+  </p:clrMapOvr>
+  <p:transition spd="med"/>
+</p:sldLayout>
+</file>
+
+<file path=ppt/slideLayouts/slideLayout20.xml><?xml version="1.0" encoding="utf-8"?>
+<p:sldLayout xmlns:a="http://schemas.openxmlformats.org/drawingml/2006/main" xmlns:r="http://schemas.openxmlformats.org/officeDocument/2006/relationships" xmlns:p="http://schemas.openxmlformats.org/presentationml/2006/main" type="tx">
+  <p:cSld name="含標題的內容">
+    <p:spTree>
+      <p:nvGrpSpPr>
+        <p:cNvPr id="1" name=""/>
+        <p:cNvGrpSpPr/>
+        <p:nvPr/>
+      </p:nvGrpSpPr>
+      <p:grpSpPr>
+        <a:xfrm>
+          <a:off x="0" y="0"/>
+          <a:ext cx="0" cy="0"/>
+          <a:chOff x="0" y="0"/>
+          <a:chExt cx="0" cy="0"/>
+        </a:xfrm>
+      </p:grpSpPr>
+      <p:sp>
+        <p:nvSpPr>
+          <p:cNvPr id="73" name="Body Level One…"/>
+          <p:cNvSpPr txBox="1">
+            <a:spLocks noGrp="1"/>
+          </p:cNvSpPr>
+          <p:nvPr>
+            <p:ph type="body" sz="half" idx="1"/>
+          </p:nvPr>
+        </p:nvSpPr>
+        <p:spPr>
+          <a:xfrm>
+            <a:off x="720090" y="2259951"/>
+            <a:ext cx="4738095" cy="7387340"/>
+          </a:xfrm>
+          <a:prstGeom prst="rect">
+            <a:avLst/>
+          </a:prstGeom>
+        </p:spPr>
+        <p:txBody>
+          <a:bodyPr anchor="ctr"/>
+          <a:lstStyle>
+            <a:lvl1pPr marL="0" indent="0">
+              <a:spcBef>
+                <a:spcPts val="500"/>
+              </a:spcBef>
+              <a:buSzTx/>
+              <a:buFontTx/>
+              <a:buNone/>
+              <a:defRPr sz="2200"/>
+            </a:lvl1pPr>
+            <a:lvl2pPr marL="944998" indent="-224999">
+              <a:spcBef>
+                <a:spcPts val="500"/>
+              </a:spcBef>
+              <a:buFontTx/>
+              <a:defRPr sz="2200"/>
+            </a:lvl2pPr>
+            <a:lvl3pPr marL="1654050" indent="-214053">
+              <a:spcBef>
+                <a:spcPts val="500"/>
+              </a:spcBef>
+              <a:buFontTx/>
+              <a:defRPr sz="2200"/>
+            </a:lvl3pPr>
+            <a:lvl4pPr marL="2415476" indent="-255482">
+              <a:spcBef>
+                <a:spcPts val="500"/>
+              </a:spcBef>
+              <a:buFontTx/>
+              <a:defRPr sz="2200"/>
+            </a:lvl4pPr>
+            <a:lvl5pPr marL="3135477" indent="-255482">
+              <a:spcBef>
+                <a:spcPts val="500"/>
+              </a:spcBef>
+              <a:buFontTx/>
+              <a:defRPr sz="2200"/>
+            </a:lvl5pPr>
+          </a:lstStyle>
+          <a:p>
+            <a:r>
+              <a:t>Body Level One</a:t>
+            </a:r>
+          </a:p>
+          <a:p>
+            <a:pPr lvl="1"/>
+            <a:r>
+              <a:t>Body Level Two</a:t>
+            </a:r>
+          </a:p>
+          <a:p>
+            <a:pPr lvl="2"/>
+            <a:r>
+              <a:t>Body Level Three</a:t>
+            </a:r>
+          </a:p>
+          <a:p>
+            <a:pPr lvl="3"/>
+            <a:r>
+              <a:t>Body Level Four</a:t>
+            </a:r>
+          </a:p>
+          <a:p>
+            <a:pPr lvl="4"/>
+            <a:r>
+              <a:t>Body Level Five</a:t>
+            </a:r>
+          </a:p>
+        </p:txBody>
+      </p:sp>
+      <p:sp>
+        <p:nvSpPr>
+          <p:cNvPr id="74" name="Title Text"/>
+          <p:cNvSpPr txBox="1">
+            <a:spLocks noGrp="1"/>
+          </p:cNvSpPr>
+          <p:nvPr>
+            <p:ph type="title"/>
+          </p:nvPr>
+        </p:nvSpPr>
+        <p:spPr>
+          <a:xfrm>
+            <a:off x="720090" y="429989"/>
+            <a:ext cx="4738095" cy="1829961"/>
+          </a:xfrm>
+          <a:prstGeom prst="rect">
+            <a:avLst/>
+          </a:prstGeom>
+        </p:spPr>
+        <p:txBody>
+          <a:bodyPr anchor="b"/>
+          <a:lstStyle>
+            <a:lvl1pPr algn="l">
+              <a:defRPr sz="3100" b="1"/>
+            </a:lvl1pPr>
+          </a:lstStyle>
+          <a:p>
+            <a:r>
+              <a:t>Title Text</a:t>
+            </a:r>
+          </a:p>
+        </p:txBody>
+      </p:sp>
+      <p:sp>
+        <p:nvSpPr>
+          <p:cNvPr id="75" name="正文级别 1…"/>
+          <p:cNvSpPr txBox="1">
+            <a:spLocks noGrp="1"/>
+          </p:cNvSpPr>
+          <p:nvPr>
+            <p:ph type="body" idx="13"/>
+          </p:nvPr>
+        </p:nvSpPr>
+        <p:spPr>
+          <a:xfrm>
+            <a:off x="5630700" y="429991"/>
+            <a:ext cx="8051012" cy="9217299"/>
+          </a:xfrm>
+          <a:prstGeom prst="rect">
+            <a:avLst/>
+          </a:prstGeom>
+        </p:spPr>
+        <p:txBody>
+          <a:bodyPr/>
+          <a:lstStyle/>
+          <a:p>
+            <a:endParaRPr/>
+          </a:p>
+        </p:txBody>
+      </p:sp>
+      <p:sp>
+        <p:nvSpPr>
+          <p:cNvPr id="76" name="Slide Number"/>
+          <p:cNvSpPr txBox="1">
+            <a:spLocks noGrp="1"/>
+          </p:cNvSpPr>
+          <p:nvPr>
+            <p:ph type="sldNum" sz="quarter" idx="2"/>
+          </p:nvPr>
+        </p:nvSpPr>
+        <p:spPr>
+          <a:prstGeom prst="rect">
+            <a:avLst/>
+          </a:prstGeom>
+        </p:spPr>
+        <p:txBody>
+          <a:bodyPr/>
+          <a:lstStyle/>
+          <a:p>
+            <a:fld id="{86CB4B4D-7CA3-9044-876B-883B54F8677D}" type="slidenum">
+              <a:t>‹#›</a:t>
+            </a:fld>
+            <a:endParaRPr/>
+          </a:p>
+        </p:txBody>
+      </p:sp>
+    </p:spTree>
+    <p:extLst>
+      <p:ext uri="{BB962C8B-B14F-4D97-AF65-F5344CB8AC3E}">
+        <p14:creationId xmlns:p14="http://schemas.microsoft.com/office/powerpoint/2010/main" val="72624476"/>
+      </p:ext>
+    </p:extLst>
+  </p:cSld>
+  <p:clrMapOvr>
+    <a:masterClrMapping/>
+  </p:clrMapOvr>
+  <p:transition spd="med"/>
+</p:sldLayout>
+</file>
+
+<file path=ppt/slideLayouts/slideLayout21.xml><?xml version="1.0" encoding="utf-8"?>
+<p:sldLayout xmlns:a="http://schemas.openxmlformats.org/drawingml/2006/main" xmlns:r="http://schemas.openxmlformats.org/officeDocument/2006/relationships" xmlns:p="http://schemas.openxmlformats.org/presentationml/2006/main" type="tx">
+  <p:cSld name="含標題的圖片">
+    <p:spTree>
+      <p:nvGrpSpPr>
+        <p:cNvPr id="1" name=""/>
+        <p:cNvGrpSpPr/>
+        <p:nvPr/>
+      </p:nvGrpSpPr>
+      <p:grpSpPr>
+        <a:xfrm>
+          <a:off x="0" y="0"/>
+          <a:ext cx="0" cy="0"/>
+          <a:chOff x="0" y="0"/>
+          <a:chExt cx="0" cy="0"/>
+        </a:xfrm>
+      </p:grpSpPr>
+      <p:sp>
+        <p:nvSpPr>
+          <p:cNvPr id="83" name="图像"/>
+          <p:cNvSpPr>
+            <a:spLocks noGrp="1"/>
+          </p:cNvSpPr>
+          <p:nvPr>
+            <p:ph type="pic" sz="half" idx="13"/>
+          </p:nvPr>
+        </p:nvSpPr>
+        <p:spPr>
+          <a:xfrm>
+            <a:off x="2822854" y="964978"/>
+            <a:ext cx="8641082" cy="6479860"/>
+          </a:xfrm>
+          <a:prstGeom prst="rect">
+            <a:avLst/>
+          </a:prstGeom>
+        </p:spPr>
+        <p:txBody>
+          <a:bodyPr lIns="91439" tIns="45719" rIns="91439" bIns="45719">
+            <a:noAutofit/>
+          </a:bodyPr>
+          <a:lstStyle/>
+          <a:p>
+            <a:endParaRPr/>
+          </a:p>
+        </p:txBody>
+      </p:sp>
+      <p:sp>
+        <p:nvSpPr>
+          <p:cNvPr id="84" name="Title Text"/>
+          <p:cNvSpPr txBox="1">
+            <a:spLocks noGrp="1"/>
+          </p:cNvSpPr>
+          <p:nvPr>
+            <p:ph type="title"/>
+          </p:nvPr>
+        </p:nvSpPr>
+        <p:spPr>
+          <a:xfrm>
+            <a:off x="2822854" y="7559833"/>
+            <a:ext cx="8641082" cy="892489"/>
+          </a:xfrm>
+          <a:prstGeom prst="rect">
+            <a:avLst/>
+          </a:prstGeom>
+        </p:spPr>
+        <p:txBody>
+          <a:bodyPr anchor="b"/>
+          <a:lstStyle>
+            <a:lvl1pPr algn="l">
+              <a:defRPr sz="3100" b="1"/>
+            </a:lvl1pPr>
+          </a:lstStyle>
+          <a:p>
+            <a:r>
+              <a:t>Title Text</a:t>
+            </a:r>
+          </a:p>
+        </p:txBody>
+      </p:sp>
+      <p:sp>
+        <p:nvSpPr>
+          <p:cNvPr id="85" name="Body Level One…"/>
+          <p:cNvSpPr txBox="1">
+            <a:spLocks noGrp="1"/>
+          </p:cNvSpPr>
+          <p:nvPr>
+            <p:ph type="body" sz="quarter" idx="1"/>
+          </p:nvPr>
+        </p:nvSpPr>
+        <p:spPr>
+          <a:xfrm>
+            <a:off x="2822854" y="8452315"/>
+            <a:ext cx="8641082" cy="1267479"/>
+          </a:xfrm>
+          <a:prstGeom prst="rect">
+            <a:avLst/>
+          </a:prstGeom>
+        </p:spPr>
+        <p:txBody>
+          <a:bodyPr/>
+          <a:lstStyle>
+            <a:lvl1pPr marL="0" indent="0">
+              <a:spcBef>
+                <a:spcPts val="500"/>
+              </a:spcBef>
+              <a:buSzTx/>
+              <a:buFontTx/>
+              <a:buNone/>
+              <a:defRPr sz="2200"/>
+            </a:lvl1pPr>
+            <a:lvl2pPr marL="0" indent="0">
+              <a:spcBef>
+                <a:spcPts val="500"/>
+              </a:spcBef>
+              <a:buSzTx/>
+              <a:buFontTx/>
+              <a:buNone/>
+              <a:defRPr sz="2200"/>
+            </a:lvl2pPr>
+            <a:lvl3pPr marL="0" indent="0">
+              <a:spcBef>
+                <a:spcPts val="500"/>
+              </a:spcBef>
+              <a:buSzTx/>
+              <a:buFontTx/>
+              <a:buNone/>
+              <a:defRPr sz="2200"/>
+            </a:lvl3pPr>
+            <a:lvl4pPr marL="0" indent="0">
+              <a:spcBef>
+                <a:spcPts val="500"/>
+              </a:spcBef>
+              <a:buSzTx/>
+              <a:buFontTx/>
+              <a:buNone/>
+              <a:defRPr sz="2200"/>
+            </a:lvl4pPr>
+            <a:lvl5pPr marL="0" indent="0">
+              <a:spcBef>
+                <a:spcPts val="500"/>
+              </a:spcBef>
+              <a:buSzTx/>
+              <a:buFontTx/>
+              <a:buNone/>
+              <a:defRPr sz="2200"/>
+            </a:lvl5pPr>
+          </a:lstStyle>
+          <a:p>
+            <a:r>
+              <a:t>Body Level One</a:t>
+            </a:r>
+          </a:p>
+          <a:p>
+            <a:pPr lvl="1"/>
+            <a:r>
+              <a:t>Body Level Two</a:t>
+            </a:r>
+          </a:p>
+          <a:p>
+            <a:pPr lvl="2"/>
+            <a:r>
+              <a:t>Body Level Three</a:t>
+            </a:r>
+          </a:p>
+          <a:p>
+            <a:pPr lvl="3"/>
+            <a:r>
+              <a:t>Body Level Four</a:t>
+            </a:r>
+          </a:p>
+          <a:p>
+            <a:pPr lvl="4"/>
+            <a:r>
+              <a:t>Body Level Five</a:t>
+            </a:r>
+          </a:p>
+        </p:txBody>
+      </p:sp>
+      <p:sp>
+        <p:nvSpPr>
+          <p:cNvPr id="86" name="Slide Number"/>
+          <p:cNvSpPr txBox="1">
+            <a:spLocks noGrp="1"/>
+          </p:cNvSpPr>
+          <p:nvPr>
+            <p:ph type="sldNum" sz="quarter" idx="2"/>
+          </p:nvPr>
+        </p:nvSpPr>
+        <p:spPr>
+          <a:prstGeom prst="rect">
+            <a:avLst/>
+          </a:prstGeom>
+        </p:spPr>
+        <p:txBody>
+          <a:bodyPr/>
+          <a:lstStyle/>
+          <a:p>
+            <a:fld id="{86CB4B4D-7CA3-9044-876B-883B54F8677D}" type="slidenum">
+              <a:t>‹#›</a:t>
+            </a:fld>
+            <a:endParaRPr/>
+          </a:p>
+        </p:txBody>
+      </p:sp>
+    </p:spTree>
+    <p:extLst>
+      <p:ext uri="{BB962C8B-B14F-4D97-AF65-F5344CB8AC3E}">
+        <p14:creationId xmlns:p14="http://schemas.microsoft.com/office/powerpoint/2010/main" val="3824907918"/>
+      </p:ext>
+    </p:extLst>
+  </p:cSld>
+  <p:clrMapOvr>
+    <a:masterClrMapping/>
+  </p:clrMapOvr>
+  <p:transition spd="med"/>
+</p:sldLayout>
+</file>
+
+<file path=ppt/slideLayouts/slideLayout22.xml><?xml version="1.0" encoding="utf-8"?>
+<p:sldLayout xmlns:a="http://schemas.openxmlformats.org/drawingml/2006/main" xmlns:r="http://schemas.openxmlformats.org/officeDocument/2006/relationships" xmlns:p="http://schemas.openxmlformats.org/presentationml/2006/main" type="tx">
+  <p:cSld name="標題及直排文字">
+    <p:spTree>
+      <p:nvGrpSpPr>
+        <p:cNvPr id="1" name=""/>
+        <p:cNvGrpSpPr/>
+        <p:nvPr/>
+      </p:nvGrpSpPr>
+      <p:grpSpPr>
+        <a:xfrm>
+          <a:off x="0" y="0"/>
+          <a:ext cx="0" cy="0"/>
+          <a:chOff x="0" y="0"/>
+          <a:chExt cx="0" cy="0"/>
+        </a:xfrm>
+      </p:grpSpPr>
+      <p:sp>
+        <p:nvSpPr>
+          <p:cNvPr id="93" name="Title Text"/>
+          <p:cNvSpPr txBox="1">
+            <a:spLocks noGrp="1"/>
+          </p:cNvSpPr>
+          <p:nvPr>
+            <p:ph type="title"/>
+          </p:nvPr>
+        </p:nvSpPr>
+        <p:spPr>
+          <a:prstGeom prst="rect">
+            <a:avLst/>
+          </a:prstGeom>
+        </p:spPr>
+        <p:txBody>
+          <a:bodyPr/>
+          <a:lstStyle/>
+          <a:p>
+            <a:r>
+              <a:t>Title Text</a:t>
+            </a:r>
+          </a:p>
+        </p:txBody>
+      </p:sp>
+      <p:sp>
+        <p:nvSpPr>
+          <p:cNvPr id="94" name="Body Level One…"/>
+          <p:cNvSpPr txBox="1">
+            <a:spLocks noGrp="1"/>
+          </p:cNvSpPr>
+          <p:nvPr>
+            <p:ph type="body" idx="1"/>
+          </p:nvPr>
+        </p:nvSpPr>
+        <p:spPr>
+          <a:prstGeom prst="rect">
+            <a:avLst/>
+          </a:prstGeom>
+        </p:spPr>
+        <p:txBody>
+          <a:bodyPr/>
+          <a:lstStyle/>
+          <a:p>
+            <a:r>
+              <a:t>Body Level One</a:t>
+            </a:r>
+          </a:p>
+          <a:p>
+            <a:pPr lvl="1"/>
+            <a:r>
+              <a:t>Body Level Two</a:t>
+            </a:r>
+          </a:p>
+          <a:p>
+            <a:pPr lvl="2"/>
+            <a:r>
+              <a:t>Body Level Three</a:t>
+            </a:r>
+          </a:p>
+          <a:p>
+            <a:pPr lvl="3"/>
+            <a:r>
+              <a:t>Body Level Four</a:t>
+            </a:r>
+          </a:p>
+          <a:p>
+            <a:pPr lvl="4"/>
+            <a:r>
+              <a:t>Body Level Five</a:t>
+            </a:r>
+          </a:p>
+        </p:txBody>
+      </p:sp>
+      <p:sp>
+        <p:nvSpPr>
+          <p:cNvPr id="95" name="Slide Number"/>
+          <p:cNvSpPr txBox="1">
+            <a:spLocks noGrp="1"/>
+          </p:cNvSpPr>
+          <p:nvPr>
+            <p:ph type="sldNum" sz="quarter" idx="2"/>
+          </p:nvPr>
+        </p:nvSpPr>
+        <p:spPr>
+          <a:prstGeom prst="rect">
+            <a:avLst/>
+          </a:prstGeom>
+        </p:spPr>
+        <p:txBody>
+          <a:bodyPr/>
+          <a:lstStyle/>
+          <a:p>
+            <a:fld id="{86CB4B4D-7CA3-9044-876B-883B54F8677D}" type="slidenum">
+              <a:t>‹#›</a:t>
+            </a:fld>
+            <a:endParaRPr/>
+          </a:p>
+        </p:txBody>
+      </p:sp>
+    </p:spTree>
+    <p:extLst>
+      <p:ext uri="{BB962C8B-B14F-4D97-AF65-F5344CB8AC3E}">
+        <p14:creationId xmlns:p14="http://schemas.microsoft.com/office/powerpoint/2010/main" val="3111208895"/>
+      </p:ext>
+    </p:extLst>
+  </p:cSld>
+  <p:clrMapOvr>
+    <a:masterClrMapping/>
+  </p:clrMapOvr>
+  <p:transition spd="med"/>
+</p:sldLayout>
+</file>
+
+<file path=ppt/slideLayouts/slideLayout23.xml><?xml version="1.0" encoding="utf-8"?>
+<p:sldLayout xmlns:a="http://schemas.openxmlformats.org/drawingml/2006/main" xmlns:r="http://schemas.openxmlformats.org/officeDocument/2006/relationships" xmlns:p="http://schemas.openxmlformats.org/presentationml/2006/main" type="tx">
+  <p:cSld name="1_標題投影片">
+    <p:spTree>
+      <p:nvGrpSpPr>
+        <p:cNvPr id="1" name=""/>
+        <p:cNvGrpSpPr/>
+        <p:nvPr/>
+      </p:nvGrpSpPr>
+      <p:grpSpPr>
+        <a:xfrm>
+          <a:off x="0" y="0"/>
+          <a:ext cx="0" cy="0"/>
+          <a:chOff x="0" y="0"/>
+          <a:chExt cx="0" cy="0"/>
+        </a:xfrm>
+      </p:grpSpPr>
+      <p:sp>
+        <p:nvSpPr>
+          <p:cNvPr id="102" name="Title Text"/>
+          <p:cNvSpPr txBox="1">
+            <a:spLocks noGrp="1"/>
+          </p:cNvSpPr>
+          <p:nvPr>
+            <p:ph type="title"/>
+          </p:nvPr>
+        </p:nvSpPr>
+        <p:spPr>
+          <a:xfrm>
+            <a:off x="1080135" y="3354927"/>
+            <a:ext cx="12241532" cy="2314950"/>
+          </a:xfrm>
+          <a:prstGeom prst="rect">
+            <a:avLst/>
+          </a:prstGeom>
+        </p:spPr>
+        <p:txBody>
+          <a:bodyPr/>
+          <a:lstStyle>
+            <a:lvl1pPr>
+              <a:defRPr>
+                <a:latin typeface="微軟正黑體"/>
+                <a:ea typeface="微軟正黑體"/>
+                <a:cs typeface="微軟正黑體"/>
+                <a:sym typeface="微軟正黑體"/>
+              </a:defRPr>
+            </a:lvl1pPr>
+          </a:lstStyle>
+          <a:p>
+            <a:r>
+              <a:t>Title Text</a:t>
+            </a:r>
+          </a:p>
+        </p:txBody>
+      </p:sp>
+      <p:sp>
+        <p:nvSpPr>
+          <p:cNvPr id="103" name="Body Level One…"/>
+          <p:cNvSpPr txBox="1">
+            <a:spLocks noGrp="1"/>
+          </p:cNvSpPr>
+          <p:nvPr>
+            <p:ph type="body" sz="quarter" idx="1"/>
+          </p:nvPr>
+        </p:nvSpPr>
+        <p:spPr>
+          <a:xfrm>
+            <a:off x="2160270" y="6119864"/>
+            <a:ext cx="10081260" cy="2759944"/>
+          </a:xfrm>
+          <a:prstGeom prst="rect">
+            <a:avLst/>
+          </a:prstGeom>
+        </p:spPr>
+        <p:txBody>
+          <a:bodyPr/>
+          <a:lstStyle>
+            <a:lvl1pPr marL="0" indent="0" algn="ctr">
+              <a:buSzTx/>
+              <a:buFontTx/>
+              <a:buNone/>
+              <a:defRPr>
+                <a:solidFill>
+                  <a:srgbClr val="888888"/>
+                </a:solidFill>
+                <a:latin typeface="微軟正黑體"/>
+                <a:ea typeface="微軟正黑體"/>
+                <a:cs typeface="微軟正黑體"/>
+                <a:sym typeface="微軟正黑體"/>
+              </a:defRPr>
+            </a:lvl1pPr>
+            <a:lvl2pPr marL="0" indent="0" algn="ctr">
+              <a:buSzTx/>
+              <a:buFontTx/>
+              <a:buNone/>
+              <a:defRPr>
+                <a:solidFill>
+                  <a:srgbClr val="888888"/>
+                </a:solidFill>
+                <a:latin typeface="微軟正黑體"/>
+                <a:ea typeface="微軟正黑體"/>
+                <a:cs typeface="微軟正黑體"/>
+                <a:sym typeface="微軟正黑體"/>
+              </a:defRPr>
+            </a:lvl2pPr>
+            <a:lvl3pPr marL="0" indent="0" algn="ctr">
+              <a:buSzTx/>
+              <a:buFontTx/>
+              <a:buNone/>
+              <a:defRPr>
+                <a:solidFill>
+                  <a:srgbClr val="888888"/>
+                </a:solidFill>
+                <a:latin typeface="微軟正黑體"/>
+                <a:ea typeface="微軟正黑體"/>
+                <a:cs typeface="微軟正黑體"/>
+                <a:sym typeface="微軟正黑體"/>
+              </a:defRPr>
+            </a:lvl3pPr>
+            <a:lvl4pPr marL="0" indent="0" algn="ctr">
+              <a:buSzTx/>
+              <a:buFontTx/>
+              <a:buNone/>
+              <a:defRPr>
+                <a:solidFill>
+                  <a:srgbClr val="888888"/>
+                </a:solidFill>
+                <a:latin typeface="微軟正黑體"/>
+                <a:ea typeface="微軟正黑體"/>
+                <a:cs typeface="微軟正黑體"/>
+                <a:sym typeface="微軟正黑體"/>
+              </a:defRPr>
+            </a:lvl4pPr>
+            <a:lvl5pPr marL="0" indent="0" algn="ctr">
+              <a:buSzTx/>
+              <a:buFontTx/>
+              <a:buNone/>
+              <a:defRPr>
+                <a:solidFill>
+                  <a:srgbClr val="888888"/>
+                </a:solidFill>
+                <a:latin typeface="微軟正黑體"/>
+                <a:ea typeface="微軟正黑體"/>
+                <a:cs typeface="微軟正黑體"/>
+                <a:sym typeface="微軟正黑體"/>
+              </a:defRPr>
+            </a:lvl5pPr>
+          </a:lstStyle>
+          <a:p>
+            <a:r>
+              <a:t>Body Level One</a:t>
+            </a:r>
+          </a:p>
+          <a:p>
+            <a:pPr lvl="1"/>
+            <a:r>
+              <a:t>Body Level Two</a:t>
+            </a:r>
+          </a:p>
+          <a:p>
+            <a:pPr lvl="2"/>
+            <a:r>
+              <a:t>Body Level Three</a:t>
+            </a:r>
+          </a:p>
+          <a:p>
+            <a:pPr lvl="3"/>
+            <a:r>
+              <a:t>Body Level Four</a:t>
+            </a:r>
+          </a:p>
+          <a:p>
+            <a:pPr lvl="4"/>
+            <a:r>
+              <a:t>Body Level Five</a:t>
+            </a:r>
+          </a:p>
+        </p:txBody>
+      </p:sp>
+      <p:pic>
+        <p:nvPicPr>
+          <p:cNvPr id="104" name="Picture 2" descr="Picture 2"/>
+          <p:cNvPicPr>
+            <a:picLocks noChangeAspect="1"/>
+          </p:cNvPicPr>
+          <p:nvPr/>
+        </p:nvPicPr>
+        <p:blipFill>
+          <a:blip r:embed="rId2">
+            <a:extLst/>
+          </a:blip>
+          <a:stretch>
+            <a:fillRect/>
+          </a:stretch>
+        </p:blipFill>
+        <p:spPr>
+          <a:xfrm>
+            <a:off x="-57181" y="297065"/>
+            <a:ext cx="2948404" cy="537310"/>
+          </a:xfrm>
+          <a:prstGeom prst="rect">
+            <a:avLst/>
+          </a:prstGeom>
+          <a:ln w="12700">
+            <a:miter lim="400000"/>
+          </a:ln>
+        </p:spPr>
+      </p:pic>
+      <p:sp>
+        <p:nvSpPr>
+          <p:cNvPr id="105" name="Slide Number"/>
+          <p:cNvSpPr txBox="1">
+            <a:spLocks noGrp="1"/>
+          </p:cNvSpPr>
+          <p:nvPr>
+            <p:ph type="sldNum" sz="quarter" idx="2"/>
+          </p:nvPr>
+        </p:nvSpPr>
+        <p:spPr>
+          <a:xfrm>
+            <a:off x="13337814" y="10118205"/>
+            <a:ext cx="343899" cy="358137"/>
+          </a:xfrm>
+          <a:prstGeom prst="rect">
+            <a:avLst/>
+          </a:prstGeom>
+        </p:spPr>
+        <p:txBody>
+          <a:bodyPr/>
+          <a:lstStyle>
+            <a:lvl1pPr>
+              <a:defRPr>
+                <a:latin typeface="Calibri"/>
+                <a:ea typeface="Calibri"/>
+                <a:cs typeface="Calibri"/>
+                <a:sym typeface="Calibri"/>
+              </a:defRPr>
+            </a:lvl1pPr>
+          </a:lstStyle>
+          <a:p>
+            <a:fld id="{86CB4B4D-7CA3-9044-876B-883B54F8677D}" type="slidenum">
+              <a:t>‹#›</a:t>
+            </a:fld>
+            <a:endParaRPr/>
+          </a:p>
+        </p:txBody>
+      </p:sp>
+    </p:spTree>
+    <p:extLst>
+      <p:ext uri="{BB962C8B-B14F-4D97-AF65-F5344CB8AC3E}">
+        <p14:creationId xmlns:p14="http://schemas.microsoft.com/office/powerpoint/2010/main" val="13772700"/>
+      </p:ext>
+    </p:extLst>
+  </p:cSld>
+  <p:clrMapOvr>
+    <a:masterClrMapping/>
+  </p:clrMapOvr>
+  <p:transition spd="med"/>
+</p:sldLayout>
+</file>
+
+<file path=ppt/slideLayouts/slideLayout24.xml><?xml version="1.0" encoding="utf-8"?>
+<p:sldLayout xmlns:a="http://schemas.openxmlformats.org/drawingml/2006/main" xmlns:r="http://schemas.openxmlformats.org/officeDocument/2006/relationships" xmlns:p="http://schemas.openxmlformats.org/presentationml/2006/main" type="tx">
+  <p:cSld name="1_標題及物件">
+    <p:spTree>
+      <p:nvGrpSpPr>
+        <p:cNvPr id="1" name=""/>
+        <p:cNvGrpSpPr/>
+        <p:nvPr/>
+      </p:nvGrpSpPr>
+      <p:grpSpPr>
+        <a:xfrm>
+          <a:off x="0" y="0"/>
+          <a:ext cx="0" cy="0"/>
+          <a:chOff x="0" y="0"/>
+          <a:chExt cx="0" cy="0"/>
+        </a:xfrm>
+      </p:grpSpPr>
+      <p:sp>
+        <p:nvSpPr>
+          <p:cNvPr id="112" name="Title Text"/>
+          <p:cNvSpPr txBox="1">
+            <a:spLocks noGrp="1"/>
+          </p:cNvSpPr>
+          <p:nvPr>
+            <p:ph type="title"/>
+          </p:nvPr>
+        </p:nvSpPr>
+        <p:spPr>
+          <a:prstGeom prst="rect">
+            <a:avLst/>
+          </a:prstGeom>
+        </p:spPr>
+        <p:txBody>
+          <a:bodyPr/>
+          <a:lstStyle>
+            <a:lvl1pPr>
+              <a:defRPr>
+                <a:latin typeface="微軟正黑體"/>
+                <a:ea typeface="微軟正黑體"/>
+                <a:cs typeface="微軟正黑體"/>
+                <a:sym typeface="微軟正黑體"/>
+              </a:defRPr>
+            </a:lvl1pPr>
+          </a:lstStyle>
+          <a:p>
+            <a:r>
+              <a:t>Title Text</a:t>
+            </a:r>
+          </a:p>
+        </p:txBody>
+      </p:sp>
+      <p:sp>
+        <p:nvSpPr>
+          <p:cNvPr id="113" name="Body Level One…"/>
+          <p:cNvSpPr txBox="1">
+            <a:spLocks noGrp="1"/>
+          </p:cNvSpPr>
+          <p:nvPr>
+            <p:ph type="body" idx="1"/>
+          </p:nvPr>
+        </p:nvSpPr>
+        <p:spPr>
+          <a:prstGeom prst="rect">
+            <a:avLst/>
+          </a:prstGeom>
+        </p:spPr>
+        <p:txBody>
+          <a:bodyPr/>
+          <a:lstStyle>
+            <a:lvl1pPr>
+              <a:defRPr>
+                <a:latin typeface="微軟正黑體"/>
+                <a:ea typeface="微軟正黑體"/>
+                <a:cs typeface="微軟正黑體"/>
+                <a:sym typeface="微軟正黑體"/>
+              </a:defRPr>
+            </a:lvl1pPr>
+            <a:lvl2pPr>
+              <a:defRPr>
+                <a:latin typeface="微軟正黑體"/>
+                <a:ea typeface="微軟正黑體"/>
+                <a:cs typeface="微軟正黑體"/>
+                <a:sym typeface="微軟正黑體"/>
+              </a:defRPr>
+            </a:lvl2pPr>
+            <a:lvl3pPr indent="-486485">
+              <a:defRPr>
+                <a:latin typeface="微軟正黑體"/>
+                <a:ea typeface="微軟正黑體"/>
+                <a:cs typeface="微軟正黑體"/>
+                <a:sym typeface="微軟正黑體"/>
+              </a:defRPr>
+            </a:lvl3pPr>
+            <a:lvl4pPr>
+              <a:defRPr>
+                <a:latin typeface="微軟正黑體"/>
+                <a:ea typeface="微軟正黑體"/>
+                <a:cs typeface="微軟正黑體"/>
+                <a:sym typeface="微軟正黑體"/>
+              </a:defRPr>
+            </a:lvl4pPr>
+            <a:lvl5pPr marL="3460636">
+              <a:defRPr>
+                <a:latin typeface="微軟正黑體"/>
+                <a:ea typeface="微軟正黑體"/>
+                <a:cs typeface="微軟正黑體"/>
+                <a:sym typeface="微軟正黑體"/>
+              </a:defRPr>
+            </a:lvl5pPr>
+          </a:lstStyle>
+          <a:p>
+            <a:r>
+              <a:t>Body Level One</a:t>
+            </a:r>
+          </a:p>
+          <a:p>
+            <a:pPr lvl="1"/>
+            <a:r>
+              <a:t>Body Level Two</a:t>
+            </a:r>
+          </a:p>
+          <a:p>
+            <a:pPr lvl="2"/>
+            <a:r>
+              <a:t>Body Level Three</a:t>
+            </a:r>
+          </a:p>
+          <a:p>
+            <a:pPr lvl="3"/>
+            <a:r>
+              <a:t>Body Level Four</a:t>
+            </a:r>
+          </a:p>
+          <a:p>
+            <a:pPr lvl="4"/>
+            <a:r>
+              <a:t>Body Level Five</a:t>
+            </a:r>
+          </a:p>
+        </p:txBody>
+      </p:sp>
+      <p:sp>
+        <p:nvSpPr>
+          <p:cNvPr id="114" name="Slide Number"/>
+          <p:cNvSpPr txBox="1">
+            <a:spLocks noGrp="1"/>
+          </p:cNvSpPr>
+          <p:nvPr>
+            <p:ph type="sldNum" sz="quarter" idx="2"/>
+          </p:nvPr>
+        </p:nvSpPr>
+        <p:spPr>
+          <a:xfrm>
+            <a:off x="13337814" y="10118205"/>
+            <a:ext cx="343899" cy="358137"/>
+          </a:xfrm>
+          <a:prstGeom prst="rect">
+            <a:avLst/>
+          </a:prstGeom>
+        </p:spPr>
+        <p:txBody>
+          <a:bodyPr/>
+          <a:lstStyle>
+            <a:lvl1pPr>
+              <a:defRPr>
+                <a:latin typeface="Calibri"/>
+                <a:ea typeface="Calibri"/>
+                <a:cs typeface="Calibri"/>
+                <a:sym typeface="Calibri"/>
+              </a:defRPr>
+            </a:lvl1pPr>
+          </a:lstStyle>
+          <a:p>
+            <a:fld id="{86CB4B4D-7CA3-9044-876B-883B54F8677D}" type="slidenum">
+              <a:t>‹#›</a:t>
+            </a:fld>
+            <a:endParaRPr/>
+          </a:p>
+        </p:txBody>
+      </p:sp>
+    </p:spTree>
+    <p:extLst>
+      <p:ext uri="{BB962C8B-B14F-4D97-AF65-F5344CB8AC3E}">
+        <p14:creationId xmlns:p14="http://schemas.microsoft.com/office/powerpoint/2010/main" val="3343413822"/>
+      </p:ext>
+    </p:extLst>
+  </p:cSld>
+  <p:clrMapOvr>
+    <a:masterClrMapping/>
+  </p:clrMapOvr>
+  <p:transition spd="med"/>
+</p:sldLayout>
+</file>
+
+<file path=ppt/slideLayouts/slideLayout3.xml><?xml version="1.0" encoding="utf-8"?>
+<p:sldLayout xmlns:a="http://schemas.openxmlformats.org/drawingml/2006/main" xmlns:r="http://schemas.openxmlformats.org/officeDocument/2006/relationships" xmlns:p="http://schemas.openxmlformats.org/presentationml/2006/main" type="tx">
+  <p:cSld name="章節標題">
+    <p:spTree>
+      <p:nvGrpSpPr>
+        <p:cNvPr id="1" name=""/>
+        <p:cNvGrpSpPr/>
+        <p:nvPr/>
+      </p:nvGrpSpPr>
+      <p:grpSpPr>
+        <a:xfrm>
+          <a:off x="0" y="0"/>
+          <a:ext cx="0" cy="0"/>
+          <a:chOff x="0" y="0"/>
+          <a:chExt cx="0" cy="0"/>
+        </a:xfrm>
+      </p:grpSpPr>
+      <p:sp>
+        <p:nvSpPr>
+          <p:cNvPr id="30" name="Title Text"/>
+          <p:cNvSpPr txBox="1">
+            <a:spLocks noGrp="1"/>
+          </p:cNvSpPr>
+          <p:nvPr>
+            <p:ph type="title"/>
+          </p:nvPr>
+        </p:nvSpPr>
+        <p:spPr>
+          <a:xfrm>
+            <a:off x="1137641" y="6939846"/>
+            <a:ext cx="12241533" cy="2144961"/>
+          </a:xfrm>
+          <a:prstGeom prst="rect">
+            <a:avLst/>
+          </a:prstGeom>
+        </p:spPr>
+        <p:txBody>
+          <a:bodyPr anchor="t"/>
+          <a:lstStyle>
+            <a:lvl1pPr algn="l">
+              <a:defRPr sz="6200" b="1" cap="all"/>
+            </a:lvl1pPr>
+          </a:lstStyle>
+          <a:p>
+            <a:r>
+              <a:t>Title Text</a:t>
+            </a:r>
+          </a:p>
+        </p:txBody>
+      </p:sp>
+      <p:sp>
+        <p:nvSpPr>
+          <p:cNvPr id="31" name="Body Level One…"/>
+          <p:cNvSpPr txBox="1">
+            <a:spLocks noGrp="1"/>
+          </p:cNvSpPr>
+          <p:nvPr>
+            <p:ph type="body" sz="quarter" idx="1"/>
+          </p:nvPr>
+        </p:nvSpPr>
+        <p:spPr>
+          <a:xfrm>
+            <a:off x="1137641" y="4577400"/>
+            <a:ext cx="12241533" cy="2362452"/>
+          </a:xfrm>
+          <a:prstGeom prst="rect">
+            <a:avLst/>
+          </a:prstGeom>
+        </p:spPr>
+        <p:txBody>
+          <a:bodyPr anchor="b"/>
+          <a:lstStyle>
+            <a:lvl1pPr marL="0" indent="0">
+              <a:spcBef>
+                <a:spcPts val="700"/>
+              </a:spcBef>
+              <a:buSzTx/>
+              <a:buFontTx/>
+              <a:buNone/>
+              <a:defRPr sz="3100">
+                <a:solidFill>
+                  <a:srgbClr val="888888"/>
+                </a:solidFill>
+              </a:defRPr>
+            </a:lvl1pPr>
+            <a:lvl2pPr marL="0" indent="0">
+              <a:spcBef>
+                <a:spcPts val="700"/>
+              </a:spcBef>
+              <a:buSzTx/>
+              <a:buFontTx/>
+              <a:buNone/>
+              <a:defRPr sz="3100">
+                <a:solidFill>
+                  <a:srgbClr val="888888"/>
+                </a:solidFill>
+              </a:defRPr>
+            </a:lvl2pPr>
+            <a:lvl3pPr marL="0" indent="0">
+              <a:spcBef>
+                <a:spcPts val="700"/>
+              </a:spcBef>
+              <a:buSzTx/>
+              <a:buFontTx/>
+              <a:buNone/>
+              <a:defRPr sz="3100">
+                <a:solidFill>
+                  <a:srgbClr val="888888"/>
+                </a:solidFill>
+              </a:defRPr>
+            </a:lvl3pPr>
+            <a:lvl4pPr marL="0" indent="0">
+              <a:spcBef>
+                <a:spcPts val="700"/>
+              </a:spcBef>
+              <a:buSzTx/>
+              <a:buFontTx/>
+              <a:buNone/>
+              <a:defRPr sz="3100">
+                <a:solidFill>
+                  <a:srgbClr val="888888"/>
+                </a:solidFill>
+              </a:defRPr>
+            </a:lvl4pPr>
+            <a:lvl5pPr marL="0" indent="0">
+              <a:spcBef>
+                <a:spcPts val="700"/>
+              </a:spcBef>
+              <a:buSzTx/>
+              <a:buFontTx/>
+              <a:buNone/>
+              <a:defRPr sz="3100">
+                <a:solidFill>
+                  <a:srgbClr val="888888"/>
+                </a:solidFill>
+              </a:defRPr>
+            </a:lvl5pPr>
+          </a:lstStyle>
+          <a:p>
+            <a:r>
+              <a:t>Body Level One</a:t>
+            </a:r>
+          </a:p>
+          <a:p>
+            <a:pPr lvl="1"/>
+            <a:r>
+              <a:t>Body Level Two</a:t>
+            </a:r>
+          </a:p>
+          <a:p>
+            <a:pPr lvl="2"/>
+            <a:r>
+              <a:t>Body Level Three</a:t>
+            </a:r>
+          </a:p>
+          <a:p>
+            <a:pPr lvl="3"/>
+            <a:r>
+              <a:t>Body Level Four</a:t>
+            </a:r>
+          </a:p>
+          <a:p>
+            <a:pPr lvl="4"/>
+            <a:r>
+              <a:t>Body Level Five</a:t>
+            </a:r>
+          </a:p>
+        </p:txBody>
+      </p:sp>
+      <p:sp>
+        <p:nvSpPr>
+          <p:cNvPr id="32" name="Slide Number"/>
+          <p:cNvSpPr txBox="1">
+            <a:spLocks noGrp="1"/>
+          </p:cNvSpPr>
+          <p:nvPr>
+            <p:ph type="sldNum" sz="quarter" idx="2"/>
+          </p:nvPr>
+        </p:nvSpPr>
+        <p:spPr>
+          <a:prstGeom prst="rect">
+            <a:avLst/>
+          </a:prstGeom>
+        </p:spPr>
+        <p:txBody>
+          <a:bodyPr/>
+          <a:lstStyle/>
+          <a:p>
+            <a:fld id="{86CB4B4D-7CA3-9044-876B-883B54F8677D}" type="slidenum">
+              <a:t>‹#›</a:t>
+            </a:fld>
+            <a:endParaRPr/>
+          </a:p>
+        </p:txBody>
+      </p:sp>
+    </p:spTree>
   </p:cSld>
   <p:clrMapOvr>
     <a:masterClrMapping/>
@@ -2702,6 +4785,1001 @@
     <p:sldLayoutId id="2147483658" r:id="rId10"/>
     <p:sldLayoutId id="2147483659" r:id="rId11"/>
     <p:sldLayoutId id="2147483660" r:id="rId12"/>
+  </p:sldLayoutIdLst>
+  <p:transition spd="med"/>
+  <p:txStyles>
+    <p:titleStyle>
+      <a:lvl1pPr marL="0" marR="0" indent="0" algn="ctr" defTabSz="1439996" rtl="0" latinLnBrk="0">
+        <a:lnSpc>
+          <a:spcPct val="100000"/>
+        </a:lnSpc>
+        <a:spcBef>
+          <a:spcPts val="0"/>
+        </a:spcBef>
+        <a:spcAft>
+          <a:spcPts val="0"/>
+        </a:spcAft>
+        <a:buClrTx/>
+        <a:buSzTx/>
+        <a:buFontTx/>
+        <a:buNone/>
+        <a:tabLst/>
+        <a:defRPr sz="6900" b="0" i="0" u="none" strike="noStrike" cap="none" spc="0" baseline="0">
+          <a:ln>
+            <a:noFill/>
+          </a:ln>
+          <a:solidFill>
+            <a:srgbClr val="000000"/>
+          </a:solidFill>
+          <a:uFillTx/>
+          <a:latin typeface="+mn-lt"/>
+          <a:ea typeface="+mn-ea"/>
+          <a:cs typeface="+mn-cs"/>
+          <a:sym typeface="Helvetica"/>
+        </a:defRPr>
+      </a:lvl1pPr>
+      <a:lvl2pPr marL="0" marR="0" indent="0" algn="ctr" defTabSz="1439996" rtl="0" latinLnBrk="0">
+        <a:lnSpc>
+          <a:spcPct val="100000"/>
+        </a:lnSpc>
+        <a:spcBef>
+          <a:spcPts val="0"/>
+        </a:spcBef>
+        <a:spcAft>
+          <a:spcPts val="0"/>
+        </a:spcAft>
+        <a:buClrTx/>
+        <a:buSzTx/>
+        <a:buFontTx/>
+        <a:buNone/>
+        <a:tabLst/>
+        <a:defRPr sz="6900" b="0" i="0" u="none" strike="noStrike" cap="none" spc="0" baseline="0">
+          <a:ln>
+            <a:noFill/>
+          </a:ln>
+          <a:solidFill>
+            <a:srgbClr val="000000"/>
+          </a:solidFill>
+          <a:uFillTx/>
+          <a:latin typeface="+mn-lt"/>
+          <a:ea typeface="+mn-ea"/>
+          <a:cs typeface="+mn-cs"/>
+          <a:sym typeface="Helvetica"/>
+        </a:defRPr>
+      </a:lvl2pPr>
+      <a:lvl3pPr marL="0" marR="0" indent="0" algn="ctr" defTabSz="1439996" rtl="0" latinLnBrk="0">
+        <a:lnSpc>
+          <a:spcPct val="100000"/>
+        </a:lnSpc>
+        <a:spcBef>
+          <a:spcPts val="0"/>
+        </a:spcBef>
+        <a:spcAft>
+          <a:spcPts val="0"/>
+        </a:spcAft>
+        <a:buClrTx/>
+        <a:buSzTx/>
+        <a:buFontTx/>
+        <a:buNone/>
+        <a:tabLst/>
+        <a:defRPr sz="6900" b="0" i="0" u="none" strike="noStrike" cap="none" spc="0" baseline="0">
+          <a:ln>
+            <a:noFill/>
+          </a:ln>
+          <a:solidFill>
+            <a:srgbClr val="000000"/>
+          </a:solidFill>
+          <a:uFillTx/>
+          <a:latin typeface="+mn-lt"/>
+          <a:ea typeface="+mn-ea"/>
+          <a:cs typeface="+mn-cs"/>
+          <a:sym typeface="Helvetica"/>
+        </a:defRPr>
+      </a:lvl3pPr>
+      <a:lvl4pPr marL="0" marR="0" indent="0" algn="ctr" defTabSz="1439996" rtl="0" latinLnBrk="0">
+        <a:lnSpc>
+          <a:spcPct val="100000"/>
+        </a:lnSpc>
+        <a:spcBef>
+          <a:spcPts val="0"/>
+        </a:spcBef>
+        <a:spcAft>
+          <a:spcPts val="0"/>
+        </a:spcAft>
+        <a:buClrTx/>
+        <a:buSzTx/>
+        <a:buFontTx/>
+        <a:buNone/>
+        <a:tabLst/>
+        <a:defRPr sz="6900" b="0" i="0" u="none" strike="noStrike" cap="none" spc="0" baseline="0">
+          <a:ln>
+            <a:noFill/>
+          </a:ln>
+          <a:solidFill>
+            <a:srgbClr val="000000"/>
+          </a:solidFill>
+          <a:uFillTx/>
+          <a:latin typeface="+mn-lt"/>
+          <a:ea typeface="+mn-ea"/>
+          <a:cs typeface="+mn-cs"/>
+          <a:sym typeface="Helvetica"/>
+        </a:defRPr>
+      </a:lvl4pPr>
+      <a:lvl5pPr marL="0" marR="0" indent="0" algn="ctr" defTabSz="1439996" rtl="0" latinLnBrk="0">
+        <a:lnSpc>
+          <a:spcPct val="100000"/>
+        </a:lnSpc>
+        <a:spcBef>
+          <a:spcPts val="0"/>
+        </a:spcBef>
+        <a:spcAft>
+          <a:spcPts val="0"/>
+        </a:spcAft>
+        <a:buClrTx/>
+        <a:buSzTx/>
+        <a:buFontTx/>
+        <a:buNone/>
+        <a:tabLst/>
+        <a:defRPr sz="6900" b="0" i="0" u="none" strike="noStrike" cap="none" spc="0" baseline="0">
+          <a:ln>
+            <a:noFill/>
+          </a:ln>
+          <a:solidFill>
+            <a:srgbClr val="000000"/>
+          </a:solidFill>
+          <a:uFillTx/>
+          <a:latin typeface="+mn-lt"/>
+          <a:ea typeface="+mn-ea"/>
+          <a:cs typeface="+mn-cs"/>
+          <a:sym typeface="Helvetica"/>
+        </a:defRPr>
+      </a:lvl5pPr>
+      <a:lvl6pPr marL="0" marR="0" indent="0" algn="ctr" defTabSz="1439996" rtl="0" latinLnBrk="0">
+        <a:lnSpc>
+          <a:spcPct val="100000"/>
+        </a:lnSpc>
+        <a:spcBef>
+          <a:spcPts val="0"/>
+        </a:spcBef>
+        <a:spcAft>
+          <a:spcPts val="0"/>
+        </a:spcAft>
+        <a:buClrTx/>
+        <a:buSzTx/>
+        <a:buFontTx/>
+        <a:buNone/>
+        <a:tabLst/>
+        <a:defRPr sz="6900" b="0" i="0" u="none" strike="noStrike" cap="none" spc="0" baseline="0">
+          <a:ln>
+            <a:noFill/>
+          </a:ln>
+          <a:solidFill>
+            <a:srgbClr val="000000"/>
+          </a:solidFill>
+          <a:uFillTx/>
+          <a:latin typeface="+mn-lt"/>
+          <a:ea typeface="+mn-ea"/>
+          <a:cs typeface="+mn-cs"/>
+          <a:sym typeface="Helvetica"/>
+        </a:defRPr>
+      </a:lvl6pPr>
+      <a:lvl7pPr marL="0" marR="0" indent="0" algn="ctr" defTabSz="1439996" rtl="0" latinLnBrk="0">
+        <a:lnSpc>
+          <a:spcPct val="100000"/>
+        </a:lnSpc>
+        <a:spcBef>
+          <a:spcPts val="0"/>
+        </a:spcBef>
+        <a:spcAft>
+          <a:spcPts val="0"/>
+        </a:spcAft>
+        <a:buClrTx/>
+        <a:buSzTx/>
+        <a:buFontTx/>
+        <a:buNone/>
+        <a:tabLst/>
+        <a:defRPr sz="6900" b="0" i="0" u="none" strike="noStrike" cap="none" spc="0" baseline="0">
+          <a:ln>
+            <a:noFill/>
+          </a:ln>
+          <a:solidFill>
+            <a:srgbClr val="000000"/>
+          </a:solidFill>
+          <a:uFillTx/>
+          <a:latin typeface="+mn-lt"/>
+          <a:ea typeface="+mn-ea"/>
+          <a:cs typeface="+mn-cs"/>
+          <a:sym typeface="Helvetica"/>
+        </a:defRPr>
+      </a:lvl7pPr>
+      <a:lvl8pPr marL="0" marR="0" indent="0" algn="ctr" defTabSz="1439996" rtl="0" latinLnBrk="0">
+        <a:lnSpc>
+          <a:spcPct val="100000"/>
+        </a:lnSpc>
+        <a:spcBef>
+          <a:spcPts val="0"/>
+        </a:spcBef>
+        <a:spcAft>
+          <a:spcPts val="0"/>
+        </a:spcAft>
+        <a:buClrTx/>
+        <a:buSzTx/>
+        <a:buFontTx/>
+        <a:buNone/>
+        <a:tabLst/>
+        <a:defRPr sz="6900" b="0" i="0" u="none" strike="noStrike" cap="none" spc="0" baseline="0">
+          <a:ln>
+            <a:noFill/>
+          </a:ln>
+          <a:solidFill>
+            <a:srgbClr val="000000"/>
+          </a:solidFill>
+          <a:uFillTx/>
+          <a:latin typeface="+mn-lt"/>
+          <a:ea typeface="+mn-ea"/>
+          <a:cs typeface="+mn-cs"/>
+          <a:sym typeface="Helvetica"/>
+        </a:defRPr>
+      </a:lvl8pPr>
+      <a:lvl9pPr marL="0" marR="0" indent="0" algn="ctr" defTabSz="1439996" rtl="0" latinLnBrk="0">
+        <a:lnSpc>
+          <a:spcPct val="100000"/>
+        </a:lnSpc>
+        <a:spcBef>
+          <a:spcPts val="0"/>
+        </a:spcBef>
+        <a:spcAft>
+          <a:spcPts val="0"/>
+        </a:spcAft>
+        <a:buClrTx/>
+        <a:buSzTx/>
+        <a:buFontTx/>
+        <a:buNone/>
+        <a:tabLst/>
+        <a:defRPr sz="6900" b="0" i="0" u="none" strike="noStrike" cap="none" spc="0" baseline="0">
+          <a:ln>
+            <a:noFill/>
+          </a:ln>
+          <a:solidFill>
+            <a:srgbClr val="000000"/>
+          </a:solidFill>
+          <a:uFillTx/>
+          <a:latin typeface="+mn-lt"/>
+          <a:ea typeface="+mn-ea"/>
+          <a:cs typeface="+mn-cs"/>
+          <a:sym typeface="Helvetica"/>
+        </a:defRPr>
+      </a:lvl9pPr>
+    </p:titleStyle>
+    <p:bodyStyle>
+      <a:lvl1pPr marL="539999" marR="0" indent="-539999" algn="l" defTabSz="1439996" rtl="0" latinLnBrk="0">
+        <a:lnSpc>
+          <a:spcPct val="100000"/>
+        </a:lnSpc>
+        <a:spcBef>
+          <a:spcPts val="1200"/>
+        </a:spcBef>
+        <a:spcAft>
+          <a:spcPts val="0"/>
+        </a:spcAft>
+        <a:buClrTx/>
+        <a:buSzPct val="100000"/>
+        <a:buFont typeface="Arial"/>
+        <a:buChar char="•"/>
+        <a:tabLst/>
+        <a:defRPr sz="5000" b="0" i="0" u="none" strike="noStrike" cap="none" spc="0" baseline="0">
+          <a:ln>
+            <a:noFill/>
+          </a:ln>
+          <a:solidFill>
+            <a:srgbClr val="000000"/>
+          </a:solidFill>
+          <a:uFillTx/>
+          <a:latin typeface="+mn-lt"/>
+          <a:ea typeface="+mn-ea"/>
+          <a:cs typeface="+mn-cs"/>
+          <a:sym typeface="Helvetica"/>
+        </a:defRPr>
+      </a:lvl1pPr>
+      <a:lvl2pPr marL="1231360" marR="0" indent="-511362" algn="l" defTabSz="1439996" rtl="0" latinLnBrk="0">
+        <a:lnSpc>
+          <a:spcPct val="100000"/>
+        </a:lnSpc>
+        <a:spcBef>
+          <a:spcPts val="1200"/>
+        </a:spcBef>
+        <a:spcAft>
+          <a:spcPts val="0"/>
+        </a:spcAft>
+        <a:buClrTx/>
+        <a:buSzPct val="100000"/>
+        <a:buFont typeface="Arial"/>
+        <a:buChar char="–"/>
+        <a:tabLst/>
+        <a:defRPr sz="5000" b="0" i="0" u="none" strike="noStrike" cap="none" spc="0" baseline="0">
+          <a:ln>
+            <a:noFill/>
+          </a:ln>
+          <a:solidFill>
+            <a:srgbClr val="000000"/>
+          </a:solidFill>
+          <a:uFillTx/>
+          <a:latin typeface="+mn-lt"/>
+          <a:ea typeface="+mn-ea"/>
+          <a:cs typeface="+mn-cs"/>
+          <a:sym typeface="Helvetica"/>
+        </a:defRPr>
+      </a:lvl2pPr>
+      <a:lvl3pPr marL="1926482" marR="0" indent="-486484" algn="l" defTabSz="1439996" rtl="0" latinLnBrk="0">
+        <a:lnSpc>
+          <a:spcPct val="100000"/>
+        </a:lnSpc>
+        <a:spcBef>
+          <a:spcPts val="1200"/>
+        </a:spcBef>
+        <a:spcAft>
+          <a:spcPts val="0"/>
+        </a:spcAft>
+        <a:buClrTx/>
+        <a:buSzPct val="100000"/>
+        <a:buFont typeface="Arial"/>
+        <a:buChar char="•"/>
+        <a:tabLst/>
+        <a:defRPr sz="5000" b="0" i="0" u="none" strike="noStrike" cap="none" spc="0" baseline="0">
+          <a:ln>
+            <a:noFill/>
+          </a:ln>
+          <a:solidFill>
+            <a:srgbClr val="000000"/>
+          </a:solidFill>
+          <a:uFillTx/>
+          <a:latin typeface="+mn-lt"/>
+          <a:ea typeface="+mn-ea"/>
+          <a:cs typeface="+mn-cs"/>
+          <a:sym typeface="Helvetica"/>
+        </a:defRPr>
+      </a:lvl3pPr>
+      <a:lvl4pPr marL="2740636" marR="0" indent="-580643" algn="l" defTabSz="1439996" rtl="0" latinLnBrk="0">
+        <a:lnSpc>
+          <a:spcPct val="100000"/>
+        </a:lnSpc>
+        <a:spcBef>
+          <a:spcPts val="1200"/>
+        </a:spcBef>
+        <a:spcAft>
+          <a:spcPts val="0"/>
+        </a:spcAft>
+        <a:buClrTx/>
+        <a:buSzPct val="100000"/>
+        <a:buFont typeface="Arial"/>
+        <a:buChar char="–"/>
+        <a:tabLst/>
+        <a:defRPr sz="5000" b="0" i="0" u="none" strike="noStrike" cap="none" spc="0" baseline="0">
+          <a:ln>
+            <a:noFill/>
+          </a:ln>
+          <a:solidFill>
+            <a:srgbClr val="000000"/>
+          </a:solidFill>
+          <a:uFillTx/>
+          <a:latin typeface="+mn-lt"/>
+          <a:ea typeface="+mn-ea"/>
+          <a:cs typeface="+mn-cs"/>
+          <a:sym typeface="Helvetica"/>
+        </a:defRPr>
+      </a:lvl4pPr>
+      <a:lvl5pPr marL="3460639" marR="0" indent="-580643" algn="l" defTabSz="1439996" rtl="0" latinLnBrk="0">
+        <a:lnSpc>
+          <a:spcPct val="100000"/>
+        </a:lnSpc>
+        <a:spcBef>
+          <a:spcPts val="1200"/>
+        </a:spcBef>
+        <a:spcAft>
+          <a:spcPts val="0"/>
+        </a:spcAft>
+        <a:buClrTx/>
+        <a:buSzPct val="100000"/>
+        <a:buFont typeface="Arial"/>
+        <a:buChar char="»"/>
+        <a:tabLst/>
+        <a:defRPr sz="5000" b="0" i="0" u="none" strike="noStrike" cap="none" spc="0" baseline="0">
+          <a:ln>
+            <a:noFill/>
+          </a:ln>
+          <a:solidFill>
+            <a:srgbClr val="000000"/>
+          </a:solidFill>
+          <a:uFillTx/>
+          <a:latin typeface="+mn-lt"/>
+          <a:ea typeface="+mn-ea"/>
+          <a:cs typeface="+mn-cs"/>
+          <a:sym typeface="Helvetica"/>
+        </a:defRPr>
+      </a:lvl5pPr>
+      <a:lvl6pPr marL="4180635" marR="0" indent="-580642" algn="l" defTabSz="1439996" rtl="0" latinLnBrk="0">
+        <a:lnSpc>
+          <a:spcPct val="100000"/>
+        </a:lnSpc>
+        <a:spcBef>
+          <a:spcPts val="1200"/>
+        </a:spcBef>
+        <a:spcAft>
+          <a:spcPts val="0"/>
+        </a:spcAft>
+        <a:buClrTx/>
+        <a:buSzPct val="100000"/>
+        <a:buFont typeface="Arial"/>
+        <a:buChar char="•"/>
+        <a:tabLst/>
+        <a:defRPr sz="5000" b="0" i="0" u="none" strike="noStrike" cap="none" spc="0" baseline="0">
+          <a:ln>
+            <a:noFill/>
+          </a:ln>
+          <a:solidFill>
+            <a:srgbClr val="000000"/>
+          </a:solidFill>
+          <a:uFillTx/>
+          <a:latin typeface="+mn-lt"/>
+          <a:ea typeface="+mn-ea"/>
+          <a:cs typeface="+mn-cs"/>
+          <a:sym typeface="Helvetica"/>
+        </a:defRPr>
+      </a:lvl6pPr>
+      <a:lvl7pPr marL="4900636" marR="0" indent="-580642" algn="l" defTabSz="1439996" rtl="0" latinLnBrk="0">
+        <a:lnSpc>
+          <a:spcPct val="100000"/>
+        </a:lnSpc>
+        <a:spcBef>
+          <a:spcPts val="1200"/>
+        </a:spcBef>
+        <a:spcAft>
+          <a:spcPts val="0"/>
+        </a:spcAft>
+        <a:buClrTx/>
+        <a:buSzPct val="100000"/>
+        <a:buFont typeface="Arial"/>
+        <a:buChar char="•"/>
+        <a:tabLst/>
+        <a:defRPr sz="5000" b="0" i="0" u="none" strike="noStrike" cap="none" spc="0" baseline="0">
+          <a:ln>
+            <a:noFill/>
+          </a:ln>
+          <a:solidFill>
+            <a:srgbClr val="000000"/>
+          </a:solidFill>
+          <a:uFillTx/>
+          <a:latin typeface="+mn-lt"/>
+          <a:ea typeface="+mn-ea"/>
+          <a:cs typeface="+mn-cs"/>
+          <a:sym typeface="Helvetica"/>
+        </a:defRPr>
+      </a:lvl7pPr>
+      <a:lvl8pPr marL="5620632" marR="0" indent="-580642" algn="l" defTabSz="1439996" rtl="0" latinLnBrk="0">
+        <a:lnSpc>
+          <a:spcPct val="100000"/>
+        </a:lnSpc>
+        <a:spcBef>
+          <a:spcPts val="1200"/>
+        </a:spcBef>
+        <a:spcAft>
+          <a:spcPts val="0"/>
+        </a:spcAft>
+        <a:buClrTx/>
+        <a:buSzPct val="100000"/>
+        <a:buFont typeface="Arial"/>
+        <a:buChar char="•"/>
+        <a:tabLst/>
+        <a:defRPr sz="5000" b="0" i="0" u="none" strike="noStrike" cap="none" spc="0" baseline="0">
+          <a:ln>
+            <a:noFill/>
+          </a:ln>
+          <a:solidFill>
+            <a:srgbClr val="000000"/>
+          </a:solidFill>
+          <a:uFillTx/>
+          <a:latin typeface="+mn-lt"/>
+          <a:ea typeface="+mn-ea"/>
+          <a:cs typeface="+mn-cs"/>
+          <a:sym typeface="Helvetica"/>
+        </a:defRPr>
+      </a:lvl8pPr>
+      <a:lvl9pPr marL="6340631" marR="0" indent="-580642" algn="l" defTabSz="1439996" rtl="0" latinLnBrk="0">
+        <a:lnSpc>
+          <a:spcPct val="100000"/>
+        </a:lnSpc>
+        <a:spcBef>
+          <a:spcPts val="1200"/>
+        </a:spcBef>
+        <a:spcAft>
+          <a:spcPts val="0"/>
+        </a:spcAft>
+        <a:buClrTx/>
+        <a:buSzPct val="100000"/>
+        <a:buFont typeface="Arial"/>
+        <a:buChar char="•"/>
+        <a:tabLst/>
+        <a:defRPr sz="5000" b="0" i="0" u="none" strike="noStrike" cap="none" spc="0" baseline="0">
+          <a:ln>
+            <a:noFill/>
+          </a:ln>
+          <a:solidFill>
+            <a:srgbClr val="000000"/>
+          </a:solidFill>
+          <a:uFillTx/>
+          <a:latin typeface="+mn-lt"/>
+          <a:ea typeface="+mn-ea"/>
+          <a:cs typeface="+mn-cs"/>
+          <a:sym typeface="Helvetica"/>
+        </a:defRPr>
+      </a:lvl9pPr>
+    </p:bodyStyle>
+    <p:otherStyle>
+      <a:lvl1pPr marL="0" marR="0" indent="0" algn="r" defTabSz="1440089" rtl="0" latinLnBrk="0">
+        <a:lnSpc>
+          <a:spcPct val="100000"/>
+        </a:lnSpc>
+        <a:spcBef>
+          <a:spcPts val="0"/>
+        </a:spcBef>
+        <a:spcAft>
+          <a:spcPts val="0"/>
+        </a:spcAft>
+        <a:buClrTx/>
+        <a:buSzTx/>
+        <a:buFontTx/>
+        <a:buNone/>
+        <a:tabLst/>
+        <a:defRPr sz="1800" b="0" i="0" u="none" strike="noStrike" cap="none" spc="0" baseline="0">
+          <a:ln>
+            <a:noFill/>
+          </a:ln>
+          <a:solidFill>
+            <a:schemeClr val="tx1"/>
+          </a:solidFill>
+          <a:uFillTx/>
+          <a:latin typeface="+mn-lt"/>
+          <a:ea typeface="+mn-ea"/>
+          <a:cs typeface="+mn-cs"/>
+          <a:sym typeface="Trebuchet MS"/>
+        </a:defRPr>
+      </a:lvl1pPr>
+      <a:lvl2pPr marL="0" marR="0" indent="0" algn="r" defTabSz="1440089" rtl="0" latinLnBrk="0">
+        <a:lnSpc>
+          <a:spcPct val="100000"/>
+        </a:lnSpc>
+        <a:spcBef>
+          <a:spcPts val="0"/>
+        </a:spcBef>
+        <a:spcAft>
+          <a:spcPts val="0"/>
+        </a:spcAft>
+        <a:buClrTx/>
+        <a:buSzTx/>
+        <a:buFontTx/>
+        <a:buNone/>
+        <a:tabLst/>
+        <a:defRPr sz="1800" b="0" i="0" u="none" strike="noStrike" cap="none" spc="0" baseline="0">
+          <a:ln>
+            <a:noFill/>
+          </a:ln>
+          <a:solidFill>
+            <a:schemeClr val="tx1"/>
+          </a:solidFill>
+          <a:uFillTx/>
+          <a:latin typeface="+mn-lt"/>
+          <a:ea typeface="+mn-ea"/>
+          <a:cs typeface="+mn-cs"/>
+          <a:sym typeface="Trebuchet MS"/>
+        </a:defRPr>
+      </a:lvl2pPr>
+      <a:lvl3pPr marL="0" marR="0" indent="0" algn="r" defTabSz="1440089" rtl="0" latinLnBrk="0">
+        <a:lnSpc>
+          <a:spcPct val="100000"/>
+        </a:lnSpc>
+        <a:spcBef>
+          <a:spcPts val="0"/>
+        </a:spcBef>
+        <a:spcAft>
+          <a:spcPts val="0"/>
+        </a:spcAft>
+        <a:buClrTx/>
+        <a:buSzTx/>
+        <a:buFontTx/>
+        <a:buNone/>
+        <a:tabLst/>
+        <a:defRPr sz="1800" b="0" i="0" u="none" strike="noStrike" cap="none" spc="0" baseline="0">
+          <a:ln>
+            <a:noFill/>
+          </a:ln>
+          <a:solidFill>
+            <a:schemeClr val="tx1"/>
+          </a:solidFill>
+          <a:uFillTx/>
+          <a:latin typeface="+mn-lt"/>
+          <a:ea typeface="+mn-ea"/>
+          <a:cs typeface="+mn-cs"/>
+          <a:sym typeface="Trebuchet MS"/>
+        </a:defRPr>
+      </a:lvl3pPr>
+      <a:lvl4pPr marL="0" marR="0" indent="0" algn="r" defTabSz="1440089" rtl="0" latinLnBrk="0">
+        <a:lnSpc>
+          <a:spcPct val="100000"/>
+        </a:lnSpc>
+        <a:spcBef>
+          <a:spcPts val="0"/>
+        </a:spcBef>
+        <a:spcAft>
+          <a:spcPts val="0"/>
+        </a:spcAft>
+        <a:buClrTx/>
+        <a:buSzTx/>
+        <a:buFontTx/>
+        <a:buNone/>
+        <a:tabLst/>
+        <a:defRPr sz="1800" b="0" i="0" u="none" strike="noStrike" cap="none" spc="0" baseline="0">
+          <a:ln>
+            <a:noFill/>
+          </a:ln>
+          <a:solidFill>
+            <a:schemeClr val="tx1"/>
+          </a:solidFill>
+          <a:uFillTx/>
+          <a:latin typeface="+mn-lt"/>
+          <a:ea typeface="+mn-ea"/>
+          <a:cs typeface="+mn-cs"/>
+          <a:sym typeface="Trebuchet MS"/>
+        </a:defRPr>
+      </a:lvl4pPr>
+      <a:lvl5pPr marL="0" marR="0" indent="0" algn="r" defTabSz="1440089" rtl="0" latinLnBrk="0">
+        <a:lnSpc>
+          <a:spcPct val="100000"/>
+        </a:lnSpc>
+        <a:spcBef>
+          <a:spcPts val="0"/>
+        </a:spcBef>
+        <a:spcAft>
+          <a:spcPts val="0"/>
+        </a:spcAft>
+        <a:buClrTx/>
+        <a:buSzTx/>
+        <a:buFontTx/>
+        <a:buNone/>
+        <a:tabLst/>
+        <a:defRPr sz="1800" b="0" i="0" u="none" strike="noStrike" cap="none" spc="0" baseline="0">
+          <a:ln>
+            <a:noFill/>
+          </a:ln>
+          <a:solidFill>
+            <a:schemeClr val="tx1"/>
+          </a:solidFill>
+          <a:uFillTx/>
+          <a:latin typeface="+mn-lt"/>
+          <a:ea typeface="+mn-ea"/>
+          <a:cs typeface="+mn-cs"/>
+          <a:sym typeface="Trebuchet MS"/>
+        </a:defRPr>
+      </a:lvl5pPr>
+      <a:lvl6pPr marL="0" marR="0" indent="0" algn="r" defTabSz="1440089" rtl="0" latinLnBrk="0">
+        <a:lnSpc>
+          <a:spcPct val="100000"/>
+        </a:lnSpc>
+        <a:spcBef>
+          <a:spcPts val="0"/>
+        </a:spcBef>
+        <a:spcAft>
+          <a:spcPts val="0"/>
+        </a:spcAft>
+        <a:buClrTx/>
+        <a:buSzTx/>
+        <a:buFontTx/>
+        <a:buNone/>
+        <a:tabLst/>
+        <a:defRPr sz="1800" b="0" i="0" u="none" strike="noStrike" cap="none" spc="0" baseline="0">
+          <a:ln>
+            <a:noFill/>
+          </a:ln>
+          <a:solidFill>
+            <a:schemeClr val="tx1"/>
+          </a:solidFill>
+          <a:uFillTx/>
+          <a:latin typeface="+mn-lt"/>
+          <a:ea typeface="+mn-ea"/>
+          <a:cs typeface="+mn-cs"/>
+          <a:sym typeface="Trebuchet MS"/>
+        </a:defRPr>
+      </a:lvl6pPr>
+      <a:lvl7pPr marL="0" marR="0" indent="0" algn="r" defTabSz="1440089" rtl="0" latinLnBrk="0">
+        <a:lnSpc>
+          <a:spcPct val="100000"/>
+        </a:lnSpc>
+        <a:spcBef>
+          <a:spcPts val="0"/>
+        </a:spcBef>
+        <a:spcAft>
+          <a:spcPts val="0"/>
+        </a:spcAft>
+        <a:buClrTx/>
+        <a:buSzTx/>
+        <a:buFontTx/>
+        <a:buNone/>
+        <a:tabLst/>
+        <a:defRPr sz="1800" b="0" i="0" u="none" strike="noStrike" cap="none" spc="0" baseline="0">
+          <a:ln>
+            <a:noFill/>
+          </a:ln>
+          <a:solidFill>
+            <a:schemeClr val="tx1"/>
+          </a:solidFill>
+          <a:uFillTx/>
+          <a:latin typeface="+mn-lt"/>
+          <a:ea typeface="+mn-ea"/>
+          <a:cs typeface="+mn-cs"/>
+          <a:sym typeface="Trebuchet MS"/>
+        </a:defRPr>
+      </a:lvl7pPr>
+      <a:lvl8pPr marL="0" marR="0" indent="0" algn="r" defTabSz="1440089" rtl="0" latinLnBrk="0">
+        <a:lnSpc>
+          <a:spcPct val="100000"/>
+        </a:lnSpc>
+        <a:spcBef>
+          <a:spcPts val="0"/>
+        </a:spcBef>
+        <a:spcAft>
+          <a:spcPts val="0"/>
+        </a:spcAft>
+        <a:buClrTx/>
+        <a:buSzTx/>
+        <a:buFontTx/>
+        <a:buNone/>
+        <a:tabLst/>
+        <a:defRPr sz="1800" b="0" i="0" u="none" strike="noStrike" cap="none" spc="0" baseline="0">
+          <a:ln>
+            <a:noFill/>
+          </a:ln>
+          <a:solidFill>
+            <a:schemeClr val="tx1"/>
+          </a:solidFill>
+          <a:uFillTx/>
+          <a:latin typeface="+mn-lt"/>
+          <a:ea typeface="+mn-ea"/>
+          <a:cs typeface="+mn-cs"/>
+          <a:sym typeface="Trebuchet MS"/>
+        </a:defRPr>
+      </a:lvl8pPr>
+      <a:lvl9pPr marL="0" marR="0" indent="0" algn="r" defTabSz="1440089" rtl="0" latinLnBrk="0">
+        <a:lnSpc>
+          <a:spcPct val="100000"/>
+        </a:lnSpc>
+        <a:spcBef>
+          <a:spcPts val="0"/>
+        </a:spcBef>
+        <a:spcAft>
+          <a:spcPts val="0"/>
+        </a:spcAft>
+        <a:buClrTx/>
+        <a:buSzTx/>
+        <a:buFontTx/>
+        <a:buNone/>
+        <a:tabLst/>
+        <a:defRPr sz="1800" b="0" i="0" u="none" strike="noStrike" cap="none" spc="0" baseline="0">
+          <a:ln>
+            <a:noFill/>
+          </a:ln>
+          <a:solidFill>
+            <a:schemeClr val="tx1"/>
+          </a:solidFill>
+          <a:uFillTx/>
+          <a:latin typeface="+mn-lt"/>
+          <a:ea typeface="+mn-ea"/>
+          <a:cs typeface="+mn-cs"/>
+          <a:sym typeface="Trebuchet MS"/>
+        </a:defRPr>
+      </a:lvl9pPr>
+    </p:otherStyle>
+  </p:txStyles>
+</p:sldMaster>
+</file>
+
+<file path=ppt/slideMasters/slideMaster2.xml><?xml version="1.0" encoding="utf-8"?>
+<p:sldMaster xmlns:a="http://schemas.openxmlformats.org/drawingml/2006/main" xmlns:r="http://schemas.openxmlformats.org/officeDocument/2006/relationships" xmlns:p="http://schemas.openxmlformats.org/presentationml/2006/main">
+  <p:cSld>
+    <p:bg>
+      <p:bgPr>
+        <a:blipFill rotWithShape="1">
+          <a:blip r:embed="rId14"/>
+          <a:srcRect/>
+          <a:stretch>
+            <a:fillRect/>
+          </a:stretch>
+        </a:blipFill>
+        <a:effectLst/>
+      </p:bgPr>
+    </p:bg>
+    <p:spTree>
+      <p:nvGrpSpPr>
+        <p:cNvPr id="1" name=""/>
+        <p:cNvGrpSpPr/>
+        <p:nvPr/>
+      </p:nvGrpSpPr>
+      <p:grpSpPr>
+        <a:xfrm>
+          <a:off x="0" y="0"/>
+          <a:ext cx="0" cy="0"/>
+          <a:chOff x="0" y="0"/>
+          <a:chExt cx="0" cy="0"/>
+        </a:xfrm>
+      </p:grpSpPr>
+      <p:sp>
+        <p:nvSpPr>
+          <p:cNvPr id="2" name="Title Text"/>
+          <p:cNvSpPr txBox="1">
+            <a:spLocks noGrp="1"/>
+          </p:cNvSpPr>
+          <p:nvPr>
+            <p:ph type="title"/>
+          </p:nvPr>
+        </p:nvSpPr>
+        <p:spPr>
+          <a:xfrm>
+            <a:off x="720090" y="432489"/>
+            <a:ext cx="12961620" cy="1799964"/>
+          </a:xfrm>
+          <a:prstGeom prst="rect">
+            <a:avLst/>
+          </a:prstGeom>
+          <a:ln w="12700">
+            <a:miter lim="400000"/>
+          </a:ln>
+          <a:extLst>
+            <a:ext uri="{C572A759-6A51-4108-AA02-DFA0A04FC94B}">
+              <ma14:wrappingTextBoxFlag xmlns:ma14="http://schemas.microsoft.com/office/mac/drawingml/2011/main" xmlns="" val="1"/>
+            </a:ext>
+          </a:extLst>
+        </p:spPr>
+        <p:txBody>
+          <a:bodyPr lIns="45718" tIns="45718" rIns="45718" bIns="45718" anchor="ctr">
+            <a:normAutofit/>
+          </a:bodyPr>
+          <a:lstStyle/>
+          <a:p>
+            <a:r>
+              <a:t>Title Text</a:t>
+            </a:r>
+          </a:p>
+        </p:txBody>
+      </p:sp>
+      <p:sp>
+        <p:nvSpPr>
+          <p:cNvPr id="3" name="Body Level One…"/>
+          <p:cNvSpPr txBox="1">
+            <a:spLocks noGrp="1"/>
+          </p:cNvSpPr>
+          <p:nvPr>
+            <p:ph type="body" idx="1"/>
+          </p:nvPr>
+        </p:nvSpPr>
+        <p:spPr>
+          <a:xfrm>
+            <a:off x="720090" y="2519945"/>
+            <a:ext cx="12961620" cy="7127348"/>
+          </a:xfrm>
+          <a:prstGeom prst="rect">
+            <a:avLst/>
+          </a:prstGeom>
+          <a:ln w="12700">
+            <a:miter lim="400000"/>
+          </a:ln>
+          <a:extLst>
+            <a:ext uri="{C572A759-6A51-4108-AA02-DFA0A04FC94B}">
+              <ma14:wrappingTextBoxFlag xmlns:ma14="http://schemas.microsoft.com/office/mac/drawingml/2011/main" xmlns="" val="1"/>
+            </a:ext>
+          </a:extLst>
+        </p:spPr>
+        <p:txBody>
+          <a:bodyPr lIns="45718" tIns="45718" rIns="45718" bIns="45718">
+            <a:normAutofit/>
+          </a:bodyPr>
+          <a:lstStyle/>
+          <a:p>
+            <a:r>
+              <a:t>Body Level One</a:t>
+            </a:r>
+          </a:p>
+          <a:p>
+            <a:pPr lvl="1"/>
+            <a:r>
+              <a:t>Body Level Two</a:t>
+            </a:r>
+          </a:p>
+          <a:p>
+            <a:pPr lvl="2"/>
+            <a:r>
+              <a:t>Body Level Three</a:t>
+            </a:r>
+          </a:p>
+          <a:p>
+            <a:pPr lvl="3"/>
+            <a:r>
+              <a:t>Body Level Four</a:t>
+            </a:r>
+          </a:p>
+          <a:p>
+            <a:pPr lvl="4"/>
+            <a:r>
+              <a:t>Body Level Five</a:t>
+            </a:r>
+          </a:p>
+        </p:txBody>
+      </p:sp>
+      <p:sp>
+        <p:nvSpPr>
+          <p:cNvPr id="4" name="Slide Number"/>
+          <p:cNvSpPr txBox="1">
+            <a:spLocks noGrp="1"/>
+          </p:cNvSpPr>
+          <p:nvPr>
+            <p:ph type="sldNum" sz="quarter" idx="2"/>
+          </p:nvPr>
+        </p:nvSpPr>
+        <p:spPr>
+          <a:xfrm>
+            <a:off x="13337813" y="10118205"/>
+            <a:ext cx="343899" cy="358137"/>
+          </a:xfrm>
+          <a:prstGeom prst="rect">
+            <a:avLst/>
+          </a:prstGeom>
+          <a:ln w="12700">
+            <a:miter lim="400000"/>
+          </a:ln>
+        </p:spPr>
+        <p:txBody>
+          <a:bodyPr wrap="none" lIns="45718" tIns="45718" rIns="45718" bIns="45718" anchor="ctr">
+            <a:spAutoFit/>
+          </a:bodyPr>
+          <a:lstStyle>
+            <a:lvl1pPr algn="r">
+              <a:defRPr sz="1800">
+                <a:solidFill>
+                  <a:srgbClr val="888888"/>
+                </a:solidFill>
+                <a:latin typeface="Trebuchet MS"/>
+                <a:ea typeface="Trebuchet MS"/>
+                <a:cs typeface="Trebuchet MS"/>
+                <a:sym typeface="Trebuchet MS"/>
+              </a:defRPr>
+            </a:lvl1pPr>
+          </a:lstStyle>
+          <a:p>
+            <a:fld id="{86CB4B4D-7CA3-9044-876B-883B54F8677D}" type="slidenum">
+              <a:t>‹#›</a:t>
+            </a:fld>
+            <a:endParaRPr/>
+          </a:p>
+        </p:txBody>
+      </p:sp>
+    </p:spTree>
+    <p:extLst>
+      <p:ext uri="{BB962C8B-B14F-4D97-AF65-F5344CB8AC3E}">
+        <p14:creationId xmlns:p14="http://schemas.microsoft.com/office/powerpoint/2010/main" val="2873712161"/>
+      </p:ext>
+    </p:extLst>
+  </p:cSld>
+  <p:clrMap bg1="lt1" tx1="dk1" bg2="lt2" tx2="dk2" accent1="accent1" accent2="accent2" accent3="accent3" accent4="accent4" accent5="accent5" accent6="accent6" hlink="hlink" folHlink="folHlink"/>
+  <p:sldLayoutIdLst>
+    <p:sldLayoutId id="2147483662" r:id="rId1"/>
+    <p:sldLayoutId id="2147483663" r:id="rId2"/>
+    <p:sldLayoutId id="2147483664" r:id="rId3"/>
+    <p:sldLayoutId id="2147483665" r:id="rId4"/>
+    <p:sldLayoutId id="2147483666" r:id="rId5"/>
+    <p:sldLayoutId id="2147483667" r:id="rId6"/>
+    <p:sldLayoutId id="2147483668" r:id="rId7"/>
+    <p:sldLayoutId id="2147483669" r:id="rId8"/>
+    <p:sldLayoutId id="2147483670" r:id="rId9"/>
+    <p:sldLayoutId id="2147483671" r:id="rId10"/>
+    <p:sldLayoutId id="2147483672" r:id="rId11"/>
+    <p:sldLayoutId id="2147483673" r:id="rId12"/>
   </p:sldLayoutIdLst>
   <p:transition spd="med"/>
   <p:txStyles>
@@ -6297,7 +9375,7 @@
           </a:extLst>
         </p:spPr>
         <p:txBody>
-          <a:bodyPr lIns="45718" tIns="45718" rIns="45718" bIns="45718">
+          <a:bodyPr wrap="square" lIns="45718" tIns="45718" rIns="45718" bIns="45718">
             <a:spAutoFit/>
           </a:bodyPr>
           <a:lstStyle>
@@ -6327,7 +9405,15 @@
             </a:r>
             <a:r>
               <a:rPr dirty="0" err="1"/>
-              <a:t>类型简单介绍</a:t>
+              <a:t>类型</a:t>
+            </a:r>
+            <a:r>
+              <a:rPr lang="ja-JP" altLang="en-US" dirty="0"/>
+              <a:t>简单</a:t>
+            </a:r>
+            <a:r>
+              <a:rPr dirty="0" err="1"/>
+              <a:t>介绍</a:t>
             </a:r>
             <a:endParaRPr dirty="0"/>
           </a:p>
@@ -6342,7 +9428,7 @@
         <p:spPr>
           <a:xfrm>
             <a:off x="5224236" y="4715252"/>
-            <a:ext cx="6677452" cy="726437"/>
+            <a:ext cx="6677452" cy="812526"/>
           </a:xfrm>
           <a:prstGeom prst="rect">
             <a:avLst/>
@@ -6357,7 +9443,7 @@
           </a:extLst>
         </p:spPr>
         <p:txBody>
-          <a:bodyPr lIns="45718" tIns="45718" rIns="45718" bIns="45718">
+          <a:bodyPr wrap="square" lIns="45718" tIns="45718" rIns="45718" bIns="45718">
             <a:spAutoFit/>
           </a:bodyPr>
           <a:lstStyle>
@@ -6378,8 +9464,18 @@
           </a:lstStyle>
           <a:p>
             <a:r>
-              <a:t>TypeScript 一些语法糖</a:t>
-            </a:r>
+              <a:rPr dirty="0" err="1"/>
+              <a:t>TypeScript</a:t>
+            </a:r>
+            <a:r>
+              <a:rPr dirty="0"/>
+              <a:t> </a:t>
+            </a:r>
+            <a:r>
+              <a:rPr dirty="0" err="1"/>
+              <a:t>一些语法糖</a:t>
+            </a:r>
+            <a:endParaRPr dirty="0"/>
           </a:p>
         </p:txBody>
       </p:sp>
@@ -7506,6 +10602,424 @@
 </file>
 
 <file path=ppt/slides/slide24.xml><?xml version="1.0" encoding="utf-8"?>
+<p:sld xmlns:a="http://schemas.openxmlformats.org/drawingml/2006/main" xmlns:r="http://schemas.openxmlformats.org/officeDocument/2006/relationships" xmlns:p="http://schemas.openxmlformats.org/presentationml/2006/main">
+  <p:cSld>
+    <p:bg>
+      <p:bgPr>
+        <a:solidFill>
+          <a:srgbClr val="739A98"/>
+        </a:solidFill>
+        <a:effectLst/>
+      </p:bgPr>
+    </p:bg>
+    <p:spTree>
+      <p:nvGrpSpPr>
+        <p:cNvPr id="1" name=""/>
+        <p:cNvGrpSpPr/>
+        <p:nvPr/>
+      </p:nvGrpSpPr>
+      <p:grpSpPr>
+        <a:xfrm>
+          <a:off x="0" y="0"/>
+          <a:ext cx="0" cy="0"/>
+          <a:chOff x="0" y="0"/>
+          <a:chExt cx="0" cy="0"/>
+        </a:xfrm>
+      </p:grpSpPr>
+      <p:sp>
+        <p:nvSpPr>
+          <p:cNvPr id="209" name="TextBox 5"/>
+          <p:cNvSpPr txBox="1"/>
+          <p:nvPr/>
+        </p:nvSpPr>
+        <p:spPr>
+          <a:xfrm>
+            <a:off x="5905383" y="1311830"/>
+            <a:ext cx="1847562" cy="584771"/>
+          </a:xfrm>
+          <a:prstGeom prst="rect">
+            <a:avLst/>
+          </a:prstGeom>
+          <a:ln w="12700">
+            <a:miter lim="400000"/>
+          </a:ln>
+          <a:extLst>
+            <a:ext uri="{C572A759-6A51-4108-AA02-DFA0A04FC94B}">
+              <ma14:wrappingTextBoxFlag xmlns:ma14="http://schemas.microsoft.com/office/mac/drawingml/2011/main" xmlns="" val="1"/>
+            </a:ext>
+          </a:extLst>
+        </p:spPr>
+        <p:txBody>
+          <a:bodyPr wrap="square" lIns="45718" tIns="45718" rIns="45718" bIns="45718">
+            <a:spAutoFit/>
+          </a:bodyPr>
+          <a:lstStyle>
+            <a:lvl1pPr algn="ctr">
+              <a:defRPr sz="6200">
+                <a:solidFill>
+                  <a:srgbClr val="FFFFFF"/>
+                </a:solidFill>
+                <a:latin typeface="Microsoft YaHei"/>
+                <a:ea typeface="Microsoft YaHei"/>
+                <a:cs typeface="Microsoft YaHei"/>
+                <a:sym typeface="Microsoft YaHei"/>
+              </a:defRPr>
+            </a:lvl1pPr>
+          </a:lstStyle>
+          <a:p>
+            <a:pPr marL="0" marR="0" lvl="0" indent="0" algn="ctr" defTabSz="1440089" rtl="0" eaLnBrk="1" fontAlgn="auto" latinLnBrk="0" hangingPunct="0">
+              <a:lnSpc>
+                <a:spcPct val="100000"/>
+              </a:lnSpc>
+              <a:spcBef>
+                <a:spcPts val="0"/>
+              </a:spcBef>
+              <a:spcAft>
+                <a:spcPts val="0"/>
+              </a:spcAft>
+              <a:buClrTx/>
+              <a:buSzTx/>
+              <a:buFontTx/>
+              <a:buNone/>
+              <a:tabLst/>
+              <a:defRPr/>
+            </a:pPr>
+            <a:r>
+              <a:rPr kumimoji="0" lang="zh-Hans" altLang="en-US" sz="3200" b="0" i="0" u="none" strike="noStrike" kern="0" cap="none" spc="0" normalizeH="0" baseline="0" noProof="0" dirty="0">
+                <a:ln>
+                  <a:noFill/>
+                </a:ln>
+                <a:solidFill>
+                  <a:srgbClr val="FFFFFF"/>
+                </a:solidFill>
+                <a:effectLst/>
+                <a:uLnTx/>
+                <a:uFillTx/>
+                <a:latin typeface="Microsoft YaHei"/>
+                <a:ea typeface="Microsoft YaHei"/>
+                <a:sym typeface="Microsoft YaHei"/>
+              </a:rPr>
+              <a:t>实现</a:t>
+            </a:r>
+            <a:endParaRPr kumimoji="0" sz="3200" b="0" i="0" u="none" strike="noStrike" kern="0" cap="none" spc="0" normalizeH="0" baseline="0" noProof="0" dirty="0">
+              <a:ln>
+                <a:noFill/>
+              </a:ln>
+              <a:solidFill>
+                <a:srgbClr val="FFFFFF"/>
+              </a:solidFill>
+              <a:effectLst/>
+              <a:uLnTx/>
+              <a:uFillTx/>
+              <a:latin typeface="Microsoft YaHei"/>
+              <a:ea typeface="Microsoft YaHei"/>
+              <a:sym typeface="Microsoft YaHei"/>
+            </a:endParaRPr>
+          </a:p>
+        </p:txBody>
+      </p:sp>
+      <p:sp>
+        <p:nvSpPr>
+          <p:cNvPr id="3" name="TextBox 5">
+            <a:extLst>
+              <a:ext uri="{FF2B5EF4-FFF2-40B4-BE49-F238E27FC236}">
+                <a16:creationId xmlns:a16="http://schemas.microsoft.com/office/drawing/2014/main" id="{B3C8D599-A200-344D-922F-2B5EFD611B59}"/>
+              </a:ext>
+            </a:extLst>
+          </p:cNvPr>
+          <p:cNvSpPr txBox="1"/>
+          <p:nvPr/>
+        </p:nvSpPr>
+        <p:spPr>
+          <a:xfrm>
+            <a:off x="5905382" y="4389209"/>
+            <a:ext cx="2158847" cy="584771"/>
+          </a:xfrm>
+          <a:prstGeom prst="rect">
+            <a:avLst/>
+          </a:prstGeom>
+          <a:ln w="12700">
+            <a:miter lim="400000"/>
+          </a:ln>
+          <a:extLst>
+            <a:ext uri="{C572A759-6A51-4108-AA02-DFA0A04FC94B}">
+              <ma14:wrappingTextBoxFlag xmlns:ma14="http://schemas.microsoft.com/office/mac/drawingml/2011/main" xmlns="" val="1"/>
+            </a:ext>
+          </a:extLst>
+        </p:spPr>
+        <p:txBody>
+          <a:bodyPr wrap="square" lIns="45718" tIns="45718" rIns="45718" bIns="45718">
+            <a:spAutoFit/>
+          </a:bodyPr>
+          <a:lstStyle>
+            <a:lvl1pPr algn="ctr">
+              <a:defRPr sz="6200">
+                <a:solidFill>
+                  <a:srgbClr val="FFFFFF"/>
+                </a:solidFill>
+                <a:latin typeface="Microsoft YaHei"/>
+                <a:ea typeface="Microsoft YaHei"/>
+                <a:cs typeface="Microsoft YaHei"/>
+                <a:sym typeface="Microsoft YaHei"/>
+              </a:defRPr>
+            </a:lvl1pPr>
+          </a:lstStyle>
+          <a:p>
+            <a:pPr lvl="0"/>
+            <a:r>
+              <a:rPr lang="en-US" sz="3200" dirty="0" err="1"/>
+              <a:t>Readonly</a:t>
+            </a:r>
+            <a:endParaRPr kumimoji="0" sz="3200" b="0" i="0" u="none" strike="noStrike" kern="0" cap="none" spc="0" normalizeH="0" baseline="0" noProof="0" dirty="0">
+              <a:ln>
+                <a:noFill/>
+              </a:ln>
+              <a:solidFill>
+                <a:srgbClr val="FFFFFF"/>
+              </a:solidFill>
+              <a:effectLst/>
+              <a:uLnTx/>
+              <a:uFillTx/>
+              <a:latin typeface="Microsoft YaHei"/>
+              <a:ea typeface="Microsoft YaHei"/>
+              <a:sym typeface="Microsoft YaHei"/>
+            </a:endParaRPr>
+          </a:p>
+        </p:txBody>
+      </p:sp>
+      <p:sp>
+        <p:nvSpPr>
+          <p:cNvPr id="4" name="TextBox 5">
+            <a:extLst>
+              <a:ext uri="{FF2B5EF4-FFF2-40B4-BE49-F238E27FC236}">
+                <a16:creationId xmlns:a16="http://schemas.microsoft.com/office/drawing/2014/main" id="{86662C88-96A2-0041-93A5-C3E92FEF54B0}"/>
+              </a:ext>
+            </a:extLst>
+          </p:cNvPr>
+          <p:cNvSpPr txBox="1"/>
+          <p:nvPr/>
+        </p:nvSpPr>
+        <p:spPr>
+          <a:xfrm>
+            <a:off x="5905383" y="5525626"/>
+            <a:ext cx="1847562" cy="584771"/>
+          </a:xfrm>
+          <a:prstGeom prst="rect">
+            <a:avLst/>
+          </a:prstGeom>
+          <a:ln w="12700">
+            <a:miter lim="400000"/>
+          </a:ln>
+          <a:extLst>
+            <a:ext uri="{C572A759-6A51-4108-AA02-DFA0A04FC94B}">
+              <ma14:wrappingTextBoxFlag xmlns:ma14="http://schemas.microsoft.com/office/mac/drawingml/2011/main" xmlns="" val="1"/>
+            </a:ext>
+          </a:extLst>
+        </p:spPr>
+        <p:txBody>
+          <a:bodyPr wrap="square" lIns="45718" tIns="45718" rIns="45718" bIns="45718">
+            <a:spAutoFit/>
+          </a:bodyPr>
+          <a:lstStyle>
+            <a:lvl1pPr algn="ctr">
+              <a:defRPr sz="6200">
+                <a:solidFill>
+                  <a:srgbClr val="FFFFFF"/>
+                </a:solidFill>
+                <a:latin typeface="Microsoft YaHei"/>
+                <a:ea typeface="Microsoft YaHei"/>
+                <a:cs typeface="Microsoft YaHei"/>
+                <a:sym typeface="Microsoft YaHei"/>
+              </a:defRPr>
+            </a:lvl1pPr>
+          </a:lstStyle>
+          <a:p>
+            <a:pPr lvl="0"/>
+            <a:r>
+              <a:rPr lang="en-US" sz="3200" dirty="0"/>
+              <a:t>Pick</a:t>
+            </a:r>
+            <a:endParaRPr kumimoji="0" sz="3200" b="0" i="0" u="none" strike="noStrike" kern="0" cap="none" spc="0" normalizeH="0" baseline="0" noProof="0" dirty="0">
+              <a:ln>
+                <a:noFill/>
+              </a:ln>
+              <a:solidFill>
+                <a:srgbClr val="FFFFFF"/>
+              </a:solidFill>
+              <a:effectLst/>
+              <a:uLnTx/>
+              <a:uFillTx/>
+              <a:latin typeface="Microsoft YaHei"/>
+              <a:ea typeface="Microsoft YaHei"/>
+              <a:sym typeface="Microsoft YaHei"/>
+            </a:endParaRPr>
+          </a:p>
+        </p:txBody>
+      </p:sp>
+      <p:sp>
+        <p:nvSpPr>
+          <p:cNvPr id="5" name="TextBox 5">
+            <a:extLst>
+              <a:ext uri="{FF2B5EF4-FFF2-40B4-BE49-F238E27FC236}">
+                <a16:creationId xmlns:a16="http://schemas.microsoft.com/office/drawing/2014/main" id="{A0164766-0FC9-624E-BB90-29B0C5DCA254}"/>
+              </a:ext>
+            </a:extLst>
+          </p:cNvPr>
+          <p:cNvSpPr txBox="1"/>
+          <p:nvPr/>
+        </p:nvSpPr>
+        <p:spPr>
+          <a:xfrm>
+            <a:off x="5905383" y="6662043"/>
+            <a:ext cx="1847562" cy="584771"/>
+          </a:xfrm>
+          <a:prstGeom prst="rect">
+            <a:avLst/>
+          </a:prstGeom>
+          <a:ln w="12700">
+            <a:miter lim="400000"/>
+          </a:ln>
+          <a:extLst>
+            <a:ext uri="{C572A759-6A51-4108-AA02-DFA0A04FC94B}">
+              <ma14:wrappingTextBoxFlag xmlns:ma14="http://schemas.microsoft.com/office/mac/drawingml/2011/main" xmlns="" val="1"/>
+            </a:ext>
+          </a:extLst>
+        </p:spPr>
+        <p:txBody>
+          <a:bodyPr wrap="square" lIns="45718" tIns="45718" rIns="45718" bIns="45718">
+            <a:spAutoFit/>
+          </a:bodyPr>
+          <a:lstStyle>
+            <a:lvl1pPr algn="ctr">
+              <a:defRPr sz="6200">
+                <a:solidFill>
+                  <a:srgbClr val="FFFFFF"/>
+                </a:solidFill>
+                <a:latin typeface="Microsoft YaHei"/>
+                <a:ea typeface="Microsoft YaHei"/>
+                <a:cs typeface="Microsoft YaHei"/>
+                <a:sym typeface="Microsoft YaHei"/>
+              </a:defRPr>
+            </a:lvl1pPr>
+          </a:lstStyle>
+          <a:p>
+            <a:pPr lvl="0"/>
+            <a:r>
+              <a:rPr lang="en-US" sz="3200" dirty="0"/>
+              <a:t>Record</a:t>
+            </a:r>
+            <a:endParaRPr kumimoji="0" sz="3200" b="0" i="0" u="none" strike="noStrike" kern="0" cap="none" spc="0" normalizeH="0" baseline="0" noProof="0" dirty="0">
+              <a:ln>
+                <a:noFill/>
+              </a:ln>
+              <a:solidFill>
+                <a:srgbClr val="FFFFFF"/>
+              </a:solidFill>
+              <a:effectLst/>
+              <a:uLnTx/>
+              <a:uFillTx/>
+              <a:latin typeface="Microsoft YaHei"/>
+              <a:ea typeface="Microsoft YaHei"/>
+              <a:sym typeface="Microsoft YaHei"/>
+            </a:endParaRPr>
+          </a:p>
+        </p:txBody>
+      </p:sp>
+      <p:sp>
+        <p:nvSpPr>
+          <p:cNvPr id="6" name="TextBox 5">
+            <a:extLst>
+              <a:ext uri="{FF2B5EF4-FFF2-40B4-BE49-F238E27FC236}">
+                <a16:creationId xmlns:a16="http://schemas.microsoft.com/office/drawing/2014/main" id="{5635ED07-B06E-A045-B96A-040338221811}"/>
+              </a:ext>
+            </a:extLst>
+          </p:cNvPr>
+          <p:cNvSpPr txBox="1"/>
+          <p:nvPr/>
+        </p:nvSpPr>
+        <p:spPr>
+          <a:xfrm>
+            <a:off x="5905383" y="3252792"/>
+            <a:ext cx="1847562" cy="584771"/>
+          </a:xfrm>
+          <a:prstGeom prst="rect">
+            <a:avLst/>
+          </a:prstGeom>
+          <a:ln w="12700">
+            <a:miter lim="400000"/>
+          </a:ln>
+          <a:extLst>
+            <a:ext uri="{C572A759-6A51-4108-AA02-DFA0A04FC94B}">
+              <ma14:wrappingTextBoxFlag xmlns:ma14="http://schemas.microsoft.com/office/mac/drawingml/2011/main" xmlns="" val="1"/>
+            </a:ext>
+          </a:extLst>
+        </p:spPr>
+        <p:txBody>
+          <a:bodyPr wrap="square" lIns="45718" tIns="45718" rIns="45718" bIns="45718">
+            <a:spAutoFit/>
+          </a:bodyPr>
+          <a:lstStyle>
+            <a:lvl1pPr algn="ctr">
+              <a:defRPr sz="6200">
+                <a:solidFill>
+                  <a:srgbClr val="FFFFFF"/>
+                </a:solidFill>
+                <a:latin typeface="Microsoft YaHei"/>
+                <a:ea typeface="Microsoft YaHei"/>
+                <a:cs typeface="Microsoft YaHei"/>
+                <a:sym typeface="Microsoft YaHei"/>
+              </a:defRPr>
+            </a:lvl1pPr>
+          </a:lstStyle>
+          <a:p>
+            <a:pPr lvl="0"/>
+            <a:r>
+              <a:rPr lang="en-US" sz="3200" dirty="0"/>
+              <a:t>Partial</a:t>
+            </a:r>
+            <a:endParaRPr kumimoji="0" sz="3200" b="0" i="0" u="none" strike="noStrike" kern="0" cap="none" spc="0" normalizeH="0" baseline="0" noProof="0" dirty="0">
+              <a:ln>
+                <a:noFill/>
+              </a:ln>
+              <a:solidFill>
+                <a:srgbClr val="FFFFFF"/>
+              </a:solidFill>
+              <a:effectLst/>
+              <a:uLnTx/>
+              <a:uFillTx/>
+              <a:latin typeface="Microsoft YaHei"/>
+              <a:ea typeface="Microsoft YaHei"/>
+              <a:sym typeface="Microsoft YaHei"/>
+            </a:endParaRPr>
+          </a:p>
+        </p:txBody>
+      </p:sp>
+    </p:spTree>
+    <p:extLst>
+      <p:ext uri="{BB962C8B-B14F-4D97-AF65-F5344CB8AC3E}">
+        <p14:creationId xmlns:p14="http://schemas.microsoft.com/office/powerpoint/2010/main" val="363857331"/>
+      </p:ext>
+    </p:extLst>
+  </p:cSld>
+  <p:clrMapOvr>
+    <a:masterClrMapping/>
+  </p:clrMapOvr>
+  <mc:AlternateContent xmlns:mc="http://schemas.openxmlformats.org/markup-compatibility/2006" xmlns:p14="http://schemas.microsoft.com/office/powerpoint/2010/main">
+    <mc:Choice Requires="p14">
+      <p:transition spd="slow" p14:dur="1500">
+        <p:dissolve/>
+      </p:transition>
+    </mc:Choice>
+    <mc:Fallback xmlns="">
+      <p:transition spd="slow">
+        <p:fade/>
+      </p:transition>
+    </mc:Fallback>
+  </mc:AlternateContent>
+</p:sld>
+</file>
+
+<file path=ppt/slides/slide25.xml><?xml version="1.0" encoding="utf-8"?>
 <p:sld xmlns:a="http://schemas.openxmlformats.org/drawingml/2006/main" xmlns:r="http://schemas.openxmlformats.org/officeDocument/2006/relationships" xmlns:p="http://schemas.openxmlformats.org/presentationml/2006/main">
   <p:cSld>
     <p:bg>
@@ -10219,6 +13733,1109 @@
 </file>
 
 <file path=ppt/theme/theme2.xml><?xml version="1.0" encoding="utf-8"?>
+<a:theme xmlns:a="http://schemas.openxmlformats.org/drawingml/2006/main" name="1_White">
+  <a:themeElements>
+    <a:clrScheme name="White">
+      <a:dk1>
+        <a:srgbClr val="000000"/>
+      </a:dk1>
+      <a:lt1>
+        <a:srgbClr val="FFFFFF"/>
+      </a:lt1>
+      <a:dk2>
+        <a:srgbClr val="A7A7A7"/>
+      </a:dk2>
+      <a:lt2>
+        <a:srgbClr val="535353"/>
+      </a:lt2>
+      <a:accent1>
+        <a:srgbClr val="00A2FF"/>
+      </a:accent1>
+      <a:accent2>
+        <a:srgbClr val="16E7CF"/>
+      </a:accent2>
+      <a:accent3>
+        <a:srgbClr val="61D836"/>
+      </a:accent3>
+      <a:accent4>
+        <a:srgbClr val="FAE232"/>
+      </a:accent4>
+      <a:accent5>
+        <a:srgbClr val="FF644E"/>
+      </a:accent5>
+      <a:accent6>
+        <a:srgbClr val="EF5FA7"/>
+      </a:accent6>
+      <a:hlink>
+        <a:srgbClr val="0000FF"/>
+      </a:hlink>
+      <a:folHlink>
+        <a:srgbClr val="FF00FF"/>
+      </a:folHlink>
+    </a:clrScheme>
+    <a:fontScheme name="White">
+      <a:majorFont>
+        <a:latin typeface="Lucida Grande"/>
+        <a:ea typeface="Lucida Grande"/>
+        <a:cs typeface="Lucida Grande"/>
+      </a:majorFont>
+      <a:minorFont>
+        <a:latin typeface="Helvetica"/>
+        <a:ea typeface="Helvetica"/>
+        <a:cs typeface="Helvetica"/>
+      </a:minorFont>
+    </a:fontScheme>
+    <a:fmtScheme name="White">
+      <a:fillStyleLst>
+        <a:solidFill>
+          <a:schemeClr val="phClr"/>
+        </a:solidFill>
+        <a:gradFill rotWithShape="1">
+          <a:gsLst>
+            <a:gs pos="0">
+              <a:schemeClr val="phClr">
+                <a:tint val="50000"/>
+                <a:satMod val="300000"/>
+              </a:schemeClr>
+            </a:gs>
+            <a:gs pos="35000">
+              <a:schemeClr val="phClr">
+                <a:tint val="37000"/>
+                <a:satMod val="300000"/>
+              </a:schemeClr>
+            </a:gs>
+            <a:gs pos="100000">
+              <a:schemeClr val="phClr">
+                <a:tint val="15000"/>
+                <a:satMod val="350000"/>
+              </a:schemeClr>
+            </a:gs>
+          </a:gsLst>
+          <a:lin ang="16200000" scaled="1"/>
+        </a:gradFill>
+        <a:gradFill rotWithShape="1">
+          <a:gsLst>
+            <a:gs pos="0">
+              <a:schemeClr val="phClr">
+                <a:tint val="100000"/>
+                <a:shade val="100000"/>
+                <a:satMod val="129999"/>
+              </a:schemeClr>
+            </a:gs>
+            <a:gs pos="100000">
+              <a:schemeClr val="phClr">
+                <a:tint val="50000"/>
+                <a:shade val="100000"/>
+                <a:satMod val="350000"/>
+              </a:schemeClr>
+            </a:gs>
+          </a:gsLst>
+          <a:lin ang="16200000" scaled="0"/>
+        </a:gradFill>
+      </a:fillStyleLst>
+      <a:lnStyleLst>
+        <a:ln w="9525" cap="flat" cmpd="sng" algn="ctr">
+          <a:solidFill>
+            <a:schemeClr val="phClr">
+              <a:shade val="95000"/>
+              <a:satMod val="104999"/>
+            </a:schemeClr>
+          </a:solidFill>
+          <a:prstDash val="solid"/>
+        </a:ln>
+        <a:ln w="25400" cap="flat" cmpd="sng" algn="ctr">
+          <a:solidFill>
+            <a:schemeClr val="phClr"/>
+          </a:solidFill>
+          <a:prstDash val="solid"/>
+        </a:ln>
+        <a:ln w="38100" cap="flat" cmpd="sng" algn="ctr">
+          <a:solidFill>
+            <a:schemeClr val="phClr"/>
+          </a:solidFill>
+          <a:prstDash val="solid"/>
+        </a:ln>
+      </a:lnStyleLst>
+      <a:effectStyleLst>
+        <a:effectStyle>
+          <a:effectLst>
+            <a:outerShdw blurRad="38100" dist="23000" dir="5400000" rotWithShape="0">
+              <a:srgbClr val="000000">
+                <a:alpha val="35000"/>
+              </a:srgbClr>
+            </a:outerShdw>
+          </a:effectLst>
+        </a:effectStyle>
+        <a:effectStyle>
+          <a:effectLst>
+            <a:outerShdw blurRad="38100" dist="23000" dir="5400000" rotWithShape="0">
+              <a:srgbClr val="000000">
+                <a:alpha val="35000"/>
+              </a:srgbClr>
+            </a:outerShdw>
+          </a:effectLst>
+        </a:effectStyle>
+        <a:effectStyle>
+          <a:effectLst>
+            <a:outerShdw blurRad="38100" dist="23000" dir="5400000" rotWithShape="0">
+              <a:srgbClr val="000000">
+                <a:alpha val="35000"/>
+              </a:srgbClr>
+            </a:outerShdw>
+          </a:effectLst>
+        </a:effectStyle>
+      </a:effectStyleLst>
+      <a:bgFillStyleLst>
+        <a:solidFill>
+          <a:schemeClr val="phClr"/>
+        </a:solidFill>
+        <a:gradFill rotWithShape="1">
+          <a:gsLst>
+            <a:gs pos="0">
+              <a:schemeClr val="phClr">
+                <a:tint val="40000"/>
+                <a:satMod val="350000"/>
+              </a:schemeClr>
+            </a:gs>
+            <a:gs pos="40000">
+              <a:schemeClr val="phClr">
+                <a:tint val="45000"/>
+                <a:shade val="99000"/>
+                <a:satMod val="350000"/>
+              </a:schemeClr>
+            </a:gs>
+            <a:gs pos="100000">
+              <a:schemeClr val="phClr">
+                <a:shade val="20000"/>
+                <a:satMod val="255000"/>
+              </a:schemeClr>
+            </a:gs>
+          </a:gsLst>
+          <a:path path="circle">
+            <a:fillToRect l="50000" t="-80000" r="50000" b="180000"/>
+          </a:path>
+        </a:gradFill>
+        <a:gradFill rotWithShape="1">
+          <a:gsLst>
+            <a:gs pos="0">
+              <a:schemeClr val="phClr">
+                <a:tint val="80000"/>
+                <a:satMod val="300000"/>
+              </a:schemeClr>
+            </a:gs>
+            <a:gs pos="100000">
+              <a:schemeClr val="phClr">
+                <a:shade val="30000"/>
+                <a:satMod val="200000"/>
+              </a:schemeClr>
+            </a:gs>
+          </a:gsLst>
+          <a:path path="circle">
+            <a:fillToRect l="50000" t="50000" r="50000" b="50000"/>
+          </a:path>
+        </a:gradFill>
+      </a:bgFillStyleLst>
+    </a:fmtScheme>
+  </a:themeElements>
+  <a:objectDefaults>
+    <a:spDef>
+      <a:spPr>
+        <a:solidFill>
+          <a:srgbClr val="FFFFFF"/>
+        </a:solidFill>
+        <a:ln w="25400" cap="flat">
+          <a:solidFill>
+            <a:schemeClr val="accent1"/>
+          </a:solidFill>
+          <a:prstDash val="solid"/>
+          <a:round/>
+        </a:ln>
+        <a:effectLst>
+          <a:outerShdw blurRad="38100" dist="23000" dir="5400000" rotWithShape="0">
+            <a:srgbClr val="000000">
+              <a:alpha val="35000"/>
+            </a:srgbClr>
+          </a:outerShdw>
+        </a:effectLst>
+        <a:sp3d/>
+      </a:spPr>
+      <a:bodyPr rot="0" spcFirstLastPara="1" vertOverflow="overflow" horzOverflow="overflow" vert="horz" wrap="square" lIns="45718" tIns="45718" rIns="45718" bIns="45718" numCol="1" spcCol="38100" rtlCol="0" anchor="ctr">
+        <a:spAutoFit/>
+      </a:bodyPr>
+      <a:lstStyle>
+        <a:defPPr marL="0" marR="0" indent="0" algn="l" defTabSz="1440089" rtl="0" fontAlgn="auto" latinLnBrk="0" hangingPunct="0">
+          <a:lnSpc>
+            <a:spcPct val="100000"/>
+          </a:lnSpc>
+          <a:spcBef>
+            <a:spcPts val="0"/>
+          </a:spcBef>
+          <a:spcAft>
+            <a:spcPts val="0"/>
+          </a:spcAft>
+          <a:buClrTx/>
+          <a:buSzTx/>
+          <a:buFontTx/>
+          <a:buNone/>
+          <a:tabLst/>
+          <a:defRPr kumimoji="0" sz="2800" b="0" i="0" u="none" strike="noStrike" cap="none" spc="0" normalizeH="0" baseline="0">
+            <a:ln>
+              <a:noFill/>
+            </a:ln>
+            <a:solidFill>
+              <a:srgbClr val="000000"/>
+            </a:solidFill>
+            <a:effectLst/>
+            <a:uFillTx/>
+            <a:latin typeface="+mn-lt"/>
+            <a:ea typeface="+mn-ea"/>
+            <a:cs typeface="+mn-cs"/>
+            <a:sym typeface="Helvetica"/>
+          </a:defRPr>
+        </a:defPPr>
+        <a:lvl1pPr marL="0" marR="0" indent="0" algn="l" defTabSz="914400" rtl="0" fontAlgn="auto" latinLnBrk="1" hangingPunct="0">
+          <a:lnSpc>
+            <a:spcPct val="100000"/>
+          </a:lnSpc>
+          <a:spcBef>
+            <a:spcPts val="0"/>
+          </a:spcBef>
+          <a:spcAft>
+            <a:spcPts val="0"/>
+          </a:spcAft>
+          <a:buClrTx/>
+          <a:buSzTx/>
+          <a:buFontTx/>
+          <a:buNone/>
+          <a:tabLst/>
+          <a:defRPr kumimoji="0" sz="1800" b="0" i="0" u="none" strike="noStrike" cap="none" spc="0" normalizeH="0" baseline="0">
+            <a:ln>
+              <a:noFill/>
+            </a:ln>
+            <a:solidFill>
+              <a:srgbClr val="000000"/>
+            </a:solidFill>
+            <a:effectLst/>
+            <a:uFillTx/>
+          </a:defRPr>
+        </a:lvl1pPr>
+        <a:lvl2pPr marL="0" marR="0" indent="0" algn="l" defTabSz="914400" rtl="0" fontAlgn="auto" latinLnBrk="1" hangingPunct="0">
+          <a:lnSpc>
+            <a:spcPct val="100000"/>
+          </a:lnSpc>
+          <a:spcBef>
+            <a:spcPts val="0"/>
+          </a:spcBef>
+          <a:spcAft>
+            <a:spcPts val="0"/>
+          </a:spcAft>
+          <a:buClrTx/>
+          <a:buSzTx/>
+          <a:buFontTx/>
+          <a:buNone/>
+          <a:tabLst/>
+          <a:defRPr kumimoji="0" sz="1800" b="0" i="0" u="none" strike="noStrike" cap="none" spc="0" normalizeH="0" baseline="0">
+            <a:ln>
+              <a:noFill/>
+            </a:ln>
+            <a:solidFill>
+              <a:srgbClr val="000000"/>
+            </a:solidFill>
+            <a:effectLst/>
+            <a:uFillTx/>
+          </a:defRPr>
+        </a:lvl2pPr>
+        <a:lvl3pPr marL="0" marR="0" indent="0" algn="l" defTabSz="914400" rtl="0" fontAlgn="auto" latinLnBrk="1" hangingPunct="0">
+          <a:lnSpc>
+            <a:spcPct val="100000"/>
+          </a:lnSpc>
+          <a:spcBef>
+            <a:spcPts val="0"/>
+          </a:spcBef>
+          <a:spcAft>
+            <a:spcPts val="0"/>
+          </a:spcAft>
+          <a:buClrTx/>
+          <a:buSzTx/>
+          <a:buFontTx/>
+          <a:buNone/>
+          <a:tabLst/>
+          <a:defRPr kumimoji="0" sz="1800" b="0" i="0" u="none" strike="noStrike" cap="none" spc="0" normalizeH="0" baseline="0">
+            <a:ln>
+              <a:noFill/>
+            </a:ln>
+            <a:solidFill>
+              <a:srgbClr val="000000"/>
+            </a:solidFill>
+            <a:effectLst/>
+            <a:uFillTx/>
+          </a:defRPr>
+        </a:lvl3pPr>
+        <a:lvl4pPr marL="0" marR="0" indent="0" algn="l" defTabSz="914400" rtl="0" fontAlgn="auto" latinLnBrk="1" hangingPunct="0">
+          <a:lnSpc>
+            <a:spcPct val="100000"/>
+          </a:lnSpc>
+          <a:spcBef>
+            <a:spcPts val="0"/>
+          </a:spcBef>
+          <a:spcAft>
+            <a:spcPts val="0"/>
+          </a:spcAft>
+          <a:buClrTx/>
+          <a:buSzTx/>
+          <a:buFontTx/>
+          <a:buNone/>
+          <a:tabLst/>
+          <a:defRPr kumimoji="0" sz="1800" b="0" i="0" u="none" strike="noStrike" cap="none" spc="0" normalizeH="0" baseline="0">
+            <a:ln>
+              <a:noFill/>
+            </a:ln>
+            <a:solidFill>
+              <a:srgbClr val="000000"/>
+            </a:solidFill>
+            <a:effectLst/>
+            <a:uFillTx/>
+          </a:defRPr>
+        </a:lvl4pPr>
+        <a:lvl5pPr marL="0" marR="0" indent="0" algn="l" defTabSz="914400" rtl="0" fontAlgn="auto" latinLnBrk="1" hangingPunct="0">
+          <a:lnSpc>
+            <a:spcPct val="100000"/>
+          </a:lnSpc>
+          <a:spcBef>
+            <a:spcPts val="0"/>
+          </a:spcBef>
+          <a:spcAft>
+            <a:spcPts val="0"/>
+          </a:spcAft>
+          <a:buClrTx/>
+          <a:buSzTx/>
+          <a:buFontTx/>
+          <a:buNone/>
+          <a:tabLst/>
+          <a:defRPr kumimoji="0" sz="1800" b="0" i="0" u="none" strike="noStrike" cap="none" spc="0" normalizeH="0" baseline="0">
+            <a:ln>
+              <a:noFill/>
+            </a:ln>
+            <a:solidFill>
+              <a:srgbClr val="000000"/>
+            </a:solidFill>
+            <a:effectLst/>
+            <a:uFillTx/>
+          </a:defRPr>
+        </a:lvl5pPr>
+        <a:lvl6pPr marL="0" marR="0" indent="0" algn="l" defTabSz="914400" rtl="0" fontAlgn="auto" latinLnBrk="1" hangingPunct="0">
+          <a:lnSpc>
+            <a:spcPct val="100000"/>
+          </a:lnSpc>
+          <a:spcBef>
+            <a:spcPts val="0"/>
+          </a:spcBef>
+          <a:spcAft>
+            <a:spcPts val="0"/>
+          </a:spcAft>
+          <a:buClrTx/>
+          <a:buSzTx/>
+          <a:buFontTx/>
+          <a:buNone/>
+          <a:tabLst/>
+          <a:defRPr kumimoji="0" sz="1800" b="0" i="0" u="none" strike="noStrike" cap="none" spc="0" normalizeH="0" baseline="0">
+            <a:ln>
+              <a:noFill/>
+            </a:ln>
+            <a:solidFill>
+              <a:srgbClr val="000000"/>
+            </a:solidFill>
+            <a:effectLst/>
+            <a:uFillTx/>
+          </a:defRPr>
+        </a:lvl6pPr>
+        <a:lvl7pPr marL="0" marR="0" indent="0" algn="l" defTabSz="914400" rtl="0" fontAlgn="auto" latinLnBrk="1" hangingPunct="0">
+          <a:lnSpc>
+            <a:spcPct val="100000"/>
+          </a:lnSpc>
+          <a:spcBef>
+            <a:spcPts val="0"/>
+          </a:spcBef>
+          <a:spcAft>
+            <a:spcPts val="0"/>
+          </a:spcAft>
+          <a:buClrTx/>
+          <a:buSzTx/>
+          <a:buFontTx/>
+          <a:buNone/>
+          <a:tabLst/>
+          <a:defRPr kumimoji="0" sz="1800" b="0" i="0" u="none" strike="noStrike" cap="none" spc="0" normalizeH="0" baseline="0">
+            <a:ln>
+              <a:noFill/>
+            </a:ln>
+            <a:solidFill>
+              <a:srgbClr val="000000"/>
+            </a:solidFill>
+            <a:effectLst/>
+            <a:uFillTx/>
+          </a:defRPr>
+        </a:lvl7pPr>
+        <a:lvl8pPr marL="0" marR="0" indent="0" algn="l" defTabSz="914400" rtl="0" fontAlgn="auto" latinLnBrk="1" hangingPunct="0">
+          <a:lnSpc>
+            <a:spcPct val="100000"/>
+          </a:lnSpc>
+          <a:spcBef>
+            <a:spcPts val="0"/>
+          </a:spcBef>
+          <a:spcAft>
+            <a:spcPts val="0"/>
+          </a:spcAft>
+          <a:buClrTx/>
+          <a:buSzTx/>
+          <a:buFontTx/>
+          <a:buNone/>
+          <a:tabLst/>
+          <a:defRPr kumimoji="0" sz="1800" b="0" i="0" u="none" strike="noStrike" cap="none" spc="0" normalizeH="0" baseline="0">
+            <a:ln>
+              <a:noFill/>
+            </a:ln>
+            <a:solidFill>
+              <a:srgbClr val="000000"/>
+            </a:solidFill>
+            <a:effectLst/>
+            <a:uFillTx/>
+          </a:defRPr>
+        </a:lvl8pPr>
+        <a:lvl9pPr marL="0" marR="0" indent="0" algn="l" defTabSz="914400" rtl="0" fontAlgn="auto" latinLnBrk="1" hangingPunct="0">
+          <a:lnSpc>
+            <a:spcPct val="100000"/>
+          </a:lnSpc>
+          <a:spcBef>
+            <a:spcPts val="0"/>
+          </a:spcBef>
+          <a:spcAft>
+            <a:spcPts val="0"/>
+          </a:spcAft>
+          <a:buClrTx/>
+          <a:buSzTx/>
+          <a:buFontTx/>
+          <a:buNone/>
+          <a:tabLst/>
+          <a:defRPr kumimoji="0" sz="1800" b="0" i="0" u="none" strike="noStrike" cap="none" spc="0" normalizeH="0" baseline="0">
+            <a:ln>
+              <a:noFill/>
+            </a:ln>
+            <a:solidFill>
+              <a:srgbClr val="000000"/>
+            </a:solidFill>
+            <a:effectLst/>
+            <a:uFillTx/>
+          </a:defRPr>
+        </a:lvl9pPr>
+      </a:lstStyle>
+      <a:style>
+        <a:lnRef idx="0">
+          <a:scrgbClr r="0" g="0" b="0"/>
+        </a:lnRef>
+        <a:fillRef idx="0">
+          <a:scrgbClr r="0" g="0" b="0"/>
+        </a:fillRef>
+        <a:effectRef idx="0">
+          <a:scrgbClr r="0" g="0" b="0"/>
+        </a:effectRef>
+        <a:fontRef idx="none"/>
+      </a:style>
+    </a:spDef>
+    <a:lnDef>
+      <a:spPr>
+        <a:noFill/>
+        <a:ln w="25400" cap="flat">
+          <a:solidFill>
+            <a:schemeClr val="accent1"/>
+          </a:solidFill>
+          <a:prstDash val="solid"/>
+          <a:round/>
+        </a:ln>
+        <a:effectLst>
+          <a:outerShdw blurRad="38100" dist="23000" dir="5400000" rotWithShape="0">
+            <a:srgbClr val="000000">
+              <a:alpha val="35000"/>
+            </a:srgbClr>
+          </a:outerShdw>
+        </a:effectLst>
+        <a:sp3d/>
+      </a:spPr>
+      <a:bodyPr rot="0" spcFirstLastPara="1" vertOverflow="overflow" horzOverflow="overflow" vert="horz" wrap="square" lIns="91439" tIns="45719" rIns="91439" bIns="45719" numCol="1" spcCol="38100" rtlCol="0" anchor="t">
+        <a:noAutofit/>
+      </a:bodyPr>
+      <a:lstStyle>
+        <a:defPPr marL="0" marR="0" indent="0" algn="l" defTabSz="914400" rtl="0" fontAlgn="auto" latinLnBrk="1" hangingPunct="0">
+          <a:lnSpc>
+            <a:spcPct val="100000"/>
+          </a:lnSpc>
+          <a:spcBef>
+            <a:spcPts val="0"/>
+          </a:spcBef>
+          <a:spcAft>
+            <a:spcPts val="0"/>
+          </a:spcAft>
+          <a:buClrTx/>
+          <a:buSzTx/>
+          <a:buFontTx/>
+          <a:buNone/>
+          <a:tabLst/>
+          <a:defRPr kumimoji="0" sz="1800" b="0" i="0" u="none" strike="noStrike" cap="none" spc="0" normalizeH="0" baseline="0">
+            <a:ln>
+              <a:noFill/>
+            </a:ln>
+            <a:solidFill>
+              <a:srgbClr val="000000"/>
+            </a:solidFill>
+            <a:effectLst/>
+            <a:uFillTx/>
+          </a:defRPr>
+        </a:defPPr>
+        <a:lvl1pPr marL="0" marR="0" indent="0" algn="l" defTabSz="914400" rtl="0" fontAlgn="auto" latinLnBrk="1" hangingPunct="0">
+          <a:lnSpc>
+            <a:spcPct val="100000"/>
+          </a:lnSpc>
+          <a:spcBef>
+            <a:spcPts val="0"/>
+          </a:spcBef>
+          <a:spcAft>
+            <a:spcPts val="0"/>
+          </a:spcAft>
+          <a:buClrTx/>
+          <a:buSzTx/>
+          <a:buFontTx/>
+          <a:buNone/>
+          <a:tabLst/>
+          <a:defRPr kumimoji="0" sz="1800" b="0" i="0" u="none" strike="noStrike" cap="none" spc="0" normalizeH="0" baseline="0">
+            <a:ln>
+              <a:noFill/>
+            </a:ln>
+            <a:solidFill>
+              <a:srgbClr val="000000"/>
+            </a:solidFill>
+            <a:effectLst/>
+            <a:uFillTx/>
+          </a:defRPr>
+        </a:lvl1pPr>
+        <a:lvl2pPr marL="0" marR="0" indent="0" algn="l" defTabSz="914400" rtl="0" fontAlgn="auto" latinLnBrk="1" hangingPunct="0">
+          <a:lnSpc>
+            <a:spcPct val="100000"/>
+          </a:lnSpc>
+          <a:spcBef>
+            <a:spcPts val="0"/>
+          </a:spcBef>
+          <a:spcAft>
+            <a:spcPts val="0"/>
+          </a:spcAft>
+          <a:buClrTx/>
+          <a:buSzTx/>
+          <a:buFontTx/>
+          <a:buNone/>
+          <a:tabLst/>
+          <a:defRPr kumimoji="0" sz="1800" b="0" i="0" u="none" strike="noStrike" cap="none" spc="0" normalizeH="0" baseline="0">
+            <a:ln>
+              <a:noFill/>
+            </a:ln>
+            <a:solidFill>
+              <a:srgbClr val="000000"/>
+            </a:solidFill>
+            <a:effectLst/>
+            <a:uFillTx/>
+          </a:defRPr>
+        </a:lvl2pPr>
+        <a:lvl3pPr marL="0" marR="0" indent="0" algn="l" defTabSz="914400" rtl="0" fontAlgn="auto" latinLnBrk="1" hangingPunct="0">
+          <a:lnSpc>
+            <a:spcPct val="100000"/>
+          </a:lnSpc>
+          <a:spcBef>
+            <a:spcPts val="0"/>
+          </a:spcBef>
+          <a:spcAft>
+            <a:spcPts val="0"/>
+          </a:spcAft>
+          <a:buClrTx/>
+          <a:buSzTx/>
+          <a:buFontTx/>
+          <a:buNone/>
+          <a:tabLst/>
+          <a:defRPr kumimoji="0" sz="1800" b="0" i="0" u="none" strike="noStrike" cap="none" spc="0" normalizeH="0" baseline="0">
+            <a:ln>
+              <a:noFill/>
+            </a:ln>
+            <a:solidFill>
+              <a:srgbClr val="000000"/>
+            </a:solidFill>
+            <a:effectLst/>
+            <a:uFillTx/>
+          </a:defRPr>
+        </a:lvl3pPr>
+        <a:lvl4pPr marL="0" marR="0" indent="0" algn="l" defTabSz="914400" rtl="0" fontAlgn="auto" latinLnBrk="1" hangingPunct="0">
+          <a:lnSpc>
+            <a:spcPct val="100000"/>
+          </a:lnSpc>
+          <a:spcBef>
+            <a:spcPts val="0"/>
+          </a:spcBef>
+          <a:spcAft>
+            <a:spcPts val="0"/>
+          </a:spcAft>
+          <a:buClrTx/>
+          <a:buSzTx/>
+          <a:buFontTx/>
+          <a:buNone/>
+          <a:tabLst/>
+          <a:defRPr kumimoji="0" sz="1800" b="0" i="0" u="none" strike="noStrike" cap="none" spc="0" normalizeH="0" baseline="0">
+            <a:ln>
+              <a:noFill/>
+            </a:ln>
+            <a:solidFill>
+              <a:srgbClr val="000000"/>
+            </a:solidFill>
+            <a:effectLst/>
+            <a:uFillTx/>
+          </a:defRPr>
+        </a:lvl4pPr>
+        <a:lvl5pPr marL="0" marR="0" indent="0" algn="l" defTabSz="914400" rtl="0" fontAlgn="auto" latinLnBrk="1" hangingPunct="0">
+          <a:lnSpc>
+            <a:spcPct val="100000"/>
+          </a:lnSpc>
+          <a:spcBef>
+            <a:spcPts val="0"/>
+          </a:spcBef>
+          <a:spcAft>
+            <a:spcPts val="0"/>
+          </a:spcAft>
+          <a:buClrTx/>
+          <a:buSzTx/>
+          <a:buFontTx/>
+          <a:buNone/>
+          <a:tabLst/>
+          <a:defRPr kumimoji="0" sz="1800" b="0" i="0" u="none" strike="noStrike" cap="none" spc="0" normalizeH="0" baseline="0">
+            <a:ln>
+              <a:noFill/>
+            </a:ln>
+            <a:solidFill>
+              <a:srgbClr val="000000"/>
+            </a:solidFill>
+            <a:effectLst/>
+            <a:uFillTx/>
+          </a:defRPr>
+        </a:lvl5pPr>
+        <a:lvl6pPr marL="0" marR="0" indent="0" algn="l" defTabSz="914400" rtl="0" fontAlgn="auto" latinLnBrk="1" hangingPunct="0">
+          <a:lnSpc>
+            <a:spcPct val="100000"/>
+          </a:lnSpc>
+          <a:spcBef>
+            <a:spcPts val="0"/>
+          </a:spcBef>
+          <a:spcAft>
+            <a:spcPts val="0"/>
+          </a:spcAft>
+          <a:buClrTx/>
+          <a:buSzTx/>
+          <a:buFontTx/>
+          <a:buNone/>
+          <a:tabLst/>
+          <a:defRPr kumimoji="0" sz="1800" b="0" i="0" u="none" strike="noStrike" cap="none" spc="0" normalizeH="0" baseline="0">
+            <a:ln>
+              <a:noFill/>
+            </a:ln>
+            <a:solidFill>
+              <a:srgbClr val="000000"/>
+            </a:solidFill>
+            <a:effectLst/>
+            <a:uFillTx/>
+          </a:defRPr>
+        </a:lvl6pPr>
+        <a:lvl7pPr marL="0" marR="0" indent="0" algn="l" defTabSz="914400" rtl="0" fontAlgn="auto" latinLnBrk="1" hangingPunct="0">
+          <a:lnSpc>
+            <a:spcPct val="100000"/>
+          </a:lnSpc>
+          <a:spcBef>
+            <a:spcPts val="0"/>
+          </a:spcBef>
+          <a:spcAft>
+            <a:spcPts val="0"/>
+          </a:spcAft>
+          <a:buClrTx/>
+          <a:buSzTx/>
+          <a:buFontTx/>
+          <a:buNone/>
+          <a:tabLst/>
+          <a:defRPr kumimoji="0" sz="1800" b="0" i="0" u="none" strike="noStrike" cap="none" spc="0" normalizeH="0" baseline="0">
+            <a:ln>
+              <a:noFill/>
+            </a:ln>
+            <a:solidFill>
+              <a:srgbClr val="000000"/>
+            </a:solidFill>
+            <a:effectLst/>
+            <a:uFillTx/>
+          </a:defRPr>
+        </a:lvl7pPr>
+        <a:lvl8pPr marL="0" marR="0" indent="0" algn="l" defTabSz="914400" rtl="0" fontAlgn="auto" latinLnBrk="1" hangingPunct="0">
+          <a:lnSpc>
+            <a:spcPct val="100000"/>
+          </a:lnSpc>
+          <a:spcBef>
+            <a:spcPts val="0"/>
+          </a:spcBef>
+          <a:spcAft>
+            <a:spcPts val="0"/>
+          </a:spcAft>
+          <a:buClrTx/>
+          <a:buSzTx/>
+          <a:buFontTx/>
+          <a:buNone/>
+          <a:tabLst/>
+          <a:defRPr kumimoji="0" sz="1800" b="0" i="0" u="none" strike="noStrike" cap="none" spc="0" normalizeH="0" baseline="0">
+            <a:ln>
+              <a:noFill/>
+            </a:ln>
+            <a:solidFill>
+              <a:srgbClr val="000000"/>
+            </a:solidFill>
+            <a:effectLst/>
+            <a:uFillTx/>
+          </a:defRPr>
+        </a:lvl8pPr>
+        <a:lvl9pPr marL="0" marR="0" indent="0" algn="l" defTabSz="914400" rtl="0" fontAlgn="auto" latinLnBrk="1" hangingPunct="0">
+          <a:lnSpc>
+            <a:spcPct val="100000"/>
+          </a:lnSpc>
+          <a:spcBef>
+            <a:spcPts val="0"/>
+          </a:spcBef>
+          <a:spcAft>
+            <a:spcPts val="0"/>
+          </a:spcAft>
+          <a:buClrTx/>
+          <a:buSzTx/>
+          <a:buFontTx/>
+          <a:buNone/>
+          <a:tabLst/>
+          <a:defRPr kumimoji="0" sz="1800" b="0" i="0" u="none" strike="noStrike" cap="none" spc="0" normalizeH="0" baseline="0">
+            <a:ln>
+              <a:noFill/>
+            </a:ln>
+            <a:solidFill>
+              <a:srgbClr val="000000"/>
+            </a:solidFill>
+            <a:effectLst/>
+            <a:uFillTx/>
+          </a:defRPr>
+        </a:lvl9pPr>
+      </a:lstStyle>
+      <a:style>
+        <a:lnRef idx="0">
+          <a:scrgbClr r="0" g="0" b="0"/>
+        </a:lnRef>
+        <a:fillRef idx="0">
+          <a:scrgbClr r="0" g="0" b="0"/>
+        </a:fillRef>
+        <a:effectRef idx="0">
+          <a:scrgbClr r="0" g="0" b="0"/>
+        </a:effectRef>
+        <a:fontRef idx="none"/>
+      </a:style>
+    </a:lnDef>
+    <a:txDef>
+      <a:spPr>
+        <a:noFill/>
+        <a:ln w="12700" cap="flat">
+          <a:noFill/>
+          <a:miter lim="400000"/>
+        </a:ln>
+        <a:effectLst/>
+        <a:sp3d/>
+      </a:spPr>
+      <a:bodyPr rot="0" spcFirstLastPara="1" vertOverflow="overflow" horzOverflow="overflow" vert="horz" wrap="square" lIns="50800" tIns="50800" rIns="50800" bIns="50800" numCol="1" spcCol="38100" rtlCol="0" anchor="ctr">
+        <a:spAutoFit/>
+      </a:bodyPr>
+      <a:lstStyle>
+        <a:defPPr marL="0" marR="0" indent="0" algn="l" defTabSz="1440089" rtl="0" fontAlgn="auto" latinLnBrk="0" hangingPunct="0">
+          <a:lnSpc>
+            <a:spcPct val="100000"/>
+          </a:lnSpc>
+          <a:spcBef>
+            <a:spcPts val="0"/>
+          </a:spcBef>
+          <a:spcAft>
+            <a:spcPts val="0"/>
+          </a:spcAft>
+          <a:buClrTx/>
+          <a:buSzTx/>
+          <a:buFontTx/>
+          <a:buNone/>
+          <a:tabLst/>
+          <a:defRPr kumimoji="0" sz="2800" b="0" i="0" u="none" strike="noStrike" cap="none" spc="0" normalizeH="0" baseline="0">
+            <a:ln>
+              <a:noFill/>
+            </a:ln>
+            <a:solidFill>
+              <a:srgbClr val="000000"/>
+            </a:solidFill>
+            <a:effectLst/>
+            <a:uFillTx/>
+            <a:latin typeface="+mn-lt"/>
+            <a:ea typeface="+mn-ea"/>
+            <a:cs typeface="+mn-cs"/>
+            <a:sym typeface="Helvetica"/>
+          </a:defRPr>
+        </a:defPPr>
+        <a:lvl1pPr marL="0" marR="0" indent="0" algn="l" defTabSz="914400" rtl="0" fontAlgn="auto" latinLnBrk="1" hangingPunct="0">
+          <a:lnSpc>
+            <a:spcPct val="100000"/>
+          </a:lnSpc>
+          <a:spcBef>
+            <a:spcPts val="0"/>
+          </a:spcBef>
+          <a:spcAft>
+            <a:spcPts val="0"/>
+          </a:spcAft>
+          <a:buClrTx/>
+          <a:buSzTx/>
+          <a:buFontTx/>
+          <a:buNone/>
+          <a:tabLst/>
+          <a:defRPr kumimoji="0" sz="1800" b="0" i="0" u="none" strike="noStrike" cap="none" spc="0" normalizeH="0" baseline="0">
+            <a:ln>
+              <a:noFill/>
+            </a:ln>
+            <a:solidFill>
+              <a:srgbClr val="000000"/>
+            </a:solidFill>
+            <a:effectLst/>
+            <a:uFillTx/>
+          </a:defRPr>
+        </a:lvl1pPr>
+        <a:lvl2pPr marL="0" marR="0" indent="0" algn="l" defTabSz="914400" rtl="0" fontAlgn="auto" latinLnBrk="1" hangingPunct="0">
+          <a:lnSpc>
+            <a:spcPct val="100000"/>
+          </a:lnSpc>
+          <a:spcBef>
+            <a:spcPts val="0"/>
+          </a:spcBef>
+          <a:spcAft>
+            <a:spcPts val="0"/>
+          </a:spcAft>
+          <a:buClrTx/>
+          <a:buSzTx/>
+          <a:buFontTx/>
+          <a:buNone/>
+          <a:tabLst/>
+          <a:defRPr kumimoji="0" sz="1800" b="0" i="0" u="none" strike="noStrike" cap="none" spc="0" normalizeH="0" baseline="0">
+            <a:ln>
+              <a:noFill/>
+            </a:ln>
+            <a:solidFill>
+              <a:srgbClr val="000000"/>
+            </a:solidFill>
+            <a:effectLst/>
+            <a:uFillTx/>
+          </a:defRPr>
+        </a:lvl2pPr>
+        <a:lvl3pPr marL="0" marR="0" indent="0" algn="l" defTabSz="914400" rtl="0" fontAlgn="auto" latinLnBrk="1" hangingPunct="0">
+          <a:lnSpc>
+            <a:spcPct val="100000"/>
+          </a:lnSpc>
+          <a:spcBef>
+            <a:spcPts val="0"/>
+          </a:spcBef>
+          <a:spcAft>
+            <a:spcPts val="0"/>
+          </a:spcAft>
+          <a:buClrTx/>
+          <a:buSzTx/>
+          <a:buFontTx/>
+          <a:buNone/>
+          <a:tabLst/>
+          <a:defRPr kumimoji="0" sz="1800" b="0" i="0" u="none" strike="noStrike" cap="none" spc="0" normalizeH="0" baseline="0">
+            <a:ln>
+              <a:noFill/>
+            </a:ln>
+            <a:solidFill>
+              <a:srgbClr val="000000"/>
+            </a:solidFill>
+            <a:effectLst/>
+            <a:uFillTx/>
+          </a:defRPr>
+        </a:lvl3pPr>
+        <a:lvl4pPr marL="0" marR="0" indent="0" algn="l" defTabSz="914400" rtl="0" fontAlgn="auto" latinLnBrk="1" hangingPunct="0">
+          <a:lnSpc>
+            <a:spcPct val="100000"/>
+          </a:lnSpc>
+          <a:spcBef>
+            <a:spcPts val="0"/>
+          </a:spcBef>
+          <a:spcAft>
+            <a:spcPts val="0"/>
+          </a:spcAft>
+          <a:buClrTx/>
+          <a:buSzTx/>
+          <a:buFontTx/>
+          <a:buNone/>
+          <a:tabLst/>
+          <a:defRPr kumimoji="0" sz="1800" b="0" i="0" u="none" strike="noStrike" cap="none" spc="0" normalizeH="0" baseline="0">
+            <a:ln>
+              <a:noFill/>
+            </a:ln>
+            <a:solidFill>
+              <a:srgbClr val="000000"/>
+            </a:solidFill>
+            <a:effectLst/>
+            <a:uFillTx/>
+          </a:defRPr>
+        </a:lvl4pPr>
+        <a:lvl5pPr marL="0" marR="0" indent="0" algn="l" defTabSz="914400" rtl="0" fontAlgn="auto" latinLnBrk="1" hangingPunct="0">
+          <a:lnSpc>
+            <a:spcPct val="100000"/>
+          </a:lnSpc>
+          <a:spcBef>
+            <a:spcPts val="0"/>
+          </a:spcBef>
+          <a:spcAft>
+            <a:spcPts val="0"/>
+          </a:spcAft>
+          <a:buClrTx/>
+          <a:buSzTx/>
+          <a:buFontTx/>
+          <a:buNone/>
+          <a:tabLst/>
+          <a:defRPr kumimoji="0" sz="1800" b="0" i="0" u="none" strike="noStrike" cap="none" spc="0" normalizeH="0" baseline="0">
+            <a:ln>
+              <a:noFill/>
+            </a:ln>
+            <a:solidFill>
+              <a:srgbClr val="000000"/>
+            </a:solidFill>
+            <a:effectLst/>
+            <a:uFillTx/>
+          </a:defRPr>
+        </a:lvl5pPr>
+        <a:lvl6pPr marL="0" marR="0" indent="0" algn="l" defTabSz="914400" rtl="0" fontAlgn="auto" latinLnBrk="1" hangingPunct="0">
+          <a:lnSpc>
+            <a:spcPct val="100000"/>
+          </a:lnSpc>
+          <a:spcBef>
+            <a:spcPts val="0"/>
+          </a:spcBef>
+          <a:spcAft>
+            <a:spcPts val="0"/>
+          </a:spcAft>
+          <a:buClrTx/>
+          <a:buSzTx/>
+          <a:buFontTx/>
+          <a:buNone/>
+          <a:tabLst/>
+          <a:defRPr kumimoji="0" sz="1800" b="0" i="0" u="none" strike="noStrike" cap="none" spc="0" normalizeH="0" baseline="0">
+            <a:ln>
+              <a:noFill/>
+            </a:ln>
+            <a:solidFill>
+              <a:srgbClr val="000000"/>
+            </a:solidFill>
+            <a:effectLst/>
+            <a:uFillTx/>
+          </a:defRPr>
+        </a:lvl6pPr>
+        <a:lvl7pPr marL="0" marR="0" indent="0" algn="l" defTabSz="914400" rtl="0" fontAlgn="auto" latinLnBrk="1" hangingPunct="0">
+          <a:lnSpc>
+            <a:spcPct val="100000"/>
+          </a:lnSpc>
+          <a:spcBef>
+            <a:spcPts val="0"/>
+          </a:spcBef>
+          <a:spcAft>
+            <a:spcPts val="0"/>
+          </a:spcAft>
+          <a:buClrTx/>
+          <a:buSzTx/>
+          <a:buFontTx/>
+          <a:buNone/>
+          <a:tabLst/>
+          <a:defRPr kumimoji="0" sz="1800" b="0" i="0" u="none" strike="noStrike" cap="none" spc="0" normalizeH="0" baseline="0">
+            <a:ln>
+              <a:noFill/>
+            </a:ln>
+            <a:solidFill>
+              <a:srgbClr val="000000"/>
+            </a:solidFill>
+            <a:effectLst/>
+            <a:uFillTx/>
+          </a:defRPr>
+        </a:lvl7pPr>
+        <a:lvl8pPr marL="0" marR="0" indent="0" algn="l" defTabSz="914400" rtl="0" fontAlgn="auto" latinLnBrk="1" hangingPunct="0">
+          <a:lnSpc>
+            <a:spcPct val="100000"/>
+          </a:lnSpc>
+          <a:spcBef>
+            <a:spcPts val="0"/>
+          </a:spcBef>
+          <a:spcAft>
+            <a:spcPts val="0"/>
+          </a:spcAft>
+          <a:buClrTx/>
+          <a:buSzTx/>
+          <a:buFontTx/>
+          <a:buNone/>
+          <a:tabLst/>
+          <a:defRPr kumimoji="0" sz="1800" b="0" i="0" u="none" strike="noStrike" cap="none" spc="0" normalizeH="0" baseline="0">
+            <a:ln>
+              <a:noFill/>
+            </a:ln>
+            <a:solidFill>
+              <a:srgbClr val="000000"/>
+            </a:solidFill>
+            <a:effectLst/>
+            <a:uFillTx/>
+          </a:defRPr>
+        </a:lvl8pPr>
+        <a:lvl9pPr marL="0" marR="0" indent="0" algn="l" defTabSz="914400" rtl="0" fontAlgn="auto" latinLnBrk="1" hangingPunct="0">
+          <a:lnSpc>
+            <a:spcPct val="100000"/>
+          </a:lnSpc>
+          <a:spcBef>
+            <a:spcPts val="0"/>
+          </a:spcBef>
+          <a:spcAft>
+            <a:spcPts val="0"/>
+          </a:spcAft>
+          <a:buClrTx/>
+          <a:buSzTx/>
+          <a:buFontTx/>
+          <a:buNone/>
+          <a:tabLst/>
+          <a:defRPr kumimoji="0" sz="1800" b="0" i="0" u="none" strike="noStrike" cap="none" spc="0" normalizeH="0" baseline="0">
+            <a:ln>
+              <a:noFill/>
+            </a:ln>
+            <a:solidFill>
+              <a:srgbClr val="000000"/>
+            </a:solidFill>
+            <a:effectLst/>
+            <a:uFillTx/>
+          </a:defRPr>
+        </a:lvl9pPr>
+      </a:lstStyle>
+      <a:style>
+        <a:lnRef idx="0">
+          <a:scrgbClr r="0" g="0" b="0"/>
+        </a:lnRef>
+        <a:fillRef idx="0">
+          <a:scrgbClr r="0" g="0" b="0"/>
+        </a:fillRef>
+        <a:effectRef idx="0">
+          <a:scrgbClr r="0" g="0" b="0"/>
+        </a:effectRef>
+        <a:fontRef idx="none"/>
+      </a:style>
+    </a:txDef>
+  </a:objectDefaults>
+  <a:extraClrSchemeLst/>
+</a:theme>
+</file>
+
+<file path=ppt/theme/theme3.xml><?xml version="1.0" encoding="utf-8"?>
 <a:theme xmlns:a="http://schemas.openxmlformats.org/drawingml/2006/main" name="White">
   <a:themeElements>
     <a:clrScheme name="White">
